--- a/ocr-ppt.pptx
+++ b/ocr-ppt.pptx
@@ -5,7 +5,7 @@
     <p:sldMasterId id="2147483696" r:id="rId1"/>
   </p:sldMasterIdLst>
   <p:notesMasterIdLst>
-    <p:notesMasterId r:id="rId23"/>
+    <p:notesMasterId r:id="rId24"/>
   </p:notesMasterIdLst>
   <p:sldIdLst>
     <p:sldId id="256" r:id="rId2"/>
@@ -14,21 +14,22 @@
     <p:sldId id="258" r:id="rId5"/>
     <p:sldId id="337" r:id="rId6"/>
     <p:sldId id="259" r:id="rId7"/>
-    <p:sldId id="338" r:id="rId8"/>
-    <p:sldId id="332" r:id="rId9"/>
-    <p:sldId id="333" r:id="rId10"/>
-    <p:sldId id="335" r:id="rId11"/>
-    <p:sldId id="336" r:id="rId12"/>
-    <p:sldId id="262" r:id="rId13"/>
-    <p:sldId id="264" r:id="rId14"/>
-    <p:sldId id="265" r:id="rId15"/>
-    <p:sldId id="267" r:id="rId16"/>
-    <p:sldId id="268" r:id="rId17"/>
-    <p:sldId id="269" r:id="rId18"/>
-    <p:sldId id="270" r:id="rId19"/>
-    <p:sldId id="271" r:id="rId20"/>
-    <p:sldId id="339" r:id="rId21"/>
-    <p:sldId id="288" r:id="rId22"/>
+    <p:sldId id="340" r:id="rId8"/>
+    <p:sldId id="338" r:id="rId9"/>
+    <p:sldId id="332" r:id="rId10"/>
+    <p:sldId id="333" r:id="rId11"/>
+    <p:sldId id="335" r:id="rId12"/>
+    <p:sldId id="336" r:id="rId13"/>
+    <p:sldId id="262" r:id="rId14"/>
+    <p:sldId id="264" r:id="rId15"/>
+    <p:sldId id="265" r:id="rId16"/>
+    <p:sldId id="267" r:id="rId17"/>
+    <p:sldId id="268" r:id="rId18"/>
+    <p:sldId id="269" r:id="rId19"/>
+    <p:sldId id="270" r:id="rId20"/>
+    <p:sldId id="271" r:id="rId21"/>
+    <p:sldId id="339" r:id="rId22"/>
+    <p:sldId id="288" r:id="rId23"/>
   </p:sldIdLst>
   <p:sldSz cx="9144000" cy="5143500" type="screen16x9"/>
   <p:notesSz cx="6858000" cy="9144000"/>
@@ -263,7 +264,7 @@
   </p:defaultTextStyle>
   <p:extLst>
     <p:ext uri="{EFAFB233-063F-42B5-8137-9DF3F51BA10A}">
-      <p15:sldGuideLst xmlns:p15="http://schemas.microsoft.com/office/powerpoint/2012/main"/>
+      <p15:sldGuideLst xmlns:p15="http://schemas.microsoft.com/office/powerpoint/2012/main" xmlns=""/>
     </p:ext>
   </p:extLst>
 </p:presentation>
@@ -476,6 +477,11 @@
         </p:txBody>
       </p:sp>
     </p:spTree>
+    <p:extLst>
+      <p:ext uri="{BB962C8B-B14F-4D97-AF65-F5344CB8AC3E}">
+        <p14:creationId xmlns:p14="http://schemas.microsoft.com/office/powerpoint/2010/main" val="2125156856"/>
+      </p:ext>
+    </p:extLst>
   </p:cSld>
   <p:clrMap bg1="lt1" tx1="dk1" bg2="dk2" tx2="lt2" accent1="accent1" accent2="accent2" accent3="accent3" accent4="accent4" accent5="accent5" accent6="accent6" hlink="hlink" folHlink="folHlink"/>
   <p:notesStyle>
@@ -802,7 +808,7 @@
               </a:spcAft>
               <a:buNone/>
             </a:pPr>
-            <a:endParaRPr/>
+            <a:endParaRPr dirty="0"/>
           </a:p>
         </p:txBody>
       </p:sp>
@@ -913,6 +919,115 @@
     </p:spTree>
     <p:extLst>
       <p:ext uri="{BB962C8B-B14F-4D97-AF65-F5344CB8AC3E}">
+        <p14:creationId xmlns:p14="http://schemas.microsoft.com/office/powerpoint/2010/main" val="3390600540"/>
+      </p:ext>
+    </p:extLst>
+  </p:cSld>
+  <p:clrMapOvr>
+    <a:masterClrMapping/>
+  </p:clrMapOvr>
+</p:notes>
+</file>
+
+<file path=ppt/notesSlides/notesSlide11.xml><?xml version="1.0" encoding="utf-8"?>
+<p:notes xmlns:a="http://schemas.openxmlformats.org/drawingml/2006/main" xmlns:r="http://schemas.openxmlformats.org/officeDocument/2006/relationships" xmlns:p="http://schemas.openxmlformats.org/presentationml/2006/main" showMasterSp="0" showMasterPhAnim="0">
+  <p:cSld>
+    <p:spTree>
+      <p:nvGrpSpPr>
+        <p:cNvPr id="1" name="Shape 392"/>
+        <p:cNvGrpSpPr/>
+        <p:nvPr/>
+      </p:nvGrpSpPr>
+      <p:grpSpPr>
+        <a:xfrm>
+          <a:off x="0" y="0"/>
+          <a:ext cx="0" cy="0"/>
+          <a:chOff x="0" y="0"/>
+          <a:chExt cx="0" cy="0"/>
+        </a:xfrm>
+      </p:grpSpPr>
+      <p:sp>
+        <p:nvSpPr>
+          <p:cNvPr id="393" name="Google Shape;393;g1524e77840e_1_1:notes"/>
+          <p:cNvSpPr>
+            <a:spLocks noGrp="1" noRot="1" noChangeAspect="1"/>
+          </p:cNvSpPr>
+          <p:nvPr>
+            <p:ph type="sldImg" idx="2"/>
+          </p:nvPr>
+        </p:nvSpPr>
+        <p:spPr>
+          <a:xfrm>
+            <a:off x="381000" y="685800"/>
+            <a:ext cx="6096000" cy="3429000"/>
+          </a:xfrm>
+          <a:custGeom>
+            <a:avLst/>
+            <a:gdLst/>
+            <a:ahLst/>
+            <a:cxnLst/>
+            <a:rect l="l" t="t" r="r" b="b"/>
+            <a:pathLst>
+              <a:path w="120000" h="120000" extrusionOk="0">
+                <a:moveTo>
+                  <a:pt x="0" y="0"/>
+                </a:moveTo>
+                <a:lnTo>
+                  <a:pt x="120000" y="0"/>
+                </a:lnTo>
+                <a:lnTo>
+                  <a:pt x="120000" y="120000"/>
+                </a:lnTo>
+                <a:lnTo>
+                  <a:pt x="0" y="120000"/>
+                </a:lnTo>
+                <a:close/>
+              </a:path>
+            </a:pathLst>
+          </a:custGeom>
+        </p:spPr>
+      </p:sp>
+      <p:sp>
+        <p:nvSpPr>
+          <p:cNvPr id="394" name="Google Shape;394;g1524e77840e_1_1:notes"/>
+          <p:cNvSpPr txBox="1">
+            <a:spLocks noGrp="1"/>
+          </p:cNvSpPr>
+          <p:nvPr>
+            <p:ph type="body" idx="1"/>
+          </p:nvPr>
+        </p:nvSpPr>
+        <p:spPr>
+          <a:xfrm>
+            <a:off x="685800" y="4343400"/>
+            <a:ext cx="5486400" cy="4114800"/>
+          </a:xfrm>
+          <a:prstGeom prst="rect">
+            <a:avLst/>
+          </a:prstGeom>
+        </p:spPr>
+        <p:txBody>
+          <a:bodyPr spcFirstLastPara="1" wrap="square" lIns="91425" tIns="91425" rIns="91425" bIns="91425" anchor="t" anchorCtr="0">
+            <a:noAutofit/>
+          </a:bodyPr>
+          <a:lstStyle/>
+          <a:p>
+            <a:pPr marL="0" lvl="0" indent="0" algn="l" rtl="0">
+              <a:spcBef>
+                <a:spcPts val="0"/>
+              </a:spcBef>
+              <a:spcAft>
+                <a:spcPts val="0"/>
+              </a:spcAft>
+              <a:buNone/>
+            </a:pPr>
+            <a:endParaRPr/>
+          </a:p>
+        </p:txBody>
+      </p:sp>
+    </p:spTree>
+    <p:extLst>
+      <p:ext uri="{BB962C8B-B14F-4D97-AF65-F5344CB8AC3E}">
         <p14:creationId xmlns:p14="http://schemas.microsoft.com/office/powerpoint/2010/main" val="2471515927"/>
       </p:ext>
     </p:extLst>
@@ -923,7 +1038,7 @@
 </p:notes>
 </file>
 
-<file path=ppt/notesSlides/notesSlide11.xml><?xml version="1.0" encoding="utf-8"?>
+<file path=ppt/notesSlides/notesSlide12.xml><?xml version="1.0" encoding="utf-8"?>
 <p:notes xmlns:a="http://schemas.openxmlformats.org/drawingml/2006/main" xmlns:r="http://schemas.openxmlformats.org/officeDocument/2006/relationships" xmlns:p="http://schemas.openxmlformats.org/presentationml/2006/main" showMasterSp="0" showMasterPhAnim="0">
   <p:cSld>
     <p:spTree>
@@ -1032,7 +1147,7 @@
 </p:notes>
 </file>
 
-<file path=ppt/notesSlides/notesSlide12.xml><?xml version="1.0" encoding="utf-8"?>
+<file path=ppt/notesSlides/notesSlide13.xml><?xml version="1.0" encoding="utf-8"?>
 <p:notes xmlns:a="http://schemas.openxmlformats.org/drawingml/2006/main" xmlns:r="http://schemas.openxmlformats.org/officeDocument/2006/relationships" xmlns:p="http://schemas.openxmlformats.org/presentationml/2006/main" showMasterSp="0" showMasterPhAnim="0">
   <p:cSld>
     <p:spTree>
@@ -1136,7 +1251,7 @@
 </p:notes>
 </file>
 
-<file path=ppt/notesSlides/notesSlide13.xml><?xml version="1.0" encoding="utf-8"?>
+<file path=ppt/notesSlides/notesSlide14.xml><?xml version="1.0" encoding="utf-8"?>
 <p:notes xmlns:a="http://schemas.openxmlformats.org/drawingml/2006/main" xmlns:r="http://schemas.openxmlformats.org/officeDocument/2006/relationships" xmlns:p="http://schemas.openxmlformats.org/presentationml/2006/main" showMasterSp="0" showMasterPhAnim="0">
   <p:cSld>
     <p:spTree>
@@ -1240,7 +1355,7 @@
 </p:notes>
 </file>
 
-<file path=ppt/notesSlides/notesSlide14.xml><?xml version="1.0" encoding="utf-8"?>
+<file path=ppt/notesSlides/notesSlide15.xml><?xml version="1.0" encoding="utf-8"?>
 <p:notes xmlns:a="http://schemas.openxmlformats.org/drawingml/2006/main" xmlns:r="http://schemas.openxmlformats.org/officeDocument/2006/relationships" xmlns:p="http://schemas.openxmlformats.org/presentationml/2006/main" showMasterSp="0" showMasterPhAnim="0">
   <p:cSld>
     <p:spTree>
@@ -1344,7 +1459,7 @@
 </p:notes>
 </file>
 
-<file path=ppt/notesSlides/notesSlide15.xml><?xml version="1.0" encoding="utf-8"?>
+<file path=ppt/notesSlides/notesSlide16.xml><?xml version="1.0" encoding="utf-8"?>
 <p:notes xmlns:a="http://schemas.openxmlformats.org/drawingml/2006/main" xmlns:r="http://schemas.openxmlformats.org/officeDocument/2006/relationships" xmlns:p="http://schemas.openxmlformats.org/presentationml/2006/main" showMasterSp="0" showMasterPhAnim="0">
   <p:cSld>
     <p:spTree>
@@ -1448,7 +1563,7 @@
 </p:notes>
 </file>
 
-<file path=ppt/notesSlides/notesSlide16.xml><?xml version="1.0" encoding="utf-8"?>
+<file path=ppt/notesSlides/notesSlide17.xml><?xml version="1.0" encoding="utf-8"?>
 <p:notes xmlns:a="http://schemas.openxmlformats.org/drawingml/2006/main" xmlns:r="http://schemas.openxmlformats.org/officeDocument/2006/relationships" xmlns:p="http://schemas.openxmlformats.org/presentationml/2006/main" showMasterSp="0" showMasterPhAnim="0">
   <p:cSld>
     <p:spTree>
@@ -1552,7 +1667,7 @@
 </p:notes>
 </file>
 
-<file path=ppt/notesSlides/notesSlide17.xml><?xml version="1.0" encoding="utf-8"?>
+<file path=ppt/notesSlides/notesSlide18.xml><?xml version="1.0" encoding="utf-8"?>
 <p:notes xmlns:a="http://schemas.openxmlformats.org/drawingml/2006/main" xmlns:r="http://schemas.openxmlformats.org/officeDocument/2006/relationships" xmlns:p="http://schemas.openxmlformats.org/presentationml/2006/main" showMasterSp="0" showMasterPhAnim="0">
   <p:cSld>
     <p:spTree>
@@ -1656,7 +1771,7 @@
 </p:notes>
 </file>
 
-<file path=ppt/notesSlides/notesSlide18.xml><?xml version="1.0" encoding="utf-8"?>
+<file path=ppt/notesSlides/notesSlide19.xml><?xml version="1.0" encoding="utf-8"?>
 <p:notes xmlns:a="http://schemas.openxmlformats.org/drawingml/2006/main" xmlns:r="http://schemas.openxmlformats.org/officeDocument/2006/relationships" xmlns:p="http://schemas.openxmlformats.org/presentationml/2006/main" showMasterSp="0" showMasterPhAnim="0">
   <p:cSld>
     <p:spTree>
@@ -1717,110 +1832,6 @@
       <p:sp>
         <p:nvSpPr>
           <p:cNvPr id="567" name="Google Shape;567;g1534c337b14_0_12:notes"/>
-          <p:cNvSpPr txBox="1">
-            <a:spLocks noGrp="1"/>
-          </p:cNvSpPr>
-          <p:nvPr>
-            <p:ph type="body" idx="1"/>
-          </p:nvPr>
-        </p:nvSpPr>
-        <p:spPr>
-          <a:xfrm>
-            <a:off x="685800" y="4343400"/>
-            <a:ext cx="5486400" cy="4114800"/>
-          </a:xfrm>
-          <a:prstGeom prst="rect">
-            <a:avLst/>
-          </a:prstGeom>
-        </p:spPr>
-        <p:txBody>
-          <a:bodyPr spcFirstLastPara="1" wrap="square" lIns="91425" tIns="91425" rIns="91425" bIns="91425" anchor="t" anchorCtr="0">
-            <a:noAutofit/>
-          </a:bodyPr>
-          <a:lstStyle/>
-          <a:p>
-            <a:pPr marL="0" lvl="0" indent="0" algn="l" rtl="0">
-              <a:spcBef>
-                <a:spcPts val="0"/>
-              </a:spcBef>
-              <a:spcAft>
-                <a:spcPts val="0"/>
-              </a:spcAft>
-              <a:buNone/>
-            </a:pPr>
-            <a:endParaRPr/>
-          </a:p>
-        </p:txBody>
-      </p:sp>
-    </p:spTree>
-  </p:cSld>
-  <p:clrMapOvr>
-    <a:masterClrMapping/>
-  </p:clrMapOvr>
-</p:notes>
-</file>
-
-<file path=ppt/notesSlides/notesSlide19.xml><?xml version="1.0" encoding="utf-8"?>
-<p:notes xmlns:a="http://schemas.openxmlformats.org/drawingml/2006/main" xmlns:r="http://schemas.openxmlformats.org/officeDocument/2006/relationships" xmlns:p="http://schemas.openxmlformats.org/presentationml/2006/main" showMasterSp="0" showMasterPhAnim="0">
-  <p:cSld>
-    <p:spTree>
-      <p:nvGrpSpPr>
-        <p:cNvPr id="1" name="Shape 584"/>
-        <p:cNvGrpSpPr/>
-        <p:nvPr/>
-      </p:nvGrpSpPr>
-      <p:grpSpPr>
-        <a:xfrm>
-          <a:off x="0" y="0"/>
-          <a:ext cx="0" cy="0"/>
-          <a:chOff x="0" y="0"/>
-          <a:chExt cx="0" cy="0"/>
-        </a:xfrm>
-      </p:grpSpPr>
-      <p:sp>
-        <p:nvSpPr>
-          <p:cNvPr id="585" name="Google Shape;585;gb37d1f1062_0_85:notes"/>
-          <p:cNvSpPr>
-            <a:spLocks noGrp="1" noRot="1" noChangeAspect="1"/>
-          </p:cNvSpPr>
-          <p:nvPr>
-            <p:ph type="sldImg" idx="2"/>
-          </p:nvPr>
-        </p:nvSpPr>
-        <p:spPr>
-          <a:xfrm>
-            <a:off x="381000" y="685800"/>
-            <a:ext cx="6096000" cy="3429000"/>
-          </a:xfrm>
-          <a:custGeom>
-            <a:avLst/>
-            <a:gdLst/>
-            <a:ahLst/>
-            <a:cxnLst/>
-            <a:rect l="l" t="t" r="r" b="b"/>
-            <a:pathLst>
-              <a:path w="120000" h="120000" extrusionOk="0">
-                <a:moveTo>
-                  <a:pt x="0" y="0"/>
-                </a:moveTo>
-                <a:lnTo>
-                  <a:pt x="120000" y="0"/>
-                </a:lnTo>
-                <a:lnTo>
-                  <a:pt x="120000" y="120000"/>
-                </a:lnTo>
-                <a:lnTo>
-                  <a:pt x="0" y="120000"/>
-                </a:lnTo>
-                <a:close/>
-              </a:path>
-            </a:pathLst>
-          </a:custGeom>
-        </p:spPr>
-      </p:sp>
-      <p:sp>
-        <p:nvSpPr>
-          <p:cNvPr id="586" name="Google Shape;586;gb37d1f1062_0_85:notes"/>
           <p:cNvSpPr txBox="1">
             <a:spLocks noGrp="1"/>
           </p:cNvSpPr>
@@ -1956,6 +1967,110 @@
               </a:spcAft>
               <a:buNone/>
             </a:pPr>
+            <a:endParaRPr dirty="0"/>
+          </a:p>
+        </p:txBody>
+      </p:sp>
+    </p:spTree>
+  </p:cSld>
+  <p:clrMapOvr>
+    <a:masterClrMapping/>
+  </p:clrMapOvr>
+</p:notes>
+</file>
+
+<file path=ppt/notesSlides/notesSlide20.xml><?xml version="1.0" encoding="utf-8"?>
+<p:notes xmlns:a="http://schemas.openxmlformats.org/drawingml/2006/main" xmlns:r="http://schemas.openxmlformats.org/officeDocument/2006/relationships" xmlns:p="http://schemas.openxmlformats.org/presentationml/2006/main" showMasterSp="0" showMasterPhAnim="0">
+  <p:cSld>
+    <p:spTree>
+      <p:nvGrpSpPr>
+        <p:cNvPr id="1" name="Shape 584"/>
+        <p:cNvGrpSpPr/>
+        <p:nvPr/>
+      </p:nvGrpSpPr>
+      <p:grpSpPr>
+        <a:xfrm>
+          <a:off x="0" y="0"/>
+          <a:ext cx="0" cy="0"/>
+          <a:chOff x="0" y="0"/>
+          <a:chExt cx="0" cy="0"/>
+        </a:xfrm>
+      </p:grpSpPr>
+      <p:sp>
+        <p:nvSpPr>
+          <p:cNvPr id="585" name="Google Shape;585;gb37d1f1062_0_85:notes"/>
+          <p:cNvSpPr>
+            <a:spLocks noGrp="1" noRot="1" noChangeAspect="1"/>
+          </p:cNvSpPr>
+          <p:nvPr>
+            <p:ph type="sldImg" idx="2"/>
+          </p:nvPr>
+        </p:nvSpPr>
+        <p:spPr>
+          <a:xfrm>
+            <a:off x="381000" y="685800"/>
+            <a:ext cx="6096000" cy="3429000"/>
+          </a:xfrm>
+          <a:custGeom>
+            <a:avLst/>
+            <a:gdLst/>
+            <a:ahLst/>
+            <a:cxnLst/>
+            <a:rect l="l" t="t" r="r" b="b"/>
+            <a:pathLst>
+              <a:path w="120000" h="120000" extrusionOk="0">
+                <a:moveTo>
+                  <a:pt x="0" y="0"/>
+                </a:moveTo>
+                <a:lnTo>
+                  <a:pt x="120000" y="0"/>
+                </a:lnTo>
+                <a:lnTo>
+                  <a:pt x="120000" y="120000"/>
+                </a:lnTo>
+                <a:lnTo>
+                  <a:pt x="0" y="120000"/>
+                </a:lnTo>
+                <a:close/>
+              </a:path>
+            </a:pathLst>
+          </a:custGeom>
+        </p:spPr>
+      </p:sp>
+      <p:sp>
+        <p:nvSpPr>
+          <p:cNvPr id="586" name="Google Shape;586;gb37d1f1062_0_85:notes"/>
+          <p:cNvSpPr txBox="1">
+            <a:spLocks noGrp="1"/>
+          </p:cNvSpPr>
+          <p:nvPr>
+            <p:ph type="body" idx="1"/>
+          </p:nvPr>
+        </p:nvSpPr>
+        <p:spPr>
+          <a:xfrm>
+            <a:off x="685800" y="4343400"/>
+            <a:ext cx="5486400" cy="4114800"/>
+          </a:xfrm>
+          <a:prstGeom prst="rect">
+            <a:avLst/>
+          </a:prstGeom>
+        </p:spPr>
+        <p:txBody>
+          <a:bodyPr spcFirstLastPara="1" wrap="square" lIns="91425" tIns="91425" rIns="91425" bIns="91425" anchor="t" anchorCtr="0">
+            <a:noAutofit/>
+          </a:bodyPr>
+          <a:lstStyle/>
+          <a:p>
+            <a:pPr marL="0" lvl="0" indent="0" algn="l" rtl="0">
+              <a:spcBef>
+                <a:spcPts val="0"/>
+              </a:spcBef>
+              <a:spcAft>
+                <a:spcPts val="0"/>
+              </a:spcAft>
+              <a:buNone/>
+            </a:pPr>
             <a:endParaRPr/>
           </a:p>
         </p:txBody>
@@ -1968,7 +2083,7 @@
 </p:notes>
 </file>
 
-<file path=ppt/notesSlides/notesSlide20.xml><?xml version="1.0" encoding="utf-8"?>
+<file path=ppt/notesSlides/notesSlide21.xml><?xml version="1.0" encoding="utf-8"?>
 <p:notes xmlns:a="http://schemas.openxmlformats.org/drawingml/2006/main" xmlns:r="http://schemas.openxmlformats.org/officeDocument/2006/relationships" xmlns:p="http://schemas.openxmlformats.org/presentationml/2006/main" showMasterSp="0" showMasterPhAnim="0">
   <p:cSld>
     <p:spTree>
@@ -2164,7 +2279,7 @@
               </a:spcAft>
               <a:buNone/>
             </a:pPr>
-            <a:endParaRPr/>
+            <a:endParaRPr dirty="0"/>
           </a:p>
         </p:txBody>
       </p:sp>
@@ -2268,7 +2383,7 @@
               </a:spcAft>
               <a:buNone/>
             </a:pPr>
-            <a:endParaRPr/>
+            <a:endParaRPr dirty="0"/>
           </a:p>
         </p:txBody>
       </p:sp>
@@ -2372,7 +2487,7 @@
               </a:spcAft>
               <a:buNone/>
             </a:pPr>
-            <a:endParaRPr/>
+            <a:endParaRPr dirty="0"/>
           </a:p>
         </p:txBody>
       </p:sp>
@@ -2598,19 +2713,115 @@
               </a:spcAft>
               <a:buNone/>
             </a:pPr>
-            <a:r>
-              <a:rPr lang="es-ES" sz="1400" b="0" i="0" dirty="0">
-                <a:solidFill>
-                  <a:srgbClr val="213343"/>
-                </a:solidFill>
-                <a:effectLst/>
-                <a:highlight>
-                  <a:srgbClr val="F6F9FC"/>
-                </a:highlight>
-                <a:latin typeface="Lexend Deca"/>
-              </a:rPr>
-              <a:t>Una plataforma digital es un entorno en el que los usuarios podemos llevar a cabo tareas, gestionar actividades, colaborar con otros usuarios e interactuar por medio de las herramientas y funcionalidades que ofrece dicha plataforma.</a:t>
-            </a:r>
+            <a:endParaRPr lang="es-SV" sz="1400" noProof="0" dirty="0"/>
+          </a:p>
+        </p:txBody>
+      </p:sp>
+    </p:spTree>
+    <p:extLst>
+      <p:ext uri="{BB962C8B-B14F-4D97-AF65-F5344CB8AC3E}">
+        <p14:creationId xmlns:p14="http://schemas.microsoft.com/office/powerpoint/2010/main" val="3159113572"/>
+      </p:ext>
+    </p:extLst>
+  </p:cSld>
+  <p:clrMapOvr>
+    <a:masterClrMapping/>
+  </p:clrMapOvr>
+</p:notes>
+</file>
+
+<file path=ppt/notesSlides/notesSlide8.xml><?xml version="1.0" encoding="utf-8"?>
+<p:notes xmlns:a="http://schemas.openxmlformats.org/drawingml/2006/main" xmlns:r="http://schemas.openxmlformats.org/officeDocument/2006/relationships" xmlns:p="http://schemas.openxmlformats.org/presentationml/2006/main" showMasterSp="0" showMasterPhAnim="0">
+  <p:cSld>
+    <p:spTree>
+      <p:nvGrpSpPr>
+        <p:cNvPr id="1" name="Shape 392"/>
+        <p:cNvGrpSpPr/>
+        <p:nvPr/>
+      </p:nvGrpSpPr>
+      <p:grpSpPr>
+        <a:xfrm>
+          <a:off x="0" y="0"/>
+          <a:ext cx="0" cy="0"/>
+          <a:chOff x="0" y="0"/>
+          <a:chExt cx="0" cy="0"/>
+        </a:xfrm>
+      </p:grpSpPr>
+      <p:sp>
+        <p:nvSpPr>
+          <p:cNvPr id="393" name="Google Shape;393;g1524e77840e_1_1:notes"/>
+          <p:cNvSpPr>
+            <a:spLocks noGrp="1" noRot="1" noChangeAspect="1"/>
+          </p:cNvSpPr>
+          <p:nvPr>
+            <p:ph type="sldImg" idx="2"/>
+          </p:nvPr>
+        </p:nvSpPr>
+        <p:spPr>
+          <a:xfrm>
+            <a:off x="381000" y="685800"/>
+            <a:ext cx="6096000" cy="3429000"/>
+          </a:xfrm>
+          <a:custGeom>
+            <a:avLst/>
+            <a:gdLst/>
+            <a:ahLst/>
+            <a:cxnLst/>
+            <a:rect l="l" t="t" r="r" b="b"/>
+            <a:pathLst>
+              <a:path w="120000" h="120000" extrusionOk="0">
+                <a:moveTo>
+                  <a:pt x="0" y="0"/>
+                </a:moveTo>
+                <a:lnTo>
+                  <a:pt x="120000" y="0"/>
+                </a:lnTo>
+                <a:lnTo>
+                  <a:pt x="120000" y="120000"/>
+                </a:lnTo>
+                <a:lnTo>
+                  <a:pt x="0" y="120000"/>
+                </a:lnTo>
+                <a:close/>
+              </a:path>
+            </a:pathLst>
+          </a:custGeom>
+        </p:spPr>
+      </p:sp>
+      <p:sp>
+        <p:nvSpPr>
+          <p:cNvPr id="394" name="Google Shape;394;g1524e77840e_1_1:notes"/>
+          <p:cNvSpPr txBox="1">
+            <a:spLocks noGrp="1"/>
+          </p:cNvSpPr>
+          <p:nvPr>
+            <p:ph type="body" idx="1"/>
+          </p:nvPr>
+        </p:nvSpPr>
+        <p:spPr>
+          <a:xfrm>
+            <a:off x="685800" y="4343400"/>
+            <a:ext cx="5486400" cy="4114800"/>
+          </a:xfrm>
+          <a:prstGeom prst="rect">
+            <a:avLst/>
+          </a:prstGeom>
+        </p:spPr>
+        <p:txBody>
+          <a:bodyPr spcFirstLastPara="1" wrap="square" lIns="91425" tIns="91425" rIns="91425" bIns="91425" anchor="t" anchorCtr="0">
+            <a:noAutofit/>
+          </a:bodyPr>
+          <a:lstStyle/>
+          <a:p>
+            <a:pPr marL="0" lvl="0" indent="0" algn="l" rtl="0">
+              <a:spcBef>
+                <a:spcPts val="0"/>
+              </a:spcBef>
+              <a:spcAft>
+                <a:spcPts val="0"/>
+              </a:spcAft>
+              <a:buNone/>
+            </a:pPr>
             <a:endParaRPr sz="1400" dirty="0"/>
           </a:p>
         </p:txBody>
@@ -2628,7 +2839,7 @@
 </p:notes>
 </file>
 
-<file path=ppt/notesSlides/notesSlide8.xml><?xml version="1.0" encoding="utf-8"?>
+<file path=ppt/notesSlides/notesSlide9.xml><?xml version="1.0" encoding="utf-8"?>
 <p:notes xmlns:a="http://schemas.openxmlformats.org/drawingml/2006/main" xmlns:r="http://schemas.openxmlformats.org/officeDocument/2006/relationships" xmlns:p="http://schemas.openxmlformats.org/presentationml/2006/main" showMasterSp="0" showMasterPhAnim="0">
   <p:cSld>
     <p:spTree>
@@ -2728,115 +2939,6 @@
     <p:extLst>
       <p:ext uri="{BB962C8B-B14F-4D97-AF65-F5344CB8AC3E}">
         <p14:creationId xmlns:p14="http://schemas.microsoft.com/office/powerpoint/2010/main" val="3540350435"/>
-      </p:ext>
-    </p:extLst>
-  </p:cSld>
-  <p:clrMapOvr>
-    <a:masterClrMapping/>
-  </p:clrMapOvr>
-</p:notes>
-</file>
-
-<file path=ppt/notesSlides/notesSlide9.xml><?xml version="1.0" encoding="utf-8"?>
-<p:notes xmlns:a="http://schemas.openxmlformats.org/drawingml/2006/main" xmlns:r="http://schemas.openxmlformats.org/officeDocument/2006/relationships" xmlns:p="http://schemas.openxmlformats.org/presentationml/2006/main" showMasterSp="0" showMasterPhAnim="0">
-  <p:cSld>
-    <p:spTree>
-      <p:nvGrpSpPr>
-        <p:cNvPr id="1" name="Shape 392"/>
-        <p:cNvGrpSpPr/>
-        <p:nvPr/>
-      </p:nvGrpSpPr>
-      <p:grpSpPr>
-        <a:xfrm>
-          <a:off x="0" y="0"/>
-          <a:ext cx="0" cy="0"/>
-          <a:chOff x="0" y="0"/>
-          <a:chExt cx="0" cy="0"/>
-        </a:xfrm>
-      </p:grpSpPr>
-      <p:sp>
-        <p:nvSpPr>
-          <p:cNvPr id="393" name="Google Shape;393;g1524e77840e_1_1:notes"/>
-          <p:cNvSpPr>
-            <a:spLocks noGrp="1" noRot="1" noChangeAspect="1"/>
-          </p:cNvSpPr>
-          <p:nvPr>
-            <p:ph type="sldImg" idx="2"/>
-          </p:nvPr>
-        </p:nvSpPr>
-        <p:spPr>
-          <a:xfrm>
-            <a:off x="381000" y="685800"/>
-            <a:ext cx="6096000" cy="3429000"/>
-          </a:xfrm>
-          <a:custGeom>
-            <a:avLst/>
-            <a:gdLst/>
-            <a:ahLst/>
-            <a:cxnLst/>
-            <a:rect l="l" t="t" r="r" b="b"/>
-            <a:pathLst>
-              <a:path w="120000" h="120000" extrusionOk="0">
-                <a:moveTo>
-                  <a:pt x="0" y="0"/>
-                </a:moveTo>
-                <a:lnTo>
-                  <a:pt x="120000" y="0"/>
-                </a:lnTo>
-                <a:lnTo>
-                  <a:pt x="120000" y="120000"/>
-                </a:lnTo>
-                <a:lnTo>
-                  <a:pt x="0" y="120000"/>
-                </a:lnTo>
-                <a:close/>
-              </a:path>
-            </a:pathLst>
-          </a:custGeom>
-        </p:spPr>
-      </p:sp>
-      <p:sp>
-        <p:nvSpPr>
-          <p:cNvPr id="394" name="Google Shape;394;g1524e77840e_1_1:notes"/>
-          <p:cNvSpPr txBox="1">
-            <a:spLocks noGrp="1"/>
-          </p:cNvSpPr>
-          <p:nvPr>
-            <p:ph type="body" idx="1"/>
-          </p:nvPr>
-        </p:nvSpPr>
-        <p:spPr>
-          <a:xfrm>
-            <a:off x="685800" y="4343400"/>
-            <a:ext cx="5486400" cy="4114800"/>
-          </a:xfrm>
-          <a:prstGeom prst="rect">
-            <a:avLst/>
-          </a:prstGeom>
-        </p:spPr>
-        <p:txBody>
-          <a:bodyPr spcFirstLastPara="1" wrap="square" lIns="91425" tIns="91425" rIns="91425" bIns="91425" anchor="t" anchorCtr="0">
-            <a:noAutofit/>
-          </a:bodyPr>
-          <a:lstStyle/>
-          <a:p>
-            <a:pPr marL="0" lvl="0" indent="0" algn="l" rtl="0">
-              <a:spcBef>
-                <a:spcPts val="0"/>
-              </a:spcBef>
-              <a:spcAft>
-                <a:spcPts val="0"/>
-              </a:spcAft>
-              <a:buNone/>
-            </a:pPr>
-            <a:endParaRPr/>
-          </a:p>
-        </p:txBody>
-      </p:sp>
-    </p:spTree>
-    <p:extLst>
-      <p:ext uri="{BB962C8B-B14F-4D97-AF65-F5344CB8AC3E}">
-        <p14:creationId xmlns:p14="http://schemas.microsoft.com/office/powerpoint/2010/main" val="3390600540"/>
       </p:ext>
     </p:extLst>
   </p:cSld>
@@ -19444,7 +19546,7 @@
               </a:spcAft>
               <a:buNone/>
             </a:pPr>
-            <a:endParaRPr sz="4400">
+            <a:endParaRPr sz="4400" dirty="0">
               <a:solidFill>
                 <a:schemeClr val="lt1"/>
               </a:solidFill>
@@ -19461,7 +19563,7 @@
           <p:cNvPr id="1026" name="Picture 2">
             <a:extLst>
               <a:ext uri="{FF2B5EF4-FFF2-40B4-BE49-F238E27FC236}">
-                <a16:creationId xmlns:a16="http://schemas.microsoft.com/office/drawing/2014/main" id="{A59F6FA5-FE73-88FF-760C-84556003BD99}"/>
+                <a16:creationId xmlns:a16="http://schemas.microsoft.com/office/drawing/2014/main" xmlns="" id="{A59F6FA5-FE73-88FF-760C-84556003BD99}"/>
               </a:ext>
             </a:extLst>
           </p:cNvPr>
@@ -19524,7 +19626,7 @@
         <p:push/>
       </p:transition>
     </mc:Choice>
-    <mc:Fallback xmlns="" xmlns:mv="urn:schemas-microsoft-com:mac:vml" xmlns:c="http://schemas.openxmlformats.org/drawingml/2006/chart" xmlns:dgm="http://schemas.openxmlformats.org/drawingml/2006/diagram" xmlns:o="urn:schemas-microsoft-com:office:office" xmlns:v="urn:schemas-microsoft-com:vml" xmlns:pvml="urn:schemas-microsoft-com:office:powerpoint" xmlns:com="http://schemas.openxmlformats.org/drawingml/2006/compatibility" xmlns:p15="http://schemas.microsoft.com/office/powerpoint/2012/main" xmlns:ahyp="http://schemas.microsoft.com/office/drawing/2018/hyperlinkcolor">
+    <mc:Fallback xmlns:ahyp="http://schemas.microsoft.com/office/drawing/2018/hyperlinkcolor" xmlns:p15="http://schemas.microsoft.com/office/powerpoint/2012/main" xmlns:com="http://schemas.openxmlformats.org/drawingml/2006/compatibility" xmlns:pvml="urn:schemas-microsoft-com:office:powerpoint" xmlns:v="urn:schemas-microsoft-com:vml" xmlns:o="urn:schemas-microsoft-com:office:office" xmlns:dgm="http://schemas.openxmlformats.org/drawingml/2006/diagram" xmlns:c="http://schemas.openxmlformats.org/drawingml/2006/chart" xmlns:mv="urn:schemas-microsoft-com:mac:vml" xmlns="">
       <p:transition spd="slow">
         <p:fade/>
       </p:transition>
@@ -19647,6 +19749,619 @@
         </p:nvSpPr>
         <p:spPr>
           <a:xfrm>
+            <a:off x="1278907" y="923717"/>
+            <a:ext cx="2731390" cy="484800"/>
+          </a:xfrm>
+          <a:prstGeom prst="rect">
+            <a:avLst/>
+          </a:prstGeom>
+        </p:spPr>
+        <p:txBody>
+          <a:bodyPr spcFirstLastPara="1" wrap="square" lIns="91425" tIns="91425" rIns="91425" bIns="91425" anchor="b" anchorCtr="0">
+            <a:noAutofit/>
+          </a:bodyPr>
+          <a:lstStyle/>
+          <a:p>
+            <a:pPr marL="0" lvl="0" indent="0" algn="l" rtl="0">
+              <a:spcBef>
+                <a:spcPts val="0"/>
+              </a:spcBef>
+              <a:spcAft>
+                <a:spcPts val="0"/>
+              </a:spcAft>
+              <a:buNone/>
+            </a:pPr>
+            <a:r>
+              <a:rPr lang="en" dirty="0"/>
+              <a:t>DELIMITACIONES</a:t>
+            </a:r>
+            <a:endParaRPr dirty="0"/>
+          </a:p>
+        </p:txBody>
+      </p:sp>
+      <p:sp>
+        <p:nvSpPr>
+          <p:cNvPr id="397" name="Google Shape;397;p56">
+            <a:hlinkClick r:id="rId3" action="ppaction://hlinksldjump"/>
+          </p:cNvPr>
+          <p:cNvSpPr txBox="1">
+            <a:spLocks noGrp="1"/>
+          </p:cNvSpPr>
+          <p:nvPr>
+            <p:ph type="title" idx="2"/>
+          </p:nvPr>
+        </p:nvSpPr>
+        <p:spPr>
+          <a:xfrm>
+            <a:off x="319010" y="788558"/>
+            <a:ext cx="1168104" cy="593400"/>
+          </a:xfrm>
+          <a:prstGeom prst="rect">
+            <a:avLst/>
+          </a:prstGeom>
+        </p:spPr>
+        <p:txBody>
+          <a:bodyPr spcFirstLastPara="1" wrap="square" lIns="91425" tIns="91425" rIns="91425" bIns="91425" anchor="b" anchorCtr="0">
+            <a:noAutofit/>
+          </a:bodyPr>
+          <a:lstStyle/>
+          <a:p>
+            <a:pPr marL="0" lvl="0" indent="0" algn="l" rtl="0">
+              <a:spcBef>
+                <a:spcPts val="0"/>
+              </a:spcBef>
+              <a:spcAft>
+                <a:spcPts val="0"/>
+              </a:spcAft>
+              <a:buNone/>
+            </a:pPr>
+            <a:r>
+              <a:rPr lang="en" dirty="0"/>
+              <a:t>04</a:t>
+            </a:r>
+            <a:endParaRPr dirty="0"/>
+          </a:p>
+        </p:txBody>
+      </p:sp>
+      <p:pic>
+        <p:nvPicPr>
+          <p:cNvPr id="411" name="Google Shape;411;p56"/>
+          <p:cNvPicPr preferRelativeResize="0"/>
+          <p:nvPr/>
+        </p:nvPicPr>
+        <p:blipFill rotWithShape="1">
+          <a:blip r:embed="rId4">
+            <a:alphaModFix/>
+          </a:blip>
+          <a:srcRect r="25317"/>
+          <a:stretch/>
+        </p:blipFill>
+        <p:spPr>
+          <a:xfrm>
+            <a:off x="6438325" y="2495374"/>
+            <a:ext cx="2726400" cy="2632201"/>
+          </a:xfrm>
+          <a:prstGeom prst="rect">
+            <a:avLst/>
+          </a:prstGeom>
+          <a:noFill/>
+          <a:ln>
+            <a:noFill/>
+          </a:ln>
+        </p:spPr>
+      </p:pic>
+      <p:sp>
+        <p:nvSpPr>
+          <p:cNvPr id="412" name="Google Shape;412;p56"/>
+          <p:cNvSpPr/>
+          <p:nvPr/>
+        </p:nvSpPr>
+        <p:spPr>
+          <a:xfrm rot="-5400000">
+            <a:off x="6795375" y="3126249"/>
+            <a:ext cx="1484400" cy="1484100"/>
+          </a:xfrm>
+          <a:prstGeom prst="ellipse">
+            <a:avLst/>
+          </a:prstGeom>
+          <a:solidFill>
+            <a:schemeClr val="lt2"/>
+          </a:solidFill>
+          <a:ln>
+            <a:noFill/>
+          </a:ln>
+        </p:spPr>
+        <p:txBody>
+          <a:bodyPr spcFirstLastPara="1" wrap="square" lIns="91425" tIns="91425" rIns="91425" bIns="91425" anchor="ctr" anchorCtr="0">
+            <a:noAutofit/>
+          </a:bodyPr>
+          <a:lstStyle/>
+          <a:p>
+            <a:pPr marL="0" lvl="0" indent="0" algn="l" rtl="0">
+              <a:spcBef>
+                <a:spcPts val="0"/>
+              </a:spcBef>
+              <a:spcAft>
+                <a:spcPts val="0"/>
+              </a:spcAft>
+              <a:buNone/>
+            </a:pPr>
+            <a:endParaRPr/>
+          </a:p>
+        </p:txBody>
+      </p:sp>
+      <p:sp>
+        <p:nvSpPr>
+          <p:cNvPr id="3" name="CuadroTexto 2">
+            <a:extLst>
+              <a:ext uri="{FF2B5EF4-FFF2-40B4-BE49-F238E27FC236}">
+                <a16:creationId xmlns:a16="http://schemas.microsoft.com/office/drawing/2014/main" xmlns="" id="{A91C3C62-9ED0-1F67-ADBC-3007905A784D}"/>
+              </a:ext>
+            </a:extLst>
+          </p:cNvPr>
+          <p:cNvSpPr txBox="1"/>
+          <p:nvPr/>
+        </p:nvSpPr>
+        <p:spPr>
+          <a:xfrm>
+            <a:off x="5675812" y="696832"/>
+            <a:ext cx="3001457" cy="456343"/>
+          </a:xfrm>
+          <a:prstGeom prst="rect">
+            <a:avLst/>
+          </a:prstGeom>
+          <a:noFill/>
+        </p:spPr>
+        <p:txBody>
+          <a:bodyPr wrap="square">
+            <a:spAutoFit/>
+          </a:bodyPr>
+          <a:lstStyle/>
+          <a:p>
+            <a:pPr indent="180340">
+              <a:lnSpc>
+                <a:spcPct val="200000"/>
+              </a:lnSpc>
+            </a:pPr>
+            <a:r>
+              <a:rPr lang="es-SV" sz="1400" dirty="0">
+                <a:effectLst/>
+                <a:latin typeface="Arial" panose="020B0604020202020204" pitchFamily="34" charset="0"/>
+                <a:ea typeface="Times New Roman" panose="02020603050405020304" pitchFamily="18" charset="0"/>
+                <a:cs typeface="Times New Roman" panose="02020603050405020304" pitchFamily="18" charset="0"/>
+              </a:rPr>
+              <a:t>DELIMITACIÓN DEL TIEMPO</a:t>
+            </a:r>
+          </a:p>
+        </p:txBody>
+      </p:sp>
+      <p:sp>
+        <p:nvSpPr>
+          <p:cNvPr id="5" name="CuadroTexto 4">
+            <a:extLst>
+              <a:ext uri="{FF2B5EF4-FFF2-40B4-BE49-F238E27FC236}">
+                <a16:creationId xmlns:a16="http://schemas.microsoft.com/office/drawing/2014/main" xmlns="" id="{41D7F2B5-62AC-058F-418A-2D2713CAA9EB}"/>
+              </a:ext>
+            </a:extLst>
+          </p:cNvPr>
+          <p:cNvSpPr txBox="1"/>
+          <p:nvPr/>
+        </p:nvSpPr>
+        <p:spPr>
+          <a:xfrm>
+            <a:off x="327510" y="2172069"/>
+            <a:ext cx="3359515" cy="456343"/>
+          </a:xfrm>
+          <a:prstGeom prst="rect">
+            <a:avLst/>
+          </a:prstGeom>
+          <a:noFill/>
+        </p:spPr>
+        <p:txBody>
+          <a:bodyPr wrap="square">
+            <a:spAutoFit/>
+          </a:bodyPr>
+          <a:lstStyle/>
+          <a:p>
+            <a:pPr indent="180340">
+              <a:lnSpc>
+                <a:spcPct val="200000"/>
+              </a:lnSpc>
+            </a:pPr>
+            <a:r>
+              <a:rPr lang="es-SV" sz="1400" dirty="0">
+                <a:effectLst/>
+                <a:latin typeface="Arial" panose="020B0604020202020204" pitchFamily="34" charset="0"/>
+                <a:ea typeface="Times New Roman" panose="02020603050405020304" pitchFamily="18" charset="0"/>
+                <a:cs typeface="Times New Roman" panose="02020603050405020304" pitchFamily="18" charset="0"/>
+              </a:rPr>
+              <a:t>DELIMITACIÓN DEL ESPACIO</a:t>
+            </a:r>
+          </a:p>
+        </p:txBody>
+      </p:sp>
+      <p:sp>
+        <p:nvSpPr>
+          <p:cNvPr id="7" name="CuadroTexto 6">
+            <a:extLst>
+              <a:ext uri="{FF2B5EF4-FFF2-40B4-BE49-F238E27FC236}">
+                <a16:creationId xmlns:a16="http://schemas.microsoft.com/office/drawing/2014/main" xmlns="" id="{74F5EC71-0BA8-F059-3F08-71390569FA8C}"/>
+              </a:ext>
+            </a:extLst>
+          </p:cNvPr>
+          <p:cNvSpPr txBox="1"/>
+          <p:nvPr/>
+        </p:nvSpPr>
+        <p:spPr>
+          <a:xfrm>
+            <a:off x="4604125" y="1251509"/>
+            <a:ext cx="4585062" cy="1750031"/>
+          </a:xfrm>
+          <a:prstGeom prst="rect">
+            <a:avLst/>
+          </a:prstGeom>
+          <a:noFill/>
+        </p:spPr>
+        <p:txBody>
+          <a:bodyPr wrap="square">
+            <a:spAutoFit/>
+          </a:bodyPr>
+          <a:lstStyle/>
+          <a:p>
+            <a:pPr indent="180340">
+              <a:lnSpc>
+                <a:spcPct val="200000"/>
+              </a:lnSpc>
+            </a:pPr>
+            <a:r>
+              <a:rPr lang="es-SV" sz="1400" dirty="0">
+                <a:effectLst/>
+                <a:latin typeface="Times New Roman" panose="02020603050405020304" pitchFamily="18" charset="0"/>
+                <a:ea typeface="Times New Roman" panose="02020603050405020304" pitchFamily="18" charset="0"/>
+                <a:cs typeface="Times New Roman" panose="02020603050405020304" pitchFamily="18" charset="0"/>
+              </a:rPr>
+              <a:t>El desarrollo del proyecto se llevará a cabo en el primer semestre del año 2024 y el segundo semestre del año 2024, comprendido entre el 2 de enero del año 2024 y el 31 de agosto del año 2024.</a:t>
+            </a:r>
+            <a:endParaRPr lang="es-SV" sz="1400" dirty="0">
+              <a:effectLst/>
+              <a:latin typeface="Arial" panose="020B0604020202020204" pitchFamily="34" charset="0"/>
+              <a:ea typeface="Times New Roman" panose="02020603050405020304" pitchFamily="18" charset="0"/>
+              <a:cs typeface="Times New Roman" panose="02020603050405020304" pitchFamily="18" charset="0"/>
+            </a:endParaRPr>
+          </a:p>
+        </p:txBody>
+      </p:sp>
+      <p:sp>
+        <p:nvSpPr>
+          <p:cNvPr id="9" name="CuadroTexto 8">
+            <a:extLst>
+              <a:ext uri="{FF2B5EF4-FFF2-40B4-BE49-F238E27FC236}">
+                <a16:creationId xmlns:a16="http://schemas.microsoft.com/office/drawing/2014/main" xmlns="" id="{F8EE4FC3-2943-598F-98E8-9707A2A28873}"/>
+              </a:ext>
+            </a:extLst>
+          </p:cNvPr>
+          <p:cNvSpPr txBox="1"/>
+          <p:nvPr/>
+        </p:nvSpPr>
+        <p:spPr>
+          <a:xfrm>
+            <a:off x="319010" y="2866237"/>
+            <a:ext cx="4591594" cy="1319144"/>
+          </a:xfrm>
+          <a:prstGeom prst="rect">
+            <a:avLst/>
+          </a:prstGeom>
+          <a:noFill/>
+        </p:spPr>
+        <p:txBody>
+          <a:bodyPr wrap="square">
+            <a:spAutoFit/>
+          </a:bodyPr>
+          <a:lstStyle/>
+          <a:p>
+            <a:pPr indent="180340">
+              <a:lnSpc>
+                <a:spcPct val="200000"/>
+              </a:lnSpc>
+            </a:pPr>
+            <a:r>
+              <a:rPr lang="es-SV" sz="1400" dirty="0">
+                <a:effectLst/>
+                <a:latin typeface="Times New Roman" panose="02020603050405020304" pitchFamily="18" charset="0"/>
+                <a:ea typeface="Times New Roman" panose="02020603050405020304" pitchFamily="18" charset="0"/>
+                <a:cs typeface="Times New Roman" panose="02020603050405020304" pitchFamily="18" charset="0"/>
+              </a:rPr>
+              <a:t>El proyecto será desarrollado para el bufete de abogados Cartagena, el cual se encuentra ubicado en el bulevar </a:t>
+            </a:r>
+            <a:r>
+              <a:rPr lang="es-SV" sz="1400" dirty="0" err="1">
+                <a:effectLst/>
+                <a:latin typeface="Times New Roman" panose="02020603050405020304" pitchFamily="18" charset="0"/>
+                <a:ea typeface="Times New Roman" panose="02020603050405020304" pitchFamily="18" charset="0"/>
+                <a:cs typeface="Times New Roman" panose="02020603050405020304" pitchFamily="18" charset="0"/>
+              </a:rPr>
+              <a:t>tutunichapa</a:t>
+            </a:r>
+            <a:r>
+              <a:rPr lang="es-SV" sz="1400" dirty="0">
+                <a:effectLst/>
+                <a:latin typeface="Times New Roman" panose="02020603050405020304" pitchFamily="18" charset="0"/>
+                <a:ea typeface="Times New Roman" panose="02020603050405020304" pitchFamily="18" charset="0"/>
+                <a:cs typeface="Times New Roman" panose="02020603050405020304" pitchFamily="18" charset="0"/>
+              </a:rPr>
+              <a:t> 7ª AV. Norte.  </a:t>
+            </a:r>
+            <a:endParaRPr lang="es-SV" sz="1400" dirty="0">
+              <a:effectLst/>
+              <a:latin typeface="Arial" panose="020B0604020202020204" pitchFamily="34" charset="0"/>
+              <a:ea typeface="Times New Roman" panose="02020603050405020304" pitchFamily="18" charset="0"/>
+              <a:cs typeface="Times New Roman" panose="02020603050405020304" pitchFamily="18" charset="0"/>
+            </a:endParaRPr>
+          </a:p>
+        </p:txBody>
+      </p:sp>
+    </p:spTree>
+    <p:extLst>
+      <p:ext uri="{BB962C8B-B14F-4D97-AF65-F5344CB8AC3E}">
+        <p14:creationId xmlns:p14="http://schemas.microsoft.com/office/powerpoint/2010/main" val="2516873840"/>
+      </p:ext>
+    </p:extLst>
+  </p:cSld>
+  <p:clrMapOvr>
+    <a:masterClrMapping/>
+  </p:clrMapOvr>
+  <mc:AlternateContent xmlns:mc="http://schemas.openxmlformats.org/markup-compatibility/2006" xmlns:p14="http://schemas.microsoft.com/office/powerpoint/2010/main">
+    <mc:Choice Requires="p14">
+      <p:transition spd="slow">
+        <p:push/>
+      </p:transition>
+    </mc:Choice>
+    <mc:Fallback xmlns:ahyp="http://schemas.microsoft.com/office/drawing/2018/hyperlinkcolor" xmlns:p15="http://schemas.microsoft.com/office/powerpoint/2012/main" xmlns:com="http://schemas.openxmlformats.org/drawingml/2006/compatibility" xmlns:pvml="urn:schemas-microsoft-com:office:powerpoint" xmlns:v="urn:schemas-microsoft-com:vml" xmlns:o="urn:schemas-microsoft-com:office:office" xmlns:dgm="http://schemas.openxmlformats.org/drawingml/2006/diagram" xmlns:c="http://schemas.openxmlformats.org/drawingml/2006/chart" xmlns:mv="urn:schemas-microsoft-com:mac:vml" xmlns="">
+      <p:transition spd="slow">
+        <p:fade/>
+      </p:transition>
+    </mc:Fallback>
+  </mc:AlternateContent>
+  <p:timing>
+    <p:tnLst>
+      <p:par>
+        <p:cTn id="1" dur="indefinite" restart="never" nodeType="tmRoot">
+          <p:childTnLst>
+            <p:seq concurrent="1" nextAc="seek">
+              <p:cTn id="2" dur="indefinite" nodeType="mainSeq">
+                <p:childTnLst>
+                  <p:par>
+                    <p:cTn id="3" fill="hold">
+                      <p:stCondLst>
+                        <p:cond delay="indefinite"/>
+                      </p:stCondLst>
+                      <p:childTnLst>
+                        <p:par>
+                          <p:cTn id="4" fill="hold">
+                            <p:stCondLst>
+                              <p:cond delay="0"/>
+                            </p:stCondLst>
+                            <p:childTnLst>
+                              <p:par>
+                                <p:cTn id="5" presetID="10" presetClass="entr" presetSubtype="0" fill="hold" nodeType="clickEffect">
+                                  <p:stCondLst>
+                                    <p:cond delay="0"/>
+                                  </p:stCondLst>
+                                  <p:childTnLst>
+                                    <p:set>
+                                      <p:cBhvr>
+                                        <p:cTn id="6" dur="1" fill="hold">
+                                          <p:stCondLst>
+                                            <p:cond delay="0"/>
+                                          </p:stCondLst>
+                                        </p:cTn>
+                                        <p:tgtEl>
+                                          <p:spTgt spid="396"/>
+                                        </p:tgtEl>
+                                        <p:attrNameLst>
+                                          <p:attrName>style.visibility</p:attrName>
+                                        </p:attrNameLst>
+                                      </p:cBhvr>
+                                      <p:to>
+                                        <p:strVal val="visible"/>
+                                      </p:to>
+                                    </p:set>
+                                    <p:animEffect transition="in" filter="fade">
+                                      <p:cBhvr>
+                                        <p:cTn id="7" dur="1000"/>
+                                        <p:tgtEl>
+                                          <p:spTgt spid="396"/>
+                                        </p:tgtEl>
+                                      </p:cBhvr>
+                                    </p:animEffect>
+                                  </p:childTnLst>
+                                </p:cTn>
+                              </p:par>
+                              <p:par>
+                                <p:cTn id="8" presetID="10" presetClass="entr" presetSubtype="0" fill="hold" nodeType="withEffect">
+                                  <p:stCondLst>
+                                    <p:cond delay="0"/>
+                                  </p:stCondLst>
+                                  <p:childTnLst>
+                                    <p:set>
+                                      <p:cBhvr>
+                                        <p:cTn id="9" dur="1" fill="hold">
+                                          <p:stCondLst>
+                                            <p:cond delay="0"/>
+                                          </p:stCondLst>
+                                        </p:cTn>
+                                        <p:tgtEl>
+                                          <p:spTgt spid="397"/>
+                                        </p:tgtEl>
+                                        <p:attrNameLst>
+                                          <p:attrName>style.visibility</p:attrName>
+                                        </p:attrNameLst>
+                                      </p:cBhvr>
+                                      <p:to>
+                                        <p:strVal val="visible"/>
+                                      </p:to>
+                                    </p:set>
+                                    <p:animEffect transition="in" filter="fade">
+                                      <p:cBhvr>
+                                        <p:cTn id="10" dur="1000"/>
+                                        <p:tgtEl>
+                                          <p:spTgt spid="397"/>
+                                        </p:tgtEl>
+                                      </p:cBhvr>
+                                    </p:animEffect>
+                                  </p:childTnLst>
+                                </p:cTn>
+                              </p:par>
+                            </p:childTnLst>
+                          </p:cTn>
+                        </p:par>
+                      </p:childTnLst>
+                    </p:cTn>
+                  </p:par>
+                  <p:par>
+                    <p:cTn id="11" fill="hold">
+                      <p:stCondLst>
+                        <p:cond delay="indefinite"/>
+                      </p:stCondLst>
+                      <p:childTnLst>
+                        <p:par>
+                          <p:cTn id="12" fill="hold">
+                            <p:stCondLst>
+                              <p:cond delay="0"/>
+                            </p:stCondLst>
+                            <p:childTnLst>
+                              <p:par>
+                                <p:cTn id="13" presetID="10" presetClass="entr" presetSubtype="0" fill="hold" nodeType="clickEffect">
+                                  <p:stCondLst>
+                                    <p:cond delay="0"/>
+                                  </p:stCondLst>
+                                  <p:childTnLst>
+                                    <p:set>
+                                      <p:cBhvr>
+                                        <p:cTn id="14" dur="1" fill="hold">
+                                          <p:stCondLst>
+                                            <p:cond delay="0"/>
+                                          </p:stCondLst>
+                                        </p:cTn>
+                                        <p:tgtEl>
+                                          <p:spTgt spid="411"/>
+                                        </p:tgtEl>
+                                        <p:attrNameLst>
+                                          <p:attrName>style.visibility</p:attrName>
+                                        </p:attrNameLst>
+                                      </p:cBhvr>
+                                      <p:to>
+                                        <p:strVal val="visible"/>
+                                      </p:to>
+                                    </p:set>
+                                    <p:animEffect transition="in" filter="fade">
+                                      <p:cBhvr>
+                                        <p:cTn id="15" dur="1000"/>
+                                        <p:tgtEl>
+                                          <p:spTgt spid="411"/>
+                                        </p:tgtEl>
+                                      </p:cBhvr>
+                                    </p:animEffect>
+                                  </p:childTnLst>
+                                </p:cTn>
+                              </p:par>
+                              <p:par>
+                                <p:cTn id="16" presetID="10" presetClass="entr" presetSubtype="0" fill="hold" nodeType="withEffect">
+                                  <p:stCondLst>
+                                    <p:cond delay="0"/>
+                                  </p:stCondLst>
+                                  <p:childTnLst>
+                                    <p:set>
+                                      <p:cBhvr>
+                                        <p:cTn id="17" dur="1" fill="hold">
+                                          <p:stCondLst>
+                                            <p:cond delay="0"/>
+                                          </p:stCondLst>
+                                        </p:cTn>
+                                        <p:tgtEl>
+                                          <p:spTgt spid="412"/>
+                                        </p:tgtEl>
+                                        <p:attrNameLst>
+                                          <p:attrName>style.visibility</p:attrName>
+                                        </p:attrNameLst>
+                                      </p:cBhvr>
+                                      <p:to>
+                                        <p:strVal val="visible"/>
+                                      </p:to>
+                                    </p:set>
+                                    <p:animEffect transition="in" filter="fade">
+                                      <p:cBhvr>
+                                        <p:cTn id="18" dur="1000"/>
+                                        <p:tgtEl>
+                                          <p:spTgt spid="412"/>
+                                        </p:tgtEl>
+                                      </p:cBhvr>
+                                    </p:animEffect>
+                                  </p:childTnLst>
+                                </p:cTn>
+                              </p:par>
+                            </p:childTnLst>
+                          </p:cTn>
+                        </p:par>
+                      </p:childTnLst>
+                    </p:cTn>
+                  </p:par>
+                </p:childTnLst>
+              </p:cTn>
+              <p:prevCondLst>
+                <p:cond evt="onPrev" delay="0">
+                  <p:tgtEl>
+                    <p:sldTgt/>
+                  </p:tgtEl>
+                </p:cond>
+              </p:prevCondLst>
+              <p:nextCondLst>
+                <p:cond evt="onNext" delay="0">
+                  <p:tgtEl>
+                    <p:sldTgt/>
+                  </p:tgtEl>
+                </p:cond>
+              </p:nextCondLst>
+            </p:seq>
+          </p:childTnLst>
+        </p:cTn>
+      </p:par>
+    </p:tnLst>
+  </p:timing>
+</p:sld>
+</file>
+
+<file path=ppt/slides/slide11.xml><?xml version="1.0" encoding="utf-8"?>
+<p:sld xmlns:a="http://schemas.openxmlformats.org/drawingml/2006/main" xmlns:r="http://schemas.openxmlformats.org/officeDocument/2006/relationships" xmlns:p="http://schemas.openxmlformats.org/presentationml/2006/main">
+  <p:cSld>
+    <p:spTree>
+      <p:nvGrpSpPr>
+        <p:cNvPr id="1" name="Shape 395"/>
+        <p:cNvGrpSpPr/>
+        <p:nvPr/>
+      </p:nvGrpSpPr>
+      <p:grpSpPr>
+        <a:xfrm>
+          <a:off x="0" y="0"/>
+          <a:ext cx="0" cy="0"/>
+          <a:chOff x="0" y="0"/>
+          <a:chExt cx="0" cy="0"/>
+        </a:xfrm>
+      </p:grpSpPr>
+      <p:sp>
+        <p:nvSpPr>
+          <p:cNvPr id="396" name="Google Shape;396;p56">
+            <a:hlinkClick r:id="rId3" action="ppaction://hlinksldjump"/>
+          </p:cNvPr>
+          <p:cNvSpPr txBox="1">
+            <a:spLocks noGrp="1"/>
+          </p:cNvSpPr>
+          <p:nvPr>
+            <p:ph type="title"/>
+          </p:nvPr>
+        </p:nvSpPr>
+        <p:spPr>
+          <a:xfrm>
             <a:off x="794774" y="1219325"/>
             <a:ext cx="4493322" cy="484800"/>
           </a:xfrm>
@@ -19846,7 +20561,7 @@
         <p:push/>
       </p:transition>
     </mc:Choice>
-    <mc:Fallback xmlns="" xmlns:mv="urn:schemas-microsoft-com:mac:vml" xmlns:c="http://schemas.openxmlformats.org/drawingml/2006/chart" xmlns:dgm="http://schemas.openxmlformats.org/drawingml/2006/diagram" xmlns:o="urn:schemas-microsoft-com:office:office" xmlns:v="urn:schemas-microsoft-com:vml" xmlns:pvml="urn:schemas-microsoft-com:office:powerpoint" xmlns:com="http://schemas.openxmlformats.org/drawingml/2006/compatibility" xmlns:p15="http://schemas.microsoft.com/office/powerpoint/2012/main" xmlns:ahyp="http://schemas.microsoft.com/office/drawing/2018/hyperlinkcolor">
+    <mc:Fallback xmlns:ahyp="http://schemas.microsoft.com/office/drawing/2018/hyperlinkcolor" xmlns:p15="http://schemas.microsoft.com/office/powerpoint/2012/main" xmlns:com="http://schemas.openxmlformats.org/drawingml/2006/compatibility" xmlns:pvml="urn:schemas-microsoft-com:office:powerpoint" xmlns:v="urn:schemas-microsoft-com:vml" xmlns:o="urn:schemas-microsoft-com:office:office" xmlns:dgm="http://schemas.openxmlformats.org/drawingml/2006/diagram" xmlns:c="http://schemas.openxmlformats.org/drawingml/2006/chart" xmlns:mv="urn:schemas-microsoft-com:mac:vml" xmlns="">
       <p:transition spd="slow">
         <p:fade/>
       </p:transition>
@@ -20096,7 +20811,7 @@
 </p:sld>
 </file>
 
-<file path=ppt/slides/slide11.xml><?xml version="1.0" encoding="utf-8"?>
+<file path=ppt/slides/slide12.xml><?xml version="1.0" encoding="utf-8"?>
 <p:sld xmlns:a="http://schemas.openxmlformats.org/drawingml/2006/main" xmlns:r="http://schemas.openxmlformats.org/officeDocument/2006/relationships" xmlns:p="http://schemas.openxmlformats.org/presentationml/2006/main">
   <p:cSld>
     <p:spTree>
@@ -20217,7 +20932,7 @@
         <p:push/>
       </p:transition>
     </mc:Choice>
-    <mc:Fallback xmlns="" xmlns:mv="urn:schemas-microsoft-com:mac:vml" xmlns:c="http://schemas.openxmlformats.org/drawingml/2006/chart" xmlns:dgm="http://schemas.openxmlformats.org/drawingml/2006/diagram" xmlns:o="urn:schemas-microsoft-com:office:office" xmlns:v="urn:schemas-microsoft-com:vml" xmlns:pvml="urn:schemas-microsoft-com:office:powerpoint" xmlns:com="http://schemas.openxmlformats.org/drawingml/2006/compatibility" xmlns:p15="http://schemas.microsoft.com/office/powerpoint/2012/main" xmlns:ahyp="http://schemas.microsoft.com/office/drawing/2018/hyperlinkcolor">
+    <mc:Fallback xmlns:ahyp="http://schemas.microsoft.com/office/drawing/2018/hyperlinkcolor" xmlns:p15="http://schemas.microsoft.com/office/powerpoint/2012/main" xmlns:com="http://schemas.openxmlformats.org/drawingml/2006/compatibility" xmlns:pvml="urn:schemas-microsoft-com:office:powerpoint" xmlns:v="urn:schemas-microsoft-com:vml" xmlns:o="urn:schemas-microsoft-com:office:office" xmlns:dgm="http://schemas.openxmlformats.org/drawingml/2006/diagram" xmlns:c="http://schemas.openxmlformats.org/drawingml/2006/chart" xmlns:mv="urn:schemas-microsoft-com:mac:vml" xmlns="">
       <p:transition spd="slow">
         <p:fade/>
       </p:transition>
@@ -20344,7 +21059,7 @@
 </p:sld>
 </file>
 
-<file path=ppt/slides/slide12.xml><?xml version="1.0" encoding="utf-8"?>
+<file path=ppt/slides/slide13.xml><?xml version="1.0" encoding="utf-8"?>
 <p:sld xmlns:a="http://schemas.openxmlformats.org/drawingml/2006/main" xmlns:r="http://schemas.openxmlformats.org/officeDocument/2006/relationships" xmlns:p="http://schemas.openxmlformats.org/presentationml/2006/main">
   <p:cSld>
     <p:bg>
@@ -20476,7 +21191,7 @@
         <p:push/>
       </p:transition>
     </mc:Choice>
-    <mc:Fallback xmlns="" xmlns:mv="urn:schemas-microsoft-com:mac:vml" xmlns:c="http://schemas.openxmlformats.org/drawingml/2006/chart" xmlns:dgm="http://schemas.openxmlformats.org/drawingml/2006/diagram" xmlns:o="urn:schemas-microsoft-com:office:office" xmlns:v="urn:schemas-microsoft-com:vml" xmlns:pvml="urn:schemas-microsoft-com:office:powerpoint" xmlns:com="http://schemas.openxmlformats.org/drawingml/2006/compatibility" xmlns:p15="http://schemas.microsoft.com/office/powerpoint/2012/main" xmlns:ahyp="http://schemas.microsoft.com/office/drawing/2018/hyperlinkcolor">
+    <mc:Fallback xmlns:ahyp="http://schemas.microsoft.com/office/drawing/2018/hyperlinkcolor" xmlns:p15="http://schemas.microsoft.com/office/powerpoint/2012/main" xmlns:com="http://schemas.openxmlformats.org/drawingml/2006/compatibility" xmlns:pvml="urn:schemas-microsoft-com:office:powerpoint" xmlns:v="urn:schemas-microsoft-com:vml" xmlns:o="urn:schemas-microsoft-com:office:office" xmlns:dgm="http://schemas.openxmlformats.org/drawingml/2006/diagram" xmlns:c="http://schemas.openxmlformats.org/drawingml/2006/chart" xmlns:mv="urn:schemas-microsoft-com:mac:vml" xmlns="">
       <p:transition spd="slow">
         <p:fade/>
       </p:transition>
@@ -20485,7 +21200,7 @@
 </p:sld>
 </file>
 
-<file path=ppt/slides/slide13.xml><?xml version="1.0" encoding="utf-8"?>
+<file path=ppt/slides/slide14.xml><?xml version="1.0" encoding="utf-8"?>
 <p:sld xmlns:a="http://schemas.openxmlformats.org/drawingml/2006/main" xmlns:r="http://schemas.openxmlformats.org/officeDocument/2006/relationships" xmlns:p="http://schemas.openxmlformats.org/presentationml/2006/main">
   <p:cSld>
     <p:bg>
@@ -20652,7 +21367,7 @@
         <p:push/>
       </p:transition>
     </mc:Choice>
-    <mc:Fallback xmlns="" xmlns:mv="urn:schemas-microsoft-com:mac:vml" xmlns:c="http://schemas.openxmlformats.org/drawingml/2006/chart" xmlns:dgm="http://schemas.openxmlformats.org/drawingml/2006/diagram" xmlns:o="urn:schemas-microsoft-com:office:office" xmlns:v="urn:schemas-microsoft-com:vml" xmlns:pvml="urn:schemas-microsoft-com:office:powerpoint" xmlns:com="http://schemas.openxmlformats.org/drawingml/2006/compatibility" xmlns:p15="http://schemas.microsoft.com/office/powerpoint/2012/main" xmlns:ahyp="http://schemas.microsoft.com/office/drawing/2018/hyperlinkcolor">
+    <mc:Fallback xmlns:ahyp="http://schemas.microsoft.com/office/drawing/2018/hyperlinkcolor" xmlns:p15="http://schemas.microsoft.com/office/powerpoint/2012/main" xmlns:com="http://schemas.openxmlformats.org/drawingml/2006/compatibility" xmlns:pvml="urn:schemas-microsoft-com:office:powerpoint" xmlns:v="urn:schemas-microsoft-com:vml" xmlns:o="urn:schemas-microsoft-com:office:office" xmlns:dgm="http://schemas.openxmlformats.org/drawingml/2006/diagram" xmlns:c="http://schemas.openxmlformats.org/drawingml/2006/chart" xmlns:mv="urn:schemas-microsoft-com:mac:vml" xmlns="">
       <p:transition spd="slow">
         <p:fade/>
       </p:transition>
@@ -20814,7 +21529,7 @@
 </p:sld>
 </file>
 
-<file path=ppt/slides/slide14.xml><?xml version="1.0" encoding="utf-8"?>
+<file path=ppt/slides/slide15.xml><?xml version="1.0" encoding="utf-8"?>
 <p:sld xmlns:a="http://schemas.openxmlformats.org/drawingml/2006/main" xmlns:r="http://schemas.openxmlformats.org/officeDocument/2006/relationships" xmlns:p="http://schemas.openxmlformats.org/presentationml/2006/main">
   <p:cSld>
     <p:spTree>
@@ -22284,7 +22999,7 @@
         <p:push/>
       </p:transition>
     </mc:Choice>
-    <mc:Fallback xmlns="" xmlns:mv="urn:schemas-microsoft-com:mac:vml" xmlns:c="http://schemas.openxmlformats.org/drawingml/2006/chart" xmlns:dgm="http://schemas.openxmlformats.org/drawingml/2006/diagram" xmlns:o="urn:schemas-microsoft-com:office:office" xmlns:v="urn:schemas-microsoft-com:vml" xmlns:pvml="urn:schemas-microsoft-com:office:powerpoint" xmlns:com="http://schemas.openxmlformats.org/drawingml/2006/compatibility" xmlns:p15="http://schemas.microsoft.com/office/powerpoint/2012/main" xmlns:ahyp="http://schemas.microsoft.com/office/drawing/2018/hyperlinkcolor">
+    <mc:Fallback xmlns:ahyp="http://schemas.microsoft.com/office/drawing/2018/hyperlinkcolor" xmlns:p15="http://schemas.microsoft.com/office/powerpoint/2012/main" xmlns:com="http://schemas.openxmlformats.org/drawingml/2006/compatibility" xmlns:pvml="urn:schemas-microsoft-com:office:powerpoint" xmlns:v="urn:schemas-microsoft-com:vml" xmlns:o="urn:schemas-microsoft-com:office:office" xmlns:dgm="http://schemas.openxmlformats.org/drawingml/2006/diagram" xmlns:c="http://schemas.openxmlformats.org/drawingml/2006/chart" xmlns:mv="urn:schemas-microsoft-com:mac:vml" xmlns="">
       <p:transition spd="slow">
         <p:fade/>
       </p:transition>
@@ -22293,7 +23008,7 @@
 </p:sld>
 </file>
 
-<file path=ppt/slides/slide15.xml><?xml version="1.0" encoding="utf-8"?>
+<file path=ppt/slides/slide16.xml><?xml version="1.0" encoding="utf-8"?>
 <p:sld xmlns:a="http://schemas.openxmlformats.org/drawingml/2006/main" xmlns:r="http://schemas.openxmlformats.org/officeDocument/2006/relationships" xmlns:p="http://schemas.openxmlformats.org/presentationml/2006/main">
   <p:cSld>
     <p:bg>
@@ -24458,7 +25173,7 @@
         <p:push/>
       </p:transition>
     </mc:Choice>
-    <mc:Fallback xmlns="" xmlns:mv="urn:schemas-microsoft-com:mac:vml" xmlns:c="http://schemas.openxmlformats.org/drawingml/2006/chart" xmlns:dgm="http://schemas.openxmlformats.org/drawingml/2006/diagram" xmlns:o="urn:schemas-microsoft-com:office:office" xmlns:v="urn:schemas-microsoft-com:vml" xmlns:pvml="urn:schemas-microsoft-com:office:powerpoint" xmlns:com="http://schemas.openxmlformats.org/drawingml/2006/compatibility" xmlns:p15="http://schemas.microsoft.com/office/powerpoint/2012/main" xmlns:ahyp="http://schemas.microsoft.com/office/drawing/2018/hyperlinkcolor">
+    <mc:Fallback xmlns:ahyp="http://schemas.microsoft.com/office/drawing/2018/hyperlinkcolor" xmlns:p15="http://schemas.microsoft.com/office/powerpoint/2012/main" xmlns:com="http://schemas.openxmlformats.org/drawingml/2006/compatibility" xmlns:pvml="urn:schemas-microsoft-com:office:powerpoint" xmlns:v="urn:schemas-microsoft-com:vml" xmlns:o="urn:schemas-microsoft-com:office:office" xmlns:dgm="http://schemas.openxmlformats.org/drawingml/2006/diagram" xmlns:c="http://schemas.openxmlformats.org/drawingml/2006/chart" xmlns:mv="urn:schemas-microsoft-com:mac:vml" xmlns="">
       <p:transition spd="slow">
         <p:fade/>
       </p:transition>
@@ -24467,7 +25182,7 @@
 </p:sld>
 </file>
 
-<file path=ppt/slides/slide16.xml><?xml version="1.0" encoding="utf-8"?>
+<file path=ppt/slides/slide17.xml><?xml version="1.0" encoding="utf-8"?>
 <p:sld xmlns:a="http://schemas.openxmlformats.org/drawingml/2006/main" xmlns:r="http://schemas.openxmlformats.org/officeDocument/2006/relationships" xmlns:p="http://schemas.openxmlformats.org/presentationml/2006/main">
   <p:cSld>
     <p:spTree>
@@ -25354,7 +26069,7 @@
         <p:push/>
       </p:transition>
     </mc:Choice>
-    <mc:Fallback xmlns="" xmlns:mv="urn:schemas-microsoft-com:mac:vml" xmlns:c="http://schemas.openxmlformats.org/drawingml/2006/chart" xmlns:dgm="http://schemas.openxmlformats.org/drawingml/2006/diagram" xmlns:o="urn:schemas-microsoft-com:office:office" xmlns:v="urn:schemas-microsoft-com:vml" xmlns:pvml="urn:schemas-microsoft-com:office:powerpoint" xmlns:com="http://schemas.openxmlformats.org/drawingml/2006/compatibility" xmlns:p15="http://schemas.microsoft.com/office/powerpoint/2012/main" xmlns:ahyp="http://schemas.microsoft.com/office/drawing/2018/hyperlinkcolor">
+    <mc:Fallback xmlns:ahyp="http://schemas.microsoft.com/office/drawing/2018/hyperlinkcolor" xmlns:p15="http://schemas.microsoft.com/office/powerpoint/2012/main" xmlns:com="http://schemas.openxmlformats.org/drawingml/2006/compatibility" xmlns:pvml="urn:schemas-microsoft-com:office:powerpoint" xmlns:v="urn:schemas-microsoft-com:vml" xmlns:o="urn:schemas-microsoft-com:office:office" xmlns:dgm="http://schemas.openxmlformats.org/drawingml/2006/diagram" xmlns:c="http://schemas.openxmlformats.org/drawingml/2006/chart" xmlns:mv="urn:schemas-microsoft-com:mac:vml" xmlns="">
       <p:transition spd="slow">
         <p:fade/>
       </p:transition>
@@ -25990,7 +26705,7 @@
 </p:sld>
 </file>
 
-<file path=ppt/slides/slide17.xml><?xml version="1.0" encoding="utf-8"?>
+<file path=ppt/slides/slide18.xml><?xml version="1.0" encoding="utf-8"?>
 <p:sld xmlns:a="http://schemas.openxmlformats.org/drawingml/2006/main" xmlns:r="http://schemas.openxmlformats.org/officeDocument/2006/relationships" xmlns:p="http://schemas.openxmlformats.org/presentationml/2006/main">
   <p:cSld>
     <p:spTree>
@@ -28253,7 +28968,7 @@
         <p:push/>
       </p:transition>
     </mc:Choice>
-    <mc:Fallback xmlns="" xmlns:mv="urn:schemas-microsoft-com:mac:vml" xmlns:c="http://schemas.openxmlformats.org/drawingml/2006/chart" xmlns:dgm="http://schemas.openxmlformats.org/drawingml/2006/diagram" xmlns:o="urn:schemas-microsoft-com:office:office" xmlns:v="urn:schemas-microsoft-com:vml" xmlns:pvml="urn:schemas-microsoft-com:office:powerpoint" xmlns:com="http://schemas.openxmlformats.org/drawingml/2006/compatibility" xmlns:p15="http://schemas.microsoft.com/office/powerpoint/2012/main" xmlns:ahyp="http://schemas.microsoft.com/office/drawing/2018/hyperlinkcolor">
+    <mc:Fallback xmlns:ahyp="http://schemas.microsoft.com/office/drawing/2018/hyperlinkcolor" xmlns:p15="http://schemas.microsoft.com/office/powerpoint/2012/main" xmlns:com="http://schemas.openxmlformats.org/drawingml/2006/compatibility" xmlns:pvml="urn:schemas-microsoft-com:office:powerpoint" xmlns:v="urn:schemas-microsoft-com:vml" xmlns:o="urn:schemas-microsoft-com:office:office" xmlns:dgm="http://schemas.openxmlformats.org/drawingml/2006/diagram" xmlns:c="http://schemas.openxmlformats.org/drawingml/2006/chart" xmlns:mv="urn:schemas-microsoft-com:mac:vml" xmlns="">
       <p:transition spd="slow">
         <p:fade/>
       </p:transition>
@@ -28262,7 +28977,7 @@
 </p:sld>
 </file>
 
-<file path=ppt/slides/slide18.xml><?xml version="1.0" encoding="utf-8"?>
+<file path=ppt/slides/slide19.xml><?xml version="1.0" encoding="utf-8"?>
 <p:sld xmlns:a="http://schemas.openxmlformats.org/drawingml/2006/main" xmlns:r="http://schemas.openxmlformats.org/officeDocument/2006/relationships" xmlns:p="http://schemas.openxmlformats.org/presentationml/2006/main">
   <p:cSld>
     <p:spTree>
@@ -30039,7 +30754,7 @@
         <p:push/>
       </p:transition>
     </mc:Choice>
-    <mc:Fallback xmlns="" xmlns:mv="urn:schemas-microsoft-com:mac:vml" xmlns:c="http://schemas.openxmlformats.org/drawingml/2006/chart" xmlns:dgm="http://schemas.openxmlformats.org/drawingml/2006/diagram" xmlns:o="urn:schemas-microsoft-com:office:office" xmlns:v="urn:schemas-microsoft-com:vml" xmlns:pvml="urn:schemas-microsoft-com:office:powerpoint" xmlns:com="http://schemas.openxmlformats.org/drawingml/2006/compatibility" xmlns:p15="http://schemas.microsoft.com/office/powerpoint/2012/main" xmlns:ahyp="http://schemas.microsoft.com/office/drawing/2018/hyperlinkcolor">
+    <mc:Fallback xmlns:ahyp="http://schemas.microsoft.com/office/drawing/2018/hyperlinkcolor" xmlns:p15="http://schemas.microsoft.com/office/powerpoint/2012/main" xmlns:com="http://schemas.openxmlformats.org/drawingml/2006/compatibility" xmlns:pvml="urn:schemas-microsoft-com:office:powerpoint" xmlns:v="urn:schemas-microsoft-com:vml" xmlns:o="urn:schemas-microsoft-com:office:office" xmlns:dgm="http://schemas.openxmlformats.org/drawingml/2006/diagram" xmlns:c="http://schemas.openxmlformats.org/drawingml/2006/chart" xmlns:mv="urn:schemas-microsoft-com:mac:vml" xmlns="">
       <p:transition spd="slow">
         <p:fade/>
       </p:transition>
@@ -30394,2105 +31109,6 @@
 </p:sld>
 </file>
 
-<file path=ppt/slides/slide19.xml><?xml version="1.0" encoding="utf-8"?>
-<p:sld xmlns:a="http://schemas.openxmlformats.org/drawingml/2006/main" xmlns:r="http://schemas.openxmlformats.org/officeDocument/2006/relationships" xmlns:p="http://schemas.openxmlformats.org/presentationml/2006/main">
-  <p:cSld>
-    <p:bg>
-      <p:bgPr>
-        <a:blipFill>
-          <a:blip r:embed="rId3">
-            <a:alphaModFix/>
-          </a:blip>
-          <a:stretch>
-            <a:fillRect/>
-          </a:stretch>
-        </a:blipFill>
-        <a:effectLst/>
-      </p:bgPr>
-    </p:bg>
-    <p:spTree>
-      <p:nvGrpSpPr>
-        <p:cNvPr id="1" name="Shape 587"/>
-        <p:cNvGrpSpPr/>
-        <p:nvPr/>
-      </p:nvGrpSpPr>
-      <p:grpSpPr>
-        <a:xfrm>
-          <a:off x="0" y="0"/>
-          <a:ext cx="0" cy="0"/>
-          <a:chOff x="0" y="0"/>
-          <a:chExt cx="0" cy="0"/>
-        </a:xfrm>
-      </p:grpSpPr>
-      <p:pic>
-        <p:nvPicPr>
-          <p:cNvPr id="588" name="Google Shape;588;p68"/>
-          <p:cNvPicPr preferRelativeResize="0"/>
-          <p:nvPr/>
-        </p:nvPicPr>
-        <p:blipFill>
-          <a:blip r:embed="rId4">
-            <a:alphaModFix/>
-          </a:blip>
-          <a:stretch>
-            <a:fillRect/>
-          </a:stretch>
-        </p:blipFill>
-        <p:spPr>
-          <a:xfrm flipH="1">
-            <a:off x="7448550" y="-558839"/>
-            <a:ext cx="3048000" cy="2197674"/>
-          </a:xfrm>
-          <a:prstGeom prst="rect">
-            <a:avLst/>
-          </a:prstGeom>
-          <a:noFill/>
-          <a:ln>
-            <a:noFill/>
-          </a:ln>
-        </p:spPr>
-      </p:pic>
-      <p:sp>
-        <p:nvSpPr>
-          <p:cNvPr id="589" name="Google Shape;589;p68"/>
-          <p:cNvSpPr txBox="1">
-            <a:spLocks noGrp="1"/>
-          </p:cNvSpPr>
-          <p:nvPr>
-            <p:ph type="title"/>
-          </p:nvPr>
-        </p:nvSpPr>
-        <p:spPr>
-          <a:xfrm>
-            <a:off x="720000" y="445025"/>
-            <a:ext cx="7704000" cy="572700"/>
-          </a:xfrm>
-          <a:prstGeom prst="rect">
-            <a:avLst/>
-          </a:prstGeom>
-        </p:spPr>
-        <p:txBody>
-          <a:bodyPr spcFirstLastPara="1" wrap="square" lIns="91425" tIns="91425" rIns="91425" bIns="91425" anchor="t" anchorCtr="0">
-            <a:noAutofit/>
-          </a:bodyPr>
-          <a:lstStyle/>
-          <a:p>
-            <a:pPr marL="0" lvl="0" indent="0" algn="ctr" rtl="0">
-              <a:spcBef>
-                <a:spcPts val="0"/>
-              </a:spcBef>
-              <a:spcAft>
-                <a:spcPts val="0"/>
-              </a:spcAft>
-              <a:buNone/>
-            </a:pPr>
-            <a:r>
-              <a:rPr lang="en"/>
-              <a:t>LITERATURE REVIEW</a:t>
-            </a:r>
-            <a:endParaRPr/>
-          </a:p>
-        </p:txBody>
-      </p:sp>
-      <p:sp>
-        <p:nvSpPr>
-          <p:cNvPr id="590" name="Google Shape;590;p68"/>
-          <p:cNvSpPr txBox="1">
-            <a:spLocks noGrp="1"/>
-          </p:cNvSpPr>
-          <p:nvPr>
-            <p:ph type="subTitle" idx="1"/>
-          </p:nvPr>
-        </p:nvSpPr>
-        <p:spPr>
-          <a:xfrm>
-            <a:off x="719875" y="2514375"/>
-            <a:ext cx="3735300" cy="452100"/>
-          </a:xfrm>
-          <a:prstGeom prst="rect">
-            <a:avLst/>
-          </a:prstGeom>
-        </p:spPr>
-        <p:txBody>
-          <a:bodyPr spcFirstLastPara="1" wrap="square" lIns="91425" tIns="91425" rIns="91425" bIns="91425" anchor="t" anchorCtr="0">
-            <a:noAutofit/>
-          </a:bodyPr>
-          <a:lstStyle/>
-          <a:p>
-            <a:pPr marL="0" lvl="0" indent="0" algn="ctr" rtl="0">
-              <a:spcBef>
-                <a:spcPts val="0"/>
-              </a:spcBef>
-              <a:spcAft>
-                <a:spcPts val="0"/>
-              </a:spcAft>
-              <a:buNone/>
-            </a:pPr>
-            <a:r>
-              <a:rPr lang="en"/>
-              <a:t>THEORY 1</a:t>
-            </a:r>
-            <a:endParaRPr/>
-          </a:p>
-        </p:txBody>
-      </p:sp>
-      <p:sp>
-        <p:nvSpPr>
-          <p:cNvPr id="591" name="Google Shape;591;p68"/>
-          <p:cNvSpPr txBox="1">
-            <a:spLocks noGrp="1"/>
-          </p:cNvSpPr>
-          <p:nvPr>
-            <p:ph type="subTitle" idx="2"/>
-          </p:nvPr>
-        </p:nvSpPr>
-        <p:spPr>
-          <a:xfrm>
-            <a:off x="4688650" y="2530475"/>
-            <a:ext cx="3735300" cy="452100"/>
-          </a:xfrm>
-          <a:prstGeom prst="rect">
-            <a:avLst/>
-          </a:prstGeom>
-        </p:spPr>
-        <p:txBody>
-          <a:bodyPr spcFirstLastPara="1" wrap="square" lIns="91425" tIns="91425" rIns="91425" bIns="91425" anchor="t" anchorCtr="0">
-            <a:noAutofit/>
-          </a:bodyPr>
-          <a:lstStyle/>
-          <a:p>
-            <a:pPr marL="0" lvl="0" indent="0" algn="ctr" rtl="0">
-              <a:spcBef>
-                <a:spcPts val="0"/>
-              </a:spcBef>
-              <a:spcAft>
-                <a:spcPts val="0"/>
-              </a:spcAft>
-              <a:buNone/>
-            </a:pPr>
-            <a:r>
-              <a:rPr lang="en"/>
-              <a:t>THEORY 2</a:t>
-            </a:r>
-            <a:endParaRPr/>
-          </a:p>
-        </p:txBody>
-      </p:sp>
-      <p:sp>
-        <p:nvSpPr>
-          <p:cNvPr id="592" name="Google Shape;592;p68"/>
-          <p:cNvSpPr txBox="1">
-            <a:spLocks noGrp="1"/>
-          </p:cNvSpPr>
-          <p:nvPr>
-            <p:ph type="subTitle" idx="3"/>
-          </p:nvPr>
-        </p:nvSpPr>
-        <p:spPr>
-          <a:xfrm>
-            <a:off x="720025" y="2982600"/>
-            <a:ext cx="3735300" cy="1302000"/>
-          </a:xfrm>
-          <a:prstGeom prst="rect">
-            <a:avLst/>
-          </a:prstGeom>
-        </p:spPr>
-        <p:txBody>
-          <a:bodyPr spcFirstLastPara="1" wrap="square" lIns="91425" tIns="91425" rIns="91425" bIns="91425" anchor="t" anchorCtr="0">
-            <a:noAutofit/>
-          </a:bodyPr>
-          <a:lstStyle/>
-          <a:p>
-            <a:pPr marL="0" lvl="0" indent="0" algn="ctr" rtl="0">
-              <a:spcBef>
-                <a:spcPts val="0"/>
-              </a:spcBef>
-              <a:spcAft>
-                <a:spcPts val="0"/>
-              </a:spcAft>
-              <a:buNone/>
-            </a:pPr>
-            <a:r>
-              <a:rPr lang="en"/>
-              <a:t>Mercury is the closest planet to the Sun and the smallest one in the Solar System—it’s only a bit larger than the Moon</a:t>
-            </a:r>
-            <a:endParaRPr/>
-          </a:p>
-        </p:txBody>
-      </p:sp>
-      <p:sp>
-        <p:nvSpPr>
-          <p:cNvPr id="593" name="Google Shape;593;p68"/>
-          <p:cNvSpPr txBox="1">
-            <a:spLocks noGrp="1"/>
-          </p:cNvSpPr>
-          <p:nvPr>
-            <p:ph type="subTitle" idx="4"/>
-          </p:nvPr>
-        </p:nvSpPr>
-        <p:spPr>
-          <a:xfrm>
-            <a:off x="4688655" y="2982600"/>
-            <a:ext cx="3735300" cy="1302000"/>
-          </a:xfrm>
-          <a:prstGeom prst="rect">
-            <a:avLst/>
-          </a:prstGeom>
-        </p:spPr>
-        <p:txBody>
-          <a:bodyPr spcFirstLastPara="1" wrap="square" lIns="91425" tIns="91425" rIns="91425" bIns="91425" anchor="t" anchorCtr="0">
-            <a:noAutofit/>
-          </a:bodyPr>
-          <a:lstStyle/>
-          <a:p>
-            <a:pPr marL="0" lvl="0" indent="0" algn="ctr" rtl="0">
-              <a:spcBef>
-                <a:spcPts val="0"/>
-              </a:spcBef>
-              <a:spcAft>
-                <a:spcPts val="0"/>
-              </a:spcAft>
-              <a:buNone/>
-            </a:pPr>
-            <a:r>
-              <a:rPr lang="en"/>
-              <a:t>Venus has a beautiful name and is the second planet from the Sun. It’s terribly hot and its atmosphere is extremely poisonous</a:t>
-            </a:r>
-            <a:endParaRPr/>
-          </a:p>
-        </p:txBody>
-      </p:sp>
-      <p:sp>
-        <p:nvSpPr>
-          <p:cNvPr id="594" name="Google Shape;594;p68"/>
-          <p:cNvSpPr/>
-          <p:nvPr/>
-        </p:nvSpPr>
-        <p:spPr>
-          <a:xfrm>
-            <a:off x="8436650" y="-1848796"/>
-            <a:ext cx="3735241" cy="4004501"/>
-          </a:xfrm>
-          <a:custGeom>
-            <a:avLst/>
-            <a:gdLst/>
-            <a:ahLst/>
-            <a:cxnLst/>
-            <a:rect l="l" t="t" r="r" b="b"/>
-            <a:pathLst>
-              <a:path w="195460" h="209550" extrusionOk="0">
-                <a:moveTo>
-                  <a:pt x="183548" y="11656"/>
-                </a:moveTo>
-                <a:lnTo>
-                  <a:pt x="183548" y="197894"/>
-                </a:lnTo>
-                <a:lnTo>
-                  <a:pt x="11912" y="197894"/>
-                </a:lnTo>
-                <a:lnTo>
-                  <a:pt x="11912" y="11656"/>
-                </a:lnTo>
-                <a:close/>
-                <a:moveTo>
-                  <a:pt x="0" y="0"/>
-                </a:moveTo>
-                <a:lnTo>
-                  <a:pt x="0" y="209550"/>
-                </a:lnTo>
-                <a:lnTo>
-                  <a:pt x="195460" y="209550"/>
-                </a:lnTo>
-                <a:lnTo>
-                  <a:pt x="195460" y="0"/>
-                </a:lnTo>
-                <a:close/>
-              </a:path>
-            </a:pathLst>
-          </a:custGeom>
-          <a:solidFill>
-            <a:schemeClr val="accent2"/>
-          </a:solidFill>
-          <a:ln>
-            <a:noFill/>
-          </a:ln>
-        </p:spPr>
-        <p:txBody>
-          <a:bodyPr spcFirstLastPara="1" wrap="square" lIns="91425" tIns="91425" rIns="91425" bIns="91425" anchor="ctr" anchorCtr="0">
-            <a:noAutofit/>
-          </a:bodyPr>
-          <a:lstStyle/>
-          <a:p>
-            <a:pPr marL="0" lvl="0" indent="0" algn="l" rtl="0">
-              <a:spcBef>
-                <a:spcPts val="0"/>
-              </a:spcBef>
-              <a:spcAft>
-                <a:spcPts val="0"/>
-              </a:spcAft>
-              <a:buNone/>
-            </a:pPr>
-            <a:endParaRPr/>
-          </a:p>
-        </p:txBody>
-      </p:sp>
-      <p:sp>
-        <p:nvSpPr>
-          <p:cNvPr id="595" name="Google Shape;595;p68"/>
-          <p:cNvSpPr/>
-          <p:nvPr/>
-        </p:nvSpPr>
-        <p:spPr>
-          <a:xfrm flipH="1">
-            <a:off x="8085000" y="278225"/>
-            <a:ext cx="906600" cy="906300"/>
-          </a:xfrm>
-          <a:prstGeom prst="ellipse">
-            <a:avLst/>
-          </a:prstGeom>
-          <a:solidFill>
-            <a:schemeClr val="accent2"/>
-          </a:solidFill>
-          <a:ln>
-            <a:noFill/>
-          </a:ln>
-        </p:spPr>
-        <p:txBody>
-          <a:bodyPr spcFirstLastPara="1" wrap="square" lIns="91425" tIns="91425" rIns="91425" bIns="91425" anchor="ctr" anchorCtr="0">
-            <a:noAutofit/>
-          </a:bodyPr>
-          <a:lstStyle/>
-          <a:p>
-            <a:pPr marL="0" lvl="0" indent="0" algn="l" rtl="0">
-              <a:spcBef>
-                <a:spcPts val="0"/>
-              </a:spcBef>
-              <a:spcAft>
-                <a:spcPts val="0"/>
-              </a:spcAft>
-              <a:buNone/>
-            </a:pPr>
-            <a:endParaRPr/>
-          </a:p>
-        </p:txBody>
-      </p:sp>
-      <p:pic>
-        <p:nvPicPr>
-          <p:cNvPr id="596" name="Google Shape;596;p68"/>
-          <p:cNvPicPr preferRelativeResize="0"/>
-          <p:nvPr/>
-        </p:nvPicPr>
-        <p:blipFill>
-          <a:blip r:embed="rId4">
-            <a:alphaModFix/>
-          </a:blip>
-          <a:stretch>
-            <a:fillRect/>
-          </a:stretch>
-        </p:blipFill>
-        <p:spPr>
-          <a:xfrm rot="-5400000" flipH="1">
-            <a:off x="-2001312" y="4892887"/>
-            <a:ext cx="3393025" cy="2446450"/>
-          </a:xfrm>
-          <a:prstGeom prst="rect">
-            <a:avLst/>
-          </a:prstGeom>
-          <a:noFill/>
-          <a:ln>
-            <a:noFill/>
-          </a:ln>
-        </p:spPr>
-      </p:pic>
-      <p:sp>
-        <p:nvSpPr>
-          <p:cNvPr id="597" name="Google Shape;597;p68"/>
-          <p:cNvSpPr/>
-          <p:nvPr/>
-        </p:nvSpPr>
-        <p:spPr>
-          <a:xfrm flipH="1">
-            <a:off x="2134364" y="1485850"/>
-            <a:ext cx="906600" cy="906300"/>
-          </a:xfrm>
-          <a:prstGeom prst="ellipse">
-            <a:avLst/>
-          </a:prstGeom>
-          <a:solidFill>
-            <a:schemeClr val="accent2"/>
-          </a:solidFill>
-          <a:ln>
-            <a:noFill/>
-          </a:ln>
-        </p:spPr>
-        <p:txBody>
-          <a:bodyPr spcFirstLastPara="1" wrap="square" lIns="91425" tIns="91425" rIns="91425" bIns="91425" anchor="ctr" anchorCtr="0">
-            <a:noAutofit/>
-          </a:bodyPr>
-          <a:lstStyle/>
-          <a:p>
-            <a:pPr marL="0" lvl="0" indent="0" algn="l" rtl="0">
-              <a:spcBef>
-                <a:spcPts val="0"/>
-              </a:spcBef>
-              <a:spcAft>
-                <a:spcPts val="0"/>
-              </a:spcAft>
-              <a:buNone/>
-            </a:pPr>
-            <a:endParaRPr/>
-          </a:p>
-        </p:txBody>
-      </p:sp>
-      <p:sp>
-        <p:nvSpPr>
-          <p:cNvPr id="598" name="Google Shape;598;p68"/>
-          <p:cNvSpPr/>
-          <p:nvPr/>
-        </p:nvSpPr>
-        <p:spPr>
-          <a:xfrm flipH="1">
-            <a:off x="6103000" y="1485850"/>
-            <a:ext cx="906600" cy="906300"/>
-          </a:xfrm>
-          <a:prstGeom prst="ellipse">
-            <a:avLst/>
-          </a:prstGeom>
-          <a:solidFill>
-            <a:schemeClr val="accent2"/>
-          </a:solidFill>
-          <a:ln>
-            <a:noFill/>
-          </a:ln>
-        </p:spPr>
-        <p:txBody>
-          <a:bodyPr spcFirstLastPara="1" wrap="square" lIns="91425" tIns="91425" rIns="91425" bIns="91425" anchor="ctr" anchorCtr="0">
-            <a:noAutofit/>
-          </a:bodyPr>
-          <a:lstStyle/>
-          <a:p>
-            <a:pPr marL="0" lvl="0" indent="0" algn="l" rtl="0">
-              <a:spcBef>
-                <a:spcPts val="0"/>
-              </a:spcBef>
-              <a:spcAft>
-                <a:spcPts val="0"/>
-              </a:spcAft>
-              <a:buNone/>
-            </a:pPr>
-            <a:endParaRPr/>
-          </a:p>
-        </p:txBody>
-      </p:sp>
-      <p:grpSp>
-        <p:nvGrpSpPr>
-          <p:cNvPr id="599" name="Google Shape;599;p68"/>
-          <p:cNvGrpSpPr/>
-          <p:nvPr/>
-        </p:nvGrpSpPr>
-        <p:grpSpPr>
-          <a:xfrm>
-            <a:off x="6375198" y="1758447"/>
-            <a:ext cx="362223" cy="361108"/>
-            <a:chOff x="3513010" y="3816134"/>
-            <a:chExt cx="362223" cy="361108"/>
-          </a:xfrm>
-        </p:grpSpPr>
-        <p:sp>
-          <p:nvSpPr>
-            <p:cNvPr id="600" name="Google Shape;600;p68"/>
-            <p:cNvSpPr/>
-            <p:nvPr/>
-          </p:nvSpPr>
-          <p:spPr>
-            <a:xfrm>
-              <a:off x="3513010" y="3816134"/>
-              <a:ext cx="362223" cy="361108"/>
-            </a:xfrm>
-            <a:custGeom>
-              <a:avLst/>
-              <a:gdLst/>
-              <a:ahLst/>
-              <a:cxnLst/>
-              <a:rect l="l" t="t" r="r" b="b"/>
-              <a:pathLst>
-                <a:path w="11371" h="11336" extrusionOk="0">
-                  <a:moveTo>
-                    <a:pt x="1381" y="346"/>
-                  </a:moveTo>
-                  <a:cubicBezTo>
-                    <a:pt x="1846" y="358"/>
-                    <a:pt x="2262" y="715"/>
-                    <a:pt x="2358" y="1191"/>
-                  </a:cubicBezTo>
-                  <a:lnTo>
-                    <a:pt x="1881" y="1191"/>
-                  </a:lnTo>
-                  <a:cubicBezTo>
-                    <a:pt x="1786" y="1191"/>
-                    <a:pt x="1715" y="1263"/>
-                    <a:pt x="1715" y="1358"/>
-                  </a:cubicBezTo>
-                  <a:cubicBezTo>
-                    <a:pt x="1715" y="1727"/>
-                    <a:pt x="1417" y="2025"/>
-                    <a:pt x="1048" y="2025"/>
-                  </a:cubicBezTo>
-                  <a:cubicBezTo>
-                    <a:pt x="667" y="2025"/>
-                    <a:pt x="369" y="1727"/>
-                    <a:pt x="369" y="1358"/>
-                  </a:cubicBezTo>
-                  <a:cubicBezTo>
-                    <a:pt x="369" y="798"/>
-                    <a:pt x="822" y="346"/>
-                    <a:pt x="1381" y="346"/>
-                  </a:cubicBezTo>
-                  <a:close/>
-                  <a:moveTo>
-                    <a:pt x="2358" y="1537"/>
-                  </a:moveTo>
-                  <a:lnTo>
-                    <a:pt x="2358" y="2037"/>
-                  </a:lnTo>
-                  <a:lnTo>
-                    <a:pt x="1774" y="2037"/>
-                  </a:lnTo>
-                  <a:cubicBezTo>
-                    <a:pt x="1893" y="1906"/>
-                    <a:pt x="1977" y="1727"/>
-                    <a:pt x="2012" y="1537"/>
-                  </a:cubicBezTo>
-                  <a:close/>
-                  <a:moveTo>
-                    <a:pt x="9109" y="4489"/>
-                  </a:moveTo>
-                  <a:lnTo>
-                    <a:pt x="9109" y="4489"/>
-                  </a:lnTo>
-                  <a:cubicBezTo>
-                    <a:pt x="8739" y="5049"/>
-                    <a:pt x="8287" y="5585"/>
-                    <a:pt x="7787" y="6085"/>
-                  </a:cubicBezTo>
-                  <a:cubicBezTo>
-                    <a:pt x="7275" y="6597"/>
-                    <a:pt x="6739" y="7037"/>
-                    <a:pt x="6192" y="7406"/>
-                  </a:cubicBezTo>
-                  <a:cubicBezTo>
-                    <a:pt x="6584" y="6859"/>
-                    <a:pt x="7013" y="6323"/>
-                    <a:pt x="7513" y="5823"/>
-                  </a:cubicBezTo>
-                  <a:cubicBezTo>
-                    <a:pt x="8025" y="5311"/>
-                    <a:pt x="8561" y="4870"/>
-                    <a:pt x="9109" y="4489"/>
-                  </a:cubicBezTo>
-                  <a:close/>
-                  <a:moveTo>
-                    <a:pt x="4036" y="9359"/>
-                  </a:moveTo>
-                  <a:cubicBezTo>
-                    <a:pt x="4346" y="9359"/>
-                    <a:pt x="4620" y="9573"/>
-                    <a:pt x="4691" y="9871"/>
-                  </a:cubicBezTo>
-                  <a:lnTo>
-                    <a:pt x="3382" y="9871"/>
-                  </a:lnTo>
-                  <a:cubicBezTo>
-                    <a:pt x="3453" y="9573"/>
-                    <a:pt x="3727" y="9359"/>
-                    <a:pt x="4036" y="9359"/>
-                  </a:cubicBezTo>
-                  <a:close/>
-                  <a:moveTo>
-                    <a:pt x="10359" y="9359"/>
-                  </a:moveTo>
-                  <a:cubicBezTo>
-                    <a:pt x="10728" y="9359"/>
-                    <a:pt x="11025" y="9657"/>
-                    <a:pt x="11025" y="10026"/>
-                  </a:cubicBezTo>
-                  <a:cubicBezTo>
-                    <a:pt x="11025" y="10597"/>
-                    <a:pt x="10585" y="11038"/>
-                    <a:pt x="10037" y="11038"/>
-                  </a:cubicBezTo>
-                  <a:lnTo>
-                    <a:pt x="4584" y="11038"/>
-                  </a:lnTo>
-                  <a:cubicBezTo>
-                    <a:pt x="4870" y="10788"/>
-                    <a:pt x="5037" y="10431"/>
-                    <a:pt x="5037" y="10026"/>
-                  </a:cubicBezTo>
-                  <a:cubicBezTo>
-                    <a:pt x="5037" y="9776"/>
-                    <a:pt x="4929" y="9538"/>
-                    <a:pt x="4775" y="9359"/>
-                  </a:cubicBezTo>
-                  <a:close/>
-                  <a:moveTo>
-                    <a:pt x="1346" y="1"/>
-                  </a:moveTo>
-                  <a:cubicBezTo>
-                    <a:pt x="596" y="1"/>
-                    <a:pt x="0" y="596"/>
-                    <a:pt x="0" y="1334"/>
-                  </a:cubicBezTo>
-                  <a:cubicBezTo>
-                    <a:pt x="0" y="1906"/>
-                    <a:pt x="465" y="2346"/>
-                    <a:pt x="1012" y="2346"/>
-                  </a:cubicBezTo>
-                  <a:lnTo>
-                    <a:pt x="2358" y="2346"/>
-                  </a:lnTo>
-                  <a:lnTo>
-                    <a:pt x="2358" y="7514"/>
-                  </a:lnTo>
-                  <a:cubicBezTo>
-                    <a:pt x="2358" y="7609"/>
-                    <a:pt x="2429" y="7680"/>
-                    <a:pt x="2512" y="7680"/>
-                  </a:cubicBezTo>
-                  <a:cubicBezTo>
-                    <a:pt x="2608" y="7680"/>
-                    <a:pt x="2679" y="7609"/>
-                    <a:pt x="2679" y="7514"/>
-                  </a:cubicBezTo>
-                  <a:lnTo>
-                    <a:pt x="2679" y="1334"/>
-                  </a:lnTo>
-                  <a:cubicBezTo>
-                    <a:pt x="2679" y="929"/>
-                    <a:pt x="2501" y="572"/>
-                    <a:pt x="2239" y="322"/>
-                  </a:cubicBezTo>
-                  <a:lnTo>
-                    <a:pt x="7680" y="322"/>
-                  </a:lnTo>
-                  <a:cubicBezTo>
-                    <a:pt x="8227" y="322"/>
-                    <a:pt x="8680" y="775"/>
-                    <a:pt x="8680" y="1334"/>
-                  </a:cubicBezTo>
-                  <a:lnTo>
-                    <a:pt x="8680" y="2870"/>
-                  </a:lnTo>
-                  <a:cubicBezTo>
-                    <a:pt x="8192" y="3108"/>
-                    <a:pt x="7739" y="3430"/>
-                    <a:pt x="7358" y="3811"/>
-                  </a:cubicBezTo>
-                  <a:cubicBezTo>
-                    <a:pt x="6549" y="4608"/>
-                    <a:pt x="6537" y="5192"/>
-                    <a:pt x="6525" y="6144"/>
-                  </a:cubicBezTo>
-                  <a:lnTo>
-                    <a:pt x="6525" y="6394"/>
-                  </a:lnTo>
-                  <a:cubicBezTo>
-                    <a:pt x="6132" y="6859"/>
-                    <a:pt x="5811" y="7347"/>
-                    <a:pt x="5513" y="7847"/>
-                  </a:cubicBezTo>
-                  <a:cubicBezTo>
-                    <a:pt x="5465" y="7907"/>
-                    <a:pt x="5477" y="7990"/>
-                    <a:pt x="5537" y="8049"/>
-                  </a:cubicBezTo>
-                  <a:cubicBezTo>
-                    <a:pt x="5572" y="8085"/>
-                    <a:pt x="5608" y="8097"/>
-                    <a:pt x="5656" y="8097"/>
-                  </a:cubicBezTo>
-                  <a:cubicBezTo>
-                    <a:pt x="5691" y="8097"/>
-                    <a:pt x="5715" y="8097"/>
-                    <a:pt x="5751" y="8061"/>
-                  </a:cubicBezTo>
-                  <a:cubicBezTo>
-                    <a:pt x="6251" y="7776"/>
-                    <a:pt x="6727" y="7442"/>
-                    <a:pt x="7192" y="7049"/>
-                  </a:cubicBezTo>
-                  <a:lnTo>
-                    <a:pt x="7442" y="7049"/>
-                  </a:lnTo>
-                  <a:cubicBezTo>
-                    <a:pt x="7930" y="7037"/>
-                    <a:pt x="8323" y="7037"/>
-                    <a:pt x="8692" y="6918"/>
-                  </a:cubicBezTo>
-                  <a:lnTo>
-                    <a:pt x="8692" y="9002"/>
-                  </a:lnTo>
-                  <a:lnTo>
-                    <a:pt x="4036" y="9002"/>
-                  </a:lnTo>
-                  <a:cubicBezTo>
-                    <a:pt x="3465" y="9002"/>
-                    <a:pt x="3024" y="9466"/>
-                    <a:pt x="3024" y="10014"/>
-                  </a:cubicBezTo>
-                  <a:cubicBezTo>
-                    <a:pt x="3024" y="10097"/>
-                    <a:pt x="3096" y="10181"/>
-                    <a:pt x="3191" y="10181"/>
-                  </a:cubicBezTo>
-                  <a:lnTo>
-                    <a:pt x="4691" y="10181"/>
-                  </a:lnTo>
-                  <a:cubicBezTo>
-                    <a:pt x="4620" y="10657"/>
-                    <a:pt x="4203" y="11014"/>
-                    <a:pt x="3691" y="11014"/>
-                  </a:cubicBezTo>
-                  <a:cubicBezTo>
-                    <a:pt x="3144" y="11014"/>
-                    <a:pt x="2679" y="10562"/>
-                    <a:pt x="2679" y="10002"/>
-                  </a:cubicBezTo>
-                  <a:lnTo>
-                    <a:pt x="2679" y="8168"/>
-                  </a:lnTo>
-                  <a:cubicBezTo>
-                    <a:pt x="2679" y="8085"/>
-                    <a:pt x="2608" y="8002"/>
-                    <a:pt x="2512" y="8002"/>
-                  </a:cubicBezTo>
-                  <a:cubicBezTo>
-                    <a:pt x="2429" y="8002"/>
-                    <a:pt x="2358" y="8085"/>
-                    <a:pt x="2358" y="8168"/>
-                  </a:cubicBezTo>
-                  <a:lnTo>
-                    <a:pt x="2358" y="10002"/>
-                  </a:lnTo>
-                  <a:cubicBezTo>
-                    <a:pt x="2358" y="10740"/>
-                    <a:pt x="2953" y="11335"/>
-                    <a:pt x="3691" y="11335"/>
-                  </a:cubicBezTo>
-                  <a:lnTo>
-                    <a:pt x="10013" y="11335"/>
-                  </a:lnTo>
-                  <a:cubicBezTo>
-                    <a:pt x="10764" y="11335"/>
-                    <a:pt x="11359" y="10740"/>
-                    <a:pt x="11359" y="10002"/>
-                  </a:cubicBezTo>
-                  <a:cubicBezTo>
-                    <a:pt x="11371" y="9478"/>
-                    <a:pt x="10930" y="9038"/>
-                    <a:pt x="10359" y="9038"/>
-                  </a:cubicBezTo>
-                  <a:lnTo>
-                    <a:pt x="9025" y="9038"/>
-                  </a:lnTo>
-                  <a:lnTo>
-                    <a:pt x="9025" y="6811"/>
-                  </a:lnTo>
-                  <a:cubicBezTo>
-                    <a:pt x="9263" y="6692"/>
-                    <a:pt x="9513" y="6513"/>
-                    <a:pt x="9775" y="6252"/>
-                  </a:cubicBezTo>
-                  <a:cubicBezTo>
-                    <a:pt x="10013" y="6013"/>
-                    <a:pt x="10228" y="5763"/>
-                    <a:pt x="10406" y="5478"/>
-                  </a:cubicBezTo>
-                  <a:cubicBezTo>
-                    <a:pt x="10430" y="5430"/>
-                    <a:pt x="10430" y="5370"/>
-                    <a:pt x="10418" y="5311"/>
-                  </a:cubicBezTo>
-                  <a:cubicBezTo>
-                    <a:pt x="10394" y="5251"/>
-                    <a:pt x="10347" y="5228"/>
-                    <a:pt x="10299" y="5204"/>
-                  </a:cubicBezTo>
-                  <a:lnTo>
-                    <a:pt x="9894" y="5132"/>
-                  </a:lnTo>
-                  <a:cubicBezTo>
-                    <a:pt x="10728" y="4489"/>
-                    <a:pt x="11264" y="3525"/>
-                    <a:pt x="11323" y="2465"/>
-                  </a:cubicBezTo>
-                  <a:lnTo>
-                    <a:pt x="11323" y="2453"/>
-                  </a:lnTo>
-                  <a:cubicBezTo>
-                    <a:pt x="11323" y="2406"/>
-                    <a:pt x="11311" y="2358"/>
-                    <a:pt x="11287" y="2322"/>
-                  </a:cubicBezTo>
-                  <a:cubicBezTo>
-                    <a:pt x="11252" y="2287"/>
-                    <a:pt x="11204" y="2275"/>
-                    <a:pt x="11145" y="2275"/>
-                  </a:cubicBezTo>
-                  <a:cubicBezTo>
-                    <a:pt x="10764" y="2311"/>
-                    <a:pt x="10394" y="2346"/>
-                    <a:pt x="10037" y="2430"/>
-                  </a:cubicBezTo>
-                  <a:cubicBezTo>
-                    <a:pt x="9942" y="2442"/>
-                    <a:pt x="9882" y="2525"/>
-                    <a:pt x="9894" y="2620"/>
-                  </a:cubicBezTo>
-                  <a:cubicBezTo>
-                    <a:pt x="9916" y="2696"/>
-                    <a:pt x="9988" y="2753"/>
-                    <a:pt x="10073" y="2753"/>
-                  </a:cubicBezTo>
-                  <a:cubicBezTo>
-                    <a:pt x="10080" y="2753"/>
-                    <a:pt x="10089" y="2752"/>
-                    <a:pt x="10097" y="2751"/>
-                  </a:cubicBezTo>
-                  <a:cubicBezTo>
-                    <a:pt x="10371" y="2692"/>
-                    <a:pt x="10656" y="2644"/>
-                    <a:pt x="10966" y="2620"/>
-                  </a:cubicBezTo>
-                  <a:lnTo>
-                    <a:pt x="10966" y="2620"/>
-                  </a:lnTo>
-                  <a:cubicBezTo>
-                    <a:pt x="10847" y="3632"/>
-                    <a:pt x="10275" y="4537"/>
-                    <a:pt x="9382" y="5073"/>
-                  </a:cubicBezTo>
-                  <a:lnTo>
-                    <a:pt x="9359" y="5085"/>
-                  </a:lnTo>
-                  <a:cubicBezTo>
-                    <a:pt x="9299" y="5120"/>
-                    <a:pt x="9275" y="5192"/>
-                    <a:pt x="9287" y="5263"/>
-                  </a:cubicBezTo>
-                  <a:cubicBezTo>
-                    <a:pt x="9299" y="5347"/>
-                    <a:pt x="9359" y="5382"/>
-                    <a:pt x="9418" y="5406"/>
-                  </a:cubicBezTo>
-                  <a:lnTo>
-                    <a:pt x="9978" y="5490"/>
-                  </a:lnTo>
-                  <a:cubicBezTo>
-                    <a:pt x="9835" y="5668"/>
-                    <a:pt x="9692" y="5847"/>
-                    <a:pt x="9525" y="6002"/>
-                  </a:cubicBezTo>
-                  <a:cubicBezTo>
-                    <a:pt x="8870" y="6656"/>
-                    <a:pt x="8406" y="6716"/>
-                    <a:pt x="7573" y="6728"/>
-                  </a:cubicBezTo>
-                  <a:cubicBezTo>
-                    <a:pt x="7727" y="6597"/>
-                    <a:pt x="7870" y="6454"/>
-                    <a:pt x="8013" y="6311"/>
-                  </a:cubicBezTo>
-                  <a:cubicBezTo>
-                    <a:pt x="8728" y="5597"/>
-                    <a:pt x="9299" y="4835"/>
-                    <a:pt x="9775" y="4037"/>
-                  </a:cubicBezTo>
-                  <a:cubicBezTo>
-                    <a:pt x="9823" y="3977"/>
-                    <a:pt x="9811" y="3882"/>
-                    <a:pt x="9751" y="3823"/>
-                  </a:cubicBezTo>
-                  <a:cubicBezTo>
-                    <a:pt x="9718" y="3789"/>
-                    <a:pt x="9681" y="3774"/>
-                    <a:pt x="9639" y="3774"/>
-                  </a:cubicBezTo>
-                  <a:cubicBezTo>
-                    <a:pt x="9608" y="3774"/>
-                    <a:pt x="9574" y="3783"/>
-                    <a:pt x="9537" y="3799"/>
-                  </a:cubicBezTo>
-                  <a:cubicBezTo>
-                    <a:pt x="8739" y="4251"/>
-                    <a:pt x="7966" y="4847"/>
-                    <a:pt x="7263" y="5561"/>
-                  </a:cubicBezTo>
-                  <a:cubicBezTo>
-                    <a:pt x="7120" y="5716"/>
-                    <a:pt x="6977" y="5847"/>
-                    <a:pt x="6846" y="6002"/>
-                  </a:cubicBezTo>
-                  <a:cubicBezTo>
-                    <a:pt x="6882" y="5168"/>
-                    <a:pt x="6918" y="4704"/>
-                    <a:pt x="7573" y="4049"/>
-                  </a:cubicBezTo>
-                  <a:cubicBezTo>
-                    <a:pt x="8085" y="3537"/>
-                    <a:pt x="8728" y="3156"/>
-                    <a:pt x="9454" y="2906"/>
-                  </a:cubicBezTo>
-                  <a:cubicBezTo>
-                    <a:pt x="9537" y="2870"/>
-                    <a:pt x="9585" y="2787"/>
-                    <a:pt x="9561" y="2692"/>
-                  </a:cubicBezTo>
-                  <a:cubicBezTo>
-                    <a:pt x="9531" y="2623"/>
-                    <a:pt x="9470" y="2578"/>
-                    <a:pt x="9395" y="2578"/>
-                  </a:cubicBezTo>
-                  <a:cubicBezTo>
-                    <a:pt x="9379" y="2578"/>
-                    <a:pt x="9363" y="2580"/>
-                    <a:pt x="9347" y="2584"/>
-                  </a:cubicBezTo>
-                  <a:cubicBezTo>
-                    <a:pt x="9228" y="2632"/>
-                    <a:pt x="9109" y="2680"/>
-                    <a:pt x="9001" y="2715"/>
-                  </a:cubicBezTo>
-                  <a:lnTo>
-                    <a:pt x="9001" y="1334"/>
-                  </a:lnTo>
-                  <a:cubicBezTo>
-                    <a:pt x="9001" y="596"/>
-                    <a:pt x="8406" y="1"/>
-                    <a:pt x="7668" y="1"/>
-                  </a:cubicBezTo>
-                  <a:close/>
-                </a:path>
-              </a:pathLst>
-            </a:custGeom>
-            <a:solidFill>
-              <a:schemeClr val="lt1"/>
-            </a:solidFill>
-            <a:ln>
-              <a:noFill/>
-            </a:ln>
-          </p:spPr>
-          <p:txBody>
-            <a:bodyPr spcFirstLastPara="1" wrap="square" lIns="91425" tIns="91425" rIns="91425" bIns="91425" anchor="ctr" anchorCtr="0">
-              <a:noAutofit/>
-            </a:bodyPr>
-            <a:lstStyle/>
-            <a:p>
-              <a:pPr marL="0" lvl="0" indent="0" algn="l" rtl="0">
-                <a:spcBef>
-                  <a:spcPts val="0"/>
-                </a:spcBef>
-                <a:spcAft>
-                  <a:spcPts val="0"/>
-                </a:spcAft>
-                <a:buNone/>
-              </a:pPr>
-              <a:endParaRPr/>
-            </a:p>
-          </p:txBody>
-        </p:sp>
-        <p:sp>
-          <p:nvSpPr>
-            <p:cNvPr id="601" name="Google Shape;601;p68"/>
-            <p:cNvSpPr/>
-            <p:nvPr/>
-          </p:nvSpPr>
-          <p:spPr>
-            <a:xfrm>
-              <a:off x="3618450" y="3879112"/>
-              <a:ext cx="157045" cy="24688"/>
-            </a:xfrm>
-            <a:custGeom>
-              <a:avLst/>
-              <a:gdLst/>
-              <a:ahLst/>
-              <a:cxnLst/>
-              <a:rect l="l" t="t" r="r" b="b"/>
-              <a:pathLst>
-                <a:path w="4930" h="775" extrusionOk="0">
-                  <a:moveTo>
-                    <a:pt x="155" y="0"/>
-                  </a:moveTo>
-                  <a:cubicBezTo>
-                    <a:pt x="72" y="0"/>
-                    <a:pt x="0" y="72"/>
-                    <a:pt x="0" y="167"/>
-                  </a:cubicBezTo>
-                  <a:cubicBezTo>
-                    <a:pt x="0" y="250"/>
-                    <a:pt x="72" y="334"/>
-                    <a:pt x="155" y="334"/>
-                  </a:cubicBezTo>
-                  <a:cubicBezTo>
-                    <a:pt x="322" y="334"/>
-                    <a:pt x="381" y="405"/>
-                    <a:pt x="500" y="512"/>
-                  </a:cubicBezTo>
-                  <a:cubicBezTo>
-                    <a:pt x="619" y="631"/>
-                    <a:pt x="786" y="774"/>
-                    <a:pt x="1084" y="774"/>
-                  </a:cubicBezTo>
-                  <a:cubicBezTo>
-                    <a:pt x="1381" y="774"/>
-                    <a:pt x="1524" y="631"/>
-                    <a:pt x="1667" y="512"/>
-                  </a:cubicBezTo>
-                  <a:cubicBezTo>
-                    <a:pt x="1762" y="405"/>
-                    <a:pt x="1846" y="334"/>
-                    <a:pt x="2000" y="334"/>
-                  </a:cubicBezTo>
-                  <a:cubicBezTo>
-                    <a:pt x="2167" y="334"/>
-                    <a:pt x="2227" y="405"/>
-                    <a:pt x="2346" y="512"/>
-                  </a:cubicBezTo>
-                  <a:cubicBezTo>
-                    <a:pt x="2465" y="631"/>
-                    <a:pt x="2631" y="774"/>
-                    <a:pt x="2929" y="774"/>
-                  </a:cubicBezTo>
-                  <a:cubicBezTo>
-                    <a:pt x="3227" y="774"/>
-                    <a:pt x="3370" y="631"/>
-                    <a:pt x="3501" y="512"/>
-                  </a:cubicBezTo>
-                  <a:cubicBezTo>
-                    <a:pt x="3608" y="405"/>
-                    <a:pt x="3679" y="334"/>
-                    <a:pt x="3846" y="334"/>
-                  </a:cubicBezTo>
-                  <a:cubicBezTo>
-                    <a:pt x="4013" y="334"/>
-                    <a:pt x="4072" y="405"/>
-                    <a:pt x="4191" y="512"/>
-                  </a:cubicBezTo>
-                  <a:cubicBezTo>
-                    <a:pt x="4310" y="631"/>
-                    <a:pt x="4477" y="774"/>
-                    <a:pt x="4775" y="774"/>
-                  </a:cubicBezTo>
-                  <a:cubicBezTo>
-                    <a:pt x="4858" y="774"/>
-                    <a:pt x="4929" y="703"/>
-                    <a:pt x="4929" y="607"/>
-                  </a:cubicBezTo>
-                  <a:cubicBezTo>
-                    <a:pt x="4929" y="524"/>
-                    <a:pt x="4858" y="453"/>
-                    <a:pt x="4775" y="453"/>
-                  </a:cubicBezTo>
-                  <a:cubicBezTo>
-                    <a:pt x="4608" y="453"/>
-                    <a:pt x="4548" y="369"/>
-                    <a:pt x="4429" y="274"/>
-                  </a:cubicBezTo>
-                  <a:cubicBezTo>
-                    <a:pt x="4310" y="155"/>
-                    <a:pt x="4144" y="0"/>
-                    <a:pt x="3846" y="0"/>
-                  </a:cubicBezTo>
-                  <a:cubicBezTo>
-                    <a:pt x="3548" y="0"/>
-                    <a:pt x="3405" y="155"/>
-                    <a:pt x="3263" y="274"/>
-                  </a:cubicBezTo>
-                  <a:cubicBezTo>
-                    <a:pt x="3167" y="369"/>
-                    <a:pt x="3084" y="453"/>
-                    <a:pt x="2929" y="453"/>
-                  </a:cubicBezTo>
-                  <a:cubicBezTo>
-                    <a:pt x="2762" y="453"/>
-                    <a:pt x="2703" y="369"/>
-                    <a:pt x="2584" y="274"/>
-                  </a:cubicBezTo>
-                  <a:cubicBezTo>
-                    <a:pt x="2465" y="155"/>
-                    <a:pt x="2298" y="0"/>
-                    <a:pt x="2000" y="0"/>
-                  </a:cubicBezTo>
-                  <a:cubicBezTo>
-                    <a:pt x="1703" y="0"/>
-                    <a:pt x="1560" y="155"/>
-                    <a:pt x="1417" y="274"/>
-                  </a:cubicBezTo>
-                  <a:cubicBezTo>
-                    <a:pt x="1322" y="369"/>
-                    <a:pt x="1238" y="453"/>
-                    <a:pt x="1084" y="453"/>
-                  </a:cubicBezTo>
-                  <a:cubicBezTo>
-                    <a:pt x="917" y="453"/>
-                    <a:pt x="857" y="369"/>
-                    <a:pt x="738" y="274"/>
-                  </a:cubicBezTo>
-                  <a:cubicBezTo>
-                    <a:pt x="619" y="155"/>
-                    <a:pt x="453" y="0"/>
-                    <a:pt x="155" y="0"/>
-                  </a:cubicBezTo>
-                  <a:close/>
-                </a:path>
-              </a:pathLst>
-            </a:custGeom>
-            <a:solidFill>
-              <a:schemeClr val="lt1"/>
-            </a:solidFill>
-            <a:ln>
-              <a:noFill/>
-            </a:ln>
-          </p:spPr>
-          <p:txBody>
-            <a:bodyPr spcFirstLastPara="1" wrap="square" lIns="91425" tIns="91425" rIns="91425" bIns="91425" anchor="ctr" anchorCtr="0">
-              <a:noAutofit/>
-            </a:bodyPr>
-            <a:lstStyle/>
-            <a:p>
-              <a:pPr marL="0" lvl="0" indent="0" algn="l" rtl="0">
-                <a:spcBef>
-                  <a:spcPts val="0"/>
-                </a:spcBef>
-                <a:spcAft>
-                  <a:spcPts val="0"/>
-                </a:spcAft>
-                <a:buNone/>
-              </a:pPr>
-              <a:endParaRPr/>
-            </a:p>
-          </p:txBody>
-        </p:sp>
-        <p:sp>
-          <p:nvSpPr>
-            <p:cNvPr id="602" name="Google Shape;602;p68"/>
-            <p:cNvSpPr/>
-            <p:nvPr/>
-          </p:nvSpPr>
-          <p:spPr>
-            <a:xfrm>
-              <a:off x="3618450" y="3921192"/>
-              <a:ext cx="127834" cy="24688"/>
-            </a:xfrm>
-            <a:custGeom>
-              <a:avLst/>
-              <a:gdLst/>
-              <a:ahLst/>
-              <a:cxnLst/>
-              <a:rect l="l" t="t" r="r" b="b"/>
-              <a:pathLst>
-                <a:path w="4013" h="775" extrusionOk="0">
-                  <a:moveTo>
-                    <a:pt x="155" y="1"/>
-                  </a:moveTo>
-                  <a:cubicBezTo>
-                    <a:pt x="72" y="1"/>
-                    <a:pt x="0" y="84"/>
-                    <a:pt x="0" y="167"/>
-                  </a:cubicBezTo>
-                  <a:cubicBezTo>
-                    <a:pt x="0" y="263"/>
-                    <a:pt x="72" y="334"/>
-                    <a:pt x="155" y="334"/>
-                  </a:cubicBezTo>
-                  <a:cubicBezTo>
-                    <a:pt x="322" y="334"/>
-                    <a:pt x="381" y="406"/>
-                    <a:pt x="500" y="513"/>
-                  </a:cubicBezTo>
-                  <a:cubicBezTo>
-                    <a:pt x="619" y="632"/>
-                    <a:pt x="786" y="775"/>
-                    <a:pt x="1084" y="775"/>
-                  </a:cubicBezTo>
-                  <a:cubicBezTo>
-                    <a:pt x="1381" y="775"/>
-                    <a:pt x="1524" y="632"/>
-                    <a:pt x="1667" y="513"/>
-                  </a:cubicBezTo>
-                  <a:cubicBezTo>
-                    <a:pt x="1762" y="406"/>
-                    <a:pt x="1846" y="334"/>
-                    <a:pt x="2000" y="334"/>
-                  </a:cubicBezTo>
-                  <a:cubicBezTo>
-                    <a:pt x="2167" y="334"/>
-                    <a:pt x="2227" y="406"/>
-                    <a:pt x="2346" y="513"/>
-                  </a:cubicBezTo>
-                  <a:cubicBezTo>
-                    <a:pt x="2465" y="632"/>
-                    <a:pt x="2631" y="775"/>
-                    <a:pt x="2929" y="775"/>
-                  </a:cubicBezTo>
-                  <a:cubicBezTo>
-                    <a:pt x="3227" y="775"/>
-                    <a:pt x="3370" y="632"/>
-                    <a:pt x="3501" y="513"/>
-                  </a:cubicBezTo>
-                  <a:cubicBezTo>
-                    <a:pt x="3608" y="406"/>
-                    <a:pt x="3679" y="334"/>
-                    <a:pt x="3846" y="334"/>
-                  </a:cubicBezTo>
-                  <a:cubicBezTo>
-                    <a:pt x="3941" y="334"/>
-                    <a:pt x="4013" y="263"/>
-                    <a:pt x="4013" y="167"/>
-                  </a:cubicBezTo>
-                  <a:cubicBezTo>
-                    <a:pt x="4013" y="84"/>
-                    <a:pt x="3941" y="1"/>
-                    <a:pt x="3846" y="1"/>
-                  </a:cubicBezTo>
-                  <a:cubicBezTo>
-                    <a:pt x="3548" y="1"/>
-                    <a:pt x="3405" y="156"/>
-                    <a:pt x="3263" y="275"/>
-                  </a:cubicBezTo>
-                  <a:cubicBezTo>
-                    <a:pt x="3167" y="382"/>
-                    <a:pt x="3084" y="453"/>
-                    <a:pt x="2929" y="453"/>
-                  </a:cubicBezTo>
-                  <a:cubicBezTo>
-                    <a:pt x="2762" y="453"/>
-                    <a:pt x="2703" y="382"/>
-                    <a:pt x="2584" y="275"/>
-                  </a:cubicBezTo>
-                  <a:cubicBezTo>
-                    <a:pt x="2465" y="156"/>
-                    <a:pt x="2298" y="1"/>
-                    <a:pt x="2000" y="1"/>
-                  </a:cubicBezTo>
-                  <a:cubicBezTo>
-                    <a:pt x="1703" y="1"/>
-                    <a:pt x="1560" y="156"/>
-                    <a:pt x="1417" y="275"/>
-                  </a:cubicBezTo>
-                  <a:cubicBezTo>
-                    <a:pt x="1322" y="382"/>
-                    <a:pt x="1238" y="453"/>
-                    <a:pt x="1084" y="453"/>
-                  </a:cubicBezTo>
-                  <a:cubicBezTo>
-                    <a:pt x="917" y="453"/>
-                    <a:pt x="857" y="382"/>
-                    <a:pt x="738" y="275"/>
-                  </a:cubicBezTo>
-                  <a:cubicBezTo>
-                    <a:pt x="619" y="156"/>
-                    <a:pt x="453" y="1"/>
-                    <a:pt x="155" y="1"/>
-                  </a:cubicBezTo>
-                  <a:close/>
-                </a:path>
-              </a:pathLst>
-            </a:custGeom>
-            <a:solidFill>
-              <a:schemeClr val="lt1"/>
-            </a:solidFill>
-            <a:ln>
-              <a:noFill/>
-            </a:ln>
-          </p:spPr>
-          <p:txBody>
-            <a:bodyPr spcFirstLastPara="1" wrap="square" lIns="91425" tIns="91425" rIns="91425" bIns="91425" anchor="ctr" anchorCtr="0">
-              <a:noAutofit/>
-            </a:bodyPr>
-            <a:lstStyle/>
-            <a:p>
-              <a:pPr marL="0" lvl="0" indent="0" algn="l" rtl="0">
-                <a:spcBef>
-                  <a:spcPts val="0"/>
-                </a:spcBef>
-                <a:spcAft>
-                  <a:spcPts val="0"/>
-                </a:spcAft>
-                <a:buNone/>
-              </a:pPr>
-              <a:endParaRPr/>
-            </a:p>
-          </p:txBody>
-        </p:sp>
-        <p:sp>
-          <p:nvSpPr>
-            <p:cNvPr id="603" name="Google Shape;603;p68"/>
-            <p:cNvSpPr/>
-            <p:nvPr/>
-          </p:nvSpPr>
-          <p:spPr>
-            <a:xfrm>
-              <a:off x="3617304" y="3962922"/>
-              <a:ext cx="98655" cy="24688"/>
-            </a:xfrm>
-            <a:custGeom>
-              <a:avLst/>
-              <a:gdLst/>
-              <a:ahLst/>
-              <a:cxnLst/>
-              <a:rect l="l" t="t" r="r" b="b"/>
-              <a:pathLst>
-                <a:path w="3097" h="775" extrusionOk="0">
-                  <a:moveTo>
-                    <a:pt x="167" y="0"/>
-                  </a:moveTo>
-                  <a:cubicBezTo>
-                    <a:pt x="72" y="0"/>
-                    <a:pt x="0" y="84"/>
-                    <a:pt x="0" y="167"/>
-                  </a:cubicBezTo>
-                  <a:cubicBezTo>
-                    <a:pt x="0" y="262"/>
-                    <a:pt x="72" y="334"/>
-                    <a:pt x="167" y="334"/>
-                  </a:cubicBezTo>
-                  <a:cubicBezTo>
-                    <a:pt x="334" y="334"/>
-                    <a:pt x="393" y="405"/>
-                    <a:pt x="512" y="512"/>
-                  </a:cubicBezTo>
-                  <a:cubicBezTo>
-                    <a:pt x="632" y="632"/>
-                    <a:pt x="786" y="774"/>
-                    <a:pt x="1084" y="774"/>
-                  </a:cubicBezTo>
-                  <a:cubicBezTo>
-                    <a:pt x="1382" y="774"/>
-                    <a:pt x="1536" y="632"/>
-                    <a:pt x="1667" y="512"/>
-                  </a:cubicBezTo>
-                  <a:cubicBezTo>
-                    <a:pt x="1775" y="405"/>
-                    <a:pt x="1846" y="334"/>
-                    <a:pt x="2013" y="334"/>
-                  </a:cubicBezTo>
-                  <a:cubicBezTo>
-                    <a:pt x="2179" y="334"/>
-                    <a:pt x="2239" y="405"/>
-                    <a:pt x="2358" y="512"/>
-                  </a:cubicBezTo>
-                  <a:cubicBezTo>
-                    <a:pt x="2477" y="632"/>
-                    <a:pt x="2632" y="774"/>
-                    <a:pt x="2929" y="774"/>
-                  </a:cubicBezTo>
-                  <a:cubicBezTo>
-                    <a:pt x="3025" y="774"/>
-                    <a:pt x="3096" y="703"/>
-                    <a:pt x="3096" y="620"/>
-                  </a:cubicBezTo>
-                  <a:cubicBezTo>
-                    <a:pt x="3096" y="524"/>
-                    <a:pt x="3025" y="453"/>
-                    <a:pt x="2929" y="453"/>
-                  </a:cubicBezTo>
-                  <a:cubicBezTo>
-                    <a:pt x="2775" y="441"/>
-                    <a:pt x="2691" y="381"/>
-                    <a:pt x="2596" y="274"/>
-                  </a:cubicBezTo>
-                  <a:cubicBezTo>
-                    <a:pt x="2477" y="155"/>
-                    <a:pt x="2310" y="0"/>
-                    <a:pt x="2013" y="0"/>
-                  </a:cubicBezTo>
-                  <a:cubicBezTo>
-                    <a:pt x="1715" y="0"/>
-                    <a:pt x="1560" y="155"/>
-                    <a:pt x="1429" y="274"/>
-                  </a:cubicBezTo>
-                  <a:cubicBezTo>
-                    <a:pt x="1322" y="381"/>
-                    <a:pt x="1251" y="453"/>
-                    <a:pt x="1084" y="453"/>
-                  </a:cubicBezTo>
-                  <a:cubicBezTo>
-                    <a:pt x="929" y="453"/>
-                    <a:pt x="870" y="381"/>
-                    <a:pt x="751" y="274"/>
-                  </a:cubicBezTo>
-                  <a:cubicBezTo>
-                    <a:pt x="632" y="155"/>
-                    <a:pt x="465" y="0"/>
-                    <a:pt x="167" y="0"/>
-                  </a:cubicBezTo>
-                  <a:close/>
-                </a:path>
-              </a:pathLst>
-            </a:custGeom>
-            <a:solidFill>
-              <a:schemeClr val="lt1"/>
-            </a:solidFill>
-            <a:ln>
-              <a:noFill/>
-            </a:ln>
-          </p:spPr>
-          <p:txBody>
-            <a:bodyPr spcFirstLastPara="1" wrap="square" lIns="91425" tIns="91425" rIns="91425" bIns="91425" anchor="ctr" anchorCtr="0">
-              <a:noAutofit/>
-            </a:bodyPr>
-            <a:lstStyle/>
-            <a:p>
-              <a:pPr marL="0" lvl="0" indent="0" algn="l" rtl="0">
-                <a:spcBef>
-                  <a:spcPts val="0"/>
-                </a:spcBef>
-                <a:spcAft>
-                  <a:spcPts val="0"/>
-                </a:spcAft>
-                <a:buNone/>
-              </a:pPr>
-              <a:endParaRPr/>
-            </a:p>
-          </p:txBody>
-        </p:sp>
-      </p:grpSp>
-      <p:sp>
-        <p:nvSpPr>
-          <p:cNvPr id="604" name="Google Shape;604;p68"/>
-          <p:cNvSpPr/>
-          <p:nvPr/>
-        </p:nvSpPr>
-        <p:spPr>
-          <a:xfrm>
-            <a:off x="2416429" y="1759201"/>
-            <a:ext cx="342505" cy="334191"/>
-          </a:xfrm>
-          <a:custGeom>
-            <a:avLst/>
-            <a:gdLst/>
-            <a:ahLst/>
-            <a:cxnLst/>
-            <a:rect l="l" t="t" r="r" b="b"/>
-            <a:pathLst>
-              <a:path w="10752" h="10491" extrusionOk="0">
-                <a:moveTo>
-                  <a:pt x="9632" y="1406"/>
-                </a:moveTo>
-                <a:lnTo>
-                  <a:pt x="9632" y="2418"/>
-                </a:lnTo>
-                <a:lnTo>
-                  <a:pt x="3584" y="2418"/>
-                </a:lnTo>
-                <a:lnTo>
-                  <a:pt x="3584" y="1918"/>
-                </a:lnTo>
-                <a:cubicBezTo>
-                  <a:pt x="3584" y="1787"/>
-                  <a:pt x="3477" y="1680"/>
-                  <a:pt x="3346" y="1680"/>
-                </a:cubicBezTo>
-                <a:lnTo>
-                  <a:pt x="1905" y="1680"/>
-                </a:lnTo>
-                <a:cubicBezTo>
-                  <a:pt x="1774" y="1680"/>
-                  <a:pt x="1667" y="1787"/>
-                  <a:pt x="1667" y="1918"/>
-                </a:cubicBezTo>
-                <a:lnTo>
-                  <a:pt x="1667" y="2358"/>
-                </a:lnTo>
-                <a:cubicBezTo>
-                  <a:pt x="1500" y="2275"/>
-                  <a:pt x="1381" y="2108"/>
-                  <a:pt x="1381" y="1918"/>
-                </a:cubicBezTo>
-                <a:cubicBezTo>
-                  <a:pt x="1381" y="1632"/>
-                  <a:pt x="1607" y="1406"/>
-                  <a:pt x="1893" y="1406"/>
-                </a:cubicBezTo>
-                <a:close/>
-                <a:moveTo>
-                  <a:pt x="3131" y="2156"/>
-                </a:moveTo>
-                <a:lnTo>
-                  <a:pt x="3131" y="3168"/>
-                </a:lnTo>
-                <a:lnTo>
-                  <a:pt x="2739" y="3001"/>
-                </a:lnTo>
-                <a:cubicBezTo>
-                  <a:pt x="2709" y="2989"/>
-                  <a:pt x="2679" y="2983"/>
-                  <a:pt x="2649" y="2983"/>
-                </a:cubicBezTo>
-                <a:cubicBezTo>
-                  <a:pt x="2620" y="2983"/>
-                  <a:pt x="2590" y="2989"/>
-                  <a:pt x="2560" y="3001"/>
-                </a:cubicBezTo>
-                <a:lnTo>
-                  <a:pt x="2143" y="3180"/>
-                </a:lnTo>
-                <a:lnTo>
-                  <a:pt x="2143" y="2156"/>
-                </a:lnTo>
-                <a:close/>
-                <a:moveTo>
-                  <a:pt x="10275" y="2882"/>
-                </a:moveTo>
-                <a:lnTo>
-                  <a:pt x="10275" y="3346"/>
-                </a:lnTo>
-                <a:lnTo>
-                  <a:pt x="3584" y="3346"/>
-                </a:lnTo>
-                <a:lnTo>
-                  <a:pt x="3584" y="2882"/>
-                </a:lnTo>
-                <a:close/>
-                <a:moveTo>
-                  <a:pt x="8823" y="4728"/>
-                </a:moveTo>
-                <a:cubicBezTo>
-                  <a:pt x="9108" y="4728"/>
-                  <a:pt x="9335" y="4954"/>
-                  <a:pt x="9335" y="5239"/>
-                </a:cubicBezTo>
-                <a:cubicBezTo>
-                  <a:pt x="9335" y="5430"/>
-                  <a:pt x="9216" y="5609"/>
-                  <a:pt x="9049" y="5680"/>
-                </a:cubicBezTo>
-                <a:lnTo>
-                  <a:pt x="9049" y="5239"/>
-                </a:lnTo>
-                <a:cubicBezTo>
-                  <a:pt x="9049" y="5097"/>
-                  <a:pt x="8942" y="4989"/>
-                  <a:pt x="8811" y="4989"/>
-                </a:cubicBezTo>
-                <a:lnTo>
-                  <a:pt x="7358" y="4989"/>
-                </a:lnTo>
-                <a:cubicBezTo>
-                  <a:pt x="7215" y="4989"/>
-                  <a:pt x="7120" y="5097"/>
-                  <a:pt x="7120" y="5239"/>
-                </a:cubicBezTo>
-                <a:lnTo>
-                  <a:pt x="7120" y="5740"/>
-                </a:lnTo>
-                <a:lnTo>
-                  <a:pt x="1060" y="5740"/>
-                </a:lnTo>
-                <a:lnTo>
-                  <a:pt x="1060" y="4728"/>
-                </a:lnTo>
-                <a:close/>
-                <a:moveTo>
-                  <a:pt x="8608" y="5454"/>
-                </a:moveTo>
-                <a:lnTo>
-                  <a:pt x="8608" y="6502"/>
-                </a:lnTo>
-                <a:lnTo>
-                  <a:pt x="8192" y="6323"/>
-                </a:lnTo>
-                <a:cubicBezTo>
-                  <a:pt x="8156" y="6311"/>
-                  <a:pt x="8132" y="6311"/>
-                  <a:pt x="8096" y="6311"/>
-                </a:cubicBezTo>
-                <a:cubicBezTo>
-                  <a:pt x="8073" y="6311"/>
-                  <a:pt x="8037" y="6311"/>
-                  <a:pt x="8013" y="6323"/>
-                </a:cubicBezTo>
-                <a:lnTo>
-                  <a:pt x="7620" y="6490"/>
-                </a:lnTo>
-                <a:lnTo>
-                  <a:pt x="7620" y="5454"/>
-                </a:lnTo>
-                <a:close/>
-                <a:moveTo>
-                  <a:pt x="8846" y="3811"/>
-                </a:moveTo>
-                <a:cubicBezTo>
-                  <a:pt x="9632" y="3811"/>
-                  <a:pt x="10275" y="4442"/>
-                  <a:pt x="10275" y="5251"/>
-                </a:cubicBezTo>
-                <a:cubicBezTo>
-                  <a:pt x="10275" y="5632"/>
-                  <a:pt x="10120" y="5990"/>
-                  <a:pt x="9859" y="6263"/>
-                </a:cubicBezTo>
-                <a:cubicBezTo>
-                  <a:pt x="9632" y="6490"/>
-                  <a:pt x="9358" y="6621"/>
-                  <a:pt x="9061" y="6668"/>
-                </a:cubicBezTo>
-                <a:lnTo>
-                  <a:pt x="9061" y="6192"/>
-                </a:lnTo>
-                <a:cubicBezTo>
-                  <a:pt x="9501" y="6085"/>
-                  <a:pt x="9811" y="5692"/>
-                  <a:pt x="9811" y="5239"/>
-                </a:cubicBezTo>
-                <a:cubicBezTo>
-                  <a:pt x="9811" y="4704"/>
-                  <a:pt x="9382" y="4263"/>
-                  <a:pt x="8846" y="4263"/>
-                </a:cubicBezTo>
-                <a:lnTo>
-                  <a:pt x="476" y="4263"/>
-                </a:lnTo>
-                <a:lnTo>
-                  <a:pt x="476" y="3811"/>
-                </a:lnTo>
-                <a:close/>
-                <a:moveTo>
-                  <a:pt x="7144" y="6216"/>
-                </a:moveTo>
-                <a:lnTo>
-                  <a:pt x="7144" y="6680"/>
-                </a:lnTo>
-                <a:lnTo>
-                  <a:pt x="464" y="6680"/>
-                </a:lnTo>
-                <a:lnTo>
-                  <a:pt x="464" y="6216"/>
-                </a:lnTo>
-                <a:close/>
-                <a:moveTo>
-                  <a:pt x="9632" y="8073"/>
-                </a:moveTo>
-                <a:lnTo>
-                  <a:pt x="9632" y="9085"/>
-                </a:lnTo>
-                <a:lnTo>
-                  <a:pt x="3584" y="9085"/>
-                </a:lnTo>
-                <a:lnTo>
-                  <a:pt x="3584" y="8585"/>
-                </a:lnTo>
-                <a:cubicBezTo>
-                  <a:pt x="3584" y="8454"/>
-                  <a:pt x="3477" y="8347"/>
-                  <a:pt x="3346" y="8347"/>
-                </a:cubicBezTo>
-                <a:lnTo>
-                  <a:pt x="1905" y="8347"/>
-                </a:lnTo>
-                <a:cubicBezTo>
-                  <a:pt x="1774" y="8347"/>
-                  <a:pt x="1667" y="8454"/>
-                  <a:pt x="1667" y="8585"/>
-                </a:cubicBezTo>
-                <a:lnTo>
-                  <a:pt x="1667" y="9026"/>
-                </a:lnTo>
-                <a:cubicBezTo>
-                  <a:pt x="1500" y="8942"/>
-                  <a:pt x="1381" y="8776"/>
-                  <a:pt x="1381" y="8585"/>
-                </a:cubicBezTo>
-                <a:cubicBezTo>
-                  <a:pt x="1381" y="8299"/>
-                  <a:pt x="1607" y="8073"/>
-                  <a:pt x="1893" y="8073"/>
-                </a:cubicBezTo>
-                <a:close/>
-                <a:moveTo>
-                  <a:pt x="3131" y="8823"/>
-                </a:moveTo>
-                <a:lnTo>
-                  <a:pt x="3131" y="9835"/>
-                </a:lnTo>
-                <a:lnTo>
-                  <a:pt x="2739" y="9669"/>
-                </a:lnTo>
-                <a:cubicBezTo>
-                  <a:pt x="2709" y="9657"/>
-                  <a:pt x="2679" y="9651"/>
-                  <a:pt x="2649" y="9651"/>
-                </a:cubicBezTo>
-                <a:cubicBezTo>
-                  <a:pt x="2620" y="9651"/>
-                  <a:pt x="2590" y="9657"/>
-                  <a:pt x="2560" y="9669"/>
-                </a:cubicBezTo>
-                <a:lnTo>
-                  <a:pt x="2143" y="9847"/>
-                </a:lnTo>
-                <a:lnTo>
-                  <a:pt x="2143" y="8823"/>
-                </a:lnTo>
-                <a:close/>
-                <a:moveTo>
-                  <a:pt x="10275" y="7144"/>
-                </a:moveTo>
-                <a:lnTo>
-                  <a:pt x="10275" y="7597"/>
-                </a:lnTo>
-                <a:lnTo>
-                  <a:pt x="1905" y="7597"/>
-                </a:lnTo>
-                <a:cubicBezTo>
-                  <a:pt x="1369" y="7597"/>
-                  <a:pt x="941" y="8037"/>
-                  <a:pt x="941" y="8573"/>
-                </a:cubicBezTo>
-                <a:cubicBezTo>
-                  <a:pt x="941" y="9026"/>
-                  <a:pt x="1250" y="9419"/>
-                  <a:pt x="1679" y="9526"/>
-                </a:cubicBezTo>
-                <a:lnTo>
-                  <a:pt x="1679" y="10002"/>
-                </a:lnTo>
-                <a:cubicBezTo>
-                  <a:pt x="1381" y="9954"/>
-                  <a:pt x="1119" y="9800"/>
-                  <a:pt x="893" y="9597"/>
-                </a:cubicBezTo>
-                <a:cubicBezTo>
-                  <a:pt x="631" y="9323"/>
-                  <a:pt x="476" y="8954"/>
-                  <a:pt x="476" y="8585"/>
-                </a:cubicBezTo>
-                <a:cubicBezTo>
-                  <a:pt x="476" y="7787"/>
-                  <a:pt x="1119" y="7144"/>
-                  <a:pt x="1917" y="7144"/>
-                </a:cubicBezTo>
-                <a:close/>
-                <a:moveTo>
-                  <a:pt x="1917" y="1"/>
-                </a:moveTo>
-                <a:cubicBezTo>
-                  <a:pt x="881" y="1"/>
-                  <a:pt x="12" y="846"/>
-                  <a:pt x="12" y="1906"/>
-                </a:cubicBezTo>
-                <a:cubicBezTo>
-                  <a:pt x="12" y="2406"/>
-                  <a:pt x="214" y="2882"/>
-                  <a:pt x="572" y="3239"/>
-                </a:cubicBezTo>
-                <a:cubicBezTo>
-                  <a:pt x="595" y="3275"/>
-                  <a:pt x="631" y="3299"/>
-                  <a:pt x="667" y="3334"/>
-                </a:cubicBezTo>
-                <a:lnTo>
-                  <a:pt x="238" y="3334"/>
-                </a:lnTo>
-                <a:cubicBezTo>
-                  <a:pt x="107" y="3334"/>
-                  <a:pt x="0" y="3430"/>
-                  <a:pt x="0" y="3573"/>
-                </a:cubicBezTo>
-                <a:lnTo>
-                  <a:pt x="0" y="4489"/>
-                </a:lnTo>
-                <a:cubicBezTo>
-                  <a:pt x="0" y="4620"/>
-                  <a:pt x="107" y="4728"/>
-                  <a:pt x="238" y="4728"/>
-                </a:cubicBezTo>
-                <a:lnTo>
-                  <a:pt x="631" y="4728"/>
-                </a:lnTo>
-                <a:lnTo>
-                  <a:pt x="631" y="5751"/>
-                </a:lnTo>
-                <a:lnTo>
-                  <a:pt x="238" y="5751"/>
-                </a:lnTo>
-                <a:cubicBezTo>
-                  <a:pt x="107" y="5751"/>
-                  <a:pt x="0" y="5859"/>
-                  <a:pt x="0" y="5990"/>
-                </a:cubicBezTo>
-                <a:lnTo>
-                  <a:pt x="0" y="6918"/>
-                </a:lnTo>
-                <a:cubicBezTo>
-                  <a:pt x="0" y="7049"/>
-                  <a:pt x="107" y="7156"/>
-                  <a:pt x="238" y="7156"/>
-                </a:cubicBezTo>
-                <a:lnTo>
-                  <a:pt x="667" y="7156"/>
-                </a:lnTo>
-                <a:cubicBezTo>
-                  <a:pt x="274" y="7502"/>
-                  <a:pt x="12" y="8014"/>
-                  <a:pt x="12" y="8597"/>
-                </a:cubicBezTo>
-                <a:cubicBezTo>
-                  <a:pt x="12" y="9109"/>
-                  <a:pt x="214" y="9585"/>
-                  <a:pt x="572" y="9942"/>
-                </a:cubicBezTo>
-                <a:cubicBezTo>
-                  <a:pt x="929" y="10300"/>
-                  <a:pt x="1405" y="10490"/>
-                  <a:pt x="1905" y="10490"/>
-                </a:cubicBezTo>
-                <a:lnTo>
-                  <a:pt x="5394" y="10490"/>
-                </a:lnTo>
-                <a:cubicBezTo>
-                  <a:pt x="5525" y="10490"/>
-                  <a:pt x="5632" y="10383"/>
-                  <a:pt x="5632" y="10252"/>
-                </a:cubicBezTo>
-                <a:cubicBezTo>
-                  <a:pt x="5632" y="10121"/>
-                  <a:pt x="5525" y="10014"/>
-                  <a:pt x="5394" y="10014"/>
-                </a:cubicBezTo>
-                <a:lnTo>
-                  <a:pt x="3584" y="10014"/>
-                </a:lnTo>
-                <a:lnTo>
-                  <a:pt x="3584" y="9550"/>
-                </a:lnTo>
-                <a:lnTo>
-                  <a:pt x="10275" y="9550"/>
-                </a:lnTo>
-                <a:lnTo>
-                  <a:pt x="10275" y="10014"/>
-                </a:lnTo>
-                <a:lnTo>
-                  <a:pt x="6477" y="10014"/>
-                </a:lnTo>
-                <a:cubicBezTo>
-                  <a:pt x="6346" y="10014"/>
-                  <a:pt x="6239" y="10121"/>
-                  <a:pt x="6239" y="10252"/>
-                </a:cubicBezTo>
-                <a:cubicBezTo>
-                  <a:pt x="6239" y="10383"/>
-                  <a:pt x="6346" y="10490"/>
-                  <a:pt x="6477" y="10490"/>
-                </a:cubicBezTo>
-                <a:lnTo>
-                  <a:pt x="10513" y="10490"/>
-                </a:lnTo>
-                <a:cubicBezTo>
-                  <a:pt x="10644" y="10490"/>
-                  <a:pt x="10751" y="10383"/>
-                  <a:pt x="10751" y="10252"/>
-                </a:cubicBezTo>
-                <a:lnTo>
-                  <a:pt x="10751" y="9323"/>
-                </a:lnTo>
-                <a:cubicBezTo>
-                  <a:pt x="10751" y="9192"/>
-                  <a:pt x="10644" y="9085"/>
-                  <a:pt x="10513" y="9085"/>
-                </a:cubicBezTo>
-                <a:lnTo>
-                  <a:pt x="10120" y="9085"/>
-                </a:lnTo>
-                <a:lnTo>
-                  <a:pt x="10120" y="8061"/>
-                </a:lnTo>
-                <a:lnTo>
-                  <a:pt x="10513" y="8061"/>
-                </a:lnTo>
-                <a:cubicBezTo>
-                  <a:pt x="10644" y="8061"/>
-                  <a:pt x="10751" y="7954"/>
-                  <a:pt x="10751" y="7823"/>
-                </a:cubicBezTo>
-                <a:lnTo>
-                  <a:pt x="10751" y="6906"/>
-                </a:lnTo>
-                <a:cubicBezTo>
-                  <a:pt x="10751" y="6763"/>
-                  <a:pt x="10644" y="6668"/>
-                  <a:pt x="10513" y="6668"/>
-                </a:cubicBezTo>
-                <a:lnTo>
-                  <a:pt x="10073" y="6668"/>
-                </a:lnTo>
-                <a:cubicBezTo>
-                  <a:pt x="10109" y="6633"/>
-                  <a:pt x="10156" y="6609"/>
-                  <a:pt x="10180" y="6573"/>
-                </a:cubicBezTo>
-                <a:cubicBezTo>
-                  <a:pt x="10537" y="6216"/>
-                  <a:pt x="10728" y="5740"/>
-                  <a:pt x="10728" y="5239"/>
-                </a:cubicBezTo>
-                <a:cubicBezTo>
-                  <a:pt x="10728" y="4656"/>
-                  <a:pt x="10478" y="4144"/>
-                  <a:pt x="10073" y="3787"/>
-                </a:cubicBezTo>
-                <a:lnTo>
-                  <a:pt x="10513" y="3787"/>
-                </a:lnTo>
-                <a:cubicBezTo>
-                  <a:pt x="10644" y="3787"/>
-                  <a:pt x="10751" y="3692"/>
-                  <a:pt x="10751" y="3549"/>
-                </a:cubicBezTo>
-                <a:lnTo>
-                  <a:pt x="10751" y="2632"/>
-                </a:lnTo>
-                <a:cubicBezTo>
-                  <a:pt x="10751" y="2501"/>
-                  <a:pt x="10644" y="2394"/>
-                  <a:pt x="10513" y="2394"/>
-                </a:cubicBezTo>
-                <a:lnTo>
-                  <a:pt x="10120" y="2394"/>
-                </a:lnTo>
-                <a:lnTo>
-                  <a:pt x="10120" y="1370"/>
-                </a:lnTo>
-                <a:lnTo>
-                  <a:pt x="10513" y="1394"/>
-                </a:lnTo>
-                <a:cubicBezTo>
-                  <a:pt x="10644" y="1394"/>
-                  <a:pt x="10751" y="1287"/>
-                  <a:pt x="10751" y="1156"/>
-                </a:cubicBezTo>
-                <a:lnTo>
-                  <a:pt x="10751" y="239"/>
-                </a:lnTo>
-                <a:cubicBezTo>
-                  <a:pt x="10751" y="96"/>
-                  <a:pt x="10644" y="1"/>
-                  <a:pt x="10513" y="1"/>
-                </a:cubicBezTo>
-                <a:lnTo>
-                  <a:pt x="8942" y="1"/>
-                </a:lnTo>
-                <a:cubicBezTo>
-                  <a:pt x="8811" y="1"/>
-                  <a:pt x="8704" y="96"/>
-                  <a:pt x="8704" y="239"/>
-                </a:cubicBezTo>
-                <a:cubicBezTo>
-                  <a:pt x="8704" y="370"/>
-                  <a:pt x="8811" y="477"/>
-                  <a:pt x="8942" y="477"/>
-                </a:cubicBezTo>
-                <a:lnTo>
-                  <a:pt x="10287" y="477"/>
-                </a:lnTo>
-                <a:lnTo>
-                  <a:pt x="10287" y="929"/>
-                </a:lnTo>
-                <a:lnTo>
-                  <a:pt x="1905" y="929"/>
-                </a:lnTo>
-                <a:cubicBezTo>
-                  <a:pt x="1369" y="929"/>
-                  <a:pt x="941" y="1370"/>
-                  <a:pt x="941" y="1906"/>
-                </a:cubicBezTo>
-                <a:cubicBezTo>
-                  <a:pt x="941" y="2358"/>
-                  <a:pt x="1250" y="2751"/>
-                  <a:pt x="1679" y="2858"/>
-                </a:cubicBezTo>
-                <a:lnTo>
-                  <a:pt x="1679" y="3334"/>
-                </a:lnTo>
-                <a:cubicBezTo>
-                  <a:pt x="1381" y="3287"/>
-                  <a:pt x="1119" y="3156"/>
-                  <a:pt x="893" y="2930"/>
-                </a:cubicBezTo>
-                <a:cubicBezTo>
-                  <a:pt x="631" y="2656"/>
-                  <a:pt x="476" y="2287"/>
-                  <a:pt x="476" y="1918"/>
-                </a:cubicBezTo>
-                <a:cubicBezTo>
-                  <a:pt x="476" y="1132"/>
-                  <a:pt x="1119" y="477"/>
-                  <a:pt x="1917" y="477"/>
-                </a:cubicBezTo>
-                <a:lnTo>
-                  <a:pt x="7870" y="477"/>
-                </a:lnTo>
-                <a:cubicBezTo>
-                  <a:pt x="8013" y="477"/>
-                  <a:pt x="8108" y="370"/>
-                  <a:pt x="8108" y="239"/>
-                </a:cubicBezTo>
-                <a:cubicBezTo>
-                  <a:pt x="8108" y="96"/>
-                  <a:pt x="8013" y="1"/>
-                  <a:pt x="7870" y="1"/>
-                </a:cubicBezTo>
-                <a:close/>
-              </a:path>
-            </a:pathLst>
-          </a:custGeom>
-          <a:solidFill>
-            <a:schemeClr val="lt1"/>
-          </a:solidFill>
-          <a:ln>
-            <a:noFill/>
-          </a:ln>
-        </p:spPr>
-        <p:txBody>
-          <a:bodyPr spcFirstLastPara="1" wrap="square" lIns="91425" tIns="91425" rIns="91425" bIns="91425" anchor="ctr" anchorCtr="0">
-            <a:noAutofit/>
-          </a:bodyPr>
-          <a:lstStyle/>
-          <a:p>
-            <a:pPr marL="0" lvl="0" indent="0" algn="l" rtl="0">
-              <a:spcBef>
-                <a:spcPts val="0"/>
-              </a:spcBef>
-              <a:spcAft>
-                <a:spcPts val="0"/>
-              </a:spcAft>
-              <a:buNone/>
-            </a:pPr>
-            <a:endParaRPr/>
-          </a:p>
-        </p:txBody>
-      </p:sp>
-    </p:spTree>
-  </p:cSld>
-  <p:clrMapOvr>
-    <a:masterClrMapping/>
-  </p:clrMapOvr>
-  <mc:AlternateContent xmlns:mc="http://schemas.openxmlformats.org/markup-compatibility/2006" xmlns:p14="http://schemas.microsoft.com/office/powerpoint/2010/main">
-    <mc:Choice Requires="p14">
-      <p:transition spd="slow">
-        <p:push/>
-      </p:transition>
-    </mc:Choice>
-    <mc:Fallback xmlns="" xmlns:mv="urn:schemas-microsoft-com:mac:vml" xmlns:c="http://schemas.openxmlformats.org/drawingml/2006/chart" xmlns:dgm="http://schemas.openxmlformats.org/drawingml/2006/diagram" xmlns:o="urn:schemas-microsoft-com:office:office" xmlns:v="urn:schemas-microsoft-com:vml" xmlns:pvml="urn:schemas-microsoft-com:office:powerpoint" xmlns:com="http://schemas.openxmlformats.org/drawingml/2006/compatibility" xmlns:p15="http://schemas.microsoft.com/office/powerpoint/2012/main" xmlns:ahyp="http://schemas.microsoft.com/office/drawing/2018/hyperlinkcolor">
-      <p:transition spd="slow">
-        <p:fade/>
-      </p:transition>
-    </mc:Fallback>
-  </mc:AlternateContent>
-</p:sld>
-</file>
-
 <file path=ppt/slides/slide2.xml><?xml version="1.0" encoding="utf-8"?>
 <p:sld xmlns:a="http://schemas.openxmlformats.org/drawingml/2006/main" xmlns:r="http://schemas.openxmlformats.org/officeDocument/2006/relationships" xmlns:p="http://schemas.openxmlformats.org/presentationml/2006/main">
   <p:cSld>
@@ -32857,7 +31473,7 @@
         <p:push/>
       </p:transition>
     </mc:Choice>
-    <mc:Fallback xmlns="" xmlns:mv="urn:schemas-microsoft-com:mac:vml" xmlns:c="http://schemas.openxmlformats.org/drawingml/2006/chart" xmlns:dgm="http://schemas.openxmlformats.org/drawingml/2006/diagram" xmlns:o="urn:schemas-microsoft-com:office:office" xmlns:v="urn:schemas-microsoft-com:vml" xmlns:pvml="urn:schemas-microsoft-com:office:powerpoint" xmlns:com="http://schemas.openxmlformats.org/drawingml/2006/compatibility" xmlns:p15="http://schemas.microsoft.com/office/powerpoint/2012/main" xmlns:ahyp="http://schemas.microsoft.com/office/drawing/2018/hyperlinkcolor">
+    <mc:Fallback xmlns:ahyp="http://schemas.microsoft.com/office/drawing/2018/hyperlinkcolor" xmlns:p15="http://schemas.microsoft.com/office/powerpoint/2012/main" xmlns:com="http://schemas.openxmlformats.org/drawingml/2006/compatibility" xmlns:pvml="urn:schemas-microsoft-com:office:powerpoint" xmlns:v="urn:schemas-microsoft-com:vml" xmlns:o="urn:schemas-microsoft-com:office:office" xmlns:dgm="http://schemas.openxmlformats.org/drawingml/2006/diagram" xmlns:c="http://schemas.openxmlformats.org/drawingml/2006/chart" xmlns:mv="urn:schemas-microsoft-com:mac:vml" xmlns="">
       <p:transition spd="slow">
         <p:fade/>
       </p:transition>
@@ -32955,6 +31571,2105 @@
 <file path=ppt/slides/slide20.xml><?xml version="1.0" encoding="utf-8"?>
 <p:sld xmlns:a="http://schemas.openxmlformats.org/drawingml/2006/main" xmlns:r="http://schemas.openxmlformats.org/officeDocument/2006/relationships" xmlns:p="http://schemas.openxmlformats.org/presentationml/2006/main">
   <p:cSld>
+    <p:bg>
+      <p:bgPr>
+        <a:blipFill>
+          <a:blip r:embed="rId3">
+            <a:alphaModFix/>
+          </a:blip>
+          <a:stretch>
+            <a:fillRect/>
+          </a:stretch>
+        </a:blipFill>
+        <a:effectLst/>
+      </p:bgPr>
+    </p:bg>
+    <p:spTree>
+      <p:nvGrpSpPr>
+        <p:cNvPr id="1" name="Shape 587"/>
+        <p:cNvGrpSpPr/>
+        <p:nvPr/>
+      </p:nvGrpSpPr>
+      <p:grpSpPr>
+        <a:xfrm>
+          <a:off x="0" y="0"/>
+          <a:ext cx="0" cy="0"/>
+          <a:chOff x="0" y="0"/>
+          <a:chExt cx="0" cy="0"/>
+        </a:xfrm>
+      </p:grpSpPr>
+      <p:pic>
+        <p:nvPicPr>
+          <p:cNvPr id="588" name="Google Shape;588;p68"/>
+          <p:cNvPicPr preferRelativeResize="0"/>
+          <p:nvPr/>
+        </p:nvPicPr>
+        <p:blipFill>
+          <a:blip r:embed="rId4">
+            <a:alphaModFix/>
+          </a:blip>
+          <a:stretch>
+            <a:fillRect/>
+          </a:stretch>
+        </p:blipFill>
+        <p:spPr>
+          <a:xfrm flipH="1">
+            <a:off x="7448550" y="-558839"/>
+            <a:ext cx="3048000" cy="2197674"/>
+          </a:xfrm>
+          <a:prstGeom prst="rect">
+            <a:avLst/>
+          </a:prstGeom>
+          <a:noFill/>
+          <a:ln>
+            <a:noFill/>
+          </a:ln>
+        </p:spPr>
+      </p:pic>
+      <p:sp>
+        <p:nvSpPr>
+          <p:cNvPr id="589" name="Google Shape;589;p68"/>
+          <p:cNvSpPr txBox="1">
+            <a:spLocks noGrp="1"/>
+          </p:cNvSpPr>
+          <p:nvPr>
+            <p:ph type="title"/>
+          </p:nvPr>
+        </p:nvSpPr>
+        <p:spPr>
+          <a:xfrm>
+            <a:off x="720000" y="445025"/>
+            <a:ext cx="7704000" cy="572700"/>
+          </a:xfrm>
+          <a:prstGeom prst="rect">
+            <a:avLst/>
+          </a:prstGeom>
+        </p:spPr>
+        <p:txBody>
+          <a:bodyPr spcFirstLastPara="1" wrap="square" lIns="91425" tIns="91425" rIns="91425" bIns="91425" anchor="t" anchorCtr="0">
+            <a:noAutofit/>
+          </a:bodyPr>
+          <a:lstStyle/>
+          <a:p>
+            <a:pPr marL="0" lvl="0" indent="0" algn="ctr" rtl="0">
+              <a:spcBef>
+                <a:spcPts val="0"/>
+              </a:spcBef>
+              <a:spcAft>
+                <a:spcPts val="0"/>
+              </a:spcAft>
+              <a:buNone/>
+            </a:pPr>
+            <a:r>
+              <a:rPr lang="en"/>
+              <a:t>LITERATURE REVIEW</a:t>
+            </a:r>
+            <a:endParaRPr/>
+          </a:p>
+        </p:txBody>
+      </p:sp>
+      <p:sp>
+        <p:nvSpPr>
+          <p:cNvPr id="590" name="Google Shape;590;p68"/>
+          <p:cNvSpPr txBox="1">
+            <a:spLocks noGrp="1"/>
+          </p:cNvSpPr>
+          <p:nvPr>
+            <p:ph type="subTitle" idx="1"/>
+          </p:nvPr>
+        </p:nvSpPr>
+        <p:spPr>
+          <a:xfrm>
+            <a:off x="719875" y="2514375"/>
+            <a:ext cx="3735300" cy="452100"/>
+          </a:xfrm>
+          <a:prstGeom prst="rect">
+            <a:avLst/>
+          </a:prstGeom>
+        </p:spPr>
+        <p:txBody>
+          <a:bodyPr spcFirstLastPara="1" wrap="square" lIns="91425" tIns="91425" rIns="91425" bIns="91425" anchor="t" anchorCtr="0">
+            <a:noAutofit/>
+          </a:bodyPr>
+          <a:lstStyle/>
+          <a:p>
+            <a:pPr marL="0" lvl="0" indent="0" algn="ctr" rtl="0">
+              <a:spcBef>
+                <a:spcPts val="0"/>
+              </a:spcBef>
+              <a:spcAft>
+                <a:spcPts val="0"/>
+              </a:spcAft>
+              <a:buNone/>
+            </a:pPr>
+            <a:r>
+              <a:rPr lang="en"/>
+              <a:t>THEORY 1</a:t>
+            </a:r>
+            <a:endParaRPr/>
+          </a:p>
+        </p:txBody>
+      </p:sp>
+      <p:sp>
+        <p:nvSpPr>
+          <p:cNvPr id="591" name="Google Shape;591;p68"/>
+          <p:cNvSpPr txBox="1">
+            <a:spLocks noGrp="1"/>
+          </p:cNvSpPr>
+          <p:nvPr>
+            <p:ph type="subTitle" idx="2"/>
+          </p:nvPr>
+        </p:nvSpPr>
+        <p:spPr>
+          <a:xfrm>
+            <a:off x="4688650" y="2530475"/>
+            <a:ext cx="3735300" cy="452100"/>
+          </a:xfrm>
+          <a:prstGeom prst="rect">
+            <a:avLst/>
+          </a:prstGeom>
+        </p:spPr>
+        <p:txBody>
+          <a:bodyPr spcFirstLastPara="1" wrap="square" lIns="91425" tIns="91425" rIns="91425" bIns="91425" anchor="t" anchorCtr="0">
+            <a:noAutofit/>
+          </a:bodyPr>
+          <a:lstStyle/>
+          <a:p>
+            <a:pPr marL="0" lvl="0" indent="0" algn="ctr" rtl="0">
+              <a:spcBef>
+                <a:spcPts val="0"/>
+              </a:spcBef>
+              <a:spcAft>
+                <a:spcPts val="0"/>
+              </a:spcAft>
+              <a:buNone/>
+            </a:pPr>
+            <a:r>
+              <a:rPr lang="en"/>
+              <a:t>THEORY 2</a:t>
+            </a:r>
+            <a:endParaRPr/>
+          </a:p>
+        </p:txBody>
+      </p:sp>
+      <p:sp>
+        <p:nvSpPr>
+          <p:cNvPr id="592" name="Google Shape;592;p68"/>
+          <p:cNvSpPr txBox="1">
+            <a:spLocks noGrp="1"/>
+          </p:cNvSpPr>
+          <p:nvPr>
+            <p:ph type="subTitle" idx="3"/>
+          </p:nvPr>
+        </p:nvSpPr>
+        <p:spPr>
+          <a:xfrm>
+            <a:off x="720025" y="2982600"/>
+            <a:ext cx="3735300" cy="1302000"/>
+          </a:xfrm>
+          <a:prstGeom prst="rect">
+            <a:avLst/>
+          </a:prstGeom>
+        </p:spPr>
+        <p:txBody>
+          <a:bodyPr spcFirstLastPara="1" wrap="square" lIns="91425" tIns="91425" rIns="91425" bIns="91425" anchor="t" anchorCtr="0">
+            <a:noAutofit/>
+          </a:bodyPr>
+          <a:lstStyle/>
+          <a:p>
+            <a:pPr marL="0" lvl="0" indent="0" algn="ctr" rtl="0">
+              <a:spcBef>
+                <a:spcPts val="0"/>
+              </a:spcBef>
+              <a:spcAft>
+                <a:spcPts val="0"/>
+              </a:spcAft>
+              <a:buNone/>
+            </a:pPr>
+            <a:r>
+              <a:rPr lang="en"/>
+              <a:t>Mercury is the closest planet to the Sun and the smallest one in the Solar System—it’s only a bit larger than the Moon</a:t>
+            </a:r>
+            <a:endParaRPr/>
+          </a:p>
+        </p:txBody>
+      </p:sp>
+      <p:sp>
+        <p:nvSpPr>
+          <p:cNvPr id="593" name="Google Shape;593;p68"/>
+          <p:cNvSpPr txBox="1">
+            <a:spLocks noGrp="1"/>
+          </p:cNvSpPr>
+          <p:nvPr>
+            <p:ph type="subTitle" idx="4"/>
+          </p:nvPr>
+        </p:nvSpPr>
+        <p:spPr>
+          <a:xfrm>
+            <a:off x="4688655" y="2982600"/>
+            <a:ext cx="3735300" cy="1302000"/>
+          </a:xfrm>
+          <a:prstGeom prst="rect">
+            <a:avLst/>
+          </a:prstGeom>
+        </p:spPr>
+        <p:txBody>
+          <a:bodyPr spcFirstLastPara="1" wrap="square" lIns="91425" tIns="91425" rIns="91425" bIns="91425" anchor="t" anchorCtr="0">
+            <a:noAutofit/>
+          </a:bodyPr>
+          <a:lstStyle/>
+          <a:p>
+            <a:pPr marL="0" lvl="0" indent="0" algn="ctr" rtl="0">
+              <a:spcBef>
+                <a:spcPts val="0"/>
+              </a:spcBef>
+              <a:spcAft>
+                <a:spcPts val="0"/>
+              </a:spcAft>
+              <a:buNone/>
+            </a:pPr>
+            <a:r>
+              <a:rPr lang="en"/>
+              <a:t>Venus has a beautiful name and is the second planet from the Sun. It’s terribly hot and its atmosphere is extremely poisonous</a:t>
+            </a:r>
+            <a:endParaRPr/>
+          </a:p>
+        </p:txBody>
+      </p:sp>
+      <p:sp>
+        <p:nvSpPr>
+          <p:cNvPr id="594" name="Google Shape;594;p68"/>
+          <p:cNvSpPr/>
+          <p:nvPr/>
+        </p:nvSpPr>
+        <p:spPr>
+          <a:xfrm>
+            <a:off x="8436650" y="-1848796"/>
+            <a:ext cx="3735241" cy="4004501"/>
+          </a:xfrm>
+          <a:custGeom>
+            <a:avLst/>
+            <a:gdLst/>
+            <a:ahLst/>
+            <a:cxnLst/>
+            <a:rect l="l" t="t" r="r" b="b"/>
+            <a:pathLst>
+              <a:path w="195460" h="209550" extrusionOk="0">
+                <a:moveTo>
+                  <a:pt x="183548" y="11656"/>
+                </a:moveTo>
+                <a:lnTo>
+                  <a:pt x="183548" y="197894"/>
+                </a:lnTo>
+                <a:lnTo>
+                  <a:pt x="11912" y="197894"/>
+                </a:lnTo>
+                <a:lnTo>
+                  <a:pt x="11912" y="11656"/>
+                </a:lnTo>
+                <a:close/>
+                <a:moveTo>
+                  <a:pt x="0" y="0"/>
+                </a:moveTo>
+                <a:lnTo>
+                  <a:pt x="0" y="209550"/>
+                </a:lnTo>
+                <a:lnTo>
+                  <a:pt x="195460" y="209550"/>
+                </a:lnTo>
+                <a:lnTo>
+                  <a:pt x="195460" y="0"/>
+                </a:lnTo>
+                <a:close/>
+              </a:path>
+            </a:pathLst>
+          </a:custGeom>
+          <a:solidFill>
+            <a:schemeClr val="accent2"/>
+          </a:solidFill>
+          <a:ln>
+            <a:noFill/>
+          </a:ln>
+        </p:spPr>
+        <p:txBody>
+          <a:bodyPr spcFirstLastPara="1" wrap="square" lIns="91425" tIns="91425" rIns="91425" bIns="91425" anchor="ctr" anchorCtr="0">
+            <a:noAutofit/>
+          </a:bodyPr>
+          <a:lstStyle/>
+          <a:p>
+            <a:pPr marL="0" lvl="0" indent="0" algn="l" rtl="0">
+              <a:spcBef>
+                <a:spcPts val="0"/>
+              </a:spcBef>
+              <a:spcAft>
+                <a:spcPts val="0"/>
+              </a:spcAft>
+              <a:buNone/>
+            </a:pPr>
+            <a:endParaRPr/>
+          </a:p>
+        </p:txBody>
+      </p:sp>
+      <p:sp>
+        <p:nvSpPr>
+          <p:cNvPr id="595" name="Google Shape;595;p68"/>
+          <p:cNvSpPr/>
+          <p:nvPr/>
+        </p:nvSpPr>
+        <p:spPr>
+          <a:xfrm flipH="1">
+            <a:off x="8085000" y="278225"/>
+            <a:ext cx="906600" cy="906300"/>
+          </a:xfrm>
+          <a:prstGeom prst="ellipse">
+            <a:avLst/>
+          </a:prstGeom>
+          <a:solidFill>
+            <a:schemeClr val="accent2"/>
+          </a:solidFill>
+          <a:ln>
+            <a:noFill/>
+          </a:ln>
+        </p:spPr>
+        <p:txBody>
+          <a:bodyPr spcFirstLastPara="1" wrap="square" lIns="91425" tIns="91425" rIns="91425" bIns="91425" anchor="ctr" anchorCtr="0">
+            <a:noAutofit/>
+          </a:bodyPr>
+          <a:lstStyle/>
+          <a:p>
+            <a:pPr marL="0" lvl="0" indent="0" algn="l" rtl="0">
+              <a:spcBef>
+                <a:spcPts val="0"/>
+              </a:spcBef>
+              <a:spcAft>
+                <a:spcPts val="0"/>
+              </a:spcAft>
+              <a:buNone/>
+            </a:pPr>
+            <a:endParaRPr/>
+          </a:p>
+        </p:txBody>
+      </p:sp>
+      <p:pic>
+        <p:nvPicPr>
+          <p:cNvPr id="596" name="Google Shape;596;p68"/>
+          <p:cNvPicPr preferRelativeResize="0"/>
+          <p:nvPr/>
+        </p:nvPicPr>
+        <p:blipFill>
+          <a:blip r:embed="rId4">
+            <a:alphaModFix/>
+          </a:blip>
+          <a:stretch>
+            <a:fillRect/>
+          </a:stretch>
+        </p:blipFill>
+        <p:spPr>
+          <a:xfrm rot="-5400000" flipH="1">
+            <a:off x="-2001312" y="4892887"/>
+            <a:ext cx="3393025" cy="2446450"/>
+          </a:xfrm>
+          <a:prstGeom prst="rect">
+            <a:avLst/>
+          </a:prstGeom>
+          <a:noFill/>
+          <a:ln>
+            <a:noFill/>
+          </a:ln>
+        </p:spPr>
+      </p:pic>
+      <p:sp>
+        <p:nvSpPr>
+          <p:cNvPr id="597" name="Google Shape;597;p68"/>
+          <p:cNvSpPr/>
+          <p:nvPr/>
+        </p:nvSpPr>
+        <p:spPr>
+          <a:xfrm flipH="1">
+            <a:off x="2134364" y="1485850"/>
+            <a:ext cx="906600" cy="906300"/>
+          </a:xfrm>
+          <a:prstGeom prst="ellipse">
+            <a:avLst/>
+          </a:prstGeom>
+          <a:solidFill>
+            <a:schemeClr val="accent2"/>
+          </a:solidFill>
+          <a:ln>
+            <a:noFill/>
+          </a:ln>
+        </p:spPr>
+        <p:txBody>
+          <a:bodyPr spcFirstLastPara="1" wrap="square" lIns="91425" tIns="91425" rIns="91425" bIns="91425" anchor="ctr" anchorCtr="0">
+            <a:noAutofit/>
+          </a:bodyPr>
+          <a:lstStyle/>
+          <a:p>
+            <a:pPr marL="0" lvl="0" indent="0" algn="l" rtl="0">
+              <a:spcBef>
+                <a:spcPts val="0"/>
+              </a:spcBef>
+              <a:spcAft>
+                <a:spcPts val="0"/>
+              </a:spcAft>
+              <a:buNone/>
+            </a:pPr>
+            <a:endParaRPr/>
+          </a:p>
+        </p:txBody>
+      </p:sp>
+      <p:sp>
+        <p:nvSpPr>
+          <p:cNvPr id="598" name="Google Shape;598;p68"/>
+          <p:cNvSpPr/>
+          <p:nvPr/>
+        </p:nvSpPr>
+        <p:spPr>
+          <a:xfrm flipH="1">
+            <a:off x="6103000" y="1485850"/>
+            <a:ext cx="906600" cy="906300"/>
+          </a:xfrm>
+          <a:prstGeom prst="ellipse">
+            <a:avLst/>
+          </a:prstGeom>
+          <a:solidFill>
+            <a:schemeClr val="accent2"/>
+          </a:solidFill>
+          <a:ln>
+            <a:noFill/>
+          </a:ln>
+        </p:spPr>
+        <p:txBody>
+          <a:bodyPr spcFirstLastPara="1" wrap="square" lIns="91425" tIns="91425" rIns="91425" bIns="91425" anchor="ctr" anchorCtr="0">
+            <a:noAutofit/>
+          </a:bodyPr>
+          <a:lstStyle/>
+          <a:p>
+            <a:pPr marL="0" lvl="0" indent="0" algn="l" rtl="0">
+              <a:spcBef>
+                <a:spcPts val="0"/>
+              </a:spcBef>
+              <a:spcAft>
+                <a:spcPts val="0"/>
+              </a:spcAft>
+              <a:buNone/>
+            </a:pPr>
+            <a:endParaRPr/>
+          </a:p>
+        </p:txBody>
+      </p:sp>
+      <p:grpSp>
+        <p:nvGrpSpPr>
+          <p:cNvPr id="599" name="Google Shape;599;p68"/>
+          <p:cNvGrpSpPr/>
+          <p:nvPr/>
+        </p:nvGrpSpPr>
+        <p:grpSpPr>
+          <a:xfrm>
+            <a:off x="6375198" y="1758447"/>
+            <a:ext cx="362223" cy="361108"/>
+            <a:chOff x="3513010" y="3816134"/>
+            <a:chExt cx="362223" cy="361108"/>
+          </a:xfrm>
+        </p:grpSpPr>
+        <p:sp>
+          <p:nvSpPr>
+            <p:cNvPr id="600" name="Google Shape;600;p68"/>
+            <p:cNvSpPr/>
+            <p:nvPr/>
+          </p:nvSpPr>
+          <p:spPr>
+            <a:xfrm>
+              <a:off x="3513010" y="3816134"/>
+              <a:ext cx="362223" cy="361108"/>
+            </a:xfrm>
+            <a:custGeom>
+              <a:avLst/>
+              <a:gdLst/>
+              <a:ahLst/>
+              <a:cxnLst/>
+              <a:rect l="l" t="t" r="r" b="b"/>
+              <a:pathLst>
+                <a:path w="11371" h="11336" extrusionOk="0">
+                  <a:moveTo>
+                    <a:pt x="1381" y="346"/>
+                  </a:moveTo>
+                  <a:cubicBezTo>
+                    <a:pt x="1846" y="358"/>
+                    <a:pt x="2262" y="715"/>
+                    <a:pt x="2358" y="1191"/>
+                  </a:cubicBezTo>
+                  <a:lnTo>
+                    <a:pt x="1881" y="1191"/>
+                  </a:lnTo>
+                  <a:cubicBezTo>
+                    <a:pt x="1786" y="1191"/>
+                    <a:pt x="1715" y="1263"/>
+                    <a:pt x="1715" y="1358"/>
+                  </a:cubicBezTo>
+                  <a:cubicBezTo>
+                    <a:pt x="1715" y="1727"/>
+                    <a:pt x="1417" y="2025"/>
+                    <a:pt x="1048" y="2025"/>
+                  </a:cubicBezTo>
+                  <a:cubicBezTo>
+                    <a:pt x="667" y="2025"/>
+                    <a:pt x="369" y="1727"/>
+                    <a:pt x="369" y="1358"/>
+                  </a:cubicBezTo>
+                  <a:cubicBezTo>
+                    <a:pt x="369" y="798"/>
+                    <a:pt x="822" y="346"/>
+                    <a:pt x="1381" y="346"/>
+                  </a:cubicBezTo>
+                  <a:close/>
+                  <a:moveTo>
+                    <a:pt x="2358" y="1537"/>
+                  </a:moveTo>
+                  <a:lnTo>
+                    <a:pt x="2358" y="2037"/>
+                  </a:lnTo>
+                  <a:lnTo>
+                    <a:pt x="1774" y="2037"/>
+                  </a:lnTo>
+                  <a:cubicBezTo>
+                    <a:pt x="1893" y="1906"/>
+                    <a:pt x="1977" y="1727"/>
+                    <a:pt x="2012" y="1537"/>
+                  </a:cubicBezTo>
+                  <a:close/>
+                  <a:moveTo>
+                    <a:pt x="9109" y="4489"/>
+                  </a:moveTo>
+                  <a:lnTo>
+                    <a:pt x="9109" y="4489"/>
+                  </a:lnTo>
+                  <a:cubicBezTo>
+                    <a:pt x="8739" y="5049"/>
+                    <a:pt x="8287" y="5585"/>
+                    <a:pt x="7787" y="6085"/>
+                  </a:cubicBezTo>
+                  <a:cubicBezTo>
+                    <a:pt x="7275" y="6597"/>
+                    <a:pt x="6739" y="7037"/>
+                    <a:pt x="6192" y="7406"/>
+                  </a:cubicBezTo>
+                  <a:cubicBezTo>
+                    <a:pt x="6584" y="6859"/>
+                    <a:pt x="7013" y="6323"/>
+                    <a:pt x="7513" y="5823"/>
+                  </a:cubicBezTo>
+                  <a:cubicBezTo>
+                    <a:pt x="8025" y="5311"/>
+                    <a:pt x="8561" y="4870"/>
+                    <a:pt x="9109" y="4489"/>
+                  </a:cubicBezTo>
+                  <a:close/>
+                  <a:moveTo>
+                    <a:pt x="4036" y="9359"/>
+                  </a:moveTo>
+                  <a:cubicBezTo>
+                    <a:pt x="4346" y="9359"/>
+                    <a:pt x="4620" y="9573"/>
+                    <a:pt x="4691" y="9871"/>
+                  </a:cubicBezTo>
+                  <a:lnTo>
+                    <a:pt x="3382" y="9871"/>
+                  </a:lnTo>
+                  <a:cubicBezTo>
+                    <a:pt x="3453" y="9573"/>
+                    <a:pt x="3727" y="9359"/>
+                    <a:pt x="4036" y="9359"/>
+                  </a:cubicBezTo>
+                  <a:close/>
+                  <a:moveTo>
+                    <a:pt x="10359" y="9359"/>
+                  </a:moveTo>
+                  <a:cubicBezTo>
+                    <a:pt x="10728" y="9359"/>
+                    <a:pt x="11025" y="9657"/>
+                    <a:pt x="11025" y="10026"/>
+                  </a:cubicBezTo>
+                  <a:cubicBezTo>
+                    <a:pt x="11025" y="10597"/>
+                    <a:pt x="10585" y="11038"/>
+                    <a:pt x="10037" y="11038"/>
+                  </a:cubicBezTo>
+                  <a:lnTo>
+                    <a:pt x="4584" y="11038"/>
+                  </a:lnTo>
+                  <a:cubicBezTo>
+                    <a:pt x="4870" y="10788"/>
+                    <a:pt x="5037" y="10431"/>
+                    <a:pt x="5037" y="10026"/>
+                  </a:cubicBezTo>
+                  <a:cubicBezTo>
+                    <a:pt x="5037" y="9776"/>
+                    <a:pt x="4929" y="9538"/>
+                    <a:pt x="4775" y="9359"/>
+                  </a:cubicBezTo>
+                  <a:close/>
+                  <a:moveTo>
+                    <a:pt x="1346" y="1"/>
+                  </a:moveTo>
+                  <a:cubicBezTo>
+                    <a:pt x="596" y="1"/>
+                    <a:pt x="0" y="596"/>
+                    <a:pt x="0" y="1334"/>
+                  </a:cubicBezTo>
+                  <a:cubicBezTo>
+                    <a:pt x="0" y="1906"/>
+                    <a:pt x="465" y="2346"/>
+                    <a:pt x="1012" y="2346"/>
+                  </a:cubicBezTo>
+                  <a:lnTo>
+                    <a:pt x="2358" y="2346"/>
+                  </a:lnTo>
+                  <a:lnTo>
+                    <a:pt x="2358" y="7514"/>
+                  </a:lnTo>
+                  <a:cubicBezTo>
+                    <a:pt x="2358" y="7609"/>
+                    <a:pt x="2429" y="7680"/>
+                    <a:pt x="2512" y="7680"/>
+                  </a:cubicBezTo>
+                  <a:cubicBezTo>
+                    <a:pt x="2608" y="7680"/>
+                    <a:pt x="2679" y="7609"/>
+                    <a:pt x="2679" y="7514"/>
+                  </a:cubicBezTo>
+                  <a:lnTo>
+                    <a:pt x="2679" y="1334"/>
+                  </a:lnTo>
+                  <a:cubicBezTo>
+                    <a:pt x="2679" y="929"/>
+                    <a:pt x="2501" y="572"/>
+                    <a:pt x="2239" y="322"/>
+                  </a:cubicBezTo>
+                  <a:lnTo>
+                    <a:pt x="7680" y="322"/>
+                  </a:lnTo>
+                  <a:cubicBezTo>
+                    <a:pt x="8227" y="322"/>
+                    <a:pt x="8680" y="775"/>
+                    <a:pt x="8680" y="1334"/>
+                  </a:cubicBezTo>
+                  <a:lnTo>
+                    <a:pt x="8680" y="2870"/>
+                  </a:lnTo>
+                  <a:cubicBezTo>
+                    <a:pt x="8192" y="3108"/>
+                    <a:pt x="7739" y="3430"/>
+                    <a:pt x="7358" y="3811"/>
+                  </a:cubicBezTo>
+                  <a:cubicBezTo>
+                    <a:pt x="6549" y="4608"/>
+                    <a:pt x="6537" y="5192"/>
+                    <a:pt x="6525" y="6144"/>
+                  </a:cubicBezTo>
+                  <a:lnTo>
+                    <a:pt x="6525" y="6394"/>
+                  </a:lnTo>
+                  <a:cubicBezTo>
+                    <a:pt x="6132" y="6859"/>
+                    <a:pt x="5811" y="7347"/>
+                    <a:pt x="5513" y="7847"/>
+                  </a:cubicBezTo>
+                  <a:cubicBezTo>
+                    <a:pt x="5465" y="7907"/>
+                    <a:pt x="5477" y="7990"/>
+                    <a:pt x="5537" y="8049"/>
+                  </a:cubicBezTo>
+                  <a:cubicBezTo>
+                    <a:pt x="5572" y="8085"/>
+                    <a:pt x="5608" y="8097"/>
+                    <a:pt x="5656" y="8097"/>
+                  </a:cubicBezTo>
+                  <a:cubicBezTo>
+                    <a:pt x="5691" y="8097"/>
+                    <a:pt x="5715" y="8097"/>
+                    <a:pt x="5751" y="8061"/>
+                  </a:cubicBezTo>
+                  <a:cubicBezTo>
+                    <a:pt x="6251" y="7776"/>
+                    <a:pt x="6727" y="7442"/>
+                    <a:pt x="7192" y="7049"/>
+                  </a:cubicBezTo>
+                  <a:lnTo>
+                    <a:pt x="7442" y="7049"/>
+                  </a:lnTo>
+                  <a:cubicBezTo>
+                    <a:pt x="7930" y="7037"/>
+                    <a:pt x="8323" y="7037"/>
+                    <a:pt x="8692" y="6918"/>
+                  </a:cubicBezTo>
+                  <a:lnTo>
+                    <a:pt x="8692" y="9002"/>
+                  </a:lnTo>
+                  <a:lnTo>
+                    <a:pt x="4036" y="9002"/>
+                  </a:lnTo>
+                  <a:cubicBezTo>
+                    <a:pt x="3465" y="9002"/>
+                    <a:pt x="3024" y="9466"/>
+                    <a:pt x="3024" y="10014"/>
+                  </a:cubicBezTo>
+                  <a:cubicBezTo>
+                    <a:pt x="3024" y="10097"/>
+                    <a:pt x="3096" y="10181"/>
+                    <a:pt x="3191" y="10181"/>
+                  </a:cubicBezTo>
+                  <a:lnTo>
+                    <a:pt x="4691" y="10181"/>
+                  </a:lnTo>
+                  <a:cubicBezTo>
+                    <a:pt x="4620" y="10657"/>
+                    <a:pt x="4203" y="11014"/>
+                    <a:pt x="3691" y="11014"/>
+                  </a:cubicBezTo>
+                  <a:cubicBezTo>
+                    <a:pt x="3144" y="11014"/>
+                    <a:pt x="2679" y="10562"/>
+                    <a:pt x="2679" y="10002"/>
+                  </a:cubicBezTo>
+                  <a:lnTo>
+                    <a:pt x="2679" y="8168"/>
+                  </a:lnTo>
+                  <a:cubicBezTo>
+                    <a:pt x="2679" y="8085"/>
+                    <a:pt x="2608" y="8002"/>
+                    <a:pt x="2512" y="8002"/>
+                  </a:cubicBezTo>
+                  <a:cubicBezTo>
+                    <a:pt x="2429" y="8002"/>
+                    <a:pt x="2358" y="8085"/>
+                    <a:pt x="2358" y="8168"/>
+                  </a:cubicBezTo>
+                  <a:lnTo>
+                    <a:pt x="2358" y="10002"/>
+                  </a:lnTo>
+                  <a:cubicBezTo>
+                    <a:pt x="2358" y="10740"/>
+                    <a:pt x="2953" y="11335"/>
+                    <a:pt x="3691" y="11335"/>
+                  </a:cubicBezTo>
+                  <a:lnTo>
+                    <a:pt x="10013" y="11335"/>
+                  </a:lnTo>
+                  <a:cubicBezTo>
+                    <a:pt x="10764" y="11335"/>
+                    <a:pt x="11359" y="10740"/>
+                    <a:pt x="11359" y="10002"/>
+                  </a:cubicBezTo>
+                  <a:cubicBezTo>
+                    <a:pt x="11371" y="9478"/>
+                    <a:pt x="10930" y="9038"/>
+                    <a:pt x="10359" y="9038"/>
+                  </a:cubicBezTo>
+                  <a:lnTo>
+                    <a:pt x="9025" y="9038"/>
+                  </a:lnTo>
+                  <a:lnTo>
+                    <a:pt x="9025" y="6811"/>
+                  </a:lnTo>
+                  <a:cubicBezTo>
+                    <a:pt x="9263" y="6692"/>
+                    <a:pt x="9513" y="6513"/>
+                    <a:pt x="9775" y="6252"/>
+                  </a:cubicBezTo>
+                  <a:cubicBezTo>
+                    <a:pt x="10013" y="6013"/>
+                    <a:pt x="10228" y="5763"/>
+                    <a:pt x="10406" y="5478"/>
+                  </a:cubicBezTo>
+                  <a:cubicBezTo>
+                    <a:pt x="10430" y="5430"/>
+                    <a:pt x="10430" y="5370"/>
+                    <a:pt x="10418" y="5311"/>
+                  </a:cubicBezTo>
+                  <a:cubicBezTo>
+                    <a:pt x="10394" y="5251"/>
+                    <a:pt x="10347" y="5228"/>
+                    <a:pt x="10299" y="5204"/>
+                  </a:cubicBezTo>
+                  <a:lnTo>
+                    <a:pt x="9894" y="5132"/>
+                  </a:lnTo>
+                  <a:cubicBezTo>
+                    <a:pt x="10728" y="4489"/>
+                    <a:pt x="11264" y="3525"/>
+                    <a:pt x="11323" y="2465"/>
+                  </a:cubicBezTo>
+                  <a:lnTo>
+                    <a:pt x="11323" y="2453"/>
+                  </a:lnTo>
+                  <a:cubicBezTo>
+                    <a:pt x="11323" y="2406"/>
+                    <a:pt x="11311" y="2358"/>
+                    <a:pt x="11287" y="2322"/>
+                  </a:cubicBezTo>
+                  <a:cubicBezTo>
+                    <a:pt x="11252" y="2287"/>
+                    <a:pt x="11204" y="2275"/>
+                    <a:pt x="11145" y="2275"/>
+                  </a:cubicBezTo>
+                  <a:cubicBezTo>
+                    <a:pt x="10764" y="2311"/>
+                    <a:pt x="10394" y="2346"/>
+                    <a:pt x="10037" y="2430"/>
+                  </a:cubicBezTo>
+                  <a:cubicBezTo>
+                    <a:pt x="9942" y="2442"/>
+                    <a:pt x="9882" y="2525"/>
+                    <a:pt x="9894" y="2620"/>
+                  </a:cubicBezTo>
+                  <a:cubicBezTo>
+                    <a:pt x="9916" y="2696"/>
+                    <a:pt x="9988" y="2753"/>
+                    <a:pt x="10073" y="2753"/>
+                  </a:cubicBezTo>
+                  <a:cubicBezTo>
+                    <a:pt x="10080" y="2753"/>
+                    <a:pt x="10089" y="2752"/>
+                    <a:pt x="10097" y="2751"/>
+                  </a:cubicBezTo>
+                  <a:cubicBezTo>
+                    <a:pt x="10371" y="2692"/>
+                    <a:pt x="10656" y="2644"/>
+                    <a:pt x="10966" y="2620"/>
+                  </a:cubicBezTo>
+                  <a:lnTo>
+                    <a:pt x="10966" y="2620"/>
+                  </a:lnTo>
+                  <a:cubicBezTo>
+                    <a:pt x="10847" y="3632"/>
+                    <a:pt x="10275" y="4537"/>
+                    <a:pt x="9382" y="5073"/>
+                  </a:cubicBezTo>
+                  <a:lnTo>
+                    <a:pt x="9359" y="5085"/>
+                  </a:lnTo>
+                  <a:cubicBezTo>
+                    <a:pt x="9299" y="5120"/>
+                    <a:pt x="9275" y="5192"/>
+                    <a:pt x="9287" y="5263"/>
+                  </a:cubicBezTo>
+                  <a:cubicBezTo>
+                    <a:pt x="9299" y="5347"/>
+                    <a:pt x="9359" y="5382"/>
+                    <a:pt x="9418" y="5406"/>
+                  </a:cubicBezTo>
+                  <a:lnTo>
+                    <a:pt x="9978" y="5490"/>
+                  </a:lnTo>
+                  <a:cubicBezTo>
+                    <a:pt x="9835" y="5668"/>
+                    <a:pt x="9692" y="5847"/>
+                    <a:pt x="9525" y="6002"/>
+                  </a:cubicBezTo>
+                  <a:cubicBezTo>
+                    <a:pt x="8870" y="6656"/>
+                    <a:pt x="8406" y="6716"/>
+                    <a:pt x="7573" y="6728"/>
+                  </a:cubicBezTo>
+                  <a:cubicBezTo>
+                    <a:pt x="7727" y="6597"/>
+                    <a:pt x="7870" y="6454"/>
+                    <a:pt x="8013" y="6311"/>
+                  </a:cubicBezTo>
+                  <a:cubicBezTo>
+                    <a:pt x="8728" y="5597"/>
+                    <a:pt x="9299" y="4835"/>
+                    <a:pt x="9775" y="4037"/>
+                  </a:cubicBezTo>
+                  <a:cubicBezTo>
+                    <a:pt x="9823" y="3977"/>
+                    <a:pt x="9811" y="3882"/>
+                    <a:pt x="9751" y="3823"/>
+                  </a:cubicBezTo>
+                  <a:cubicBezTo>
+                    <a:pt x="9718" y="3789"/>
+                    <a:pt x="9681" y="3774"/>
+                    <a:pt x="9639" y="3774"/>
+                  </a:cubicBezTo>
+                  <a:cubicBezTo>
+                    <a:pt x="9608" y="3774"/>
+                    <a:pt x="9574" y="3783"/>
+                    <a:pt x="9537" y="3799"/>
+                  </a:cubicBezTo>
+                  <a:cubicBezTo>
+                    <a:pt x="8739" y="4251"/>
+                    <a:pt x="7966" y="4847"/>
+                    <a:pt x="7263" y="5561"/>
+                  </a:cubicBezTo>
+                  <a:cubicBezTo>
+                    <a:pt x="7120" y="5716"/>
+                    <a:pt x="6977" y="5847"/>
+                    <a:pt x="6846" y="6002"/>
+                  </a:cubicBezTo>
+                  <a:cubicBezTo>
+                    <a:pt x="6882" y="5168"/>
+                    <a:pt x="6918" y="4704"/>
+                    <a:pt x="7573" y="4049"/>
+                  </a:cubicBezTo>
+                  <a:cubicBezTo>
+                    <a:pt x="8085" y="3537"/>
+                    <a:pt x="8728" y="3156"/>
+                    <a:pt x="9454" y="2906"/>
+                  </a:cubicBezTo>
+                  <a:cubicBezTo>
+                    <a:pt x="9537" y="2870"/>
+                    <a:pt x="9585" y="2787"/>
+                    <a:pt x="9561" y="2692"/>
+                  </a:cubicBezTo>
+                  <a:cubicBezTo>
+                    <a:pt x="9531" y="2623"/>
+                    <a:pt x="9470" y="2578"/>
+                    <a:pt x="9395" y="2578"/>
+                  </a:cubicBezTo>
+                  <a:cubicBezTo>
+                    <a:pt x="9379" y="2578"/>
+                    <a:pt x="9363" y="2580"/>
+                    <a:pt x="9347" y="2584"/>
+                  </a:cubicBezTo>
+                  <a:cubicBezTo>
+                    <a:pt x="9228" y="2632"/>
+                    <a:pt x="9109" y="2680"/>
+                    <a:pt x="9001" y="2715"/>
+                  </a:cubicBezTo>
+                  <a:lnTo>
+                    <a:pt x="9001" y="1334"/>
+                  </a:lnTo>
+                  <a:cubicBezTo>
+                    <a:pt x="9001" y="596"/>
+                    <a:pt x="8406" y="1"/>
+                    <a:pt x="7668" y="1"/>
+                  </a:cubicBezTo>
+                  <a:close/>
+                </a:path>
+              </a:pathLst>
+            </a:custGeom>
+            <a:solidFill>
+              <a:schemeClr val="lt1"/>
+            </a:solidFill>
+            <a:ln>
+              <a:noFill/>
+            </a:ln>
+          </p:spPr>
+          <p:txBody>
+            <a:bodyPr spcFirstLastPara="1" wrap="square" lIns="91425" tIns="91425" rIns="91425" bIns="91425" anchor="ctr" anchorCtr="0">
+              <a:noAutofit/>
+            </a:bodyPr>
+            <a:lstStyle/>
+            <a:p>
+              <a:pPr marL="0" lvl="0" indent="0" algn="l" rtl="0">
+                <a:spcBef>
+                  <a:spcPts val="0"/>
+                </a:spcBef>
+                <a:spcAft>
+                  <a:spcPts val="0"/>
+                </a:spcAft>
+                <a:buNone/>
+              </a:pPr>
+              <a:endParaRPr/>
+            </a:p>
+          </p:txBody>
+        </p:sp>
+        <p:sp>
+          <p:nvSpPr>
+            <p:cNvPr id="601" name="Google Shape;601;p68"/>
+            <p:cNvSpPr/>
+            <p:nvPr/>
+          </p:nvSpPr>
+          <p:spPr>
+            <a:xfrm>
+              <a:off x="3618450" y="3879112"/>
+              <a:ext cx="157045" cy="24688"/>
+            </a:xfrm>
+            <a:custGeom>
+              <a:avLst/>
+              <a:gdLst/>
+              <a:ahLst/>
+              <a:cxnLst/>
+              <a:rect l="l" t="t" r="r" b="b"/>
+              <a:pathLst>
+                <a:path w="4930" h="775" extrusionOk="0">
+                  <a:moveTo>
+                    <a:pt x="155" y="0"/>
+                  </a:moveTo>
+                  <a:cubicBezTo>
+                    <a:pt x="72" y="0"/>
+                    <a:pt x="0" y="72"/>
+                    <a:pt x="0" y="167"/>
+                  </a:cubicBezTo>
+                  <a:cubicBezTo>
+                    <a:pt x="0" y="250"/>
+                    <a:pt x="72" y="334"/>
+                    <a:pt x="155" y="334"/>
+                  </a:cubicBezTo>
+                  <a:cubicBezTo>
+                    <a:pt x="322" y="334"/>
+                    <a:pt x="381" y="405"/>
+                    <a:pt x="500" y="512"/>
+                  </a:cubicBezTo>
+                  <a:cubicBezTo>
+                    <a:pt x="619" y="631"/>
+                    <a:pt x="786" y="774"/>
+                    <a:pt x="1084" y="774"/>
+                  </a:cubicBezTo>
+                  <a:cubicBezTo>
+                    <a:pt x="1381" y="774"/>
+                    <a:pt x="1524" y="631"/>
+                    <a:pt x="1667" y="512"/>
+                  </a:cubicBezTo>
+                  <a:cubicBezTo>
+                    <a:pt x="1762" y="405"/>
+                    <a:pt x="1846" y="334"/>
+                    <a:pt x="2000" y="334"/>
+                  </a:cubicBezTo>
+                  <a:cubicBezTo>
+                    <a:pt x="2167" y="334"/>
+                    <a:pt x="2227" y="405"/>
+                    <a:pt x="2346" y="512"/>
+                  </a:cubicBezTo>
+                  <a:cubicBezTo>
+                    <a:pt x="2465" y="631"/>
+                    <a:pt x="2631" y="774"/>
+                    <a:pt x="2929" y="774"/>
+                  </a:cubicBezTo>
+                  <a:cubicBezTo>
+                    <a:pt x="3227" y="774"/>
+                    <a:pt x="3370" y="631"/>
+                    <a:pt x="3501" y="512"/>
+                  </a:cubicBezTo>
+                  <a:cubicBezTo>
+                    <a:pt x="3608" y="405"/>
+                    <a:pt x="3679" y="334"/>
+                    <a:pt x="3846" y="334"/>
+                  </a:cubicBezTo>
+                  <a:cubicBezTo>
+                    <a:pt x="4013" y="334"/>
+                    <a:pt x="4072" y="405"/>
+                    <a:pt x="4191" y="512"/>
+                  </a:cubicBezTo>
+                  <a:cubicBezTo>
+                    <a:pt x="4310" y="631"/>
+                    <a:pt x="4477" y="774"/>
+                    <a:pt x="4775" y="774"/>
+                  </a:cubicBezTo>
+                  <a:cubicBezTo>
+                    <a:pt x="4858" y="774"/>
+                    <a:pt x="4929" y="703"/>
+                    <a:pt x="4929" y="607"/>
+                  </a:cubicBezTo>
+                  <a:cubicBezTo>
+                    <a:pt x="4929" y="524"/>
+                    <a:pt x="4858" y="453"/>
+                    <a:pt x="4775" y="453"/>
+                  </a:cubicBezTo>
+                  <a:cubicBezTo>
+                    <a:pt x="4608" y="453"/>
+                    <a:pt x="4548" y="369"/>
+                    <a:pt x="4429" y="274"/>
+                  </a:cubicBezTo>
+                  <a:cubicBezTo>
+                    <a:pt x="4310" y="155"/>
+                    <a:pt x="4144" y="0"/>
+                    <a:pt x="3846" y="0"/>
+                  </a:cubicBezTo>
+                  <a:cubicBezTo>
+                    <a:pt x="3548" y="0"/>
+                    <a:pt x="3405" y="155"/>
+                    <a:pt x="3263" y="274"/>
+                  </a:cubicBezTo>
+                  <a:cubicBezTo>
+                    <a:pt x="3167" y="369"/>
+                    <a:pt x="3084" y="453"/>
+                    <a:pt x="2929" y="453"/>
+                  </a:cubicBezTo>
+                  <a:cubicBezTo>
+                    <a:pt x="2762" y="453"/>
+                    <a:pt x="2703" y="369"/>
+                    <a:pt x="2584" y="274"/>
+                  </a:cubicBezTo>
+                  <a:cubicBezTo>
+                    <a:pt x="2465" y="155"/>
+                    <a:pt x="2298" y="0"/>
+                    <a:pt x="2000" y="0"/>
+                  </a:cubicBezTo>
+                  <a:cubicBezTo>
+                    <a:pt x="1703" y="0"/>
+                    <a:pt x="1560" y="155"/>
+                    <a:pt x="1417" y="274"/>
+                  </a:cubicBezTo>
+                  <a:cubicBezTo>
+                    <a:pt x="1322" y="369"/>
+                    <a:pt x="1238" y="453"/>
+                    <a:pt x="1084" y="453"/>
+                  </a:cubicBezTo>
+                  <a:cubicBezTo>
+                    <a:pt x="917" y="453"/>
+                    <a:pt x="857" y="369"/>
+                    <a:pt x="738" y="274"/>
+                  </a:cubicBezTo>
+                  <a:cubicBezTo>
+                    <a:pt x="619" y="155"/>
+                    <a:pt x="453" y="0"/>
+                    <a:pt x="155" y="0"/>
+                  </a:cubicBezTo>
+                  <a:close/>
+                </a:path>
+              </a:pathLst>
+            </a:custGeom>
+            <a:solidFill>
+              <a:schemeClr val="lt1"/>
+            </a:solidFill>
+            <a:ln>
+              <a:noFill/>
+            </a:ln>
+          </p:spPr>
+          <p:txBody>
+            <a:bodyPr spcFirstLastPara="1" wrap="square" lIns="91425" tIns="91425" rIns="91425" bIns="91425" anchor="ctr" anchorCtr="0">
+              <a:noAutofit/>
+            </a:bodyPr>
+            <a:lstStyle/>
+            <a:p>
+              <a:pPr marL="0" lvl="0" indent="0" algn="l" rtl="0">
+                <a:spcBef>
+                  <a:spcPts val="0"/>
+                </a:spcBef>
+                <a:spcAft>
+                  <a:spcPts val="0"/>
+                </a:spcAft>
+                <a:buNone/>
+              </a:pPr>
+              <a:endParaRPr/>
+            </a:p>
+          </p:txBody>
+        </p:sp>
+        <p:sp>
+          <p:nvSpPr>
+            <p:cNvPr id="602" name="Google Shape;602;p68"/>
+            <p:cNvSpPr/>
+            <p:nvPr/>
+          </p:nvSpPr>
+          <p:spPr>
+            <a:xfrm>
+              <a:off x="3618450" y="3921192"/>
+              <a:ext cx="127834" cy="24688"/>
+            </a:xfrm>
+            <a:custGeom>
+              <a:avLst/>
+              <a:gdLst/>
+              <a:ahLst/>
+              <a:cxnLst/>
+              <a:rect l="l" t="t" r="r" b="b"/>
+              <a:pathLst>
+                <a:path w="4013" h="775" extrusionOk="0">
+                  <a:moveTo>
+                    <a:pt x="155" y="1"/>
+                  </a:moveTo>
+                  <a:cubicBezTo>
+                    <a:pt x="72" y="1"/>
+                    <a:pt x="0" y="84"/>
+                    <a:pt x="0" y="167"/>
+                  </a:cubicBezTo>
+                  <a:cubicBezTo>
+                    <a:pt x="0" y="263"/>
+                    <a:pt x="72" y="334"/>
+                    <a:pt x="155" y="334"/>
+                  </a:cubicBezTo>
+                  <a:cubicBezTo>
+                    <a:pt x="322" y="334"/>
+                    <a:pt x="381" y="406"/>
+                    <a:pt x="500" y="513"/>
+                  </a:cubicBezTo>
+                  <a:cubicBezTo>
+                    <a:pt x="619" y="632"/>
+                    <a:pt x="786" y="775"/>
+                    <a:pt x="1084" y="775"/>
+                  </a:cubicBezTo>
+                  <a:cubicBezTo>
+                    <a:pt x="1381" y="775"/>
+                    <a:pt x="1524" y="632"/>
+                    <a:pt x="1667" y="513"/>
+                  </a:cubicBezTo>
+                  <a:cubicBezTo>
+                    <a:pt x="1762" y="406"/>
+                    <a:pt x="1846" y="334"/>
+                    <a:pt x="2000" y="334"/>
+                  </a:cubicBezTo>
+                  <a:cubicBezTo>
+                    <a:pt x="2167" y="334"/>
+                    <a:pt x="2227" y="406"/>
+                    <a:pt x="2346" y="513"/>
+                  </a:cubicBezTo>
+                  <a:cubicBezTo>
+                    <a:pt x="2465" y="632"/>
+                    <a:pt x="2631" y="775"/>
+                    <a:pt x="2929" y="775"/>
+                  </a:cubicBezTo>
+                  <a:cubicBezTo>
+                    <a:pt x="3227" y="775"/>
+                    <a:pt x="3370" y="632"/>
+                    <a:pt x="3501" y="513"/>
+                  </a:cubicBezTo>
+                  <a:cubicBezTo>
+                    <a:pt x="3608" y="406"/>
+                    <a:pt x="3679" y="334"/>
+                    <a:pt x="3846" y="334"/>
+                  </a:cubicBezTo>
+                  <a:cubicBezTo>
+                    <a:pt x="3941" y="334"/>
+                    <a:pt x="4013" y="263"/>
+                    <a:pt x="4013" y="167"/>
+                  </a:cubicBezTo>
+                  <a:cubicBezTo>
+                    <a:pt x="4013" y="84"/>
+                    <a:pt x="3941" y="1"/>
+                    <a:pt x="3846" y="1"/>
+                  </a:cubicBezTo>
+                  <a:cubicBezTo>
+                    <a:pt x="3548" y="1"/>
+                    <a:pt x="3405" y="156"/>
+                    <a:pt x="3263" y="275"/>
+                  </a:cubicBezTo>
+                  <a:cubicBezTo>
+                    <a:pt x="3167" y="382"/>
+                    <a:pt x="3084" y="453"/>
+                    <a:pt x="2929" y="453"/>
+                  </a:cubicBezTo>
+                  <a:cubicBezTo>
+                    <a:pt x="2762" y="453"/>
+                    <a:pt x="2703" y="382"/>
+                    <a:pt x="2584" y="275"/>
+                  </a:cubicBezTo>
+                  <a:cubicBezTo>
+                    <a:pt x="2465" y="156"/>
+                    <a:pt x="2298" y="1"/>
+                    <a:pt x="2000" y="1"/>
+                  </a:cubicBezTo>
+                  <a:cubicBezTo>
+                    <a:pt x="1703" y="1"/>
+                    <a:pt x="1560" y="156"/>
+                    <a:pt x="1417" y="275"/>
+                  </a:cubicBezTo>
+                  <a:cubicBezTo>
+                    <a:pt x="1322" y="382"/>
+                    <a:pt x="1238" y="453"/>
+                    <a:pt x="1084" y="453"/>
+                  </a:cubicBezTo>
+                  <a:cubicBezTo>
+                    <a:pt x="917" y="453"/>
+                    <a:pt x="857" y="382"/>
+                    <a:pt x="738" y="275"/>
+                  </a:cubicBezTo>
+                  <a:cubicBezTo>
+                    <a:pt x="619" y="156"/>
+                    <a:pt x="453" y="1"/>
+                    <a:pt x="155" y="1"/>
+                  </a:cubicBezTo>
+                  <a:close/>
+                </a:path>
+              </a:pathLst>
+            </a:custGeom>
+            <a:solidFill>
+              <a:schemeClr val="lt1"/>
+            </a:solidFill>
+            <a:ln>
+              <a:noFill/>
+            </a:ln>
+          </p:spPr>
+          <p:txBody>
+            <a:bodyPr spcFirstLastPara="1" wrap="square" lIns="91425" tIns="91425" rIns="91425" bIns="91425" anchor="ctr" anchorCtr="0">
+              <a:noAutofit/>
+            </a:bodyPr>
+            <a:lstStyle/>
+            <a:p>
+              <a:pPr marL="0" lvl="0" indent="0" algn="l" rtl="0">
+                <a:spcBef>
+                  <a:spcPts val="0"/>
+                </a:spcBef>
+                <a:spcAft>
+                  <a:spcPts val="0"/>
+                </a:spcAft>
+                <a:buNone/>
+              </a:pPr>
+              <a:endParaRPr/>
+            </a:p>
+          </p:txBody>
+        </p:sp>
+        <p:sp>
+          <p:nvSpPr>
+            <p:cNvPr id="603" name="Google Shape;603;p68"/>
+            <p:cNvSpPr/>
+            <p:nvPr/>
+          </p:nvSpPr>
+          <p:spPr>
+            <a:xfrm>
+              <a:off x="3617304" y="3962922"/>
+              <a:ext cx="98655" cy="24688"/>
+            </a:xfrm>
+            <a:custGeom>
+              <a:avLst/>
+              <a:gdLst/>
+              <a:ahLst/>
+              <a:cxnLst/>
+              <a:rect l="l" t="t" r="r" b="b"/>
+              <a:pathLst>
+                <a:path w="3097" h="775" extrusionOk="0">
+                  <a:moveTo>
+                    <a:pt x="167" y="0"/>
+                  </a:moveTo>
+                  <a:cubicBezTo>
+                    <a:pt x="72" y="0"/>
+                    <a:pt x="0" y="84"/>
+                    <a:pt x="0" y="167"/>
+                  </a:cubicBezTo>
+                  <a:cubicBezTo>
+                    <a:pt x="0" y="262"/>
+                    <a:pt x="72" y="334"/>
+                    <a:pt x="167" y="334"/>
+                  </a:cubicBezTo>
+                  <a:cubicBezTo>
+                    <a:pt x="334" y="334"/>
+                    <a:pt x="393" y="405"/>
+                    <a:pt x="512" y="512"/>
+                  </a:cubicBezTo>
+                  <a:cubicBezTo>
+                    <a:pt x="632" y="632"/>
+                    <a:pt x="786" y="774"/>
+                    <a:pt x="1084" y="774"/>
+                  </a:cubicBezTo>
+                  <a:cubicBezTo>
+                    <a:pt x="1382" y="774"/>
+                    <a:pt x="1536" y="632"/>
+                    <a:pt x="1667" y="512"/>
+                  </a:cubicBezTo>
+                  <a:cubicBezTo>
+                    <a:pt x="1775" y="405"/>
+                    <a:pt x="1846" y="334"/>
+                    <a:pt x="2013" y="334"/>
+                  </a:cubicBezTo>
+                  <a:cubicBezTo>
+                    <a:pt x="2179" y="334"/>
+                    <a:pt x="2239" y="405"/>
+                    <a:pt x="2358" y="512"/>
+                  </a:cubicBezTo>
+                  <a:cubicBezTo>
+                    <a:pt x="2477" y="632"/>
+                    <a:pt x="2632" y="774"/>
+                    <a:pt x="2929" y="774"/>
+                  </a:cubicBezTo>
+                  <a:cubicBezTo>
+                    <a:pt x="3025" y="774"/>
+                    <a:pt x="3096" y="703"/>
+                    <a:pt x="3096" y="620"/>
+                  </a:cubicBezTo>
+                  <a:cubicBezTo>
+                    <a:pt x="3096" y="524"/>
+                    <a:pt x="3025" y="453"/>
+                    <a:pt x="2929" y="453"/>
+                  </a:cubicBezTo>
+                  <a:cubicBezTo>
+                    <a:pt x="2775" y="441"/>
+                    <a:pt x="2691" y="381"/>
+                    <a:pt x="2596" y="274"/>
+                  </a:cubicBezTo>
+                  <a:cubicBezTo>
+                    <a:pt x="2477" y="155"/>
+                    <a:pt x="2310" y="0"/>
+                    <a:pt x="2013" y="0"/>
+                  </a:cubicBezTo>
+                  <a:cubicBezTo>
+                    <a:pt x="1715" y="0"/>
+                    <a:pt x="1560" y="155"/>
+                    <a:pt x="1429" y="274"/>
+                  </a:cubicBezTo>
+                  <a:cubicBezTo>
+                    <a:pt x="1322" y="381"/>
+                    <a:pt x="1251" y="453"/>
+                    <a:pt x="1084" y="453"/>
+                  </a:cubicBezTo>
+                  <a:cubicBezTo>
+                    <a:pt x="929" y="453"/>
+                    <a:pt x="870" y="381"/>
+                    <a:pt x="751" y="274"/>
+                  </a:cubicBezTo>
+                  <a:cubicBezTo>
+                    <a:pt x="632" y="155"/>
+                    <a:pt x="465" y="0"/>
+                    <a:pt x="167" y="0"/>
+                  </a:cubicBezTo>
+                  <a:close/>
+                </a:path>
+              </a:pathLst>
+            </a:custGeom>
+            <a:solidFill>
+              <a:schemeClr val="lt1"/>
+            </a:solidFill>
+            <a:ln>
+              <a:noFill/>
+            </a:ln>
+          </p:spPr>
+          <p:txBody>
+            <a:bodyPr spcFirstLastPara="1" wrap="square" lIns="91425" tIns="91425" rIns="91425" bIns="91425" anchor="ctr" anchorCtr="0">
+              <a:noAutofit/>
+            </a:bodyPr>
+            <a:lstStyle/>
+            <a:p>
+              <a:pPr marL="0" lvl="0" indent="0" algn="l" rtl="0">
+                <a:spcBef>
+                  <a:spcPts val="0"/>
+                </a:spcBef>
+                <a:spcAft>
+                  <a:spcPts val="0"/>
+                </a:spcAft>
+                <a:buNone/>
+              </a:pPr>
+              <a:endParaRPr/>
+            </a:p>
+          </p:txBody>
+        </p:sp>
+      </p:grpSp>
+      <p:sp>
+        <p:nvSpPr>
+          <p:cNvPr id="604" name="Google Shape;604;p68"/>
+          <p:cNvSpPr/>
+          <p:nvPr/>
+        </p:nvSpPr>
+        <p:spPr>
+          <a:xfrm>
+            <a:off x="2416429" y="1759201"/>
+            <a:ext cx="342505" cy="334191"/>
+          </a:xfrm>
+          <a:custGeom>
+            <a:avLst/>
+            <a:gdLst/>
+            <a:ahLst/>
+            <a:cxnLst/>
+            <a:rect l="l" t="t" r="r" b="b"/>
+            <a:pathLst>
+              <a:path w="10752" h="10491" extrusionOk="0">
+                <a:moveTo>
+                  <a:pt x="9632" y="1406"/>
+                </a:moveTo>
+                <a:lnTo>
+                  <a:pt x="9632" y="2418"/>
+                </a:lnTo>
+                <a:lnTo>
+                  <a:pt x="3584" y="2418"/>
+                </a:lnTo>
+                <a:lnTo>
+                  <a:pt x="3584" y="1918"/>
+                </a:lnTo>
+                <a:cubicBezTo>
+                  <a:pt x="3584" y="1787"/>
+                  <a:pt x="3477" y="1680"/>
+                  <a:pt x="3346" y="1680"/>
+                </a:cubicBezTo>
+                <a:lnTo>
+                  <a:pt x="1905" y="1680"/>
+                </a:lnTo>
+                <a:cubicBezTo>
+                  <a:pt x="1774" y="1680"/>
+                  <a:pt x="1667" y="1787"/>
+                  <a:pt x="1667" y="1918"/>
+                </a:cubicBezTo>
+                <a:lnTo>
+                  <a:pt x="1667" y="2358"/>
+                </a:lnTo>
+                <a:cubicBezTo>
+                  <a:pt x="1500" y="2275"/>
+                  <a:pt x="1381" y="2108"/>
+                  <a:pt x="1381" y="1918"/>
+                </a:cubicBezTo>
+                <a:cubicBezTo>
+                  <a:pt x="1381" y="1632"/>
+                  <a:pt x="1607" y="1406"/>
+                  <a:pt x="1893" y="1406"/>
+                </a:cubicBezTo>
+                <a:close/>
+                <a:moveTo>
+                  <a:pt x="3131" y="2156"/>
+                </a:moveTo>
+                <a:lnTo>
+                  <a:pt x="3131" y="3168"/>
+                </a:lnTo>
+                <a:lnTo>
+                  <a:pt x="2739" y="3001"/>
+                </a:lnTo>
+                <a:cubicBezTo>
+                  <a:pt x="2709" y="2989"/>
+                  <a:pt x="2679" y="2983"/>
+                  <a:pt x="2649" y="2983"/>
+                </a:cubicBezTo>
+                <a:cubicBezTo>
+                  <a:pt x="2620" y="2983"/>
+                  <a:pt x="2590" y="2989"/>
+                  <a:pt x="2560" y="3001"/>
+                </a:cubicBezTo>
+                <a:lnTo>
+                  <a:pt x="2143" y="3180"/>
+                </a:lnTo>
+                <a:lnTo>
+                  <a:pt x="2143" y="2156"/>
+                </a:lnTo>
+                <a:close/>
+                <a:moveTo>
+                  <a:pt x="10275" y="2882"/>
+                </a:moveTo>
+                <a:lnTo>
+                  <a:pt x="10275" y="3346"/>
+                </a:lnTo>
+                <a:lnTo>
+                  <a:pt x="3584" y="3346"/>
+                </a:lnTo>
+                <a:lnTo>
+                  <a:pt x="3584" y="2882"/>
+                </a:lnTo>
+                <a:close/>
+                <a:moveTo>
+                  <a:pt x="8823" y="4728"/>
+                </a:moveTo>
+                <a:cubicBezTo>
+                  <a:pt x="9108" y="4728"/>
+                  <a:pt x="9335" y="4954"/>
+                  <a:pt x="9335" y="5239"/>
+                </a:cubicBezTo>
+                <a:cubicBezTo>
+                  <a:pt x="9335" y="5430"/>
+                  <a:pt x="9216" y="5609"/>
+                  <a:pt x="9049" y="5680"/>
+                </a:cubicBezTo>
+                <a:lnTo>
+                  <a:pt x="9049" y="5239"/>
+                </a:lnTo>
+                <a:cubicBezTo>
+                  <a:pt x="9049" y="5097"/>
+                  <a:pt x="8942" y="4989"/>
+                  <a:pt x="8811" y="4989"/>
+                </a:cubicBezTo>
+                <a:lnTo>
+                  <a:pt x="7358" y="4989"/>
+                </a:lnTo>
+                <a:cubicBezTo>
+                  <a:pt x="7215" y="4989"/>
+                  <a:pt x="7120" y="5097"/>
+                  <a:pt x="7120" y="5239"/>
+                </a:cubicBezTo>
+                <a:lnTo>
+                  <a:pt x="7120" y="5740"/>
+                </a:lnTo>
+                <a:lnTo>
+                  <a:pt x="1060" y="5740"/>
+                </a:lnTo>
+                <a:lnTo>
+                  <a:pt x="1060" y="4728"/>
+                </a:lnTo>
+                <a:close/>
+                <a:moveTo>
+                  <a:pt x="8608" y="5454"/>
+                </a:moveTo>
+                <a:lnTo>
+                  <a:pt x="8608" y="6502"/>
+                </a:lnTo>
+                <a:lnTo>
+                  <a:pt x="8192" y="6323"/>
+                </a:lnTo>
+                <a:cubicBezTo>
+                  <a:pt x="8156" y="6311"/>
+                  <a:pt x="8132" y="6311"/>
+                  <a:pt x="8096" y="6311"/>
+                </a:cubicBezTo>
+                <a:cubicBezTo>
+                  <a:pt x="8073" y="6311"/>
+                  <a:pt x="8037" y="6311"/>
+                  <a:pt x="8013" y="6323"/>
+                </a:cubicBezTo>
+                <a:lnTo>
+                  <a:pt x="7620" y="6490"/>
+                </a:lnTo>
+                <a:lnTo>
+                  <a:pt x="7620" y="5454"/>
+                </a:lnTo>
+                <a:close/>
+                <a:moveTo>
+                  <a:pt x="8846" y="3811"/>
+                </a:moveTo>
+                <a:cubicBezTo>
+                  <a:pt x="9632" y="3811"/>
+                  <a:pt x="10275" y="4442"/>
+                  <a:pt x="10275" y="5251"/>
+                </a:cubicBezTo>
+                <a:cubicBezTo>
+                  <a:pt x="10275" y="5632"/>
+                  <a:pt x="10120" y="5990"/>
+                  <a:pt x="9859" y="6263"/>
+                </a:cubicBezTo>
+                <a:cubicBezTo>
+                  <a:pt x="9632" y="6490"/>
+                  <a:pt x="9358" y="6621"/>
+                  <a:pt x="9061" y="6668"/>
+                </a:cubicBezTo>
+                <a:lnTo>
+                  <a:pt x="9061" y="6192"/>
+                </a:lnTo>
+                <a:cubicBezTo>
+                  <a:pt x="9501" y="6085"/>
+                  <a:pt x="9811" y="5692"/>
+                  <a:pt x="9811" y="5239"/>
+                </a:cubicBezTo>
+                <a:cubicBezTo>
+                  <a:pt x="9811" y="4704"/>
+                  <a:pt x="9382" y="4263"/>
+                  <a:pt x="8846" y="4263"/>
+                </a:cubicBezTo>
+                <a:lnTo>
+                  <a:pt x="476" y="4263"/>
+                </a:lnTo>
+                <a:lnTo>
+                  <a:pt x="476" y="3811"/>
+                </a:lnTo>
+                <a:close/>
+                <a:moveTo>
+                  <a:pt x="7144" y="6216"/>
+                </a:moveTo>
+                <a:lnTo>
+                  <a:pt x="7144" y="6680"/>
+                </a:lnTo>
+                <a:lnTo>
+                  <a:pt x="464" y="6680"/>
+                </a:lnTo>
+                <a:lnTo>
+                  <a:pt x="464" y="6216"/>
+                </a:lnTo>
+                <a:close/>
+                <a:moveTo>
+                  <a:pt x="9632" y="8073"/>
+                </a:moveTo>
+                <a:lnTo>
+                  <a:pt x="9632" y="9085"/>
+                </a:lnTo>
+                <a:lnTo>
+                  <a:pt x="3584" y="9085"/>
+                </a:lnTo>
+                <a:lnTo>
+                  <a:pt x="3584" y="8585"/>
+                </a:lnTo>
+                <a:cubicBezTo>
+                  <a:pt x="3584" y="8454"/>
+                  <a:pt x="3477" y="8347"/>
+                  <a:pt x="3346" y="8347"/>
+                </a:cubicBezTo>
+                <a:lnTo>
+                  <a:pt x="1905" y="8347"/>
+                </a:lnTo>
+                <a:cubicBezTo>
+                  <a:pt x="1774" y="8347"/>
+                  <a:pt x="1667" y="8454"/>
+                  <a:pt x="1667" y="8585"/>
+                </a:cubicBezTo>
+                <a:lnTo>
+                  <a:pt x="1667" y="9026"/>
+                </a:lnTo>
+                <a:cubicBezTo>
+                  <a:pt x="1500" y="8942"/>
+                  <a:pt x="1381" y="8776"/>
+                  <a:pt x="1381" y="8585"/>
+                </a:cubicBezTo>
+                <a:cubicBezTo>
+                  <a:pt x="1381" y="8299"/>
+                  <a:pt x="1607" y="8073"/>
+                  <a:pt x="1893" y="8073"/>
+                </a:cubicBezTo>
+                <a:close/>
+                <a:moveTo>
+                  <a:pt x="3131" y="8823"/>
+                </a:moveTo>
+                <a:lnTo>
+                  <a:pt x="3131" y="9835"/>
+                </a:lnTo>
+                <a:lnTo>
+                  <a:pt x="2739" y="9669"/>
+                </a:lnTo>
+                <a:cubicBezTo>
+                  <a:pt x="2709" y="9657"/>
+                  <a:pt x="2679" y="9651"/>
+                  <a:pt x="2649" y="9651"/>
+                </a:cubicBezTo>
+                <a:cubicBezTo>
+                  <a:pt x="2620" y="9651"/>
+                  <a:pt x="2590" y="9657"/>
+                  <a:pt x="2560" y="9669"/>
+                </a:cubicBezTo>
+                <a:lnTo>
+                  <a:pt x="2143" y="9847"/>
+                </a:lnTo>
+                <a:lnTo>
+                  <a:pt x="2143" y="8823"/>
+                </a:lnTo>
+                <a:close/>
+                <a:moveTo>
+                  <a:pt x="10275" y="7144"/>
+                </a:moveTo>
+                <a:lnTo>
+                  <a:pt x="10275" y="7597"/>
+                </a:lnTo>
+                <a:lnTo>
+                  <a:pt x="1905" y="7597"/>
+                </a:lnTo>
+                <a:cubicBezTo>
+                  <a:pt x="1369" y="7597"/>
+                  <a:pt x="941" y="8037"/>
+                  <a:pt x="941" y="8573"/>
+                </a:cubicBezTo>
+                <a:cubicBezTo>
+                  <a:pt x="941" y="9026"/>
+                  <a:pt x="1250" y="9419"/>
+                  <a:pt x="1679" y="9526"/>
+                </a:cubicBezTo>
+                <a:lnTo>
+                  <a:pt x="1679" y="10002"/>
+                </a:lnTo>
+                <a:cubicBezTo>
+                  <a:pt x="1381" y="9954"/>
+                  <a:pt x="1119" y="9800"/>
+                  <a:pt x="893" y="9597"/>
+                </a:cubicBezTo>
+                <a:cubicBezTo>
+                  <a:pt x="631" y="9323"/>
+                  <a:pt x="476" y="8954"/>
+                  <a:pt x="476" y="8585"/>
+                </a:cubicBezTo>
+                <a:cubicBezTo>
+                  <a:pt x="476" y="7787"/>
+                  <a:pt x="1119" y="7144"/>
+                  <a:pt x="1917" y="7144"/>
+                </a:cubicBezTo>
+                <a:close/>
+                <a:moveTo>
+                  <a:pt x="1917" y="1"/>
+                </a:moveTo>
+                <a:cubicBezTo>
+                  <a:pt x="881" y="1"/>
+                  <a:pt x="12" y="846"/>
+                  <a:pt x="12" y="1906"/>
+                </a:cubicBezTo>
+                <a:cubicBezTo>
+                  <a:pt x="12" y="2406"/>
+                  <a:pt x="214" y="2882"/>
+                  <a:pt x="572" y="3239"/>
+                </a:cubicBezTo>
+                <a:cubicBezTo>
+                  <a:pt x="595" y="3275"/>
+                  <a:pt x="631" y="3299"/>
+                  <a:pt x="667" y="3334"/>
+                </a:cubicBezTo>
+                <a:lnTo>
+                  <a:pt x="238" y="3334"/>
+                </a:lnTo>
+                <a:cubicBezTo>
+                  <a:pt x="107" y="3334"/>
+                  <a:pt x="0" y="3430"/>
+                  <a:pt x="0" y="3573"/>
+                </a:cubicBezTo>
+                <a:lnTo>
+                  <a:pt x="0" y="4489"/>
+                </a:lnTo>
+                <a:cubicBezTo>
+                  <a:pt x="0" y="4620"/>
+                  <a:pt x="107" y="4728"/>
+                  <a:pt x="238" y="4728"/>
+                </a:cubicBezTo>
+                <a:lnTo>
+                  <a:pt x="631" y="4728"/>
+                </a:lnTo>
+                <a:lnTo>
+                  <a:pt x="631" y="5751"/>
+                </a:lnTo>
+                <a:lnTo>
+                  <a:pt x="238" y="5751"/>
+                </a:lnTo>
+                <a:cubicBezTo>
+                  <a:pt x="107" y="5751"/>
+                  <a:pt x="0" y="5859"/>
+                  <a:pt x="0" y="5990"/>
+                </a:cubicBezTo>
+                <a:lnTo>
+                  <a:pt x="0" y="6918"/>
+                </a:lnTo>
+                <a:cubicBezTo>
+                  <a:pt x="0" y="7049"/>
+                  <a:pt x="107" y="7156"/>
+                  <a:pt x="238" y="7156"/>
+                </a:cubicBezTo>
+                <a:lnTo>
+                  <a:pt x="667" y="7156"/>
+                </a:lnTo>
+                <a:cubicBezTo>
+                  <a:pt x="274" y="7502"/>
+                  <a:pt x="12" y="8014"/>
+                  <a:pt x="12" y="8597"/>
+                </a:cubicBezTo>
+                <a:cubicBezTo>
+                  <a:pt x="12" y="9109"/>
+                  <a:pt x="214" y="9585"/>
+                  <a:pt x="572" y="9942"/>
+                </a:cubicBezTo>
+                <a:cubicBezTo>
+                  <a:pt x="929" y="10300"/>
+                  <a:pt x="1405" y="10490"/>
+                  <a:pt x="1905" y="10490"/>
+                </a:cubicBezTo>
+                <a:lnTo>
+                  <a:pt x="5394" y="10490"/>
+                </a:lnTo>
+                <a:cubicBezTo>
+                  <a:pt x="5525" y="10490"/>
+                  <a:pt x="5632" y="10383"/>
+                  <a:pt x="5632" y="10252"/>
+                </a:cubicBezTo>
+                <a:cubicBezTo>
+                  <a:pt x="5632" y="10121"/>
+                  <a:pt x="5525" y="10014"/>
+                  <a:pt x="5394" y="10014"/>
+                </a:cubicBezTo>
+                <a:lnTo>
+                  <a:pt x="3584" y="10014"/>
+                </a:lnTo>
+                <a:lnTo>
+                  <a:pt x="3584" y="9550"/>
+                </a:lnTo>
+                <a:lnTo>
+                  <a:pt x="10275" y="9550"/>
+                </a:lnTo>
+                <a:lnTo>
+                  <a:pt x="10275" y="10014"/>
+                </a:lnTo>
+                <a:lnTo>
+                  <a:pt x="6477" y="10014"/>
+                </a:lnTo>
+                <a:cubicBezTo>
+                  <a:pt x="6346" y="10014"/>
+                  <a:pt x="6239" y="10121"/>
+                  <a:pt x="6239" y="10252"/>
+                </a:cubicBezTo>
+                <a:cubicBezTo>
+                  <a:pt x="6239" y="10383"/>
+                  <a:pt x="6346" y="10490"/>
+                  <a:pt x="6477" y="10490"/>
+                </a:cubicBezTo>
+                <a:lnTo>
+                  <a:pt x="10513" y="10490"/>
+                </a:lnTo>
+                <a:cubicBezTo>
+                  <a:pt x="10644" y="10490"/>
+                  <a:pt x="10751" y="10383"/>
+                  <a:pt x="10751" y="10252"/>
+                </a:cubicBezTo>
+                <a:lnTo>
+                  <a:pt x="10751" y="9323"/>
+                </a:lnTo>
+                <a:cubicBezTo>
+                  <a:pt x="10751" y="9192"/>
+                  <a:pt x="10644" y="9085"/>
+                  <a:pt x="10513" y="9085"/>
+                </a:cubicBezTo>
+                <a:lnTo>
+                  <a:pt x="10120" y="9085"/>
+                </a:lnTo>
+                <a:lnTo>
+                  <a:pt x="10120" y="8061"/>
+                </a:lnTo>
+                <a:lnTo>
+                  <a:pt x="10513" y="8061"/>
+                </a:lnTo>
+                <a:cubicBezTo>
+                  <a:pt x="10644" y="8061"/>
+                  <a:pt x="10751" y="7954"/>
+                  <a:pt x="10751" y="7823"/>
+                </a:cubicBezTo>
+                <a:lnTo>
+                  <a:pt x="10751" y="6906"/>
+                </a:lnTo>
+                <a:cubicBezTo>
+                  <a:pt x="10751" y="6763"/>
+                  <a:pt x="10644" y="6668"/>
+                  <a:pt x="10513" y="6668"/>
+                </a:cubicBezTo>
+                <a:lnTo>
+                  <a:pt x="10073" y="6668"/>
+                </a:lnTo>
+                <a:cubicBezTo>
+                  <a:pt x="10109" y="6633"/>
+                  <a:pt x="10156" y="6609"/>
+                  <a:pt x="10180" y="6573"/>
+                </a:cubicBezTo>
+                <a:cubicBezTo>
+                  <a:pt x="10537" y="6216"/>
+                  <a:pt x="10728" y="5740"/>
+                  <a:pt x="10728" y="5239"/>
+                </a:cubicBezTo>
+                <a:cubicBezTo>
+                  <a:pt x="10728" y="4656"/>
+                  <a:pt x="10478" y="4144"/>
+                  <a:pt x="10073" y="3787"/>
+                </a:cubicBezTo>
+                <a:lnTo>
+                  <a:pt x="10513" y="3787"/>
+                </a:lnTo>
+                <a:cubicBezTo>
+                  <a:pt x="10644" y="3787"/>
+                  <a:pt x="10751" y="3692"/>
+                  <a:pt x="10751" y="3549"/>
+                </a:cubicBezTo>
+                <a:lnTo>
+                  <a:pt x="10751" y="2632"/>
+                </a:lnTo>
+                <a:cubicBezTo>
+                  <a:pt x="10751" y="2501"/>
+                  <a:pt x="10644" y="2394"/>
+                  <a:pt x="10513" y="2394"/>
+                </a:cubicBezTo>
+                <a:lnTo>
+                  <a:pt x="10120" y="2394"/>
+                </a:lnTo>
+                <a:lnTo>
+                  <a:pt x="10120" y="1370"/>
+                </a:lnTo>
+                <a:lnTo>
+                  <a:pt x="10513" y="1394"/>
+                </a:lnTo>
+                <a:cubicBezTo>
+                  <a:pt x="10644" y="1394"/>
+                  <a:pt x="10751" y="1287"/>
+                  <a:pt x="10751" y="1156"/>
+                </a:cubicBezTo>
+                <a:lnTo>
+                  <a:pt x="10751" y="239"/>
+                </a:lnTo>
+                <a:cubicBezTo>
+                  <a:pt x="10751" y="96"/>
+                  <a:pt x="10644" y="1"/>
+                  <a:pt x="10513" y="1"/>
+                </a:cubicBezTo>
+                <a:lnTo>
+                  <a:pt x="8942" y="1"/>
+                </a:lnTo>
+                <a:cubicBezTo>
+                  <a:pt x="8811" y="1"/>
+                  <a:pt x="8704" y="96"/>
+                  <a:pt x="8704" y="239"/>
+                </a:cubicBezTo>
+                <a:cubicBezTo>
+                  <a:pt x="8704" y="370"/>
+                  <a:pt x="8811" y="477"/>
+                  <a:pt x="8942" y="477"/>
+                </a:cubicBezTo>
+                <a:lnTo>
+                  <a:pt x="10287" y="477"/>
+                </a:lnTo>
+                <a:lnTo>
+                  <a:pt x="10287" y="929"/>
+                </a:lnTo>
+                <a:lnTo>
+                  <a:pt x="1905" y="929"/>
+                </a:lnTo>
+                <a:cubicBezTo>
+                  <a:pt x="1369" y="929"/>
+                  <a:pt x="941" y="1370"/>
+                  <a:pt x="941" y="1906"/>
+                </a:cubicBezTo>
+                <a:cubicBezTo>
+                  <a:pt x="941" y="2358"/>
+                  <a:pt x="1250" y="2751"/>
+                  <a:pt x="1679" y="2858"/>
+                </a:cubicBezTo>
+                <a:lnTo>
+                  <a:pt x="1679" y="3334"/>
+                </a:lnTo>
+                <a:cubicBezTo>
+                  <a:pt x="1381" y="3287"/>
+                  <a:pt x="1119" y="3156"/>
+                  <a:pt x="893" y="2930"/>
+                </a:cubicBezTo>
+                <a:cubicBezTo>
+                  <a:pt x="631" y="2656"/>
+                  <a:pt x="476" y="2287"/>
+                  <a:pt x="476" y="1918"/>
+                </a:cubicBezTo>
+                <a:cubicBezTo>
+                  <a:pt x="476" y="1132"/>
+                  <a:pt x="1119" y="477"/>
+                  <a:pt x="1917" y="477"/>
+                </a:cubicBezTo>
+                <a:lnTo>
+                  <a:pt x="7870" y="477"/>
+                </a:lnTo>
+                <a:cubicBezTo>
+                  <a:pt x="8013" y="477"/>
+                  <a:pt x="8108" y="370"/>
+                  <a:pt x="8108" y="239"/>
+                </a:cubicBezTo>
+                <a:cubicBezTo>
+                  <a:pt x="8108" y="96"/>
+                  <a:pt x="8013" y="1"/>
+                  <a:pt x="7870" y="1"/>
+                </a:cubicBezTo>
+                <a:close/>
+              </a:path>
+            </a:pathLst>
+          </a:custGeom>
+          <a:solidFill>
+            <a:schemeClr val="lt1"/>
+          </a:solidFill>
+          <a:ln>
+            <a:noFill/>
+          </a:ln>
+        </p:spPr>
+        <p:txBody>
+          <a:bodyPr spcFirstLastPara="1" wrap="square" lIns="91425" tIns="91425" rIns="91425" bIns="91425" anchor="ctr" anchorCtr="0">
+            <a:noAutofit/>
+          </a:bodyPr>
+          <a:lstStyle/>
+          <a:p>
+            <a:pPr marL="0" lvl="0" indent="0" algn="l" rtl="0">
+              <a:spcBef>
+                <a:spcPts val="0"/>
+              </a:spcBef>
+              <a:spcAft>
+                <a:spcPts val="0"/>
+              </a:spcAft>
+              <a:buNone/>
+            </a:pPr>
+            <a:endParaRPr/>
+          </a:p>
+        </p:txBody>
+      </p:sp>
+    </p:spTree>
+  </p:cSld>
+  <p:clrMapOvr>
+    <a:masterClrMapping/>
+  </p:clrMapOvr>
+  <mc:AlternateContent xmlns:mc="http://schemas.openxmlformats.org/markup-compatibility/2006" xmlns:p14="http://schemas.microsoft.com/office/powerpoint/2010/main">
+    <mc:Choice Requires="p14">
+      <p:transition spd="slow">
+        <p:push/>
+      </p:transition>
+    </mc:Choice>
+    <mc:Fallback xmlns:ahyp="http://schemas.microsoft.com/office/drawing/2018/hyperlinkcolor" xmlns:p15="http://schemas.microsoft.com/office/powerpoint/2012/main" xmlns:com="http://schemas.openxmlformats.org/drawingml/2006/compatibility" xmlns:pvml="urn:schemas-microsoft-com:office:powerpoint" xmlns:v="urn:schemas-microsoft-com:vml" xmlns:o="urn:schemas-microsoft-com:office:office" xmlns:dgm="http://schemas.openxmlformats.org/drawingml/2006/diagram" xmlns:c="http://schemas.openxmlformats.org/drawingml/2006/chart" xmlns:mv="urn:schemas-microsoft-com:mac:vml" xmlns="">
+      <p:transition spd="slow">
+        <p:fade/>
+      </p:transition>
+    </mc:Fallback>
+  </mc:AlternateContent>
+</p:sld>
+</file>
+
+<file path=ppt/slides/slide21.xml><?xml version="1.0" encoding="utf-8"?>
+<p:sld xmlns:a="http://schemas.openxmlformats.org/drawingml/2006/main" xmlns:r="http://schemas.openxmlformats.org/officeDocument/2006/relationships" xmlns:p="http://schemas.openxmlformats.org/presentationml/2006/main">
+  <p:cSld>
     <p:spTree>
       <p:nvGrpSpPr>
         <p:cNvPr id="1" name=""/>
@@ -32974,7 +33689,7 @@
           <p:cNvPr id="2" name="Subtítulo 1">
             <a:extLst>
               <a:ext uri="{FF2B5EF4-FFF2-40B4-BE49-F238E27FC236}">
-                <a16:creationId xmlns:a16="http://schemas.microsoft.com/office/drawing/2014/main" id="{1C447A43-FC21-7B63-B86A-220C0A2AED43}"/>
+                <a16:creationId xmlns:a16="http://schemas.microsoft.com/office/drawing/2014/main" xmlns="" id="{1C447A43-FC21-7B63-B86A-220C0A2AED43}"/>
               </a:ext>
             </a:extLst>
           </p:cNvPr>
@@ -32999,7 +33714,7 @@
           <p:cNvPr id="3" name="Subtítulo 2">
             <a:extLst>
               <a:ext uri="{FF2B5EF4-FFF2-40B4-BE49-F238E27FC236}">
-                <a16:creationId xmlns:a16="http://schemas.microsoft.com/office/drawing/2014/main" id="{8BC37D0D-5995-2ABF-8A49-49835A167D9A}"/>
+                <a16:creationId xmlns:a16="http://schemas.microsoft.com/office/drawing/2014/main" xmlns="" id="{8BC37D0D-5995-2ABF-8A49-49835A167D9A}"/>
               </a:ext>
             </a:extLst>
           </p:cNvPr>
@@ -33024,7 +33739,7 @@
           <p:cNvPr id="4" name="Subtítulo 3">
             <a:extLst>
               <a:ext uri="{FF2B5EF4-FFF2-40B4-BE49-F238E27FC236}">
-                <a16:creationId xmlns:a16="http://schemas.microsoft.com/office/drawing/2014/main" id="{6C61D08D-26C2-9C13-1590-EF67E4C6571E}"/>
+                <a16:creationId xmlns:a16="http://schemas.microsoft.com/office/drawing/2014/main" xmlns="" id="{6C61D08D-26C2-9C13-1590-EF67E4C6571E}"/>
               </a:ext>
             </a:extLst>
           </p:cNvPr>
@@ -33049,7 +33764,7 @@
           <p:cNvPr id="5" name="Subtítulo 4">
             <a:extLst>
               <a:ext uri="{FF2B5EF4-FFF2-40B4-BE49-F238E27FC236}">
-                <a16:creationId xmlns:a16="http://schemas.microsoft.com/office/drawing/2014/main" id="{6D6281F6-9140-CFB7-A805-C7AA48217CC0}"/>
+                <a16:creationId xmlns:a16="http://schemas.microsoft.com/office/drawing/2014/main" xmlns="" id="{6D6281F6-9140-CFB7-A805-C7AA48217CC0}"/>
               </a:ext>
             </a:extLst>
           </p:cNvPr>
@@ -33074,7 +33789,7 @@
           <p:cNvPr id="6" name="Título 5">
             <a:extLst>
               <a:ext uri="{FF2B5EF4-FFF2-40B4-BE49-F238E27FC236}">
-                <a16:creationId xmlns:a16="http://schemas.microsoft.com/office/drawing/2014/main" id="{3FD79D12-B5D9-AE74-800E-42DCD3AE9565}"/>
+                <a16:creationId xmlns:a16="http://schemas.microsoft.com/office/drawing/2014/main" xmlns="" id="{3FD79D12-B5D9-AE74-800E-42DCD3AE9565}"/>
               </a:ext>
             </a:extLst>
           </p:cNvPr>
@@ -33107,7 +33822,7 @@
 </p:sld>
 </file>
 
-<file path=ppt/slides/slide21.xml><?xml version="1.0" encoding="utf-8"?>
+<file path=ppt/slides/slide22.xml><?xml version="1.0" encoding="utf-8"?>
 <p:sld xmlns:a="http://schemas.openxmlformats.org/drawingml/2006/main" xmlns:r="http://schemas.openxmlformats.org/officeDocument/2006/relationships" xmlns:p="http://schemas.openxmlformats.org/presentationml/2006/main">
   <p:cSld>
     <p:bg>
@@ -33190,7 +33905,7 @@
         <p:push/>
       </p:transition>
     </mc:Choice>
-    <mc:Fallback xmlns="" xmlns:mv="urn:schemas-microsoft-com:mac:vml" xmlns:c="http://schemas.openxmlformats.org/drawingml/2006/chart" xmlns:dgm="http://schemas.openxmlformats.org/drawingml/2006/diagram" xmlns:o="urn:schemas-microsoft-com:office:office" xmlns:v="urn:schemas-microsoft-com:vml" xmlns:pvml="urn:schemas-microsoft-com:office:powerpoint" xmlns:com="http://schemas.openxmlformats.org/drawingml/2006/compatibility" xmlns:p15="http://schemas.microsoft.com/office/powerpoint/2012/main" xmlns:ahyp="http://schemas.microsoft.com/office/drawing/2018/hyperlinkcolor">
+    <mc:Fallback xmlns:ahyp="http://schemas.microsoft.com/office/drawing/2018/hyperlinkcolor" xmlns:p15="http://schemas.microsoft.com/office/powerpoint/2012/main" xmlns:com="http://schemas.openxmlformats.org/drawingml/2006/compatibility" xmlns:pvml="urn:schemas-microsoft-com:office:powerpoint" xmlns:v="urn:schemas-microsoft-com:vml" xmlns:o="urn:schemas-microsoft-com:office:office" xmlns:dgm="http://schemas.openxmlformats.org/drawingml/2006/diagram" xmlns:c="http://schemas.openxmlformats.org/drawingml/2006/chart" xmlns:mv="urn:schemas-microsoft-com:mac:vml" xmlns="">
       <p:transition spd="slow">
         <p:fade/>
       </p:transition>
@@ -33298,14 +34013,14 @@
                 <a:gridCol w="2019366">
                   <a:extLst>
                     <a:ext uri="{9D8B030D-6E8A-4147-A177-3AD203B41FA5}">
-                      <a16:colId xmlns:a16="http://schemas.microsoft.com/office/drawing/2014/main" val="20000"/>
+                      <a16:colId xmlns:a16="http://schemas.microsoft.com/office/drawing/2014/main" xmlns="" val="20000"/>
                     </a:ext>
                   </a:extLst>
                 </a:gridCol>
                 <a:gridCol w="3918764">
                   <a:extLst>
                     <a:ext uri="{9D8B030D-6E8A-4147-A177-3AD203B41FA5}">
-                      <a16:colId xmlns:a16="http://schemas.microsoft.com/office/drawing/2014/main" val="20001"/>
+                      <a16:colId xmlns:a16="http://schemas.microsoft.com/office/drawing/2014/main" xmlns="" val="20001"/>
                     </a:ext>
                   </a:extLst>
                 </a:gridCol>
@@ -33471,7 +34186,7 @@
                 </a:tc>
                 <a:extLst>
                   <a:ext uri="{0D108BD9-81ED-4DB2-BD59-A6C34878D82A}">
-                    <a16:rowId xmlns:a16="http://schemas.microsoft.com/office/drawing/2014/main" val="10000"/>
+                    <a16:rowId xmlns:a16="http://schemas.microsoft.com/office/drawing/2014/main" xmlns="" val="10000"/>
                   </a:ext>
                 </a:extLst>
               </a:tr>
@@ -33643,7 +34358,7 @@
                 </a:tc>
                 <a:extLst>
                   <a:ext uri="{0D108BD9-81ED-4DB2-BD59-A6C34878D82A}">
-                    <a16:rowId xmlns:a16="http://schemas.microsoft.com/office/drawing/2014/main" val="10001"/>
+                    <a16:rowId xmlns:a16="http://schemas.microsoft.com/office/drawing/2014/main" xmlns="" val="10001"/>
                   </a:ext>
                 </a:extLst>
               </a:tr>
@@ -33808,7 +34523,7 @@
                 </a:tc>
                 <a:extLst>
                   <a:ext uri="{0D108BD9-81ED-4DB2-BD59-A6C34878D82A}">
-                    <a16:rowId xmlns:a16="http://schemas.microsoft.com/office/drawing/2014/main" val="10002"/>
+                    <a16:rowId xmlns:a16="http://schemas.microsoft.com/office/drawing/2014/main" xmlns="" val="10002"/>
                   </a:ext>
                 </a:extLst>
               </a:tr>
@@ -33967,7 +34682,7 @@
                 </a:tc>
                 <a:extLst>
                   <a:ext uri="{0D108BD9-81ED-4DB2-BD59-A6C34878D82A}">
-                    <a16:rowId xmlns:a16="http://schemas.microsoft.com/office/drawing/2014/main" val="10003"/>
+                    <a16:rowId xmlns:a16="http://schemas.microsoft.com/office/drawing/2014/main" xmlns="" val="10003"/>
                   </a:ext>
                 </a:extLst>
               </a:tr>
@@ -34135,7 +34850,7 @@
                 </a:tc>
                 <a:extLst>
                   <a:ext uri="{0D108BD9-81ED-4DB2-BD59-A6C34878D82A}">
-                    <a16:rowId xmlns:a16="http://schemas.microsoft.com/office/drawing/2014/main" val="10004"/>
+                    <a16:rowId xmlns:a16="http://schemas.microsoft.com/office/drawing/2014/main" xmlns="" val="10004"/>
                   </a:ext>
                 </a:extLst>
               </a:tr>
@@ -34314,7 +35029,7 @@
                 </a:tc>
                 <a:extLst>
                   <a:ext uri="{0D108BD9-81ED-4DB2-BD59-A6C34878D82A}">
-                    <a16:rowId xmlns:a16="http://schemas.microsoft.com/office/drawing/2014/main" val="10005"/>
+                    <a16:rowId xmlns:a16="http://schemas.microsoft.com/office/drawing/2014/main" xmlns="" val="10005"/>
                   </a:ext>
                 </a:extLst>
               </a:tr>
@@ -34333,7 +35048,7 @@
         <p:push/>
       </p:transition>
     </mc:Choice>
-    <mc:Fallback xmlns="" xmlns:mv="urn:schemas-microsoft-com:mac:vml" xmlns:c="http://schemas.openxmlformats.org/drawingml/2006/chart" xmlns:dgm="http://schemas.openxmlformats.org/drawingml/2006/diagram" xmlns:o="urn:schemas-microsoft-com:office:office" xmlns:v="urn:schemas-microsoft-com:vml" xmlns:pvml="urn:schemas-microsoft-com:office:powerpoint" xmlns:com="http://schemas.openxmlformats.org/drawingml/2006/compatibility" xmlns:p15="http://schemas.microsoft.com/office/powerpoint/2012/main" xmlns:ahyp="http://schemas.microsoft.com/office/drawing/2018/hyperlinkcolor">
+    <mc:Fallback xmlns:ahyp="http://schemas.microsoft.com/office/drawing/2018/hyperlinkcolor" xmlns:p15="http://schemas.microsoft.com/office/powerpoint/2012/main" xmlns:com="http://schemas.openxmlformats.org/drawingml/2006/compatibility" xmlns:pvml="urn:schemas-microsoft-com:office:powerpoint" xmlns:v="urn:schemas-microsoft-com:vml" xmlns:o="urn:schemas-microsoft-com:office:office" xmlns:dgm="http://schemas.openxmlformats.org/drawingml/2006/diagram" xmlns:c="http://schemas.openxmlformats.org/drawingml/2006/chart" xmlns:mv="urn:schemas-microsoft-com:mac:vml" xmlns="">
       <p:transition spd="slow">
         <p:fade/>
       </p:transition>
@@ -34374,7 +35089,7 @@
       </p:grpSpPr>
       <p:sp>
         <p:nvSpPr>
-          <p:cNvPr id="380" name="Google Shape;380;p55">
+          <p:cNvPr id="8" name="Google Shape;380;p55">
             <a:hlinkClick r:id="rId4" action="ppaction://hlinksldjump"/>
           </p:cNvPr>
           <p:cNvSpPr txBox="1">
@@ -34386,7 +35101,7 @@
         </p:nvSpPr>
         <p:spPr>
           <a:xfrm>
-            <a:off x="3070500" y="1219313"/>
+            <a:off x="1247238" y="278787"/>
             <a:ext cx="4167582" cy="484800"/>
           </a:xfrm>
           <a:prstGeom prst="rect">
@@ -34409,16 +35124,16 @@
               <a:buNone/>
             </a:pPr>
             <a:r>
-              <a:rPr lang="en" dirty="0"/>
-              <a:t>Enunciado del Problema</a:t>
+              <a:rPr lang="en" b="1" dirty="0" smtClean="0"/>
+              <a:t>ENUNCIADO DEL PROBLEMA</a:t>
             </a:r>
-            <a:endParaRPr dirty="0"/>
+            <a:endParaRPr b="1" dirty="0"/>
           </a:p>
         </p:txBody>
       </p:sp>
       <p:sp>
         <p:nvSpPr>
-          <p:cNvPr id="381" name="Google Shape;381;p55">
+          <p:cNvPr id="9" name="Google Shape;381;p55">
             <a:hlinkClick r:id="rId4" action="ppaction://hlinksldjump"/>
           </p:cNvPr>
           <p:cNvSpPr txBox="1">
@@ -34430,7 +35145,7 @@
         </p:nvSpPr>
         <p:spPr>
           <a:xfrm>
-            <a:off x="3070500" y="626138"/>
+            <a:off x="640809" y="299566"/>
             <a:ext cx="1275300" cy="593400"/>
           </a:xfrm>
           <a:prstGeom prst="rect">
@@ -34453,91 +35168,75 @@
               <a:buNone/>
             </a:pPr>
             <a:r>
-              <a:rPr lang="en"/>
+              <a:rPr lang="en" b="1" dirty="0"/>
               <a:t>01</a:t>
             </a:r>
-            <a:endParaRPr/>
+            <a:endParaRPr b="1" dirty="0"/>
           </a:p>
         </p:txBody>
       </p:sp>
       <p:pic>
         <p:nvPicPr>
-          <p:cNvPr id="5" name="Imagen 4">
-            <a:extLst>
-              <a:ext uri="{FF2B5EF4-FFF2-40B4-BE49-F238E27FC236}">
-                <a16:creationId xmlns:a16="http://schemas.microsoft.com/office/drawing/2014/main" id="{10970EE0-6F3F-D669-CFC6-F27674F0EFDC}"/>
-              </a:ext>
-            </a:extLst>
-          </p:cNvPr>
+          <p:cNvPr id="1026" name="Picture 2"/>
           <p:cNvPicPr>
-            <a:picLocks noChangeAspect="1"/>
+            <a:picLocks noChangeAspect="1" noChangeArrowheads="1"/>
           </p:cNvPicPr>
           <p:nvPr/>
         </p:nvPicPr>
         <p:blipFill>
           <a:blip r:embed="rId5">
-            <a:clrChange>
-              <a:clrFrom>
-                <a:srgbClr val="FFFFFF"/>
-              </a:clrFrom>
-              <a:clrTo>
-                <a:srgbClr val="FFFFFF">
-                  <a:alpha val="0"/>
-                </a:srgbClr>
-              </a:clrTo>
-            </a:clrChange>
+            <a:extLst>
+              <a:ext uri="{28A0092B-C50C-407E-A947-70E740481C1C}">
+                <a14:useLocalDpi xmlns:a14="http://schemas.microsoft.com/office/drawing/2010/main" val="0"/>
+              </a:ext>
+            </a:extLst>
           </a:blip>
+          <a:srcRect/>
           <a:stretch>
             <a:fillRect/>
           </a:stretch>
         </p:blipFill>
-        <p:spPr>
+        <p:spPr bwMode="auto">
           <a:xfrm>
-            <a:off x="3903489" y="1461713"/>
-            <a:ext cx="5240511" cy="3400198"/>
+            <a:off x="2915922" y="1181326"/>
+            <a:ext cx="5766412" cy="3638867"/>
           </a:xfrm>
           <a:prstGeom prst="rect">
             <a:avLst/>
           </a:prstGeom>
-        </p:spPr>
-      </p:pic>
-      <p:pic>
-        <p:nvPicPr>
-          <p:cNvPr id="12" name="Gráfico 11">
-            <a:extLst>
-              <a:ext uri="{FF2B5EF4-FFF2-40B4-BE49-F238E27FC236}">
-                <a16:creationId xmlns:a16="http://schemas.microsoft.com/office/drawing/2014/main" id="{AC7AEACD-5DDE-2486-85F1-679C7340A5A3}"/>
-              </a:ext>
-            </a:extLst>
-          </p:cNvPr>
-          <p:cNvPicPr>
-            <a:picLocks noChangeAspect="1"/>
-          </p:cNvPicPr>
-          <p:nvPr/>
-        </p:nvPicPr>
-        <p:blipFill>
-          <a:blip r:embed="rId6">
-            <a:extLst>
-              <a:ext uri="{96DAC541-7B7A-43D3-8B79-37D633B846F1}">
-                <asvg:svgBlip xmlns:asvg="http://schemas.microsoft.com/office/drawing/2016/SVG/main" r:embed="rId7"/>
-              </a:ext>
-              <a:ext uri="{837473B0-CC2E-450A-ABE3-18F120FF3D39}">
-                <a1611:picAttrSrcUrl xmlns:a1611="http://schemas.microsoft.com/office/drawing/2016/11/main" r:id="rId8"/>
-              </a:ext>
-            </a:extLst>
-          </a:blip>
-          <a:stretch>
-            <a:fillRect/>
-          </a:stretch>
-        </p:blipFill>
-        <p:spPr>
-          <a:xfrm>
-            <a:off x="984513" y="2682051"/>
-            <a:ext cx="1183922" cy="1718498"/>
-          </a:xfrm>
-          <a:prstGeom prst="rect">
-            <a:avLst/>
-          </a:prstGeom>
+          <a:noFill/>
+          <a:ln>
+            <a:noFill/>
+          </a:ln>
+          <a:effectLst/>
+          <a:extLst>
+            <a:ext uri="{909E8E84-426E-40DD-AFC4-6F175D3DCCD1}">
+              <a14:hiddenFill xmlns:a14="http://schemas.microsoft.com/office/drawing/2010/main">
+                <a:solidFill>
+                  <a:schemeClr val="accent1"/>
+                </a:solidFill>
+              </a14:hiddenFill>
+            </a:ext>
+            <a:ext uri="{91240B29-F687-4F45-9708-019B960494DF}">
+              <a14:hiddenLine xmlns:a14="http://schemas.microsoft.com/office/drawing/2010/main" w="9525">
+                <a:solidFill>
+                  <a:schemeClr val="tx1"/>
+                </a:solidFill>
+                <a:miter lim="800000"/>
+                <a:headEnd/>
+                <a:tailEnd/>
+              </a14:hiddenLine>
+            </a:ext>
+            <a:ext uri="{AF507438-7753-43E0-B8FC-AC1667EBCBE1}">
+              <a14:hiddenEffects xmlns:a14="http://schemas.microsoft.com/office/drawing/2010/main">
+                <a:effectLst>
+                  <a:outerShdw dist="35921" dir="2700000" algn="ctr" rotWithShape="0">
+                    <a:schemeClr val="bg2"/>
+                  </a:outerShdw>
+                </a:effectLst>
+              </a14:hiddenEffects>
+            </a:ext>
+          </a:extLst>
         </p:spPr>
       </p:pic>
     </p:spTree>
@@ -34551,7 +35250,7 @@
         <p:push/>
       </p:transition>
     </mc:Choice>
-    <mc:Fallback xmlns="" xmlns:mv="urn:schemas-microsoft-com:mac:vml" xmlns:c="http://schemas.openxmlformats.org/drawingml/2006/chart" xmlns:dgm="http://schemas.openxmlformats.org/drawingml/2006/diagram" xmlns:o="urn:schemas-microsoft-com:office:office" xmlns:v="urn:schemas-microsoft-com:vml" xmlns:pvml="urn:schemas-microsoft-com:office:powerpoint" xmlns:com="http://schemas.openxmlformats.org/drawingml/2006/compatibility" xmlns:p15="http://schemas.microsoft.com/office/powerpoint/2012/main" xmlns:ahyp="http://schemas.microsoft.com/office/drawing/2018/hyperlinkcolor">
+    <mc:Fallback xmlns:ahyp="http://schemas.microsoft.com/office/drawing/2018/hyperlinkcolor" xmlns:p15="http://schemas.microsoft.com/office/powerpoint/2012/main" xmlns:com="http://schemas.openxmlformats.org/drawingml/2006/compatibility" xmlns:pvml="urn:schemas-microsoft-com:office:powerpoint" xmlns:v="urn:schemas-microsoft-com:vml" xmlns:o="urn:schemas-microsoft-com:office:office" xmlns:dgm="http://schemas.openxmlformats.org/drawingml/2006/diagram" xmlns:c="http://schemas.openxmlformats.org/drawingml/2006/chart" xmlns:mv="urn:schemas-microsoft-com:mac:vml" xmlns="">
       <p:transition spd="slow">
         <p:fade/>
       </p:transition>
@@ -34591,7 +35290,7 @@
                                           </p:stCondLst>
                                         </p:cTn>
                                         <p:tgtEl>
-                                          <p:spTgt spid="380"/>
+                                          <p:spTgt spid="8"/>
                                         </p:tgtEl>
                                         <p:attrNameLst>
                                           <p:attrName>style.visibility</p:attrName>
@@ -34605,7 +35304,7 @@
                                       <p:cBhvr>
                                         <p:cTn id="7" dur="1000"/>
                                         <p:tgtEl>
-                                          <p:spTgt spid="380"/>
+                                          <p:spTgt spid="8"/>
                                         </p:tgtEl>
                                       </p:cBhvr>
                                     </p:animEffect>
@@ -34626,7 +35325,7 @@
                                           </p:stCondLst>
                                         </p:cTn>
                                         <p:tgtEl>
-                                          <p:spTgt spid="381"/>
+                                          <p:spTgt spid="9"/>
                                         </p:tgtEl>
                                         <p:attrNameLst>
                                           <p:attrName>style.visibility</p:attrName>
@@ -34640,7 +35339,7 @@
                                       <p:cBhvr>
                                         <p:cTn id="10" dur="1000"/>
                                         <p:tgtEl>
-                                          <p:spTgt spid="381"/>
+                                          <p:spTgt spid="9"/>
                                         </p:tgtEl>
                                       </p:cBhvr>
                                     </p:animEffect>
@@ -34722,7 +35421,7 @@
         </p:nvSpPr>
         <p:spPr>
           <a:xfrm>
-            <a:off x="3070500" y="1219313"/>
+            <a:off x="1247238" y="278787"/>
             <a:ext cx="4167582" cy="484800"/>
           </a:xfrm>
           <a:prstGeom prst="rect">
@@ -34745,10 +35444,10 @@
               <a:buNone/>
             </a:pPr>
             <a:r>
-              <a:rPr lang="en" dirty="0"/>
-              <a:t>Enunciado del Problema</a:t>
+              <a:rPr lang="en" b="1" dirty="0" smtClean="0"/>
+              <a:t>ENUNCIADO DEL PROBLEMA</a:t>
             </a:r>
-            <a:endParaRPr dirty="0"/>
+            <a:endParaRPr b="1" dirty="0"/>
           </a:p>
         </p:txBody>
       </p:sp>
@@ -34766,7 +35465,7 @@
         </p:nvSpPr>
         <p:spPr>
           <a:xfrm>
-            <a:off x="3070500" y="626138"/>
+            <a:off x="640809" y="299566"/>
             <a:ext cx="1275300" cy="593400"/>
           </a:xfrm>
           <a:prstGeom prst="rect">
@@ -34789,10 +35488,10 @@
               <a:buNone/>
             </a:pPr>
             <a:r>
-              <a:rPr lang="en"/>
+              <a:rPr lang="en" b="1" dirty="0"/>
               <a:t>01</a:t>
             </a:r>
-            <a:endParaRPr/>
+            <a:endParaRPr b="1" dirty="0"/>
           </a:p>
         </p:txBody>
       </p:sp>
@@ -34801,7 +35500,7 @@
           <p:cNvPr id="3" name="CuadroTexto 2">
             <a:extLst>
               <a:ext uri="{FF2B5EF4-FFF2-40B4-BE49-F238E27FC236}">
-                <a16:creationId xmlns:a16="http://schemas.microsoft.com/office/drawing/2014/main" id="{787BC1E5-A396-17E1-A987-B9AD9B533C06}"/>
+                <a16:creationId xmlns:a16="http://schemas.microsoft.com/office/drawing/2014/main" xmlns="" id="{787BC1E5-A396-17E1-A987-B9AD9B533C06}"/>
               </a:ext>
             </a:extLst>
           </p:cNvPr>
@@ -34810,7 +35509,7 @@
         </p:nvSpPr>
         <p:spPr>
           <a:xfrm>
-            <a:off x="2377440" y="1727215"/>
+            <a:off x="2377440" y="998612"/>
             <a:ext cx="6766560" cy="3347840"/>
           </a:xfrm>
           <a:prstGeom prst="rect">
@@ -35213,7 +35912,7 @@
               </a:spcAft>
               <a:buNone/>
             </a:pPr>
-            <a:endParaRPr/>
+            <a:endParaRPr dirty="0"/>
           </a:p>
         </p:txBody>
       </p:sp>
@@ -35228,7 +35927,7 @@
         <p:push/>
       </p:transition>
     </mc:Choice>
-    <mc:Fallback xmlns="" xmlns:mv="urn:schemas-microsoft-com:mac:vml" xmlns:c="http://schemas.openxmlformats.org/drawingml/2006/chart" xmlns:dgm="http://schemas.openxmlformats.org/drawingml/2006/diagram" xmlns:o="urn:schemas-microsoft-com:office:office" xmlns:v="urn:schemas-microsoft-com:vml" xmlns:pvml="urn:schemas-microsoft-com:office:powerpoint" xmlns:com="http://schemas.openxmlformats.org/drawingml/2006/compatibility" xmlns:p15="http://schemas.microsoft.com/office/powerpoint/2012/main" xmlns:ahyp="http://schemas.microsoft.com/office/drawing/2018/hyperlinkcolor">
+    <mc:Fallback xmlns:ahyp="http://schemas.microsoft.com/office/drawing/2018/hyperlinkcolor" xmlns:p15="http://schemas.microsoft.com/office/powerpoint/2012/main" xmlns:com="http://schemas.openxmlformats.org/drawingml/2006/compatibility" xmlns:pvml="urn:schemas-microsoft-com:office:powerpoint" xmlns:v="urn:schemas-microsoft-com:vml" xmlns:o="urn:schemas-microsoft-com:office:office" xmlns:dgm="http://schemas.openxmlformats.org/drawingml/2006/diagram" xmlns:c="http://schemas.openxmlformats.org/drawingml/2006/chart" xmlns:mv="urn:schemas-microsoft-com:mac:vml" xmlns="">
       <p:transition spd="slow">
         <p:fade/>
       </p:transition>
@@ -35509,6 +36208,1172 @@
         </p:nvSpPr>
         <p:spPr>
           <a:xfrm>
+            <a:off x="1499390" y="159117"/>
+            <a:ext cx="4493322" cy="484800"/>
+          </a:xfrm>
+          <a:prstGeom prst="rect">
+            <a:avLst/>
+          </a:prstGeom>
+        </p:spPr>
+        <p:txBody>
+          <a:bodyPr spcFirstLastPara="1" wrap="square" lIns="91425" tIns="91425" rIns="91425" bIns="91425" anchor="b" anchorCtr="0">
+            <a:noAutofit/>
+          </a:bodyPr>
+          <a:lstStyle/>
+          <a:p>
+            <a:pPr marL="0" lvl="0" indent="0" algn="l" rtl="0">
+              <a:spcBef>
+                <a:spcPts val="0"/>
+              </a:spcBef>
+              <a:spcAft>
+                <a:spcPts val="0"/>
+              </a:spcAft>
+              <a:buNone/>
+            </a:pPr>
+            <a:r>
+              <a:rPr lang="en" b="1" dirty="0" smtClean="0"/>
+              <a:t>PLANTEAMIENTO DEL PROBLEMA</a:t>
+            </a:r>
+            <a:endParaRPr b="1" dirty="0"/>
+          </a:p>
+        </p:txBody>
+      </p:sp>
+      <p:sp>
+        <p:nvSpPr>
+          <p:cNvPr id="397" name="Google Shape;397;p56">
+            <a:hlinkClick r:id="rId3" action="ppaction://hlinksldjump"/>
+          </p:cNvPr>
+          <p:cNvSpPr txBox="1">
+            <a:spLocks noGrp="1"/>
+          </p:cNvSpPr>
+          <p:nvPr>
+            <p:ph type="title" idx="2"/>
+          </p:nvPr>
+        </p:nvSpPr>
+        <p:spPr>
+          <a:xfrm>
+            <a:off x="837104" y="104817"/>
+            <a:ext cx="2468100" cy="593400"/>
+          </a:xfrm>
+          <a:prstGeom prst="rect">
+            <a:avLst/>
+          </a:prstGeom>
+        </p:spPr>
+        <p:txBody>
+          <a:bodyPr spcFirstLastPara="1" wrap="square" lIns="91425" tIns="91425" rIns="91425" bIns="91425" anchor="b" anchorCtr="0">
+            <a:noAutofit/>
+          </a:bodyPr>
+          <a:lstStyle/>
+          <a:p>
+            <a:pPr marL="0" lvl="0" indent="0" algn="l" rtl="0">
+              <a:spcBef>
+                <a:spcPts val="0"/>
+              </a:spcBef>
+              <a:spcAft>
+                <a:spcPts val="0"/>
+              </a:spcAft>
+              <a:buNone/>
+            </a:pPr>
+            <a:r>
+              <a:rPr lang="en" dirty="0"/>
+              <a:t>02</a:t>
+            </a:r>
+            <a:endParaRPr dirty="0"/>
+          </a:p>
+        </p:txBody>
+      </p:sp>
+      <p:sp>
+        <p:nvSpPr>
+          <p:cNvPr id="10" name="9 Rectángulo"/>
+          <p:cNvSpPr/>
+          <p:nvPr/>
+        </p:nvSpPr>
+        <p:spPr>
+          <a:xfrm>
+            <a:off x="6108700" y="4593091"/>
+            <a:ext cx="3035300" cy="438582"/>
+          </a:xfrm>
+          <a:prstGeom prst="rect">
+            <a:avLst/>
+          </a:prstGeom>
+        </p:spPr>
+        <p:txBody>
+          <a:bodyPr wrap="square">
+            <a:spAutoFit/>
+          </a:bodyPr>
+          <a:lstStyle/>
+          <a:p>
+            <a:r>
+              <a:rPr lang="es-ES" sz="1200" i="1" dirty="0"/>
+              <a:t>Trabajo deprisa para vivir despacio.</a:t>
+            </a:r>
+          </a:p>
+          <a:p>
+            <a:r>
+              <a:rPr lang="es-ES" sz="1050" dirty="0"/>
+              <a:t>Montserrat Caballé </a:t>
+            </a:r>
+            <a:endParaRPr lang="es-SV" sz="1050" dirty="0"/>
+          </a:p>
+        </p:txBody>
+      </p:sp>
+      <p:sp>
+        <p:nvSpPr>
+          <p:cNvPr id="11" name="10 Triángulo isósceles"/>
+          <p:cNvSpPr/>
+          <p:nvPr/>
+        </p:nvSpPr>
+        <p:spPr>
+          <a:xfrm rot="5400000">
+            <a:off x="54451" y="2259967"/>
+            <a:ext cx="1195387" cy="793750"/>
+          </a:xfrm>
+          <a:prstGeom prst="triangle">
+            <a:avLst/>
+          </a:prstGeom>
+        </p:spPr>
+        <p:style>
+          <a:lnRef idx="2">
+            <a:schemeClr val="accent1">
+              <a:shade val="50000"/>
+            </a:schemeClr>
+          </a:lnRef>
+          <a:fillRef idx="1">
+            <a:schemeClr val="accent1"/>
+          </a:fillRef>
+          <a:effectRef idx="0">
+            <a:schemeClr val="accent1"/>
+          </a:effectRef>
+          <a:fontRef idx="minor">
+            <a:schemeClr val="lt1"/>
+          </a:fontRef>
+        </p:style>
+        <p:txBody>
+          <a:bodyPr rtlCol="0" anchor="ctr"/>
+          <a:lstStyle/>
+          <a:p>
+            <a:pPr algn="ctr"/>
+            <a:endParaRPr lang="es-SV" dirty="0"/>
+          </a:p>
+        </p:txBody>
+      </p:sp>
+      <p:cxnSp>
+        <p:nvCxnSpPr>
+          <p:cNvPr id="12" name="11 Conector recto de flecha"/>
+          <p:cNvCxnSpPr>
+            <a:stCxn id="11" idx="0"/>
+            <a:endCxn id="13" idx="2"/>
+          </p:cNvCxnSpPr>
+          <p:nvPr/>
+        </p:nvCxnSpPr>
+        <p:spPr>
+          <a:xfrm flipV="1">
+            <a:off x="1049020" y="2613286"/>
+            <a:ext cx="7328207" cy="43557"/>
+          </a:xfrm>
+          <a:prstGeom prst="straightConnector1">
+            <a:avLst/>
+          </a:prstGeom>
+          <a:ln>
+            <a:tailEnd type="arrow"/>
+          </a:ln>
+        </p:spPr>
+        <p:style>
+          <a:lnRef idx="3">
+            <a:schemeClr val="accent5"/>
+          </a:lnRef>
+          <a:fillRef idx="0">
+            <a:schemeClr val="accent5"/>
+          </a:fillRef>
+          <a:effectRef idx="2">
+            <a:schemeClr val="accent5"/>
+          </a:effectRef>
+          <a:fontRef idx="minor">
+            <a:schemeClr val="tx1"/>
+          </a:fontRef>
+        </p:style>
+      </p:cxnSp>
+      <p:sp>
+        <p:nvSpPr>
+          <p:cNvPr id="13" name="12 Acorde"/>
+          <p:cNvSpPr/>
+          <p:nvPr/>
+        </p:nvSpPr>
+        <p:spPr>
+          <a:xfrm rot="10800000">
+            <a:off x="7080460" y="1727329"/>
+            <a:ext cx="2063539" cy="1769936"/>
+          </a:xfrm>
+          <a:prstGeom prst="chord">
+            <a:avLst>
+              <a:gd name="adj1" fmla="val 6449930"/>
+              <a:gd name="adj2" fmla="val 15184133"/>
+            </a:avLst>
+          </a:prstGeom>
+        </p:spPr>
+        <p:style>
+          <a:lnRef idx="2">
+            <a:schemeClr val="accent1">
+              <a:shade val="50000"/>
+            </a:schemeClr>
+          </a:lnRef>
+          <a:fillRef idx="1">
+            <a:schemeClr val="accent1"/>
+          </a:fillRef>
+          <a:effectRef idx="0">
+            <a:schemeClr val="accent1"/>
+          </a:effectRef>
+          <a:fontRef idx="minor">
+            <a:schemeClr val="lt1"/>
+          </a:fontRef>
+        </p:style>
+        <p:txBody>
+          <a:bodyPr rtlCol="0" anchor="ctr"/>
+          <a:lstStyle/>
+          <a:p>
+            <a:pPr algn="ctr"/>
+            <a:endParaRPr lang="es-SV" dirty="0"/>
+          </a:p>
+        </p:txBody>
+      </p:sp>
+      <p:cxnSp>
+        <p:nvCxnSpPr>
+          <p:cNvPr id="14" name="13 Conector recto de flecha"/>
+          <p:cNvCxnSpPr/>
+          <p:nvPr/>
+        </p:nvCxnSpPr>
+        <p:spPr>
+          <a:xfrm flipH="1" flipV="1">
+            <a:off x="1397726" y="1188720"/>
+            <a:ext cx="1440089" cy="1468123"/>
+          </a:xfrm>
+          <a:prstGeom prst="straightConnector1">
+            <a:avLst/>
+          </a:prstGeom>
+          <a:ln>
+            <a:tailEnd type="arrow"/>
+          </a:ln>
+        </p:spPr>
+        <p:style>
+          <a:lnRef idx="3">
+            <a:schemeClr val="accent5"/>
+          </a:lnRef>
+          <a:fillRef idx="0">
+            <a:schemeClr val="accent5"/>
+          </a:fillRef>
+          <a:effectRef idx="2">
+            <a:schemeClr val="accent5"/>
+          </a:effectRef>
+          <a:fontRef idx="minor">
+            <a:schemeClr val="tx1"/>
+          </a:fontRef>
+        </p:style>
+      </p:cxnSp>
+      <p:cxnSp>
+        <p:nvCxnSpPr>
+          <p:cNvPr id="15" name="14 Conector recto de flecha"/>
+          <p:cNvCxnSpPr/>
+          <p:nvPr/>
+        </p:nvCxnSpPr>
+        <p:spPr>
+          <a:xfrm flipH="1" flipV="1">
+            <a:off x="3461657" y="1035383"/>
+            <a:ext cx="1224462" cy="1569866"/>
+          </a:xfrm>
+          <a:prstGeom prst="straightConnector1">
+            <a:avLst/>
+          </a:prstGeom>
+          <a:ln>
+            <a:tailEnd type="arrow"/>
+          </a:ln>
+        </p:spPr>
+        <p:style>
+          <a:lnRef idx="3">
+            <a:schemeClr val="accent5"/>
+          </a:lnRef>
+          <a:fillRef idx="0">
+            <a:schemeClr val="accent5"/>
+          </a:fillRef>
+          <a:effectRef idx="2">
+            <a:schemeClr val="accent5"/>
+          </a:effectRef>
+          <a:fontRef idx="minor">
+            <a:schemeClr val="tx1"/>
+          </a:fontRef>
+        </p:style>
+      </p:cxnSp>
+      <p:cxnSp>
+        <p:nvCxnSpPr>
+          <p:cNvPr id="16" name="15 Conector recto de flecha"/>
+          <p:cNvCxnSpPr>
+            <a:endCxn id="19" idx="2"/>
+          </p:cNvCxnSpPr>
+          <p:nvPr/>
+        </p:nvCxnSpPr>
+        <p:spPr>
+          <a:xfrm flipH="1" flipV="1">
+            <a:off x="5784003" y="1035383"/>
+            <a:ext cx="1401807" cy="1631620"/>
+          </a:xfrm>
+          <a:prstGeom prst="straightConnector1">
+            <a:avLst/>
+          </a:prstGeom>
+          <a:ln>
+            <a:tailEnd type="arrow"/>
+          </a:ln>
+        </p:spPr>
+        <p:style>
+          <a:lnRef idx="3">
+            <a:schemeClr val="accent5"/>
+          </a:lnRef>
+          <a:fillRef idx="0">
+            <a:schemeClr val="accent5"/>
+          </a:fillRef>
+          <a:effectRef idx="2">
+            <a:schemeClr val="accent5"/>
+          </a:effectRef>
+          <a:fontRef idx="minor">
+            <a:schemeClr val="tx1"/>
+          </a:fontRef>
+        </p:style>
+      </p:cxnSp>
+      <p:cxnSp>
+        <p:nvCxnSpPr>
+          <p:cNvPr id="17" name="16 Conector recto de flecha"/>
+          <p:cNvCxnSpPr/>
+          <p:nvPr/>
+        </p:nvCxnSpPr>
+        <p:spPr>
+          <a:xfrm flipH="1">
+            <a:off x="2207623" y="2711810"/>
+            <a:ext cx="1398542" cy="1703784"/>
+          </a:xfrm>
+          <a:prstGeom prst="straightConnector1">
+            <a:avLst/>
+          </a:prstGeom>
+          <a:ln>
+            <a:tailEnd type="arrow"/>
+          </a:ln>
+        </p:spPr>
+        <p:style>
+          <a:lnRef idx="3">
+            <a:schemeClr val="accent5"/>
+          </a:lnRef>
+          <a:fillRef idx="0">
+            <a:schemeClr val="accent5"/>
+          </a:fillRef>
+          <a:effectRef idx="2">
+            <a:schemeClr val="accent5"/>
+          </a:effectRef>
+          <a:fontRef idx="minor">
+            <a:schemeClr val="tx1"/>
+          </a:fontRef>
+        </p:style>
+      </p:cxnSp>
+      <p:cxnSp>
+        <p:nvCxnSpPr>
+          <p:cNvPr id="18" name="17 Conector recto de flecha"/>
+          <p:cNvCxnSpPr/>
+          <p:nvPr/>
+        </p:nvCxnSpPr>
+        <p:spPr>
+          <a:xfrm flipH="1">
+            <a:off x="5812321" y="2701650"/>
+            <a:ext cx="960966" cy="1426482"/>
+          </a:xfrm>
+          <a:prstGeom prst="straightConnector1">
+            <a:avLst/>
+          </a:prstGeom>
+          <a:ln>
+            <a:tailEnd type="arrow"/>
+          </a:ln>
+        </p:spPr>
+        <p:style>
+          <a:lnRef idx="3">
+            <a:schemeClr val="accent5"/>
+          </a:lnRef>
+          <a:fillRef idx="0">
+            <a:schemeClr val="accent5"/>
+          </a:fillRef>
+          <a:effectRef idx="2">
+            <a:schemeClr val="accent5"/>
+          </a:effectRef>
+          <a:fontRef idx="minor">
+            <a:schemeClr val="tx1"/>
+          </a:fontRef>
+        </p:style>
+      </p:cxnSp>
+      <p:sp>
+        <p:nvSpPr>
+          <p:cNvPr id="19" name="18 CuadroTexto"/>
+          <p:cNvSpPr txBox="1"/>
+          <p:nvPr/>
+        </p:nvSpPr>
+        <p:spPr>
+          <a:xfrm>
+            <a:off x="4836915" y="727606"/>
+            <a:ext cx="1894176" cy="307777"/>
+          </a:xfrm>
+          <a:prstGeom prst="rect">
+            <a:avLst/>
+          </a:prstGeom>
+          <a:noFill/>
+        </p:spPr>
+        <p:txBody>
+          <a:bodyPr wrap="square" rtlCol="0">
+            <a:spAutoFit/>
+          </a:bodyPr>
+          <a:lstStyle/>
+          <a:p>
+            <a:r>
+              <a:rPr lang="en-US" dirty="0" smtClean="0"/>
+              <a:t>MANO DE OBRA</a:t>
+            </a:r>
+            <a:endParaRPr lang="es-SV" dirty="0"/>
+          </a:p>
+        </p:txBody>
+      </p:sp>
+      <p:sp>
+        <p:nvSpPr>
+          <p:cNvPr id="20" name="19 CuadroTexto"/>
+          <p:cNvSpPr txBox="1"/>
+          <p:nvPr/>
+        </p:nvSpPr>
+        <p:spPr>
+          <a:xfrm>
+            <a:off x="447720" y="781394"/>
+            <a:ext cx="2087767" cy="307777"/>
+          </a:xfrm>
+          <a:prstGeom prst="rect">
+            <a:avLst/>
+          </a:prstGeom>
+          <a:noFill/>
+        </p:spPr>
+        <p:txBody>
+          <a:bodyPr wrap="square" rtlCol="0">
+            <a:spAutoFit/>
+          </a:bodyPr>
+          <a:lstStyle/>
+          <a:p>
+            <a:r>
+              <a:rPr lang="en-US" dirty="0" smtClean="0"/>
+              <a:t>MATERIA &amp; MAQUINA</a:t>
+            </a:r>
+            <a:endParaRPr lang="es-SV" dirty="0"/>
+          </a:p>
+        </p:txBody>
+      </p:sp>
+      <p:sp>
+        <p:nvSpPr>
+          <p:cNvPr id="21" name="20 CuadroTexto"/>
+          <p:cNvSpPr txBox="1"/>
+          <p:nvPr/>
+        </p:nvSpPr>
+        <p:spPr>
+          <a:xfrm>
+            <a:off x="5635791" y="4128132"/>
+            <a:ext cx="1357916" cy="307777"/>
+          </a:xfrm>
+          <a:prstGeom prst="rect">
+            <a:avLst/>
+          </a:prstGeom>
+          <a:noFill/>
+        </p:spPr>
+        <p:txBody>
+          <a:bodyPr wrap="square" rtlCol="0">
+            <a:spAutoFit/>
+          </a:bodyPr>
+          <a:lstStyle/>
+          <a:p>
+            <a:r>
+              <a:rPr lang="en-US" dirty="0" smtClean="0"/>
+              <a:t>METODO</a:t>
+            </a:r>
+            <a:endParaRPr lang="es-SV" dirty="0"/>
+          </a:p>
+        </p:txBody>
+      </p:sp>
+      <p:sp>
+        <p:nvSpPr>
+          <p:cNvPr id="30" name="29 CuadroTexto"/>
+          <p:cNvSpPr txBox="1"/>
+          <p:nvPr/>
+        </p:nvSpPr>
+        <p:spPr>
+          <a:xfrm>
+            <a:off x="1491865" y="4435909"/>
+            <a:ext cx="1158603" cy="307777"/>
+          </a:xfrm>
+          <a:prstGeom prst="rect">
+            <a:avLst/>
+          </a:prstGeom>
+          <a:noFill/>
+        </p:spPr>
+        <p:txBody>
+          <a:bodyPr wrap="square" rtlCol="0">
+            <a:spAutoFit/>
+          </a:bodyPr>
+          <a:lstStyle/>
+          <a:p>
+            <a:r>
+              <a:rPr lang="en-US" dirty="0" smtClean="0"/>
+              <a:t>MATERIA</a:t>
+            </a:r>
+            <a:endParaRPr lang="es-SV" dirty="0"/>
+          </a:p>
+        </p:txBody>
+      </p:sp>
+      <p:sp>
+        <p:nvSpPr>
+          <p:cNvPr id="31" name="30 CuadroTexto"/>
+          <p:cNvSpPr txBox="1"/>
+          <p:nvPr/>
+        </p:nvSpPr>
+        <p:spPr>
+          <a:xfrm>
+            <a:off x="3123701" y="735226"/>
+            <a:ext cx="895350" cy="307777"/>
+          </a:xfrm>
+          <a:prstGeom prst="rect">
+            <a:avLst/>
+          </a:prstGeom>
+          <a:noFill/>
+        </p:spPr>
+        <p:txBody>
+          <a:bodyPr wrap="square" rtlCol="0">
+            <a:spAutoFit/>
+          </a:bodyPr>
+          <a:lstStyle/>
+          <a:p>
+            <a:r>
+              <a:rPr lang="en-US" dirty="0" smtClean="0"/>
+              <a:t>MEDIO</a:t>
+            </a:r>
+            <a:endParaRPr lang="es-SV" dirty="0"/>
+          </a:p>
+        </p:txBody>
+      </p:sp>
+      <p:sp>
+        <p:nvSpPr>
+          <p:cNvPr id="29" name="28 CuadroTexto"/>
+          <p:cNvSpPr txBox="1"/>
+          <p:nvPr/>
+        </p:nvSpPr>
+        <p:spPr>
+          <a:xfrm>
+            <a:off x="4017963" y="1080998"/>
+            <a:ext cx="1007564" cy="646331"/>
+          </a:xfrm>
+          <a:prstGeom prst="rect">
+            <a:avLst/>
+          </a:prstGeom>
+          <a:noFill/>
+        </p:spPr>
+        <p:txBody>
+          <a:bodyPr wrap="square" rtlCol="0">
+            <a:spAutoFit/>
+          </a:bodyPr>
+          <a:lstStyle/>
+          <a:p>
+            <a:r>
+              <a:rPr lang="es-SV" sz="1200" dirty="0" smtClean="0"/>
+              <a:t>Poco espacio físico</a:t>
+            </a:r>
+            <a:endParaRPr lang="es-SV" sz="1200" dirty="0"/>
+          </a:p>
+        </p:txBody>
+      </p:sp>
+      <p:sp>
+        <p:nvSpPr>
+          <p:cNvPr id="384" name="383 CuadroTexto"/>
+          <p:cNvSpPr txBox="1"/>
+          <p:nvPr/>
+        </p:nvSpPr>
+        <p:spPr>
+          <a:xfrm>
+            <a:off x="3034120" y="1804386"/>
+            <a:ext cx="1508217" cy="461665"/>
+          </a:xfrm>
+          <a:prstGeom prst="rect">
+            <a:avLst/>
+          </a:prstGeom>
+          <a:noFill/>
+        </p:spPr>
+        <p:txBody>
+          <a:bodyPr wrap="square" rtlCol="0">
+            <a:spAutoFit/>
+          </a:bodyPr>
+          <a:lstStyle/>
+          <a:p>
+            <a:r>
+              <a:rPr lang="es-SV" sz="1200" dirty="0" smtClean="0"/>
+              <a:t>Acumulación</a:t>
+            </a:r>
+            <a:r>
+              <a:rPr lang="en-US" sz="1200" dirty="0" smtClean="0"/>
+              <a:t> </a:t>
+            </a:r>
+            <a:r>
+              <a:rPr lang="es-SV" sz="1200" dirty="0" smtClean="0"/>
+              <a:t>Documental</a:t>
+            </a:r>
+            <a:endParaRPr lang="es-SV" sz="1200" dirty="0"/>
+          </a:p>
+        </p:txBody>
+      </p:sp>
+      <p:sp>
+        <p:nvSpPr>
+          <p:cNvPr id="385" name="384 CuadroTexto"/>
+          <p:cNvSpPr txBox="1"/>
+          <p:nvPr/>
+        </p:nvSpPr>
+        <p:spPr>
+          <a:xfrm>
+            <a:off x="2080906" y="3189488"/>
+            <a:ext cx="909162" cy="307777"/>
+          </a:xfrm>
+          <a:prstGeom prst="rect">
+            <a:avLst/>
+          </a:prstGeom>
+          <a:noFill/>
+        </p:spPr>
+        <p:txBody>
+          <a:bodyPr wrap="square" rtlCol="0">
+            <a:spAutoFit/>
+          </a:bodyPr>
+          <a:lstStyle/>
+          <a:p>
+            <a:r>
+              <a:rPr lang="es-SV" dirty="0" smtClean="0"/>
+              <a:t>Grapas</a:t>
+            </a:r>
+            <a:endParaRPr lang="es-SV" dirty="0"/>
+          </a:p>
+        </p:txBody>
+      </p:sp>
+      <p:sp>
+        <p:nvSpPr>
+          <p:cNvPr id="36" name="35 CuadroTexto"/>
+          <p:cNvSpPr txBox="1"/>
+          <p:nvPr/>
+        </p:nvSpPr>
+        <p:spPr>
+          <a:xfrm>
+            <a:off x="2744744" y="3827686"/>
+            <a:ext cx="861421" cy="305931"/>
+          </a:xfrm>
+          <a:prstGeom prst="rect">
+            <a:avLst/>
+          </a:prstGeom>
+          <a:noFill/>
+        </p:spPr>
+        <p:txBody>
+          <a:bodyPr wrap="square" rtlCol="0">
+            <a:spAutoFit/>
+          </a:bodyPr>
+          <a:lstStyle/>
+          <a:p>
+            <a:r>
+              <a:rPr lang="en-US" dirty="0" smtClean="0"/>
+              <a:t>Folders</a:t>
+            </a:r>
+            <a:endParaRPr lang="es-SV" dirty="0"/>
+          </a:p>
+        </p:txBody>
+      </p:sp>
+      <p:sp>
+        <p:nvSpPr>
+          <p:cNvPr id="37" name="36 CuadroTexto"/>
+          <p:cNvSpPr txBox="1"/>
+          <p:nvPr/>
+        </p:nvSpPr>
+        <p:spPr>
+          <a:xfrm>
+            <a:off x="3418567" y="2891671"/>
+            <a:ext cx="1418347" cy="523220"/>
+          </a:xfrm>
+          <a:prstGeom prst="rect">
+            <a:avLst/>
+          </a:prstGeom>
+          <a:noFill/>
+        </p:spPr>
+        <p:txBody>
+          <a:bodyPr wrap="square" rtlCol="0">
+            <a:spAutoFit/>
+          </a:bodyPr>
+          <a:lstStyle/>
+          <a:p>
+            <a:r>
+              <a:rPr lang="es-SV" dirty="0" smtClean="0"/>
+              <a:t>Resmas de Papel</a:t>
+            </a:r>
+            <a:endParaRPr lang="es-SV" dirty="0"/>
+          </a:p>
+        </p:txBody>
+      </p:sp>
+      <p:sp>
+        <p:nvSpPr>
+          <p:cNvPr id="38" name="37 CuadroTexto"/>
+          <p:cNvSpPr txBox="1"/>
+          <p:nvPr/>
+        </p:nvSpPr>
+        <p:spPr>
+          <a:xfrm>
+            <a:off x="4548066" y="3414891"/>
+            <a:ext cx="2017184" cy="523220"/>
+          </a:xfrm>
+          <a:prstGeom prst="rect">
+            <a:avLst/>
+          </a:prstGeom>
+          <a:noFill/>
+        </p:spPr>
+        <p:txBody>
+          <a:bodyPr wrap="square" rtlCol="0">
+            <a:spAutoFit/>
+          </a:bodyPr>
+          <a:lstStyle/>
+          <a:p>
+            <a:r>
+              <a:rPr lang="es-SV" dirty="0" smtClean="0"/>
+              <a:t>Falta de Procesos Estandarizados</a:t>
+            </a:r>
+            <a:endParaRPr lang="es-SV" dirty="0"/>
+          </a:p>
+        </p:txBody>
+      </p:sp>
+      <p:sp>
+        <p:nvSpPr>
+          <p:cNvPr id="39" name="38 CuadroTexto"/>
+          <p:cNvSpPr txBox="1"/>
+          <p:nvPr/>
+        </p:nvSpPr>
+        <p:spPr>
+          <a:xfrm>
+            <a:off x="6565250" y="2937837"/>
+            <a:ext cx="1517650" cy="738664"/>
+          </a:xfrm>
+          <a:prstGeom prst="rect">
+            <a:avLst/>
+          </a:prstGeom>
+          <a:noFill/>
+        </p:spPr>
+        <p:txBody>
+          <a:bodyPr wrap="square" rtlCol="0">
+            <a:spAutoFit/>
+          </a:bodyPr>
+          <a:lstStyle/>
+          <a:p>
+            <a:r>
+              <a:rPr lang="es-SV" dirty="0" smtClean="0"/>
+              <a:t>Desconoce Inventario</a:t>
+            </a:r>
+            <a:br>
+              <a:rPr lang="es-SV" dirty="0" smtClean="0"/>
+            </a:br>
+            <a:r>
+              <a:rPr lang="es-SV" dirty="0" smtClean="0"/>
+              <a:t>Papelería</a:t>
+            </a:r>
+            <a:endParaRPr lang="es-SV" dirty="0"/>
+          </a:p>
+        </p:txBody>
+      </p:sp>
+      <p:sp>
+        <p:nvSpPr>
+          <p:cNvPr id="40" name="39 CuadroTexto"/>
+          <p:cNvSpPr txBox="1"/>
+          <p:nvPr/>
+        </p:nvSpPr>
+        <p:spPr>
+          <a:xfrm>
+            <a:off x="5977027" y="927110"/>
+            <a:ext cx="2017184" cy="307777"/>
+          </a:xfrm>
+          <a:prstGeom prst="rect">
+            <a:avLst/>
+          </a:prstGeom>
+          <a:noFill/>
+        </p:spPr>
+        <p:txBody>
+          <a:bodyPr wrap="square" rtlCol="0">
+            <a:spAutoFit/>
+          </a:bodyPr>
+          <a:lstStyle/>
+          <a:p>
+            <a:r>
+              <a:rPr lang="es-SV" dirty="0" smtClean="0"/>
+              <a:t>Personal Limitado</a:t>
+            </a:r>
+            <a:endParaRPr lang="es-SV" dirty="0"/>
+          </a:p>
+        </p:txBody>
+      </p:sp>
+      <p:sp>
+        <p:nvSpPr>
+          <p:cNvPr id="41" name="40 CuadroTexto"/>
+          <p:cNvSpPr txBox="1"/>
+          <p:nvPr/>
+        </p:nvSpPr>
+        <p:spPr>
+          <a:xfrm>
+            <a:off x="6741796" y="1296555"/>
+            <a:ext cx="2017184" cy="738664"/>
+          </a:xfrm>
+          <a:prstGeom prst="rect">
+            <a:avLst/>
+          </a:prstGeom>
+          <a:noFill/>
+        </p:spPr>
+        <p:txBody>
+          <a:bodyPr wrap="square" rtlCol="0">
+            <a:spAutoFit/>
+          </a:bodyPr>
+          <a:lstStyle/>
+          <a:p>
+            <a:r>
+              <a:rPr lang="es-SV" dirty="0" smtClean="0"/>
+              <a:t>Poco o nulo conocimiento de procesos externos</a:t>
+            </a:r>
+            <a:endParaRPr lang="es-SV" dirty="0"/>
+          </a:p>
+        </p:txBody>
+      </p:sp>
+      <p:sp>
+        <p:nvSpPr>
+          <p:cNvPr id="42" name="41 CuadroTexto"/>
+          <p:cNvSpPr txBox="1"/>
+          <p:nvPr/>
+        </p:nvSpPr>
+        <p:spPr>
+          <a:xfrm>
+            <a:off x="4412932" y="1860845"/>
+            <a:ext cx="1269849" cy="461665"/>
+          </a:xfrm>
+          <a:prstGeom prst="rect">
+            <a:avLst/>
+          </a:prstGeom>
+          <a:noFill/>
+        </p:spPr>
+        <p:txBody>
+          <a:bodyPr wrap="square" rtlCol="0">
+            <a:spAutoFit/>
+          </a:bodyPr>
+          <a:lstStyle>
+            <a:defPPr marR="0" lvl="0" algn="l" rtl="0">
+              <a:lnSpc>
+                <a:spcPct val="100000"/>
+              </a:lnSpc>
+              <a:spcBef>
+                <a:spcPts val="0"/>
+              </a:spcBef>
+              <a:spcAft>
+                <a:spcPts val="0"/>
+              </a:spcAft>
+            </a:defPPr>
+            <a:lvl1pPr>
+              <a:defRPr sz="1200"/>
+            </a:lvl1pPr>
+          </a:lstStyle>
+          <a:p>
+            <a:r>
+              <a:rPr lang="es-SV" dirty="0"/>
+              <a:t>Duplicidad Documental</a:t>
+            </a:r>
+          </a:p>
+        </p:txBody>
+      </p:sp>
+      <p:sp>
+        <p:nvSpPr>
+          <p:cNvPr id="393" name="392 CuadroTexto"/>
+          <p:cNvSpPr txBox="1"/>
+          <p:nvPr/>
+        </p:nvSpPr>
+        <p:spPr>
+          <a:xfrm>
+            <a:off x="525426" y="1491513"/>
+            <a:ext cx="1555480" cy="738664"/>
+          </a:xfrm>
+          <a:prstGeom prst="rect">
+            <a:avLst/>
+          </a:prstGeom>
+          <a:noFill/>
+        </p:spPr>
+        <p:txBody>
+          <a:bodyPr wrap="square" rtlCol="0">
+            <a:spAutoFit/>
+          </a:bodyPr>
+          <a:lstStyle/>
+          <a:p>
+            <a:r>
+              <a:rPr lang="en-US" dirty="0" smtClean="0"/>
+              <a:t>No hay </a:t>
+            </a:r>
+            <a:r>
+              <a:rPr lang="es-SV" dirty="0" smtClean="0"/>
+              <a:t>Computadoras</a:t>
+            </a:r>
+            <a:r>
+              <a:rPr lang="en-US" dirty="0" smtClean="0"/>
+              <a:t> con Backup</a:t>
+            </a:r>
+            <a:endParaRPr lang="es-SV" dirty="0"/>
+          </a:p>
+        </p:txBody>
+      </p:sp>
+      <p:sp>
+        <p:nvSpPr>
+          <p:cNvPr id="51" name="50 CuadroTexto"/>
+          <p:cNvSpPr txBox="1"/>
+          <p:nvPr/>
+        </p:nvSpPr>
+        <p:spPr>
+          <a:xfrm>
+            <a:off x="1977955" y="1142553"/>
+            <a:ext cx="1533578" cy="492443"/>
+          </a:xfrm>
+          <a:prstGeom prst="rect">
+            <a:avLst/>
+          </a:prstGeom>
+          <a:noFill/>
+        </p:spPr>
+        <p:txBody>
+          <a:bodyPr wrap="square" rtlCol="0">
+            <a:spAutoFit/>
+          </a:bodyPr>
+          <a:lstStyle/>
+          <a:p>
+            <a:r>
+              <a:rPr lang="es-SV" dirty="0" smtClean="0"/>
+              <a:t>Software </a:t>
+            </a:r>
+            <a:r>
+              <a:rPr lang="es-SV" sz="1200" dirty="0"/>
+              <a:t>Ofimático</a:t>
+            </a:r>
+            <a:endParaRPr lang="es-SV" sz="1200" dirty="0"/>
+          </a:p>
+        </p:txBody>
+      </p:sp>
+      <p:sp>
+        <p:nvSpPr>
+          <p:cNvPr id="394" name="393 CuadroTexto"/>
+          <p:cNvSpPr txBox="1"/>
+          <p:nvPr/>
+        </p:nvSpPr>
+        <p:spPr>
+          <a:xfrm rot="16200000">
+            <a:off x="7942031" y="2306504"/>
+            <a:ext cx="1393611" cy="523220"/>
+          </a:xfrm>
+          <a:prstGeom prst="rect">
+            <a:avLst/>
+          </a:prstGeom>
+          <a:noFill/>
+        </p:spPr>
+        <p:txBody>
+          <a:bodyPr wrap="square" rtlCol="0">
+            <a:spAutoFit/>
+          </a:bodyPr>
+          <a:lstStyle/>
+          <a:p>
+            <a:r>
+              <a:rPr lang="es-SV" dirty="0" smtClean="0">
+                <a:solidFill>
+                  <a:schemeClr val="tx1">
+                    <a:lumMod val="20000"/>
+                    <a:lumOff val="80000"/>
+                  </a:schemeClr>
+                </a:solidFill>
+              </a:rPr>
+              <a:t>Desorden</a:t>
+            </a:r>
+            <a:r>
+              <a:rPr lang="en-US" dirty="0" smtClean="0">
+                <a:solidFill>
+                  <a:schemeClr val="tx1">
+                    <a:lumMod val="20000"/>
+                    <a:lumOff val="80000"/>
+                  </a:schemeClr>
+                </a:solidFill>
+              </a:rPr>
+              <a:t> Documental</a:t>
+            </a:r>
+            <a:endParaRPr lang="es-SV" dirty="0">
+              <a:solidFill>
+                <a:schemeClr val="tx1">
+                  <a:lumMod val="20000"/>
+                  <a:lumOff val="80000"/>
+                </a:schemeClr>
+              </a:solidFill>
+            </a:endParaRPr>
+          </a:p>
+        </p:txBody>
+      </p:sp>
+    </p:spTree>
+    <p:extLst>
+      <p:ext uri="{BB962C8B-B14F-4D97-AF65-F5344CB8AC3E}">
+        <p14:creationId xmlns:p14="http://schemas.microsoft.com/office/powerpoint/2010/main" val="1879612030"/>
+      </p:ext>
+    </p:extLst>
+  </p:cSld>
+  <p:clrMapOvr>
+    <a:masterClrMapping/>
+  </p:clrMapOvr>
+  <p:transition spd="slow">
+    <p:push/>
+  </p:transition>
+  <p:timing>
+    <p:tnLst>
+      <p:par>
+        <p:cTn id="1" dur="indefinite" restart="never" nodeType="tmRoot">
+          <p:childTnLst>
+            <p:seq concurrent="1" nextAc="seek">
+              <p:cTn id="2" dur="indefinite" nodeType="mainSeq">
+                <p:childTnLst>
+                  <p:par>
+                    <p:cTn id="3" fill="hold">
+                      <p:stCondLst>
+                        <p:cond delay="indefinite"/>
+                      </p:stCondLst>
+                      <p:childTnLst>
+                        <p:par>
+                          <p:cTn id="4" fill="hold">
+                            <p:stCondLst>
+                              <p:cond delay="0"/>
+                            </p:stCondLst>
+                            <p:childTnLst>
+                              <p:par>
+                                <p:cTn id="5" presetID="10" presetClass="entr" presetSubtype="0" fill="hold" nodeType="clickEffect">
+                                  <p:stCondLst>
+                                    <p:cond delay="0"/>
+                                  </p:stCondLst>
+                                  <p:childTnLst>
+                                    <p:set>
+                                      <p:cBhvr>
+                                        <p:cTn id="6" dur="1" fill="hold">
+                                          <p:stCondLst>
+                                            <p:cond delay="0"/>
+                                          </p:stCondLst>
+                                        </p:cTn>
+                                        <p:tgtEl>
+                                          <p:spTgt spid="396"/>
+                                        </p:tgtEl>
+                                        <p:attrNameLst>
+                                          <p:attrName>style.visibility</p:attrName>
+                                        </p:attrNameLst>
+                                      </p:cBhvr>
+                                      <p:to>
+                                        <p:strVal val="visible"/>
+                                      </p:to>
+                                    </p:set>
+                                    <p:animEffect transition="in" filter="fade">
+                                      <p:cBhvr>
+                                        <p:cTn id="7" dur="1000"/>
+                                        <p:tgtEl>
+                                          <p:spTgt spid="396"/>
+                                        </p:tgtEl>
+                                      </p:cBhvr>
+                                    </p:animEffect>
+                                  </p:childTnLst>
+                                </p:cTn>
+                              </p:par>
+                              <p:par>
+                                <p:cTn id="8" presetID="10" presetClass="entr" presetSubtype="0" fill="hold" nodeType="withEffect">
+                                  <p:stCondLst>
+                                    <p:cond delay="0"/>
+                                  </p:stCondLst>
+                                  <p:childTnLst>
+                                    <p:set>
+                                      <p:cBhvr>
+                                        <p:cTn id="9" dur="1" fill="hold">
+                                          <p:stCondLst>
+                                            <p:cond delay="0"/>
+                                          </p:stCondLst>
+                                        </p:cTn>
+                                        <p:tgtEl>
+                                          <p:spTgt spid="397"/>
+                                        </p:tgtEl>
+                                        <p:attrNameLst>
+                                          <p:attrName>style.visibility</p:attrName>
+                                        </p:attrNameLst>
+                                      </p:cBhvr>
+                                      <p:to>
+                                        <p:strVal val="visible"/>
+                                      </p:to>
+                                    </p:set>
+                                    <p:animEffect transition="in" filter="fade">
+                                      <p:cBhvr>
+                                        <p:cTn id="10" dur="1000"/>
+                                        <p:tgtEl>
+                                          <p:spTgt spid="397"/>
+                                        </p:tgtEl>
+                                      </p:cBhvr>
+                                    </p:animEffect>
+                                  </p:childTnLst>
+                                </p:cTn>
+                              </p:par>
+                            </p:childTnLst>
+                          </p:cTn>
+                        </p:par>
+                      </p:childTnLst>
+                    </p:cTn>
+                  </p:par>
+                </p:childTnLst>
+              </p:cTn>
+              <p:prevCondLst>
+                <p:cond evt="onPrev" delay="0">
+                  <p:tgtEl>
+                    <p:sldTgt/>
+                  </p:tgtEl>
+                </p:cond>
+              </p:prevCondLst>
+              <p:nextCondLst>
+                <p:cond evt="onNext" delay="0">
+                  <p:tgtEl>
+                    <p:sldTgt/>
+                  </p:tgtEl>
+                </p:cond>
+              </p:nextCondLst>
+            </p:seq>
+          </p:childTnLst>
+        </p:cTn>
+      </p:par>
+    </p:tnLst>
+  </p:timing>
+</p:sld>
+</file>
+
+<file path=ppt/slides/slide8.xml><?xml version="1.0" encoding="utf-8"?>
+<p:sld xmlns:a="http://schemas.openxmlformats.org/drawingml/2006/main" xmlns:r="http://schemas.openxmlformats.org/officeDocument/2006/relationships" xmlns:p="http://schemas.openxmlformats.org/presentationml/2006/main">
+  <p:cSld>
+    <p:spTree>
+      <p:nvGrpSpPr>
+        <p:cNvPr id="1" name="Shape 395"/>
+        <p:cNvGrpSpPr/>
+        <p:nvPr/>
+      </p:nvGrpSpPr>
+      <p:grpSpPr>
+        <a:xfrm>
+          <a:off x="0" y="0"/>
+          <a:ext cx="0" cy="0"/>
+          <a:chOff x="0" y="0"/>
+          <a:chExt cx="0" cy="0"/>
+        </a:xfrm>
+      </p:grpSpPr>
+      <p:sp>
+        <p:nvSpPr>
+          <p:cNvPr id="396" name="Google Shape;396;p56">
+            <a:hlinkClick r:id="rId3" action="ppaction://hlinksldjump"/>
+          </p:cNvPr>
+          <p:cNvSpPr txBox="1">
+            <a:spLocks noGrp="1"/>
+          </p:cNvSpPr>
+          <p:nvPr>
+            <p:ph type="title"/>
+          </p:nvPr>
+        </p:nvSpPr>
+        <p:spPr>
+          <a:xfrm>
             <a:off x="3262875" y="159117"/>
             <a:ext cx="4493322" cy="484800"/>
           </a:xfrm>
@@ -35588,7 +37453,7 @@
           <p:cNvPr id="4" name="Rectángulo: esquinas redondeadas 3">
             <a:extLst>
               <a:ext uri="{FF2B5EF4-FFF2-40B4-BE49-F238E27FC236}">
-                <a16:creationId xmlns:a16="http://schemas.microsoft.com/office/drawing/2014/main" id="{40788561-7922-AF5A-D17E-0317E6F8FBF1}"/>
+                <a16:creationId xmlns:a16="http://schemas.microsoft.com/office/drawing/2014/main" xmlns="" id="{40788561-7922-AF5A-D17E-0317E6F8FBF1}"/>
               </a:ext>
             </a:extLst>
           </p:cNvPr>
@@ -35632,7 +37497,7 @@
           <p:cNvPr id="6" name="CuadroTexto 5">
             <a:extLst>
               <a:ext uri="{FF2B5EF4-FFF2-40B4-BE49-F238E27FC236}">
-                <a16:creationId xmlns:a16="http://schemas.microsoft.com/office/drawing/2014/main" id="{1BD05404-C98A-0DCC-785C-9CD38B5B4117}"/>
+                <a16:creationId xmlns:a16="http://schemas.microsoft.com/office/drawing/2014/main" xmlns="" id="{1BD05404-C98A-0DCC-785C-9CD38B5B4117}"/>
               </a:ext>
             </a:extLst>
           </p:cNvPr>
@@ -35713,7 +37578,7 @@
           <p:cNvPr id="7" name="CuadroTexto 6">
             <a:extLst>
               <a:ext uri="{FF2B5EF4-FFF2-40B4-BE49-F238E27FC236}">
-                <a16:creationId xmlns:a16="http://schemas.microsoft.com/office/drawing/2014/main" id="{EE8FBD00-4BA1-EC8D-6DCA-AFFE79EA25EE}"/>
+                <a16:creationId xmlns:a16="http://schemas.microsoft.com/office/drawing/2014/main" xmlns="" id="{EE8FBD00-4BA1-EC8D-6DCA-AFFE79EA25EE}"/>
               </a:ext>
             </a:extLst>
           </p:cNvPr>
@@ -35794,7 +37659,7 @@
           <p:cNvPr id="8" name="Flecha: a la derecha 7">
             <a:extLst>
               <a:ext uri="{FF2B5EF4-FFF2-40B4-BE49-F238E27FC236}">
-                <a16:creationId xmlns:a16="http://schemas.microsoft.com/office/drawing/2014/main" id="{2AA69594-0C08-24CE-D5EC-4009F7AAADB3}"/>
+                <a16:creationId xmlns:a16="http://schemas.microsoft.com/office/drawing/2014/main" xmlns="" id="{2AA69594-0C08-24CE-D5EC-4009F7AAADB3}"/>
               </a:ext>
             </a:extLst>
           </p:cNvPr>
@@ -35838,7 +37703,7 @@
           <p:cNvPr id="9" name="Flecha: a la derecha 8">
             <a:extLst>
               <a:ext uri="{FF2B5EF4-FFF2-40B4-BE49-F238E27FC236}">
-                <a16:creationId xmlns:a16="http://schemas.microsoft.com/office/drawing/2014/main" id="{AAC67C88-F54E-9B32-A914-901197240CEE}"/>
+                <a16:creationId xmlns:a16="http://schemas.microsoft.com/office/drawing/2014/main" xmlns="" id="{AAC67C88-F54E-9B32-A914-901197240CEE}"/>
               </a:ext>
             </a:extLst>
           </p:cNvPr>
@@ -36011,7 +37876,7 @@
 </p:sld>
 </file>
 
-<file path=ppt/slides/slide8.xml><?xml version="1.0" encoding="utf-8"?>
+<file path=ppt/slides/slide9.xml><?xml version="1.0" encoding="utf-8"?>
 <p:sld xmlns:a="http://schemas.openxmlformats.org/drawingml/2006/main" xmlns:r="http://schemas.openxmlformats.org/officeDocument/2006/relationships" xmlns:p="http://schemas.openxmlformats.org/presentationml/2006/main">
   <p:cSld>
     <p:spTree>
@@ -36121,7 +37986,7 @@
           <p:cNvPr id="2" name="Flecha: a la derecha 1">
             <a:extLst>
               <a:ext uri="{FF2B5EF4-FFF2-40B4-BE49-F238E27FC236}">
-                <a16:creationId xmlns:a16="http://schemas.microsoft.com/office/drawing/2014/main" id="{00E23B6F-144C-08FE-41F7-C4EB53631182}"/>
+                <a16:creationId xmlns:a16="http://schemas.microsoft.com/office/drawing/2014/main" xmlns="" id="{00E23B6F-144C-08FE-41F7-C4EB53631182}"/>
               </a:ext>
             </a:extLst>
           </p:cNvPr>
@@ -36167,7 +38032,7 @@
           <p:cNvPr id="3" name="Rectángulo: esquinas redondeadas 2">
             <a:extLst>
               <a:ext uri="{FF2B5EF4-FFF2-40B4-BE49-F238E27FC236}">
-                <a16:creationId xmlns:a16="http://schemas.microsoft.com/office/drawing/2014/main" id="{0373B820-B7BC-687E-AA74-5C9C2A51FF28}"/>
+                <a16:creationId xmlns:a16="http://schemas.microsoft.com/office/drawing/2014/main" xmlns="" id="{0373B820-B7BC-687E-AA74-5C9C2A51FF28}"/>
               </a:ext>
             </a:extLst>
           </p:cNvPr>
@@ -36217,7 +38082,7 @@
           <p:cNvPr id="4" name="Rectángulo: esquinas redondeadas 3">
             <a:extLst>
               <a:ext uri="{FF2B5EF4-FFF2-40B4-BE49-F238E27FC236}">
-                <a16:creationId xmlns:a16="http://schemas.microsoft.com/office/drawing/2014/main" id="{66130A77-D042-568A-654D-AEBB27939F2D}"/>
+                <a16:creationId xmlns:a16="http://schemas.microsoft.com/office/drawing/2014/main" xmlns="" id="{66130A77-D042-568A-654D-AEBB27939F2D}"/>
               </a:ext>
             </a:extLst>
           </p:cNvPr>
@@ -36267,7 +38132,7 @@
           <p:cNvPr id="5" name="Rectángulo: esquinas redondeadas 4">
             <a:extLst>
               <a:ext uri="{FF2B5EF4-FFF2-40B4-BE49-F238E27FC236}">
-                <a16:creationId xmlns:a16="http://schemas.microsoft.com/office/drawing/2014/main" id="{552CC777-8633-CCA6-803C-F2A3AB53A45A}"/>
+                <a16:creationId xmlns:a16="http://schemas.microsoft.com/office/drawing/2014/main" xmlns="" id="{552CC777-8633-CCA6-803C-F2A3AB53A45A}"/>
               </a:ext>
             </a:extLst>
           </p:cNvPr>
@@ -36317,7 +38182,7 @@
           <p:cNvPr id="6" name="Rectángulo: esquinas redondeadas 5">
             <a:extLst>
               <a:ext uri="{FF2B5EF4-FFF2-40B4-BE49-F238E27FC236}">
-                <a16:creationId xmlns:a16="http://schemas.microsoft.com/office/drawing/2014/main" id="{A98D6441-AFB7-A2BF-952D-75749D2ADEEE}"/>
+                <a16:creationId xmlns:a16="http://schemas.microsoft.com/office/drawing/2014/main" xmlns="" id="{A98D6441-AFB7-A2BF-952D-75749D2ADEEE}"/>
               </a:ext>
             </a:extLst>
           </p:cNvPr>
@@ -36367,7 +38232,7 @@
           <p:cNvPr id="7" name="Rectángulo: esquinas redondeadas 6">
             <a:extLst>
               <a:ext uri="{FF2B5EF4-FFF2-40B4-BE49-F238E27FC236}">
-                <a16:creationId xmlns:a16="http://schemas.microsoft.com/office/drawing/2014/main" id="{BB44ECA5-0381-5810-1CC9-E610903BDE43}"/>
+                <a16:creationId xmlns:a16="http://schemas.microsoft.com/office/drawing/2014/main" xmlns="" id="{BB44ECA5-0381-5810-1CC9-E610903BDE43}"/>
               </a:ext>
             </a:extLst>
           </p:cNvPr>
@@ -36417,7 +38282,7 @@
           <p:cNvPr id="9" name="Conector recto 8">
             <a:extLst>
               <a:ext uri="{FF2B5EF4-FFF2-40B4-BE49-F238E27FC236}">
-                <a16:creationId xmlns:a16="http://schemas.microsoft.com/office/drawing/2014/main" id="{9D5D1F85-05A8-43A7-BA6F-52EEE26F9C58}"/>
+                <a16:creationId xmlns:a16="http://schemas.microsoft.com/office/drawing/2014/main" xmlns="" id="{9D5D1F85-05A8-43A7-BA6F-52EEE26F9C58}"/>
               </a:ext>
             </a:extLst>
           </p:cNvPr>
@@ -36455,7 +38320,7 @@
           <p:cNvPr id="10" name="Conector recto 9">
             <a:extLst>
               <a:ext uri="{FF2B5EF4-FFF2-40B4-BE49-F238E27FC236}">
-                <a16:creationId xmlns:a16="http://schemas.microsoft.com/office/drawing/2014/main" id="{F773E55A-8B35-D2EC-1E5A-40AE0A0B6172}"/>
+                <a16:creationId xmlns:a16="http://schemas.microsoft.com/office/drawing/2014/main" xmlns="" id="{F773E55A-8B35-D2EC-1E5A-40AE0A0B6172}"/>
               </a:ext>
             </a:extLst>
           </p:cNvPr>
@@ -36491,7 +38356,7 @@
           <p:cNvPr id="11" name="Conector recto 10">
             <a:extLst>
               <a:ext uri="{FF2B5EF4-FFF2-40B4-BE49-F238E27FC236}">
-                <a16:creationId xmlns:a16="http://schemas.microsoft.com/office/drawing/2014/main" id="{75B50888-94D7-C0ED-82E7-EB688AC5991C}"/>
+                <a16:creationId xmlns:a16="http://schemas.microsoft.com/office/drawing/2014/main" xmlns="" id="{75B50888-94D7-C0ED-82E7-EB688AC5991C}"/>
               </a:ext>
             </a:extLst>
           </p:cNvPr>
@@ -36529,7 +38394,7 @@
           <p:cNvPr id="12" name="Conector recto 11">
             <a:extLst>
               <a:ext uri="{FF2B5EF4-FFF2-40B4-BE49-F238E27FC236}">
-                <a16:creationId xmlns:a16="http://schemas.microsoft.com/office/drawing/2014/main" id="{1A5F608B-E232-55FC-B831-E0336496AA0D}"/>
+                <a16:creationId xmlns:a16="http://schemas.microsoft.com/office/drawing/2014/main" xmlns="" id="{1A5F608B-E232-55FC-B831-E0336496AA0D}"/>
               </a:ext>
             </a:extLst>
           </p:cNvPr>
@@ -36565,7 +38430,7 @@
           <p:cNvPr id="13" name="Conector recto 12">
             <a:extLst>
               <a:ext uri="{FF2B5EF4-FFF2-40B4-BE49-F238E27FC236}">
-                <a16:creationId xmlns:a16="http://schemas.microsoft.com/office/drawing/2014/main" id="{8D230B11-D319-68D2-684A-5C62F07703F2}"/>
+                <a16:creationId xmlns:a16="http://schemas.microsoft.com/office/drawing/2014/main" xmlns="" id="{8D230B11-D319-68D2-684A-5C62F07703F2}"/>
               </a:ext>
             </a:extLst>
           </p:cNvPr>
@@ -36603,7 +38468,7 @@
           <p:cNvPr id="15" name="CuadroTexto 14">
             <a:extLst>
               <a:ext uri="{FF2B5EF4-FFF2-40B4-BE49-F238E27FC236}">
-                <a16:creationId xmlns:a16="http://schemas.microsoft.com/office/drawing/2014/main" id="{4E84C0F7-1C97-0F01-7E16-98EAE3B87B5B}"/>
+                <a16:creationId xmlns:a16="http://schemas.microsoft.com/office/drawing/2014/main" xmlns="" id="{4E84C0F7-1C97-0F01-7E16-98EAE3B87B5B}"/>
               </a:ext>
             </a:extLst>
           </p:cNvPr>
@@ -36662,7 +38527,7 @@
           <p:cNvPr id="19" name="CuadroTexto 18">
             <a:extLst>
               <a:ext uri="{FF2B5EF4-FFF2-40B4-BE49-F238E27FC236}">
-                <a16:creationId xmlns:a16="http://schemas.microsoft.com/office/drawing/2014/main" id="{E2AA25C9-B4B4-3F87-C819-097AAC3C1A01}"/>
+                <a16:creationId xmlns:a16="http://schemas.microsoft.com/office/drawing/2014/main" xmlns="" id="{E2AA25C9-B4B4-3F87-C819-097AAC3C1A01}"/>
               </a:ext>
             </a:extLst>
           </p:cNvPr>
@@ -36721,7 +38586,7 @@
           <p:cNvPr id="20" name="Rectángulo: esquinas redondeadas 19">
             <a:extLst>
               <a:ext uri="{FF2B5EF4-FFF2-40B4-BE49-F238E27FC236}">
-                <a16:creationId xmlns:a16="http://schemas.microsoft.com/office/drawing/2014/main" id="{7125D295-8AF2-EC1F-9FDE-58303CA7FF84}"/>
+                <a16:creationId xmlns:a16="http://schemas.microsoft.com/office/drawing/2014/main" xmlns="" id="{7125D295-8AF2-EC1F-9FDE-58303CA7FF84}"/>
               </a:ext>
             </a:extLst>
           </p:cNvPr>
@@ -36771,7 +38636,7 @@
           <p:cNvPr id="21" name="Conector recto 20">
             <a:extLst>
               <a:ext uri="{FF2B5EF4-FFF2-40B4-BE49-F238E27FC236}">
-                <a16:creationId xmlns:a16="http://schemas.microsoft.com/office/drawing/2014/main" id="{164F3BB9-817D-14F1-A927-250A104CC19B}"/>
+                <a16:creationId xmlns:a16="http://schemas.microsoft.com/office/drawing/2014/main" xmlns="" id="{164F3BB9-817D-14F1-A927-250A104CC19B}"/>
               </a:ext>
             </a:extLst>
           </p:cNvPr>
@@ -36807,7 +38672,7 @@
           <p:cNvPr id="22" name="CuadroTexto 21">
             <a:extLst>
               <a:ext uri="{FF2B5EF4-FFF2-40B4-BE49-F238E27FC236}">
-                <a16:creationId xmlns:a16="http://schemas.microsoft.com/office/drawing/2014/main" id="{0E34C342-2BE5-9AFD-B8DE-60F5BF0535A0}"/>
+                <a16:creationId xmlns:a16="http://schemas.microsoft.com/office/drawing/2014/main" xmlns="" id="{0E34C342-2BE5-9AFD-B8DE-60F5BF0535A0}"/>
               </a:ext>
             </a:extLst>
           </p:cNvPr>
@@ -36866,7 +38731,7 @@
           <p:cNvPr id="23" name="CuadroTexto 22">
             <a:extLst>
               <a:ext uri="{FF2B5EF4-FFF2-40B4-BE49-F238E27FC236}">
-                <a16:creationId xmlns:a16="http://schemas.microsoft.com/office/drawing/2014/main" id="{59CB6B48-3FCF-4FC1-1E6E-659C628B5C99}"/>
+                <a16:creationId xmlns:a16="http://schemas.microsoft.com/office/drawing/2014/main" xmlns="" id="{59CB6B48-3FCF-4FC1-1E6E-659C628B5C99}"/>
               </a:ext>
             </a:extLst>
           </p:cNvPr>
@@ -36926,7 +38791,7 @@
           <p:cNvPr id="24" name="CuadroTexto 23">
             <a:extLst>
               <a:ext uri="{FF2B5EF4-FFF2-40B4-BE49-F238E27FC236}">
-                <a16:creationId xmlns:a16="http://schemas.microsoft.com/office/drawing/2014/main" id="{32E76DBB-3BD8-12B7-EFE0-AA833866C9AC}"/>
+                <a16:creationId xmlns:a16="http://schemas.microsoft.com/office/drawing/2014/main" xmlns="" id="{32E76DBB-3BD8-12B7-EFE0-AA833866C9AC}"/>
               </a:ext>
             </a:extLst>
           </p:cNvPr>
@@ -36966,7 +38831,7 @@
           <p:cNvPr id="27" name="Rectángulo: esquinas redondeadas 26">
             <a:extLst>
               <a:ext uri="{FF2B5EF4-FFF2-40B4-BE49-F238E27FC236}">
-                <a16:creationId xmlns:a16="http://schemas.microsoft.com/office/drawing/2014/main" id="{2EEB89EB-BB31-6C5E-695C-49A04FB2A85E}"/>
+                <a16:creationId xmlns:a16="http://schemas.microsoft.com/office/drawing/2014/main" xmlns="" id="{2EEB89EB-BB31-6C5E-695C-49A04FB2A85E}"/>
               </a:ext>
             </a:extLst>
           </p:cNvPr>
@@ -37016,7 +38881,7 @@
           <p:cNvPr id="28" name="CuadroTexto 27">
             <a:extLst>
               <a:ext uri="{FF2B5EF4-FFF2-40B4-BE49-F238E27FC236}">
-                <a16:creationId xmlns:a16="http://schemas.microsoft.com/office/drawing/2014/main" id="{DBBC2768-E184-1C3C-6C62-9DEA3FA98D44}"/>
+                <a16:creationId xmlns:a16="http://schemas.microsoft.com/office/drawing/2014/main" xmlns="" id="{DBBC2768-E184-1C3C-6C62-9DEA3FA98D44}"/>
               </a:ext>
             </a:extLst>
           </p:cNvPr>
@@ -37069,7 +38934,7 @@
           <p:cNvPr id="29" name="Conector recto 28">
             <a:extLst>
               <a:ext uri="{FF2B5EF4-FFF2-40B4-BE49-F238E27FC236}">
-                <a16:creationId xmlns:a16="http://schemas.microsoft.com/office/drawing/2014/main" id="{3B1B6FC6-1663-598D-A545-04C612B8D1EB}"/>
+                <a16:creationId xmlns:a16="http://schemas.microsoft.com/office/drawing/2014/main" xmlns="" id="{3B1B6FC6-1663-598D-A545-04C612B8D1EB}"/>
               </a:ext>
             </a:extLst>
           </p:cNvPr>
@@ -37116,7 +38981,7 @@
         <p:push/>
       </p:transition>
     </mc:Choice>
-    <mc:Fallback xmlns="" xmlns:mv="urn:schemas-microsoft-com:mac:vml" xmlns:c="http://schemas.openxmlformats.org/drawingml/2006/chart" xmlns:dgm="http://schemas.openxmlformats.org/drawingml/2006/diagram" xmlns:o="urn:schemas-microsoft-com:office:office" xmlns:v="urn:schemas-microsoft-com:vml" xmlns:pvml="urn:schemas-microsoft-com:office:powerpoint" xmlns:com="http://schemas.openxmlformats.org/drawingml/2006/compatibility" xmlns:p15="http://schemas.microsoft.com/office/powerpoint/2012/main" xmlns:ahyp="http://schemas.microsoft.com/office/drawing/2018/hyperlinkcolor">
+    <mc:Fallback xmlns:ahyp="http://schemas.microsoft.com/office/drawing/2018/hyperlinkcolor" xmlns:p15="http://schemas.microsoft.com/office/powerpoint/2012/main" xmlns:com="http://schemas.openxmlformats.org/drawingml/2006/compatibility" xmlns:pvml="urn:schemas-microsoft-com:office:powerpoint" xmlns:v="urn:schemas-microsoft-com:vml" xmlns:o="urn:schemas-microsoft-com:office:office" xmlns:dgm="http://schemas.openxmlformats.org/drawingml/2006/diagram" xmlns:c="http://schemas.openxmlformats.org/drawingml/2006/chart" xmlns:mv="urn:schemas-microsoft-com:mac:vml" xmlns="">
       <p:transition spd="slow">
         <p:fade/>
       </p:transition>
@@ -37206,619 +39071,6 @@
                                         <p:cTn id="10" dur="1000"/>
                                         <p:tgtEl>
                                           <p:spTgt spid="381"/>
-                                        </p:tgtEl>
-                                      </p:cBhvr>
-                                    </p:animEffect>
-                                  </p:childTnLst>
-                                </p:cTn>
-                              </p:par>
-                            </p:childTnLst>
-                          </p:cTn>
-                        </p:par>
-                      </p:childTnLst>
-                    </p:cTn>
-                  </p:par>
-                </p:childTnLst>
-              </p:cTn>
-              <p:prevCondLst>
-                <p:cond evt="onPrev" delay="0">
-                  <p:tgtEl>
-                    <p:sldTgt/>
-                  </p:tgtEl>
-                </p:cond>
-              </p:prevCondLst>
-              <p:nextCondLst>
-                <p:cond evt="onNext" delay="0">
-                  <p:tgtEl>
-                    <p:sldTgt/>
-                  </p:tgtEl>
-                </p:cond>
-              </p:nextCondLst>
-            </p:seq>
-          </p:childTnLst>
-        </p:cTn>
-      </p:par>
-    </p:tnLst>
-  </p:timing>
-</p:sld>
-</file>
-
-<file path=ppt/slides/slide9.xml><?xml version="1.0" encoding="utf-8"?>
-<p:sld xmlns:a="http://schemas.openxmlformats.org/drawingml/2006/main" xmlns:r="http://schemas.openxmlformats.org/officeDocument/2006/relationships" xmlns:p="http://schemas.openxmlformats.org/presentationml/2006/main">
-  <p:cSld>
-    <p:spTree>
-      <p:nvGrpSpPr>
-        <p:cNvPr id="1" name="Shape 395"/>
-        <p:cNvGrpSpPr/>
-        <p:nvPr/>
-      </p:nvGrpSpPr>
-      <p:grpSpPr>
-        <a:xfrm>
-          <a:off x="0" y="0"/>
-          <a:ext cx="0" cy="0"/>
-          <a:chOff x="0" y="0"/>
-          <a:chExt cx="0" cy="0"/>
-        </a:xfrm>
-      </p:grpSpPr>
-      <p:sp>
-        <p:nvSpPr>
-          <p:cNvPr id="396" name="Google Shape;396;p56">
-            <a:hlinkClick r:id="rId3" action="ppaction://hlinksldjump"/>
-          </p:cNvPr>
-          <p:cNvSpPr txBox="1">
-            <a:spLocks noGrp="1"/>
-          </p:cNvSpPr>
-          <p:nvPr>
-            <p:ph type="title"/>
-          </p:nvPr>
-        </p:nvSpPr>
-        <p:spPr>
-          <a:xfrm>
-            <a:off x="1278907" y="923717"/>
-            <a:ext cx="2731390" cy="484800"/>
-          </a:xfrm>
-          <a:prstGeom prst="rect">
-            <a:avLst/>
-          </a:prstGeom>
-        </p:spPr>
-        <p:txBody>
-          <a:bodyPr spcFirstLastPara="1" wrap="square" lIns="91425" tIns="91425" rIns="91425" bIns="91425" anchor="b" anchorCtr="0">
-            <a:noAutofit/>
-          </a:bodyPr>
-          <a:lstStyle/>
-          <a:p>
-            <a:pPr marL="0" lvl="0" indent="0" algn="l" rtl="0">
-              <a:spcBef>
-                <a:spcPts val="0"/>
-              </a:spcBef>
-              <a:spcAft>
-                <a:spcPts val="0"/>
-              </a:spcAft>
-              <a:buNone/>
-            </a:pPr>
-            <a:r>
-              <a:rPr lang="en" dirty="0"/>
-              <a:t>DELIMITACIONES</a:t>
-            </a:r>
-            <a:endParaRPr dirty="0"/>
-          </a:p>
-        </p:txBody>
-      </p:sp>
-      <p:sp>
-        <p:nvSpPr>
-          <p:cNvPr id="397" name="Google Shape;397;p56">
-            <a:hlinkClick r:id="rId3" action="ppaction://hlinksldjump"/>
-          </p:cNvPr>
-          <p:cNvSpPr txBox="1">
-            <a:spLocks noGrp="1"/>
-          </p:cNvSpPr>
-          <p:nvPr>
-            <p:ph type="title" idx="2"/>
-          </p:nvPr>
-        </p:nvSpPr>
-        <p:spPr>
-          <a:xfrm>
-            <a:off x="319010" y="788558"/>
-            <a:ext cx="1168104" cy="593400"/>
-          </a:xfrm>
-          <a:prstGeom prst="rect">
-            <a:avLst/>
-          </a:prstGeom>
-        </p:spPr>
-        <p:txBody>
-          <a:bodyPr spcFirstLastPara="1" wrap="square" lIns="91425" tIns="91425" rIns="91425" bIns="91425" anchor="b" anchorCtr="0">
-            <a:noAutofit/>
-          </a:bodyPr>
-          <a:lstStyle/>
-          <a:p>
-            <a:pPr marL="0" lvl="0" indent="0" algn="l" rtl="0">
-              <a:spcBef>
-                <a:spcPts val="0"/>
-              </a:spcBef>
-              <a:spcAft>
-                <a:spcPts val="0"/>
-              </a:spcAft>
-              <a:buNone/>
-            </a:pPr>
-            <a:r>
-              <a:rPr lang="en" dirty="0"/>
-              <a:t>04</a:t>
-            </a:r>
-            <a:endParaRPr dirty="0"/>
-          </a:p>
-        </p:txBody>
-      </p:sp>
-      <p:pic>
-        <p:nvPicPr>
-          <p:cNvPr id="411" name="Google Shape;411;p56"/>
-          <p:cNvPicPr preferRelativeResize="0"/>
-          <p:nvPr/>
-        </p:nvPicPr>
-        <p:blipFill rotWithShape="1">
-          <a:blip r:embed="rId4">
-            <a:alphaModFix/>
-          </a:blip>
-          <a:srcRect r="25317"/>
-          <a:stretch/>
-        </p:blipFill>
-        <p:spPr>
-          <a:xfrm>
-            <a:off x="6438325" y="2495374"/>
-            <a:ext cx="2726400" cy="2632201"/>
-          </a:xfrm>
-          <a:prstGeom prst="rect">
-            <a:avLst/>
-          </a:prstGeom>
-          <a:noFill/>
-          <a:ln>
-            <a:noFill/>
-          </a:ln>
-        </p:spPr>
-      </p:pic>
-      <p:sp>
-        <p:nvSpPr>
-          <p:cNvPr id="412" name="Google Shape;412;p56"/>
-          <p:cNvSpPr/>
-          <p:nvPr/>
-        </p:nvSpPr>
-        <p:spPr>
-          <a:xfrm rot="-5400000">
-            <a:off x="6795375" y="3126249"/>
-            <a:ext cx="1484400" cy="1484100"/>
-          </a:xfrm>
-          <a:prstGeom prst="ellipse">
-            <a:avLst/>
-          </a:prstGeom>
-          <a:solidFill>
-            <a:schemeClr val="lt2"/>
-          </a:solidFill>
-          <a:ln>
-            <a:noFill/>
-          </a:ln>
-        </p:spPr>
-        <p:txBody>
-          <a:bodyPr spcFirstLastPara="1" wrap="square" lIns="91425" tIns="91425" rIns="91425" bIns="91425" anchor="ctr" anchorCtr="0">
-            <a:noAutofit/>
-          </a:bodyPr>
-          <a:lstStyle/>
-          <a:p>
-            <a:pPr marL="0" lvl="0" indent="0" algn="l" rtl="0">
-              <a:spcBef>
-                <a:spcPts val="0"/>
-              </a:spcBef>
-              <a:spcAft>
-                <a:spcPts val="0"/>
-              </a:spcAft>
-              <a:buNone/>
-            </a:pPr>
-            <a:endParaRPr/>
-          </a:p>
-        </p:txBody>
-      </p:sp>
-      <p:sp>
-        <p:nvSpPr>
-          <p:cNvPr id="3" name="CuadroTexto 2">
-            <a:extLst>
-              <a:ext uri="{FF2B5EF4-FFF2-40B4-BE49-F238E27FC236}">
-                <a16:creationId xmlns:a16="http://schemas.microsoft.com/office/drawing/2014/main" id="{A91C3C62-9ED0-1F67-ADBC-3007905A784D}"/>
-              </a:ext>
-            </a:extLst>
-          </p:cNvPr>
-          <p:cNvSpPr txBox="1"/>
-          <p:nvPr/>
-        </p:nvSpPr>
-        <p:spPr>
-          <a:xfrm>
-            <a:off x="5675812" y="696832"/>
-            <a:ext cx="3001457" cy="456343"/>
-          </a:xfrm>
-          <a:prstGeom prst="rect">
-            <a:avLst/>
-          </a:prstGeom>
-          <a:noFill/>
-        </p:spPr>
-        <p:txBody>
-          <a:bodyPr wrap="square">
-            <a:spAutoFit/>
-          </a:bodyPr>
-          <a:lstStyle/>
-          <a:p>
-            <a:pPr indent="180340">
-              <a:lnSpc>
-                <a:spcPct val="200000"/>
-              </a:lnSpc>
-            </a:pPr>
-            <a:r>
-              <a:rPr lang="es-SV" sz="1400" dirty="0">
-                <a:effectLst/>
-                <a:latin typeface="Arial" panose="020B0604020202020204" pitchFamily="34" charset="0"/>
-                <a:ea typeface="Times New Roman" panose="02020603050405020304" pitchFamily="18" charset="0"/>
-                <a:cs typeface="Times New Roman" panose="02020603050405020304" pitchFamily="18" charset="0"/>
-              </a:rPr>
-              <a:t>DELIMITACIÓN DEL TIEMPO</a:t>
-            </a:r>
-          </a:p>
-        </p:txBody>
-      </p:sp>
-      <p:sp>
-        <p:nvSpPr>
-          <p:cNvPr id="5" name="CuadroTexto 4">
-            <a:extLst>
-              <a:ext uri="{FF2B5EF4-FFF2-40B4-BE49-F238E27FC236}">
-                <a16:creationId xmlns:a16="http://schemas.microsoft.com/office/drawing/2014/main" id="{41D7F2B5-62AC-058F-418A-2D2713CAA9EB}"/>
-              </a:ext>
-            </a:extLst>
-          </p:cNvPr>
-          <p:cNvSpPr txBox="1"/>
-          <p:nvPr/>
-        </p:nvSpPr>
-        <p:spPr>
-          <a:xfrm>
-            <a:off x="327510" y="2172069"/>
-            <a:ext cx="3359515" cy="456343"/>
-          </a:xfrm>
-          <a:prstGeom prst="rect">
-            <a:avLst/>
-          </a:prstGeom>
-          <a:noFill/>
-        </p:spPr>
-        <p:txBody>
-          <a:bodyPr wrap="square">
-            <a:spAutoFit/>
-          </a:bodyPr>
-          <a:lstStyle/>
-          <a:p>
-            <a:pPr indent="180340">
-              <a:lnSpc>
-                <a:spcPct val="200000"/>
-              </a:lnSpc>
-            </a:pPr>
-            <a:r>
-              <a:rPr lang="es-SV" sz="1400" dirty="0">
-                <a:effectLst/>
-                <a:latin typeface="Arial" panose="020B0604020202020204" pitchFamily="34" charset="0"/>
-                <a:ea typeface="Times New Roman" panose="02020603050405020304" pitchFamily="18" charset="0"/>
-                <a:cs typeface="Times New Roman" panose="02020603050405020304" pitchFamily="18" charset="0"/>
-              </a:rPr>
-              <a:t>DELIMITACIÓN DEL ESPACIO</a:t>
-            </a:r>
-          </a:p>
-        </p:txBody>
-      </p:sp>
-      <p:sp>
-        <p:nvSpPr>
-          <p:cNvPr id="7" name="CuadroTexto 6">
-            <a:extLst>
-              <a:ext uri="{FF2B5EF4-FFF2-40B4-BE49-F238E27FC236}">
-                <a16:creationId xmlns:a16="http://schemas.microsoft.com/office/drawing/2014/main" id="{74F5EC71-0BA8-F059-3F08-71390569FA8C}"/>
-              </a:ext>
-            </a:extLst>
-          </p:cNvPr>
-          <p:cNvSpPr txBox="1"/>
-          <p:nvPr/>
-        </p:nvSpPr>
-        <p:spPr>
-          <a:xfrm>
-            <a:off x="4604125" y="1251509"/>
-            <a:ext cx="4585062" cy="1750031"/>
-          </a:xfrm>
-          <a:prstGeom prst="rect">
-            <a:avLst/>
-          </a:prstGeom>
-          <a:noFill/>
-        </p:spPr>
-        <p:txBody>
-          <a:bodyPr wrap="square">
-            <a:spAutoFit/>
-          </a:bodyPr>
-          <a:lstStyle/>
-          <a:p>
-            <a:pPr indent="180340">
-              <a:lnSpc>
-                <a:spcPct val="200000"/>
-              </a:lnSpc>
-            </a:pPr>
-            <a:r>
-              <a:rPr lang="es-SV" sz="1400" dirty="0">
-                <a:effectLst/>
-                <a:latin typeface="Times New Roman" panose="02020603050405020304" pitchFamily="18" charset="0"/>
-                <a:ea typeface="Times New Roman" panose="02020603050405020304" pitchFamily="18" charset="0"/>
-                <a:cs typeface="Times New Roman" panose="02020603050405020304" pitchFamily="18" charset="0"/>
-              </a:rPr>
-              <a:t>El desarrollo del proyecto se llevará a cabo en el primer semestre del año 2024 y el segundo semestre del año 2024, comprendido entre el 2 de enero del año 2024 y el 31 de agosto del año 2024.</a:t>
-            </a:r>
-            <a:endParaRPr lang="es-SV" sz="1400" dirty="0">
-              <a:effectLst/>
-              <a:latin typeface="Arial" panose="020B0604020202020204" pitchFamily="34" charset="0"/>
-              <a:ea typeface="Times New Roman" panose="02020603050405020304" pitchFamily="18" charset="0"/>
-              <a:cs typeface="Times New Roman" panose="02020603050405020304" pitchFamily="18" charset="0"/>
-            </a:endParaRPr>
-          </a:p>
-        </p:txBody>
-      </p:sp>
-      <p:sp>
-        <p:nvSpPr>
-          <p:cNvPr id="9" name="CuadroTexto 8">
-            <a:extLst>
-              <a:ext uri="{FF2B5EF4-FFF2-40B4-BE49-F238E27FC236}">
-                <a16:creationId xmlns:a16="http://schemas.microsoft.com/office/drawing/2014/main" id="{F8EE4FC3-2943-598F-98E8-9707A2A28873}"/>
-              </a:ext>
-            </a:extLst>
-          </p:cNvPr>
-          <p:cNvSpPr txBox="1"/>
-          <p:nvPr/>
-        </p:nvSpPr>
-        <p:spPr>
-          <a:xfrm>
-            <a:off x="319010" y="2866237"/>
-            <a:ext cx="4591594" cy="1319144"/>
-          </a:xfrm>
-          <a:prstGeom prst="rect">
-            <a:avLst/>
-          </a:prstGeom>
-          <a:noFill/>
-        </p:spPr>
-        <p:txBody>
-          <a:bodyPr wrap="square">
-            <a:spAutoFit/>
-          </a:bodyPr>
-          <a:lstStyle/>
-          <a:p>
-            <a:pPr indent="180340">
-              <a:lnSpc>
-                <a:spcPct val="200000"/>
-              </a:lnSpc>
-            </a:pPr>
-            <a:r>
-              <a:rPr lang="es-SV" sz="1400" dirty="0">
-                <a:effectLst/>
-                <a:latin typeface="Times New Roman" panose="02020603050405020304" pitchFamily="18" charset="0"/>
-                <a:ea typeface="Times New Roman" panose="02020603050405020304" pitchFamily="18" charset="0"/>
-                <a:cs typeface="Times New Roman" panose="02020603050405020304" pitchFamily="18" charset="0"/>
-              </a:rPr>
-              <a:t>El proyecto será desarrollado para el bufete de abogados Cartagena, el cual se encuentra ubicado en el bulevar </a:t>
-            </a:r>
-            <a:r>
-              <a:rPr lang="es-SV" sz="1400" dirty="0" err="1">
-                <a:effectLst/>
-                <a:latin typeface="Times New Roman" panose="02020603050405020304" pitchFamily="18" charset="0"/>
-                <a:ea typeface="Times New Roman" panose="02020603050405020304" pitchFamily="18" charset="0"/>
-                <a:cs typeface="Times New Roman" panose="02020603050405020304" pitchFamily="18" charset="0"/>
-              </a:rPr>
-              <a:t>tutunichapa</a:t>
-            </a:r>
-            <a:r>
-              <a:rPr lang="es-SV" sz="1400" dirty="0">
-                <a:effectLst/>
-                <a:latin typeface="Times New Roman" panose="02020603050405020304" pitchFamily="18" charset="0"/>
-                <a:ea typeface="Times New Roman" panose="02020603050405020304" pitchFamily="18" charset="0"/>
-                <a:cs typeface="Times New Roman" panose="02020603050405020304" pitchFamily="18" charset="0"/>
-              </a:rPr>
-              <a:t> 7ª AV. Norte.  </a:t>
-            </a:r>
-            <a:endParaRPr lang="es-SV" sz="1400" dirty="0">
-              <a:effectLst/>
-              <a:latin typeface="Arial" panose="020B0604020202020204" pitchFamily="34" charset="0"/>
-              <a:ea typeface="Times New Roman" panose="02020603050405020304" pitchFamily="18" charset="0"/>
-              <a:cs typeface="Times New Roman" panose="02020603050405020304" pitchFamily="18" charset="0"/>
-            </a:endParaRPr>
-          </a:p>
-        </p:txBody>
-      </p:sp>
-    </p:spTree>
-    <p:extLst>
-      <p:ext uri="{BB962C8B-B14F-4D97-AF65-F5344CB8AC3E}">
-        <p14:creationId xmlns:p14="http://schemas.microsoft.com/office/powerpoint/2010/main" val="2516873840"/>
-      </p:ext>
-    </p:extLst>
-  </p:cSld>
-  <p:clrMapOvr>
-    <a:masterClrMapping/>
-  </p:clrMapOvr>
-  <mc:AlternateContent xmlns:mc="http://schemas.openxmlformats.org/markup-compatibility/2006" xmlns:p14="http://schemas.microsoft.com/office/powerpoint/2010/main">
-    <mc:Choice Requires="p14">
-      <p:transition spd="slow">
-        <p:push/>
-      </p:transition>
-    </mc:Choice>
-    <mc:Fallback xmlns="" xmlns:mv="urn:schemas-microsoft-com:mac:vml" xmlns:c="http://schemas.openxmlformats.org/drawingml/2006/chart" xmlns:dgm="http://schemas.openxmlformats.org/drawingml/2006/diagram" xmlns:o="urn:schemas-microsoft-com:office:office" xmlns:v="urn:schemas-microsoft-com:vml" xmlns:pvml="urn:schemas-microsoft-com:office:powerpoint" xmlns:com="http://schemas.openxmlformats.org/drawingml/2006/compatibility" xmlns:p15="http://schemas.microsoft.com/office/powerpoint/2012/main" xmlns:ahyp="http://schemas.microsoft.com/office/drawing/2018/hyperlinkcolor">
-      <p:transition spd="slow">
-        <p:fade/>
-      </p:transition>
-    </mc:Fallback>
-  </mc:AlternateContent>
-  <p:timing>
-    <p:tnLst>
-      <p:par>
-        <p:cTn id="1" dur="indefinite" restart="never" nodeType="tmRoot">
-          <p:childTnLst>
-            <p:seq concurrent="1" nextAc="seek">
-              <p:cTn id="2" dur="indefinite" nodeType="mainSeq">
-                <p:childTnLst>
-                  <p:par>
-                    <p:cTn id="3" fill="hold">
-                      <p:stCondLst>
-                        <p:cond delay="indefinite"/>
-                      </p:stCondLst>
-                      <p:childTnLst>
-                        <p:par>
-                          <p:cTn id="4" fill="hold">
-                            <p:stCondLst>
-                              <p:cond delay="0"/>
-                            </p:stCondLst>
-                            <p:childTnLst>
-                              <p:par>
-                                <p:cTn id="5" presetID="10" presetClass="entr" presetSubtype="0" fill="hold" nodeType="clickEffect">
-                                  <p:stCondLst>
-                                    <p:cond delay="0"/>
-                                  </p:stCondLst>
-                                  <p:childTnLst>
-                                    <p:set>
-                                      <p:cBhvr>
-                                        <p:cTn id="6" dur="1" fill="hold">
-                                          <p:stCondLst>
-                                            <p:cond delay="0"/>
-                                          </p:stCondLst>
-                                        </p:cTn>
-                                        <p:tgtEl>
-                                          <p:spTgt spid="396"/>
-                                        </p:tgtEl>
-                                        <p:attrNameLst>
-                                          <p:attrName>style.visibility</p:attrName>
-                                        </p:attrNameLst>
-                                      </p:cBhvr>
-                                      <p:to>
-                                        <p:strVal val="visible"/>
-                                      </p:to>
-                                    </p:set>
-                                    <p:animEffect transition="in" filter="fade">
-                                      <p:cBhvr>
-                                        <p:cTn id="7" dur="1000"/>
-                                        <p:tgtEl>
-                                          <p:spTgt spid="396"/>
-                                        </p:tgtEl>
-                                      </p:cBhvr>
-                                    </p:animEffect>
-                                  </p:childTnLst>
-                                </p:cTn>
-                              </p:par>
-                              <p:par>
-                                <p:cTn id="8" presetID="10" presetClass="entr" presetSubtype="0" fill="hold" nodeType="withEffect">
-                                  <p:stCondLst>
-                                    <p:cond delay="0"/>
-                                  </p:stCondLst>
-                                  <p:childTnLst>
-                                    <p:set>
-                                      <p:cBhvr>
-                                        <p:cTn id="9" dur="1" fill="hold">
-                                          <p:stCondLst>
-                                            <p:cond delay="0"/>
-                                          </p:stCondLst>
-                                        </p:cTn>
-                                        <p:tgtEl>
-                                          <p:spTgt spid="397"/>
-                                        </p:tgtEl>
-                                        <p:attrNameLst>
-                                          <p:attrName>style.visibility</p:attrName>
-                                        </p:attrNameLst>
-                                      </p:cBhvr>
-                                      <p:to>
-                                        <p:strVal val="visible"/>
-                                      </p:to>
-                                    </p:set>
-                                    <p:animEffect transition="in" filter="fade">
-                                      <p:cBhvr>
-                                        <p:cTn id="10" dur="1000"/>
-                                        <p:tgtEl>
-                                          <p:spTgt spid="397"/>
-                                        </p:tgtEl>
-                                      </p:cBhvr>
-                                    </p:animEffect>
-                                  </p:childTnLst>
-                                </p:cTn>
-                              </p:par>
-                            </p:childTnLst>
-                          </p:cTn>
-                        </p:par>
-                      </p:childTnLst>
-                    </p:cTn>
-                  </p:par>
-                  <p:par>
-                    <p:cTn id="11" fill="hold">
-                      <p:stCondLst>
-                        <p:cond delay="indefinite"/>
-                      </p:stCondLst>
-                      <p:childTnLst>
-                        <p:par>
-                          <p:cTn id="12" fill="hold">
-                            <p:stCondLst>
-                              <p:cond delay="0"/>
-                            </p:stCondLst>
-                            <p:childTnLst>
-                              <p:par>
-                                <p:cTn id="13" presetID="10" presetClass="entr" presetSubtype="0" fill="hold" nodeType="clickEffect">
-                                  <p:stCondLst>
-                                    <p:cond delay="0"/>
-                                  </p:stCondLst>
-                                  <p:childTnLst>
-                                    <p:set>
-                                      <p:cBhvr>
-                                        <p:cTn id="14" dur="1" fill="hold">
-                                          <p:stCondLst>
-                                            <p:cond delay="0"/>
-                                          </p:stCondLst>
-                                        </p:cTn>
-                                        <p:tgtEl>
-                                          <p:spTgt spid="411"/>
-                                        </p:tgtEl>
-                                        <p:attrNameLst>
-                                          <p:attrName>style.visibility</p:attrName>
-                                        </p:attrNameLst>
-                                      </p:cBhvr>
-                                      <p:to>
-                                        <p:strVal val="visible"/>
-                                      </p:to>
-                                    </p:set>
-                                    <p:animEffect transition="in" filter="fade">
-                                      <p:cBhvr>
-                                        <p:cTn id="15" dur="1000"/>
-                                        <p:tgtEl>
-                                          <p:spTgt spid="411"/>
-                                        </p:tgtEl>
-                                      </p:cBhvr>
-                                    </p:animEffect>
-                                  </p:childTnLst>
-                                </p:cTn>
-                              </p:par>
-                              <p:par>
-                                <p:cTn id="16" presetID="10" presetClass="entr" presetSubtype="0" fill="hold" nodeType="withEffect">
-                                  <p:stCondLst>
-                                    <p:cond delay="0"/>
-                                  </p:stCondLst>
-                                  <p:childTnLst>
-                                    <p:set>
-                                      <p:cBhvr>
-                                        <p:cTn id="17" dur="1" fill="hold">
-                                          <p:stCondLst>
-                                            <p:cond delay="0"/>
-                                          </p:stCondLst>
-                                        </p:cTn>
-                                        <p:tgtEl>
-                                          <p:spTgt spid="412"/>
-                                        </p:tgtEl>
-                                        <p:attrNameLst>
-                                          <p:attrName>style.visibility</p:attrName>
-                                        </p:attrNameLst>
-                                      </p:cBhvr>
-                                      <p:to>
-                                        <p:strVal val="visible"/>
-                                      </p:to>
-                                    </p:set>
-                                    <p:animEffect transition="in" filter="fade">
-                                      <p:cBhvr>
-                                        <p:cTn id="18" dur="1000"/>
-                                        <p:tgtEl>
-                                          <p:spTgt spid="412"/>
                                         </p:tgtEl>
                                       </p:cBhvr>
                                     </p:animEffect>

--- a/ocr-ppt.pptx
+++ b/ocr-ppt.pptx
@@ -5,31 +5,32 @@
     <p:sldMasterId id="2147483696" r:id="rId1"/>
   </p:sldMasterIdLst>
   <p:notesMasterIdLst>
-    <p:notesMasterId r:id="rId24"/>
+    <p:notesMasterId r:id="rId25"/>
   </p:notesMasterIdLst>
   <p:sldIdLst>
     <p:sldId id="256" r:id="rId2"/>
     <p:sldId id="261" r:id="rId3"/>
     <p:sldId id="257" r:id="rId4"/>
     <p:sldId id="258" r:id="rId5"/>
-    <p:sldId id="337" r:id="rId6"/>
-    <p:sldId id="259" r:id="rId7"/>
-    <p:sldId id="340" r:id="rId8"/>
-    <p:sldId id="338" r:id="rId9"/>
-    <p:sldId id="332" r:id="rId10"/>
-    <p:sldId id="333" r:id="rId11"/>
-    <p:sldId id="335" r:id="rId12"/>
-    <p:sldId id="336" r:id="rId13"/>
-    <p:sldId id="262" r:id="rId14"/>
-    <p:sldId id="264" r:id="rId15"/>
-    <p:sldId id="265" r:id="rId16"/>
-    <p:sldId id="267" r:id="rId17"/>
-    <p:sldId id="268" r:id="rId18"/>
-    <p:sldId id="269" r:id="rId19"/>
-    <p:sldId id="270" r:id="rId20"/>
-    <p:sldId id="271" r:id="rId21"/>
-    <p:sldId id="339" r:id="rId22"/>
-    <p:sldId id="288" r:id="rId23"/>
+    <p:sldId id="341" r:id="rId6"/>
+    <p:sldId id="337" r:id="rId7"/>
+    <p:sldId id="259" r:id="rId8"/>
+    <p:sldId id="340" r:id="rId9"/>
+    <p:sldId id="338" r:id="rId10"/>
+    <p:sldId id="332" r:id="rId11"/>
+    <p:sldId id="333" r:id="rId12"/>
+    <p:sldId id="335" r:id="rId13"/>
+    <p:sldId id="336" r:id="rId14"/>
+    <p:sldId id="262" r:id="rId15"/>
+    <p:sldId id="264" r:id="rId16"/>
+    <p:sldId id="265" r:id="rId17"/>
+    <p:sldId id="267" r:id="rId18"/>
+    <p:sldId id="268" r:id="rId19"/>
+    <p:sldId id="269" r:id="rId20"/>
+    <p:sldId id="270" r:id="rId21"/>
+    <p:sldId id="271" r:id="rId22"/>
+    <p:sldId id="339" r:id="rId23"/>
+    <p:sldId id="288" r:id="rId24"/>
   </p:sldIdLst>
   <p:sldSz cx="9144000" cy="5143500" type="screen16x9"/>
   <p:notesSz cx="6858000" cy="9144000"/>
@@ -264,7 +265,7 @@
   </p:defaultTextStyle>
   <p:extLst>
     <p:ext uri="{EFAFB233-063F-42B5-8137-9DF3F51BA10A}">
-      <p15:sldGuideLst xmlns:p15="http://schemas.microsoft.com/office/powerpoint/2012/main" xmlns=""/>
+      <p15:sldGuideLst xmlns="" xmlns:p15="http://schemas.microsoft.com/office/powerpoint/2012/main"/>
     </p:ext>
   </p:extLst>
 </p:presentation>
@@ -825,7 +826,7 @@
   <p:cSld>
     <p:spTree>
       <p:nvGrpSpPr>
-        <p:cNvPr id="1" name="Shape 392"/>
+        <p:cNvPr id="1" name="Shape 376"/>
         <p:cNvGrpSpPr/>
         <p:nvPr/>
       </p:nvGrpSpPr>
@@ -839,7 +840,7 @@
       </p:grpSpPr>
       <p:sp>
         <p:nvSpPr>
-          <p:cNvPr id="393" name="Google Shape;393;g1524e77840e_1_1:notes"/>
+          <p:cNvPr id="377" name="Google Shape;377;gb37d1f1062_0_6:notes"/>
           <p:cNvSpPr>
             <a:spLocks noGrp="1" noRot="1" noChangeAspect="1"/>
           </p:cNvSpPr>
@@ -880,7 +881,7 @@
       </p:sp>
       <p:sp>
         <p:nvSpPr>
-          <p:cNvPr id="394" name="Google Shape;394;g1524e77840e_1_1:notes"/>
+          <p:cNvPr id="378" name="Google Shape;378;gb37d1f1062_0_6:notes"/>
           <p:cNvSpPr txBox="1">
             <a:spLocks noGrp="1"/>
           </p:cNvSpPr>
@@ -919,7 +920,7 @@
     </p:spTree>
     <p:extLst>
       <p:ext uri="{BB962C8B-B14F-4D97-AF65-F5344CB8AC3E}">
-        <p14:creationId xmlns:p14="http://schemas.microsoft.com/office/powerpoint/2010/main" val="3390600540"/>
+        <p14:creationId xmlns:p14="http://schemas.microsoft.com/office/powerpoint/2010/main" val="3540350435"/>
       </p:ext>
     </p:extLst>
   </p:cSld>
@@ -1028,6 +1029,115 @@
     </p:spTree>
     <p:extLst>
       <p:ext uri="{BB962C8B-B14F-4D97-AF65-F5344CB8AC3E}">
+        <p14:creationId xmlns:p14="http://schemas.microsoft.com/office/powerpoint/2010/main" val="3390600540"/>
+      </p:ext>
+    </p:extLst>
+  </p:cSld>
+  <p:clrMapOvr>
+    <a:masterClrMapping/>
+  </p:clrMapOvr>
+</p:notes>
+</file>
+
+<file path=ppt/notesSlides/notesSlide12.xml><?xml version="1.0" encoding="utf-8"?>
+<p:notes xmlns:a="http://schemas.openxmlformats.org/drawingml/2006/main" xmlns:r="http://schemas.openxmlformats.org/officeDocument/2006/relationships" xmlns:p="http://schemas.openxmlformats.org/presentationml/2006/main" showMasterSp="0" showMasterPhAnim="0">
+  <p:cSld>
+    <p:spTree>
+      <p:nvGrpSpPr>
+        <p:cNvPr id="1" name="Shape 392"/>
+        <p:cNvGrpSpPr/>
+        <p:nvPr/>
+      </p:nvGrpSpPr>
+      <p:grpSpPr>
+        <a:xfrm>
+          <a:off x="0" y="0"/>
+          <a:ext cx="0" cy="0"/>
+          <a:chOff x="0" y="0"/>
+          <a:chExt cx="0" cy="0"/>
+        </a:xfrm>
+      </p:grpSpPr>
+      <p:sp>
+        <p:nvSpPr>
+          <p:cNvPr id="393" name="Google Shape;393;g1524e77840e_1_1:notes"/>
+          <p:cNvSpPr>
+            <a:spLocks noGrp="1" noRot="1" noChangeAspect="1"/>
+          </p:cNvSpPr>
+          <p:nvPr>
+            <p:ph type="sldImg" idx="2"/>
+          </p:nvPr>
+        </p:nvSpPr>
+        <p:spPr>
+          <a:xfrm>
+            <a:off x="381000" y="685800"/>
+            <a:ext cx="6096000" cy="3429000"/>
+          </a:xfrm>
+          <a:custGeom>
+            <a:avLst/>
+            <a:gdLst/>
+            <a:ahLst/>
+            <a:cxnLst/>
+            <a:rect l="l" t="t" r="r" b="b"/>
+            <a:pathLst>
+              <a:path w="120000" h="120000" extrusionOk="0">
+                <a:moveTo>
+                  <a:pt x="0" y="0"/>
+                </a:moveTo>
+                <a:lnTo>
+                  <a:pt x="120000" y="0"/>
+                </a:lnTo>
+                <a:lnTo>
+                  <a:pt x="120000" y="120000"/>
+                </a:lnTo>
+                <a:lnTo>
+                  <a:pt x="0" y="120000"/>
+                </a:lnTo>
+                <a:close/>
+              </a:path>
+            </a:pathLst>
+          </a:custGeom>
+        </p:spPr>
+      </p:sp>
+      <p:sp>
+        <p:nvSpPr>
+          <p:cNvPr id="394" name="Google Shape;394;g1524e77840e_1_1:notes"/>
+          <p:cNvSpPr txBox="1">
+            <a:spLocks noGrp="1"/>
+          </p:cNvSpPr>
+          <p:nvPr>
+            <p:ph type="body" idx="1"/>
+          </p:nvPr>
+        </p:nvSpPr>
+        <p:spPr>
+          <a:xfrm>
+            <a:off x="685800" y="4343400"/>
+            <a:ext cx="5486400" cy="4114800"/>
+          </a:xfrm>
+          <a:prstGeom prst="rect">
+            <a:avLst/>
+          </a:prstGeom>
+        </p:spPr>
+        <p:txBody>
+          <a:bodyPr spcFirstLastPara="1" wrap="square" lIns="91425" tIns="91425" rIns="91425" bIns="91425" anchor="t" anchorCtr="0">
+            <a:noAutofit/>
+          </a:bodyPr>
+          <a:lstStyle/>
+          <a:p>
+            <a:pPr marL="0" lvl="0" indent="0" algn="l" rtl="0">
+              <a:spcBef>
+                <a:spcPts val="0"/>
+              </a:spcBef>
+              <a:spcAft>
+                <a:spcPts val="0"/>
+              </a:spcAft>
+              <a:buNone/>
+            </a:pPr>
+            <a:endParaRPr/>
+          </a:p>
+        </p:txBody>
+      </p:sp>
+    </p:spTree>
+    <p:extLst>
+      <p:ext uri="{BB962C8B-B14F-4D97-AF65-F5344CB8AC3E}">
         <p14:creationId xmlns:p14="http://schemas.microsoft.com/office/powerpoint/2010/main" val="2471515927"/>
       </p:ext>
     </p:extLst>
@@ -1038,7 +1148,7 @@
 </p:notes>
 </file>
 
-<file path=ppt/notesSlides/notesSlide12.xml><?xml version="1.0" encoding="utf-8"?>
+<file path=ppt/notesSlides/notesSlide13.xml><?xml version="1.0" encoding="utf-8"?>
 <p:notes xmlns:a="http://schemas.openxmlformats.org/drawingml/2006/main" xmlns:r="http://schemas.openxmlformats.org/officeDocument/2006/relationships" xmlns:p="http://schemas.openxmlformats.org/presentationml/2006/main" showMasterSp="0" showMasterPhAnim="0">
   <p:cSld>
     <p:spTree>
@@ -1147,7 +1257,7 @@
 </p:notes>
 </file>
 
-<file path=ppt/notesSlides/notesSlide13.xml><?xml version="1.0" encoding="utf-8"?>
+<file path=ppt/notesSlides/notesSlide14.xml><?xml version="1.0" encoding="utf-8"?>
 <p:notes xmlns:a="http://schemas.openxmlformats.org/drawingml/2006/main" xmlns:r="http://schemas.openxmlformats.org/officeDocument/2006/relationships" xmlns:p="http://schemas.openxmlformats.org/presentationml/2006/main" showMasterSp="0" showMasterPhAnim="0">
   <p:cSld>
     <p:spTree>
@@ -1251,7 +1361,7 @@
 </p:notes>
 </file>
 
-<file path=ppt/notesSlides/notesSlide14.xml><?xml version="1.0" encoding="utf-8"?>
+<file path=ppt/notesSlides/notesSlide15.xml><?xml version="1.0" encoding="utf-8"?>
 <p:notes xmlns:a="http://schemas.openxmlformats.org/drawingml/2006/main" xmlns:r="http://schemas.openxmlformats.org/officeDocument/2006/relationships" xmlns:p="http://schemas.openxmlformats.org/presentationml/2006/main" showMasterSp="0" showMasterPhAnim="0">
   <p:cSld>
     <p:spTree>
@@ -1355,7 +1465,7 @@
 </p:notes>
 </file>
 
-<file path=ppt/notesSlides/notesSlide15.xml><?xml version="1.0" encoding="utf-8"?>
+<file path=ppt/notesSlides/notesSlide16.xml><?xml version="1.0" encoding="utf-8"?>
 <p:notes xmlns:a="http://schemas.openxmlformats.org/drawingml/2006/main" xmlns:r="http://schemas.openxmlformats.org/officeDocument/2006/relationships" xmlns:p="http://schemas.openxmlformats.org/presentationml/2006/main" showMasterSp="0" showMasterPhAnim="0">
   <p:cSld>
     <p:spTree>
@@ -1459,7 +1569,7 @@
 </p:notes>
 </file>
 
-<file path=ppt/notesSlides/notesSlide16.xml><?xml version="1.0" encoding="utf-8"?>
+<file path=ppt/notesSlides/notesSlide17.xml><?xml version="1.0" encoding="utf-8"?>
 <p:notes xmlns:a="http://schemas.openxmlformats.org/drawingml/2006/main" xmlns:r="http://schemas.openxmlformats.org/officeDocument/2006/relationships" xmlns:p="http://schemas.openxmlformats.org/presentationml/2006/main" showMasterSp="0" showMasterPhAnim="0">
   <p:cSld>
     <p:spTree>
@@ -1563,7 +1673,7 @@
 </p:notes>
 </file>
 
-<file path=ppt/notesSlides/notesSlide17.xml><?xml version="1.0" encoding="utf-8"?>
+<file path=ppt/notesSlides/notesSlide18.xml><?xml version="1.0" encoding="utf-8"?>
 <p:notes xmlns:a="http://schemas.openxmlformats.org/drawingml/2006/main" xmlns:r="http://schemas.openxmlformats.org/officeDocument/2006/relationships" xmlns:p="http://schemas.openxmlformats.org/presentationml/2006/main" showMasterSp="0" showMasterPhAnim="0">
   <p:cSld>
     <p:spTree>
@@ -1667,7 +1777,7 @@
 </p:notes>
 </file>
 
-<file path=ppt/notesSlides/notesSlide18.xml><?xml version="1.0" encoding="utf-8"?>
+<file path=ppt/notesSlides/notesSlide19.xml><?xml version="1.0" encoding="utf-8"?>
 <p:notes xmlns:a="http://schemas.openxmlformats.org/drawingml/2006/main" xmlns:r="http://schemas.openxmlformats.org/officeDocument/2006/relationships" xmlns:p="http://schemas.openxmlformats.org/presentationml/2006/main" showMasterSp="0" showMasterPhAnim="0">
   <p:cSld>
     <p:spTree>
@@ -1728,110 +1838,6 @@
       <p:sp>
         <p:nvSpPr>
           <p:cNvPr id="533" name="Google Shape;533;g152ed61702b_0_0:notes"/>
-          <p:cNvSpPr txBox="1">
-            <a:spLocks noGrp="1"/>
-          </p:cNvSpPr>
-          <p:nvPr>
-            <p:ph type="body" idx="1"/>
-          </p:nvPr>
-        </p:nvSpPr>
-        <p:spPr>
-          <a:xfrm>
-            <a:off x="685800" y="4343400"/>
-            <a:ext cx="5486400" cy="4114800"/>
-          </a:xfrm>
-          <a:prstGeom prst="rect">
-            <a:avLst/>
-          </a:prstGeom>
-        </p:spPr>
-        <p:txBody>
-          <a:bodyPr spcFirstLastPara="1" wrap="square" lIns="91425" tIns="91425" rIns="91425" bIns="91425" anchor="t" anchorCtr="0">
-            <a:noAutofit/>
-          </a:bodyPr>
-          <a:lstStyle/>
-          <a:p>
-            <a:pPr marL="0" lvl="0" indent="0" algn="l" rtl="0">
-              <a:spcBef>
-                <a:spcPts val="0"/>
-              </a:spcBef>
-              <a:spcAft>
-                <a:spcPts val="0"/>
-              </a:spcAft>
-              <a:buNone/>
-            </a:pPr>
-            <a:endParaRPr/>
-          </a:p>
-        </p:txBody>
-      </p:sp>
-    </p:spTree>
-  </p:cSld>
-  <p:clrMapOvr>
-    <a:masterClrMapping/>
-  </p:clrMapOvr>
-</p:notes>
-</file>
-
-<file path=ppt/notesSlides/notesSlide19.xml><?xml version="1.0" encoding="utf-8"?>
-<p:notes xmlns:a="http://schemas.openxmlformats.org/drawingml/2006/main" xmlns:r="http://schemas.openxmlformats.org/officeDocument/2006/relationships" xmlns:p="http://schemas.openxmlformats.org/presentationml/2006/main" showMasterSp="0" showMasterPhAnim="0">
-  <p:cSld>
-    <p:spTree>
-      <p:nvGrpSpPr>
-        <p:cNvPr id="1" name="Shape 565"/>
-        <p:cNvGrpSpPr/>
-        <p:nvPr/>
-      </p:nvGrpSpPr>
-      <p:grpSpPr>
-        <a:xfrm>
-          <a:off x="0" y="0"/>
-          <a:ext cx="0" cy="0"/>
-          <a:chOff x="0" y="0"/>
-          <a:chExt cx="0" cy="0"/>
-        </a:xfrm>
-      </p:grpSpPr>
-      <p:sp>
-        <p:nvSpPr>
-          <p:cNvPr id="566" name="Google Shape;566;g1534c337b14_0_12:notes"/>
-          <p:cNvSpPr>
-            <a:spLocks noGrp="1" noRot="1" noChangeAspect="1"/>
-          </p:cNvSpPr>
-          <p:nvPr>
-            <p:ph type="sldImg" idx="2"/>
-          </p:nvPr>
-        </p:nvSpPr>
-        <p:spPr>
-          <a:xfrm>
-            <a:off x="381000" y="685800"/>
-            <a:ext cx="6096000" cy="3429000"/>
-          </a:xfrm>
-          <a:custGeom>
-            <a:avLst/>
-            <a:gdLst/>
-            <a:ahLst/>
-            <a:cxnLst/>
-            <a:rect l="l" t="t" r="r" b="b"/>
-            <a:pathLst>
-              <a:path w="120000" h="120000" extrusionOk="0">
-                <a:moveTo>
-                  <a:pt x="0" y="0"/>
-                </a:moveTo>
-                <a:lnTo>
-                  <a:pt x="120000" y="0"/>
-                </a:lnTo>
-                <a:lnTo>
-                  <a:pt x="120000" y="120000"/>
-                </a:lnTo>
-                <a:lnTo>
-                  <a:pt x="0" y="120000"/>
-                </a:lnTo>
-                <a:close/>
-              </a:path>
-            </a:pathLst>
-          </a:custGeom>
-        </p:spPr>
-      </p:sp>
-      <p:sp>
-        <p:nvSpPr>
-          <p:cNvPr id="567" name="Google Shape;567;g1534c337b14_0_12:notes"/>
           <p:cNvSpPr txBox="1">
             <a:spLocks noGrp="1"/>
           </p:cNvSpPr>
@@ -1984,6 +1990,110 @@
   <p:cSld>
     <p:spTree>
       <p:nvGrpSpPr>
+        <p:cNvPr id="1" name="Shape 565"/>
+        <p:cNvGrpSpPr/>
+        <p:nvPr/>
+      </p:nvGrpSpPr>
+      <p:grpSpPr>
+        <a:xfrm>
+          <a:off x="0" y="0"/>
+          <a:ext cx="0" cy="0"/>
+          <a:chOff x="0" y="0"/>
+          <a:chExt cx="0" cy="0"/>
+        </a:xfrm>
+      </p:grpSpPr>
+      <p:sp>
+        <p:nvSpPr>
+          <p:cNvPr id="566" name="Google Shape;566;g1534c337b14_0_12:notes"/>
+          <p:cNvSpPr>
+            <a:spLocks noGrp="1" noRot="1" noChangeAspect="1"/>
+          </p:cNvSpPr>
+          <p:nvPr>
+            <p:ph type="sldImg" idx="2"/>
+          </p:nvPr>
+        </p:nvSpPr>
+        <p:spPr>
+          <a:xfrm>
+            <a:off x="381000" y="685800"/>
+            <a:ext cx="6096000" cy="3429000"/>
+          </a:xfrm>
+          <a:custGeom>
+            <a:avLst/>
+            <a:gdLst/>
+            <a:ahLst/>
+            <a:cxnLst/>
+            <a:rect l="l" t="t" r="r" b="b"/>
+            <a:pathLst>
+              <a:path w="120000" h="120000" extrusionOk="0">
+                <a:moveTo>
+                  <a:pt x="0" y="0"/>
+                </a:moveTo>
+                <a:lnTo>
+                  <a:pt x="120000" y="0"/>
+                </a:lnTo>
+                <a:lnTo>
+                  <a:pt x="120000" y="120000"/>
+                </a:lnTo>
+                <a:lnTo>
+                  <a:pt x="0" y="120000"/>
+                </a:lnTo>
+                <a:close/>
+              </a:path>
+            </a:pathLst>
+          </a:custGeom>
+        </p:spPr>
+      </p:sp>
+      <p:sp>
+        <p:nvSpPr>
+          <p:cNvPr id="567" name="Google Shape;567;g1534c337b14_0_12:notes"/>
+          <p:cNvSpPr txBox="1">
+            <a:spLocks noGrp="1"/>
+          </p:cNvSpPr>
+          <p:nvPr>
+            <p:ph type="body" idx="1"/>
+          </p:nvPr>
+        </p:nvSpPr>
+        <p:spPr>
+          <a:xfrm>
+            <a:off x="685800" y="4343400"/>
+            <a:ext cx="5486400" cy="4114800"/>
+          </a:xfrm>
+          <a:prstGeom prst="rect">
+            <a:avLst/>
+          </a:prstGeom>
+        </p:spPr>
+        <p:txBody>
+          <a:bodyPr spcFirstLastPara="1" wrap="square" lIns="91425" tIns="91425" rIns="91425" bIns="91425" anchor="t" anchorCtr="0">
+            <a:noAutofit/>
+          </a:bodyPr>
+          <a:lstStyle/>
+          <a:p>
+            <a:pPr marL="0" lvl="0" indent="0" algn="l" rtl="0">
+              <a:spcBef>
+                <a:spcPts val="0"/>
+              </a:spcBef>
+              <a:spcAft>
+                <a:spcPts val="0"/>
+              </a:spcAft>
+              <a:buNone/>
+            </a:pPr>
+            <a:endParaRPr/>
+          </a:p>
+        </p:txBody>
+      </p:sp>
+    </p:spTree>
+  </p:cSld>
+  <p:clrMapOvr>
+    <a:masterClrMapping/>
+  </p:clrMapOvr>
+</p:notes>
+</file>
+
+<file path=ppt/notesSlides/notesSlide21.xml><?xml version="1.0" encoding="utf-8"?>
+<p:notes xmlns:a="http://schemas.openxmlformats.org/drawingml/2006/main" xmlns:r="http://schemas.openxmlformats.org/officeDocument/2006/relationships" xmlns:p="http://schemas.openxmlformats.org/presentationml/2006/main" showMasterSp="0" showMasterPhAnim="0">
+  <p:cSld>
+    <p:spTree>
+      <p:nvGrpSpPr>
         <p:cNvPr id="1" name="Shape 584"/>
         <p:cNvGrpSpPr/>
         <p:nvPr/>
@@ -2083,7 +2193,7 @@
 </p:notes>
 </file>
 
-<file path=ppt/notesSlides/notesSlide21.xml><?xml version="1.0" encoding="utf-8"?>
+<file path=ppt/notesSlides/notesSlide22.xml><?xml version="1.0" encoding="utf-8"?>
 <p:notes xmlns:a="http://schemas.openxmlformats.org/drawingml/2006/main" xmlns:r="http://schemas.openxmlformats.org/officeDocument/2006/relationships" xmlns:p="http://schemas.openxmlformats.org/presentationml/2006/main" showMasterSp="0" showMasterPhAnim="0">
   <p:cSld>
     <p:spTree>
@@ -2492,11 +2602,6 @@
         </p:txBody>
       </p:sp>
     </p:spTree>
-    <p:extLst>
-      <p:ext uri="{BB962C8B-B14F-4D97-AF65-F5344CB8AC3E}">
-        <p14:creationId xmlns:p14="http://schemas.microsoft.com/office/powerpoint/2010/main" val="1705629393"/>
-      </p:ext>
-    </p:extLst>
   </p:cSld>
   <p:clrMapOvr>
     <a:masterClrMapping/>
@@ -2509,7 +2614,7 @@
   <p:cSld>
     <p:spTree>
       <p:nvGrpSpPr>
-        <p:cNvPr id="1" name="Shape 392"/>
+        <p:cNvPr id="1" name="Shape 376"/>
         <p:cNvGrpSpPr/>
         <p:nvPr/>
       </p:nvGrpSpPr>
@@ -2523,7 +2628,7 @@
       </p:grpSpPr>
       <p:sp>
         <p:nvSpPr>
-          <p:cNvPr id="393" name="Google Shape;393;g1524e77840e_1_1:notes"/>
+          <p:cNvPr id="377" name="Google Shape;377;gb37d1f1062_0_6:notes"/>
           <p:cNvSpPr>
             <a:spLocks noGrp="1" noRot="1" noChangeAspect="1"/>
           </p:cNvSpPr>
@@ -2564,7 +2669,7 @@
       </p:sp>
       <p:sp>
         <p:nvSpPr>
-          <p:cNvPr id="394" name="Google Shape;394;g1524e77840e_1_1:notes"/>
+          <p:cNvPr id="378" name="Google Shape;378;gb37d1f1062_0_6:notes"/>
           <p:cNvSpPr txBox="1">
             <a:spLocks noGrp="1"/>
           </p:cNvSpPr>
@@ -2596,24 +2701,16 @@
               </a:spcAft>
               <a:buNone/>
             </a:pPr>
-            <a:r>
-              <a:rPr lang="es-ES" sz="1400" b="0" i="0" dirty="0">
-                <a:solidFill>
-                  <a:srgbClr val="213343"/>
-                </a:solidFill>
-                <a:effectLst/>
-                <a:highlight>
-                  <a:srgbClr val="F6F9FC"/>
-                </a:highlight>
-                <a:latin typeface="Lexend Deca"/>
-              </a:rPr>
-              <a:t>Una plataforma digital es un entorno en el que los usuarios podemos llevar a cabo tareas, gestionar actividades, colaborar con otros usuarios e interactuar por medio de las herramientas y funcionalidades que ofrece dicha plataforma.</a:t>
-            </a:r>
-            <a:endParaRPr sz="1400" dirty="0"/>
+            <a:endParaRPr dirty="0"/>
           </a:p>
         </p:txBody>
       </p:sp>
     </p:spTree>
+    <p:extLst>
+      <p:ext uri="{BB962C8B-B14F-4D97-AF65-F5344CB8AC3E}">
+        <p14:creationId xmlns:p14="http://schemas.microsoft.com/office/powerpoint/2010/main" val="1705629393"/>
+      </p:ext>
+    </p:extLst>
   </p:cSld>
   <p:clrMapOvr>
     <a:masterClrMapping/>
@@ -2713,16 +2810,24 @@
               </a:spcAft>
               <a:buNone/>
             </a:pPr>
-            <a:endParaRPr lang="es-SV" sz="1400" noProof="0" dirty="0"/>
+            <a:r>
+              <a:rPr lang="es-ES" sz="1400" b="0" i="0" dirty="0">
+                <a:solidFill>
+                  <a:srgbClr val="213343"/>
+                </a:solidFill>
+                <a:effectLst/>
+                <a:highlight>
+                  <a:srgbClr val="F6F9FC"/>
+                </a:highlight>
+                <a:latin typeface="Lexend Deca"/>
+              </a:rPr>
+              <a:t>Una plataforma digital es un entorno en el que los usuarios podemos llevar a cabo tareas, gestionar actividades, colaborar con otros usuarios e interactuar por medio de las herramientas y funcionalidades que ofrece dicha plataforma.</a:t>
+            </a:r>
+            <a:endParaRPr sz="1400" dirty="0"/>
           </a:p>
         </p:txBody>
       </p:sp>
     </p:spTree>
-    <p:extLst>
-      <p:ext uri="{BB962C8B-B14F-4D97-AF65-F5344CB8AC3E}">
-        <p14:creationId xmlns:p14="http://schemas.microsoft.com/office/powerpoint/2010/main" val="3159113572"/>
-      </p:ext>
-    </p:extLst>
   </p:cSld>
   <p:clrMapOvr>
     <a:masterClrMapping/>
@@ -2822,7 +2927,7 @@
               </a:spcAft>
               <a:buNone/>
             </a:pPr>
-            <a:endParaRPr sz="1400" dirty="0"/>
+            <a:endParaRPr lang="es-SV" sz="1400" noProof="0" dirty="0"/>
           </a:p>
         </p:txBody>
       </p:sp>
@@ -2844,7 +2949,7 @@
   <p:cSld>
     <p:spTree>
       <p:nvGrpSpPr>
-        <p:cNvPr id="1" name="Shape 376"/>
+        <p:cNvPr id="1" name="Shape 392"/>
         <p:cNvGrpSpPr/>
         <p:nvPr/>
       </p:nvGrpSpPr>
@@ -2858,7 +2963,7 @@
       </p:grpSpPr>
       <p:sp>
         <p:nvSpPr>
-          <p:cNvPr id="377" name="Google Shape;377;gb37d1f1062_0_6:notes"/>
+          <p:cNvPr id="393" name="Google Shape;393;g1524e77840e_1_1:notes"/>
           <p:cNvSpPr>
             <a:spLocks noGrp="1" noRot="1" noChangeAspect="1"/>
           </p:cNvSpPr>
@@ -2899,7 +3004,7 @@
       </p:sp>
       <p:sp>
         <p:nvSpPr>
-          <p:cNvPr id="378" name="Google Shape;378;gb37d1f1062_0_6:notes"/>
+          <p:cNvPr id="394" name="Google Shape;394;g1524e77840e_1_1:notes"/>
           <p:cNvSpPr txBox="1">
             <a:spLocks noGrp="1"/>
           </p:cNvSpPr>
@@ -2931,14 +3036,14 @@
               </a:spcAft>
               <a:buNone/>
             </a:pPr>
-            <a:endParaRPr/>
+            <a:endParaRPr sz="1400" dirty="0"/>
           </a:p>
         </p:txBody>
       </p:sp>
     </p:spTree>
     <p:extLst>
       <p:ext uri="{BB962C8B-B14F-4D97-AF65-F5344CB8AC3E}">
-        <p14:creationId xmlns:p14="http://schemas.microsoft.com/office/powerpoint/2010/main" val="3540350435"/>
+        <p14:creationId xmlns:p14="http://schemas.microsoft.com/office/powerpoint/2010/main" val="3159113572"/>
       </p:ext>
     </p:extLst>
   </p:cSld>
@@ -19563,7 +19668,7 @@
           <p:cNvPr id="1026" name="Picture 2">
             <a:extLst>
               <a:ext uri="{FF2B5EF4-FFF2-40B4-BE49-F238E27FC236}">
-                <a16:creationId xmlns:a16="http://schemas.microsoft.com/office/drawing/2014/main" xmlns="" id="{A59F6FA5-FE73-88FF-760C-84556003BD99}"/>
+                <a16:creationId xmlns="" xmlns:a16="http://schemas.microsoft.com/office/drawing/2014/main" id="{A59F6FA5-FE73-88FF-760C-84556003BD99}"/>
               </a:ext>
             </a:extLst>
           </p:cNvPr>
@@ -19626,7 +19731,7 @@
         <p:push/>
       </p:transition>
     </mc:Choice>
-    <mc:Fallback xmlns:ahyp="http://schemas.microsoft.com/office/drawing/2018/hyperlinkcolor" xmlns:p15="http://schemas.microsoft.com/office/powerpoint/2012/main" xmlns:com="http://schemas.openxmlformats.org/drawingml/2006/compatibility" xmlns:pvml="urn:schemas-microsoft-com:office:powerpoint" xmlns:v="urn:schemas-microsoft-com:vml" xmlns:o="urn:schemas-microsoft-com:office:office" xmlns:dgm="http://schemas.openxmlformats.org/drawingml/2006/diagram" xmlns:c="http://schemas.openxmlformats.org/drawingml/2006/chart" xmlns:mv="urn:schemas-microsoft-com:mac:vml" xmlns="">
+    <mc:Fallback xmlns="" xmlns:mv="urn:schemas-microsoft-com:mac:vml" xmlns:c="http://schemas.openxmlformats.org/drawingml/2006/chart" xmlns:dgm="http://schemas.openxmlformats.org/drawingml/2006/diagram" xmlns:o="urn:schemas-microsoft-com:office:office" xmlns:v="urn:schemas-microsoft-com:vml" xmlns:pvml="urn:schemas-microsoft-com:office:powerpoint" xmlns:com="http://schemas.openxmlformats.org/drawingml/2006/compatibility" xmlns:p15="http://schemas.microsoft.com/office/powerpoint/2012/main" xmlns:ahyp="http://schemas.microsoft.com/office/drawing/2018/hyperlinkcolor">
       <p:transition spd="slow">
         <p:fade/>
       </p:transition>
@@ -19723,6 +19828,1238 @@
   <p:cSld>
     <p:spTree>
       <p:nvGrpSpPr>
+        <p:cNvPr id="1" name="Shape 379"/>
+        <p:cNvGrpSpPr/>
+        <p:nvPr/>
+      </p:nvGrpSpPr>
+      <p:grpSpPr>
+        <a:xfrm>
+          <a:off x="0" y="0"/>
+          <a:ext cx="0" cy="0"/>
+          <a:chOff x="0" y="0"/>
+          <a:chExt cx="0" cy="0"/>
+        </a:xfrm>
+      </p:grpSpPr>
+      <p:sp>
+        <p:nvSpPr>
+          <p:cNvPr id="380" name="Google Shape;380;p55">
+            <a:hlinkClick r:id="rId3" action="ppaction://hlinksldjump"/>
+          </p:cNvPr>
+          <p:cNvSpPr txBox="1">
+            <a:spLocks noGrp="1"/>
+          </p:cNvSpPr>
+          <p:nvPr>
+            <p:ph type="title"/>
+          </p:nvPr>
+        </p:nvSpPr>
+        <p:spPr>
+          <a:xfrm>
+            <a:off x="3224460" y="210504"/>
+            <a:ext cx="4167582" cy="484800"/>
+          </a:xfrm>
+          <a:prstGeom prst="rect">
+            <a:avLst/>
+          </a:prstGeom>
+        </p:spPr>
+        <p:txBody>
+          <a:bodyPr spcFirstLastPara="1" wrap="square" lIns="91425" tIns="91425" rIns="91425" bIns="91425" anchor="ctr" anchorCtr="0">
+            <a:noAutofit/>
+          </a:bodyPr>
+          <a:lstStyle/>
+          <a:p>
+            <a:pPr marL="0" lvl="0" indent="0" algn="l" rtl="0">
+              <a:spcBef>
+                <a:spcPts val="0"/>
+              </a:spcBef>
+              <a:spcAft>
+                <a:spcPts val="0"/>
+              </a:spcAft>
+              <a:buNone/>
+            </a:pPr>
+            <a:r>
+              <a:rPr lang="en" dirty="0"/>
+              <a:t>ANTECEDENTES</a:t>
+            </a:r>
+            <a:endParaRPr dirty="0"/>
+          </a:p>
+        </p:txBody>
+      </p:sp>
+      <p:sp>
+        <p:nvSpPr>
+          <p:cNvPr id="381" name="Google Shape;381;p55">
+            <a:hlinkClick r:id="rId3" action="ppaction://hlinksldjump"/>
+          </p:cNvPr>
+          <p:cNvSpPr txBox="1">
+            <a:spLocks noGrp="1"/>
+          </p:cNvSpPr>
+          <p:nvPr>
+            <p:ph type="title" idx="2"/>
+          </p:nvPr>
+        </p:nvSpPr>
+        <p:spPr>
+          <a:xfrm>
+            <a:off x="2432850" y="191572"/>
+            <a:ext cx="1275300" cy="593400"/>
+          </a:xfrm>
+          <a:prstGeom prst="rect">
+            <a:avLst/>
+          </a:prstGeom>
+        </p:spPr>
+        <p:txBody>
+          <a:bodyPr spcFirstLastPara="1" wrap="square" lIns="91425" tIns="91425" rIns="91425" bIns="91425" anchor="b" anchorCtr="0">
+            <a:noAutofit/>
+          </a:bodyPr>
+          <a:lstStyle/>
+          <a:p>
+            <a:pPr marL="0" lvl="0" indent="0" algn="l" rtl="0">
+              <a:spcBef>
+                <a:spcPts val="0"/>
+              </a:spcBef>
+              <a:spcAft>
+                <a:spcPts val="0"/>
+              </a:spcAft>
+              <a:buNone/>
+            </a:pPr>
+            <a:r>
+              <a:rPr lang="en" dirty="0"/>
+              <a:t>03</a:t>
+            </a:r>
+            <a:endParaRPr dirty="0"/>
+          </a:p>
+        </p:txBody>
+      </p:sp>
+      <p:sp>
+        <p:nvSpPr>
+          <p:cNvPr id="2" name="Flecha: a la derecha 1">
+            <a:extLst>
+              <a:ext uri="{FF2B5EF4-FFF2-40B4-BE49-F238E27FC236}">
+                <a16:creationId xmlns="" xmlns:a16="http://schemas.microsoft.com/office/drawing/2014/main" id="{00E23B6F-144C-08FE-41F7-C4EB53631182}"/>
+              </a:ext>
+            </a:extLst>
+          </p:cNvPr>
+          <p:cNvSpPr/>
+          <p:nvPr/>
+        </p:nvSpPr>
+        <p:spPr>
+          <a:xfrm>
+            <a:off x="1828803" y="2097885"/>
+            <a:ext cx="6557552" cy="593400"/>
+          </a:xfrm>
+          <a:prstGeom prst="rightArrow">
+            <a:avLst/>
+          </a:prstGeom>
+        </p:spPr>
+        <p:style>
+          <a:lnRef idx="2">
+            <a:schemeClr val="accent1">
+              <a:shade val="15000"/>
+            </a:schemeClr>
+          </a:lnRef>
+          <a:fillRef idx="1">
+            <a:schemeClr val="accent1"/>
+          </a:fillRef>
+          <a:effectRef idx="0">
+            <a:schemeClr val="accent1"/>
+          </a:effectRef>
+          <a:fontRef idx="minor">
+            <a:schemeClr val="lt1"/>
+          </a:fontRef>
+        </p:style>
+        <p:txBody>
+          <a:bodyPr rtlCol="0" anchor="ctr"/>
+          <a:lstStyle/>
+          <a:p>
+            <a:pPr algn="ctr"/>
+            <a:endParaRPr lang="es-SV"/>
+          </a:p>
+        </p:txBody>
+      </p:sp>
+      <p:sp>
+        <p:nvSpPr>
+          <p:cNvPr id="3" name="Rectángulo: esquinas redondeadas 2">
+            <a:extLst>
+              <a:ext uri="{FF2B5EF4-FFF2-40B4-BE49-F238E27FC236}">
+                <a16:creationId xmlns="" xmlns:a16="http://schemas.microsoft.com/office/drawing/2014/main" id="{0373B820-B7BC-687E-AA74-5C9C2A51FF28}"/>
+              </a:ext>
+            </a:extLst>
+          </p:cNvPr>
+          <p:cNvSpPr/>
+          <p:nvPr/>
+        </p:nvSpPr>
+        <p:spPr>
+          <a:xfrm>
+            <a:off x="1545910" y="1384184"/>
+            <a:ext cx="934599" cy="489923"/>
+          </a:xfrm>
+          <a:prstGeom prst="roundRect">
+            <a:avLst/>
+          </a:prstGeom>
+        </p:spPr>
+        <p:style>
+          <a:lnRef idx="2">
+            <a:schemeClr val="accent1">
+              <a:shade val="15000"/>
+            </a:schemeClr>
+          </a:lnRef>
+          <a:fillRef idx="1">
+            <a:schemeClr val="accent1"/>
+          </a:fillRef>
+          <a:effectRef idx="0">
+            <a:schemeClr val="accent1"/>
+          </a:effectRef>
+          <a:fontRef idx="minor">
+            <a:schemeClr val="lt1"/>
+          </a:fontRef>
+        </p:style>
+        <p:txBody>
+          <a:bodyPr rtlCol="0" anchor="ctr"/>
+          <a:lstStyle/>
+          <a:p>
+            <a:pPr algn="ctr"/>
+            <a:r>
+              <a:rPr lang="es-ES" sz="2000" dirty="0"/>
+              <a:t>1971</a:t>
+            </a:r>
+            <a:endParaRPr lang="es-SV" sz="2000" dirty="0"/>
+          </a:p>
+        </p:txBody>
+      </p:sp>
+      <p:sp>
+        <p:nvSpPr>
+          <p:cNvPr id="4" name="Rectángulo: esquinas redondeadas 3">
+            <a:extLst>
+              <a:ext uri="{FF2B5EF4-FFF2-40B4-BE49-F238E27FC236}">
+                <a16:creationId xmlns="" xmlns:a16="http://schemas.microsoft.com/office/drawing/2014/main" id="{66130A77-D042-568A-654D-AEBB27939F2D}"/>
+              </a:ext>
+            </a:extLst>
+          </p:cNvPr>
+          <p:cNvSpPr/>
+          <p:nvPr/>
+        </p:nvSpPr>
+        <p:spPr>
+          <a:xfrm>
+            <a:off x="3224460" y="1384184"/>
+            <a:ext cx="967379" cy="475292"/>
+          </a:xfrm>
+          <a:prstGeom prst="roundRect">
+            <a:avLst/>
+          </a:prstGeom>
+        </p:spPr>
+        <p:style>
+          <a:lnRef idx="2">
+            <a:schemeClr val="accent1">
+              <a:shade val="15000"/>
+            </a:schemeClr>
+          </a:lnRef>
+          <a:fillRef idx="1">
+            <a:schemeClr val="accent1"/>
+          </a:fillRef>
+          <a:effectRef idx="0">
+            <a:schemeClr val="accent1"/>
+          </a:effectRef>
+          <a:fontRef idx="minor">
+            <a:schemeClr val="lt1"/>
+          </a:fontRef>
+        </p:style>
+        <p:txBody>
+          <a:bodyPr rtlCol="0" anchor="ctr"/>
+          <a:lstStyle/>
+          <a:p>
+            <a:pPr algn="ctr"/>
+            <a:r>
+              <a:rPr lang="es-ES" sz="2000" dirty="0"/>
+              <a:t>1976</a:t>
+            </a:r>
+            <a:endParaRPr lang="es-SV" sz="2000" dirty="0"/>
+          </a:p>
+        </p:txBody>
+      </p:sp>
+      <p:sp>
+        <p:nvSpPr>
+          <p:cNvPr id="5" name="Rectángulo: esquinas redondeadas 4">
+            <a:extLst>
+              <a:ext uri="{FF2B5EF4-FFF2-40B4-BE49-F238E27FC236}">
+                <a16:creationId xmlns="" xmlns:a16="http://schemas.microsoft.com/office/drawing/2014/main" id="{552CC777-8633-CCA6-803C-F2A3AB53A45A}"/>
+              </a:ext>
+            </a:extLst>
+          </p:cNvPr>
+          <p:cNvSpPr/>
+          <p:nvPr/>
+        </p:nvSpPr>
+        <p:spPr>
+          <a:xfrm>
+            <a:off x="4400695" y="2940969"/>
+            <a:ext cx="967380" cy="443458"/>
+          </a:xfrm>
+          <a:prstGeom prst="roundRect">
+            <a:avLst/>
+          </a:prstGeom>
+        </p:spPr>
+        <p:style>
+          <a:lnRef idx="2">
+            <a:schemeClr val="accent1">
+              <a:shade val="15000"/>
+            </a:schemeClr>
+          </a:lnRef>
+          <a:fillRef idx="1">
+            <a:schemeClr val="accent1"/>
+          </a:fillRef>
+          <a:effectRef idx="0">
+            <a:schemeClr val="accent1"/>
+          </a:effectRef>
+          <a:fontRef idx="minor">
+            <a:schemeClr val="lt1"/>
+          </a:fontRef>
+        </p:style>
+        <p:txBody>
+          <a:bodyPr rtlCol="0" anchor="ctr"/>
+          <a:lstStyle/>
+          <a:p>
+            <a:pPr algn="ctr"/>
+            <a:r>
+              <a:rPr lang="es-ES" sz="2000" dirty="0"/>
+              <a:t>1979</a:t>
+            </a:r>
+            <a:endParaRPr lang="es-SV" sz="2000" dirty="0"/>
+          </a:p>
+        </p:txBody>
+      </p:sp>
+      <p:sp>
+        <p:nvSpPr>
+          <p:cNvPr id="6" name="Rectángulo: esquinas redondeadas 5">
+            <a:extLst>
+              <a:ext uri="{FF2B5EF4-FFF2-40B4-BE49-F238E27FC236}">
+                <a16:creationId xmlns="" xmlns:a16="http://schemas.microsoft.com/office/drawing/2014/main" id="{A98D6441-AFB7-A2BF-952D-75749D2ADEEE}"/>
+              </a:ext>
+            </a:extLst>
+          </p:cNvPr>
+          <p:cNvSpPr/>
+          <p:nvPr/>
+        </p:nvSpPr>
+        <p:spPr>
+          <a:xfrm>
+            <a:off x="4935787" y="1384184"/>
+            <a:ext cx="967376" cy="443458"/>
+          </a:xfrm>
+          <a:prstGeom prst="roundRect">
+            <a:avLst/>
+          </a:prstGeom>
+        </p:spPr>
+        <p:style>
+          <a:lnRef idx="2">
+            <a:schemeClr val="accent1">
+              <a:shade val="15000"/>
+            </a:schemeClr>
+          </a:lnRef>
+          <a:fillRef idx="1">
+            <a:schemeClr val="accent1"/>
+          </a:fillRef>
+          <a:effectRef idx="0">
+            <a:schemeClr val="accent1"/>
+          </a:effectRef>
+          <a:fontRef idx="minor">
+            <a:schemeClr val="lt1"/>
+          </a:fontRef>
+        </p:style>
+        <p:txBody>
+          <a:bodyPr rtlCol="0" anchor="ctr"/>
+          <a:lstStyle/>
+          <a:p>
+            <a:pPr algn="ctr"/>
+            <a:r>
+              <a:rPr lang="es-ES" sz="2000" dirty="0"/>
+              <a:t>1979</a:t>
+            </a:r>
+            <a:endParaRPr lang="es-SV" sz="2000" dirty="0"/>
+          </a:p>
+        </p:txBody>
+      </p:sp>
+      <p:sp>
+        <p:nvSpPr>
+          <p:cNvPr id="7" name="Rectángulo: esquinas redondeadas 6">
+            <a:extLst>
+              <a:ext uri="{FF2B5EF4-FFF2-40B4-BE49-F238E27FC236}">
+                <a16:creationId xmlns="" xmlns:a16="http://schemas.microsoft.com/office/drawing/2014/main" id="{BB44ECA5-0381-5810-1CC9-E610903BDE43}"/>
+              </a:ext>
+            </a:extLst>
+          </p:cNvPr>
+          <p:cNvSpPr/>
+          <p:nvPr/>
+        </p:nvSpPr>
+        <p:spPr>
+          <a:xfrm>
+            <a:off x="6932388" y="2903146"/>
+            <a:ext cx="1453967" cy="481281"/>
+          </a:xfrm>
+          <a:prstGeom prst="roundRect">
+            <a:avLst/>
+          </a:prstGeom>
+        </p:spPr>
+        <p:style>
+          <a:lnRef idx="2">
+            <a:schemeClr val="accent1">
+              <a:shade val="15000"/>
+            </a:schemeClr>
+          </a:lnRef>
+          <a:fillRef idx="1">
+            <a:schemeClr val="accent1"/>
+          </a:fillRef>
+          <a:effectRef idx="0">
+            <a:schemeClr val="accent1"/>
+          </a:effectRef>
+          <a:fontRef idx="minor">
+            <a:schemeClr val="lt1"/>
+          </a:fontRef>
+        </p:style>
+        <p:txBody>
+          <a:bodyPr rtlCol="0" anchor="ctr"/>
+          <a:lstStyle/>
+          <a:p>
+            <a:pPr algn="ctr"/>
+            <a:r>
+              <a:rPr lang="es-ES" sz="2000" dirty="0"/>
+              <a:t>Actualidad</a:t>
+            </a:r>
+            <a:endParaRPr lang="es-SV" sz="2000" dirty="0"/>
+          </a:p>
+        </p:txBody>
+      </p:sp>
+      <p:cxnSp>
+        <p:nvCxnSpPr>
+          <p:cNvPr id="9" name="Conector recto 8">
+            <a:extLst>
+              <a:ext uri="{FF2B5EF4-FFF2-40B4-BE49-F238E27FC236}">
+                <a16:creationId xmlns="" xmlns:a16="http://schemas.microsoft.com/office/drawing/2014/main" id="{9D5D1F85-05A8-43A7-BA6F-52EEE26F9C58}"/>
+              </a:ext>
+            </a:extLst>
+          </p:cNvPr>
+          <p:cNvCxnSpPr>
+            <a:cxnSpLocks/>
+          </p:cNvCxnSpPr>
+          <p:nvPr/>
+        </p:nvCxnSpPr>
+        <p:spPr>
+          <a:xfrm flipV="1">
+            <a:off x="2070471" y="1856793"/>
+            <a:ext cx="0" cy="361884"/>
+          </a:xfrm>
+          <a:prstGeom prst="line">
+            <a:avLst/>
+          </a:prstGeom>
+        </p:spPr>
+        <p:style>
+          <a:lnRef idx="3">
+            <a:schemeClr val="accent2"/>
+          </a:lnRef>
+          <a:fillRef idx="0">
+            <a:schemeClr val="accent2"/>
+          </a:fillRef>
+          <a:effectRef idx="2">
+            <a:schemeClr val="accent2"/>
+          </a:effectRef>
+          <a:fontRef idx="minor">
+            <a:schemeClr val="tx1"/>
+          </a:fontRef>
+        </p:style>
+      </p:cxnSp>
+      <p:cxnSp>
+        <p:nvCxnSpPr>
+          <p:cNvPr id="10" name="Conector recto 9">
+            <a:extLst>
+              <a:ext uri="{FF2B5EF4-FFF2-40B4-BE49-F238E27FC236}">
+                <a16:creationId xmlns="" xmlns:a16="http://schemas.microsoft.com/office/drawing/2014/main" id="{F773E55A-8B35-D2EC-1E5A-40AE0A0B6172}"/>
+              </a:ext>
+            </a:extLst>
+          </p:cNvPr>
+          <p:cNvCxnSpPr/>
+          <p:nvPr/>
+        </p:nvCxnSpPr>
+        <p:spPr>
+          <a:xfrm flipV="1">
+            <a:off x="3708150" y="1859476"/>
+            <a:ext cx="0" cy="361884"/>
+          </a:xfrm>
+          <a:prstGeom prst="line">
+            <a:avLst/>
+          </a:prstGeom>
+        </p:spPr>
+        <p:style>
+          <a:lnRef idx="3">
+            <a:schemeClr val="accent2"/>
+          </a:lnRef>
+          <a:fillRef idx="0">
+            <a:schemeClr val="accent2"/>
+          </a:fillRef>
+          <a:effectRef idx="2">
+            <a:schemeClr val="accent2"/>
+          </a:effectRef>
+          <a:fontRef idx="minor">
+            <a:schemeClr val="tx1"/>
+          </a:fontRef>
+        </p:style>
+      </p:cxnSp>
+      <p:cxnSp>
+        <p:nvCxnSpPr>
+          <p:cNvPr id="11" name="Conector recto 10">
+            <a:extLst>
+              <a:ext uri="{FF2B5EF4-FFF2-40B4-BE49-F238E27FC236}">
+                <a16:creationId xmlns="" xmlns:a16="http://schemas.microsoft.com/office/drawing/2014/main" id="{75B50888-94D7-C0ED-82E7-EB688AC5991C}"/>
+              </a:ext>
+            </a:extLst>
+          </p:cNvPr>
+          <p:cNvCxnSpPr>
+            <a:cxnSpLocks/>
+          </p:cNvCxnSpPr>
+          <p:nvPr/>
+        </p:nvCxnSpPr>
+        <p:spPr>
+          <a:xfrm flipV="1">
+            <a:off x="5419476" y="1875210"/>
+            <a:ext cx="0" cy="319049"/>
+          </a:xfrm>
+          <a:prstGeom prst="line">
+            <a:avLst/>
+          </a:prstGeom>
+        </p:spPr>
+        <p:style>
+          <a:lnRef idx="3">
+            <a:schemeClr val="accent2"/>
+          </a:lnRef>
+          <a:fillRef idx="0">
+            <a:schemeClr val="accent2"/>
+          </a:fillRef>
+          <a:effectRef idx="2">
+            <a:schemeClr val="accent2"/>
+          </a:effectRef>
+          <a:fontRef idx="minor">
+            <a:schemeClr val="tx1"/>
+          </a:fontRef>
+        </p:style>
+      </p:cxnSp>
+      <p:cxnSp>
+        <p:nvCxnSpPr>
+          <p:cNvPr id="12" name="Conector recto 11">
+            <a:extLst>
+              <a:ext uri="{FF2B5EF4-FFF2-40B4-BE49-F238E27FC236}">
+                <a16:creationId xmlns="" xmlns:a16="http://schemas.microsoft.com/office/drawing/2014/main" id="{1A5F608B-E232-55FC-B831-E0336496AA0D}"/>
+              </a:ext>
+            </a:extLst>
+          </p:cNvPr>
+          <p:cNvCxnSpPr/>
+          <p:nvPr/>
+        </p:nvCxnSpPr>
+        <p:spPr>
+          <a:xfrm flipV="1">
+            <a:off x="4884385" y="2579085"/>
+            <a:ext cx="0" cy="361884"/>
+          </a:xfrm>
+          <a:prstGeom prst="line">
+            <a:avLst/>
+          </a:prstGeom>
+        </p:spPr>
+        <p:style>
+          <a:lnRef idx="3">
+            <a:schemeClr val="accent2"/>
+          </a:lnRef>
+          <a:fillRef idx="0">
+            <a:schemeClr val="accent2"/>
+          </a:fillRef>
+          <a:effectRef idx="2">
+            <a:schemeClr val="accent2"/>
+          </a:effectRef>
+          <a:fontRef idx="minor">
+            <a:schemeClr val="tx1"/>
+          </a:fontRef>
+        </p:style>
+      </p:cxnSp>
+      <p:cxnSp>
+        <p:nvCxnSpPr>
+          <p:cNvPr id="13" name="Conector recto 12">
+            <a:extLst>
+              <a:ext uri="{FF2B5EF4-FFF2-40B4-BE49-F238E27FC236}">
+                <a16:creationId xmlns="" xmlns:a16="http://schemas.microsoft.com/office/drawing/2014/main" id="{8D230B11-D319-68D2-684A-5C62F07703F2}"/>
+              </a:ext>
+            </a:extLst>
+          </p:cNvPr>
+          <p:cNvCxnSpPr>
+            <a:cxnSpLocks/>
+          </p:cNvCxnSpPr>
+          <p:nvPr/>
+        </p:nvCxnSpPr>
+        <p:spPr>
+          <a:xfrm flipV="1">
+            <a:off x="7579942" y="2579085"/>
+            <a:ext cx="0" cy="281944"/>
+          </a:xfrm>
+          <a:prstGeom prst="line">
+            <a:avLst/>
+          </a:prstGeom>
+        </p:spPr>
+        <p:style>
+          <a:lnRef idx="3">
+            <a:schemeClr val="accent2"/>
+          </a:lnRef>
+          <a:fillRef idx="0">
+            <a:schemeClr val="accent2"/>
+          </a:fillRef>
+          <a:effectRef idx="2">
+            <a:schemeClr val="accent2"/>
+          </a:effectRef>
+          <a:fontRef idx="minor">
+            <a:schemeClr val="tx1"/>
+          </a:fontRef>
+        </p:style>
+      </p:cxnSp>
+      <p:sp>
+        <p:nvSpPr>
+          <p:cNvPr id="15" name="CuadroTexto 14">
+            <a:extLst>
+              <a:ext uri="{FF2B5EF4-FFF2-40B4-BE49-F238E27FC236}">
+                <a16:creationId xmlns="" xmlns:a16="http://schemas.microsoft.com/office/drawing/2014/main" id="{4E84C0F7-1C97-0F01-7E16-98EAE3B87B5B}"/>
+              </a:ext>
+            </a:extLst>
+          </p:cNvPr>
+          <p:cNvSpPr txBox="1"/>
+          <p:nvPr/>
+        </p:nvSpPr>
+        <p:spPr>
+          <a:xfrm>
+            <a:off x="1173179" y="771230"/>
+            <a:ext cx="1632857" cy="523220"/>
+          </a:xfrm>
+          <a:prstGeom prst="rect">
+            <a:avLst/>
+          </a:prstGeom>
+          <a:noFill/>
+        </p:spPr>
+        <p:txBody>
+          <a:bodyPr wrap="square">
+            <a:spAutoFit/>
+          </a:bodyPr>
+          <a:lstStyle/>
+          <a:p>
+            <a:pPr algn="ctr"/>
+            <a:r>
+              <a:rPr lang="es-SV" dirty="0">
+                <a:effectLst/>
+                <a:latin typeface="Arial" panose="020B0604020202020204" pitchFamily="34" charset="0"/>
+                <a:ea typeface="Times New Roman" panose="02020603050405020304" pitchFamily="18" charset="0"/>
+                <a:cs typeface="Times New Roman" panose="02020603050405020304" pitchFamily="18" charset="0"/>
+              </a:rPr>
+              <a:t>William Cartagena</a:t>
+            </a:r>
+            <a:br>
+              <a:rPr lang="es-SV" dirty="0">
+                <a:effectLst/>
+                <a:latin typeface="Arial" panose="020B0604020202020204" pitchFamily="34" charset="0"/>
+                <a:ea typeface="Times New Roman" panose="02020603050405020304" pitchFamily="18" charset="0"/>
+                <a:cs typeface="Times New Roman" panose="02020603050405020304" pitchFamily="18" charset="0"/>
+              </a:rPr>
+            </a:br>
+            <a:r>
+              <a:rPr lang="es-SV" dirty="0">
+                <a:effectLst/>
+                <a:latin typeface="Arial" panose="020B0604020202020204" pitchFamily="34" charset="0"/>
+                <a:ea typeface="Times New Roman" panose="02020603050405020304" pitchFamily="18" charset="0"/>
+                <a:cs typeface="Times New Roman" panose="02020603050405020304" pitchFamily="18" charset="0"/>
+              </a:rPr>
+              <a:t>UES</a:t>
+            </a:r>
+            <a:endParaRPr lang="es-SV" dirty="0"/>
+          </a:p>
+        </p:txBody>
+      </p:sp>
+      <p:sp>
+        <p:nvSpPr>
+          <p:cNvPr id="19" name="CuadroTexto 18">
+            <a:extLst>
+              <a:ext uri="{FF2B5EF4-FFF2-40B4-BE49-F238E27FC236}">
+                <a16:creationId xmlns="" xmlns:a16="http://schemas.microsoft.com/office/drawing/2014/main" id="{E2AA25C9-B4B4-3F87-C819-097AAC3C1A01}"/>
+              </a:ext>
+            </a:extLst>
+          </p:cNvPr>
+          <p:cNvSpPr txBox="1"/>
+          <p:nvPr/>
+        </p:nvSpPr>
+        <p:spPr>
+          <a:xfrm>
+            <a:off x="2258970" y="3705859"/>
+            <a:ext cx="1623060" cy="523220"/>
+          </a:xfrm>
+          <a:prstGeom prst="rect">
+            <a:avLst/>
+          </a:prstGeom>
+          <a:noFill/>
+        </p:spPr>
+        <p:txBody>
+          <a:bodyPr wrap="square">
+            <a:spAutoFit/>
+          </a:bodyPr>
+          <a:lstStyle/>
+          <a:p>
+            <a:pPr algn="ctr"/>
+            <a:r>
+              <a:rPr lang="es-SV" sz="1400" dirty="0">
+                <a:effectLst/>
+                <a:latin typeface="Arial" panose="020B0604020202020204" pitchFamily="34" charset="0"/>
+                <a:ea typeface="Times New Roman" panose="02020603050405020304" pitchFamily="18" charset="0"/>
+                <a:cs typeface="Times New Roman" panose="02020603050405020304" pitchFamily="18" charset="0"/>
+              </a:rPr>
+              <a:t>Cruz Santamarina</a:t>
+            </a:r>
+            <a:br>
+              <a:rPr lang="es-SV" sz="1400" dirty="0">
+                <a:effectLst/>
+                <a:latin typeface="Arial" panose="020B0604020202020204" pitchFamily="34" charset="0"/>
+                <a:ea typeface="Times New Roman" panose="02020603050405020304" pitchFamily="18" charset="0"/>
+                <a:cs typeface="Times New Roman" panose="02020603050405020304" pitchFamily="18" charset="0"/>
+              </a:rPr>
+            </a:br>
+            <a:r>
+              <a:rPr lang="es-SV" sz="1400" dirty="0">
+                <a:effectLst/>
+                <a:latin typeface="Arial" panose="020B0604020202020204" pitchFamily="34" charset="0"/>
+                <a:ea typeface="Times New Roman" panose="02020603050405020304" pitchFamily="18" charset="0"/>
+                <a:cs typeface="Times New Roman" panose="02020603050405020304" pitchFamily="18" charset="0"/>
+              </a:rPr>
+              <a:t>Experiencia</a:t>
+            </a:r>
+            <a:endParaRPr lang="es-SV" dirty="0"/>
+          </a:p>
+        </p:txBody>
+      </p:sp>
+      <p:sp>
+        <p:nvSpPr>
+          <p:cNvPr id="20" name="Rectángulo: esquinas redondeadas 19">
+            <a:extLst>
+              <a:ext uri="{FF2B5EF4-FFF2-40B4-BE49-F238E27FC236}">
+                <a16:creationId xmlns="" xmlns:a16="http://schemas.microsoft.com/office/drawing/2014/main" id="{7125D295-8AF2-EC1F-9FDE-58303CA7FF84}"/>
+              </a:ext>
+            </a:extLst>
+          </p:cNvPr>
+          <p:cNvSpPr/>
+          <p:nvPr/>
+        </p:nvSpPr>
+        <p:spPr>
+          <a:xfrm>
+            <a:off x="2586810" y="2929694"/>
+            <a:ext cx="967374" cy="454733"/>
+          </a:xfrm>
+          <a:prstGeom prst="roundRect">
+            <a:avLst/>
+          </a:prstGeom>
+        </p:spPr>
+        <p:style>
+          <a:lnRef idx="2">
+            <a:schemeClr val="accent1">
+              <a:shade val="15000"/>
+            </a:schemeClr>
+          </a:lnRef>
+          <a:fillRef idx="1">
+            <a:schemeClr val="accent1"/>
+          </a:fillRef>
+          <a:effectRef idx="0">
+            <a:schemeClr val="accent1"/>
+          </a:effectRef>
+          <a:fontRef idx="minor">
+            <a:schemeClr val="lt1"/>
+          </a:fontRef>
+        </p:style>
+        <p:txBody>
+          <a:bodyPr rtlCol="0" anchor="ctr"/>
+          <a:lstStyle/>
+          <a:p>
+            <a:pPr algn="ctr"/>
+            <a:r>
+              <a:rPr lang="es-ES" sz="2000" dirty="0"/>
+              <a:t>1976</a:t>
+            </a:r>
+            <a:endParaRPr lang="es-SV" sz="2000" dirty="0"/>
+          </a:p>
+        </p:txBody>
+      </p:sp>
+      <p:cxnSp>
+        <p:nvCxnSpPr>
+          <p:cNvPr id="21" name="Conector recto 20">
+            <a:extLst>
+              <a:ext uri="{FF2B5EF4-FFF2-40B4-BE49-F238E27FC236}">
+                <a16:creationId xmlns="" xmlns:a16="http://schemas.microsoft.com/office/drawing/2014/main" id="{164F3BB9-817D-14F1-A927-250A104CC19B}"/>
+              </a:ext>
+            </a:extLst>
+          </p:cNvPr>
+          <p:cNvCxnSpPr/>
+          <p:nvPr/>
+        </p:nvCxnSpPr>
+        <p:spPr>
+          <a:xfrm flipV="1">
+            <a:off x="3070500" y="2571750"/>
+            <a:ext cx="0" cy="361884"/>
+          </a:xfrm>
+          <a:prstGeom prst="line">
+            <a:avLst/>
+          </a:prstGeom>
+        </p:spPr>
+        <p:style>
+          <a:lnRef idx="3">
+            <a:schemeClr val="accent2"/>
+          </a:lnRef>
+          <a:fillRef idx="0">
+            <a:schemeClr val="accent2"/>
+          </a:fillRef>
+          <a:effectRef idx="2">
+            <a:schemeClr val="accent2"/>
+          </a:effectRef>
+          <a:fontRef idx="minor">
+            <a:schemeClr val="tx1"/>
+          </a:fontRef>
+        </p:style>
+      </p:cxnSp>
+      <p:sp>
+        <p:nvSpPr>
+          <p:cNvPr id="22" name="CuadroTexto 21">
+            <a:extLst>
+              <a:ext uri="{FF2B5EF4-FFF2-40B4-BE49-F238E27FC236}">
+                <a16:creationId xmlns="" xmlns:a16="http://schemas.microsoft.com/office/drawing/2014/main" id="{0E34C342-2BE5-9AFD-B8DE-60F5BF0535A0}"/>
+              </a:ext>
+            </a:extLst>
+          </p:cNvPr>
+          <p:cNvSpPr txBox="1"/>
+          <p:nvPr/>
+        </p:nvSpPr>
+        <p:spPr>
+          <a:xfrm>
+            <a:off x="2926032" y="735195"/>
+            <a:ext cx="1623060" cy="523220"/>
+          </a:xfrm>
+          <a:prstGeom prst="rect">
+            <a:avLst/>
+          </a:prstGeom>
+          <a:noFill/>
+        </p:spPr>
+        <p:txBody>
+          <a:bodyPr wrap="square">
+            <a:spAutoFit/>
+          </a:bodyPr>
+          <a:lstStyle/>
+          <a:p>
+            <a:pPr algn="ctr"/>
+            <a:r>
+              <a:rPr lang="es-SV" sz="1400" dirty="0">
+                <a:effectLst/>
+                <a:latin typeface="Arial" panose="020B0604020202020204" pitchFamily="34" charset="0"/>
+                <a:ea typeface="Times New Roman" panose="02020603050405020304" pitchFamily="18" charset="0"/>
+                <a:cs typeface="Times New Roman" panose="02020603050405020304" pitchFamily="18" charset="0"/>
+              </a:rPr>
+              <a:t>Hugo Ibarra</a:t>
+            </a:r>
+            <a:br>
+              <a:rPr lang="es-SV" sz="1400" dirty="0">
+                <a:effectLst/>
+                <a:latin typeface="Arial" panose="020B0604020202020204" pitchFamily="34" charset="0"/>
+                <a:ea typeface="Times New Roman" panose="02020603050405020304" pitchFamily="18" charset="0"/>
+                <a:cs typeface="Times New Roman" panose="02020603050405020304" pitchFamily="18" charset="0"/>
+              </a:rPr>
+            </a:br>
+            <a:r>
+              <a:rPr lang="es-SV" sz="1400" dirty="0">
+                <a:effectLst/>
+                <a:latin typeface="Arial" panose="020B0604020202020204" pitchFamily="34" charset="0"/>
+                <a:ea typeface="Times New Roman" panose="02020603050405020304" pitchFamily="18" charset="0"/>
+                <a:cs typeface="Times New Roman" panose="02020603050405020304" pitchFamily="18" charset="0"/>
+              </a:rPr>
+              <a:t>Alianza</a:t>
+            </a:r>
+            <a:endParaRPr lang="es-SV" dirty="0"/>
+          </a:p>
+        </p:txBody>
+      </p:sp>
+      <p:sp>
+        <p:nvSpPr>
+          <p:cNvPr id="23" name="CuadroTexto 22">
+            <a:extLst>
+              <a:ext uri="{FF2B5EF4-FFF2-40B4-BE49-F238E27FC236}">
+                <a16:creationId xmlns="" xmlns:a16="http://schemas.microsoft.com/office/drawing/2014/main" id="{59CB6B48-3FCF-4FC1-1E6E-659C628B5C99}"/>
+              </a:ext>
+            </a:extLst>
+          </p:cNvPr>
+          <p:cNvSpPr txBox="1"/>
+          <p:nvPr/>
+        </p:nvSpPr>
+        <p:spPr>
+          <a:xfrm>
+            <a:off x="4072855" y="3573504"/>
+            <a:ext cx="1623060" cy="523220"/>
+          </a:xfrm>
+          <a:prstGeom prst="rect">
+            <a:avLst/>
+          </a:prstGeom>
+          <a:noFill/>
+        </p:spPr>
+        <p:txBody>
+          <a:bodyPr wrap="square">
+            <a:spAutoFit/>
+          </a:bodyPr>
+          <a:lstStyle/>
+          <a:p>
+            <a:pPr algn="ctr"/>
+            <a:r>
+              <a:rPr lang="es-ES" dirty="0">
+                <a:latin typeface="Arial" panose="020B0604020202020204" pitchFamily="34" charset="0"/>
+                <a:cs typeface="Times New Roman" panose="02020603050405020304" pitchFamily="18" charset="0"/>
+              </a:rPr>
+              <a:t>E</a:t>
+            </a:r>
+            <a:r>
+              <a:rPr lang="es-SV" dirty="0">
+                <a:latin typeface="Arial" panose="020B0604020202020204" pitchFamily="34" charset="0"/>
+                <a:cs typeface="Times New Roman" panose="02020603050405020304" pitchFamily="18" charset="0"/>
+              </a:rPr>
+              <a:t>xpandirse</a:t>
+            </a:r>
+            <a:br>
+              <a:rPr lang="es-SV" dirty="0">
+                <a:latin typeface="Arial" panose="020B0604020202020204" pitchFamily="34" charset="0"/>
+                <a:cs typeface="Times New Roman" panose="02020603050405020304" pitchFamily="18" charset="0"/>
+              </a:rPr>
+            </a:br>
+            <a:r>
+              <a:rPr lang="es-SV" dirty="0">
+                <a:latin typeface="Arial" panose="020B0604020202020204" pitchFamily="34" charset="0"/>
+                <a:cs typeface="Times New Roman" panose="02020603050405020304" pitchFamily="18" charset="0"/>
+              </a:rPr>
+              <a:t>Clientes</a:t>
+            </a:r>
+            <a:endParaRPr lang="es-SV" dirty="0"/>
+          </a:p>
+        </p:txBody>
+      </p:sp>
+      <p:sp>
+        <p:nvSpPr>
+          <p:cNvPr id="24" name="CuadroTexto 23">
+            <a:extLst>
+              <a:ext uri="{FF2B5EF4-FFF2-40B4-BE49-F238E27FC236}">
+                <a16:creationId xmlns="" xmlns:a16="http://schemas.microsoft.com/office/drawing/2014/main" id="{32E76DBB-3BD8-12B7-EFE0-AA833866C9AC}"/>
+              </a:ext>
+            </a:extLst>
+          </p:cNvPr>
+          <p:cNvSpPr txBox="1"/>
+          <p:nvPr/>
+        </p:nvSpPr>
+        <p:spPr>
+          <a:xfrm>
+            <a:off x="4614985" y="933713"/>
+            <a:ext cx="1623060" cy="307777"/>
+          </a:xfrm>
+          <a:prstGeom prst="rect">
+            <a:avLst/>
+          </a:prstGeom>
+          <a:noFill/>
+        </p:spPr>
+        <p:txBody>
+          <a:bodyPr wrap="square">
+            <a:spAutoFit/>
+          </a:bodyPr>
+          <a:lstStyle/>
+          <a:p>
+            <a:pPr algn="ctr"/>
+            <a:r>
+              <a:rPr lang="es-ES" dirty="0">
+                <a:latin typeface="Arial" panose="020B0604020202020204" pitchFamily="34" charset="0"/>
+                <a:cs typeface="Times New Roman" panose="02020603050405020304" pitchFamily="18" charset="0"/>
+              </a:rPr>
+              <a:t>Propio Buffet</a:t>
+            </a:r>
+            <a:endParaRPr lang="es-SV" dirty="0"/>
+          </a:p>
+        </p:txBody>
+      </p:sp>
+      <p:sp>
+        <p:nvSpPr>
+          <p:cNvPr id="27" name="Rectángulo: esquinas redondeadas 26">
+            <a:extLst>
+              <a:ext uri="{FF2B5EF4-FFF2-40B4-BE49-F238E27FC236}">
+                <a16:creationId xmlns="" xmlns:a16="http://schemas.microsoft.com/office/drawing/2014/main" id="{2EEB89EB-BB31-6C5E-695C-49A04FB2A85E}"/>
+              </a:ext>
+            </a:extLst>
+          </p:cNvPr>
+          <p:cNvSpPr/>
+          <p:nvPr/>
+        </p:nvSpPr>
+        <p:spPr>
+          <a:xfrm>
+            <a:off x="6595689" y="1398261"/>
+            <a:ext cx="967380" cy="443458"/>
+          </a:xfrm>
+          <a:prstGeom prst="roundRect">
+            <a:avLst/>
+          </a:prstGeom>
+        </p:spPr>
+        <p:style>
+          <a:lnRef idx="2">
+            <a:schemeClr val="accent1">
+              <a:shade val="15000"/>
+            </a:schemeClr>
+          </a:lnRef>
+          <a:fillRef idx="1">
+            <a:schemeClr val="accent1"/>
+          </a:fillRef>
+          <a:effectRef idx="0">
+            <a:schemeClr val="accent1"/>
+          </a:effectRef>
+          <a:fontRef idx="minor">
+            <a:schemeClr val="lt1"/>
+          </a:fontRef>
+        </p:style>
+        <p:txBody>
+          <a:bodyPr rtlCol="0" anchor="ctr"/>
+          <a:lstStyle/>
+          <a:p>
+            <a:pPr algn="ctr"/>
+            <a:r>
+              <a:rPr lang="es-ES" sz="2000" dirty="0"/>
+              <a:t>1990</a:t>
+            </a:r>
+            <a:endParaRPr lang="es-SV" sz="2000" dirty="0"/>
+          </a:p>
+        </p:txBody>
+      </p:sp>
+      <p:sp>
+        <p:nvSpPr>
+          <p:cNvPr id="28" name="CuadroTexto 27">
+            <a:extLst>
+              <a:ext uri="{FF2B5EF4-FFF2-40B4-BE49-F238E27FC236}">
+                <a16:creationId xmlns="" xmlns:a16="http://schemas.microsoft.com/office/drawing/2014/main" id="{DBBC2768-E184-1C3C-6C62-9DEA3FA98D44}"/>
+              </a:ext>
+            </a:extLst>
+          </p:cNvPr>
+          <p:cNvSpPr txBox="1"/>
+          <p:nvPr/>
+        </p:nvSpPr>
+        <p:spPr>
+          <a:xfrm>
+            <a:off x="6267849" y="743755"/>
+            <a:ext cx="1623060" cy="523220"/>
+          </a:xfrm>
+          <a:prstGeom prst="rect">
+            <a:avLst/>
+          </a:prstGeom>
+          <a:noFill/>
+        </p:spPr>
+        <p:txBody>
+          <a:bodyPr wrap="square">
+            <a:spAutoFit/>
+          </a:bodyPr>
+          <a:lstStyle/>
+          <a:p>
+            <a:pPr algn="ctr"/>
+            <a:r>
+              <a:rPr lang="es-ES" dirty="0">
+                <a:latin typeface="Arial" panose="020B0604020202020204" pitchFamily="34" charset="0"/>
+                <a:cs typeface="Times New Roman" panose="02020603050405020304" pitchFamily="18" charset="0"/>
+              </a:rPr>
+              <a:t>Fallecimiento</a:t>
+            </a:r>
+            <a:br>
+              <a:rPr lang="es-ES" dirty="0">
+                <a:latin typeface="Arial" panose="020B0604020202020204" pitchFamily="34" charset="0"/>
+                <a:cs typeface="Times New Roman" panose="02020603050405020304" pitchFamily="18" charset="0"/>
+              </a:rPr>
+            </a:br>
+            <a:r>
+              <a:rPr lang="es-ES" dirty="0">
+                <a:latin typeface="Arial" panose="020B0604020202020204" pitchFamily="34" charset="0"/>
+                <a:cs typeface="Times New Roman" panose="02020603050405020304" pitchFamily="18" charset="0"/>
+              </a:rPr>
+              <a:t>Hugo Ibarra</a:t>
+            </a:r>
+            <a:endParaRPr lang="es-SV" dirty="0"/>
+          </a:p>
+        </p:txBody>
+      </p:sp>
+      <p:cxnSp>
+        <p:nvCxnSpPr>
+          <p:cNvPr id="29" name="Conector recto 28">
+            <a:extLst>
+              <a:ext uri="{FF2B5EF4-FFF2-40B4-BE49-F238E27FC236}">
+                <a16:creationId xmlns="" xmlns:a16="http://schemas.microsoft.com/office/drawing/2014/main" id="{3B1B6FC6-1663-598D-A545-04C612B8D1EB}"/>
+              </a:ext>
+            </a:extLst>
+          </p:cNvPr>
+          <p:cNvCxnSpPr/>
+          <p:nvPr/>
+        </p:nvCxnSpPr>
+        <p:spPr>
+          <a:xfrm flipV="1">
+            <a:off x="7094177" y="1853792"/>
+            <a:ext cx="0" cy="361884"/>
+          </a:xfrm>
+          <a:prstGeom prst="line">
+            <a:avLst/>
+          </a:prstGeom>
+        </p:spPr>
+        <p:style>
+          <a:lnRef idx="3">
+            <a:schemeClr val="accent2"/>
+          </a:lnRef>
+          <a:fillRef idx="0">
+            <a:schemeClr val="accent2"/>
+          </a:fillRef>
+          <a:effectRef idx="2">
+            <a:schemeClr val="accent2"/>
+          </a:effectRef>
+          <a:fontRef idx="minor">
+            <a:schemeClr val="tx1"/>
+          </a:fontRef>
+        </p:style>
+      </p:cxnSp>
+    </p:spTree>
+    <p:extLst>
+      <p:ext uri="{BB962C8B-B14F-4D97-AF65-F5344CB8AC3E}">
+        <p14:creationId xmlns:p14="http://schemas.microsoft.com/office/powerpoint/2010/main" val="3583690290"/>
+      </p:ext>
+    </p:extLst>
+  </p:cSld>
+  <p:clrMapOvr>
+    <a:masterClrMapping/>
+  </p:clrMapOvr>
+  <mc:AlternateContent xmlns:mc="http://schemas.openxmlformats.org/markup-compatibility/2006" xmlns:p14="http://schemas.microsoft.com/office/powerpoint/2010/main">
+    <mc:Choice Requires="p14">
+      <p:transition spd="slow">
+        <p:push/>
+      </p:transition>
+    </mc:Choice>
+    <mc:Fallback xmlns="" xmlns:mv="urn:schemas-microsoft-com:mac:vml" xmlns:c="http://schemas.openxmlformats.org/drawingml/2006/chart" xmlns:dgm="http://schemas.openxmlformats.org/drawingml/2006/diagram" xmlns:o="urn:schemas-microsoft-com:office:office" xmlns:v="urn:schemas-microsoft-com:vml" xmlns:pvml="urn:schemas-microsoft-com:office:powerpoint" xmlns:com="http://schemas.openxmlformats.org/drawingml/2006/compatibility" xmlns:p15="http://schemas.microsoft.com/office/powerpoint/2012/main" xmlns:ahyp="http://schemas.microsoft.com/office/drawing/2018/hyperlinkcolor">
+      <p:transition spd="slow">
+        <p:fade/>
+      </p:transition>
+    </mc:Fallback>
+  </mc:AlternateContent>
+  <p:timing>
+    <p:tnLst>
+      <p:par>
+        <p:cTn id="1" dur="indefinite" restart="never" nodeType="tmRoot">
+          <p:childTnLst>
+            <p:seq concurrent="1" nextAc="seek">
+              <p:cTn id="2" dur="indefinite" nodeType="mainSeq">
+                <p:childTnLst>
+                  <p:par>
+                    <p:cTn id="3" fill="hold">
+                      <p:stCondLst>
+                        <p:cond delay="indefinite"/>
+                      </p:stCondLst>
+                      <p:childTnLst>
+                        <p:par>
+                          <p:cTn id="4" fill="hold">
+                            <p:stCondLst>
+                              <p:cond delay="0"/>
+                            </p:stCondLst>
+                            <p:childTnLst>
+                              <p:par>
+                                <p:cTn id="5" presetID="10" presetClass="entr" presetSubtype="0" fill="hold" nodeType="clickEffect">
+                                  <p:stCondLst>
+                                    <p:cond delay="0"/>
+                                  </p:stCondLst>
+                                  <p:childTnLst>
+                                    <p:set>
+                                      <p:cBhvr>
+                                        <p:cTn id="6" dur="1" fill="hold">
+                                          <p:stCondLst>
+                                            <p:cond delay="0"/>
+                                          </p:stCondLst>
+                                        </p:cTn>
+                                        <p:tgtEl>
+                                          <p:spTgt spid="380"/>
+                                        </p:tgtEl>
+                                        <p:attrNameLst>
+                                          <p:attrName>style.visibility</p:attrName>
+                                        </p:attrNameLst>
+                                      </p:cBhvr>
+                                      <p:to>
+                                        <p:strVal val="visible"/>
+                                      </p:to>
+                                    </p:set>
+                                    <p:animEffect transition="in" filter="fade">
+                                      <p:cBhvr>
+                                        <p:cTn id="7" dur="1000"/>
+                                        <p:tgtEl>
+                                          <p:spTgt spid="380"/>
+                                        </p:tgtEl>
+                                      </p:cBhvr>
+                                    </p:animEffect>
+                                  </p:childTnLst>
+                                </p:cTn>
+                              </p:par>
+                              <p:par>
+                                <p:cTn id="8" presetID="10" presetClass="entr" presetSubtype="0" fill="hold" nodeType="withEffect">
+                                  <p:stCondLst>
+                                    <p:cond delay="0"/>
+                                  </p:stCondLst>
+                                  <p:childTnLst>
+                                    <p:set>
+                                      <p:cBhvr>
+                                        <p:cTn id="9" dur="1" fill="hold">
+                                          <p:stCondLst>
+                                            <p:cond delay="0"/>
+                                          </p:stCondLst>
+                                        </p:cTn>
+                                        <p:tgtEl>
+                                          <p:spTgt spid="381"/>
+                                        </p:tgtEl>
+                                        <p:attrNameLst>
+                                          <p:attrName>style.visibility</p:attrName>
+                                        </p:attrNameLst>
+                                      </p:cBhvr>
+                                      <p:to>
+                                        <p:strVal val="visible"/>
+                                      </p:to>
+                                    </p:set>
+                                    <p:animEffect transition="in" filter="fade">
+                                      <p:cBhvr>
+                                        <p:cTn id="10" dur="1000"/>
+                                        <p:tgtEl>
+                                          <p:spTgt spid="381"/>
+                                        </p:tgtEl>
+                                      </p:cBhvr>
+                                    </p:animEffect>
+                                  </p:childTnLst>
+                                </p:cTn>
+                              </p:par>
+                            </p:childTnLst>
+                          </p:cTn>
+                        </p:par>
+                      </p:childTnLst>
+                    </p:cTn>
+                  </p:par>
+                </p:childTnLst>
+              </p:cTn>
+              <p:prevCondLst>
+                <p:cond evt="onPrev" delay="0">
+                  <p:tgtEl>
+                    <p:sldTgt/>
+                  </p:tgtEl>
+                </p:cond>
+              </p:prevCondLst>
+              <p:nextCondLst>
+                <p:cond evt="onNext" delay="0">
+                  <p:tgtEl>
+                    <p:sldTgt/>
+                  </p:tgtEl>
+                </p:cond>
+              </p:nextCondLst>
+            </p:seq>
+          </p:childTnLst>
+        </p:cTn>
+      </p:par>
+    </p:tnLst>
+  </p:timing>
+</p:sld>
+</file>
+
+<file path=ppt/slides/slide11.xml><?xml version="1.0" encoding="utf-8"?>
+<p:sld xmlns:a="http://schemas.openxmlformats.org/drawingml/2006/main" xmlns:r="http://schemas.openxmlformats.org/officeDocument/2006/relationships" xmlns:p="http://schemas.openxmlformats.org/presentationml/2006/main">
+  <p:cSld>
+    <p:spTree>
+      <p:nvGrpSpPr>
         <p:cNvPr id="1" name="Shape 395"/>
         <p:cNvGrpSpPr/>
         <p:nvPr/>
@@ -19895,7 +21232,7 @@
           <p:cNvPr id="3" name="CuadroTexto 2">
             <a:extLst>
               <a:ext uri="{FF2B5EF4-FFF2-40B4-BE49-F238E27FC236}">
-                <a16:creationId xmlns:a16="http://schemas.microsoft.com/office/drawing/2014/main" xmlns="" id="{A91C3C62-9ED0-1F67-ADBC-3007905A784D}"/>
+                <a16:creationId xmlns="" xmlns:a16="http://schemas.microsoft.com/office/drawing/2014/main" id="{A91C3C62-9ED0-1F67-ADBC-3007905A784D}"/>
               </a:ext>
             </a:extLst>
           </p:cNvPr>
@@ -19940,7 +21277,7 @@
           <p:cNvPr id="5" name="CuadroTexto 4">
             <a:extLst>
               <a:ext uri="{FF2B5EF4-FFF2-40B4-BE49-F238E27FC236}">
-                <a16:creationId xmlns:a16="http://schemas.microsoft.com/office/drawing/2014/main" xmlns="" id="{41D7F2B5-62AC-058F-418A-2D2713CAA9EB}"/>
+                <a16:creationId xmlns="" xmlns:a16="http://schemas.microsoft.com/office/drawing/2014/main" id="{41D7F2B5-62AC-058F-418A-2D2713CAA9EB}"/>
               </a:ext>
             </a:extLst>
           </p:cNvPr>
@@ -19985,7 +21322,7 @@
           <p:cNvPr id="7" name="CuadroTexto 6">
             <a:extLst>
               <a:ext uri="{FF2B5EF4-FFF2-40B4-BE49-F238E27FC236}">
-                <a16:creationId xmlns:a16="http://schemas.microsoft.com/office/drawing/2014/main" xmlns="" id="{74F5EC71-0BA8-F059-3F08-71390569FA8C}"/>
+                <a16:creationId xmlns="" xmlns:a16="http://schemas.microsoft.com/office/drawing/2014/main" id="{74F5EC71-0BA8-F059-3F08-71390569FA8C}"/>
               </a:ext>
             </a:extLst>
           </p:cNvPr>
@@ -20036,7 +21373,7 @@
           <p:cNvPr id="9" name="CuadroTexto 8">
             <a:extLst>
               <a:ext uri="{FF2B5EF4-FFF2-40B4-BE49-F238E27FC236}">
-                <a16:creationId xmlns:a16="http://schemas.microsoft.com/office/drawing/2014/main" xmlns="" id="{F8EE4FC3-2943-598F-98E8-9707A2A28873}"/>
+                <a16:creationId xmlns="" xmlns:a16="http://schemas.microsoft.com/office/drawing/2014/main" id="{F8EE4FC3-2943-598F-98E8-9707A2A28873}"/>
               </a:ext>
             </a:extLst>
           </p:cNvPr>
@@ -20116,7 +21453,7 @@
         <p:push/>
       </p:transition>
     </mc:Choice>
-    <mc:Fallback xmlns:ahyp="http://schemas.microsoft.com/office/drawing/2018/hyperlinkcolor" xmlns:p15="http://schemas.microsoft.com/office/powerpoint/2012/main" xmlns:com="http://schemas.openxmlformats.org/drawingml/2006/compatibility" xmlns:pvml="urn:schemas-microsoft-com:office:powerpoint" xmlns:v="urn:schemas-microsoft-com:vml" xmlns:o="urn:schemas-microsoft-com:office:office" xmlns:dgm="http://schemas.openxmlformats.org/drawingml/2006/diagram" xmlns:c="http://schemas.openxmlformats.org/drawingml/2006/chart" xmlns:mv="urn:schemas-microsoft-com:mac:vml" xmlns="">
+    <mc:Fallback xmlns="" xmlns:mv="urn:schemas-microsoft-com:mac:vml" xmlns:c="http://schemas.openxmlformats.org/drawingml/2006/chart" xmlns:dgm="http://schemas.openxmlformats.org/drawingml/2006/diagram" xmlns:o="urn:schemas-microsoft-com:office:office" xmlns:v="urn:schemas-microsoft-com:vml" xmlns:pvml="urn:schemas-microsoft-com:office:powerpoint" xmlns:com="http://schemas.openxmlformats.org/drawingml/2006/compatibility" xmlns:p15="http://schemas.microsoft.com/office/powerpoint/2012/main" xmlns:ahyp="http://schemas.microsoft.com/office/drawing/2018/hyperlinkcolor">
       <p:transition spd="slow">
         <p:fade/>
       </p:transition>
@@ -20331,7 +21668,7 @@
 </p:sld>
 </file>
 
-<file path=ppt/slides/slide11.xml><?xml version="1.0" encoding="utf-8"?>
+<file path=ppt/slides/slide12.xml><?xml version="1.0" encoding="utf-8"?>
 <p:sld xmlns:a="http://schemas.openxmlformats.org/drawingml/2006/main" xmlns:r="http://schemas.openxmlformats.org/officeDocument/2006/relationships" xmlns:p="http://schemas.openxmlformats.org/presentationml/2006/main">
   <p:cSld>
     <p:spTree>
@@ -20561,7 +21898,7 @@
         <p:push/>
       </p:transition>
     </mc:Choice>
-    <mc:Fallback xmlns:ahyp="http://schemas.microsoft.com/office/drawing/2018/hyperlinkcolor" xmlns:p15="http://schemas.microsoft.com/office/powerpoint/2012/main" xmlns:com="http://schemas.openxmlformats.org/drawingml/2006/compatibility" xmlns:pvml="urn:schemas-microsoft-com:office:powerpoint" xmlns:v="urn:schemas-microsoft-com:vml" xmlns:o="urn:schemas-microsoft-com:office:office" xmlns:dgm="http://schemas.openxmlformats.org/drawingml/2006/diagram" xmlns:c="http://schemas.openxmlformats.org/drawingml/2006/chart" xmlns:mv="urn:schemas-microsoft-com:mac:vml" xmlns="">
+    <mc:Fallback xmlns="" xmlns:mv="urn:schemas-microsoft-com:mac:vml" xmlns:c="http://schemas.openxmlformats.org/drawingml/2006/chart" xmlns:dgm="http://schemas.openxmlformats.org/drawingml/2006/diagram" xmlns:o="urn:schemas-microsoft-com:office:office" xmlns:v="urn:schemas-microsoft-com:vml" xmlns:pvml="urn:schemas-microsoft-com:office:powerpoint" xmlns:com="http://schemas.openxmlformats.org/drawingml/2006/compatibility" xmlns:p15="http://schemas.microsoft.com/office/powerpoint/2012/main" xmlns:ahyp="http://schemas.microsoft.com/office/drawing/2018/hyperlinkcolor">
       <p:transition spd="slow">
         <p:fade/>
       </p:transition>
@@ -20811,7 +22148,7 @@
 </p:sld>
 </file>
 
-<file path=ppt/slides/slide12.xml><?xml version="1.0" encoding="utf-8"?>
+<file path=ppt/slides/slide13.xml><?xml version="1.0" encoding="utf-8"?>
 <p:sld xmlns:a="http://schemas.openxmlformats.org/drawingml/2006/main" xmlns:r="http://schemas.openxmlformats.org/officeDocument/2006/relationships" xmlns:p="http://schemas.openxmlformats.org/presentationml/2006/main">
   <p:cSld>
     <p:spTree>
@@ -20932,7 +22269,7 @@
         <p:push/>
       </p:transition>
     </mc:Choice>
-    <mc:Fallback xmlns:ahyp="http://schemas.microsoft.com/office/drawing/2018/hyperlinkcolor" xmlns:p15="http://schemas.microsoft.com/office/powerpoint/2012/main" xmlns:com="http://schemas.openxmlformats.org/drawingml/2006/compatibility" xmlns:pvml="urn:schemas-microsoft-com:office:powerpoint" xmlns:v="urn:schemas-microsoft-com:vml" xmlns:o="urn:schemas-microsoft-com:office:office" xmlns:dgm="http://schemas.openxmlformats.org/drawingml/2006/diagram" xmlns:c="http://schemas.openxmlformats.org/drawingml/2006/chart" xmlns:mv="urn:schemas-microsoft-com:mac:vml" xmlns="">
+    <mc:Fallback xmlns="" xmlns:mv="urn:schemas-microsoft-com:mac:vml" xmlns:c="http://schemas.openxmlformats.org/drawingml/2006/chart" xmlns:dgm="http://schemas.openxmlformats.org/drawingml/2006/diagram" xmlns:o="urn:schemas-microsoft-com:office:office" xmlns:v="urn:schemas-microsoft-com:vml" xmlns:pvml="urn:schemas-microsoft-com:office:powerpoint" xmlns:com="http://schemas.openxmlformats.org/drawingml/2006/compatibility" xmlns:p15="http://schemas.microsoft.com/office/powerpoint/2012/main" xmlns:ahyp="http://schemas.microsoft.com/office/drawing/2018/hyperlinkcolor">
       <p:transition spd="slow">
         <p:fade/>
       </p:transition>
@@ -21059,7 +22396,7 @@
 </p:sld>
 </file>
 
-<file path=ppt/slides/slide13.xml><?xml version="1.0" encoding="utf-8"?>
+<file path=ppt/slides/slide14.xml><?xml version="1.0" encoding="utf-8"?>
 <p:sld xmlns:a="http://schemas.openxmlformats.org/drawingml/2006/main" xmlns:r="http://schemas.openxmlformats.org/officeDocument/2006/relationships" xmlns:p="http://schemas.openxmlformats.org/presentationml/2006/main">
   <p:cSld>
     <p:bg>
@@ -21191,7 +22528,7 @@
         <p:push/>
       </p:transition>
     </mc:Choice>
-    <mc:Fallback xmlns:ahyp="http://schemas.microsoft.com/office/drawing/2018/hyperlinkcolor" xmlns:p15="http://schemas.microsoft.com/office/powerpoint/2012/main" xmlns:com="http://schemas.openxmlformats.org/drawingml/2006/compatibility" xmlns:pvml="urn:schemas-microsoft-com:office:powerpoint" xmlns:v="urn:schemas-microsoft-com:vml" xmlns:o="urn:schemas-microsoft-com:office:office" xmlns:dgm="http://schemas.openxmlformats.org/drawingml/2006/diagram" xmlns:c="http://schemas.openxmlformats.org/drawingml/2006/chart" xmlns:mv="urn:schemas-microsoft-com:mac:vml" xmlns="">
+    <mc:Fallback xmlns="" xmlns:mv="urn:schemas-microsoft-com:mac:vml" xmlns:c="http://schemas.openxmlformats.org/drawingml/2006/chart" xmlns:dgm="http://schemas.openxmlformats.org/drawingml/2006/diagram" xmlns:o="urn:schemas-microsoft-com:office:office" xmlns:v="urn:schemas-microsoft-com:vml" xmlns:pvml="urn:schemas-microsoft-com:office:powerpoint" xmlns:com="http://schemas.openxmlformats.org/drawingml/2006/compatibility" xmlns:p15="http://schemas.microsoft.com/office/powerpoint/2012/main" xmlns:ahyp="http://schemas.microsoft.com/office/drawing/2018/hyperlinkcolor">
       <p:transition spd="slow">
         <p:fade/>
       </p:transition>
@@ -21200,7 +22537,7 @@
 </p:sld>
 </file>
 
-<file path=ppt/slides/slide14.xml><?xml version="1.0" encoding="utf-8"?>
+<file path=ppt/slides/slide15.xml><?xml version="1.0" encoding="utf-8"?>
 <p:sld xmlns:a="http://schemas.openxmlformats.org/drawingml/2006/main" xmlns:r="http://schemas.openxmlformats.org/officeDocument/2006/relationships" xmlns:p="http://schemas.openxmlformats.org/presentationml/2006/main">
   <p:cSld>
     <p:bg>
@@ -21367,7 +22704,7 @@
         <p:push/>
       </p:transition>
     </mc:Choice>
-    <mc:Fallback xmlns:ahyp="http://schemas.microsoft.com/office/drawing/2018/hyperlinkcolor" xmlns:p15="http://schemas.microsoft.com/office/powerpoint/2012/main" xmlns:com="http://schemas.openxmlformats.org/drawingml/2006/compatibility" xmlns:pvml="urn:schemas-microsoft-com:office:powerpoint" xmlns:v="urn:schemas-microsoft-com:vml" xmlns:o="urn:schemas-microsoft-com:office:office" xmlns:dgm="http://schemas.openxmlformats.org/drawingml/2006/diagram" xmlns:c="http://schemas.openxmlformats.org/drawingml/2006/chart" xmlns:mv="urn:schemas-microsoft-com:mac:vml" xmlns="">
+    <mc:Fallback xmlns="" xmlns:mv="urn:schemas-microsoft-com:mac:vml" xmlns:c="http://schemas.openxmlformats.org/drawingml/2006/chart" xmlns:dgm="http://schemas.openxmlformats.org/drawingml/2006/diagram" xmlns:o="urn:schemas-microsoft-com:office:office" xmlns:v="urn:schemas-microsoft-com:vml" xmlns:pvml="urn:schemas-microsoft-com:office:powerpoint" xmlns:com="http://schemas.openxmlformats.org/drawingml/2006/compatibility" xmlns:p15="http://schemas.microsoft.com/office/powerpoint/2012/main" xmlns:ahyp="http://schemas.microsoft.com/office/drawing/2018/hyperlinkcolor">
       <p:transition spd="slow">
         <p:fade/>
       </p:transition>
@@ -21529,7 +22866,7 @@
 </p:sld>
 </file>
 
-<file path=ppt/slides/slide15.xml><?xml version="1.0" encoding="utf-8"?>
+<file path=ppt/slides/slide16.xml><?xml version="1.0" encoding="utf-8"?>
 <p:sld xmlns:a="http://schemas.openxmlformats.org/drawingml/2006/main" xmlns:r="http://schemas.openxmlformats.org/officeDocument/2006/relationships" xmlns:p="http://schemas.openxmlformats.org/presentationml/2006/main">
   <p:cSld>
     <p:spTree>
@@ -22999,7 +24336,7 @@
         <p:push/>
       </p:transition>
     </mc:Choice>
-    <mc:Fallback xmlns:ahyp="http://schemas.microsoft.com/office/drawing/2018/hyperlinkcolor" xmlns:p15="http://schemas.microsoft.com/office/powerpoint/2012/main" xmlns:com="http://schemas.openxmlformats.org/drawingml/2006/compatibility" xmlns:pvml="urn:schemas-microsoft-com:office:powerpoint" xmlns:v="urn:schemas-microsoft-com:vml" xmlns:o="urn:schemas-microsoft-com:office:office" xmlns:dgm="http://schemas.openxmlformats.org/drawingml/2006/diagram" xmlns:c="http://schemas.openxmlformats.org/drawingml/2006/chart" xmlns:mv="urn:schemas-microsoft-com:mac:vml" xmlns="">
+    <mc:Fallback xmlns="" xmlns:mv="urn:schemas-microsoft-com:mac:vml" xmlns:c="http://schemas.openxmlformats.org/drawingml/2006/chart" xmlns:dgm="http://schemas.openxmlformats.org/drawingml/2006/diagram" xmlns:o="urn:schemas-microsoft-com:office:office" xmlns:v="urn:schemas-microsoft-com:vml" xmlns:pvml="urn:schemas-microsoft-com:office:powerpoint" xmlns:com="http://schemas.openxmlformats.org/drawingml/2006/compatibility" xmlns:p15="http://schemas.microsoft.com/office/powerpoint/2012/main" xmlns:ahyp="http://schemas.microsoft.com/office/drawing/2018/hyperlinkcolor">
       <p:transition spd="slow">
         <p:fade/>
       </p:transition>
@@ -23008,7 +24345,7 @@
 </p:sld>
 </file>
 
-<file path=ppt/slides/slide16.xml><?xml version="1.0" encoding="utf-8"?>
+<file path=ppt/slides/slide17.xml><?xml version="1.0" encoding="utf-8"?>
 <p:sld xmlns:a="http://schemas.openxmlformats.org/drawingml/2006/main" xmlns:r="http://schemas.openxmlformats.org/officeDocument/2006/relationships" xmlns:p="http://schemas.openxmlformats.org/presentationml/2006/main">
   <p:cSld>
     <p:bg>
@@ -25173,7 +26510,7 @@
         <p:push/>
       </p:transition>
     </mc:Choice>
-    <mc:Fallback xmlns:ahyp="http://schemas.microsoft.com/office/drawing/2018/hyperlinkcolor" xmlns:p15="http://schemas.microsoft.com/office/powerpoint/2012/main" xmlns:com="http://schemas.openxmlformats.org/drawingml/2006/compatibility" xmlns:pvml="urn:schemas-microsoft-com:office:powerpoint" xmlns:v="urn:schemas-microsoft-com:vml" xmlns:o="urn:schemas-microsoft-com:office:office" xmlns:dgm="http://schemas.openxmlformats.org/drawingml/2006/diagram" xmlns:c="http://schemas.openxmlformats.org/drawingml/2006/chart" xmlns:mv="urn:schemas-microsoft-com:mac:vml" xmlns="">
+    <mc:Fallback xmlns="" xmlns:mv="urn:schemas-microsoft-com:mac:vml" xmlns:c="http://schemas.openxmlformats.org/drawingml/2006/chart" xmlns:dgm="http://schemas.openxmlformats.org/drawingml/2006/diagram" xmlns:o="urn:schemas-microsoft-com:office:office" xmlns:v="urn:schemas-microsoft-com:vml" xmlns:pvml="urn:schemas-microsoft-com:office:powerpoint" xmlns:com="http://schemas.openxmlformats.org/drawingml/2006/compatibility" xmlns:p15="http://schemas.microsoft.com/office/powerpoint/2012/main" xmlns:ahyp="http://schemas.microsoft.com/office/drawing/2018/hyperlinkcolor">
       <p:transition spd="slow">
         <p:fade/>
       </p:transition>
@@ -25182,7 +26519,7 @@
 </p:sld>
 </file>
 
-<file path=ppt/slides/slide17.xml><?xml version="1.0" encoding="utf-8"?>
+<file path=ppt/slides/slide18.xml><?xml version="1.0" encoding="utf-8"?>
 <p:sld xmlns:a="http://schemas.openxmlformats.org/drawingml/2006/main" xmlns:r="http://schemas.openxmlformats.org/officeDocument/2006/relationships" xmlns:p="http://schemas.openxmlformats.org/presentationml/2006/main">
   <p:cSld>
     <p:spTree>
@@ -26069,7 +27406,7 @@
         <p:push/>
       </p:transition>
     </mc:Choice>
-    <mc:Fallback xmlns:ahyp="http://schemas.microsoft.com/office/drawing/2018/hyperlinkcolor" xmlns:p15="http://schemas.microsoft.com/office/powerpoint/2012/main" xmlns:com="http://schemas.openxmlformats.org/drawingml/2006/compatibility" xmlns:pvml="urn:schemas-microsoft-com:office:powerpoint" xmlns:v="urn:schemas-microsoft-com:vml" xmlns:o="urn:schemas-microsoft-com:office:office" xmlns:dgm="http://schemas.openxmlformats.org/drawingml/2006/diagram" xmlns:c="http://schemas.openxmlformats.org/drawingml/2006/chart" xmlns:mv="urn:schemas-microsoft-com:mac:vml" xmlns="">
+    <mc:Fallback xmlns="" xmlns:mv="urn:schemas-microsoft-com:mac:vml" xmlns:c="http://schemas.openxmlformats.org/drawingml/2006/chart" xmlns:dgm="http://schemas.openxmlformats.org/drawingml/2006/diagram" xmlns:o="urn:schemas-microsoft-com:office:office" xmlns:v="urn:schemas-microsoft-com:vml" xmlns:pvml="urn:schemas-microsoft-com:office:powerpoint" xmlns:com="http://schemas.openxmlformats.org/drawingml/2006/compatibility" xmlns:p15="http://schemas.microsoft.com/office/powerpoint/2012/main" xmlns:ahyp="http://schemas.microsoft.com/office/drawing/2018/hyperlinkcolor">
       <p:transition spd="slow">
         <p:fade/>
       </p:transition>
@@ -26705,7 +28042,7 @@
 </p:sld>
 </file>
 
-<file path=ppt/slides/slide18.xml><?xml version="1.0" encoding="utf-8"?>
+<file path=ppt/slides/slide19.xml><?xml version="1.0" encoding="utf-8"?>
 <p:sld xmlns:a="http://schemas.openxmlformats.org/drawingml/2006/main" xmlns:r="http://schemas.openxmlformats.org/officeDocument/2006/relationships" xmlns:p="http://schemas.openxmlformats.org/presentationml/2006/main">
   <p:cSld>
     <p:spTree>
@@ -28968,7 +30305,7 @@
         <p:push/>
       </p:transition>
     </mc:Choice>
-    <mc:Fallback xmlns:ahyp="http://schemas.microsoft.com/office/drawing/2018/hyperlinkcolor" xmlns:p15="http://schemas.microsoft.com/office/powerpoint/2012/main" xmlns:com="http://schemas.openxmlformats.org/drawingml/2006/compatibility" xmlns:pvml="urn:schemas-microsoft-com:office:powerpoint" xmlns:v="urn:schemas-microsoft-com:vml" xmlns:o="urn:schemas-microsoft-com:office:office" xmlns:dgm="http://schemas.openxmlformats.org/drawingml/2006/diagram" xmlns:c="http://schemas.openxmlformats.org/drawingml/2006/chart" xmlns:mv="urn:schemas-microsoft-com:mac:vml" xmlns="">
+    <mc:Fallback xmlns="" xmlns:mv="urn:schemas-microsoft-com:mac:vml" xmlns:c="http://schemas.openxmlformats.org/drawingml/2006/chart" xmlns:dgm="http://schemas.openxmlformats.org/drawingml/2006/diagram" xmlns:o="urn:schemas-microsoft-com:office:office" xmlns:v="urn:schemas-microsoft-com:vml" xmlns:pvml="urn:schemas-microsoft-com:office:powerpoint" xmlns:com="http://schemas.openxmlformats.org/drawingml/2006/compatibility" xmlns:p15="http://schemas.microsoft.com/office/powerpoint/2012/main" xmlns:ahyp="http://schemas.microsoft.com/office/drawing/2018/hyperlinkcolor">
       <p:transition spd="slow">
         <p:fade/>
       </p:transition>
@@ -28977,7 +30314,466 @@
 </p:sld>
 </file>
 
-<file path=ppt/slides/slide19.xml><?xml version="1.0" encoding="utf-8"?>
+<file path=ppt/slides/slide2.xml><?xml version="1.0" encoding="utf-8"?>
+<p:sld xmlns:a="http://schemas.openxmlformats.org/drawingml/2006/main" xmlns:r="http://schemas.openxmlformats.org/officeDocument/2006/relationships" xmlns:p="http://schemas.openxmlformats.org/presentationml/2006/main">
+  <p:cSld>
+    <p:bg>
+      <p:bgPr>
+        <a:blipFill>
+          <a:blip r:embed="rId3">
+            <a:alphaModFix/>
+          </a:blip>
+          <a:stretch>
+            <a:fillRect/>
+          </a:stretch>
+        </a:blipFill>
+        <a:effectLst/>
+      </p:bgPr>
+    </p:bg>
+    <p:spTree>
+      <p:nvGrpSpPr>
+        <p:cNvPr id="1" name="Shape 426"/>
+        <p:cNvGrpSpPr/>
+        <p:nvPr/>
+      </p:nvGrpSpPr>
+      <p:grpSpPr>
+        <a:xfrm>
+          <a:off x="0" y="0"/>
+          <a:ext cx="0" cy="0"/>
+          <a:chOff x="0" y="0"/>
+          <a:chExt cx="0" cy="0"/>
+        </a:xfrm>
+      </p:grpSpPr>
+      <p:sp>
+        <p:nvSpPr>
+          <p:cNvPr id="427" name="Google Shape;427;p58"/>
+          <p:cNvSpPr txBox="1">
+            <a:spLocks noGrp="1"/>
+          </p:cNvSpPr>
+          <p:nvPr>
+            <p:ph type="title"/>
+          </p:nvPr>
+        </p:nvSpPr>
+        <p:spPr>
+          <a:xfrm>
+            <a:off x="837566" y="1270710"/>
+            <a:ext cx="4430400" cy="572700"/>
+          </a:xfrm>
+          <a:prstGeom prst="rect">
+            <a:avLst/>
+          </a:prstGeom>
+        </p:spPr>
+        <p:txBody>
+          <a:bodyPr spcFirstLastPara="1" wrap="square" lIns="91425" tIns="91425" rIns="91425" bIns="91425" anchor="t" anchorCtr="0">
+            <a:noAutofit/>
+          </a:bodyPr>
+          <a:lstStyle/>
+          <a:p>
+            <a:pPr marL="0" lvl="0" indent="0" algn="ctr" rtl="0">
+              <a:spcBef>
+                <a:spcPts val="0"/>
+              </a:spcBef>
+              <a:spcAft>
+                <a:spcPts val="0"/>
+              </a:spcAft>
+              <a:buNone/>
+            </a:pPr>
+            <a:r>
+              <a:rPr lang="en" sz="4400" b="1" dirty="0"/>
+              <a:t>TEMA</a:t>
+            </a:r>
+            <a:endParaRPr sz="4400" b="1" dirty="0"/>
+          </a:p>
+        </p:txBody>
+      </p:sp>
+      <p:sp>
+        <p:nvSpPr>
+          <p:cNvPr id="365" name="Google Shape;365;p53"/>
+          <p:cNvSpPr txBox="1">
+            <a:spLocks/>
+          </p:cNvSpPr>
+          <p:nvPr/>
+        </p:nvSpPr>
+        <p:spPr>
+          <a:xfrm>
+            <a:off x="597311" y="2181498"/>
+            <a:ext cx="5620607" cy="1815892"/>
+          </a:xfrm>
+          <a:prstGeom prst="rect">
+            <a:avLst/>
+          </a:prstGeom>
+          <a:noFill/>
+          <a:ln>
+            <a:noFill/>
+          </a:ln>
+        </p:spPr>
+        <p:txBody>
+          <a:bodyPr spcFirstLastPara="1" wrap="square" lIns="91425" tIns="91425" rIns="91425" bIns="91425" anchor="t" anchorCtr="0">
+            <a:noAutofit/>
+          </a:bodyPr>
+          <a:lstStyle>
+            <a:defPPr marR="0" lvl="0" algn="l" rtl="0">
+              <a:lnSpc>
+                <a:spcPct val="100000"/>
+              </a:lnSpc>
+              <a:spcBef>
+                <a:spcPts val="0"/>
+              </a:spcBef>
+              <a:spcAft>
+                <a:spcPts val="0"/>
+              </a:spcAft>
+            </a:defPPr>
+            <a:lvl1pPr marL="457200" marR="0" lvl="0" indent="-342900" algn="ctr" rtl="0">
+              <a:lnSpc>
+                <a:spcPct val="100000"/>
+              </a:lnSpc>
+              <a:spcBef>
+                <a:spcPts val="0"/>
+              </a:spcBef>
+              <a:spcAft>
+                <a:spcPts val="0"/>
+              </a:spcAft>
+              <a:buClr>
+                <a:schemeClr val="dk2"/>
+              </a:buClr>
+              <a:buSzPts val="1800"/>
+              <a:buFont typeface="Montserrat Medium"/>
+              <a:buNone/>
+              <a:defRPr sz="1500" b="0" i="0" u="none" strike="noStrike" cap="none">
+                <a:solidFill>
+                  <a:schemeClr val="dk2"/>
+                </a:solidFill>
+                <a:latin typeface="Montserrat Medium"/>
+                <a:ea typeface="Montserrat Medium"/>
+                <a:cs typeface="Montserrat Medium"/>
+                <a:sym typeface="Montserrat Medium"/>
+              </a:defRPr>
+            </a:lvl1pPr>
+            <a:lvl2pPr marL="914400" marR="0" lvl="1" indent="-317500" algn="ctr" rtl="0">
+              <a:lnSpc>
+                <a:spcPct val="100000"/>
+              </a:lnSpc>
+              <a:spcBef>
+                <a:spcPts val="0"/>
+              </a:spcBef>
+              <a:spcAft>
+                <a:spcPts val="0"/>
+              </a:spcAft>
+              <a:buClr>
+                <a:schemeClr val="dk2"/>
+              </a:buClr>
+              <a:buSzPts val="1400"/>
+              <a:buFont typeface="Montserrat Medium"/>
+              <a:buNone/>
+              <a:defRPr sz="1400" b="0" i="0" u="none" strike="noStrike" cap="none">
+                <a:solidFill>
+                  <a:schemeClr val="dk2"/>
+                </a:solidFill>
+                <a:latin typeface="Montserrat Medium"/>
+                <a:ea typeface="Montserrat Medium"/>
+                <a:cs typeface="Montserrat Medium"/>
+                <a:sym typeface="Montserrat Medium"/>
+              </a:defRPr>
+            </a:lvl2pPr>
+            <a:lvl3pPr marL="1371600" marR="0" lvl="2" indent="-317500" algn="ctr" rtl="0">
+              <a:lnSpc>
+                <a:spcPct val="100000"/>
+              </a:lnSpc>
+              <a:spcBef>
+                <a:spcPts val="0"/>
+              </a:spcBef>
+              <a:spcAft>
+                <a:spcPts val="0"/>
+              </a:spcAft>
+              <a:buClr>
+                <a:schemeClr val="dk2"/>
+              </a:buClr>
+              <a:buSzPts val="1400"/>
+              <a:buFont typeface="Montserrat Medium"/>
+              <a:buNone/>
+              <a:defRPr sz="1400" b="0" i="0" u="none" strike="noStrike" cap="none">
+                <a:solidFill>
+                  <a:schemeClr val="dk2"/>
+                </a:solidFill>
+                <a:latin typeface="Montserrat Medium"/>
+                <a:ea typeface="Montserrat Medium"/>
+                <a:cs typeface="Montserrat Medium"/>
+                <a:sym typeface="Montserrat Medium"/>
+              </a:defRPr>
+            </a:lvl3pPr>
+            <a:lvl4pPr marL="1828800" marR="0" lvl="3" indent="-317500" algn="ctr" rtl="0">
+              <a:lnSpc>
+                <a:spcPct val="100000"/>
+              </a:lnSpc>
+              <a:spcBef>
+                <a:spcPts val="0"/>
+              </a:spcBef>
+              <a:spcAft>
+                <a:spcPts val="0"/>
+              </a:spcAft>
+              <a:buClr>
+                <a:schemeClr val="dk2"/>
+              </a:buClr>
+              <a:buSzPts val="1400"/>
+              <a:buFont typeface="Montserrat Medium"/>
+              <a:buNone/>
+              <a:defRPr sz="1400" b="0" i="0" u="none" strike="noStrike" cap="none">
+                <a:solidFill>
+                  <a:schemeClr val="dk2"/>
+                </a:solidFill>
+                <a:latin typeface="Montserrat Medium"/>
+                <a:ea typeface="Montserrat Medium"/>
+                <a:cs typeface="Montserrat Medium"/>
+                <a:sym typeface="Montserrat Medium"/>
+              </a:defRPr>
+            </a:lvl4pPr>
+            <a:lvl5pPr marL="2286000" marR="0" lvl="4" indent="-317500" algn="ctr" rtl="0">
+              <a:lnSpc>
+                <a:spcPct val="100000"/>
+              </a:lnSpc>
+              <a:spcBef>
+                <a:spcPts val="0"/>
+              </a:spcBef>
+              <a:spcAft>
+                <a:spcPts val="0"/>
+              </a:spcAft>
+              <a:buClr>
+                <a:schemeClr val="dk2"/>
+              </a:buClr>
+              <a:buSzPts val="1400"/>
+              <a:buFont typeface="Montserrat Medium"/>
+              <a:buNone/>
+              <a:defRPr sz="1400" b="0" i="0" u="none" strike="noStrike" cap="none">
+                <a:solidFill>
+                  <a:schemeClr val="dk2"/>
+                </a:solidFill>
+                <a:latin typeface="Montserrat Medium"/>
+                <a:ea typeface="Montserrat Medium"/>
+                <a:cs typeface="Montserrat Medium"/>
+                <a:sym typeface="Montserrat Medium"/>
+              </a:defRPr>
+            </a:lvl5pPr>
+            <a:lvl6pPr marL="2743200" marR="0" lvl="5" indent="-317500" algn="ctr" rtl="0">
+              <a:lnSpc>
+                <a:spcPct val="100000"/>
+              </a:lnSpc>
+              <a:spcBef>
+                <a:spcPts val="0"/>
+              </a:spcBef>
+              <a:spcAft>
+                <a:spcPts val="0"/>
+              </a:spcAft>
+              <a:buClr>
+                <a:schemeClr val="dk2"/>
+              </a:buClr>
+              <a:buSzPts val="1400"/>
+              <a:buFont typeface="Montserrat Medium"/>
+              <a:buNone/>
+              <a:defRPr sz="1400" b="0" i="0" u="none" strike="noStrike" cap="none">
+                <a:solidFill>
+                  <a:schemeClr val="dk2"/>
+                </a:solidFill>
+                <a:latin typeface="Montserrat Medium"/>
+                <a:ea typeface="Montserrat Medium"/>
+                <a:cs typeface="Montserrat Medium"/>
+                <a:sym typeface="Montserrat Medium"/>
+              </a:defRPr>
+            </a:lvl6pPr>
+            <a:lvl7pPr marL="3200400" marR="0" lvl="6" indent="-317500" algn="ctr" rtl="0">
+              <a:lnSpc>
+                <a:spcPct val="100000"/>
+              </a:lnSpc>
+              <a:spcBef>
+                <a:spcPts val="0"/>
+              </a:spcBef>
+              <a:spcAft>
+                <a:spcPts val="0"/>
+              </a:spcAft>
+              <a:buClr>
+                <a:schemeClr val="dk2"/>
+              </a:buClr>
+              <a:buSzPts val="1400"/>
+              <a:buFont typeface="Montserrat Medium"/>
+              <a:buNone/>
+              <a:defRPr sz="1400" b="0" i="0" u="none" strike="noStrike" cap="none">
+                <a:solidFill>
+                  <a:schemeClr val="dk2"/>
+                </a:solidFill>
+                <a:latin typeface="Montserrat Medium"/>
+                <a:ea typeface="Montserrat Medium"/>
+                <a:cs typeface="Montserrat Medium"/>
+                <a:sym typeface="Montserrat Medium"/>
+              </a:defRPr>
+            </a:lvl7pPr>
+            <a:lvl8pPr marL="3657600" marR="0" lvl="7" indent="-317500" algn="ctr" rtl="0">
+              <a:lnSpc>
+                <a:spcPct val="100000"/>
+              </a:lnSpc>
+              <a:spcBef>
+                <a:spcPts val="0"/>
+              </a:spcBef>
+              <a:spcAft>
+                <a:spcPts val="0"/>
+              </a:spcAft>
+              <a:buClr>
+                <a:schemeClr val="dk2"/>
+              </a:buClr>
+              <a:buSzPts val="1400"/>
+              <a:buFont typeface="Montserrat Medium"/>
+              <a:buNone/>
+              <a:defRPr sz="1400" b="0" i="0" u="none" strike="noStrike" cap="none">
+                <a:solidFill>
+                  <a:schemeClr val="dk2"/>
+                </a:solidFill>
+                <a:latin typeface="Montserrat Medium"/>
+                <a:ea typeface="Montserrat Medium"/>
+                <a:cs typeface="Montserrat Medium"/>
+                <a:sym typeface="Montserrat Medium"/>
+              </a:defRPr>
+            </a:lvl8pPr>
+            <a:lvl9pPr marL="4114800" marR="0" lvl="8" indent="-317500" algn="ctr" rtl="0">
+              <a:lnSpc>
+                <a:spcPct val="100000"/>
+              </a:lnSpc>
+              <a:spcBef>
+                <a:spcPts val="0"/>
+              </a:spcBef>
+              <a:spcAft>
+                <a:spcPts val="0"/>
+              </a:spcAft>
+              <a:buClr>
+                <a:schemeClr val="dk2"/>
+              </a:buClr>
+              <a:buSzPts val="1400"/>
+              <a:buFont typeface="Montserrat Medium"/>
+              <a:buNone/>
+              <a:defRPr sz="1400" b="0" i="0" u="none" strike="noStrike" cap="none">
+                <a:solidFill>
+                  <a:schemeClr val="dk2"/>
+                </a:solidFill>
+                <a:latin typeface="Montserrat Medium"/>
+                <a:ea typeface="Montserrat Medium"/>
+                <a:cs typeface="Montserrat Medium"/>
+                <a:sym typeface="Montserrat Medium"/>
+              </a:defRPr>
+            </a:lvl9pPr>
+          </a:lstStyle>
+          <a:p>
+            <a:pPr marL="0" indent="0"/>
+            <a:r>
+              <a:rPr lang="es-ES" sz="1800" dirty="0"/>
+              <a:t>Diseño e instalación de una plataforma web de gestión documental basado en Python con API-REST, que contribuya a la búsqueda de información y registro de documentos escaneados para el bufete de abogados Cartagena</a:t>
+            </a:r>
+          </a:p>
+        </p:txBody>
+      </p:sp>
+    </p:spTree>
+  </p:cSld>
+  <p:clrMapOvr>
+    <a:masterClrMapping/>
+  </p:clrMapOvr>
+  <mc:AlternateContent xmlns:mc="http://schemas.openxmlformats.org/markup-compatibility/2006" xmlns:p14="http://schemas.microsoft.com/office/powerpoint/2010/main">
+    <mc:Choice Requires="p14">
+      <p:transition spd="slow">
+        <p:push/>
+      </p:transition>
+    </mc:Choice>
+    <mc:Fallback xmlns="" xmlns:mv="urn:schemas-microsoft-com:mac:vml" xmlns:c="http://schemas.openxmlformats.org/drawingml/2006/chart" xmlns:dgm="http://schemas.openxmlformats.org/drawingml/2006/diagram" xmlns:o="urn:schemas-microsoft-com:office:office" xmlns:v="urn:schemas-microsoft-com:vml" xmlns:pvml="urn:schemas-microsoft-com:office:powerpoint" xmlns:com="http://schemas.openxmlformats.org/drawingml/2006/compatibility" xmlns:p15="http://schemas.microsoft.com/office/powerpoint/2012/main" xmlns:ahyp="http://schemas.microsoft.com/office/drawing/2018/hyperlinkcolor">
+      <p:transition spd="slow">
+        <p:fade/>
+      </p:transition>
+    </mc:Fallback>
+  </mc:AlternateContent>
+  <p:timing>
+    <p:tnLst>
+      <p:par>
+        <p:cTn id="1" dur="indefinite" restart="never" nodeType="tmRoot">
+          <p:childTnLst>
+            <p:seq concurrent="1" nextAc="seek">
+              <p:cTn id="2" dur="indefinite" nodeType="mainSeq">
+                <p:childTnLst>
+                  <p:par>
+                    <p:cTn id="3" fill="hold">
+                      <p:stCondLst>
+                        <p:cond delay="indefinite"/>
+                        <p:cond evt="onBegin" delay="0">
+                          <p:tn val="2"/>
+                        </p:cond>
+                      </p:stCondLst>
+                      <p:childTnLst>
+                        <p:par>
+                          <p:cTn id="4" fill="hold">
+                            <p:stCondLst>
+                              <p:cond delay="0"/>
+                            </p:stCondLst>
+                            <p:childTnLst>
+                              <p:par>
+                                <p:cTn id="5" presetID="10" presetClass="entr" presetSubtype="0" fill="hold" nodeType="withEffect">
+                                  <p:stCondLst>
+                                    <p:cond delay="0"/>
+                                  </p:stCondLst>
+                                  <p:childTnLst>
+                                    <p:set>
+                                      <p:cBhvr>
+                                        <p:cTn id="6" dur="1" fill="hold">
+                                          <p:stCondLst>
+                                            <p:cond delay="0"/>
+                                          </p:stCondLst>
+                                        </p:cTn>
+                                        <p:tgtEl>
+                                          <p:spTgt spid="365"/>
+                                        </p:tgtEl>
+                                        <p:attrNameLst>
+                                          <p:attrName>style.visibility</p:attrName>
+                                        </p:attrNameLst>
+                                      </p:cBhvr>
+                                      <p:to>
+                                        <p:strVal val="visible"/>
+                                      </p:to>
+                                    </p:set>
+                                    <p:animEffect transition="in" filter="fade">
+                                      <p:cBhvr>
+                                        <p:cTn id="7" dur="1000"/>
+                                        <p:tgtEl>
+                                          <p:spTgt spid="365"/>
+                                        </p:tgtEl>
+                                      </p:cBhvr>
+                                    </p:animEffect>
+                                  </p:childTnLst>
+                                </p:cTn>
+                              </p:par>
+                            </p:childTnLst>
+                          </p:cTn>
+                        </p:par>
+                      </p:childTnLst>
+                    </p:cTn>
+                  </p:par>
+                </p:childTnLst>
+              </p:cTn>
+              <p:prevCondLst>
+                <p:cond evt="onPrev" delay="0">
+                  <p:tgtEl>
+                    <p:sldTgt/>
+                  </p:tgtEl>
+                </p:cond>
+              </p:prevCondLst>
+              <p:nextCondLst>
+                <p:cond evt="onNext" delay="0">
+                  <p:tgtEl>
+                    <p:sldTgt/>
+                  </p:tgtEl>
+                </p:cond>
+              </p:nextCondLst>
+            </p:seq>
+          </p:childTnLst>
+        </p:cTn>
+      </p:par>
+    </p:tnLst>
+  </p:timing>
+</p:sld>
+</file>
+
+<file path=ppt/slides/slide20.xml><?xml version="1.0" encoding="utf-8"?>
 <p:sld xmlns:a="http://schemas.openxmlformats.org/drawingml/2006/main" xmlns:r="http://schemas.openxmlformats.org/officeDocument/2006/relationships" xmlns:p="http://schemas.openxmlformats.org/presentationml/2006/main">
   <p:cSld>
     <p:spTree>
@@ -30754,7 +32550,7 @@
         <p:push/>
       </p:transition>
     </mc:Choice>
-    <mc:Fallback xmlns:ahyp="http://schemas.microsoft.com/office/drawing/2018/hyperlinkcolor" xmlns:p15="http://schemas.microsoft.com/office/powerpoint/2012/main" xmlns:com="http://schemas.openxmlformats.org/drawingml/2006/compatibility" xmlns:pvml="urn:schemas-microsoft-com:office:powerpoint" xmlns:v="urn:schemas-microsoft-com:vml" xmlns:o="urn:schemas-microsoft-com:office:office" xmlns:dgm="http://schemas.openxmlformats.org/drawingml/2006/diagram" xmlns:c="http://schemas.openxmlformats.org/drawingml/2006/chart" xmlns:mv="urn:schemas-microsoft-com:mac:vml" xmlns="">
+    <mc:Fallback xmlns="" xmlns:mv="urn:schemas-microsoft-com:mac:vml" xmlns:c="http://schemas.openxmlformats.org/drawingml/2006/chart" xmlns:dgm="http://schemas.openxmlformats.org/drawingml/2006/diagram" xmlns:o="urn:schemas-microsoft-com:office:office" xmlns:v="urn:schemas-microsoft-com:vml" xmlns:pvml="urn:schemas-microsoft-com:office:powerpoint" xmlns:com="http://schemas.openxmlformats.org/drawingml/2006/compatibility" xmlns:p15="http://schemas.microsoft.com/office/powerpoint/2012/main" xmlns:ahyp="http://schemas.microsoft.com/office/drawing/2018/hyperlinkcolor">
       <p:transition spd="slow">
         <p:fade/>
       </p:transition>
@@ -31109,466 +32905,7 @@
 </p:sld>
 </file>
 
-<file path=ppt/slides/slide2.xml><?xml version="1.0" encoding="utf-8"?>
-<p:sld xmlns:a="http://schemas.openxmlformats.org/drawingml/2006/main" xmlns:r="http://schemas.openxmlformats.org/officeDocument/2006/relationships" xmlns:p="http://schemas.openxmlformats.org/presentationml/2006/main">
-  <p:cSld>
-    <p:bg>
-      <p:bgPr>
-        <a:blipFill>
-          <a:blip r:embed="rId3">
-            <a:alphaModFix/>
-          </a:blip>
-          <a:stretch>
-            <a:fillRect/>
-          </a:stretch>
-        </a:blipFill>
-        <a:effectLst/>
-      </p:bgPr>
-    </p:bg>
-    <p:spTree>
-      <p:nvGrpSpPr>
-        <p:cNvPr id="1" name="Shape 426"/>
-        <p:cNvGrpSpPr/>
-        <p:nvPr/>
-      </p:nvGrpSpPr>
-      <p:grpSpPr>
-        <a:xfrm>
-          <a:off x="0" y="0"/>
-          <a:ext cx="0" cy="0"/>
-          <a:chOff x="0" y="0"/>
-          <a:chExt cx="0" cy="0"/>
-        </a:xfrm>
-      </p:grpSpPr>
-      <p:sp>
-        <p:nvSpPr>
-          <p:cNvPr id="427" name="Google Shape;427;p58"/>
-          <p:cNvSpPr txBox="1">
-            <a:spLocks noGrp="1"/>
-          </p:cNvSpPr>
-          <p:nvPr>
-            <p:ph type="title"/>
-          </p:nvPr>
-        </p:nvSpPr>
-        <p:spPr>
-          <a:xfrm>
-            <a:off x="720000" y="1388275"/>
-            <a:ext cx="4430400" cy="572700"/>
-          </a:xfrm>
-          <a:prstGeom prst="rect">
-            <a:avLst/>
-          </a:prstGeom>
-        </p:spPr>
-        <p:txBody>
-          <a:bodyPr spcFirstLastPara="1" wrap="square" lIns="91425" tIns="91425" rIns="91425" bIns="91425" anchor="t" anchorCtr="0">
-            <a:noAutofit/>
-          </a:bodyPr>
-          <a:lstStyle/>
-          <a:p>
-            <a:pPr marL="0" lvl="0" indent="0" algn="ctr" rtl="0">
-              <a:spcBef>
-                <a:spcPts val="0"/>
-              </a:spcBef>
-              <a:spcAft>
-                <a:spcPts val="0"/>
-              </a:spcAft>
-              <a:buNone/>
-            </a:pPr>
-            <a:r>
-              <a:rPr lang="en" dirty="0"/>
-              <a:t>TEMA</a:t>
-            </a:r>
-            <a:endParaRPr dirty="0"/>
-          </a:p>
-        </p:txBody>
-      </p:sp>
-      <p:sp>
-        <p:nvSpPr>
-          <p:cNvPr id="365" name="Google Shape;365;p53"/>
-          <p:cNvSpPr txBox="1">
-            <a:spLocks/>
-          </p:cNvSpPr>
-          <p:nvPr/>
-        </p:nvSpPr>
-        <p:spPr>
-          <a:xfrm>
-            <a:off x="597313" y="2241738"/>
-            <a:ext cx="5149172" cy="1703400"/>
-          </a:xfrm>
-          <a:prstGeom prst="rect">
-            <a:avLst/>
-          </a:prstGeom>
-          <a:noFill/>
-          <a:ln>
-            <a:noFill/>
-          </a:ln>
-        </p:spPr>
-        <p:txBody>
-          <a:bodyPr spcFirstLastPara="1" wrap="square" lIns="91425" tIns="91425" rIns="91425" bIns="91425" anchor="t" anchorCtr="0">
-            <a:noAutofit/>
-          </a:bodyPr>
-          <a:lstStyle>
-            <a:defPPr marR="0" lvl="0" algn="l" rtl="0">
-              <a:lnSpc>
-                <a:spcPct val="100000"/>
-              </a:lnSpc>
-              <a:spcBef>
-                <a:spcPts val="0"/>
-              </a:spcBef>
-              <a:spcAft>
-                <a:spcPts val="0"/>
-              </a:spcAft>
-            </a:defPPr>
-            <a:lvl1pPr marL="457200" marR="0" lvl="0" indent="-342900" algn="ctr" rtl="0">
-              <a:lnSpc>
-                <a:spcPct val="100000"/>
-              </a:lnSpc>
-              <a:spcBef>
-                <a:spcPts val="0"/>
-              </a:spcBef>
-              <a:spcAft>
-                <a:spcPts val="0"/>
-              </a:spcAft>
-              <a:buClr>
-                <a:schemeClr val="dk2"/>
-              </a:buClr>
-              <a:buSzPts val="1800"/>
-              <a:buFont typeface="Montserrat Medium"/>
-              <a:buNone/>
-              <a:defRPr sz="1500" b="0" i="0" u="none" strike="noStrike" cap="none">
-                <a:solidFill>
-                  <a:schemeClr val="dk2"/>
-                </a:solidFill>
-                <a:latin typeface="Montserrat Medium"/>
-                <a:ea typeface="Montserrat Medium"/>
-                <a:cs typeface="Montserrat Medium"/>
-                <a:sym typeface="Montserrat Medium"/>
-              </a:defRPr>
-            </a:lvl1pPr>
-            <a:lvl2pPr marL="914400" marR="0" lvl="1" indent="-317500" algn="ctr" rtl="0">
-              <a:lnSpc>
-                <a:spcPct val="100000"/>
-              </a:lnSpc>
-              <a:spcBef>
-                <a:spcPts val="0"/>
-              </a:spcBef>
-              <a:spcAft>
-                <a:spcPts val="0"/>
-              </a:spcAft>
-              <a:buClr>
-                <a:schemeClr val="dk2"/>
-              </a:buClr>
-              <a:buSzPts val="1400"/>
-              <a:buFont typeface="Montserrat Medium"/>
-              <a:buNone/>
-              <a:defRPr sz="1400" b="0" i="0" u="none" strike="noStrike" cap="none">
-                <a:solidFill>
-                  <a:schemeClr val="dk2"/>
-                </a:solidFill>
-                <a:latin typeface="Montserrat Medium"/>
-                <a:ea typeface="Montserrat Medium"/>
-                <a:cs typeface="Montserrat Medium"/>
-                <a:sym typeface="Montserrat Medium"/>
-              </a:defRPr>
-            </a:lvl2pPr>
-            <a:lvl3pPr marL="1371600" marR="0" lvl="2" indent="-317500" algn="ctr" rtl="0">
-              <a:lnSpc>
-                <a:spcPct val="100000"/>
-              </a:lnSpc>
-              <a:spcBef>
-                <a:spcPts val="0"/>
-              </a:spcBef>
-              <a:spcAft>
-                <a:spcPts val="0"/>
-              </a:spcAft>
-              <a:buClr>
-                <a:schemeClr val="dk2"/>
-              </a:buClr>
-              <a:buSzPts val="1400"/>
-              <a:buFont typeface="Montserrat Medium"/>
-              <a:buNone/>
-              <a:defRPr sz="1400" b="0" i="0" u="none" strike="noStrike" cap="none">
-                <a:solidFill>
-                  <a:schemeClr val="dk2"/>
-                </a:solidFill>
-                <a:latin typeface="Montserrat Medium"/>
-                <a:ea typeface="Montserrat Medium"/>
-                <a:cs typeface="Montserrat Medium"/>
-                <a:sym typeface="Montserrat Medium"/>
-              </a:defRPr>
-            </a:lvl3pPr>
-            <a:lvl4pPr marL="1828800" marR="0" lvl="3" indent="-317500" algn="ctr" rtl="0">
-              <a:lnSpc>
-                <a:spcPct val="100000"/>
-              </a:lnSpc>
-              <a:spcBef>
-                <a:spcPts val="0"/>
-              </a:spcBef>
-              <a:spcAft>
-                <a:spcPts val="0"/>
-              </a:spcAft>
-              <a:buClr>
-                <a:schemeClr val="dk2"/>
-              </a:buClr>
-              <a:buSzPts val="1400"/>
-              <a:buFont typeface="Montserrat Medium"/>
-              <a:buNone/>
-              <a:defRPr sz="1400" b="0" i="0" u="none" strike="noStrike" cap="none">
-                <a:solidFill>
-                  <a:schemeClr val="dk2"/>
-                </a:solidFill>
-                <a:latin typeface="Montserrat Medium"/>
-                <a:ea typeface="Montserrat Medium"/>
-                <a:cs typeface="Montserrat Medium"/>
-                <a:sym typeface="Montserrat Medium"/>
-              </a:defRPr>
-            </a:lvl4pPr>
-            <a:lvl5pPr marL="2286000" marR="0" lvl="4" indent="-317500" algn="ctr" rtl="0">
-              <a:lnSpc>
-                <a:spcPct val="100000"/>
-              </a:lnSpc>
-              <a:spcBef>
-                <a:spcPts val="0"/>
-              </a:spcBef>
-              <a:spcAft>
-                <a:spcPts val="0"/>
-              </a:spcAft>
-              <a:buClr>
-                <a:schemeClr val="dk2"/>
-              </a:buClr>
-              <a:buSzPts val="1400"/>
-              <a:buFont typeface="Montserrat Medium"/>
-              <a:buNone/>
-              <a:defRPr sz="1400" b="0" i="0" u="none" strike="noStrike" cap="none">
-                <a:solidFill>
-                  <a:schemeClr val="dk2"/>
-                </a:solidFill>
-                <a:latin typeface="Montserrat Medium"/>
-                <a:ea typeface="Montserrat Medium"/>
-                <a:cs typeface="Montserrat Medium"/>
-                <a:sym typeface="Montserrat Medium"/>
-              </a:defRPr>
-            </a:lvl5pPr>
-            <a:lvl6pPr marL="2743200" marR="0" lvl="5" indent="-317500" algn="ctr" rtl="0">
-              <a:lnSpc>
-                <a:spcPct val="100000"/>
-              </a:lnSpc>
-              <a:spcBef>
-                <a:spcPts val="0"/>
-              </a:spcBef>
-              <a:spcAft>
-                <a:spcPts val="0"/>
-              </a:spcAft>
-              <a:buClr>
-                <a:schemeClr val="dk2"/>
-              </a:buClr>
-              <a:buSzPts val="1400"/>
-              <a:buFont typeface="Montserrat Medium"/>
-              <a:buNone/>
-              <a:defRPr sz="1400" b="0" i="0" u="none" strike="noStrike" cap="none">
-                <a:solidFill>
-                  <a:schemeClr val="dk2"/>
-                </a:solidFill>
-                <a:latin typeface="Montserrat Medium"/>
-                <a:ea typeface="Montserrat Medium"/>
-                <a:cs typeface="Montserrat Medium"/>
-                <a:sym typeface="Montserrat Medium"/>
-              </a:defRPr>
-            </a:lvl6pPr>
-            <a:lvl7pPr marL="3200400" marR="0" lvl="6" indent="-317500" algn="ctr" rtl="0">
-              <a:lnSpc>
-                <a:spcPct val="100000"/>
-              </a:lnSpc>
-              <a:spcBef>
-                <a:spcPts val="0"/>
-              </a:spcBef>
-              <a:spcAft>
-                <a:spcPts val="0"/>
-              </a:spcAft>
-              <a:buClr>
-                <a:schemeClr val="dk2"/>
-              </a:buClr>
-              <a:buSzPts val="1400"/>
-              <a:buFont typeface="Montserrat Medium"/>
-              <a:buNone/>
-              <a:defRPr sz="1400" b="0" i="0" u="none" strike="noStrike" cap="none">
-                <a:solidFill>
-                  <a:schemeClr val="dk2"/>
-                </a:solidFill>
-                <a:latin typeface="Montserrat Medium"/>
-                <a:ea typeface="Montserrat Medium"/>
-                <a:cs typeface="Montserrat Medium"/>
-                <a:sym typeface="Montserrat Medium"/>
-              </a:defRPr>
-            </a:lvl7pPr>
-            <a:lvl8pPr marL="3657600" marR="0" lvl="7" indent="-317500" algn="ctr" rtl="0">
-              <a:lnSpc>
-                <a:spcPct val="100000"/>
-              </a:lnSpc>
-              <a:spcBef>
-                <a:spcPts val="0"/>
-              </a:spcBef>
-              <a:spcAft>
-                <a:spcPts val="0"/>
-              </a:spcAft>
-              <a:buClr>
-                <a:schemeClr val="dk2"/>
-              </a:buClr>
-              <a:buSzPts val="1400"/>
-              <a:buFont typeface="Montserrat Medium"/>
-              <a:buNone/>
-              <a:defRPr sz="1400" b="0" i="0" u="none" strike="noStrike" cap="none">
-                <a:solidFill>
-                  <a:schemeClr val="dk2"/>
-                </a:solidFill>
-                <a:latin typeface="Montserrat Medium"/>
-                <a:ea typeface="Montserrat Medium"/>
-                <a:cs typeface="Montserrat Medium"/>
-                <a:sym typeface="Montserrat Medium"/>
-              </a:defRPr>
-            </a:lvl8pPr>
-            <a:lvl9pPr marL="4114800" marR="0" lvl="8" indent="-317500" algn="ctr" rtl="0">
-              <a:lnSpc>
-                <a:spcPct val="100000"/>
-              </a:lnSpc>
-              <a:spcBef>
-                <a:spcPts val="0"/>
-              </a:spcBef>
-              <a:spcAft>
-                <a:spcPts val="0"/>
-              </a:spcAft>
-              <a:buClr>
-                <a:schemeClr val="dk2"/>
-              </a:buClr>
-              <a:buSzPts val="1400"/>
-              <a:buFont typeface="Montserrat Medium"/>
-              <a:buNone/>
-              <a:defRPr sz="1400" b="0" i="0" u="none" strike="noStrike" cap="none">
-                <a:solidFill>
-                  <a:schemeClr val="dk2"/>
-                </a:solidFill>
-                <a:latin typeface="Montserrat Medium"/>
-                <a:ea typeface="Montserrat Medium"/>
-                <a:cs typeface="Montserrat Medium"/>
-                <a:sym typeface="Montserrat Medium"/>
-              </a:defRPr>
-            </a:lvl9pPr>
-          </a:lstStyle>
-          <a:p>
-            <a:pPr marL="0" indent="0"/>
-            <a:r>
-              <a:rPr lang="es-ES" sz="1400" dirty="0"/>
-              <a:t>Diseño e instalación de una plataforma web de gestión documental basado en Python con API-REST, que contribuya a la búsqueda de información y registro de documentos escaneados para el bufete de abogados Cartagena</a:t>
-            </a:r>
-          </a:p>
-        </p:txBody>
-      </p:sp>
-    </p:spTree>
-  </p:cSld>
-  <p:clrMapOvr>
-    <a:masterClrMapping/>
-  </p:clrMapOvr>
-  <mc:AlternateContent xmlns:mc="http://schemas.openxmlformats.org/markup-compatibility/2006" xmlns:p14="http://schemas.microsoft.com/office/powerpoint/2010/main">
-    <mc:Choice Requires="p14">
-      <p:transition spd="slow">
-        <p:push/>
-      </p:transition>
-    </mc:Choice>
-    <mc:Fallback xmlns:ahyp="http://schemas.microsoft.com/office/drawing/2018/hyperlinkcolor" xmlns:p15="http://schemas.microsoft.com/office/powerpoint/2012/main" xmlns:com="http://schemas.openxmlformats.org/drawingml/2006/compatibility" xmlns:pvml="urn:schemas-microsoft-com:office:powerpoint" xmlns:v="urn:schemas-microsoft-com:vml" xmlns:o="urn:schemas-microsoft-com:office:office" xmlns:dgm="http://schemas.openxmlformats.org/drawingml/2006/diagram" xmlns:c="http://schemas.openxmlformats.org/drawingml/2006/chart" xmlns:mv="urn:schemas-microsoft-com:mac:vml" xmlns="">
-      <p:transition spd="slow">
-        <p:fade/>
-      </p:transition>
-    </mc:Fallback>
-  </mc:AlternateContent>
-  <p:timing>
-    <p:tnLst>
-      <p:par>
-        <p:cTn id="1" dur="indefinite" restart="never" nodeType="tmRoot">
-          <p:childTnLst>
-            <p:seq concurrent="1" nextAc="seek">
-              <p:cTn id="2" dur="indefinite" nodeType="mainSeq">
-                <p:childTnLst>
-                  <p:par>
-                    <p:cTn id="3" fill="hold">
-                      <p:stCondLst>
-                        <p:cond delay="indefinite"/>
-                        <p:cond evt="onBegin" delay="0">
-                          <p:tn val="2"/>
-                        </p:cond>
-                      </p:stCondLst>
-                      <p:childTnLst>
-                        <p:par>
-                          <p:cTn id="4" fill="hold">
-                            <p:stCondLst>
-                              <p:cond delay="0"/>
-                            </p:stCondLst>
-                            <p:childTnLst>
-                              <p:par>
-                                <p:cTn id="5" presetID="10" presetClass="entr" presetSubtype="0" fill="hold" nodeType="withEffect">
-                                  <p:stCondLst>
-                                    <p:cond delay="0"/>
-                                  </p:stCondLst>
-                                  <p:childTnLst>
-                                    <p:set>
-                                      <p:cBhvr>
-                                        <p:cTn id="6" dur="1" fill="hold">
-                                          <p:stCondLst>
-                                            <p:cond delay="0"/>
-                                          </p:stCondLst>
-                                        </p:cTn>
-                                        <p:tgtEl>
-                                          <p:spTgt spid="365"/>
-                                        </p:tgtEl>
-                                        <p:attrNameLst>
-                                          <p:attrName>style.visibility</p:attrName>
-                                        </p:attrNameLst>
-                                      </p:cBhvr>
-                                      <p:to>
-                                        <p:strVal val="visible"/>
-                                      </p:to>
-                                    </p:set>
-                                    <p:animEffect transition="in" filter="fade">
-                                      <p:cBhvr>
-                                        <p:cTn id="7" dur="1000"/>
-                                        <p:tgtEl>
-                                          <p:spTgt spid="365"/>
-                                        </p:tgtEl>
-                                      </p:cBhvr>
-                                    </p:animEffect>
-                                  </p:childTnLst>
-                                </p:cTn>
-                              </p:par>
-                            </p:childTnLst>
-                          </p:cTn>
-                        </p:par>
-                      </p:childTnLst>
-                    </p:cTn>
-                  </p:par>
-                </p:childTnLst>
-              </p:cTn>
-              <p:prevCondLst>
-                <p:cond evt="onPrev" delay="0">
-                  <p:tgtEl>
-                    <p:sldTgt/>
-                  </p:tgtEl>
-                </p:cond>
-              </p:prevCondLst>
-              <p:nextCondLst>
-                <p:cond evt="onNext" delay="0">
-                  <p:tgtEl>
-                    <p:sldTgt/>
-                  </p:tgtEl>
-                </p:cond>
-              </p:nextCondLst>
-            </p:seq>
-          </p:childTnLst>
-        </p:cTn>
-      </p:par>
-    </p:tnLst>
-  </p:timing>
-</p:sld>
-</file>
-
-<file path=ppt/slides/slide20.xml><?xml version="1.0" encoding="utf-8"?>
+<file path=ppt/slides/slide21.xml><?xml version="1.0" encoding="utf-8"?>
 <p:sld xmlns:a="http://schemas.openxmlformats.org/drawingml/2006/main" xmlns:r="http://schemas.openxmlformats.org/officeDocument/2006/relationships" xmlns:p="http://schemas.openxmlformats.org/presentationml/2006/main">
   <p:cSld>
     <p:bg>
@@ -33658,7 +34995,7 @@
         <p:push/>
       </p:transition>
     </mc:Choice>
-    <mc:Fallback xmlns:ahyp="http://schemas.microsoft.com/office/drawing/2018/hyperlinkcolor" xmlns:p15="http://schemas.microsoft.com/office/powerpoint/2012/main" xmlns:com="http://schemas.openxmlformats.org/drawingml/2006/compatibility" xmlns:pvml="urn:schemas-microsoft-com:office:powerpoint" xmlns:v="urn:schemas-microsoft-com:vml" xmlns:o="urn:schemas-microsoft-com:office:office" xmlns:dgm="http://schemas.openxmlformats.org/drawingml/2006/diagram" xmlns:c="http://schemas.openxmlformats.org/drawingml/2006/chart" xmlns:mv="urn:schemas-microsoft-com:mac:vml" xmlns="">
+    <mc:Fallback xmlns="" xmlns:mv="urn:schemas-microsoft-com:mac:vml" xmlns:c="http://schemas.openxmlformats.org/drawingml/2006/chart" xmlns:dgm="http://schemas.openxmlformats.org/drawingml/2006/diagram" xmlns:o="urn:schemas-microsoft-com:office:office" xmlns:v="urn:schemas-microsoft-com:vml" xmlns:pvml="urn:schemas-microsoft-com:office:powerpoint" xmlns:com="http://schemas.openxmlformats.org/drawingml/2006/compatibility" xmlns:p15="http://schemas.microsoft.com/office/powerpoint/2012/main" xmlns:ahyp="http://schemas.microsoft.com/office/drawing/2018/hyperlinkcolor">
       <p:transition spd="slow">
         <p:fade/>
       </p:transition>
@@ -33667,7 +35004,7 @@
 </p:sld>
 </file>
 
-<file path=ppt/slides/slide21.xml><?xml version="1.0" encoding="utf-8"?>
+<file path=ppt/slides/slide22.xml><?xml version="1.0" encoding="utf-8"?>
 <p:sld xmlns:a="http://schemas.openxmlformats.org/drawingml/2006/main" xmlns:r="http://schemas.openxmlformats.org/officeDocument/2006/relationships" xmlns:p="http://schemas.openxmlformats.org/presentationml/2006/main">
   <p:cSld>
     <p:spTree>
@@ -33689,7 +35026,7 @@
           <p:cNvPr id="2" name="Subtítulo 1">
             <a:extLst>
               <a:ext uri="{FF2B5EF4-FFF2-40B4-BE49-F238E27FC236}">
-                <a16:creationId xmlns:a16="http://schemas.microsoft.com/office/drawing/2014/main" xmlns="" id="{1C447A43-FC21-7B63-B86A-220C0A2AED43}"/>
+                <a16:creationId xmlns="" xmlns:a16="http://schemas.microsoft.com/office/drawing/2014/main" id="{1C447A43-FC21-7B63-B86A-220C0A2AED43}"/>
               </a:ext>
             </a:extLst>
           </p:cNvPr>
@@ -33714,7 +35051,7 @@
           <p:cNvPr id="3" name="Subtítulo 2">
             <a:extLst>
               <a:ext uri="{FF2B5EF4-FFF2-40B4-BE49-F238E27FC236}">
-                <a16:creationId xmlns:a16="http://schemas.microsoft.com/office/drawing/2014/main" xmlns="" id="{8BC37D0D-5995-2ABF-8A49-49835A167D9A}"/>
+                <a16:creationId xmlns="" xmlns:a16="http://schemas.microsoft.com/office/drawing/2014/main" id="{8BC37D0D-5995-2ABF-8A49-49835A167D9A}"/>
               </a:ext>
             </a:extLst>
           </p:cNvPr>
@@ -33739,7 +35076,7 @@
           <p:cNvPr id="4" name="Subtítulo 3">
             <a:extLst>
               <a:ext uri="{FF2B5EF4-FFF2-40B4-BE49-F238E27FC236}">
-                <a16:creationId xmlns:a16="http://schemas.microsoft.com/office/drawing/2014/main" xmlns="" id="{6C61D08D-26C2-9C13-1590-EF67E4C6571E}"/>
+                <a16:creationId xmlns="" xmlns:a16="http://schemas.microsoft.com/office/drawing/2014/main" id="{6C61D08D-26C2-9C13-1590-EF67E4C6571E}"/>
               </a:ext>
             </a:extLst>
           </p:cNvPr>
@@ -33764,7 +35101,7 @@
           <p:cNvPr id="5" name="Subtítulo 4">
             <a:extLst>
               <a:ext uri="{FF2B5EF4-FFF2-40B4-BE49-F238E27FC236}">
-                <a16:creationId xmlns:a16="http://schemas.microsoft.com/office/drawing/2014/main" xmlns="" id="{6D6281F6-9140-CFB7-A805-C7AA48217CC0}"/>
+                <a16:creationId xmlns="" xmlns:a16="http://schemas.microsoft.com/office/drawing/2014/main" id="{6D6281F6-9140-CFB7-A805-C7AA48217CC0}"/>
               </a:ext>
             </a:extLst>
           </p:cNvPr>
@@ -33789,7 +35126,7 @@
           <p:cNvPr id="6" name="Título 5">
             <a:extLst>
               <a:ext uri="{FF2B5EF4-FFF2-40B4-BE49-F238E27FC236}">
-                <a16:creationId xmlns:a16="http://schemas.microsoft.com/office/drawing/2014/main" xmlns="" id="{3FD79D12-B5D9-AE74-800E-42DCD3AE9565}"/>
+                <a16:creationId xmlns="" xmlns:a16="http://schemas.microsoft.com/office/drawing/2014/main" id="{3FD79D12-B5D9-AE74-800E-42DCD3AE9565}"/>
               </a:ext>
             </a:extLst>
           </p:cNvPr>
@@ -33822,7 +35159,7 @@
 </p:sld>
 </file>
 
-<file path=ppt/slides/slide22.xml><?xml version="1.0" encoding="utf-8"?>
+<file path=ppt/slides/slide23.xml><?xml version="1.0" encoding="utf-8"?>
 <p:sld xmlns:a="http://schemas.openxmlformats.org/drawingml/2006/main" xmlns:r="http://schemas.openxmlformats.org/officeDocument/2006/relationships" xmlns:p="http://schemas.openxmlformats.org/presentationml/2006/main">
   <p:cSld>
     <p:bg>
@@ -33905,7 +35242,7 @@
         <p:push/>
       </p:transition>
     </mc:Choice>
-    <mc:Fallback xmlns:ahyp="http://schemas.microsoft.com/office/drawing/2018/hyperlinkcolor" xmlns:p15="http://schemas.microsoft.com/office/powerpoint/2012/main" xmlns:com="http://schemas.openxmlformats.org/drawingml/2006/compatibility" xmlns:pvml="urn:schemas-microsoft-com:office:powerpoint" xmlns:v="urn:schemas-microsoft-com:vml" xmlns:o="urn:schemas-microsoft-com:office:office" xmlns:dgm="http://schemas.openxmlformats.org/drawingml/2006/diagram" xmlns:c="http://schemas.openxmlformats.org/drawingml/2006/chart" xmlns:mv="urn:schemas-microsoft-com:mac:vml" xmlns="">
+    <mc:Fallback xmlns="" xmlns:mv="urn:schemas-microsoft-com:mac:vml" xmlns:c="http://schemas.openxmlformats.org/drawingml/2006/chart" xmlns:dgm="http://schemas.openxmlformats.org/drawingml/2006/diagram" xmlns:o="urn:schemas-microsoft-com:office:office" xmlns:v="urn:schemas-microsoft-com:vml" xmlns:pvml="urn:schemas-microsoft-com:office:powerpoint" xmlns:com="http://schemas.openxmlformats.org/drawingml/2006/compatibility" xmlns:p15="http://schemas.microsoft.com/office/powerpoint/2012/main" xmlns:ahyp="http://schemas.microsoft.com/office/drawing/2018/hyperlinkcolor">
       <p:transition spd="slow">
         <p:fade/>
       </p:transition>
@@ -34013,14 +35350,14 @@
                 <a:gridCol w="2019366">
                   <a:extLst>
                     <a:ext uri="{9D8B030D-6E8A-4147-A177-3AD203B41FA5}">
-                      <a16:colId xmlns:a16="http://schemas.microsoft.com/office/drawing/2014/main" xmlns="" val="20000"/>
+                      <a16:colId xmlns="" xmlns:a16="http://schemas.microsoft.com/office/drawing/2014/main" val="20000"/>
                     </a:ext>
                   </a:extLst>
                 </a:gridCol>
                 <a:gridCol w="3918764">
                   <a:extLst>
                     <a:ext uri="{9D8B030D-6E8A-4147-A177-3AD203B41FA5}">
-                      <a16:colId xmlns:a16="http://schemas.microsoft.com/office/drawing/2014/main" xmlns="" val="20001"/>
+                      <a16:colId xmlns="" xmlns:a16="http://schemas.microsoft.com/office/drawing/2014/main" val="20001"/>
                     </a:ext>
                   </a:extLst>
                 </a:gridCol>
@@ -34186,7 +35523,7 @@
                 </a:tc>
                 <a:extLst>
                   <a:ext uri="{0D108BD9-81ED-4DB2-BD59-A6C34878D82A}">
-                    <a16:rowId xmlns:a16="http://schemas.microsoft.com/office/drawing/2014/main" xmlns="" val="10000"/>
+                    <a16:rowId xmlns="" xmlns:a16="http://schemas.microsoft.com/office/drawing/2014/main" val="10000"/>
                   </a:ext>
                 </a:extLst>
               </a:tr>
@@ -34358,7 +35695,7 @@
                 </a:tc>
                 <a:extLst>
                   <a:ext uri="{0D108BD9-81ED-4DB2-BD59-A6C34878D82A}">
-                    <a16:rowId xmlns:a16="http://schemas.microsoft.com/office/drawing/2014/main" xmlns="" val="10001"/>
+                    <a16:rowId xmlns="" xmlns:a16="http://schemas.microsoft.com/office/drawing/2014/main" val="10001"/>
                   </a:ext>
                 </a:extLst>
               </a:tr>
@@ -34523,7 +35860,7 @@
                 </a:tc>
                 <a:extLst>
                   <a:ext uri="{0D108BD9-81ED-4DB2-BD59-A6C34878D82A}">
-                    <a16:rowId xmlns:a16="http://schemas.microsoft.com/office/drawing/2014/main" xmlns="" val="10002"/>
+                    <a16:rowId xmlns="" xmlns:a16="http://schemas.microsoft.com/office/drawing/2014/main" val="10002"/>
                   </a:ext>
                 </a:extLst>
               </a:tr>
@@ -34682,7 +36019,7 @@
                 </a:tc>
                 <a:extLst>
                   <a:ext uri="{0D108BD9-81ED-4DB2-BD59-A6C34878D82A}">
-                    <a16:rowId xmlns:a16="http://schemas.microsoft.com/office/drawing/2014/main" xmlns="" val="10003"/>
+                    <a16:rowId xmlns="" xmlns:a16="http://schemas.microsoft.com/office/drawing/2014/main" val="10003"/>
                   </a:ext>
                 </a:extLst>
               </a:tr>
@@ -34850,7 +36187,7 @@
                 </a:tc>
                 <a:extLst>
                   <a:ext uri="{0D108BD9-81ED-4DB2-BD59-A6C34878D82A}">
-                    <a16:rowId xmlns:a16="http://schemas.microsoft.com/office/drawing/2014/main" xmlns="" val="10004"/>
+                    <a16:rowId xmlns="" xmlns:a16="http://schemas.microsoft.com/office/drawing/2014/main" val="10004"/>
                   </a:ext>
                 </a:extLst>
               </a:tr>
@@ -35029,7 +36366,7 @@
                 </a:tc>
                 <a:extLst>
                   <a:ext uri="{0D108BD9-81ED-4DB2-BD59-A6C34878D82A}">
-                    <a16:rowId xmlns:a16="http://schemas.microsoft.com/office/drawing/2014/main" xmlns="" val="10005"/>
+                    <a16:rowId xmlns="" xmlns:a16="http://schemas.microsoft.com/office/drawing/2014/main" val="10005"/>
                   </a:ext>
                 </a:extLst>
               </a:tr>
@@ -35048,7 +36385,7 @@
         <p:push/>
       </p:transition>
     </mc:Choice>
-    <mc:Fallback xmlns:ahyp="http://schemas.microsoft.com/office/drawing/2018/hyperlinkcolor" xmlns:p15="http://schemas.microsoft.com/office/powerpoint/2012/main" xmlns:com="http://schemas.openxmlformats.org/drawingml/2006/compatibility" xmlns:pvml="urn:schemas-microsoft-com:office:powerpoint" xmlns:v="urn:schemas-microsoft-com:vml" xmlns:o="urn:schemas-microsoft-com:office:office" xmlns:dgm="http://schemas.openxmlformats.org/drawingml/2006/diagram" xmlns:c="http://schemas.openxmlformats.org/drawingml/2006/chart" xmlns:mv="urn:schemas-microsoft-com:mac:vml" xmlns="">
+    <mc:Fallback xmlns="" xmlns:mv="urn:schemas-microsoft-com:mac:vml" xmlns:c="http://schemas.openxmlformats.org/drawingml/2006/chart" xmlns:dgm="http://schemas.openxmlformats.org/drawingml/2006/diagram" xmlns:o="urn:schemas-microsoft-com:office:office" xmlns:v="urn:schemas-microsoft-com:vml" xmlns:pvml="urn:schemas-microsoft-com:office:powerpoint" xmlns:com="http://schemas.openxmlformats.org/drawingml/2006/compatibility" xmlns:p15="http://schemas.microsoft.com/office/powerpoint/2012/main" xmlns:ahyp="http://schemas.microsoft.com/office/drawing/2018/hyperlinkcolor">
       <p:transition spd="slow">
         <p:fade/>
       </p:transition>
@@ -35177,9 +36514,9 @@
       </p:sp>
       <p:pic>
         <p:nvPicPr>
-          <p:cNvPr id="1026" name="Picture 2"/>
+          <p:cNvPr id="2" name="1 Imagen"/>
           <p:cNvPicPr>
-            <a:picLocks noChangeAspect="1" noChangeArrowheads="1"/>
+            <a:picLocks noChangeAspect="1"/>
           </p:cNvPicPr>
           <p:nvPr/>
         </p:nvPicPr>
@@ -35191,52 +36528,48 @@
               </a:ext>
             </a:extLst>
           </a:blip>
-          <a:srcRect/>
           <a:stretch>
             <a:fillRect/>
           </a:stretch>
         </p:blipFill>
-        <p:spPr bwMode="auto">
+        <p:spPr>
           <a:xfrm>
-            <a:off x="2915922" y="1181326"/>
-            <a:ext cx="5766412" cy="3638867"/>
+            <a:off x="457201" y="1195387"/>
+            <a:ext cx="2800349" cy="3733798"/>
           </a:xfrm>
           <a:prstGeom prst="rect">
             <a:avLst/>
           </a:prstGeom>
-          <a:noFill/>
-          <a:ln>
-            <a:noFill/>
-          </a:ln>
-          <a:effectLst/>
-          <a:extLst>
-            <a:ext uri="{909E8E84-426E-40DD-AFC4-6F175D3DCCD1}">
-              <a14:hiddenFill xmlns:a14="http://schemas.microsoft.com/office/drawing/2010/main">
-                <a:solidFill>
-                  <a:schemeClr val="accent1"/>
-                </a:solidFill>
-              </a14:hiddenFill>
-            </a:ext>
-            <a:ext uri="{91240B29-F687-4F45-9708-019B960494DF}">
-              <a14:hiddenLine xmlns:a14="http://schemas.microsoft.com/office/drawing/2010/main" w="9525">
-                <a:solidFill>
-                  <a:schemeClr val="tx1"/>
-                </a:solidFill>
-                <a:miter lim="800000"/>
-                <a:headEnd/>
-                <a:tailEnd/>
-              </a14:hiddenLine>
-            </a:ext>
-            <a:ext uri="{AF507438-7753-43E0-B8FC-AC1667EBCBE1}">
-              <a14:hiddenEffects xmlns:a14="http://schemas.microsoft.com/office/drawing/2010/main">
-                <a:effectLst>
-                  <a:outerShdw dist="35921" dir="2700000" algn="ctr" rotWithShape="0">
-                    <a:schemeClr val="bg2"/>
-                  </a:outerShdw>
-                </a:effectLst>
-              </a14:hiddenEffects>
-            </a:ext>
-          </a:extLst>
+        </p:spPr>
+      </p:pic>
+      <p:pic>
+        <p:nvPicPr>
+          <p:cNvPr id="3" name="2 Imagen"/>
+          <p:cNvPicPr>
+            <a:picLocks noChangeAspect="1"/>
+          </p:cNvPicPr>
+          <p:nvPr/>
+        </p:nvPicPr>
+        <p:blipFill>
+          <a:blip r:embed="rId6">
+            <a:extLst>
+              <a:ext uri="{28A0092B-C50C-407E-A947-70E740481C1C}">
+                <a14:useLocalDpi xmlns:a14="http://schemas.microsoft.com/office/drawing/2010/main" val="0"/>
+              </a:ext>
+            </a:extLst>
+          </a:blip>
+          <a:stretch>
+            <a:fillRect/>
+          </a:stretch>
+        </p:blipFill>
+        <p:spPr>
+          <a:xfrm>
+            <a:off x="3441700" y="1514475"/>
+            <a:ext cx="5122332" cy="2881312"/>
+          </a:xfrm>
+          <a:prstGeom prst="rect">
+            <a:avLst/>
+          </a:prstGeom>
         </p:spPr>
       </p:pic>
     </p:spTree>
@@ -35250,7 +36583,7 @@
         <p:push/>
       </p:transition>
     </mc:Choice>
-    <mc:Fallback xmlns:ahyp="http://schemas.microsoft.com/office/drawing/2018/hyperlinkcolor" xmlns:p15="http://schemas.microsoft.com/office/powerpoint/2012/main" xmlns:com="http://schemas.openxmlformats.org/drawingml/2006/compatibility" xmlns:pvml="urn:schemas-microsoft-com:office:powerpoint" xmlns:v="urn:schemas-microsoft-com:vml" xmlns:o="urn:schemas-microsoft-com:office:office" xmlns:dgm="http://schemas.openxmlformats.org/drawingml/2006/diagram" xmlns:c="http://schemas.openxmlformats.org/drawingml/2006/chart" xmlns:mv="urn:schemas-microsoft-com:mac:vml" xmlns="">
+    <mc:Fallback xmlns="" xmlns:mv="urn:schemas-microsoft-com:mac:vml" xmlns:c="http://schemas.openxmlformats.org/drawingml/2006/chart" xmlns:dgm="http://schemas.openxmlformats.org/drawingml/2006/diagram" xmlns:o="urn:schemas-microsoft-com:office:office" xmlns:v="urn:schemas-microsoft-com:vml" xmlns:pvml="urn:schemas-microsoft-com:office:powerpoint" xmlns:com="http://schemas.openxmlformats.org/drawingml/2006/compatibility" xmlns:p15="http://schemas.microsoft.com/office/powerpoint/2012/main" xmlns:ahyp="http://schemas.microsoft.com/office/drawing/2018/hyperlinkcolor">
       <p:transition spd="slow">
         <p:fade/>
       </p:transition>
@@ -35409,6 +36742,327 @@
       </p:grpSpPr>
       <p:sp>
         <p:nvSpPr>
+          <p:cNvPr id="8" name="Google Shape;380;p55">
+            <a:hlinkClick r:id="rId4" action="ppaction://hlinksldjump"/>
+          </p:cNvPr>
+          <p:cNvSpPr txBox="1">
+            <a:spLocks noGrp="1"/>
+          </p:cNvSpPr>
+          <p:nvPr>
+            <p:ph type="title"/>
+          </p:nvPr>
+        </p:nvSpPr>
+        <p:spPr>
+          <a:xfrm>
+            <a:off x="1247238" y="278787"/>
+            <a:ext cx="4167582" cy="484800"/>
+          </a:xfrm>
+          <a:prstGeom prst="rect">
+            <a:avLst/>
+          </a:prstGeom>
+        </p:spPr>
+        <p:txBody>
+          <a:bodyPr spcFirstLastPara="1" wrap="square" lIns="91425" tIns="91425" rIns="91425" bIns="91425" anchor="ctr" anchorCtr="0">
+            <a:noAutofit/>
+          </a:bodyPr>
+          <a:lstStyle/>
+          <a:p>
+            <a:pPr marL="0" lvl="0" indent="0" algn="l" rtl="0">
+              <a:spcBef>
+                <a:spcPts val="0"/>
+              </a:spcBef>
+              <a:spcAft>
+                <a:spcPts val="0"/>
+              </a:spcAft>
+              <a:buNone/>
+            </a:pPr>
+            <a:r>
+              <a:rPr lang="en" b="1" dirty="0" smtClean="0"/>
+              <a:t>ENUNCIADO DEL PROBLEMA</a:t>
+            </a:r>
+            <a:endParaRPr b="1" dirty="0"/>
+          </a:p>
+        </p:txBody>
+      </p:sp>
+      <p:sp>
+        <p:nvSpPr>
+          <p:cNvPr id="9" name="Google Shape;381;p55">
+            <a:hlinkClick r:id="rId4" action="ppaction://hlinksldjump"/>
+          </p:cNvPr>
+          <p:cNvSpPr txBox="1">
+            <a:spLocks noGrp="1"/>
+          </p:cNvSpPr>
+          <p:nvPr>
+            <p:ph type="title" idx="2"/>
+          </p:nvPr>
+        </p:nvSpPr>
+        <p:spPr>
+          <a:xfrm>
+            <a:off x="640809" y="299566"/>
+            <a:ext cx="1275300" cy="593400"/>
+          </a:xfrm>
+          <a:prstGeom prst="rect">
+            <a:avLst/>
+          </a:prstGeom>
+        </p:spPr>
+        <p:txBody>
+          <a:bodyPr spcFirstLastPara="1" wrap="square" lIns="91425" tIns="91425" rIns="91425" bIns="91425" anchor="b" anchorCtr="0">
+            <a:noAutofit/>
+          </a:bodyPr>
+          <a:lstStyle/>
+          <a:p>
+            <a:pPr marL="0" lvl="0" indent="0" algn="l" rtl="0">
+              <a:spcBef>
+                <a:spcPts val="0"/>
+              </a:spcBef>
+              <a:spcAft>
+                <a:spcPts val="0"/>
+              </a:spcAft>
+              <a:buNone/>
+            </a:pPr>
+            <a:r>
+              <a:rPr lang="en" b="1" dirty="0"/>
+              <a:t>01</a:t>
+            </a:r>
+            <a:endParaRPr b="1" dirty="0"/>
+          </a:p>
+        </p:txBody>
+      </p:sp>
+      <p:pic>
+        <p:nvPicPr>
+          <p:cNvPr id="4" name="3 Imagen"/>
+          <p:cNvPicPr>
+            <a:picLocks noChangeAspect="1"/>
+          </p:cNvPicPr>
+          <p:nvPr/>
+        </p:nvPicPr>
+        <p:blipFill>
+          <a:blip r:embed="rId5">
+            <a:extLst>
+              <a:ext uri="{28A0092B-C50C-407E-A947-70E740481C1C}">
+                <a14:useLocalDpi xmlns:a14="http://schemas.microsoft.com/office/drawing/2010/main" val="0"/>
+              </a:ext>
+            </a:extLst>
+          </a:blip>
+          <a:stretch>
+            <a:fillRect/>
+          </a:stretch>
+        </p:blipFill>
+        <p:spPr>
+          <a:xfrm>
+            <a:off x="3905795" y="1887128"/>
+            <a:ext cx="4686300" cy="2636044"/>
+          </a:xfrm>
+          <a:prstGeom prst="rect">
+            <a:avLst/>
+          </a:prstGeom>
+        </p:spPr>
+      </p:pic>
+      <p:pic>
+        <p:nvPicPr>
+          <p:cNvPr id="5" name="4 Imagen"/>
+          <p:cNvPicPr>
+            <a:picLocks noChangeAspect="1"/>
+          </p:cNvPicPr>
+          <p:nvPr/>
+        </p:nvPicPr>
+        <p:blipFill>
+          <a:blip r:embed="rId6">
+            <a:extLst>
+              <a:ext uri="{28A0092B-C50C-407E-A947-70E740481C1C}">
+                <a14:useLocalDpi xmlns:a14="http://schemas.microsoft.com/office/drawing/2010/main" val="0"/>
+              </a:ext>
+            </a:extLst>
+          </a:blip>
+          <a:stretch>
+            <a:fillRect/>
+          </a:stretch>
+        </p:blipFill>
+        <p:spPr>
+          <a:xfrm>
+            <a:off x="559440" y="1266800"/>
+            <a:ext cx="2907525" cy="3876700"/>
+          </a:xfrm>
+          <a:prstGeom prst="rect">
+            <a:avLst/>
+          </a:prstGeom>
+        </p:spPr>
+      </p:pic>
+    </p:spTree>
+    <p:extLst>
+      <p:ext uri="{BB962C8B-B14F-4D97-AF65-F5344CB8AC3E}">
+        <p14:creationId xmlns:p14="http://schemas.microsoft.com/office/powerpoint/2010/main" val="4107386630"/>
+      </p:ext>
+    </p:extLst>
+  </p:cSld>
+  <p:clrMapOvr>
+    <a:masterClrMapping/>
+  </p:clrMapOvr>
+  <mc:AlternateContent xmlns:mc="http://schemas.openxmlformats.org/markup-compatibility/2006" xmlns:p14="http://schemas.microsoft.com/office/powerpoint/2010/main">
+    <mc:Choice Requires="p14">
+      <p:transition spd="slow">
+        <p:push/>
+      </p:transition>
+    </mc:Choice>
+    <mc:Fallback xmlns="" xmlns:mv="urn:schemas-microsoft-com:mac:vml" xmlns:c="http://schemas.openxmlformats.org/drawingml/2006/chart" xmlns:dgm="http://schemas.openxmlformats.org/drawingml/2006/diagram" xmlns:o="urn:schemas-microsoft-com:office:office" xmlns:v="urn:schemas-microsoft-com:vml" xmlns:pvml="urn:schemas-microsoft-com:office:powerpoint" xmlns:com="http://schemas.openxmlformats.org/drawingml/2006/compatibility" xmlns:p15="http://schemas.microsoft.com/office/powerpoint/2012/main" xmlns:ahyp="http://schemas.microsoft.com/office/drawing/2018/hyperlinkcolor">
+      <p:transition spd="slow">
+        <p:fade/>
+      </p:transition>
+    </mc:Fallback>
+  </mc:AlternateContent>
+  <p:timing>
+    <p:tnLst>
+      <p:par>
+        <p:cTn id="1" dur="indefinite" restart="never" nodeType="tmRoot">
+          <p:childTnLst>
+            <p:seq concurrent="1" nextAc="seek">
+              <p:cTn id="2" dur="indefinite" nodeType="mainSeq">
+                <p:childTnLst>
+                  <p:par>
+                    <p:cTn id="3" fill="hold">
+                      <p:stCondLst>
+                        <p:cond delay="indefinite"/>
+                      </p:stCondLst>
+                      <p:childTnLst>
+                        <p:par>
+                          <p:cTn id="4" fill="hold">
+                            <p:stCondLst>
+                              <p:cond delay="0"/>
+                            </p:stCondLst>
+                            <p:childTnLst>
+                              <p:par>
+                                <p:cTn id="5" presetID="10" presetClass="entr" presetSubtype="0" fill="hold" nodeType="clickEffect">
+                                  <p:stCondLst>
+                                    <p:cond delay="0"/>
+                                  </p:stCondLst>
+                                  <p:childTnLst>
+                                    <p:set>
+                                      <p:cBhvr>
+                                        <p:cTn id="6" dur="1" fill="hold">
+                                          <p:stCondLst>
+                                            <p:cond delay="0"/>
+                                          </p:stCondLst>
+                                        </p:cTn>
+                                        <p:tgtEl>
+                                          <p:spTgt spid="8"/>
+                                        </p:tgtEl>
+                                        <p:attrNameLst>
+                                          <p:attrName>style.visibility</p:attrName>
+                                        </p:attrNameLst>
+                                      </p:cBhvr>
+                                      <p:to>
+                                        <p:strVal val="visible"/>
+                                      </p:to>
+                                    </p:set>
+                                    <p:animEffect transition="in" filter="fade">
+                                      <p:cBhvr>
+                                        <p:cTn id="7" dur="1000"/>
+                                        <p:tgtEl>
+                                          <p:spTgt spid="8"/>
+                                        </p:tgtEl>
+                                      </p:cBhvr>
+                                    </p:animEffect>
+                                  </p:childTnLst>
+                                </p:cTn>
+                              </p:par>
+                              <p:par>
+                                <p:cTn id="8" presetID="10" presetClass="entr" presetSubtype="0" fill="hold" nodeType="withEffect">
+                                  <p:stCondLst>
+                                    <p:cond delay="0"/>
+                                  </p:stCondLst>
+                                  <p:childTnLst>
+                                    <p:set>
+                                      <p:cBhvr>
+                                        <p:cTn id="9" dur="1" fill="hold">
+                                          <p:stCondLst>
+                                            <p:cond delay="0"/>
+                                          </p:stCondLst>
+                                        </p:cTn>
+                                        <p:tgtEl>
+                                          <p:spTgt spid="9"/>
+                                        </p:tgtEl>
+                                        <p:attrNameLst>
+                                          <p:attrName>style.visibility</p:attrName>
+                                        </p:attrNameLst>
+                                      </p:cBhvr>
+                                      <p:to>
+                                        <p:strVal val="visible"/>
+                                      </p:to>
+                                    </p:set>
+                                    <p:animEffect transition="in" filter="fade">
+                                      <p:cBhvr>
+                                        <p:cTn id="10" dur="1000"/>
+                                        <p:tgtEl>
+                                          <p:spTgt spid="9"/>
+                                        </p:tgtEl>
+                                      </p:cBhvr>
+                                    </p:animEffect>
+                                  </p:childTnLst>
+                                </p:cTn>
+                              </p:par>
+                            </p:childTnLst>
+                          </p:cTn>
+                        </p:par>
+                      </p:childTnLst>
+                    </p:cTn>
+                  </p:par>
+                </p:childTnLst>
+              </p:cTn>
+              <p:prevCondLst>
+                <p:cond evt="onPrev" delay="0">
+                  <p:tgtEl>
+                    <p:sldTgt/>
+                  </p:tgtEl>
+                </p:cond>
+              </p:prevCondLst>
+              <p:nextCondLst>
+                <p:cond evt="onNext" delay="0">
+                  <p:tgtEl>
+                    <p:sldTgt/>
+                  </p:tgtEl>
+                </p:cond>
+              </p:nextCondLst>
+            </p:seq>
+          </p:childTnLst>
+        </p:cTn>
+      </p:par>
+    </p:tnLst>
+  </p:timing>
+</p:sld>
+</file>
+
+<file path=ppt/slides/slide6.xml><?xml version="1.0" encoding="utf-8"?>
+<p:sld xmlns:a="http://schemas.openxmlformats.org/drawingml/2006/main" xmlns:r="http://schemas.openxmlformats.org/officeDocument/2006/relationships" xmlns:p="http://schemas.openxmlformats.org/presentationml/2006/main">
+  <p:cSld>
+    <p:bg>
+      <p:bgPr>
+        <a:blipFill>
+          <a:blip r:embed="rId3">
+            <a:alphaModFix/>
+          </a:blip>
+          <a:stretch>
+            <a:fillRect/>
+          </a:stretch>
+        </a:blipFill>
+        <a:effectLst/>
+      </p:bgPr>
+    </p:bg>
+    <p:spTree>
+      <p:nvGrpSpPr>
+        <p:cNvPr id="1" name="Shape 379"/>
+        <p:cNvGrpSpPr/>
+        <p:nvPr/>
+      </p:nvGrpSpPr>
+      <p:grpSpPr>
+        <a:xfrm>
+          <a:off x="0" y="0"/>
+          <a:ext cx="0" cy="0"/>
+          <a:chOff x="0" y="0"/>
+          <a:chExt cx="0" cy="0"/>
+        </a:xfrm>
+      </p:grpSpPr>
+      <p:sp>
+        <p:nvSpPr>
           <p:cNvPr id="380" name="Google Shape;380;p55">
             <a:hlinkClick r:id="rId4" action="ppaction://hlinksldjump"/>
           </p:cNvPr>
@@ -35500,7 +37154,7 @@
           <p:cNvPr id="3" name="CuadroTexto 2">
             <a:extLst>
               <a:ext uri="{FF2B5EF4-FFF2-40B4-BE49-F238E27FC236}">
-                <a16:creationId xmlns:a16="http://schemas.microsoft.com/office/drawing/2014/main" xmlns="" id="{787BC1E5-A396-17E1-A987-B9AD9B533C06}"/>
+                <a16:creationId xmlns="" xmlns:a16="http://schemas.microsoft.com/office/drawing/2014/main" id="{787BC1E5-A396-17E1-A987-B9AD9B533C06}"/>
               </a:ext>
             </a:extLst>
           </p:cNvPr>
@@ -35710,7 +37364,7 @@
 </p:sld>
 </file>
 
-<file path=ppt/slides/slide6.xml><?xml version="1.0" encoding="utf-8"?>
+<file path=ppt/slides/slide7.xml><?xml version="1.0" encoding="utf-8"?>
 <p:sld xmlns:a="http://schemas.openxmlformats.org/drawingml/2006/main" xmlns:r="http://schemas.openxmlformats.org/officeDocument/2006/relationships" xmlns:p="http://schemas.openxmlformats.org/presentationml/2006/main">
   <p:cSld>
     <p:spTree>
@@ -35927,7 +37581,7 @@
         <p:push/>
       </p:transition>
     </mc:Choice>
-    <mc:Fallback xmlns:ahyp="http://schemas.microsoft.com/office/drawing/2018/hyperlinkcolor" xmlns:p15="http://schemas.microsoft.com/office/powerpoint/2012/main" xmlns:com="http://schemas.openxmlformats.org/drawingml/2006/compatibility" xmlns:pvml="urn:schemas-microsoft-com:office:powerpoint" xmlns:v="urn:schemas-microsoft-com:vml" xmlns:o="urn:schemas-microsoft-com:office:office" xmlns:dgm="http://schemas.openxmlformats.org/drawingml/2006/diagram" xmlns:c="http://schemas.openxmlformats.org/drawingml/2006/chart" xmlns:mv="urn:schemas-microsoft-com:mac:vml" xmlns="">
+    <mc:Fallback xmlns="" xmlns:mv="urn:schemas-microsoft-com:mac:vml" xmlns:c="http://schemas.openxmlformats.org/drawingml/2006/chart" xmlns:dgm="http://schemas.openxmlformats.org/drawingml/2006/diagram" xmlns:o="urn:schemas-microsoft-com:office:office" xmlns:v="urn:schemas-microsoft-com:vml" xmlns:pvml="urn:schemas-microsoft-com:office:powerpoint" xmlns:com="http://schemas.openxmlformats.org/drawingml/2006/compatibility" xmlns:p15="http://schemas.microsoft.com/office/powerpoint/2012/main" xmlns:ahyp="http://schemas.microsoft.com/office/drawing/2018/hyperlinkcolor">
       <p:transition spd="slow">
         <p:fade/>
       </p:transition>
@@ -36177,7 +37831,7 @@
 </p:sld>
 </file>
 
-<file path=ppt/slides/slide7.xml><?xml version="1.0" encoding="utf-8"?>
+<file path=ppt/slides/slide8.xml><?xml version="1.0" encoding="utf-8"?>
 <p:sld xmlns:a="http://schemas.openxmlformats.org/drawingml/2006/main" xmlns:r="http://schemas.openxmlformats.org/officeDocument/2006/relationships" xmlns:p="http://schemas.openxmlformats.org/presentationml/2006/main">
   <p:cSld>
     <p:spTree>
@@ -36513,7 +38167,7 @@
         <p:spPr>
           <a:xfrm flipH="1" flipV="1">
             <a:off x="5784003" y="1035383"/>
-            <a:ext cx="1401807" cy="1631620"/>
+            <a:ext cx="1296457" cy="1577903"/>
           </a:xfrm>
           <a:prstGeom prst="straightConnector1">
             <a:avLst/>
@@ -36545,8 +38199,8 @@
         </p:nvCxnSpPr>
         <p:spPr>
           <a:xfrm flipH="1">
-            <a:off x="2207623" y="2711810"/>
-            <a:ext cx="1398542" cy="1703784"/>
+            <a:off x="2207623" y="2656843"/>
+            <a:ext cx="1467230" cy="1758751"/>
           </a:xfrm>
           <a:prstGeom prst="straightConnector1">
             <a:avLst/>
@@ -36578,8 +38232,8 @@
         </p:nvCxnSpPr>
         <p:spPr>
           <a:xfrm flipH="1">
-            <a:off x="5812321" y="2701650"/>
-            <a:ext cx="960966" cy="1426482"/>
+            <a:off x="5812321" y="2656843"/>
+            <a:ext cx="1028426" cy="1471289"/>
           </a:xfrm>
           <a:prstGeom prst="straightConnector1">
             <a:avLst/>
@@ -37150,7 +38804,6 @@
               <a:rPr lang="es-SV" sz="1200" dirty="0"/>
               <a:t>Ofimático</a:t>
             </a:r>
-            <a:endParaRPr lang="es-SV" sz="1200" dirty="0"/>
           </a:p>
         </p:txBody>
       </p:sp>
@@ -37343,7 +38996,7 @@
 </p:sld>
 </file>
 
-<file path=ppt/slides/slide8.xml><?xml version="1.0" encoding="utf-8"?>
+<file path=ppt/slides/slide9.xml><?xml version="1.0" encoding="utf-8"?>
 <p:sld xmlns:a="http://schemas.openxmlformats.org/drawingml/2006/main" xmlns:r="http://schemas.openxmlformats.org/officeDocument/2006/relationships" xmlns:p="http://schemas.openxmlformats.org/presentationml/2006/main">
   <p:cSld>
     <p:spTree>
@@ -37453,7 +39106,7 @@
           <p:cNvPr id="4" name="Rectángulo: esquinas redondeadas 3">
             <a:extLst>
               <a:ext uri="{FF2B5EF4-FFF2-40B4-BE49-F238E27FC236}">
-                <a16:creationId xmlns:a16="http://schemas.microsoft.com/office/drawing/2014/main" xmlns="" id="{40788561-7922-AF5A-D17E-0317E6F8FBF1}"/>
+                <a16:creationId xmlns="" xmlns:a16="http://schemas.microsoft.com/office/drawing/2014/main" id="{40788561-7922-AF5A-D17E-0317E6F8FBF1}"/>
               </a:ext>
             </a:extLst>
           </p:cNvPr>
@@ -37497,7 +39150,7 @@
           <p:cNvPr id="6" name="CuadroTexto 5">
             <a:extLst>
               <a:ext uri="{FF2B5EF4-FFF2-40B4-BE49-F238E27FC236}">
-                <a16:creationId xmlns:a16="http://schemas.microsoft.com/office/drawing/2014/main" xmlns="" id="{1BD05404-C98A-0DCC-785C-9CD38B5B4117}"/>
+                <a16:creationId xmlns="" xmlns:a16="http://schemas.microsoft.com/office/drawing/2014/main" id="{1BD05404-C98A-0DCC-785C-9CD38B5B4117}"/>
               </a:ext>
             </a:extLst>
           </p:cNvPr>
@@ -37578,7 +39231,7 @@
           <p:cNvPr id="7" name="CuadroTexto 6">
             <a:extLst>
               <a:ext uri="{FF2B5EF4-FFF2-40B4-BE49-F238E27FC236}">
-                <a16:creationId xmlns:a16="http://schemas.microsoft.com/office/drawing/2014/main" xmlns="" id="{EE8FBD00-4BA1-EC8D-6DCA-AFFE79EA25EE}"/>
+                <a16:creationId xmlns="" xmlns:a16="http://schemas.microsoft.com/office/drawing/2014/main" id="{EE8FBD00-4BA1-EC8D-6DCA-AFFE79EA25EE}"/>
               </a:ext>
             </a:extLst>
           </p:cNvPr>
@@ -37659,7 +39312,7 @@
           <p:cNvPr id="8" name="Flecha: a la derecha 7">
             <a:extLst>
               <a:ext uri="{FF2B5EF4-FFF2-40B4-BE49-F238E27FC236}">
-                <a16:creationId xmlns:a16="http://schemas.microsoft.com/office/drawing/2014/main" xmlns="" id="{2AA69594-0C08-24CE-D5EC-4009F7AAADB3}"/>
+                <a16:creationId xmlns="" xmlns:a16="http://schemas.microsoft.com/office/drawing/2014/main" id="{2AA69594-0C08-24CE-D5EC-4009F7AAADB3}"/>
               </a:ext>
             </a:extLst>
           </p:cNvPr>
@@ -37703,7 +39356,7 @@
           <p:cNvPr id="9" name="Flecha: a la derecha 8">
             <a:extLst>
               <a:ext uri="{FF2B5EF4-FFF2-40B4-BE49-F238E27FC236}">
-                <a16:creationId xmlns:a16="http://schemas.microsoft.com/office/drawing/2014/main" xmlns="" id="{AAC67C88-F54E-9B32-A914-901197240CEE}"/>
+                <a16:creationId xmlns="" xmlns:a16="http://schemas.microsoft.com/office/drawing/2014/main" id="{AAC67C88-F54E-9B32-A914-901197240CEE}"/>
               </a:ext>
             </a:extLst>
           </p:cNvPr>
@@ -37839,1238 +39492,6 @@
                                         <p:cTn id="10" dur="1000"/>
                                         <p:tgtEl>
                                           <p:spTgt spid="397"/>
-                                        </p:tgtEl>
-                                      </p:cBhvr>
-                                    </p:animEffect>
-                                  </p:childTnLst>
-                                </p:cTn>
-                              </p:par>
-                            </p:childTnLst>
-                          </p:cTn>
-                        </p:par>
-                      </p:childTnLst>
-                    </p:cTn>
-                  </p:par>
-                </p:childTnLst>
-              </p:cTn>
-              <p:prevCondLst>
-                <p:cond evt="onPrev" delay="0">
-                  <p:tgtEl>
-                    <p:sldTgt/>
-                  </p:tgtEl>
-                </p:cond>
-              </p:prevCondLst>
-              <p:nextCondLst>
-                <p:cond evt="onNext" delay="0">
-                  <p:tgtEl>
-                    <p:sldTgt/>
-                  </p:tgtEl>
-                </p:cond>
-              </p:nextCondLst>
-            </p:seq>
-          </p:childTnLst>
-        </p:cTn>
-      </p:par>
-    </p:tnLst>
-  </p:timing>
-</p:sld>
-</file>
-
-<file path=ppt/slides/slide9.xml><?xml version="1.0" encoding="utf-8"?>
-<p:sld xmlns:a="http://schemas.openxmlformats.org/drawingml/2006/main" xmlns:r="http://schemas.openxmlformats.org/officeDocument/2006/relationships" xmlns:p="http://schemas.openxmlformats.org/presentationml/2006/main">
-  <p:cSld>
-    <p:spTree>
-      <p:nvGrpSpPr>
-        <p:cNvPr id="1" name="Shape 379"/>
-        <p:cNvGrpSpPr/>
-        <p:nvPr/>
-      </p:nvGrpSpPr>
-      <p:grpSpPr>
-        <a:xfrm>
-          <a:off x="0" y="0"/>
-          <a:ext cx="0" cy="0"/>
-          <a:chOff x="0" y="0"/>
-          <a:chExt cx="0" cy="0"/>
-        </a:xfrm>
-      </p:grpSpPr>
-      <p:sp>
-        <p:nvSpPr>
-          <p:cNvPr id="380" name="Google Shape;380;p55">
-            <a:hlinkClick r:id="rId3" action="ppaction://hlinksldjump"/>
-          </p:cNvPr>
-          <p:cNvSpPr txBox="1">
-            <a:spLocks noGrp="1"/>
-          </p:cNvSpPr>
-          <p:nvPr>
-            <p:ph type="title"/>
-          </p:nvPr>
-        </p:nvSpPr>
-        <p:spPr>
-          <a:xfrm>
-            <a:off x="3224460" y="210504"/>
-            <a:ext cx="4167582" cy="484800"/>
-          </a:xfrm>
-          <a:prstGeom prst="rect">
-            <a:avLst/>
-          </a:prstGeom>
-        </p:spPr>
-        <p:txBody>
-          <a:bodyPr spcFirstLastPara="1" wrap="square" lIns="91425" tIns="91425" rIns="91425" bIns="91425" anchor="ctr" anchorCtr="0">
-            <a:noAutofit/>
-          </a:bodyPr>
-          <a:lstStyle/>
-          <a:p>
-            <a:pPr marL="0" lvl="0" indent="0" algn="l" rtl="0">
-              <a:spcBef>
-                <a:spcPts val="0"/>
-              </a:spcBef>
-              <a:spcAft>
-                <a:spcPts val="0"/>
-              </a:spcAft>
-              <a:buNone/>
-            </a:pPr>
-            <a:r>
-              <a:rPr lang="en" dirty="0"/>
-              <a:t>ANTECEDENTES</a:t>
-            </a:r>
-            <a:endParaRPr dirty="0"/>
-          </a:p>
-        </p:txBody>
-      </p:sp>
-      <p:sp>
-        <p:nvSpPr>
-          <p:cNvPr id="381" name="Google Shape;381;p55">
-            <a:hlinkClick r:id="rId3" action="ppaction://hlinksldjump"/>
-          </p:cNvPr>
-          <p:cNvSpPr txBox="1">
-            <a:spLocks noGrp="1"/>
-          </p:cNvSpPr>
-          <p:nvPr>
-            <p:ph type="title" idx="2"/>
-          </p:nvPr>
-        </p:nvSpPr>
-        <p:spPr>
-          <a:xfrm>
-            <a:off x="2432850" y="191572"/>
-            <a:ext cx="1275300" cy="593400"/>
-          </a:xfrm>
-          <a:prstGeom prst="rect">
-            <a:avLst/>
-          </a:prstGeom>
-        </p:spPr>
-        <p:txBody>
-          <a:bodyPr spcFirstLastPara="1" wrap="square" lIns="91425" tIns="91425" rIns="91425" bIns="91425" anchor="b" anchorCtr="0">
-            <a:noAutofit/>
-          </a:bodyPr>
-          <a:lstStyle/>
-          <a:p>
-            <a:pPr marL="0" lvl="0" indent="0" algn="l" rtl="0">
-              <a:spcBef>
-                <a:spcPts val="0"/>
-              </a:spcBef>
-              <a:spcAft>
-                <a:spcPts val="0"/>
-              </a:spcAft>
-              <a:buNone/>
-            </a:pPr>
-            <a:r>
-              <a:rPr lang="en" dirty="0"/>
-              <a:t>03</a:t>
-            </a:r>
-            <a:endParaRPr dirty="0"/>
-          </a:p>
-        </p:txBody>
-      </p:sp>
-      <p:sp>
-        <p:nvSpPr>
-          <p:cNvPr id="2" name="Flecha: a la derecha 1">
-            <a:extLst>
-              <a:ext uri="{FF2B5EF4-FFF2-40B4-BE49-F238E27FC236}">
-                <a16:creationId xmlns:a16="http://schemas.microsoft.com/office/drawing/2014/main" xmlns="" id="{00E23B6F-144C-08FE-41F7-C4EB53631182}"/>
-              </a:ext>
-            </a:extLst>
-          </p:cNvPr>
-          <p:cNvSpPr/>
-          <p:nvPr/>
-        </p:nvSpPr>
-        <p:spPr>
-          <a:xfrm>
-            <a:off x="1828803" y="2097885"/>
-            <a:ext cx="6557552" cy="593400"/>
-          </a:xfrm>
-          <a:prstGeom prst="rightArrow">
-            <a:avLst/>
-          </a:prstGeom>
-        </p:spPr>
-        <p:style>
-          <a:lnRef idx="2">
-            <a:schemeClr val="accent1">
-              <a:shade val="15000"/>
-            </a:schemeClr>
-          </a:lnRef>
-          <a:fillRef idx="1">
-            <a:schemeClr val="accent1"/>
-          </a:fillRef>
-          <a:effectRef idx="0">
-            <a:schemeClr val="accent1"/>
-          </a:effectRef>
-          <a:fontRef idx="minor">
-            <a:schemeClr val="lt1"/>
-          </a:fontRef>
-        </p:style>
-        <p:txBody>
-          <a:bodyPr rtlCol="0" anchor="ctr"/>
-          <a:lstStyle/>
-          <a:p>
-            <a:pPr algn="ctr"/>
-            <a:endParaRPr lang="es-SV"/>
-          </a:p>
-        </p:txBody>
-      </p:sp>
-      <p:sp>
-        <p:nvSpPr>
-          <p:cNvPr id="3" name="Rectángulo: esquinas redondeadas 2">
-            <a:extLst>
-              <a:ext uri="{FF2B5EF4-FFF2-40B4-BE49-F238E27FC236}">
-                <a16:creationId xmlns:a16="http://schemas.microsoft.com/office/drawing/2014/main" xmlns="" id="{0373B820-B7BC-687E-AA74-5C9C2A51FF28}"/>
-              </a:ext>
-            </a:extLst>
-          </p:cNvPr>
-          <p:cNvSpPr/>
-          <p:nvPr/>
-        </p:nvSpPr>
-        <p:spPr>
-          <a:xfrm>
-            <a:off x="1545910" y="1384184"/>
-            <a:ext cx="934599" cy="489923"/>
-          </a:xfrm>
-          <a:prstGeom prst="roundRect">
-            <a:avLst/>
-          </a:prstGeom>
-        </p:spPr>
-        <p:style>
-          <a:lnRef idx="2">
-            <a:schemeClr val="accent1">
-              <a:shade val="15000"/>
-            </a:schemeClr>
-          </a:lnRef>
-          <a:fillRef idx="1">
-            <a:schemeClr val="accent1"/>
-          </a:fillRef>
-          <a:effectRef idx="0">
-            <a:schemeClr val="accent1"/>
-          </a:effectRef>
-          <a:fontRef idx="minor">
-            <a:schemeClr val="lt1"/>
-          </a:fontRef>
-        </p:style>
-        <p:txBody>
-          <a:bodyPr rtlCol="0" anchor="ctr"/>
-          <a:lstStyle/>
-          <a:p>
-            <a:pPr algn="ctr"/>
-            <a:r>
-              <a:rPr lang="es-ES" sz="2000" dirty="0"/>
-              <a:t>1971</a:t>
-            </a:r>
-            <a:endParaRPr lang="es-SV" sz="2000" dirty="0"/>
-          </a:p>
-        </p:txBody>
-      </p:sp>
-      <p:sp>
-        <p:nvSpPr>
-          <p:cNvPr id="4" name="Rectángulo: esquinas redondeadas 3">
-            <a:extLst>
-              <a:ext uri="{FF2B5EF4-FFF2-40B4-BE49-F238E27FC236}">
-                <a16:creationId xmlns:a16="http://schemas.microsoft.com/office/drawing/2014/main" xmlns="" id="{66130A77-D042-568A-654D-AEBB27939F2D}"/>
-              </a:ext>
-            </a:extLst>
-          </p:cNvPr>
-          <p:cNvSpPr/>
-          <p:nvPr/>
-        </p:nvSpPr>
-        <p:spPr>
-          <a:xfrm>
-            <a:off x="3224460" y="1384184"/>
-            <a:ext cx="967379" cy="475292"/>
-          </a:xfrm>
-          <a:prstGeom prst="roundRect">
-            <a:avLst/>
-          </a:prstGeom>
-        </p:spPr>
-        <p:style>
-          <a:lnRef idx="2">
-            <a:schemeClr val="accent1">
-              <a:shade val="15000"/>
-            </a:schemeClr>
-          </a:lnRef>
-          <a:fillRef idx="1">
-            <a:schemeClr val="accent1"/>
-          </a:fillRef>
-          <a:effectRef idx="0">
-            <a:schemeClr val="accent1"/>
-          </a:effectRef>
-          <a:fontRef idx="minor">
-            <a:schemeClr val="lt1"/>
-          </a:fontRef>
-        </p:style>
-        <p:txBody>
-          <a:bodyPr rtlCol="0" anchor="ctr"/>
-          <a:lstStyle/>
-          <a:p>
-            <a:pPr algn="ctr"/>
-            <a:r>
-              <a:rPr lang="es-ES" sz="2000" dirty="0"/>
-              <a:t>1976</a:t>
-            </a:r>
-            <a:endParaRPr lang="es-SV" sz="2000" dirty="0"/>
-          </a:p>
-        </p:txBody>
-      </p:sp>
-      <p:sp>
-        <p:nvSpPr>
-          <p:cNvPr id="5" name="Rectángulo: esquinas redondeadas 4">
-            <a:extLst>
-              <a:ext uri="{FF2B5EF4-FFF2-40B4-BE49-F238E27FC236}">
-                <a16:creationId xmlns:a16="http://schemas.microsoft.com/office/drawing/2014/main" xmlns="" id="{552CC777-8633-CCA6-803C-F2A3AB53A45A}"/>
-              </a:ext>
-            </a:extLst>
-          </p:cNvPr>
-          <p:cNvSpPr/>
-          <p:nvPr/>
-        </p:nvSpPr>
-        <p:spPr>
-          <a:xfrm>
-            <a:off x="4400695" y="2940969"/>
-            <a:ext cx="967380" cy="443458"/>
-          </a:xfrm>
-          <a:prstGeom prst="roundRect">
-            <a:avLst/>
-          </a:prstGeom>
-        </p:spPr>
-        <p:style>
-          <a:lnRef idx="2">
-            <a:schemeClr val="accent1">
-              <a:shade val="15000"/>
-            </a:schemeClr>
-          </a:lnRef>
-          <a:fillRef idx="1">
-            <a:schemeClr val="accent1"/>
-          </a:fillRef>
-          <a:effectRef idx="0">
-            <a:schemeClr val="accent1"/>
-          </a:effectRef>
-          <a:fontRef idx="minor">
-            <a:schemeClr val="lt1"/>
-          </a:fontRef>
-        </p:style>
-        <p:txBody>
-          <a:bodyPr rtlCol="0" anchor="ctr"/>
-          <a:lstStyle/>
-          <a:p>
-            <a:pPr algn="ctr"/>
-            <a:r>
-              <a:rPr lang="es-ES" sz="2000" dirty="0"/>
-              <a:t>1979</a:t>
-            </a:r>
-            <a:endParaRPr lang="es-SV" sz="2000" dirty="0"/>
-          </a:p>
-        </p:txBody>
-      </p:sp>
-      <p:sp>
-        <p:nvSpPr>
-          <p:cNvPr id="6" name="Rectángulo: esquinas redondeadas 5">
-            <a:extLst>
-              <a:ext uri="{FF2B5EF4-FFF2-40B4-BE49-F238E27FC236}">
-                <a16:creationId xmlns:a16="http://schemas.microsoft.com/office/drawing/2014/main" xmlns="" id="{A98D6441-AFB7-A2BF-952D-75749D2ADEEE}"/>
-              </a:ext>
-            </a:extLst>
-          </p:cNvPr>
-          <p:cNvSpPr/>
-          <p:nvPr/>
-        </p:nvSpPr>
-        <p:spPr>
-          <a:xfrm>
-            <a:off x="4935787" y="1384184"/>
-            <a:ext cx="967376" cy="443458"/>
-          </a:xfrm>
-          <a:prstGeom prst="roundRect">
-            <a:avLst/>
-          </a:prstGeom>
-        </p:spPr>
-        <p:style>
-          <a:lnRef idx="2">
-            <a:schemeClr val="accent1">
-              <a:shade val="15000"/>
-            </a:schemeClr>
-          </a:lnRef>
-          <a:fillRef idx="1">
-            <a:schemeClr val="accent1"/>
-          </a:fillRef>
-          <a:effectRef idx="0">
-            <a:schemeClr val="accent1"/>
-          </a:effectRef>
-          <a:fontRef idx="minor">
-            <a:schemeClr val="lt1"/>
-          </a:fontRef>
-        </p:style>
-        <p:txBody>
-          <a:bodyPr rtlCol="0" anchor="ctr"/>
-          <a:lstStyle/>
-          <a:p>
-            <a:pPr algn="ctr"/>
-            <a:r>
-              <a:rPr lang="es-ES" sz="2000" dirty="0"/>
-              <a:t>1979</a:t>
-            </a:r>
-            <a:endParaRPr lang="es-SV" sz="2000" dirty="0"/>
-          </a:p>
-        </p:txBody>
-      </p:sp>
-      <p:sp>
-        <p:nvSpPr>
-          <p:cNvPr id="7" name="Rectángulo: esquinas redondeadas 6">
-            <a:extLst>
-              <a:ext uri="{FF2B5EF4-FFF2-40B4-BE49-F238E27FC236}">
-                <a16:creationId xmlns:a16="http://schemas.microsoft.com/office/drawing/2014/main" xmlns="" id="{BB44ECA5-0381-5810-1CC9-E610903BDE43}"/>
-              </a:ext>
-            </a:extLst>
-          </p:cNvPr>
-          <p:cNvSpPr/>
-          <p:nvPr/>
-        </p:nvSpPr>
-        <p:spPr>
-          <a:xfrm>
-            <a:off x="6932388" y="2903146"/>
-            <a:ext cx="1453967" cy="481281"/>
-          </a:xfrm>
-          <a:prstGeom prst="roundRect">
-            <a:avLst/>
-          </a:prstGeom>
-        </p:spPr>
-        <p:style>
-          <a:lnRef idx="2">
-            <a:schemeClr val="accent1">
-              <a:shade val="15000"/>
-            </a:schemeClr>
-          </a:lnRef>
-          <a:fillRef idx="1">
-            <a:schemeClr val="accent1"/>
-          </a:fillRef>
-          <a:effectRef idx="0">
-            <a:schemeClr val="accent1"/>
-          </a:effectRef>
-          <a:fontRef idx="minor">
-            <a:schemeClr val="lt1"/>
-          </a:fontRef>
-        </p:style>
-        <p:txBody>
-          <a:bodyPr rtlCol="0" anchor="ctr"/>
-          <a:lstStyle/>
-          <a:p>
-            <a:pPr algn="ctr"/>
-            <a:r>
-              <a:rPr lang="es-ES" sz="2000" dirty="0"/>
-              <a:t>Actualidad</a:t>
-            </a:r>
-            <a:endParaRPr lang="es-SV" sz="2000" dirty="0"/>
-          </a:p>
-        </p:txBody>
-      </p:sp>
-      <p:cxnSp>
-        <p:nvCxnSpPr>
-          <p:cNvPr id="9" name="Conector recto 8">
-            <a:extLst>
-              <a:ext uri="{FF2B5EF4-FFF2-40B4-BE49-F238E27FC236}">
-                <a16:creationId xmlns:a16="http://schemas.microsoft.com/office/drawing/2014/main" xmlns="" id="{9D5D1F85-05A8-43A7-BA6F-52EEE26F9C58}"/>
-              </a:ext>
-            </a:extLst>
-          </p:cNvPr>
-          <p:cNvCxnSpPr>
-            <a:cxnSpLocks/>
-          </p:cNvCxnSpPr>
-          <p:nvPr/>
-        </p:nvCxnSpPr>
-        <p:spPr>
-          <a:xfrm flipV="1">
-            <a:off x="2070471" y="1856793"/>
-            <a:ext cx="0" cy="361884"/>
-          </a:xfrm>
-          <a:prstGeom prst="line">
-            <a:avLst/>
-          </a:prstGeom>
-        </p:spPr>
-        <p:style>
-          <a:lnRef idx="3">
-            <a:schemeClr val="accent2"/>
-          </a:lnRef>
-          <a:fillRef idx="0">
-            <a:schemeClr val="accent2"/>
-          </a:fillRef>
-          <a:effectRef idx="2">
-            <a:schemeClr val="accent2"/>
-          </a:effectRef>
-          <a:fontRef idx="minor">
-            <a:schemeClr val="tx1"/>
-          </a:fontRef>
-        </p:style>
-      </p:cxnSp>
-      <p:cxnSp>
-        <p:nvCxnSpPr>
-          <p:cNvPr id="10" name="Conector recto 9">
-            <a:extLst>
-              <a:ext uri="{FF2B5EF4-FFF2-40B4-BE49-F238E27FC236}">
-                <a16:creationId xmlns:a16="http://schemas.microsoft.com/office/drawing/2014/main" xmlns="" id="{F773E55A-8B35-D2EC-1E5A-40AE0A0B6172}"/>
-              </a:ext>
-            </a:extLst>
-          </p:cNvPr>
-          <p:cNvCxnSpPr/>
-          <p:nvPr/>
-        </p:nvCxnSpPr>
-        <p:spPr>
-          <a:xfrm flipV="1">
-            <a:off x="3708150" y="1859476"/>
-            <a:ext cx="0" cy="361884"/>
-          </a:xfrm>
-          <a:prstGeom prst="line">
-            <a:avLst/>
-          </a:prstGeom>
-        </p:spPr>
-        <p:style>
-          <a:lnRef idx="3">
-            <a:schemeClr val="accent2"/>
-          </a:lnRef>
-          <a:fillRef idx="0">
-            <a:schemeClr val="accent2"/>
-          </a:fillRef>
-          <a:effectRef idx="2">
-            <a:schemeClr val="accent2"/>
-          </a:effectRef>
-          <a:fontRef idx="minor">
-            <a:schemeClr val="tx1"/>
-          </a:fontRef>
-        </p:style>
-      </p:cxnSp>
-      <p:cxnSp>
-        <p:nvCxnSpPr>
-          <p:cNvPr id="11" name="Conector recto 10">
-            <a:extLst>
-              <a:ext uri="{FF2B5EF4-FFF2-40B4-BE49-F238E27FC236}">
-                <a16:creationId xmlns:a16="http://schemas.microsoft.com/office/drawing/2014/main" xmlns="" id="{75B50888-94D7-C0ED-82E7-EB688AC5991C}"/>
-              </a:ext>
-            </a:extLst>
-          </p:cNvPr>
-          <p:cNvCxnSpPr>
-            <a:cxnSpLocks/>
-          </p:cNvCxnSpPr>
-          <p:nvPr/>
-        </p:nvCxnSpPr>
-        <p:spPr>
-          <a:xfrm flipV="1">
-            <a:off x="5419476" y="1875210"/>
-            <a:ext cx="0" cy="319049"/>
-          </a:xfrm>
-          <a:prstGeom prst="line">
-            <a:avLst/>
-          </a:prstGeom>
-        </p:spPr>
-        <p:style>
-          <a:lnRef idx="3">
-            <a:schemeClr val="accent2"/>
-          </a:lnRef>
-          <a:fillRef idx="0">
-            <a:schemeClr val="accent2"/>
-          </a:fillRef>
-          <a:effectRef idx="2">
-            <a:schemeClr val="accent2"/>
-          </a:effectRef>
-          <a:fontRef idx="minor">
-            <a:schemeClr val="tx1"/>
-          </a:fontRef>
-        </p:style>
-      </p:cxnSp>
-      <p:cxnSp>
-        <p:nvCxnSpPr>
-          <p:cNvPr id="12" name="Conector recto 11">
-            <a:extLst>
-              <a:ext uri="{FF2B5EF4-FFF2-40B4-BE49-F238E27FC236}">
-                <a16:creationId xmlns:a16="http://schemas.microsoft.com/office/drawing/2014/main" xmlns="" id="{1A5F608B-E232-55FC-B831-E0336496AA0D}"/>
-              </a:ext>
-            </a:extLst>
-          </p:cNvPr>
-          <p:cNvCxnSpPr/>
-          <p:nvPr/>
-        </p:nvCxnSpPr>
-        <p:spPr>
-          <a:xfrm flipV="1">
-            <a:off x="4884385" y="2579085"/>
-            <a:ext cx="0" cy="361884"/>
-          </a:xfrm>
-          <a:prstGeom prst="line">
-            <a:avLst/>
-          </a:prstGeom>
-        </p:spPr>
-        <p:style>
-          <a:lnRef idx="3">
-            <a:schemeClr val="accent2"/>
-          </a:lnRef>
-          <a:fillRef idx="0">
-            <a:schemeClr val="accent2"/>
-          </a:fillRef>
-          <a:effectRef idx="2">
-            <a:schemeClr val="accent2"/>
-          </a:effectRef>
-          <a:fontRef idx="minor">
-            <a:schemeClr val="tx1"/>
-          </a:fontRef>
-        </p:style>
-      </p:cxnSp>
-      <p:cxnSp>
-        <p:nvCxnSpPr>
-          <p:cNvPr id="13" name="Conector recto 12">
-            <a:extLst>
-              <a:ext uri="{FF2B5EF4-FFF2-40B4-BE49-F238E27FC236}">
-                <a16:creationId xmlns:a16="http://schemas.microsoft.com/office/drawing/2014/main" xmlns="" id="{8D230B11-D319-68D2-684A-5C62F07703F2}"/>
-              </a:ext>
-            </a:extLst>
-          </p:cNvPr>
-          <p:cNvCxnSpPr>
-            <a:cxnSpLocks/>
-          </p:cNvCxnSpPr>
-          <p:nvPr/>
-        </p:nvCxnSpPr>
-        <p:spPr>
-          <a:xfrm flipV="1">
-            <a:off x="7579942" y="2579085"/>
-            <a:ext cx="0" cy="281944"/>
-          </a:xfrm>
-          <a:prstGeom prst="line">
-            <a:avLst/>
-          </a:prstGeom>
-        </p:spPr>
-        <p:style>
-          <a:lnRef idx="3">
-            <a:schemeClr val="accent2"/>
-          </a:lnRef>
-          <a:fillRef idx="0">
-            <a:schemeClr val="accent2"/>
-          </a:fillRef>
-          <a:effectRef idx="2">
-            <a:schemeClr val="accent2"/>
-          </a:effectRef>
-          <a:fontRef idx="minor">
-            <a:schemeClr val="tx1"/>
-          </a:fontRef>
-        </p:style>
-      </p:cxnSp>
-      <p:sp>
-        <p:nvSpPr>
-          <p:cNvPr id="15" name="CuadroTexto 14">
-            <a:extLst>
-              <a:ext uri="{FF2B5EF4-FFF2-40B4-BE49-F238E27FC236}">
-                <a16:creationId xmlns:a16="http://schemas.microsoft.com/office/drawing/2014/main" xmlns="" id="{4E84C0F7-1C97-0F01-7E16-98EAE3B87B5B}"/>
-              </a:ext>
-            </a:extLst>
-          </p:cNvPr>
-          <p:cNvSpPr txBox="1"/>
-          <p:nvPr/>
-        </p:nvSpPr>
-        <p:spPr>
-          <a:xfrm>
-            <a:off x="1173179" y="771230"/>
-            <a:ext cx="1632857" cy="523220"/>
-          </a:xfrm>
-          <a:prstGeom prst="rect">
-            <a:avLst/>
-          </a:prstGeom>
-          <a:noFill/>
-        </p:spPr>
-        <p:txBody>
-          <a:bodyPr wrap="square">
-            <a:spAutoFit/>
-          </a:bodyPr>
-          <a:lstStyle/>
-          <a:p>
-            <a:pPr algn="ctr"/>
-            <a:r>
-              <a:rPr lang="es-SV" dirty="0">
-                <a:effectLst/>
-                <a:latin typeface="Arial" panose="020B0604020202020204" pitchFamily="34" charset="0"/>
-                <a:ea typeface="Times New Roman" panose="02020603050405020304" pitchFamily="18" charset="0"/>
-                <a:cs typeface="Times New Roman" panose="02020603050405020304" pitchFamily="18" charset="0"/>
-              </a:rPr>
-              <a:t>William Cartagena</a:t>
-            </a:r>
-            <a:br>
-              <a:rPr lang="es-SV" dirty="0">
-                <a:effectLst/>
-                <a:latin typeface="Arial" panose="020B0604020202020204" pitchFamily="34" charset="0"/>
-                <a:ea typeface="Times New Roman" panose="02020603050405020304" pitchFamily="18" charset="0"/>
-                <a:cs typeface="Times New Roman" panose="02020603050405020304" pitchFamily="18" charset="0"/>
-              </a:rPr>
-            </a:br>
-            <a:r>
-              <a:rPr lang="es-SV" dirty="0">
-                <a:effectLst/>
-                <a:latin typeface="Arial" panose="020B0604020202020204" pitchFamily="34" charset="0"/>
-                <a:ea typeface="Times New Roman" panose="02020603050405020304" pitchFamily="18" charset="0"/>
-                <a:cs typeface="Times New Roman" panose="02020603050405020304" pitchFamily="18" charset="0"/>
-              </a:rPr>
-              <a:t>UES</a:t>
-            </a:r>
-            <a:endParaRPr lang="es-SV" dirty="0"/>
-          </a:p>
-        </p:txBody>
-      </p:sp>
-      <p:sp>
-        <p:nvSpPr>
-          <p:cNvPr id="19" name="CuadroTexto 18">
-            <a:extLst>
-              <a:ext uri="{FF2B5EF4-FFF2-40B4-BE49-F238E27FC236}">
-                <a16:creationId xmlns:a16="http://schemas.microsoft.com/office/drawing/2014/main" xmlns="" id="{E2AA25C9-B4B4-3F87-C819-097AAC3C1A01}"/>
-              </a:ext>
-            </a:extLst>
-          </p:cNvPr>
-          <p:cNvSpPr txBox="1"/>
-          <p:nvPr/>
-        </p:nvSpPr>
-        <p:spPr>
-          <a:xfrm>
-            <a:off x="2258970" y="3705859"/>
-            <a:ext cx="1623060" cy="523220"/>
-          </a:xfrm>
-          <a:prstGeom prst="rect">
-            <a:avLst/>
-          </a:prstGeom>
-          <a:noFill/>
-        </p:spPr>
-        <p:txBody>
-          <a:bodyPr wrap="square">
-            <a:spAutoFit/>
-          </a:bodyPr>
-          <a:lstStyle/>
-          <a:p>
-            <a:pPr algn="ctr"/>
-            <a:r>
-              <a:rPr lang="es-SV" sz="1400" dirty="0">
-                <a:effectLst/>
-                <a:latin typeface="Arial" panose="020B0604020202020204" pitchFamily="34" charset="0"/>
-                <a:ea typeface="Times New Roman" panose="02020603050405020304" pitchFamily="18" charset="0"/>
-                <a:cs typeface="Times New Roman" panose="02020603050405020304" pitchFamily="18" charset="0"/>
-              </a:rPr>
-              <a:t>Cruz Santamarina</a:t>
-            </a:r>
-            <a:br>
-              <a:rPr lang="es-SV" sz="1400" dirty="0">
-                <a:effectLst/>
-                <a:latin typeface="Arial" panose="020B0604020202020204" pitchFamily="34" charset="0"/>
-                <a:ea typeface="Times New Roman" panose="02020603050405020304" pitchFamily="18" charset="0"/>
-                <a:cs typeface="Times New Roman" panose="02020603050405020304" pitchFamily="18" charset="0"/>
-              </a:rPr>
-            </a:br>
-            <a:r>
-              <a:rPr lang="es-SV" sz="1400" dirty="0">
-                <a:effectLst/>
-                <a:latin typeface="Arial" panose="020B0604020202020204" pitchFamily="34" charset="0"/>
-                <a:ea typeface="Times New Roman" panose="02020603050405020304" pitchFamily="18" charset="0"/>
-                <a:cs typeface="Times New Roman" panose="02020603050405020304" pitchFamily="18" charset="0"/>
-              </a:rPr>
-              <a:t>Experiencia</a:t>
-            </a:r>
-            <a:endParaRPr lang="es-SV" dirty="0"/>
-          </a:p>
-        </p:txBody>
-      </p:sp>
-      <p:sp>
-        <p:nvSpPr>
-          <p:cNvPr id="20" name="Rectángulo: esquinas redondeadas 19">
-            <a:extLst>
-              <a:ext uri="{FF2B5EF4-FFF2-40B4-BE49-F238E27FC236}">
-                <a16:creationId xmlns:a16="http://schemas.microsoft.com/office/drawing/2014/main" xmlns="" id="{7125D295-8AF2-EC1F-9FDE-58303CA7FF84}"/>
-              </a:ext>
-            </a:extLst>
-          </p:cNvPr>
-          <p:cNvSpPr/>
-          <p:nvPr/>
-        </p:nvSpPr>
-        <p:spPr>
-          <a:xfrm>
-            <a:off x="2586810" y="2929694"/>
-            <a:ext cx="967374" cy="454733"/>
-          </a:xfrm>
-          <a:prstGeom prst="roundRect">
-            <a:avLst/>
-          </a:prstGeom>
-        </p:spPr>
-        <p:style>
-          <a:lnRef idx="2">
-            <a:schemeClr val="accent1">
-              <a:shade val="15000"/>
-            </a:schemeClr>
-          </a:lnRef>
-          <a:fillRef idx="1">
-            <a:schemeClr val="accent1"/>
-          </a:fillRef>
-          <a:effectRef idx="0">
-            <a:schemeClr val="accent1"/>
-          </a:effectRef>
-          <a:fontRef idx="minor">
-            <a:schemeClr val="lt1"/>
-          </a:fontRef>
-        </p:style>
-        <p:txBody>
-          <a:bodyPr rtlCol="0" anchor="ctr"/>
-          <a:lstStyle/>
-          <a:p>
-            <a:pPr algn="ctr"/>
-            <a:r>
-              <a:rPr lang="es-ES" sz="2000" dirty="0"/>
-              <a:t>1976</a:t>
-            </a:r>
-            <a:endParaRPr lang="es-SV" sz="2000" dirty="0"/>
-          </a:p>
-        </p:txBody>
-      </p:sp>
-      <p:cxnSp>
-        <p:nvCxnSpPr>
-          <p:cNvPr id="21" name="Conector recto 20">
-            <a:extLst>
-              <a:ext uri="{FF2B5EF4-FFF2-40B4-BE49-F238E27FC236}">
-                <a16:creationId xmlns:a16="http://schemas.microsoft.com/office/drawing/2014/main" xmlns="" id="{164F3BB9-817D-14F1-A927-250A104CC19B}"/>
-              </a:ext>
-            </a:extLst>
-          </p:cNvPr>
-          <p:cNvCxnSpPr/>
-          <p:nvPr/>
-        </p:nvCxnSpPr>
-        <p:spPr>
-          <a:xfrm flipV="1">
-            <a:off x="3070500" y="2571750"/>
-            <a:ext cx="0" cy="361884"/>
-          </a:xfrm>
-          <a:prstGeom prst="line">
-            <a:avLst/>
-          </a:prstGeom>
-        </p:spPr>
-        <p:style>
-          <a:lnRef idx="3">
-            <a:schemeClr val="accent2"/>
-          </a:lnRef>
-          <a:fillRef idx="0">
-            <a:schemeClr val="accent2"/>
-          </a:fillRef>
-          <a:effectRef idx="2">
-            <a:schemeClr val="accent2"/>
-          </a:effectRef>
-          <a:fontRef idx="minor">
-            <a:schemeClr val="tx1"/>
-          </a:fontRef>
-        </p:style>
-      </p:cxnSp>
-      <p:sp>
-        <p:nvSpPr>
-          <p:cNvPr id="22" name="CuadroTexto 21">
-            <a:extLst>
-              <a:ext uri="{FF2B5EF4-FFF2-40B4-BE49-F238E27FC236}">
-                <a16:creationId xmlns:a16="http://schemas.microsoft.com/office/drawing/2014/main" xmlns="" id="{0E34C342-2BE5-9AFD-B8DE-60F5BF0535A0}"/>
-              </a:ext>
-            </a:extLst>
-          </p:cNvPr>
-          <p:cNvSpPr txBox="1"/>
-          <p:nvPr/>
-        </p:nvSpPr>
-        <p:spPr>
-          <a:xfrm>
-            <a:off x="2926032" y="735195"/>
-            <a:ext cx="1623060" cy="523220"/>
-          </a:xfrm>
-          <a:prstGeom prst="rect">
-            <a:avLst/>
-          </a:prstGeom>
-          <a:noFill/>
-        </p:spPr>
-        <p:txBody>
-          <a:bodyPr wrap="square">
-            <a:spAutoFit/>
-          </a:bodyPr>
-          <a:lstStyle/>
-          <a:p>
-            <a:pPr algn="ctr"/>
-            <a:r>
-              <a:rPr lang="es-SV" sz="1400" dirty="0">
-                <a:effectLst/>
-                <a:latin typeface="Arial" panose="020B0604020202020204" pitchFamily="34" charset="0"/>
-                <a:ea typeface="Times New Roman" panose="02020603050405020304" pitchFamily="18" charset="0"/>
-                <a:cs typeface="Times New Roman" panose="02020603050405020304" pitchFamily="18" charset="0"/>
-              </a:rPr>
-              <a:t>Hugo Ibarra</a:t>
-            </a:r>
-            <a:br>
-              <a:rPr lang="es-SV" sz="1400" dirty="0">
-                <a:effectLst/>
-                <a:latin typeface="Arial" panose="020B0604020202020204" pitchFamily="34" charset="0"/>
-                <a:ea typeface="Times New Roman" panose="02020603050405020304" pitchFamily="18" charset="0"/>
-                <a:cs typeface="Times New Roman" panose="02020603050405020304" pitchFamily="18" charset="0"/>
-              </a:rPr>
-            </a:br>
-            <a:r>
-              <a:rPr lang="es-SV" sz="1400" dirty="0">
-                <a:effectLst/>
-                <a:latin typeface="Arial" panose="020B0604020202020204" pitchFamily="34" charset="0"/>
-                <a:ea typeface="Times New Roman" panose="02020603050405020304" pitchFamily="18" charset="0"/>
-                <a:cs typeface="Times New Roman" panose="02020603050405020304" pitchFamily="18" charset="0"/>
-              </a:rPr>
-              <a:t>Alianza</a:t>
-            </a:r>
-            <a:endParaRPr lang="es-SV" dirty="0"/>
-          </a:p>
-        </p:txBody>
-      </p:sp>
-      <p:sp>
-        <p:nvSpPr>
-          <p:cNvPr id="23" name="CuadroTexto 22">
-            <a:extLst>
-              <a:ext uri="{FF2B5EF4-FFF2-40B4-BE49-F238E27FC236}">
-                <a16:creationId xmlns:a16="http://schemas.microsoft.com/office/drawing/2014/main" xmlns="" id="{59CB6B48-3FCF-4FC1-1E6E-659C628B5C99}"/>
-              </a:ext>
-            </a:extLst>
-          </p:cNvPr>
-          <p:cNvSpPr txBox="1"/>
-          <p:nvPr/>
-        </p:nvSpPr>
-        <p:spPr>
-          <a:xfrm>
-            <a:off x="4072855" y="3573504"/>
-            <a:ext cx="1623060" cy="523220"/>
-          </a:xfrm>
-          <a:prstGeom prst="rect">
-            <a:avLst/>
-          </a:prstGeom>
-          <a:noFill/>
-        </p:spPr>
-        <p:txBody>
-          <a:bodyPr wrap="square">
-            <a:spAutoFit/>
-          </a:bodyPr>
-          <a:lstStyle/>
-          <a:p>
-            <a:pPr algn="ctr"/>
-            <a:r>
-              <a:rPr lang="es-ES" dirty="0">
-                <a:latin typeface="Arial" panose="020B0604020202020204" pitchFamily="34" charset="0"/>
-                <a:cs typeface="Times New Roman" panose="02020603050405020304" pitchFamily="18" charset="0"/>
-              </a:rPr>
-              <a:t>E</a:t>
-            </a:r>
-            <a:r>
-              <a:rPr lang="es-SV" dirty="0">
-                <a:latin typeface="Arial" panose="020B0604020202020204" pitchFamily="34" charset="0"/>
-                <a:cs typeface="Times New Roman" panose="02020603050405020304" pitchFamily="18" charset="0"/>
-              </a:rPr>
-              <a:t>xpandirse</a:t>
-            </a:r>
-            <a:br>
-              <a:rPr lang="es-SV" dirty="0">
-                <a:latin typeface="Arial" panose="020B0604020202020204" pitchFamily="34" charset="0"/>
-                <a:cs typeface="Times New Roman" panose="02020603050405020304" pitchFamily="18" charset="0"/>
-              </a:rPr>
-            </a:br>
-            <a:r>
-              <a:rPr lang="es-SV" dirty="0">
-                <a:latin typeface="Arial" panose="020B0604020202020204" pitchFamily="34" charset="0"/>
-                <a:cs typeface="Times New Roman" panose="02020603050405020304" pitchFamily="18" charset="0"/>
-              </a:rPr>
-              <a:t>Clientes</a:t>
-            </a:r>
-            <a:endParaRPr lang="es-SV" dirty="0"/>
-          </a:p>
-        </p:txBody>
-      </p:sp>
-      <p:sp>
-        <p:nvSpPr>
-          <p:cNvPr id="24" name="CuadroTexto 23">
-            <a:extLst>
-              <a:ext uri="{FF2B5EF4-FFF2-40B4-BE49-F238E27FC236}">
-                <a16:creationId xmlns:a16="http://schemas.microsoft.com/office/drawing/2014/main" xmlns="" id="{32E76DBB-3BD8-12B7-EFE0-AA833866C9AC}"/>
-              </a:ext>
-            </a:extLst>
-          </p:cNvPr>
-          <p:cNvSpPr txBox="1"/>
-          <p:nvPr/>
-        </p:nvSpPr>
-        <p:spPr>
-          <a:xfrm>
-            <a:off x="4614985" y="933713"/>
-            <a:ext cx="1623060" cy="307777"/>
-          </a:xfrm>
-          <a:prstGeom prst="rect">
-            <a:avLst/>
-          </a:prstGeom>
-          <a:noFill/>
-        </p:spPr>
-        <p:txBody>
-          <a:bodyPr wrap="square">
-            <a:spAutoFit/>
-          </a:bodyPr>
-          <a:lstStyle/>
-          <a:p>
-            <a:pPr algn="ctr"/>
-            <a:r>
-              <a:rPr lang="es-ES" dirty="0">
-                <a:latin typeface="Arial" panose="020B0604020202020204" pitchFamily="34" charset="0"/>
-                <a:cs typeface="Times New Roman" panose="02020603050405020304" pitchFamily="18" charset="0"/>
-              </a:rPr>
-              <a:t>Propio Buffet</a:t>
-            </a:r>
-            <a:endParaRPr lang="es-SV" dirty="0"/>
-          </a:p>
-        </p:txBody>
-      </p:sp>
-      <p:sp>
-        <p:nvSpPr>
-          <p:cNvPr id="27" name="Rectángulo: esquinas redondeadas 26">
-            <a:extLst>
-              <a:ext uri="{FF2B5EF4-FFF2-40B4-BE49-F238E27FC236}">
-                <a16:creationId xmlns:a16="http://schemas.microsoft.com/office/drawing/2014/main" xmlns="" id="{2EEB89EB-BB31-6C5E-695C-49A04FB2A85E}"/>
-              </a:ext>
-            </a:extLst>
-          </p:cNvPr>
-          <p:cNvSpPr/>
-          <p:nvPr/>
-        </p:nvSpPr>
-        <p:spPr>
-          <a:xfrm>
-            <a:off x="6595689" y="1398261"/>
-            <a:ext cx="967380" cy="443458"/>
-          </a:xfrm>
-          <a:prstGeom prst="roundRect">
-            <a:avLst/>
-          </a:prstGeom>
-        </p:spPr>
-        <p:style>
-          <a:lnRef idx="2">
-            <a:schemeClr val="accent1">
-              <a:shade val="15000"/>
-            </a:schemeClr>
-          </a:lnRef>
-          <a:fillRef idx="1">
-            <a:schemeClr val="accent1"/>
-          </a:fillRef>
-          <a:effectRef idx="0">
-            <a:schemeClr val="accent1"/>
-          </a:effectRef>
-          <a:fontRef idx="minor">
-            <a:schemeClr val="lt1"/>
-          </a:fontRef>
-        </p:style>
-        <p:txBody>
-          <a:bodyPr rtlCol="0" anchor="ctr"/>
-          <a:lstStyle/>
-          <a:p>
-            <a:pPr algn="ctr"/>
-            <a:r>
-              <a:rPr lang="es-ES" sz="2000" dirty="0"/>
-              <a:t>1990</a:t>
-            </a:r>
-            <a:endParaRPr lang="es-SV" sz="2000" dirty="0"/>
-          </a:p>
-        </p:txBody>
-      </p:sp>
-      <p:sp>
-        <p:nvSpPr>
-          <p:cNvPr id="28" name="CuadroTexto 27">
-            <a:extLst>
-              <a:ext uri="{FF2B5EF4-FFF2-40B4-BE49-F238E27FC236}">
-                <a16:creationId xmlns:a16="http://schemas.microsoft.com/office/drawing/2014/main" xmlns="" id="{DBBC2768-E184-1C3C-6C62-9DEA3FA98D44}"/>
-              </a:ext>
-            </a:extLst>
-          </p:cNvPr>
-          <p:cNvSpPr txBox="1"/>
-          <p:nvPr/>
-        </p:nvSpPr>
-        <p:spPr>
-          <a:xfrm>
-            <a:off x="6267849" y="743755"/>
-            <a:ext cx="1623060" cy="523220"/>
-          </a:xfrm>
-          <a:prstGeom prst="rect">
-            <a:avLst/>
-          </a:prstGeom>
-          <a:noFill/>
-        </p:spPr>
-        <p:txBody>
-          <a:bodyPr wrap="square">
-            <a:spAutoFit/>
-          </a:bodyPr>
-          <a:lstStyle/>
-          <a:p>
-            <a:pPr algn="ctr"/>
-            <a:r>
-              <a:rPr lang="es-ES" dirty="0">
-                <a:latin typeface="Arial" panose="020B0604020202020204" pitchFamily="34" charset="0"/>
-                <a:cs typeface="Times New Roman" panose="02020603050405020304" pitchFamily="18" charset="0"/>
-              </a:rPr>
-              <a:t>Fallecimiento</a:t>
-            </a:r>
-            <a:br>
-              <a:rPr lang="es-ES" dirty="0">
-                <a:latin typeface="Arial" panose="020B0604020202020204" pitchFamily="34" charset="0"/>
-                <a:cs typeface="Times New Roman" panose="02020603050405020304" pitchFamily="18" charset="0"/>
-              </a:rPr>
-            </a:br>
-            <a:r>
-              <a:rPr lang="es-ES" dirty="0">
-                <a:latin typeface="Arial" panose="020B0604020202020204" pitchFamily="34" charset="0"/>
-                <a:cs typeface="Times New Roman" panose="02020603050405020304" pitchFamily="18" charset="0"/>
-              </a:rPr>
-              <a:t>Hugo Ibarra</a:t>
-            </a:r>
-            <a:endParaRPr lang="es-SV" dirty="0"/>
-          </a:p>
-        </p:txBody>
-      </p:sp>
-      <p:cxnSp>
-        <p:nvCxnSpPr>
-          <p:cNvPr id="29" name="Conector recto 28">
-            <a:extLst>
-              <a:ext uri="{FF2B5EF4-FFF2-40B4-BE49-F238E27FC236}">
-                <a16:creationId xmlns:a16="http://schemas.microsoft.com/office/drawing/2014/main" xmlns="" id="{3B1B6FC6-1663-598D-A545-04C612B8D1EB}"/>
-              </a:ext>
-            </a:extLst>
-          </p:cNvPr>
-          <p:cNvCxnSpPr/>
-          <p:nvPr/>
-        </p:nvCxnSpPr>
-        <p:spPr>
-          <a:xfrm flipV="1">
-            <a:off x="7094177" y="1853792"/>
-            <a:ext cx="0" cy="361884"/>
-          </a:xfrm>
-          <a:prstGeom prst="line">
-            <a:avLst/>
-          </a:prstGeom>
-        </p:spPr>
-        <p:style>
-          <a:lnRef idx="3">
-            <a:schemeClr val="accent2"/>
-          </a:lnRef>
-          <a:fillRef idx="0">
-            <a:schemeClr val="accent2"/>
-          </a:fillRef>
-          <a:effectRef idx="2">
-            <a:schemeClr val="accent2"/>
-          </a:effectRef>
-          <a:fontRef idx="minor">
-            <a:schemeClr val="tx1"/>
-          </a:fontRef>
-        </p:style>
-      </p:cxnSp>
-    </p:spTree>
-    <p:extLst>
-      <p:ext uri="{BB962C8B-B14F-4D97-AF65-F5344CB8AC3E}">
-        <p14:creationId xmlns:p14="http://schemas.microsoft.com/office/powerpoint/2010/main" val="3583690290"/>
-      </p:ext>
-    </p:extLst>
-  </p:cSld>
-  <p:clrMapOvr>
-    <a:masterClrMapping/>
-  </p:clrMapOvr>
-  <mc:AlternateContent xmlns:mc="http://schemas.openxmlformats.org/markup-compatibility/2006" xmlns:p14="http://schemas.microsoft.com/office/powerpoint/2010/main">
-    <mc:Choice Requires="p14">
-      <p:transition spd="slow">
-        <p:push/>
-      </p:transition>
-    </mc:Choice>
-    <mc:Fallback xmlns:ahyp="http://schemas.microsoft.com/office/drawing/2018/hyperlinkcolor" xmlns:p15="http://schemas.microsoft.com/office/powerpoint/2012/main" xmlns:com="http://schemas.openxmlformats.org/drawingml/2006/compatibility" xmlns:pvml="urn:schemas-microsoft-com:office:powerpoint" xmlns:v="urn:schemas-microsoft-com:vml" xmlns:o="urn:schemas-microsoft-com:office:office" xmlns:dgm="http://schemas.openxmlformats.org/drawingml/2006/diagram" xmlns:c="http://schemas.openxmlformats.org/drawingml/2006/chart" xmlns:mv="urn:schemas-microsoft-com:mac:vml" xmlns="">
-      <p:transition spd="slow">
-        <p:fade/>
-      </p:transition>
-    </mc:Fallback>
-  </mc:AlternateContent>
-  <p:timing>
-    <p:tnLst>
-      <p:par>
-        <p:cTn id="1" dur="indefinite" restart="never" nodeType="tmRoot">
-          <p:childTnLst>
-            <p:seq concurrent="1" nextAc="seek">
-              <p:cTn id="2" dur="indefinite" nodeType="mainSeq">
-                <p:childTnLst>
-                  <p:par>
-                    <p:cTn id="3" fill="hold">
-                      <p:stCondLst>
-                        <p:cond delay="indefinite"/>
-                      </p:stCondLst>
-                      <p:childTnLst>
-                        <p:par>
-                          <p:cTn id="4" fill="hold">
-                            <p:stCondLst>
-                              <p:cond delay="0"/>
-                            </p:stCondLst>
-                            <p:childTnLst>
-                              <p:par>
-                                <p:cTn id="5" presetID="10" presetClass="entr" presetSubtype="0" fill="hold" nodeType="clickEffect">
-                                  <p:stCondLst>
-                                    <p:cond delay="0"/>
-                                  </p:stCondLst>
-                                  <p:childTnLst>
-                                    <p:set>
-                                      <p:cBhvr>
-                                        <p:cTn id="6" dur="1" fill="hold">
-                                          <p:stCondLst>
-                                            <p:cond delay="0"/>
-                                          </p:stCondLst>
-                                        </p:cTn>
-                                        <p:tgtEl>
-                                          <p:spTgt spid="380"/>
-                                        </p:tgtEl>
-                                        <p:attrNameLst>
-                                          <p:attrName>style.visibility</p:attrName>
-                                        </p:attrNameLst>
-                                      </p:cBhvr>
-                                      <p:to>
-                                        <p:strVal val="visible"/>
-                                      </p:to>
-                                    </p:set>
-                                    <p:animEffect transition="in" filter="fade">
-                                      <p:cBhvr>
-                                        <p:cTn id="7" dur="1000"/>
-                                        <p:tgtEl>
-                                          <p:spTgt spid="380"/>
-                                        </p:tgtEl>
-                                      </p:cBhvr>
-                                    </p:animEffect>
-                                  </p:childTnLst>
-                                </p:cTn>
-                              </p:par>
-                              <p:par>
-                                <p:cTn id="8" presetID="10" presetClass="entr" presetSubtype="0" fill="hold" nodeType="withEffect">
-                                  <p:stCondLst>
-                                    <p:cond delay="0"/>
-                                  </p:stCondLst>
-                                  <p:childTnLst>
-                                    <p:set>
-                                      <p:cBhvr>
-                                        <p:cTn id="9" dur="1" fill="hold">
-                                          <p:stCondLst>
-                                            <p:cond delay="0"/>
-                                          </p:stCondLst>
-                                        </p:cTn>
-                                        <p:tgtEl>
-                                          <p:spTgt spid="381"/>
-                                        </p:tgtEl>
-                                        <p:attrNameLst>
-                                          <p:attrName>style.visibility</p:attrName>
-                                        </p:attrNameLst>
-                                      </p:cBhvr>
-                                      <p:to>
-                                        <p:strVal val="visible"/>
-                                      </p:to>
-                                    </p:set>
-                                    <p:animEffect transition="in" filter="fade">
-                                      <p:cBhvr>
-                                        <p:cTn id="10" dur="1000"/>
-                                        <p:tgtEl>
-                                          <p:spTgt spid="381"/>
                                         </p:tgtEl>
                                       </p:cBhvr>
                                     </p:animEffect>

--- a/ocr-ppt.pptx
+++ b/ocr-ppt.pptx
@@ -15,8 +15,8 @@
     <p:sldId id="258" r:id="rId6"/>
     <p:sldId id="341" r:id="rId7"/>
     <p:sldId id="337" r:id="rId8"/>
-    <p:sldId id="259" r:id="rId9"/>
-    <p:sldId id="340" r:id="rId10"/>
+    <p:sldId id="340" r:id="rId9"/>
+    <p:sldId id="259" r:id="rId10"/>
     <p:sldId id="338" r:id="rId11"/>
     <p:sldId id="332" r:id="rId12"/>
     <p:sldId id="333" r:id="rId13"/>
@@ -2839,24 +2839,16 @@
               </a:spcAft>
               <a:buNone/>
             </a:pPr>
-            <a:r>
-              <a:rPr lang="es-ES" sz="1400" b="0" i="0" dirty="0">
-                <a:solidFill>
-                  <a:srgbClr val="213343"/>
-                </a:solidFill>
-                <a:effectLst/>
-                <a:highlight>
-                  <a:srgbClr val="F6F9FC"/>
-                </a:highlight>
-                <a:latin typeface="Lexend Deca"/>
-              </a:rPr>
-              <a:t>Una plataforma digital es un entorno en el que los usuarios podemos llevar a cabo tareas, gestionar actividades, colaborar con otros usuarios e interactuar por medio de las herramientas y funcionalidades que ofrece dicha plataforma.</a:t>
-            </a:r>
-            <a:endParaRPr sz="1400" dirty="0"/>
+            <a:endParaRPr lang="es-SV" sz="1400" noProof="0" dirty="0"/>
           </a:p>
         </p:txBody>
       </p:sp>
     </p:spTree>
+    <p:extLst>
+      <p:ext uri="{BB962C8B-B14F-4D97-AF65-F5344CB8AC3E}">
+        <p14:creationId xmlns:p14="http://schemas.microsoft.com/office/powerpoint/2010/main" val="3159113572"/>
+      </p:ext>
+    </p:extLst>
   </p:cSld>
   <p:clrMapOvr>
     <a:masterClrMapping/>
@@ -2956,16 +2948,24 @@
               </a:spcAft>
               <a:buNone/>
             </a:pPr>
-            <a:endParaRPr lang="es-SV" sz="1400" noProof="0" dirty="0"/>
+            <a:r>
+              <a:rPr lang="es-ES" sz="1400" b="0" i="0" dirty="0">
+                <a:solidFill>
+                  <a:srgbClr val="213343"/>
+                </a:solidFill>
+                <a:effectLst/>
+                <a:highlight>
+                  <a:srgbClr val="F6F9FC"/>
+                </a:highlight>
+                <a:latin typeface="Lexend Deca"/>
+              </a:rPr>
+              <a:t>Una plataforma digital es un entorno en el que los usuarios podemos llevar a cabo tareas, gestionar actividades, colaborar con otros usuarios e interactuar por medio de las herramientas y funcionalidades que ofrece dicha plataforma.</a:t>
+            </a:r>
+            <a:endParaRPr sz="1400" dirty="0"/>
           </a:p>
         </p:txBody>
       </p:sp>
     </p:spTree>
-    <p:extLst>
-      <p:ext uri="{BB962C8B-B14F-4D97-AF65-F5344CB8AC3E}">
-        <p14:creationId xmlns:p14="http://schemas.microsoft.com/office/powerpoint/2010/main" val="3159113572"/>
-      </p:ext>
-    </p:extLst>
   </p:cSld>
   <p:clrMapOvr>
     <a:masterClrMapping/>
@@ -18225,7 +18225,7 @@
         <p:push/>
       </p:transition>
     </mc:Choice>
-    <mc:Fallback xmlns="" xmlns:mv="urn:schemas-microsoft-com:mac:vml" xmlns:c="http://schemas.openxmlformats.org/drawingml/2006/chart" xmlns:dgm="http://schemas.openxmlformats.org/drawingml/2006/diagram" xmlns:o="urn:schemas-microsoft-com:office:office" xmlns:v="urn:schemas-microsoft-com:vml" xmlns:pvml="urn:schemas-microsoft-com:office:powerpoint" xmlns:com="http://schemas.openxmlformats.org/drawingml/2006/compatibility" xmlns:p15="http://schemas.microsoft.com/office/powerpoint/2012/main" xmlns:ahyp="http://schemas.microsoft.com/office/drawing/2018/hyperlinkcolor">
+    <mc:Fallback xmlns:ahyp="http://schemas.microsoft.com/office/drawing/2018/hyperlinkcolor" xmlns:p15="http://schemas.microsoft.com/office/powerpoint/2012/main" xmlns:com="http://schemas.openxmlformats.org/drawingml/2006/compatibility" xmlns:pvml="urn:schemas-microsoft-com:office:powerpoint" xmlns:v="urn:schemas-microsoft-com:vml" xmlns:o="urn:schemas-microsoft-com:office:office" xmlns:dgm="http://schemas.openxmlformats.org/drawingml/2006/diagram" xmlns:c="http://schemas.openxmlformats.org/drawingml/2006/chart" xmlns:mv="urn:schemas-microsoft-com:mac:vml" xmlns="">
       <p:transition spd="slow">
         <p:fade/>
       </p:transition>
@@ -19855,7 +19855,7 @@
         <p:push/>
       </p:transition>
     </mc:Choice>
-    <mc:Fallback xmlns="" xmlns:mv="urn:schemas-microsoft-com:mac:vml" xmlns:c="http://schemas.openxmlformats.org/drawingml/2006/chart" xmlns:dgm="http://schemas.openxmlformats.org/drawingml/2006/diagram" xmlns:o="urn:schemas-microsoft-com:office:office" xmlns:v="urn:schemas-microsoft-com:vml" xmlns:pvml="urn:schemas-microsoft-com:office:powerpoint" xmlns:com="http://schemas.openxmlformats.org/drawingml/2006/compatibility" xmlns:p15="http://schemas.microsoft.com/office/powerpoint/2012/main" xmlns:ahyp="http://schemas.microsoft.com/office/drawing/2018/hyperlinkcolor">
+    <mc:Fallback xmlns:ahyp="http://schemas.microsoft.com/office/drawing/2018/hyperlinkcolor" xmlns:p15="http://schemas.microsoft.com/office/powerpoint/2012/main" xmlns:com="http://schemas.openxmlformats.org/drawingml/2006/compatibility" xmlns:pvml="urn:schemas-microsoft-com:office:powerpoint" xmlns:v="urn:schemas-microsoft-com:vml" xmlns:o="urn:schemas-microsoft-com:office:office" xmlns:dgm="http://schemas.openxmlformats.org/drawingml/2006/diagram" xmlns:c="http://schemas.openxmlformats.org/drawingml/2006/chart" xmlns:mv="urn:schemas-microsoft-com:mac:vml" xmlns="">
       <p:transition spd="slow">
         <p:fade/>
       </p:transition>
@@ -20308,7 +20308,7 @@
         <p:push/>
       </p:transition>
     </mc:Choice>
-    <mc:Fallback xmlns="" xmlns:mv="urn:schemas-microsoft-com:mac:vml" xmlns:c="http://schemas.openxmlformats.org/drawingml/2006/chart" xmlns:dgm="http://schemas.openxmlformats.org/drawingml/2006/diagram" xmlns:o="urn:schemas-microsoft-com:office:office" xmlns:v="urn:schemas-microsoft-com:vml" xmlns:pvml="urn:schemas-microsoft-com:office:powerpoint" xmlns:com="http://schemas.openxmlformats.org/drawingml/2006/compatibility" xmlns:p15="http://schemas.microsoft.com/office/powerpoint/2012/main" xmlns:ahyp="http://schemas.microsoft.com/office/drawing/2018/hyperlinkcolor">
+    <mc:Fallback xmlns:ahyp="http://schemas.microsoft.com/office/drawing/2018/hyperlinkcolor" xmlns:p15="http://schemas.microsoft.com/office/powerpoint/2012/main" xmlns:com="http://schemas.openxmlformats.org/drawingml/2006/compatibility" xmlns:pvml="urn:schemas-microsoft-com:office:powerpoint" xmlns:v="urn:schemas-microsoft-com:vml" xmlns:o="urn:schemas-microsoft-com:office:office" xmlns:dgm="http://schemas.openxmlformats.org/drawingml/2006/diagram" xmlns:c="http://schemas.openxmlformats.org/drawingml/2006/chart" xmlns:mv="urn:schemas-microsoft-com:mac:vml" xmlns="">
       <p:transition spd="slow">
         <p:fade/>
       </p:transition>
@@ -20699,7 +20699,7 @@
         <p:push/>
       </p:transition>
     </mc:Choice>
-    <mc:Fallback xmlns="" xmlns:mv="urn:schemas-microsoft-com:mac:vml" xmlns:c="http://schemas.openxmlformats.org/drawingml/2006/chart" xmlns:dgm="http://schemas.openxmlformats.org/drawingml/2006/diagram" xmlns:o="urn:schemas-microsoft-com:office:office" xmlns:v="urn:schemas-microsoft-com:vml" xmlns:pvml="urn:schemas-microsoft-com:office:powerpoint" xmlns:com="http://schemas.openxmlformats.org/drawingml/2006/compatibility" xmlns:p15="http://schemas.microsoft.com/office/powerpoint/2012/main" xmlns:ahyp="http://schemas.microsoft.com/office/drawing/2018/hyperlinkcolor">
+    <mc:Fallback xmlns:ahyp="http://schemas.microsoft.com/office/drawing/2018/hyperlinkcolor" xmlns:p15="http://schemas.microsoft.com/office/powerpoint/2012/main" xmlns:com="http://schemas.openxmlformats.org/drawingml/2006/compatibility" xmlns:pvml="urn:schemas-microsoft-com:office:powerpoint" xmlns:v="urn:schemas-microsoft-com:vml" xmlns:o="urn:schemas-microsoft-com:office:office" xmlns:dgm="http://schemas.openxmlformats.org/drawingml/2006/diagram" xmlns:c="http://schemas.openxmlformats.org/drawingml/2006/chart" xmlns:mv="urn:schemas-microsoft-com:mac:vml" xmlns="">
       <p:transition spd="slow">
         <p:fade/>
       </p:transition>
@@ -21282,7 +21282,7 @@
         <p:push/>
       </p:transition>
     </mc:Choice>
-    <mc:Fallback xmlns="" xmlns:mv="urn:schemas-microsoft-com:mac:vml" xmlns:c="http://schemas.openxmlformats.org/drawingml/2006/chart" xmlns:dgm="http://schemas.openxmlformats.org/drawingml/2006/diagram" xmlns:o="urn:schemas-microsoft-com:office:office" xmlns:v="urn:schemas-microsoft-com:vml" xmlns:pvml="urn:schemas-microsoft-com:office:powerpoint" xmlns:com="http://schemas.openxmlformats.org/drawingml/2006/compatibility" xmlns:p15="http://schemas.microsoft.com/office/powerpoint/2012/main" xmlns:ahyp="http://schemas.microsoft.com/office/drawing/2018/hyperlinkcolor">
+    <mc:Fallback xmlns:ahyp="http://schemas.microsoft.com/office/drawing/2018/hyperlinkcolor" xmlns:p15="http://schemas.microsoft.com/office/powerpoint/2012/main" xmlns:com="http://schemas.openxmlformats.org/drawingml/2006/compatibility" xmlns:pvml="urn:schemas-microsoft-com:office:powerpoint" xmlns:v="urn:schemas-microsoft-com:vml" xmlns:o="urn:schemas-microsoft-com:office:office" xmlns:dgm="http://schemas.openxmlformats.org/drawingml/2006/diagram" xmlns:c="http://schemas.openxmlformats.org/drawingml/2006/chart" xmlns:mv="urn:schemas-microsoft-com:mac:vml" xmlns="">
       <p:transition spd="slow">
         <p:fade/>
       </p:transition>
@@ -21585,7 +21585,7 @@
         <p:push/>
       </p:transition>
     </mc:Choice>
-    <mc:Fallback xmlns="" xmlns:mv="urn:schemas-microsoft-com:mac:vml" xmlns:c="http://schemas.openxmlformats.org/drawingml/2006/chart" xmlns:dgm="http://schemas.openxmlformats.org/drawingml/2006/diagram" xmlns:o="urn:schemas-microsoft-com:office:office" xmlns:v="urn:schemas-microsoft-com:vml" xmlns:pvml="urn:schemas-microsoft-com:office:powerpoint" xmlns:com="http://schemas.openxmlformats.org/drawingml/2006/compatibility" xmlns:p15="http://schemas.microsoft.com/office/powerpoint/2012/main" xmlns:ahyp="http://schemas.microsoft.com/office/drawing/2018/hyperlinkcolor">
+    <mc:Fallback xmlns:ahyp="http://schemas.microsoft.com/office/drawing/2018/hyperlinkcolor" xmlns:p15="http://schemas.microsoft.com/office/powerpoint/2012/main" xmlns:com="http://schemas.openxmlformats.org/drawingml/2006/compatibility" xmlns:pvml="urn:schemas-microsoft-com:office:powerpoint" xmlns:v="urn:schemas-microsoft-com:vml" xmlns:o="urn:schemas-microsoft-com:office:office" xmlns:dgm="http://schemas.openxmlformats.org/drawingml/2006/diagram" xmlns:c="http://schemas.openxmlformats.org/drawingml/2006/chart" xmlns:mv="urn:schemas-microsoft-com:mac:vml" xmlns="">
       <p:transition spd="slow">
         <p:fade/>
       </p:transition>
@@ -22298,7 +22298,7 @@
         <p:push/>
       </p:transition>
     </mc:Choice>
-    <mc:Fallback xmlns="" xmlns:mv="urn:schemas-microsoft-com:mac:vml" xmlns:c="http://schemas.openxmlformats.org/drawingml/2006/chart" xmlns:dgm="http://schemas.openxmlformats.org/drawingml/2006/diagram" xmlns:o="urn:schemas-microsoft-com:office:office" xmlns:v="urn:schemas-microsoft-com:vml" xmlns:pvml="urn:schemas-microsoft-com:office:powerpoint" xmlns:com="http://schemas.openxmlformats.org/drawingml/2006/compatibility" xmlns:p15="http://schemas.microsoft.com/office/powerpoint/2012/main" xmlns:ahyp="http://schemas.microsoft.com/office/drawing/2018/hyperlinkcolor">
+    <mc:Fallback xmlns:ahyp="http://schemas.microsoft.com/office/drawing/2018/hyperlinkcolor" xmlns:p15="http://schemas.microsoft.com/office/powerpoint/2012/main" xmlns:com="http://schemas.openxmlformats.org/drawingml/2006/compatibility" xmlns:pvml="urn:schemas-microsoft-com:office:powerpoint" xmlns:v="urn:schemas-microsoft-com:vml" xmlns:o="urn:schemas-microsoft-com:office:office" xmlns:dgm="http://schemas.openxmlformats.org/drawingml/2006/diagram" xmlns:c="http://schemas.openxmlformats.org/drawingml/2006/chart" xmlns:mv="urn:schemas-microsoft-com:mac:vml" xmlns="">
       <p:transition spd="slow">
         <p:fade/>
       </p:transition>
@@ -22487,7 +22487,7 @@
         <p:push/>
       </p:transition>
     </mc:Choice>
-    <mc:Fallback xmlns="" xmlns:mv="urn:schemas-microsoft-com:mac:vml" xmlns:c="http://schemas.openxmlformats.org/drawingml/2006/chart" xmlns:dgm="http://schemas.openxmlformats.org/drawingml/2006/diagram" xmlns:o="urn:schemas-microsoft-com:office:office" xmlns:v="urn:schemas-microsoft-com:vml" xmlns:pvml="urn:schemas-microsoft-com:office:powerpoint" xmlns:com="http://schemas.openxmlformats.org/drawingml/2006/compatibility" xmlns:p15="http://schemas.microsoft.com/office/powerpoint/2012/main" xmlns:ahyp="http://schemas.microsoft.com/office/drawing/2018/hyperlinkcolor">
+    <mc:Fallback xmlns:ahyp="http://schemas.microsoft.com/office/drawing/2018/hyperlinkcolor" xmlns:p15="http://schemas.microsoft.com/office/powerpoint/2012/main" xmlns:com="http://schemas.openxmlformats.org/drawingml/2006/compatibility" xmlns:pvml="urn:schemas-microsoft-com:office:powerpoint" xmlns:v="urn:schemas-microsoft-com:vml" xmlns:o="urn:schemas-microsoft-com:office:office" xmlns:dgm="http://schemas.openxmlformats.org/drawingml/2006/diagram" xmlns:c="http://schemas.openxmlformats.org/drawingml/2006/chart" xmlns:mv="urn:schemas-microsoft-com:mac:vml" xmlns="">
       <p:transition spd="slow">
         <p:fade/>
       </p:transition>
@@ -22845,7 +22845,7 @@
         <p:push/>
       </p:transition>
     </mc:Choice>
-    <mc:Fallback xmlns="" xmlns:mv="urn:schemas-microsoft-com:mac:vml" xmlns:c="http://schemas.openxmlformats.org/drawingml/2006/chart" xmlns:dgm="http://schemas.openxmlformats.org/drawingml/2006/diagram" xmlns:o="urn:schemas-microsoft-com:office:office" xmlns:v="urn:schemas-microsoft-com:vml" xmlns:pvml="urn:schemas-microsoft-com:office:powerpoint" xmlns:com="http://schemas.openxmlformats.org/drawingml/2006/compatibility" xmlns:p15="http://schemas.microsoft.com/office/powerpoint/2012/main" xmlns:ahyp="http://schemas.microsoft.com/office/drawing/2018/hyperlinkcolor">
+    <mc:Fallback xmlns:ahyp="http://schemas.microsoft.com/office/drawing/2018/hyperlinkcolor" xmlns:p15="http://schemas.microsoft.com/office/powerpoint/2012/main" xmlns:com="http://schemas.openxmlformats.org/drawingml/2006/compatibility" xmlns:pvml="urn:schemas-microsoft-com:office:powerpoint" xmlns:v="urn:schemas-microsoft-com:vml" xmlns:o="urn:schemas-microsoft-com:office:office" xmlns:dgm="http://schemas.openxmlformats.org/drawingml/2006/diagram" xmlns:c="http://schemas.openxmlformats.org/drawingml/2006/chart" xmlns:mv="urn:schemas-microsoft-com:mac:vml" xmlns="">
       <p:transition spd="slow">
         <p:fade/>
       </p:transition>
@@ -23218,7 +23218,7 @@
         <p:push/>
       </p:transition>
     </mc:Choice>
-    <mc:Fallback xmlns="" xmlns:mv="urn:schemas-microsoft-com:mac:vml" xmlns:c="http://schemas.openxmlformats.org/drawingml/2006/chart" xmlns:dgm="http://schemas.openxmlformats.org/drawingml/2006/diagram" xmlns:o="urn:schemas-microsoft-com:office:office" xmlns:v="urn:schemas-microsoft-com:vml" xmlns:pvml="urn:schemas-microsoft-com:office:powerpoint" xmlns:com="http://schemas.openxmlformats.org/drawingml/2006/compatibility" xmlns:p15="http://schemas.microsoft.com/office/powerpoint/2012/main" xmlns:ahyp="http://schemas.microsoft.com/office/drawing/2018/hyperlinkcolor">
+    <mc:Fallback xmlns:ahyp="http://schemas.microsoft.com/office/drawing/2018/hyperlinkcolor" xmlns:p15="http://schemas.microsoft.com/office/powerpoint/2012/main" xmlns:com="http://schemas.openxmlformats.org/drawingml/2006/compatibility" xmlns:pvml="urn:schemas-microsoft-com:office:powerpoint" xmlns:v="urn:schemas-microsoft-com:vml" xmlns:o="urn:schemas-microsoft-com:office:office" xmlns:dgm="http://schemas.openxmlformats.org/drawingml/2006/diagram" xmlns:c="http://schemas.openxmlformats.org/drawingml/2006/chart" xmlns:mv="urn:schemas-microsoft-com:mac:vml" xmlns="">
       <p:transition spd="slow">
         <p:fade/>
       </p:transition>
@@ -23607,7 +23607,7 @@
         <p:push/>
       </p:transition>
     </mc:Choice>
-    <mc:Fallback xmlns="" xmlns:mv="urn:schemas-microsoft-com:mac:vml" xmlns:c="http://schemas.openxmlformats.org/drawingml/2006/chart" xmlns:dgm="http://schemas.openxmlformats.org/drawingml/2006/diagram" xmlns:o="urn:schemas-microsoft-com:office:office" xmlns:v="urn:schemas-microsoft-com:vml" xmlns:pvml="urn:schemas-microsoft-com:office:powerpoint" xmlns:com="http://schemas.openxmlformats.org/drawingml/2006/compatibility" xmlns:p15="http://schemas.microsoft.com/office/powerpoint/2012/main" xmlns:ahyp="http://schemas.microsoft.com/office/drawing/2018/hyperlinkcolor">
+    <mc:Fallback xmlns:ahyp="http://schemas.microsoft.com/office/drawing/2018/hyperlinkcolor" xmlns:p15="http://schemas.microsoft.com/office/powerpoint/2012/main" xmlns:com="http://schemas.openxmlformats.org/drawingml/2006/compatibility" xmlns:pvml="urn:schemas-microsoft-com:office:powerpoint" xmlns:v="urn:schemas-microsoft-com:vml" xmlns:o="urn:schemas-microsoft-com:office:office" xmlns:dgm="http://schemas.openxmlformats.org/drawingml/2006/diagram" xmlns:c="http://schemas.openxmlformats.org/drawingml/2006/chart" xmlns:mv="urn:schemas-microsoft-com:mac:vml" xmlns="">
       <p:transition spd="slow">
         <p:fade/>
       </p:transition>
@@ -24788,7 +24788,7 @@
         <p:push/>
       </p:transition>
     </mc:Choice>
-    <mc:Fallback xmlns="" xmlns:mv="urn:schemas-microsoft-com:mac:vml" xmlns:c="http://schemas.openxmlformats.org/drawingml/2006/chart" xmlns:dgm="http://schemas.openxmlformats.org/drawingml/2006/diagram" xmlns:o="urn:schemas-microsoft-com:office:office" xmlns:v="urn:schemas-microsoft-com:vml" xmlns:pvml="urn:schemas-microsoft-com:office:powerpoint" xmlns:com="http://schemas.openxmlformats.org/drawingml/2006/compatibility" xmlns:p15="http://schemas.microsoft.com/office/powerpoint/2012/main" xmlns:ahyp="http://schemas.microsoft.com/office/drawing/2018/hyperlinkcolor">
+    <mc:Fallback xmlns:ahyp="http://schemas.microsoft.com/office/drawing/2018/hyperlinkcolor" xmlns:p15="http://schemas.microsoft.com/office/powerpoint/2012/main" xmlns:com="http://schemas.openxmlformats.org/drawingml/2006/compatibility" xmlns:pvml="urn:schemas-microsoft-com:office:powerpoint" xmlns:v="urn:schemas-microsoft-com:vml" xmlns:o="urn:schemas-microsoft-com:office:office" xmlns:dgm="http://schemas.openxmlformats.org/drawingml/2006/diagram" xmlns:c="http://schemas.openxmlformats.org/drawingml/2006/chart" xmlns:mv="urn:schemas-microsoft-com:mac:vml" xmlns="">
       <p:transition spd="slow">
         <p:fade/>
       </p:transition>
@@ -27387,7 +27387,7 @@
         <p:push/>
       </p:transition>
     </mc:Choice>
-    <mc:Fallback xmlns="" xmlns:mv="urn:schemas-microsoft-com:mac:vml" xmlns:c="http://schemas.openxmlformats.org/drawingml/2006/chart" xmlns:dgm="http://schemas.openxmlformats.org/drawingml/2006/diagram" xmlns:o="urn:schemas-microsoft-com:office:office" xmlns:v="urn:schemas-microsoft-com:vml" xmlns:pvml="urn:schemas-microsoft-com:office:powerpoint" xmlns:com="http://schemas.openxmlformats.org/drawingml/2006/compatibility" xmlns:p15="http://schemas.microsoft.com/office/powerpoint/2012/main" xmlns:ahyp="http://schemas.microsoft.com/office/drawing/2018/hyperlinkcolor">
+    <mc:Fallback xmlns:ahyp="http://schemas.microsoft.com/office/drawing/2018/hyperlinkcolor" xmlns:p15="http://schemas.microsoft.com/office/powerpoint/2012/main" xmlns:com="http://schemas.openxmlformats.org/drawingml/2006/compatibility" xmlns:pvml="urn:schemas-microsoft-com:office:powerpoint" xmlns:v="urn:schemas-microsoft-com:vml" xmlns:o="urn:schemas-microsoft-com:office:office" xmlns:dgm="http://schemas.openxmlformats.org/drawingml/2006/diagram" xmlns:c="http://schemas.openxmlformats.org/drawingml/2006/chart" xmlns:mv="urn:schemas-microsoft-com:mac:vml" xmlns="">
       <p:transition spd="slow">
         <p:fade/>
       </p:transition>
@@ -29717,7 +29717,7 @@
         <p:push/>
       </p:transition>
     </mc:Choice>
-    <mc:Fallback xmlns="" xmlns:mv="urn:schemas-microsoft-com:mac:vml" xmlns:c="http://schemas.openxmlformats.org/drawingml/2006/chart" xmlns:dgm="http://schemas.openxmlformats.org/drawingml/2006/diagram" xmlns:o="urn:schemas-microsoft-com:office:office" xmlns:v="urn:schemas-microsoft-com:vml" xmlns:pvml="urn:schemas-microsoft-com:office:powerpoint" xmlns:com="http://schemas.openxmlformats.org/drawingml/2006/compatibility" xmlns:p15="http://schemas.microsoft.com/office/powerpoint/2012/main" xmlns:ahyp="http://schemas.microsoft.com/office/drawing/2018/hyperlinkcolor">
+    <mc:Fallback xmlns:ahyp="http://schemas.microsoft.com/office/drawing/2018/hyperlinkcolor" xmlns:p15="http://schemas.microsoft.com/office/powerpoint/2012/main" xmlns:com="http://schemas.openxmlformats.org/drawingml/2006/compatibility" xmlns:pvml="urn:schemas-microsoft-com:office:powerpoint" xmlns:v="urn:schemas-microsoft-com:vml" xmlns:o="urn:schemas-microsoft-com:office:office" xmlns:dgm="http://schemas.openxmlformats.org/drawingml/2006/diagram" xmlns:c="http://schemas.openxmlformats.org/drawingml/2006/chart" xmlns:mv="urn:schemas-microsoft-com:mac:vml" xmlns="">
       <p:transition spd="slow">
         <p:fade/>
       </p:transition>
@@ -29871,7 +29871,7 @@
         <p:push/>
       </p:transition>
     </mc:Choice>
-    <mc:Fallback xmlns="" xmlns:mv="urn:schemas-microsoft-com:mac:vml" xmlns:c="http://schemas.openxmlformats.org/drawingml/2006/chart" xmlns:dgm="http://schemas.openxmlformats.org/drawingml/2006/diagram" xmlns:o="urn:schemas-microsoft-com:office:office" xmlns:v="urn:schemas-microsoft-com:vml" xmlns:pvml="urn:schemas-microsoft-com:office:powerpoint" xmlns:com="http://schemas.openxmlformats.org/drawingml/2006/compatibility" xmlns:p15="http://schemas.microsoft.com/office/powerpoint/2012/main" xmlns:ahyp="http://schemas.microsoft.com/office/drawing/2018/hyperlinkcolor">
+    <mc:Fallback xmlns:ahyp="http://schemas.microsoft.com/office/drawing/2018/hyperlinkcolor" xmlns:p15="http://schemas.microsoft.com/office/powerpoint/2012/main" xmlns:com="http://schemas.openxmlformats.org/drawingml/2006/compatibility" xmlns:pvml="urn:schemas-microsoft-com:office:powerpoint" xmlns:v="urn:schemas-microsoft-com:vml" xmlns:o="urn:schemas-microsoft-com:office:office" xmlns:dgm="http://schemas.openxmlformats.org/drawingml/2006/diagram" xmlns:c="http://schemas.openxmlformats.org/drawingml/2006/chart" xmlns:mv="urn:schemas-microsoft-com:mac:vml" xmlns="">
       <p:transition spd="slow">
         <p:fade/>
       </p:transition>
@@ -30113,7 +30113,7 @@
         <p:push/>
       </p:transition>
     </mc:Choice>
-    <mc:Fallback xmlns="" xmlns:mv="urn:schemas-microsoft-com:mac:vml" xmlns:c="http://schemas.openxmlformats.org/drawingml/2006/chart" xmlns:dgm="http://schemas.openxmlformats.org/drawingml/2006/diagram" xmlns:o="urn:schemas-microsoft-com:office:office" xmlns:v="urn:schemas-microsoft-com:vml" xmlns:pvml="urn:schemas-microsoft-com:office:powerpoint" xmlns:com="http://schemas.openxmlformats.org/drawingml/2006/compatibility" xmlns:p15="http://schemas.microsoft.com/office/powerpoint/2012/main" xmlns:ahyp="http://schemas.microsoft.com/office/drawing/2018/hyperlinkcolor">
+    <mc:Fallback xmlns:ahyp="http://schemas.microsoft.com/office/drawing/2018/hyperlinkcolor" xmlns:p15="http://schemas.microsoft.com/office/powerpoint/2012/main" xmlns:com="http://schemas.openxmlformats.org/drawingml/2006/compatibility" xmlns:pvml="urn:schemas-microsoft-com:office:powerpoint" xmlns:v="urn:schemas-microsoft-com:vml" xmlns:o="urn:schemas-microsoft-com:office:office" xmlns:dgm="http://schemas.openxmlformats.org/drawingml/2006/diagram" xmlns:c="http://schemas.openxmlformats.org/drawingml/2006/chart" xmlns:mv="urn:schemas-microsoft-com:mac:vml" xmlns="">
       <p:transition spd="slow">
         <p:fade/>
       </p:transition>
@@ -30468,394 +30468,6 @@
 </file>
 
 <file path=ppt/slides/slide8.xml><?xml version="1.0" encoding="utf-8"?>
-<p:sld xmlns:a="http://schemas.openxmlformats.org/drawingml/2006/main" xmlns:r="http://schemas.openxmlformats.org/officeDocument/2006/relationships" xmlns:p="http://schemas.openxmlformats.org/presentationml/2006/main">
-  <p:cSld>
-    <p:spTree>
-      <p:nvGrpSpPr>
-        <p:cNvPr id="1" name="Shape 395"/>
-        <p:cNvGrpSpPr/>
-        <p:nvPr/>
-      </p:nvGrpSpPr>
-      <p:grpSpPr>
-        <a:xfrm>
-          <a:off x="0" y="0"/>
-          <a:ext cx="0" cy="0"/>
-          <a:chOff x="0" y="0"/>
-          <a:chExt cx="0" cy="0"/>
-        </a:xfrm>
-      </p:grpSpPr>
-      <p:sp>
-        <p:nvSpPr>
-          <p:cNvPr id="396" name="Google Shape;396;p56">
-            <a:hlinkClick r:id="rId3" action="ppaction://hlinksldjump"/>
-          </p:cNvPr>
-          <p:cNvSpPr txBox="1">
-            <a:spLocks noGrp="1"/>
-          </p:cNvSpPr>
-          <p:nvPr>
-            <p:ph type="title"/>
-          </p:nvPr>
-        </p:nvSpPr>
-        <p:spPr>
-          <a:xfrm>
-            <a:off x="794774" y="688897"/>
-            <a:ext cx="6499161" cy="484800"/>
-          </a:xfrm>
-          <a:prstGeom prst="rect">
-            <a:avLst/>
-          </a:prstGeom>
-        </p:spPr>
-        <p:txBody>
-          <a:bodyPr spcFirstLastPara="1" wrap="square" lIns="91425" tIns="91425" rIns="91425" bIns="91425" anchor="b" anchorCtr="0">
-            <a:noAutofit/>
-          </a:bodyPr>
-          <a:lstStyle/>
-          <a:p>
-            <a:pPr marL="0" lvl="0" indent="0" algn="l" rtl="0">
-              <a:spcBef>
-                <a:spcPts val="0"/>
-              </a:spcBef>
-              <a:spcAft>
-                <a:spcPts val="0"/>
-              </a:spcAft>
-              <a:buNone/>
-            </a:pPr>
-            <a:r>
-              <a:rPr lang="en" sz="3200" dirty="0"/>
-              <a:t>Planteamiento del Problema</a:t>
-            </a:r>
-            <a:endParaRPr sz="3200" dirty="0"/>
-          </a:p>
-        </p:txBody>
-      </p:sp>
-      <p:sp>
-        <p:nvSpPr>
-          <p:cNvPr id="398" name="Google Shape;398;p56"/>
-          <p:cNvSpPr txBox="1">
-            <a:spLocks noGrp="1"/>
-          </p:cNvSpPr>
-          <p:nvPr>
-            <p:ph type="subTitle" idx="1"/>
-          </p:nvPr>
-        </p:nvSpPr>
-        <p:spPr>
-          <a:xfrm>
-            <a:off x="794774" y="1805849"/>
-            <a:ext cx="5643551" cy="2447174"/>
-          </a:xfrm>
-          <a:prstGeom prst="rect">
-            <a:avLst/>
-          </a:prstGeom>
-        </p:spPr>
-        <p:txBody>
-          <a:bodyPr spcFirstLastPara="1" wrap="square" lIns="91425" tIns="91425" rIns="91425" bIns="91425" anchor="t" anchorCtr="0">
-            <a:noAutofit/>
-          </a:bodyPr>
-          <a:lstStyle/>
-          <a:p>
-            <a:pPr marL="0" lvl="0" indent="0"/>
-            <a:r>
-              <a:rPr lang="es-ES" sz="2000" dirty="0"/>
-              <a:t>¿Qué impacto tiene la utilización de una plataforma web que gestione documentos para optimizar el proceso de búsqueda de archivos en un bufete de abogados?</a:t>
-            </a:r>
-            <a:endParaRPr sz="2000" dirty="0"/>
-          </a:p>
-        </p:txBody>
-      </p:sp>
-      <p:pic>
-        <p:nvPicPr>
-          <p:cNvPr id="411" name="Google Shape;411;p56"/>
-          <p:cNvPicPr preferRelativeResize="0"/>
-          <p:nvPr/>
-        </p:nvPicPr>
-        <p:blipFill rotWithShape="1">
-          <a:blip r:embed="rId4">
-            <a:alphaModFix/>
-          </a:blip>
-          <a:srcRect r="25317"/>
-          <a:stretch/>
-        </p:blipFill>
-        <p:spPr>
-          <a:xfrm>
-            <a:off x="6438325" y="2495374"/>
-            <a:ext cx="2726400" cy="2632201"/>
-          </a:xfrm>
-          <a:prstGeom prst="rect">
-            <a:avLst/>
-          </a:prstGeom>
-          <a:noFill/>
-          <a:ln>
-            <a:noFill/>
-          </a:ln>
-        </p:spPr>
-      </p:pic>
-      <p:sp>
-        <p:nvSpPr>
-          <p:cNvPr id="412" name="Google Shape;412;p56"/>
-          <p:cNvSpPr/>
-          <p:nvPr/>
-        </p:nvSpPr>
-        <p:spPr>
-          <a:xfrm rot="-5400000">
-            <a:off x="6795375" y="3126249"/>
-            <a:ext cx="1484400" cy="1484100"/>
-          </a:xfrm>
-          <a:prstGeom prst="ellipse">
-            <a:avLst/>
-          </a:prstGeom>
-          <a:solidFill>
-            <a:schemeClr val="lt2"/>
-          </a:solidFill>
-          <a:ln>
-            <a:noFill/>
-          </a:ln>
-        </p:spPr>
-        <p:txBody>
-          <a:bodyPr spcFirstLastPara="1" wrap="square" lIns="91425" tIns="91425" rIns="91425" bIns="91425" anchor="ctr" anchorCtr="0">
-            <a:noAutofit/>
-          </a:bodyPr>
-          <a:lstStyle/>
-          <a:p>
-            <a:pPr marL="0" lvl="0" indent="0" algn="l" rtl="0">
-              <a:spcBef>
-                <a:spcPts val="0"/>
-              </a:spcBef>
-              <a:spcAft>
-                <a:spcPts val="0"/>
-              </a:spcAft>
-              <a:buNone/>
-            </a:pPr>
-            <a:endParaRPr dirty="0"/>
-          </a:p>
-        </p:txBody>
-      </p:sp>
-    </p:spTree>
-  </p:cSld>
-  <p:clrMapOvr>
-    <a:masterClrMapping/>
-  </p:clrMapOvr>
-  <mc:AlternateContent xmlns:mc="http://schemas.openxmlformats.org/markup-compatibility/2006" xmlns:p14="http://schemas.microsoft.com/office/powerpoint/2010/main">
-    <mc:Choice Requires="p14">
-      <p:transition spd="slow">
-        <p:push/>
-      </p:transition>
-    </mc:Choice>
-    <mc:Fallback xmlns="" xmlns:mv="urn:schemas-microsoft-com:mac:vml" xmlns:c="http://schemas.openxmlformats.org/drawingml/2006/chart" xmlns:dgm="http://schemas.openxmlformats.org/drawingml/2006/diagram" xmlns:o="urn:schemas-microsoft-com:office:office" xmlns:v="urn:schemas-microsoft-com:vml" xmlns:pvml="urn:schemas-microsoft-com:office:powerpoint" xmlns:com="http://schemas.openxmlformats.org/drawingml/2006/compatibility" xmlns:p15="http://schemas.microsoft.com/office/powerpoint/2012/main" xmlns:ahyp="http://schemas.microsoft.com/office/drawing/2018/hyperlinkcolor">
-      <p:transition spd="slow">
-        <p:fade/>
-      </p:transition>
-    </mc:Fallback>
-  </mc:AlternateContent>
-  <p:timing>
-    <p:tnLst>
-      <p:par>
-        <p:cTn id="1" dur="indefinite" restart="never" nodeType="tmRoot">
-          <p:childTnLst>
-            <p:seq concurrent="1" nextAc="seek">
-              <p:cTn id="2" dur="indefinite" nodeType="mainSeq">
-                <p:childTnLst>
-                  <p:par>
-                    <p:cTn id="3" fill="hold">
-                      <p:stCondLst>
-                        <p:cond delay="indefinite"/>
-                      </p:stCondLst>
-                      <p:childTnLst>
-                        <p:par>
-                          <p:cTn id="4" fill="hold">
-                            <p:stCondLst>
-                              <p:cond delay="0"/>
-                            </p:stCondLst>
-                            <p:childTnLst>
-                              <p:par>
-                                <p:cTn id="5" presetID="10" presetClass="entr" presetSubtype="0" fill="hold" nodeType="clickEffect">
-                                  <p:stCondLst>
-                                    <p:cond delay="0"/>
-                                  </p:stCondLst>
-                                  <p:childTnLst>
-                                    <p:set>
-                                      <p:cBhvr>
-                                        <p:cTn id="6" dur="1" fill="hold">
-                                          <p:stCondLst>
-                                            <p:cond delay="0"/>
-                                          </p:stCondLst>
-                                        </p:cTn>
-                                        <p:tgtEl>
-                                          <p:spTgt spid="396"/>
-                                        </p:tgtEl>
-                                        <p:attrNameLst>
-                                          <p:attrName>style.visibility</p:attrName>
-                                        </p:attrNameLst>
-                                      </p:cBhvr>
-                                      <p:to>
-                                        <p:strVal val="visible"/>
-                                      </p:to>
-                                    </p:set>
-                                    <p:animEffect transition="in" filter="fade">
-                                      <p:cBhvr>
-                                        <p:cTn id="7" dur="1000"/>
-                                        <p:tgtEl>
-                                          <p:spTgt spid="396"/>
-                                        </p:tgtEl>
-                                      </p:cBhvr>
-                                    </p:animEffect>
-                                  </p:childTnLst>
-                                </p:cTn>
-                              </p:par>
-                              <p:par>
-                                <p:cTn id="8" presetID="10" presetClass="entr" presetSubtype="0" fill="hold" nodeType="withEffect">
-                                  <p:stCondLst>
-                                    <p:cond delay="0"/>
-                                  </p:stCondLst>
-                                  <p:childTnLst>
-                                    <p:set>
-                                      <p:cBhvr>
-                                        <p:cTn id="9" dur="1" fill="hold">
-                                          <p:stCondLst>
-                                            <p:cond delay="0"/>
-                                          </p:stCondLst>
-                                        </p:cTn>
-                                        <p:tgtEl>
-                                          <p:spTgt spid="398"/>
-                                        </p:tgtEl>
-                                        <p:attrNameLst>
-                                          <p:attrName>style.visibility</p:attrName>
-                                        </p:attrNameLst>
-                                      </p:cBhvr>
-                                      <p:to>
-                                        <p:strVal val="visible"/>
-                                      </p:to>
-                                    </p:set>
-                                    <p:animEffect transition="in" filter="fade">
-                                      <p:cBhvr>
-                                        <p:cTn id="10" dur="1000"/>
-                                        <p:tgtEl>
-                                          <p:spTgt spid="398"/>
-                                        </p:tgtEl>
-                                      </p:cBhvr>
-                                    </p:animEffect>
-                                  </p:childTnLst>
-                                </p:cTn>
-                              </p:par>
-                            </p:childTnLst>
-                          </p:cTn>
-                        </p:par>
-                      </p:childTnLst>
-                    </p:cTn>
-                  </p:par>
-                  <p:par>
-                    <p:cTn id="11" fill="hold">
-                      <p:stCondLst>
-                        <p:cond delay="indefinite"/>
-                      </p:stCondLst>
-                      <p:childTnLst>
-                        <p:par>
-                          <p:cTn id="12" fill="hold">
-                            <p:stCondLst>
-                              <p:cond delay="0"/>
-                            </p:stCondLst>
-                            <p:childTnLst>
-                              <p:par>
-                                <p:cTn id="13" presetID="10" presetClass="entr" presetSubtype="0" fill="hold" nodeType="clickEffect">
-                                  <p:stCondLst>
-                                    <p:cond delay="0"/>
-                                  </p:stCondLst>
-                                  <p:childTnLst>
-                                    <p:set>
-                                      <p:cBhvr>
-                                        <p:cTn id="14" dur="1" fill="hold">
-                                          <p:stCondLst>
-                                            <p:cond delay="0"/>
-                                          </p:stCondLst>
-                                        </p:cTn>
-                                        <p:tgtEl>
-                                          <p:spTgt spid="411"/>
-                                        </p:tgtEl>
-                                        <p:attrNameLst>
-                                          <p:attrName>style.visibility</p:attrName>
-                                        </p:attrNameLst>
-                                      </p:cBhvr>
-                                      <p:to>
-                                        <p:strVal val="visible"/>
-                                      </p:to>
-                                    </p:set>
-                                    <p:animEffect transition="in" filter="fade">
-                                      <p:cBhvr>
-                                        <p:cTn id="15" dur="1000"/>
-                                        <p:tgtEl>
-                                          <p:spTgt spid="411"/>
-                                        </p:tgtEl>
-                                      </p:cBhvr>
-                                    </p:animEffect>
-                                  </p:childTnLst>
-                                </p:cTn>
-                              </p:par>
-                              <p:par>
-                                <p:cTn id="16" presetID="10" presetClass="entr" presetSubtype="0" fill="hold" nodeType="withEffect">
-                                  <p:stCondLst>
-                                    <p:cond delay="0"/>
-                                  </p:stCondLst>
-                                  <p:childTnLst>
-                                    <p:set>
-                                      <p:cBhvr>
-                                        <p:cTn id="17" dur="1" fill="hold">
-                                          <p:stCondLst>
-                                            <p:cond delay="0"/>
-                                          </p:stCondLst>
-                                        </p:cTn>
-                                        <p:tgtEl>
-                                          <p:spTgt spid="412"/>
-                                        </p:tgtEl>
-                                        <p:attrNameLst>
-                                          <p:attrName>style.visibility</p:attrName>
-                                        </p:attrNameLst>
-                                      </p:cBhvr>
-                                      <p:to>
-                                        <p:strVal val="visible"/>
-                                      </p:to>
-                                    </p:set>
-                                    <p:animEffect transition="in" filter="fade">
-                                      <p:cBhvr>
-                                        <p:cTn id="18" dur="1000"/>
-                                        <p:tgtEl>
-                                          <p:spTgt spid="412"/>
-                                        </p:tgtEl>
-                                      </p:cBhvr>
-                                    </p:animEffect>
-                                  </p:childTnLst>
-                                </p:cTn>
-                              </p:par>
-                            </p:childTnLst>
-                          </p:cTn>
-                        </p:par>
-                      </p:childTnLst>
-                    </p:cTn>
-                  </p:par>
-                </p:childTnLst>
-              </p:cTn>
-              <p:prevCondLst>
-                <p:cond evt="onPrev" delay="0">
-                  <p:tgtEl>
-                    <p:sldTgt/>
-                  </p:tgtEl>
-                </p:cond>
-              </p:prevCondLst>
-              <p:nextCondLst>
-                <p:cond evt="onNext" delay="0">
-                  <p:tgtEl>
-                    <p:sldTgt/>
-                  </p:tgtEl>
-                </p:cond>
-              </p:nextCondLst>
-            </p:seq>
-          </p:childTnLst>
-        </p:cTn>
-      </p:par>
-    </p:tnLst>
-  </p:timing>
-</p:sld>
-</file>
-
-<file path=ppt/slides/slide9.xml><?xml version="1.0" encoding="utf-8"?>
 <p:sld xmlns:a="http://schemas.openxmlformats.org/drawingml/2006/main" xmlns:r="http://schemas.openxmlformats.org/officeDocument/2006/relationships" xmlns:p="http://schemas.openxmlformats.org/presentationml/2006/main">
   <p:cSld>
     <p:spTree>
@@ -32000,6 +31612,394 @@
 </p:sld>
 </file>
 
+<file path=ppt/slides/slide9.xml><?xml version="1.0" encoding="utf-8"?>
+<p:sld xmlns:a="http://schemas.openxmlformats.org/drawingml/2006/main" xmlns:r="http://schemas.openxmlformats.org/officeDocument/2006/relationships" xmlns:p="http://schemas.openxmlformats.org/presentationml/2006/main">
+  <p:cSld>
+    <p:spTree>
+      <p:nvGrpSpPr>
+        <p:cNvPr id="1" name="Shape 395"/>
+        <p:cNvGrpSpPr/>
+        <p:nvPr/>
+      </p:nvGrpSpPr>
+      <p:grpSpPr>
+        <a:xfrm>
+          <a:off x="0" y="0"/>
+          <a:ext cx="0" cy="0"/>
+          <a:chOff x="0" y="0"/>
+          <a:chExt cx="0" cy="0"/>
+        </a:xfrm>
+      </p:grpSpPr>
+      <p:sp>
+        <p:nvSpPr>
+          <p:cNvPr id="396" name="Google Shape;396;p56">
+            <a:hlinkClick r:id="rId3" action="ppaction://hlinksldjump"/>
+          </p:cNvPr>
+          <p:cNvSpPr txBox="1">
+            <a:spLocks noGrp="1"/>
+          </p:cNvSpPr>
+          <p:nvPr>
+            <p:ph type="title"/>
+          </p:nvPr>
+        </p:nvSpPr>
+        <p:spPr>
+          <a:xfrm>
+            <a:off x="794774" y="688897"/>
+            <a:ext cx="6499161" cy="484800"/>
+          </a:xfrm>
+          <a:prstGeom prst="rect">
+            <a:avLst/>
+          </a:prstGeom>
+        </p:spPr>
+        <p:txBody>
+          <a:bodyPr spcFirstLastPara="1" wrap="square" lIns="91425" tIns="91425" rIns="91425" bIns="91425" anchor="b" anchorCtr="0">
+            <a:noAutofit/>
+          </a:bodyPr>
+          <a:lstStyle/>
+          <a:p>
+            <a:pPr marL="0" lvl="0" indent="0" algn="l" rtl="0">
+              <a:spcBef>
+                <a:spcPts val="0"/>
+              </a:spcBef>
+              <a:spcAft>
+                <a:spcPts val="0"/>
+              </a:spcAft>
+              <a:buNone/>
+            </a:pPr>
+            <a:r>
+              <a:rPr lang="en" sz="3200" dirty="0"/>
+              <a:t>Planteamiento del Problema</a:t>
+            </a:r>
+            <a:endParaRPr sz="3200" dirty="0"/>
+          </a:p>
+        </p:txBody>
+      </p:sp>
+      <p:sp>
+        <p:nvSpPr>
+          <p:cNvPr id="398" name="Google Shape;398;p56"/>
+          <p:cNvSpPr txBox="1">
+            <a:spLocks noGrp="1"/>
+          </p:cNvSpPr>
+          <p:nvPr>
+            <p:ph type="subTitle" idx="1"/>
+          </p:nvPr>
+        </p:nvSpPr>
+        <p:spPr>
+          <a:xfrm>
+            <a:off x="794774" y="1805849"/>
+            <a:ext cx="5643551" cy="2447174"/>
+          </a:xfrm>
+          <a:prstGeom prst="rect">
+            <a:avLst/>
+          </a:prstGeom>
+        </p:spPr>
+        <p:txBody>
+          <a:bodyPr spcFirstLastPara="1" wrap="square" lIns="91425" tIns="91425" rIns="91425" bIns="91425" anchor="t" anchorCtr="0">
+            <a:noAutofit/>
+          </a:bodyPr>
+          <a:lstStyle/>
+          <a:p>
+            <a:pPr marL="0" lvl="0" indent="0"/>
+            <a:r>
+              <a:rPr lang="es-ES" sz="2000" dirty="0"/>
+              <a:t>¿Qué impacto tiene la utilización de una plataforma web que gestione documentos para optimizar el proceso de búsqueda de archivos en un bufete de abogados?</a:t>
+            </a:r>
+            <a:endParaRPr sz="2000" dirty="0"/>
+          </a:p>
+        </p:txBody>
+      </p:sp>
+      <p:pic>
+        <p:nvPicPr>
+          <p:cNvPr id="411" name="Google Shape;411;p56"/>
+          <p:cNvPicPr preferRelativeResize="0"/>
+          <p:nvPr/>
+        </p:nvPicPr>
+        <p:blipFill rotWithShape="1">
+          <a:blip r:embed="rId4">
+            <a:alphaModFix/>
+          </a:blip>
+          <a:srcRect r="25317"/>
+          <a:stretch/>
+        </p:blipFill>
+        <p:spPr>
+          <a:xfrm>
+            <a:off x="6438325" y="2495374"/>
+            <a:ext cx="2726400" cy="2632201"/>
+          </a:xfrm>
+          <a:prstGeom prst="rect">
+            <a:avLst/>
+          </a:prstGeom>
+          <a:noFill/>
+          <a:ln>
+            <a:noFill/>
+          </a:ln>
+        </p:spPr>
+      </p:pic>
+      <p:sp>
+        <p:nvSpPr>
+          <p:cNvPr id="412" name="Google Shape;412;p56"/>
+          <p:cNvSpPr/>
+          <p:nvPr/>
+        </p:nvSpPr>
+        <p:spPr>
+          <a:xfrm rot="-5400000">
+            <a:off x="6795375" y="3126249"/>
+            <a:ext cx="1484400" cy="1484100"/>
+          </a:xfrm>
+          <a:prstGeom prst="ellipse">
+            <a:avLst/>
+          </a:prstGeom>
+          <a:solidFill>
+            <a:schemeClr val="lt2"/>
+          </a:solidFill>
+          <a:ln>
+            <a:noFill/>
+          </a:ln>
+        </p:spPr>
+        <p:txBody>
+          <a:bodyPr spcFirstLastPara="1" wrap="square" lIns="91425" tIns="91425" rIns="91425" bIns="91425" anchor="ctr" anchorCtr="0">
+            <a:noAutofit/>
+          </a:bodyPr>
+          <a:lstStyle/>
+          <a:p>
+            <a:pPr marL="0" lvl="0" indent="0" algn="l" rtl="0">
+              <a:spcBef>
+                <a:spcPts val="0"/>
+              </a:spcBef>
+              <a:spcAft>
+                <a:spcPts val="0"/>
+              </a:spcAft>
+              <a:buNone/>
+            </a:pPr>
+            <a:endParaRPr dirty="0"/>
+          </a:p>
+        </p:txBody>
+      </p:sp>
+    </p:spTree>
+  </p:cSld>
+  <p:clrMapOvr>
+    <a:masterClrMapping/>
+  </p:clrMapOvr>
+  <mc:AlternateContent xmlns:mc="http://schemas.openxmlformats.org/markup-compatibility/2006" xmlns:p14="http://schemas.microsoft.com/office/powerpoint/2010/main">
+    <mc:Choice Requires="p14">
+      <p:transition spd="slow">
+        <p:push/>
+      </p:transition>
+    </mc:Choice>
+    <mc:Fallback xmlns:ahyp="http://schemas.microsoft.com/office/drawing/2018/hyperlinkcolor" xmlns:p15="http://schemas.microsoft.com/office/powerpoint/2012/main" xmlns:com="http://schemas.openxmlformats.org/drawingml/2006/compatibility" xmlns:pvml="urn:schemas-microsoft-com:office:powerpoint" xmlns:v="urn:schemas-microsoft-com:vml" xmlns:o="urn:schemas-microsoft-com:office:office" xmlns:dgm="http://schemas.openxmlformats.org/drawingml/2006/diagram" xmlns:c="http://schemas.openxmlformats.org/drawingml/2006/chart" xmlns:mv="urn:schemas-microsoft-com:mac:vml" xmlns="">
+      <p:transition spd="slow">
+        <p:fade/>
+      </p:transition>
+    </mc:Fallback>
+  </mc:AlternateContent>
+  <p:timing>
+    <p:tnLst>
+      <p:par>
+        <p:cTn id="1" dur="indefinite" restart="never" nodeType="tmRoot">
+          <p:childTnLst>
+            <p:seq concurrent="1" nextAc="seek">
+              <p:cTn id="2" dur="indefinite" nodeType="mainSeq">
+                <p:childTnLst>
+                  <p:par>
+                    <p:cTn id="3" fill="hold">
+                      <p:stCondLst>
+                        <p:cond delay="indefinite"/>
+                      </p:stCondLst>
+                      <p:childTnLst>
+                        <p:par>
+                          <p:cTn id="4" fill="hold">
+                            <p:stCondLst>
+                              <p:cond delay="0"/>
+                            </p:stCondLst>
+                            <p:childTnLst>
+                              <p:par>
+                                <p:cTn id="5" presetID="10" presetClass="entr" presetSubtype="0" fill="hold" nodeType="clickEffect">
+                                  <p:stCondLst>
+                                    <p:cond delay="0"/>
+                                  </p:stCondLst>
+                                  <p:childTnLst>
+                                    <p:set>
+                                      <p:cBhvr>
+                                        <p:cTn id="6" dur="1" fill="hold">
+                                          <p:stCondLst>
+                                            <p:cond delay="0"/>
+                                          </p:stCondLst>
+                                        </p:cTn>
+                                        <p:tgtEl>
+                                          <p:spTgt spid="396"/>
+                                        </p:tgtEl>
+                                        <p:attrNameLst>
+                                          <p:attrName>style.visibility</p:attrName>
+                                        </p:attrNameLst>
+                                      </p:cBhvr>
+                                      <p:to>
+                                        <p:strVal val="visible"/>
+                                      </p:to>
+                                    </p:set>
+                                    <p:animEffect transition="in" filter="fade">
+                                      <p:cBhvr>
+                                        <p:cTn id="7" dur="1000"/>
+                                        <p:tgtEl>
+                                          <p:spTgt spid="396"/>
+                                        </p:tgtEl>
+                                      </p:cBhvr>
+                                    </p:animEffect>
+                                  </p:childTnLst>
+                                </p:cTn>
+                              </p:par>
+                              <p:par>
+                                <p:cTn id="8" presetID="10" presetClass="entr" presetSubtype="0" fill="hold" nodeType="withEffect">
+                                  <p:stCondLst>
+                                    <p:cond delay="0"/>
+                                  </p:stCondLst>
+                                  <p:childTnLst>
+                                    <p:set>
+                                      <p:cBhvr>
+                                        <p:cTn id="9" dur="1" fill="hold">
+                                          <p:stCondLst>
+                                            <p:cond delay="0"/>
+                                          </p:stCondLst>
+                                        </p:cTn>
+                                        <p:tgtEl>
+                                          <p:spTgt spid="398"/>
+                                        </p:tgtEl>
+                                        <p:attrNameLst>
+                                          <p:attrName>style.visibility</p:attrName>
+                                        </p:attrNameLst>
+                                      </p:cBhvr>
+                                      <p:to>
+                                        <p:strVal val="visible"/>
+                                      </p:to>
+                                    </p:set>
+                                    <p:animEffect transition="in" filter="fade">
+                                      <p:cBhvr>
+                                        <p:cTn id="10" dur="1000"/>
+                                        <p:tgtEl>
+                                          <p:spTgt spid="398"/>
+                                        </p:tgtEl>
+                                      </p:cBhvr>
+                                    </p:animEffect>
+                                  </p:childTnLst>
+                                </p:cTn>
+                              </p:par>
+                            </p:childTnLst>
+                          </p:cTn>
+                        </p:par>
+                      </p:childTnLst>
+                    </p:cTn>
+                  </p:par>
+                  <p:par>
+                    <p:cTn id="11" fill="hold">
+                      <p:stCondLst>
+                        <p:cond delay="indefinite"/>
+                      </p:stCondLst>
+                      <p:childTnLst>
+                        <p:par>
+                          <p:cTn id="12" fill="hold">
+                            <p:stCondLst>
+                              <p:cond delay="0"/>
+                            </p:stCondLst>
+                            <p:childTnLst>
+                              <p:par>
+                                <p:cTn id="13" presetID="10" presetClass="entr" presetSubtype="0" fill="hold" nodeType="clickEffect">
+                                  <p:stCondLst>
+                                    <p:cond delay="0"/>
+                                  </p:stCondLst>
+                                  <p:childTnLst>
+                                    <p:set>
+                                      <p:cBhvr>
+                                        <p:cTn id="14" dur="1" fill="hold">
+                                          <p:stCondLst>
+                                            <p:cond delay="0"/>
+                                          </p:stCondLst>
+                                        </p:cTn>
+                                        <p:tgtEl>
+                                          <p:spTgt spid="411"/>
+                                        </p:tgtEl>
+                                        <p:attrNameLst>
+                                          <p:attrName>style.visibility</p:attrName>
+                                        </p:attrNameLst>
+                                      </p:cBhvr>
+                                      <p:to>
+                                        <p:strVal val="visible"/>
+                                      </p:to>
+                                    </p:set>
+                                    <p:animEffect transition="in" filter="fade">
+                                      <p:cBhvr>
+                                        <p:cTn id="15" dur="1000"/>
+                                        <p:tgtEl>
+                                          <p:spTgt spid="411"/>
+                                        </p:tgtEl>
+                                      </p:cBhvr>
+                                    </p:animEffect>
+                                  </p:childTnLst>
+                                </p:cTn>
+                              </p:par>
+                              <p:par>
+                                <p:cTn id="16" presetID="10" presetClass="entr" presetSubtype="0" fill="hold" nodeType="withEffect">
+                                  <p:stCondLst>
+                                    <p:cond delay="0"/>
+                                  </p:stCondLst>
+                                  <p:childTnLst>
+                                    <p:set>
+                                      <p:cBhvr>
+                                        <p:cTn id="17" dur="1" fill="hold">
+                                          <p:stCondLst>
+                                            <p:cond delay="0"/>
+                                          </p:stCondLst>
+                                        </p:cTn>
+                                        <p:tgtEl>
+                                          <p:spTgt spid="412"/>
+                                        </p:tgtEl>
+                                        <p:attrNameLst>
+                                          <p:attrName>style.visibility</p:attrName>
+                                        </p:attrNameLst>
+                                      </p:cBhvr>
+                                      <p:to>
+                                        <p:strVal val="visible"/>
+                                      </p:to>
+                                    </p:set>
+                                    <p:animEffect transition="in" filter="fade">
+                                      <p:cBhvr>
+                                        <p:cTn id="18" dur="1000"/>
+                                        <p:tgtEl>
+                                          <p:spTgt spid="412"/>
+                                        </p:tgtEl>
+                                      </p:cBhvr>
+                                    </p:animEffect>
+                                  </p:childTnLst>
+                                </p:cTn>
+                              </p:par>
+                            </p:childTnLst>
+                          </p:cTn>
+                        </p:par>
+                      </p:childTnLst>
+                    </p:cTn>
+                  </p:par>
+                </p:childTnLst>
+              </p:cTn>
+              <p:prevCondLst>
+                <p:cond evt="onPrev" delay="0">
+                  <p:tgtEl>
+                    <p:sldTgt/>
+                  </p:tgtEl>
+                </p:cond>
+              </p:prevCondLst>
+              <p:nextCondLst>
+                <p:cond evt="onNext" delay="0">
+                  <p:tgtEl>
+                    <p:sldTgt/>
+                  </p:tgtEl>
+                </p:cond>
+              </p:nextCondLst>
+            </p:seq>
+          </p:childTnLst>
+        </p:cTn>
+      </p:par>
+    </p:tnLst>
+  </p:timing>
+</p:sld>
+</file>
+
 <file path=ppt/theme/theme1.xml><?xml version="1.0" encoding="utf-8"?>
 <a:theme xmlns:a="http://schemas.openxmlformats.org/drawingml/2006/main" name="Simple Style Thesis Defense XL by Slidesgo">
   <a:themeElements>

--- a/ocr-ppt.pptx
+++ b/ocr-ppt.pptx
@@ -5,7 +5,7 @@
     <p:sldMasterId id="2147483696" r:id="rId1"/>
   </p:sldMasterIdLst>
   <p:notesMasterIdLst>
-    <p:notesMasterId r:id="rId33"/>
+    <p:notesMasterId r:id="rId32"/>
   </p:notesMasterIdLst>
   <p:sldIdLst>
     <p:sldId id="256" r:id="rId2"/>
@@ -17,28 +17,27 @@
     <p:sldId id="337" r:id="rId8"/>
     <p:sldId id="340" r:id="rId9"/>
     <p:sldId id="259" r:id="rId10"/>
-    <p:sldId id="338" r:id="rId11"/>
-    <p:sldId id="332" r:id="rId12"/>
-    <p:sldId id="333" r:id="rId13"/>
-    <p:sldId id="335" r:id="rId14"/>
-    <p:sldId id="336" r:id="rId15"/>
-    <p:sldId id="264" r:id="rId16"/>
-    <p:sldId id="343" r:id="rId17"/>
-    <p:sldId id="265" r:id="rId18"/>
-    <p:sldId id="268" r:id="rId19"/>
-    <p:sldId id="269" r:id="rId20"/>
-    <p:sldId id="270" r:id="rId21"/>
-    <p:sldId id="271" r:id="rId22"/>
-    <p:sldId id="339" r:id="rId23"/>
-    <p:sldId id="344" r:id="rId24"/>
-    <p:sldId id="345" r:id="rId25"/>
-    <p:sldId id="346" r:id="rId26"/>
-    <p:sldId id="347" r:id="rId27"/>
-    <p:sldId id="348" r:id="rId28"/>
-    <p:sldId id="349" r:id="rId29"/>
-    <p:sldId id="350" r:id="rId30"/>
-    <p:sldId id="351" r:id="rId31"/>
-    <p:sldId id="288" r:id="rId32"/>
+    <p:sldId id="332" r:id="rId11"/>
+    <p:sldId id="333" r:id="rId12"/>
+    <p:sldId id="335" r:id="rId13"/>
+    <p:sldId id="336" r:id="rId14"/>
+    <p:sldId id="264" r:id="rId15"/>
+    <p:sldId id="343" r:id="rId16"/>
+    <p:sldId id="265" r:id="rId17"/>
+    <p:sldId id="268" r:id="rId18"/>
+    <p:sldId id="269" r:id="rId19"/>
+    <p:sldId id="270" r:id="rId20"/>
+    <p:sldId id="271" r:id="rId21"/>
+    <p:sldId id="339" r:id="rId22"/>
+    <p:sldId id="344" r:id="rId23"/>
+    <p:sldId id="345" r:id="rId24"/>
+    <p:sldId id="346" r:id="rId25"/>
+    <p:sldId id="347" r:id="rId26"/>
+    <p:sldId id="348" r:id="rId27"/>
+    <p:sldId id="349" r:id="rId28"/>
+    <p:sldId id="350" r:id="rId29"/>
+    <p:sldId id="351" r:id="rId30"/>
+    <p:sldId id="288" r:id="rId31"/>
   </p:sldIdLst>
   <p:sldSz cx="9144000" cy="5143500" type="screen16x9"/>
   <p:notesSz cx="6858000" cy="9144000"/>
@@ -845,6 +844,115 @@
   <p:cSld>
     <p:spTree>
       <p:nvGrpSpPr>
+        <p:cNvPr id="1" name="Shape 376"/>
+        <p:cNvGrpSpPr/>
+        <p:nvPr/>
+      </p:nvGrpSpPr>
+      <p:grpSpPr>
+        <a:xfrm>
+          <a:off x="0" y="0"/>
+          <a:ext cx="0" cy="0"/>
+          <a:chOff x="0" y="0"/>
+          <a:chExt cx="0" cy="0"/>
+        </a:xfrm>
+      </p:grpSpPr>
+      <p:sp>
+        <p:nvSpPr>
+          <p:cNvPr id="377" name="Google Shape;377;gb37d1f1062_0_6:notes"/>
+          <p:cNvSpPr>
+            <a:spLocks noGrp="1" noRot="1" noChangeAspect="1"/>
+          </p:cNvSpPr>
+          <p:nvPr>
+            <p:ph type="sldImg" idx="2"/>
+          </p:nvPr>
+        </p:nvSpPr>
+        <p:spPr>
+          <a:xfrm>
+            <a:off x="381000" y="685800"/>
+            <a:ext cx="6096000" cy="3429000"/>
+          </a:xfrm>
+          <a:custGeom>
+            <a:avLst/>
+            <a:gdLst/>
+            <a:ahLst/>
+            <a:cxnLst/>
+            <a:rect l="l" t="t" r="r" b="b"/>
+            <a:pathLst>
+              <a:path w="120000" h="120000" extrusionOk="0">
+                <a:moveTo>
+                  <a:pt x="0" y="0"/>
+                </a:moveTo>
+                <a:lnTo>
+                  <a:pt x="120000" y="0"/>
+                </a:lnTo>
+                <a:lnTo>
+                  <a:pt x="120000" y="120000"/>
+                </a:lnTo>
+                <a:lnTo>
+                  <a:pt x="0" y="120000"/>
+                </a:lnTo>
+                <a:close/>
+              </a:path>
+            </a:pathLst>
+          </a:custGeom>
+        </p:spPr>
+      </p:sp>
+      <p:sp>
+        <p:nvSpPr>
+          <p:cNvPr id="378" name="Google Shape;378;gb37d1f1062_0_6:notes"/>
+          <p:cNvSpPr txBox="1">
+            <a:spLocks noGrp="1"/>
+          </p:cNvSpPr>
+          <p:nvPr>
+            <p:ph type="body" idx="1"/>
+          </p:nvPr>
+        </p:nvSpPr>
+        <p:spPr>
+          <a:xfrm>
+            <a:off x="685800" y="4343400"/>
+            <a:ext cx="5486400" cy="4114800"/>
+          </a:xfrm>
+          <a:prstGeom prst="rect">
+            <a:avLst/>
+          </a:prstGeom>
+        </p:spPr>
+        <p:txBody>
+          <a:bodyPr spcFirstLastPara="1" wrap="square" lIns="91425" tIns="91425" rIns="91425" bIns="91425" anchor="t" anchorCtr="0">
+            <a:noAutofit/>
+          </a:bodyPr>
+          <a:lstStyle/>
+          <a:p>
+            <a:pPr marL="0" lvl="0" indent="0" algn="l" rtl="0">
+              <a:spcBef>
+                <a:spcPts val="0"/>
+              </a:spcBef>
+              <a:spcAft>
+                <a:spcPts val="0"/>
+              </a:spcAft>
+              <a:buNone/>
+            </a:pPr>
+            <a:endParaRPr/>
+          </a:p>
+        </p:txBody>
+      </p:sp>
+    </p:spTree>
+    <p:extLst>
+      <p:ext uri="{BB962C8B-B14F-4D97-AF65-F5344CB8AC3E}">
+        <p14:creationId xmlns:p14="http://schemas.microsoft.com/office/powerpoint/2010/main" val="3540350435"/>
+      </p:ext>
+    </p:extLst>
+  </p:cSld>
+  <p:clrMapOvr>
+    <a:masterClrMapping/>
+  </p:clrMapOvr>
+</p:notes>
+</file>
+
+<file path=ppt/notesSlides/notesSlide11.xml><?xml version="1.0" encoding="utf-8"?>
+<p:notes xmlns:a="http://schemas.openxmlformats.org/drawingml/2006/main" xmlns:r="http://schemas.openxmlformats.org/officeDocument/2006/relationships" xmlns:p="http://schemas.openxmlformats.org/presentationml/2006/main" showMasterSp="0" showMasterPhAnim="0">
+  <p:cSld>
+    <p:spTree>
+      <p:nvGrpSpPr>
         <p:cNvPr id="1" name="Shape 392"/>
         <p:cNvGrpSpPr/>
         <p:nvPr/>
@@ -932,115 +1040,6 @@
               </a:spcAft>
               <a:buNone/>
             </a:pPr>
-            <a:endParaRPr sz="1400" dirty="0"/>
-          </a:p>
-        </p:txBody>
-      </p:sp>
-    </p:spTree>
-    <p:extLst>
-      <p:ext uri="{BB962C8B-B14F-4D97-AF65-F5344CB8AC3E}">
-        <p14:creationId xmlns:p14="http://schemas.microsoft.com/office/powerpoint/2010/main" val="3159113572"/>
-      </p:ext>
-    </p:extLst>
-  </p:cSld>
-  <p:clrMapOvr>
-    <a:masterClrMapping/>
-  </p:clrMapOvr>
-</p:notes>
-</file>
-
-<file path=ppt/notesSlides/notesSlide11.xml><?xml version="1.0" encoding="utf-8"?>
-<p:notes xmlns:a="http://schemas.openxmlformats.org/drawingml/2006/main" xmlns:r="http://schemas.openxmlformats.org/officeDocument/2006/relationships" xmlns:p="http://schemas.openxmlformats.org/presentationml/2006/main" showMasterSp="0" showMasterPhAnim="0">
-  <p:cSld>
-    <p:spTree>
-      <p:nvGrpSpPr>
-        <p:cNvPr id="1" name="Shape 376"/>
-        <p:cNvGrpSpPr/>
-        <p:nvPr/>
-      </p:nvGrpSpPr>
-      <p:grpSpPr>
-        <a:xfrm>
-          <a:off x="0" y="0"/>
-          <a:ext cx="0" cy="0"/>
-          <a:chOff x="0" y="0"/>
-          <a:chExt cx="0" cy="0"/>
-        </a:xfrm>
-      </p:grpSpPr>
-      <p:sp>
-        <p:nvSpPr>
-          <p:cNvPr id="377" name="Google Shape;377;gb37d1f1062_0_6:notes"/>
-          <p:cNvSpPr>
-            <a:spLocks noGrp="1" noRot="1" noChangeAspect="1"/>
-          </p:cNvSpPr>
-          <p:nvPr>
-            <p:ph type="sldImg" idx="2"/>
-          </p:nvPr>
-        </p:nvSpPr>
-        <p:spPr>
-          <a:xfrm>
-            <a:off x="381000" y="685800"/>
-            <a:ext cx="6096000" cy="3429000"/>
-          </a:xfrm>
-          <a:custGeom>
-            <a:avLst/>
-            <a:gdLst/>
-            <a:ahLst/>
-            <a:cxnLst/>
-            <a:rect l="l" t="t" r="r" b="b"/>
-            <a:pathLst>
-              <a:path w="120000" h="120000" extrusionOk="0">
-                <a:moveTo>
-                  <a:pt x="0" y="0"/>
-                </a:moveTo>
-                <a:lnTo>
-                  <a:pt x="120000" y="0"/>
-                </a:lnTo>
-                <a:lnTo>
-                  <a:pt x="120000" y="120000"/>
-                </a:lnTo>
-                <a:lnTo>
-                  <a:pt x="0" y="120000"/>
-                </a:lnTo>
-                <a:close/>
-              </a:path>
-            </a:pathLst>
-          </a:custGeom>
-        </p:spPr>
-      </p:sp>
-      <p:sp>
-        <p:nvSpPr>
-          <p:cNvPr id="378" name="Google Shape;378;gb37d1f1062_0_6:notes"/>
-          <p:cNvSpPr txBox="1">
-            <a:spLocks noGrp="1"/>
-          </p:cNvSpPr>
-          <p:nvPr>
-            <p:ph type="body" idx="1"/>
-          </p:nvPr>
-        </p:nvSpPr>
-        <p:spPr>
-          <a:xfrm>
-            <a:off x="685800" y="4343400"/>
-            <a:ext cx="5486400" cy="4114800"/>
-          </a:xfrm>
-          <a:prstGeom prst="rect">
-            <a:avLst/>
-          </a:prstGeom>
-        </p:spPr>
-        <p:txBody>
-          <a:bodyPr spcFirstLastPara="1" wrap="square" lIns="91425" tIns="91425" rIns="91425" bIns="91425" anchor="t" anchorCtr="0">
-            <a:noAutofit/>
-          </a:bodyPr>
-          <a:lstStyle/>
-          <a:p>
-            <a:pPr marL="0" lvl="0" indent="0" algn="l" rtl="0">
-              <a:spcBef>
-                <a:spcPts val="0"/>
-              </a:spcBef>
-              <a:spcAft>
-                <a:spcPts val="0"/>
-              </a:spcAft>
-              <a:buNone/>
-            </a:pPr>
             <a:endParaRPr/>
           </a:p>
         </p:txBody>
@@ -1048,7 +1047,7 @@
     </p:spTree>
     <p:extLst>
       <p:ext uri="{BB962C8B-B14F-4D97-AF65-F5344CB8AC3E}">
-        <p14:creationId xmlns:p14="http://schemas.microsoft.com/office/powerpoint/2010/main" val="3540350435"/>
+        <p14:creationId xmlns:p14="http://schemas.microsoft.com/office/powerpoint/2010/main" val="3390600540"/>
       </p:ext>
     </p:extLst>
   </p:cSld>
@@ -1157,7 +1156,7 @@
     </p:spTree>
     <p:extLst>
       <p:ext uri="{BB962C8B-B14F-4D97-AF65-F5344CB8AC3E}">
-        <p14:creationId xmlns:p14="http://schemas.microsoft.com/office/powerpoint/2010/main" val="3390600540"/>
+        <p14:creationId xmlns:p14="http://schemas.microsoft.com/office/powerpoint/2010/main" val="2471515927"/>
       </p:ext>
     </p:extLst>
   </p:cSld>
@@ -1168,115 +1167,6 @@
 </file>
 
 <file path=ppt/notesSlides/notesSlide13.xml><?xml version="1.0" encoding="utf-8"?>
-<p:notes xmlns:a="http://schemas.openxmlformats.org/drawingml/2006/main" xmlns:r="http://schemas.openxmlformats.org/officeDocument/2006/relationships" xmlns:p="http://schemas.openxmlformats.org/presentationml/2006/main" showMasterSp="0" showMasterPhAnim="0">
-  <p:cSld>
-    <p:spTree>
-      <p:nvGrpSpPr>
-        <p:cNvPr id="1" name="Shape 392"/>
-        <p:cNvGrpSpPr/>
-        <p:nvPr/>
-      </p:nvGrpSpPr>
-      <p:grpSpPr>
-        <a:xfrm>
-          <a:off x="0" y="0"/>
-          <a:ext cx="0" cy="0"/>
-          <a:chOff x="0" y="0"/>
-          <a:chExt cx="0" cy="0"/>
-        </a:xfrm>
-      </p:grpSpPr>
-      <p:sp>
-        <p:nvSpPr>
-          <p:cNvPr id="393" name="Google Shape;393;g1524e77840e_1_1:notes"/>
-          <p:cNvSpPr>
-            <a:spLocks noGrp="1" noRot="1" noChangeAspect="1"/>
-          </p:cNvSpPr>
-          <p:nvPr>
-            <p:ph type="sldImg" idx="2"/>
-          </p:nvPr>
-        </p:nvSpPr>
-        <p:spPr>
-          <a:xfrm>
-            <a:off x="381000" y="685800"/>
-            <a:ext cx="6096000" cy="3429000"/>
-          </a:xfrm>
-          <a:custGeom>
-            <a:avLst/>
-            <a:gdLst/>
-            <a:ahLst/>
-            <a:cxnLst/>
-            <a:rect l="l" t="t" r="r" b="b"/>
-            <a:pathLst>
-              <a:path w="120000" h="120000" extrusionOk="0">
-                <a:moveTo>
-                  <a:pt x="0" y="0"/>
-                </a:moveTo>
-                <a:lnTo>
-                  <a:pt x="120000" y="0"/>
-                </a:lnTo>
-                <a:lnTo>
-                  <a:pt x="120000" y="120000"/>
-                </a:lnTo>
-                <a:lnTo>
-                  <a:pt x="0" y="120000"/>
-                </a:lnTo>
-                <a:close/>
-              </a:path>
-            </a:pathLst>
-          </a:custGeom>
-        </p:spPr>
-      </p:sp>
-      <p:sp>
-        <p:nvSpPr>
-          <p:cNvPr id="394" name="Google Shape;394;g1524e77840e_1_1:notes"/>
-          <p:cNvSpPr txBox="1">
-            <a:spLocks noGrp="1"/>
-          </p:cNvSpPr>
-          <p:nvPr>
-            <p:ph type="body" idx="1"/>
-          </p:nvPr>
-        </p:nvSpPr>
-        <p:spPr>
-          <a:xfrm>
-            <a:off x="685800" y="4343400"/>
-            <a:ext cx="5486400" cy="4114800"/>
-          </a:xfrm>
-          <a:prstGeom prst="rect">
-            <a:avLst/>
-          </a:prstGeom>
-        </p:spPr>
-        <p:txBody>
-          <a:bodyPr spcFirstLastPara="1" wrap="square" lIns="91425" tIns="91425" rIns="91425" bIns="91425" anchor="t" anchorCtr="0">
-            <a:noAutofit/>
-          </a:bodyPr>
-          <a:lstStyle/>
-          <a:p>
-            <a:pPr marL="0" lvl="0" indent="0" algn="l" rtl="0">
-              <a:spcBef>
-                <a:spcPts val="0"/>
-              </a:spcBef>
-              <a:spcAft>
-                <a:spcPts val="0"/>
-              </a:spcAft>
-              <a:buNone/>
-            </a:pPr>
-            <a:endParaRPr/>
-          </a:p>
-        </p:txBody>
-      </p:sp>
-    </p:spTree>
-    <p:extLst>
-      <p:ext uri="{BB962C8B-B14F-4D97-AF65-F5344CB8AC3E}">
-        <p14:creationId xmlns:p14="http://schemas.microsoft.com/office/powerpoint/2010/main" val="2471515927"/>
-      </p:ext>
-    </p:extLst>
-  </p:cSld>
-  <p:clrMapOvr>
-    <a:masterClrMapping/>
-  </p:clrMapOvr>
-</p:notes>
-</file>
-
-<file path=ppt/notesSlides/notesSlide14.xml><?xml version="1.0" encoding="utf-8"?>
 <p:notes xmlns:a="http://schemas.openxmlformats.org/drawingml/2006/main" xmlns:r="http://schemas.openxmlformats.org/officeDocument/2006/relationships" xmlns:p="http://schemas.openxmlformats.org/presentationml/2006/main" showMasterSp="0" showMasterPhAnim="0">
   <p:cSld>
     <p:spTree>
@@ -1385,7 +1275,7 @@
 </p:notes>
 </file>
 
-<file path=ppt/notesSlides/notesSlide15.xml><?xml version="1.0" encoding="utf-8"?>
+<file path=ppt/notesSlides/notesSlide14.xml><?xml version="1.0" encoding="utf-8"?>
 <p:notes xmlns:a="http://schemas.openxmlformats.org/drawingml/2006/main" xmlns:r="http://schemas.openxmlformats.org/officeDocument/2006/relationships" xmlns:p="http://schemas.openxmlformats.org/presentationml/2006/main" showMasterSp="0" showMasterPhAnim="0">
   <p:cSld>
     <p:spTree>
@@ -1489,7 +1379,7 @@
 </p:notes>
 </file>
 
-<file path=ppt/notesSlides/notesSlide16.xml><?xml version="1.0" encoding="utf-8"?>
+<file path=ppt/notesSlides/notesSlide15.xml><?xml version="1.0" encoding="utf-8"?>
 <p:notes xmlns:a="http://schemas.openxmlformats.org/drawingml/2006/main" xmlns:r="http://schemas.openxmlformats.org/officeDocument/2006/relationships" xmlns:p="http://schemas.openxmlformats.org/presentationml/2006/main" showMasterSp="0" showMasterPhAnim="0">
   <p:cSld>
     <p:spTree>
@@ -1593,7 +1483,7 @@
 </p:notes>
 </file>
 
-<file path=ppt/notesSlides/notesSlide17.xml><?xml version="1.0" encoding="utf-8"?>
+<file path=ppt/notesSlides/notesSlide16.xml><?xml version="1.0" encoding="utf-8"?>
 <p:notes xmlns:a="http://schemas.openxmlformats.org/drawingml/2006/main" xmlns:r="http://schemas.openxmlformats.org/officeDocument/2006/relationships" xmlns:p="http://schemas.openxmlformats.org/presentationml/2006/main" showMasterSp="0" showMasterPhAnim="0">
   <p:cSld>
     <p:spTree>
@@ -1697,7 +1587,7 @@
 </p:notes>
 </file>
 
-<file path=ppt/notesSlides/notesSlide18.xml><?xml version="1.0" encoding="utf-8"?>
+<file path=ppt/notesSlides/notesSlide17.xml><?xml version="1.0" encoding="utf-8"?>
 <p:notes xmlns:a="http://schemas.openxmlformats.org/drawingml/2006/main" xmlns:r="http://schemas.openxmlformats.org/officeDocument/2006/relationships" xmlns:p="http://schemas.openxmlformats.org/presentationml/2006/main" showMasterSp="0" showMasterPhAnim="0">
   <p:cSld>
     <p:spTree>
@@ -1801,7 +1691,7 @@
 </p:notes>
 </file>
 
-<file path=ppt/notesSlides/notesSlide19.xml><?xml version="1.0" encoding="utf-8"?>
+<file path=ppt/notesSlides/notesSlide18.xml><?xml version="1.0" encoding="utf-8"?>
 <p:notes xmlns:a="http://schemas.openxmlformats.org/drawingml/2006/main" xmlns:r="http://schemas.openxmlformats.org/officeDocument/2006/relationships" xmlns:p="http://schemas.openxmlformats.org/presentationml/2006/main" showMasterSp="0" showMasterPhAnim="0">
   <p:cSld>
     <p:spTree>
@@ -1862,6 +1752,110 @@
       <p:sp>
         <p:nvSpPr>
           <p:cNvPr id="567" name="Google Shape;567;g1534c337b14_0_12:notes"/>
+          <p:cNvSpPr txBox="1">
+            <a:spLocks noGrp="1"/>
+          </p:cNvSpPr>
+          <p:nvPr>
+            <p:ph type="body" idx="1"/>
+          </p:nvPr>
+        </p:nvSpPr>
+        <p:spPr>
+          <a:xfrm>
+            <a:off x="685800" y="4343400"/>
+            <a:ext cx="5486400" cy="4114800"/>
+          </a:xfrm>
+          <a:prstGeom prst="rect">
+            <a:avLst/>
+          </a:prstGeom>
+        </p:spPr>
+        <p:txBody>
+          <a:bodyPr spcFirstLastPara="1" wrap="square" lIns="91425" tIns="91425" rIns="91425" bIns="91425" anchor="t" anchorCtr="0">
+            <a:noAutofit/>
+          </a:bodyPr>
+          <a:lstStyle/>
+          <a:p>
+            <a:pPr marL="0" lvl="0" indent="0" algn="l" rtl="0">
+              <a:spcBef>
+                <a:spcPts val="0"/>
+              </a:spcBef>
+              <a:spcAft>
+                <a:spcPts val="0"/>
+              </a:spcAft>
+              <a:buNone/>
+            </a:pPr>
+            <a:endParaRPr/>
+          </a:p>
+        </p:txBody>
+      </p:sp>
+    </p:spTree>
+  </p:cSld>
+  <p:clrMapOvr>
+    <a:masterClrMapping/>
+  </p:clrMapOvr>
+</p:notes>
+</file>
+
+<file path=ppt/notesSlides/notesSlide19.xml><?xml version="1.0" encoding="utf-8"?>
+<p:notes xmlns:a="http://schemas.openxmlformats.org/drawingml/2006/main" xmlns:r="http://schemas.openxmlformats.org/officeDocument/2006/relationships" xmlns:p="http://schemas.openxmlformats.org/presentationml/2006/main" showMasterSp="0" showMasterPhAnim="0">
+  <p:cSld>
+    <p:spTree>
+      <p:nvGrpSpPr>
+        <p:cNvPr id="1" name="Shape 584"/>
+        <p:cNvGrpSpPr/>
+        <p:nvPr/>
+      </p:nvGrpSpPr>
+      <p:grpSpPr>
+        <a:xfrm>
+          <a:off x="0" y="0"/>
+          <a:ext cx="0" cy="0"/>
+          <a:chOff x="0" y="0"/>
+          <a:chExt cx="0" cy="0"/>
+        </a:xfrm>
+      </p:grpSpPr>
+      <p:sp>
+        <p:nvSpPr>
+          <p:cNvPr id="585" name="Google Shape;585;gb37d1f1062_0_85:notes"/>
+          <p:cNvSpPr>
+            <a:spLocks noGrp="1" noRot="1" noChangeAspect="1"/>
+          </p:cNvSpPr>
+          <p:nvPr>
+            <p:ph type="sldImg" idx="2"/>
+          </p:nvPr>
+        </p:nvSpPr>
+        <p:spPr>
+          <a:xfrm>
+            <a:off x="381000" y="685800"/>
+            <a:ext cx="6096000" cy="3429000"/>
+          </a:xfrm>
+          <a:custGeom>
+            <a:avLst/>
+            <a:gdLst/>
+            <a:ahLst/>
+            <a:cxnLst/>
+            <a:rect l="l" t="t" r="r" b="b"/>
+            <a:pathLst>
+              <a:path w="120000" h="120000" extrusionOk="0">
+                <a:moveTo>
+                  <a:pt x="0" y="0"/>
+                </a:moveTo>
+                <a:lnTo>
+                  <a:pt x="120000" y="0"/>
+                </a:lnTo>
+                <a:lnTo>
+                  <a:pt x="120000" y="120000"/>
+                </a:lnTo>
+                <a:lnTo>
+                  <a:pt x="0" y="120000"/>
+                </a:lnTo>
+                <a:close/>
+              </a:path>
+            </a:pathLst>
+          </a:custGeom>
+        </p:spPr>
+      </p:sp>
+      <p:sp>
+        <p:nvSpPr>
+          <p:cNvPr id="586" name="Google Shape;586;gb37d1f1062_0_85:notes"/>
           <p:cNvSpPr txBox="1">
             <a:spLocks noGrp="1"/>
           </p:cNvSpPr>
@@ -2010,110 +2004,6 @@
 </file>
 
 <file path=ppt/notesSlides/notesSlide20.xml><?xml version="1.0" encoding="utf-8"?>
-<p:notes xmlns:a="http://schemas.openxmlformats.org/drawingml/2006/main" xmlns:r="http://schemas.openxmlformats.org/officeDocument/2006/relationships" xmlns:p="http://schemas.openxmlformats.org/presentationml/2006/main" showMasterSp="0" showMasterPhAnim="0">
-  <p:cSld>
-    <p:spTree>
-      <p:nvGrpSpPr>
-        <p:cNvPr id="1" name="Shape 584"/>
-        <p:cNvGrpSpPr/>
-        <p:nvPr/>
-      </p:nvGrpSpPr>
-      <p:grpSpPr>
-        <a:xfrm>
-          <a:off x="0" y="0"/>
-          <a:ext cx="0" cy="0"/>
-          <a:chOff x="0" y="0"/>
-          <a:chExt cx="0" cy="0"/>
-        </a:xfrm>
-      </p:grpSpPr>
-      <p:sp>
-        <p:nvSpPr>
-          <p:cNvPr id="585" name="Google Shape;585;gb37d1f1062_0_85:notes"/>
-          <p:cNvSpPr>
-            <a:spLocks noGrp="1" noRot="1" noChangeAspect="1"/>
-          </p:cNvSpPr>
-          <p:nvPr>
-            <p:ph type="sldImg" idx="2"/>
-          </p:nvPr>
-        </p:nvSpPr>
-        <p:spPr>
-          <a:xfrm>
-            <a:off x="381000" y="685800"/>
-            <a:ext cx="6096000" cy="3429000"/>
-          </a:xfrm>
-          <a:custGeom>
-            <a:avLst/>
-            <a:gdLst/>
-            <a:ahLst/>
-            <a:cxnLst/>
-            <a:rect l="l" t="t" r="r" b="b"/>
-            <a:pathLst>
-              <a:path w="120000" h="120000" extrusionOk="0">
-                <a:moveTo>
-                  <a:pt x="0" y="0"/>
-                </a:moveTo>
-                <a:lnTo>
-                  <a:pt x="120000" y="0"/>
-                </a:lnTo>
-                <a:lnTo>
-                  <a:pt x="120000" y="120000"/>
-                </a:lnTo>
-                <a:lnTo>
-                  <a:pt x="0" y="120000"/>
-                </a:lnTo>
-                <a:close/>
-              </a:path>
-            </a:pathLst>
-          </a:custGeom>
-        </p:spPr>
-      </p:sp>
-      <p:sp>
-        <p:nvSpPr>
-          <p:cNvPr id="586" name="Google Shape;586;gb37d1f1062_0_85:notes"/>
-          <p:cNvSpPr txBox="1">
-            <a:spLocks noGrp="1"/>
-          </p:cNvSpPr>
-          <p:nvPr>
-            <p:ph type="body" idx="1"/>
-          </p:nvPr>
-        </p:nvSpPr>
-        <p:spPr>
-          <a:xfrm>
-            <a:off x="685800" y="4343400"/>
-            <a:ext cx="5486400" cy="4114800"/>
-          </a:xfrm>
-          <a:prstGeom prst="rect">
-            <a:avLst/>
-          </a:prstGeom>
-        </p:spPr>
-        <p:txBody>
-          <a:bodyPr spcFirstLastPara="1" wrap="square" lIns="91425" tIns="91425" rIns="91425" bIns="91425" anchor="t" anchorCtr="0">
-            <a:noAutofit/>
-          </a:bodyPr>
-          <a:lstStyle/>
-          <a:p>
-            <a:pPr marL="0" lvl="0" indent="0" algn="l" rtl="0">
-              <a:spcBef>
-                <a:spcPts val="0"/>
-              </a:spcBef>
-              <a:spcAft>
-                <a:spcPts val="0"/>
-              </a:spcAft>
-              <a:buNone/>
-            </a:pPr>
-            <a:endParaRPr/>
-          </a:p>
-        </p:txBody>
-      </p:sp>
-    </p:spTree>
-  </p:cSld>
-  <p:clrMapOvr>
-    <a:masterClrMapping/>
-  </p:clrMapOvr>
-</p:notes>
-</file>
-
-<file path=ppt/notesSlides/notesSlide21.xml><?xml version="1.0" encoding="utf-8"?>
 <p:notes xmlns:a="http://schemas.openxmlformats.org/drawingml/2006/main" xmlns:r="http://schemas.openxmlformats.org/officeDocument/2006/relationships" xmlns:p="http://schemas.openxmlformats.org/presentationml/2006/main" showMasterSp="0" showMasterPhAnim="0">
   <p:cSld>
     <p:spTree>
@@ -18219,18 +18109,9 @@
   <p:clrMapOvr>
     <a:masterClrMapping/>
   </p:clrMapOvr>
-  <mc:AlternateContent xmlns:mc="http://schemas.openxmlformats.org/markup-compatibility/2006" xmlns:p14="http://schemas.microsoft.com/office/powerpoint/2010/main">
-    <mc:Choice Requires="p14">
-      <p:transition spd="slow">
-        <p:push/>
-      </p:transition>
-    </mc:Choice>
-    <mc:Fallback xmlns:ahyp="http://schemas.microsoft.com/office/drawing/2018/hyperlinkcolor" xmlns:p15="http://schemas.microsoft.com/office/powerpoint/2012/main" xmlns:com="http://schemas.openxmlformats.org/drawingml/2006/compatibility" xmlns:pvml="urn:schemas-microsoft-com:office:powerpoint" xmlns:v="urn:schemas-microsoft-com:vml" xmlns:o="urn:schemas-microsoft-com:office:office" xmlns:dgm="http://schemas.openxmlformats.org/drawingml/2006/diagram" xmlns:c="http://schemas.openxmlformats.org/drawingml/2006/chart" xmlns:mv="urn:schemas-microsoft-com:mac:vml" xmlns="">
-      <p:transition spd="slow">
-        <p:fade/>
-      </p:transition>
-    </mc:Fallback>
-  </mc:AlternateContent>
+  <p:transition spd="slow">
+    <p:wipe/>
+  </p:transition>
   <p:timing>
     <p:tnLst>
       <p:par>
@@ -18318,483 +18199,6 @@
 </file>
 
 <file path=ppt/slides/slide10.xml><?xml version="1.0" encoding="utf-8"?>
-<p:sld xmlns:a="http://schemas.openxmlformats.org/drawingml/2006/main" xmlns:r="http://schemas.openxmlformats.org/officeDocument/2006/relationships" xmlns:p="http://schemas.openxmlformats.org/presentationml/2006/main">
-  <p:cSld>
-    <p:spTree>
-      <p:nvGrpSpPr>
-        <p:cNvPr id="1" name="Shape 395"/>
-        <p:cNvGrpSpPr/>
-        <p:nvPr/>
-      </p:nvGrpSpPr>
-      <p:grpSpPr>
-        <a:xfrm>
-          <a:off x="0" y="0"/>
-          <a:ext cx="0" cy="0"/>
-          <a:chOff x="0" y="0"/>
-          <a:chExt cx="0" cy="0"/>
-        </a:xfrm>
-      </p:grpSpPr>
-      <p:sp>
-        <p:nvSpPr>
-          <p:cNvPr id="396" name="Google Shape;396;p56">
-            <a:hlinkClick r:id="rId3" action="ppaction://hlinksldjump"/>
-          </p:cNvPr>
-          <p:cNvSpPr txBox="1">
-            <a:spLocks noGrp="1"/>
-          </p:cNvSpPr>
-          <p:nvPr>
-            <p:ph type="title"/>
-          </p:nvPr>
-        </p:nvSpPr>
-        <p:spPr>
-          <a:xfrm>
-            <a:off x="2019095" y="192851"/>
-            <a:ext cx="5705281" cy="484800"/>
-          </a:xfrm>
-          <a:prstGeom prst="rect">
-            <a:avLst/>
-          </a:prstGeom>
-        </p:spPr>
-        <p:txBody>
-          <a:bodyPr spcFirstLastPara="1" wrap="square" lIns="91425" tIns="91425" rIns="91425" bIns="91425" anchor="b" anchorCtr="0">
-            <a:noAutofit/>
-          </a:bodyPr>
-          <a:lstStyle/>
-          <a:p>
-            <a:pPr marL="0" lvl="0" indent="0" algn="l" rtl="0">
-              <a:spcBef>
-                <a:spcPts val="0"/>
-              </a:spcBef>
-              <a:spcAft>
-                <a:spcPts val="0"/>
-              </a:spcAft>
-              <a:buNone/>
-            </a:pPr>
-            <a:r>
-              <a:rPr lang="es-SV" sz="2400" b="1" dirty="0">
-                <a:latin typeface="Montserrat ExtraBold" panose="00000900000000000000" pitchFamily="2" charset="0"/>
-              </a:rPr>
-              <a:t>PLANTEAMIENTO DEL PROBLEMA</a:t>
-            </a:r>
-          </a:p>
-        </p:txBody>
-      </p:sp>
-      <p:sp>
-        <p:nvSpPr>
-          <p:cNvPr id="4" name="Rectángulo: esquinas redondeadas 3">
-            <a:extLst>
-              <a:ext uri="{FF2B5EF4-FFF2-40B4-BE49-F238E27FC236}">
-                <a16:creationId xmlns:a16="http://schemas.microsoft.com/office/drawing/2014/main" id="{40788561-7922-AF5A-D17E-0317E6F8FBF1}"/>
-              </a:ext>
-            </a:extLst>
-          </p:cNvPr>
-          <p:cNvSpPr/>
-          <p:nvPr/>
-        </p:nvSpPr>
-        <p:spPr>
-          <a:xfrm>
-            <a:off x="3982752" y="1227176"/>
-            <a:ext cx="1777968" cy="3107765"/>
-          </a:xfrm>
-          <a:prstGeom prst="roundRect">
-            <a:avLst/>
-          </a:prstGeom>
-        </p:spPr>
-        <p:style>
-          <a:lnRef idx="3">
-            <a:schemeClr val="lt1"/>
-          </a:lnRef>
-          <a:fillRef idx="1">
-            <a:schemeClr val="accent3"/>
-          </a:fillRef>
-          <a:effectRef idx="1">
-            <a:schemeClr val="accent3"/>
-          </a:effectRef>
-          <a:fontRef idx="minor">
-            <a:schemeClr val="lt1"/>
-          </a:fontRef>
-        </p:style>
-        <p:txBody>
-          <a:bodyPr rtlCol="0" anchor="ctr"/>
-          <a:lstStyle/>
-          <a:p>
-            <a:pPr algn="ctr"/>
-            <a:endParaRPr lang="es-SV">
-              <a:latin typeface="Montserrat Medium" panose="00000600000000000000" pitchFamily="2" charset="0"/>
-            </a:endParaRPr>
-          </a:p>
-        </p:txBody>
-      </p:sp>
-      <p:sp>
-        <p:nvSpPr>
-          <p:cNvPr id="6" name="CuadroTexto 5">
-            <a:extLst>
-              <a:ext uri="{FF2B5EF4-FFF2-40B4-BE49-F238E27FC236}">
-                <a16:creationId xmlns:a16="http://schemas.microsoft.com/office/drawing/2014/main" id="{1BD05404-C98A-0DCC-785C-9CD38B5B4117}"/>
-              </a:ext>
-            </a:extLst>
-          </p:cNvPr>
-          <p:cNvSpPr txBox="1"/>
-          <p:nvPr/>
-        </p:nvSpPr>
-        <p:spPr>
-          <a:xfrm>
-            <a:off x="299736" y="1333607"/>
-            <a:ext cx="3383280" cy="3374642"/>
-          </a:xfrm>
-          <a:prstGeom prst="rect">
-            <a:avLst/>
-          </a:prstGeom>
-          <a:noFill/>
-        </p:spPr>
-        <p:txBody>
-          <a:bodyPr wrap="square">
-            <a:spAutoFit/>
-          </a:bodyPr>
-          <a:lstStyle/>
-          <a:p>
-            <a:pPr marL="285750" indent="-285750">
-              <a:lnSpc>
-                <a:spcPct val="150000"/>
-              </a:lnSpc>
-              <a:buFont typeface="Arial" panose="020B0604020202020204" pitchFamily="34" charset="0"/>
-              <a:buChar char="•"/>
-            </a:pPr>
-            <a:r>
-              <a:rPr lang="es-SV" sz="1600" dirty="0">
-                <a:latin typeface="Montserrat Medium" panose="00000600000000000000" pitchFamily="2" charset="0"/>
-              </a:rPr>
-              <a:t>Demora al realizar búsquedas o consultas de documentos</a:t>
-            </a:r>
-          </a:p>
-          <a:p>
-            <a:pPr marL="285750" indent="-285750">
-              <a:lnSpc>
-                <a:spcPct val="150000"/>
-              </a:lnSpc>
-              <a:buFont typeface="Arial" panose="020B0604020202020204" pitchFamily="34" charset="0"/>
-              <a:buChar char="•"/>
-            </a:pPr>
-            <a:r>
-              <a:rPr lang="es-SV" sz="1600" dirty="0">
-                <a:latin typeface="Montserrat Medium" panose="00000600000000000000" pitchFamily="2" charset="0"/>
-              </a:rPr>
-              <a:t>Duplicidad en los archivos</a:t>
-            </a:r>
-          </a:p>
-          <a:p>
-            <a:pPr marL="285750" indent="-285750">
-              <a:lnSpc>
-                <a:spcPct val="150000"/>
-              </a:lnSpc>
-              <a:buFont typeface="Arial" panose="020B0604020202020204" pitchFamily="34" charset="0"/>
-              <a:buChar char="•"/>
-            </a:pPr>
-            <a:r>
-              <a:rPr lang="es-SV" sz="1600" dirty="0">
-                <a:latin typeface="Montserrat Medium" panose="00000600000000000000" pitchFamily="2" charset="0"/>
-              </a:rPr>
-              <a:t>Gastos en concepto de Papelería</a:t>
-            </a:r>
-          </a:p>
-          <a:p>
-            <a:pPr marL="285750" indent="-285750">
-              <a:lnSpc>
-                <a:spcPct val="150000"/>
-              </a:lnSpc>
-              <a:buFont typeface="Arial" panose="020B0604020202020204" pitchFamily="34" charset="0"/>
-              <a:buChar char="•"/>
-            </a:pPr>
-            <a:r>
-              <a:rPr lang="es-SV" sz="1600" dirty="0">
-                <a:latin typeface="Montserrat Medium" panose="00000600000000000000" pitchFamily="2" charset="0"/>
-              </a:rPr>
-              <a:t>Retraso en procesos debido a gestión manual de documentos físicos</a:t>
-            </a:r>
-          </a:p>
-        </p:txBody>
-      </p:sp>
-      <p:sp>
-        <p:nvSpPr>
-          <p:cNvPr id="7" name="CuadroTexto 6">
-            <a:extLst>
-              <a:ext uri="{FF2B5EF4-FFF2-40B4-BE49-F238E27FC236}">
-                <a16:creationId xmlns:a16="http://schemas.microsoft.com/office/drawing/2014/main" id="{EE8FBD00-4BA1-EC8D-6DCA-AFFE79EA25EE}"/>
-              </a:ext>
-            </a:extLst>
-          </p:cNvPr>
-          <p:cNvSpPr txBox="1"/>
-          <p:nvPr/>
-        </p:nvSpPr>
-        <p:spPr>
-          <a:xfrm>
-            <a:off x="5760720" y="1440414"/>
-            <a:ext cx="3383280" cy="3005310"/>
-          </a:xfrm>
-          <a:prstGeom prst="rect">
-            <a:avLst/>
-          </a:prstGeom>
-          <a:noFill/>
-        </p:spPr>
-        <p:txBody>
-          <a:bodyPr wrap="square">
-            <a:spAutoFit/>
-          </a:bodyPr>
-          <a:lstStyle/>
-          <a:p>
-            <a:pPr marL="285750" indent="-285750">
-              <a:lnSpc>
-                <a:spcPct val="150000"/>
-              </a:lnSpc>
-              <a:buFont typeface="Arial" panose="020B0604020202020204" pitchFamily="34" charset="0"/>
-              <a:buChar char="•"/>
-            </a:pPr>
-            <a:r>
-              <a:rPr lang="es-SV" sz="1600" dirty="0">
-                <a:latin typeface="Montserrat Medium" panose="00000600000000000000" pitchFamily="2" charset="0"/>
-              </a:rPr>
-              <a:t>Disponibilidad de la información</a:t>
-            </a:r>
-          </a:p>
-          <a:p>
-            <a:pPr marL="285750" indent="-285750">
-              <a:lnSpc>
-                <a:spcPct val="150000"/>
-              </a:lnSpc>
-              <a:buFont typeface="Arial" panose="020B0604020202020204" pitchFamily="34" charset="0"/>
-              <a:buChar char="•"/>
-            </a:pPr>
-            <a:r>
-              <a:rPr lang="es-SV" sz="1600" dirty="0">
-                <a:latin typeface="Montserrat Medium" panose="00000600000000000000" pitchFamily="2" charset="0"/>
-              </a:rPr>
-              <a:t>Reducción de Costos y manejo optimo de recursos </a:t>
-            </a:r>
-          </a:p>
-          <a:p>
-            <a:pPr marL="285750" indent="-285750">
-              <a:lnSpc>
-                <a:spcPct val="150000"/>
-              </a:lnSpc>
-              <a:buFont typeface="Arial" panose="020B0604020202020204" pitchFamily="34" charset="0"/>
-              <a:buChar char="•"/>
-            </a:pPr>
-            <a:r>
-              <a:rPr lang="es-SV" sz="1600" dirty="0">
-                <a:latin typeface="Montserrat Medium" panose="00000600000000000000" pitchFamily="2" charset="0"/>
-              </a:rPr>
-              <a:t>Búsqueda de la mejora continua</a:t>
-            </a:r>
-          </a:p>
-          <a:p>
-            <a:pPr marL="285750" indent="-285750">
-              <a:lnSpc>
-                <a:spcPct val="150000"/>
-              </a:lnSpc>
-              <a:buFont typeface="Arial" panose="020B0604020202020204" pitchFamily="34" charset="0"/>
-              <a:buChar char="•"/>
-            </a:pPr>
-            <a:r>
-              <a:rPr lang="es-SV" sz="1600" dirty="0">
-                <a:latin typeface="Montserrat Medium" panose="00000600000000000000" pitchFamily="2" charset="0"/>
-              </a:rPr>
-              <a:t>Reducción de tiempos de atención</a:t>
-            </a:r>
-          </a:p>
-        </p:txBody>
-      </p:sp>
-      <p:sp>
-        <p:nvSpPr>
-          <p:cNvPr id="8" name="Flecha: a la derecha 7">
-            <a:extLst>
-              <a:ext uri="{FF2B5EF4-FFF2-40B4-BE49-F238E27FC236}">
-                <a16:creationId xmlns:a16="http://schemas.microsoft.com/office/drawing/2014/main" id="{2AA69594-0C08-24CE-D5EC-4009F7AAADB3}"/>
-              </a:ext>
-            </a:extLst>
-          </p:cNvPr>
-          <p:cNvSpPr/>
-          <p:nvPr/>
-        </p:nvSpPr>
-        <p:spPr>
-          <a:xfrm>
-            <a:off x="1724298" y="900740"/>
-            <a:ext cx="1358537" cy="288578"/>
-          </a:xfrm>
-          <a:prstGeom prst="rightArrow">
-            <a:avLst/>
-          </a:prstGeom>
-        </p:spPr>
-        <p:style>
-          <a:lnRef idx="3">
-            <a:schemeClr val="lt1"/>
-          </a:lnRef>
-          <a:fillRef idx="1">
-            <a:schemeClr val="accent3"/>
-          </a:fillRef>
-          <a:effectRef idx="1">
-            <a:schemeClr val="accent3"/>
-          </a:effectRef>
-          <a:fontRef idx="minor">
-            <a:schemeClr val="lt1"/>
-          </a:fontRef>
-        </p:style>
-        <p:txBody>
-          <a:bodyPr rtlCol="0" anchor="ctr"/>
-          <a:lstStyle/>
-          <a:p>
-            <a:pPr algn="ctr"/>
-            <a:endParaRPr lang="es-SV">
-              <a:latin typeface="Montserrat Medium" panose="00000600000000000000" pitchFamily="2" charset="0"/>
-            </a:endParaRPr>
-          </a:p>
-        </p:txBody>
-      </p:sp>
-      <p:sp>
-        <p:nvSpPr>
-          <p:cNvPr id="9" name="Flecha: a la derecha 8">
-            <a:extLst>
-              <a:ext uri="{FF2B5EF4-FFF2-40B4-BE49-F238E27FC236}">
-                <a16:creationId xmlns:a16="http://schemas.microsoft.com/office/drawing/2014/main" id="{AAC67C88-F54E-9B32-A914-901197240CEE}"/>
-              </a:ext>
-            </a:extLst>
-          </p:cNvPr>
-          <p:cNvSpPr/>
-          <p:nvPr/>
-        </p:nvSpPr>
-        <p:spPr>
-          <a:xfrm>
-            <a:off x="6740434" y="900740"/>
-            <a:ext cx="1358537" cy="288578"/>
-          </a:xfrm>
-          <a:prstGeom prst="rightArrow">
-            <a:avLst/>
-          </a:prstGeom>
-        </p:spPr>
-        <p:style>
-          <a:lnRef idx="3">
-            <a:schemeClr val="lt1"/>
-          </a:lnRef>
-          <a:fillRef idx="1">
-            <a:schemeClr val="accent3"/>
-          </a:fillRef>
-          <a:effectRef idx="1">
-            <a:schemeClr val="accent3"/>
-          </a:effectRef>
-          <a:fontRef idx="minor">
-            <a:schemeClr val="lt1"/>
-          </a:fontRef>
-        </p:style>
-        <p:txBody>
-          <a:bodyPr rtlCol="0" anchor="ctr"/>
-          <a:lstStyle/>
-          <a:p>
-            <a:pPr algn="ctr"/>
-            <a:endParaRPr lang="es-SV">
-              <a:latin typeface="Montserrat Medium" panose="00000600000000000000" pitchFamily="2" charset="0"/>
-            </a:endParaRPr>
-          </a:p>
-        </p:txBody>
-      </p:sp>
-    </p:spTree>
-    <p:extLst>
-      <p:ext uri="{BB962C8B-B14F-4D97-AF65-F5344CB8AC3E}">
-        <p14:creationId xmlns:p14="http://schemas.microsoft.com/office/powerpoint/2010/main" val="417111405"/>
-      </p:ext>
-    </p:extLst>
-  </p:cSld>
-  <p:clrMapOvr>
-    <a:masterClrMapping/>
-  </p:clrMapOvr>
-  <p:transition spd="slow">
-    <p:push/>
-  </p:transition>
-  <p:timing>
-    <p:tnLst>
-      <p:par>
-        <p:cTn id="1" dur="indefinite" restart="never" nodeType="tmRoot">
-          <p:childTnLst>
-            <p:seq concurrent="1" nextAc="seek">
-              <p:cTn id="2" dur="indefinite" nodeType="mainSeq">
-                <p:childTnLst>
-                  <p:par>
-                    <p:cTn id="3" fill="hold">
-                      <p:stCondLst>
-                        <p:cond delay="indefinite"/>
-                      </p:stCondLst>
-                      <p:childTnLst>
-                        <p:par>
-                          <p:cTn id="4" fill="hold">
-                            <p:stCondLst>
-                              <p:cond delay="0"/>
-                            </p:stCondLst>
-                            <p:childTnLst>
-                              <p:par>
-                                <p:cTn id="5" presetID="10" presetClass="entr" presetSubtype="0" fill="hold" nodeType="clickEffect">
-                                  <p:stCondLst>
-                                    <p:cond delay="0"/>
-                                  </p:stCondLst>
-                                  <p:childTnLst>
-                                    <p:set>
-                                      <p:cBhvr>
-                                        <p:cTn id="6" dur="1" fill="hold">
-                                          <p:stCondLst>
-                                            <p:cond delay="0"/>
-                                          </p:stCondLst>
-                                        </p:cTn>
-                                        <p:tgtEl>
-                                          <p:spTgt spid="396"/>
-                                        </p:tgtEl>
-                                        <p:attrNameLst>
-                                          <p:attrName>style.visibility</p:attrName>
-                                        </p:attrNameLst>
-                                      </p:cBhvr>
-                                      <p:to>
-                                        <p:strVal val="visible"/>
-                                      </p:to>
-                                    </p:set>
-                                    <p:animEffect transition="in" filter="fade">
-                                      <p:cBhvr>
-                                        <p:cTn id="7" dur="1000"/>
-                                        <p:tgtEl>
-                                          <p:spTgt spid="396"/>
-                                        </p:tgtEl>
-                                      </p:cBhvr>
-                                    </p:animEffect>
-                                  </p:childTnLst>
-                                </p:cTn>
-                              </p:par>
-                            </p:childTnLst>
-                          </p:cTn>
-                        </p:par>
-                      </p:childTnLst>
-                    </p:cTn>
-                  </p:par>
-                </p:childTnLst>
-              </p:cTn>
-              <p:prevCondLst>
-                <p:cond evt="onPrev" delay="0">
-                  <p:tgtEl>
-                    <p:sldTgt/>
-                  </p:tgtEl>
-                </p:cond>
-              </p:prevCondLst>
-              <p:nextCondLst>
-                <p:cond evt="onNext" delay="0">
-                  <p:tgtEl>
-                    <p:sldTgt/>
-                  </p:tgtEl>
-                </p:cond>
-              </p:nextCondLst>
-            </p:seq>
-          </p:childTnLst>
-        </p:cTn>
-      </p:par>
-    </p:tnLst>
-  </p:timing>
-</p:sld>
-</file>
-
-<file path=ppt/slides/slide11.xml><?xml version="1.0" encoding="utf-8"?>
 <p:sld xmlns:a="http://schemas.openxmlformats.org/drawingml/2006/main" xmlns:r="http://schemas.openxmlformats.org/officeDocument/2006/relationships" xmlns:p="http://schemas.openxmlformats.org/presentationml/2006/main">
   <p:cSld>
     <p:spTree>
@@ -19855,7 +19259,7 @@
         <p:push/>
       </p:transition>
     </mc:Choice>
-    <mc:Fallback xmlns:ahyp="http://schemas.microsoft.com/office/drawing/2018/hyperlinkcolor" xmlns:p15="http://schemas.microsoft.com/office/powerpoint/2012/main" xmlns:com="http://schemas.openxmlformats.org/drawingml/2006/compatibility" xmlns:pvml="urn:schemas-microsoft-com:office:powerpoint" xmlns:v="urn:schemas-microsoft-com:vml" xmlns:o="urn:schemas-microsoft-com:office:office" xmlns:dgm="http://schemas.openxmlformats.org/drawingml/2006/diagram" xmlns:c="http://schemas.openxmlformats.org/drawingml/2006/chart" xmlns:mv="urn:schemas-microsoft-com:mac:vml" xmlns="">
+    <mc:Fallback xmlns="" xmlns:mv="urn:schemas-microsoft-com:mac:vml" xmlns:c="http://schemas.openxmlformats.org/drawingml/2006/chart" xmlns:dgm="http://schemas.openxmlformats.org/drawingml/2006/diagram" xmlns:o="urn:schemas-microsoft-com:office:office" xmlns:v="urn:schemas-microsoft-com:vml" xmlns:pvml="urn:schemas-microsoft-com:office:powerpoint" xmlns:com="http://schemas.openxmlformats.org/drawingml/2006/compatibility" xmlns:p15="http://schemas.microsoft.com/office/powerpoint/2012/main" xmlns:ahyp="http://schemas.microsoft.com/office/drawing/2018/hyperlinkcolor">
       <p:transition spd="slow">
         <p:fade/>
       </p:transition>
@@ -19947,7 +19351,7 @@
 </p:sld>
 </file>
 
-<file path=ppt/slides/slide12.xml><?xml version="1.0" encoding="utf-8"?>
+<file path=ppt/slides/slide11.xml><?xml version="1.0" encoding="utf-8"?>
 <p:sld xmlns:a="http://schemas.openxmlformats.org/drawingml/2006/main" xmlns:r="http://schemas.openxmlformats.org/officeDocument/2006/relationships" xmlns:p="http://schemas.openxmlformats.org/presentationml/2006/main">
   <p:cSld>
     <p:spTree>
@@ -20138,7 +19542,7 @@
                 <a:ea typeface="Times New Roman" panose="02020603050405020304" pitchFamily="18" charset="0"/>
                 <a:cs typeface="Times New Roman" panose="02020603050405020304" pitchFamily="18" charset="0"/>
               </a:rPr>
-              <a:t>El desarrollo del proyecto se llevará a cabo en el primer semestre del año 2024 y el segundo semestre del año 2024, comprendido entre el 2 de enero del año 2024 y el 31 de agosto del año 2024.</a:t>
+              <a:t>El desarrollo del proyecto se llevará a cabo en el primer semestre del año 2024 y el segundo semestre del año 2024, comprendido entre el 16 de enero del año 2024 y el 30 de agosto del año 2024.</a:t>
             </a:r>
           </a:p>
         </p:txBody>
@@ -20183,7 +19587,7 @@
                 <a:ea typeface="Times New Roman" panose="02020603050405020304" pitchFamily="18" charset="0"/>
                 <a:cs typeface="Times New Roman" panose="02020603050405020304" pitchFamily="18" charset="0"/>
               </a:rPr>
-              <a:t>El proyecto será desarrollado para el bufete de abogados Cartagena, el cual se encuentra ubicado en el bulevar tutunichapa 7ª av. norte.  </a:t>
+              <a:t>El proyecto será desarrollado para el bufete de abogados Cartagena, el cual se encuentra ubicado en el bulevar tutunichapa 7ª av. norte. Local 2C. </a:t>
             </a:r>
           </a:p>
         </p:txBody>
@@ -20308,7 +19712,7 @@
         <p:push/>
       </p:transition>
     </mc:Choice>
-    <mc:Fallback xmlns:ahyp="http://schemas.microsoft.com/office/drawing/2018/hyperlinkcolor" xmlns:p15="http://schemas.microsoft.com/office/powerpoint/2012/main" xmlns:com="http://schemas.openxmlformats.org/drawingml/2006/compatibility" xmlns:pvml="urn:schemas-microsoft-com:office:powerpoint" xmlns:v="urn:schemas-microsoft-com:vml" xmlns:o="urn:schemas-microsoft-com:office:office" xmlns:dgm="http://schemas.openxmlformats.org/drawingml/2006/diagram" xmlns:c="http://schemas.openxmlformats.org/drawingml/2006/chart" xmlns:mv="urn:schemas-microsoft-com:mac:vml" xmlns="">
+    <mc:Fallback xmlns="" xmlns:mv="urn:schemas-microsoft-com:mac:vml" xmlns:c="http://schemas.openxmlformats.org/drawingml/2006/chart" xmlns:dgm="http://schemas.openxmlformats.org/drawingml/2006/diagram" xmlns:o="urn:schemas-microsoft-com:office:office" xmlns:v="urn:schemas-microsoft-com:vml" xmlns:pvml="urn:schemas-microsoft-com:office:powerpoint" xmlns:com="http://schemas.openxmlformats.org/drawingml/2006/compatibility" xmlns:p15="http://schemas.microsoft.com/office/powerpoint/2012/main" xmlns:ahyp="http://schemas.microsoft.com/office/drawing/2018/hyperlinkcolor">
       <p:transition spd="slow">
         <p:fade/>
       </p:transition>
@@ -20400,7 +19804,7 @@
 </p:sld>
 </file>
 
-<file path=ppt/slides/slide13.xml><?xml version="1.0" encoding="utf-8"?>
+<file path=ppt/slides/slide12.xml><?xml version="1.0" encoding="utf-8"?>
 <p:sld xmlns:a="http://schemas.openxmlformats.org/drawingml/2006/main" xmlns:r="http://schemas.openxmlformats.org/officeDocument/2006/relationships" xmlns:p="http://schemas.openxmlformats.org/presentationml/2006/main">
   <p:cSld>
     <p:spTree>
@@ -20699,7 +20103,7 @@
         <p:push/>
       </p:transition>
     </mc:Choice>
-    <mc:Fallback xmlns:ahyp="http://schemas.microsoft.com/office/drawing/2018/hyperlinkcolor" xmlns:p15="http://schemas.microsoft.com/office/powerpoint/2012/main" xmlns:com="http://schemas.openxmlformats.org/drawingml/2006/compatibility" xmlns:pvml="urn:schemas-microsoft-com:office:powerpoint" xmlns:v="urn:schemas-microsoft-com:vml" xmlns:o="urn:schemas-microsoft-com:office:office" xmlns:dgm="http://schemas.openxmlformats.org/drawingml/2006/diagram" xmlns:c="http://schemas.openxmlformats.org/drawingml/2006/chart" xmlns:mv="urn:schemas-microsoft-com:mac:vml" xmlns="">
+    <mc:Fallback xmlns="" xmlns:mv="urn:schemas-microsoft-com:mac:vml" xmlns:c="http://schemas.openxmlformats.org/drawingml/2006/chart" xmlns:dgm="http://schemas.openxmlformats.org/drawingml/2006/diagram" xmlns:o="urn:schemas-microsoft-com:office:office" xmlns:v="urn:schemas-microsoft-com:vml" xmlns:pvml="urn:schemas-microsoft-com:office:powerpoint" xmlns:com="http://schemas.openxmlformats.org/drawingml/2006/compatibility" xmlns:p15="http://schemas.microsoft.com/office/powerpoint/2012/main" xmlns:ahyp="http://schemas.microsoft.com/office/drawing/2018/hyperlinkcolor">
       <p:transition spd="slow">
         <p:fade/>
       </p:transition>
@@ -20914,7 +20318,7 @@
 </p:sld>
 </file>
 
-<file path=ppt/slides/slide14.xml><?xml version="1.0" encoding="utf-8"?>
+<file path=ppt/slides/slide13.xml><?xml version="1.0" encoding="utf-8"?>
 <p:sld xmlns:a="http://schemas.openxmlformats.org/drawingml/2006/main" xmlns:r="http://schemas.openxmlformats.org/officeDocument/2006/relationships" xmlns:p="http://schemas.openxmlformats.org/presentationml/2006/main">
   <p:cSld>
     <p:spTree>
@@ -21282,7 +20686,7 @@
         <p:push/>
       </p:transition>
     </mc:Choice>
-    <mc:Fallback xmlns:ahyp="http://schemas.microsoft.com/office/drawing/2018/hyperlinkcolor" xmlns:p15="http://schemas.microsoft.com/office/powerpoint/2012/main" xmlns:com="http://schemas.openxmlformats.org/drawingml/2006/compatibility" xmlns:pvml="urn:schemas-microsoft-com:office:powerpoint" xmlns:v="urn:schemas-microsoft-com:vml" xmlns:o="urn:schemas-microsoft-com:office:office" xmlns:dgm="http://schemas.openxmlformats.org/drawingml/2006/diagram" xmlns:c="http://schemas.openxmlformats.org/drawingml/2006/chart" xmlns:mv="urn:schemas-microsoft-com:mac:vml" xmlns="">
+    <mc:Fallback xmlns="" xmlns:mv="urn:schemas-microsoft-com:mac:vml" xmlns:c="http://schemas.openxmlformats.org/drawingml/2006/chart" xmlns:dgm="http://schemas.openxmlformats.org/drawingml/2006/diagram" xmlns:o="urn:schemas-microsoft-com:office:office" xmlns:v="urn:schemas-microsoft-com:vml" xmlns:pvml="urn:schemas-microsoft-com:office:powerpoint" xmlns:com="http://schemas.openxmlformats.org/drawingml/2006/compatibility" xmlns:p15="http://schemas.microsoft.com/office/powerpoint/2012/main" xmlns:ahyp="http://schemas.microsoft.com/office/drawing/2018/hyperlinkcolor">
       <p:transition spd="slow">
         <p:fade/>
       </p:transition>
@@ -21374,7 +20778,7 @@
 </p:sld>
 </file>
 
-<file path=ppt/slides/slide15.xml><?xml version="1.0" encoding="utf-8"?>
+<file path=ppt/slides/slide14.xml><?xml version="1.0" encoding="utf-8"?>
 <p:sld xmlns:a="http://schemas.openxmlformats.org/drawingml/2006/main" xmlns:r="http://schemas.openxmlformats.org/officeDocument/2006/relationships" xmlns:p="http://schemas.openxmlformats.org/presentationml/2006/main">
   <p:cSld>
     <p:bg>
@@ -21585,7 +20989,7 @@
         <p:push/>
       </p:transition>
     </mc:Choice>
-    <mc:Fallback xmlns:ahyp="http://schemas.microsoft.com/office/drawing/2018/hyperlinkcolor" xmlns:p15="http://schemas.microsoft.com/office/powerpoint/2012/main" xmlns:com="http://schemas.openxmlformats.org/drawingml/2006/compatibility" xmlns:pvml="urn:schemas-microsoft-com:office:powerpoint" xmlns:v="urn:schemas-microsoft-com:vml" xmlns:o="urn:schemas-microsoft-com:office:office" xmlns:dgm="http://schemas.openxmlformats.org/drawingml/2006/diagram" xmlns:c="http://schemas.openxmlformats.org/drawingml/2006/chart" xmlns:mv="urn:schemas-microsoft-com:mac:vml" xmlns="">
+    <mc:Fallback xmlns="" xmlns:mv="urn:schemas-microsoft-com:mac:vml" xmlns:c="http://schemas.openxmlformats.org/drawingml/2006/chart" xmlns:dgm="http://schemas.openxmlformats.org/drawingml/2006/diagram" xmlns:o="urn:schemas-microsoft-com:office:office" xmlns:v="urn:schemas-microsoft-com:vml" xmlns:pvml="urn:schemas-microsoft-com:office:powerpoint" xmlns:com="http://schemas.openxmlformats.org/drawingml/2006/compatibility" xmlns:p15="http://schemas.microsoft.com/office/powerpoint/2012/main" xmlns:ahyp="http://schemas.microsoft.com/office/drawing/2018/hyperlinkcolor">
       <p:transition spd="slow">
         <p:fade/>
       </p:transition>
@@ -21712,7 +21116,7 @@
 </p:sld>
 </file>
 
-<file path=ppt/slides/slide16.xml><?xml version="1.0" encoding="utf-8"?>
+<file path=ppt/slides/slide15.xml><?xml version="1.0" encoding="utf-8"?>
 <p:sld xmlns:a="http://schemas.openxmlformats.org/drawingml/2006/main" xmlns:r="http://schemas.openxmlformats.org/officeDocument/2006/relationships" xmlns:p="http://schemas.openxmlformats.org/presentationml/2006/main">
   <p:cSld>
     <p:spTree>
@@ -22021,7 +21425,7 @@
 </p:sld>
 </file>
 
-<file path=ppt/slides/slide17.xml><?xml version="1.0" encoding="utf-8"?>
+<file path=ppt/slides/slide16.xml><?xml version="1.0" encoding="utf-8"?>
 <p:sld xmlns:a="http://schemas.openxmlformats.org/drawingml/2006/main" xmlns:r="http://schemas.openxmlformats.org/officeDocument/2006/relationships" xmlns:p="http://schemas.openxmlformats.org/presentationml/2006/main">
   <p:cSld>
     <p:spTree>
@@ -22298,7 +21702,7 @@
         <p:push/>
       </p:transition>
     </mc:Choice>
-    <mc:Fallback xmlns:ahyp="http://schemas.microsoft.com/office/drawing/2018/hyperlinkcolor" xmlns:p15="http://schemas.microsoft.com/office/powerpoint/2012/main" xmlns:com="http://schemas.openxmlformats.org/drawingml/2006/compatibility" xmlns:pvml="urn:schemas-microsoft-com:office:powerpoint" xmlns:v="urn:schemas-microsoft-com:vml" xmlns:o="urn:schemas-microsoft-com:office:office" xmlns:dgm="http://schemas.openxmlformats.org/drawingml/2006/diagram" xmlns:c="http://schemas.openxmlformats.org/drawingml/2006/chart" xmlns:mv="urn:schemas-microsoft-com:mac:vml" xmlns="">
+    <mc:Fallback xmlns="" xmlns:mv="urn:schemas-microsoft-com:mac:vml" xmlns:c="http://schemas.openxmlformats.org/drawingml/2006/chart" xmlns:dgm="http://schemas.openxmlformats.org/drawingml/2006/diagram" xmlns:o="urn:schemas-microsoft-com:office:office" xmlns:v="urn:schemas-microsoft-com:vml" xmlns:pvml="urn:schemas-microsoft-com:office:powerpoint" xmlns:com="http://schemas.openxmlformats.org/drawingml/2006/compatibility" xmlns:p15="http://schemas.microsoft.com/office/powerpoint/2012/main" xmlns:ahyp="http://schemas.microsoft.com/office/drawing/2018/hyperlinkcolor">
       <p:transition spd="slow">
         <p:fade/>
       </p:transition>
@@ -22307,7 +21711,7 @@
 </p:sld>
 </file>
 
-<file path=ppt/slides/slide18.xml><?xml version="1.0" encoding="utf-8"?>
+<file path=ppt/slides/slide17.xml><?xml version="1.0" encoding="utf-8"?>
 <p:sld xmlns:a="http://schemas.openxmlformats.org/drawingml/2006/main" xmlns:r="http://schemas.openxmlformats.org/officeDocument/2006/relationships" xmlns:p="http://schemas.openxmlformats.org/presentationml/2006/main">
   <p:cSld>
     <p:spTree>
@@ -22487,7 +21891,7 @@
         <p:push/>
       </p:transition>
     </mc:Choice>
-    <mc:Fallback xmlns:ahyp="http://schemas.microsoft.com/office/drawing/2018/hyperlinkcolor" xmlns:p15="http://schemas.microsoft.com/office/powerpoint/2012/main" xmlns:com="http://schemas.openxmlformats.org/drawingml/2006/compatibility" xmlns:pvml="urn:schemas-microsoft-com:office:powerpoint" xmlns:v="urn:schemas-microsoft-com:vml" xmlns:o="urn:schemas-microsoft-com:office:office" xmlns:dgm="http://schemas.openxmlformats.org/drawingml/2006/diagram" xmlns:c="http://schemas.openxmlformats.org/drawingml/2006/chart" xmlns:mv="urn:schemas-microsoft-com:mac:vml" xmlns="">
+    <mc:Fallback xmlns="" xmlns:mv="urn:schemas-microsoft-com:mac:vml" xmlns:c="http://schemas.openxmlformats.org/drawingml/2006/chart" xmlns:dgm="http://schemas.openxmlformats.org/drawingml/2006/diagram" xmlns:o="urn:schemas-microsoft-com:office:office" xmlns:v="urn:schemas-microsoft-com:vml" xmlns:pvml="urn:schemas-microsoft-com:office:powerpoint" xmlns:com="http://schemas.openxmlformats.org/drawingml/2006/compatibility" xmlns:p15="http://schemas.microsoft.com/office/powerpoint/2012/main" xmlns:ahyp="http://schemas.microsoft.com/office/drawing/2018/hyperlinkcolor">
       <p:transition spd="slow">
         <p:fade/>
       </p:transition>
@@ -22582,7 +21986,7 @@
 </p:sld>
 </file>
 
-<file path=ppt/slides/slide19.xml><?xml version="1.0" encoding="utf-8"?>
+<file path=ppt/slides/slide18.xml><?xml version="1.0" encoding="utf-8"?>
 <p:sld xmlns:a="http://schemas.openxmlformats.org/drawingml/2006/main" xmlns:r="http://schemas.openxmlformats.org/officeDocument/2006/relationships" xmlns:p="http://schemas.openxmlformats.org/presentationml/2006/main">
   <p:cSld>
     <p:spTree>
@@ -22845,7 +22249,7 @@
         <p:push/>
       </p:transition>
     </mc:Choice>
-    <mc:Fallback xmlns:ahyp="http://schemas.microsoft.com/office/drawing/2018/hyperlinkcolor" xmlns:p15="http://schemas.microsoft.com/office/powerpoint/2012/main" xmlns:com="http://schemas.openxmlformats.org/drawingml/2006/compatibility" xmlns:pvml="urn:schemas-microsoft-com:office:powerpoint" xmlns:v="urn:schemas-microsoft-com:vml" xmlns:o="urn:schemas-microsoft-com:office:office" xmlns:dgm="http://schemas.openxmlformats.org/drawingml/2006/diagram" xmlns:c="http://schemas.openxmlformats.org/drawingml/2006/chart" xmlns:mv="urn:schemas-microsoft-com:mac:vml" xmlns="">
+    <mc:Fallback xmlns="" xmlns:mv="urn:schemas-microsoft-com:mac:vml" xmlns:c="http://schemas.openxmlformats.org/drawingml/2006/chart" xmlns:dgm="http://schemas.openxmlformats.org/drawingml/2006/diagram" xmlns:o="urn:schemas-microsoft-com:office:office" xmlns:v="urn:schemas-microsoft-com:vml" xmlns:pvml="urn:schemas-microsoft-com:office:powerpoint" xmlns:com="http://schemas.openxmlformats.org/drawingml/2006/compatibility" xmlns:p15="http://schemas.microsoft.com/office/powerpoint/2012/main" xmlns:ahyp="http://schemas.microsoft.com/office/drawing/2018/hyperlinkcolor">
       <p:transition spd="slow">
         <p:fade/>
       </p:transition>
@@ -22854,466 +22258,7 @@
 </p:sld>
 </file>
 
-<file path=ppt/slides/slide2.xml><?xml version="1.0" encoding="utf-8"?>
-<p:sld xmlns:a="http://schemas.openxmlformats.org/drawingml/2006/main" xmlns:r="http://schemas.openxmlformats.org/officeDocument/2006/relationships" xmlns:p="http://schemas.openxmlformats.org/presentationml/2006/main">
-  <p:cSld>
-    <p:bg>
-      <p:bgPr>
-        <a:blipFill>
-          <a:blip r:embed="rId3">
-            <a:alphaModFix/>
-          </a:blip>
-          <a:stretch>
-            <a:fillRect/>
-          </a:stretch>
-        </a:blipFill>
-        <a:effectLst/>
-      </p:bgPr>
-    </p:bg>
-    <p:spTree>
-      <p:nvGrpSpPr>
-        <p:cNvPr id="1" name="Shape 426"/>
-        <p:cNvGrpSpPr/>
-        <p:nvPr/>
-      </p:nvGrpSpPr>
-      <p:grpSpPr>
-        <a:xfrm>
-          <a:off x="0" y="0"/>
-          <a:ext cx="0" cy="0"/>
-          <a:chOff x="0" y="0"/>
-          <a:chExt cx="0" cy="0"/>
-        </a:xfrm>
-      </p:grpSpPr>
-      <p:sp>
-        <p:nvSpPr>
-          <p:cNvPr id="427" name="Google Shape;427;p58"/>
-          <p:cNvSpPr txBox="1">
-            <a:spLocks noGrp="1"/>
-          </p:cNvSpPr>
-          <p:nvPr>
-            <p:ph type="title"/>
-          </p:nvPr>
-        </p:nvSpPr>
-        <p:spPr>
-          <a:xfrm>
-            <a:off x="837566" y="1270710"/>
-            <a:ext cx="4430400" cy="572700"/>
-          </a:xfrm>
-          <a:prstGeom prst="rect">
-            <a:avLst/>
-          </a:prstGeom>
-        </p:spPr>
-        <p:txBody>
-          <a:bodyPr spcFirstLastPara="1" wrap="square" lIns="91425" tIns="91425" rIns="91425" bIns="91425" anchor="t" anchorCtr="0">
-            <a:noAutofit/>
-          </a:bodyPr>
-          <a:lstStyle/>
-          <a:p>
-            <a:pPr marL="0" lvl="0" indent="0" algn="ctr" rtl="0">
-              <a:spcBef>
-                <a:spcPts val="0"/>
-              </a:spcBef>
-              <a:spcAft>
-                <a:spcPts val="0"/>
-              </a:spcAft>
-              <a:buNone/>
-            </a:pPr>
-            <a:r>
-              <a:rPr lang="en" sz="4400" b="1" dirty="0"/>
-              <a:t>TEMA</a:t>
-            </a:r>
-            <a:endParaRPr sz="4400" b="1" dirty="0"/>
-          </a:p>
-        </p:txBody>
-      </p:sp>
-      <p:sp>
-        <p:nvSpPr>
-          <p:cNvPr id="365" name="Google Shape;365;p53"/>
-          <p:cNvSpPr txBox="1">
-            <a:spLocks/>
-          </p:cNvSpPr>
-          <p:nvPr/>
-        </p:nvSpPr>
-        <p:spPr>
-          <a:xfrm>
-            <a:off x="597311" y="2181498"/>
-            <a:ext cx="5620607" cy="1815892"/>
-          </a:xfrm>
-          <a:prstGeom prst="rect">
-            <a:avLst/>
-          </a:prstGeom>
-          <a:noFill/>
-          <a:ln>
-            <a:noFill/>
-          </a:ln>
-        </p:spPr>
-        <p:txBody>
-          <a:bodyPr spcFirstLastPara="1" wrap="square" lIns="91425" tIns="91425" rIns="91425" bIns="91425" anchor="t" anchorCtr="0">
-            <a:noAutofit/>
-          </a:bodyPr>
-          <a:lstStyle>
-            <a:defPPr marR="0" lvl="0" algn="l" rtl="0">
-              <a:lnSpc>
-                <a:spcPct val="100000"/>
-              </a:lnSpc>
-              <a:spcBef>
-                <a:spcPts val="0"/>
-              </a:spcBef>
-              <a:spcAft>
-                <a:spcPts val="0"/>
-              </a:spcAft>
-            </a:defPPr>
-            <a:lvl1pPr marL="457200" marR="0" lvl="0" indent="-342900" algn="ctr" rtl="0">
-              <a:lnSpc>
-                <a:spcPct val="100000"/>
-              </a:lnSpc>
-              <a:spcBef>
-                <a:spcPts val="0"/>
-              </a:spcBef>
-              <a:spcAft>
-                <a:spcPts val="0"/>
-              </a:spcAft>
-              <a:buClr>
-                <a:schemeClr val="dk2"/>
-              </a:buClr>
-              <a:buSzPts val="1800"/>
-              <a:buFont typeface="Montserrat Medium"/>
-              <a:buNone/>
-              <a:defRPr sz="1500" b="0" i="0" u="none" strike="noStrike" cap="none">
-                <a:solidFill>
-                  <a:schemeClr val="dk2"/>
-                </a:solidFill>
-                <a:latin typeface="Montserrat Medium"/>
-                <a:ea typeface="Montserrat Medium"/>
-                <a:cs typeface="Montserrat Medium"/>
-                <a:sym typeface="Montserrat Medium"/>
-              </a:defRPr>
-            </a:lvl1pPr>
-            <a:lvl2pPr marL="914400" marR="0" lvl="1" indent="-317500" algn="ctr" rtl="0">
-              <a:lnSpc>
-                <a:spcPct val="100000"/>
-              </a:lnSpc>
-              <a:spcBef>
-                <a:spcPts val="0"/>
-              </a:spcBef>
-              <a:spcAft>
-                <a:spcPts val="0"/>
-              </a:spcAft>
-              <a:buClr>
-                <a:schemeClr val="dk2"/>
-              </a:buClr>
-              <a:buSzPts val="1400"/>
-              <a:buFont typeface="Montserrat Medium"/>
-              <a:buNone/>
-              <a:defRPr sz="1400" b="0" i="0" u="none" strike="noStrike" cap="none">
-                <a:solidFill>
-                  <a:schemeClr val="dk2"/>
-                </a:solidFill>
-                <a:latin typeface="Montserrat Medium"/>
-                <a:ea typeface="Montserrat Medium"/>
-                <a:cs typeface="Montserrat Medium"/>
-                <a:sym typeface="Montserrat Medium"/>
-              </a:defRPr>
-            </a:lvl2pPr>
-            <a:lvl3pPr marL="1371600" marR="0" lvl="2" indent="-317500" algn="ctr" rtl="0">
-              <a:lnSpc>
-                <a:spcPct val="100000"/>
-              </a:lnSpc>
-              <a:spcBef>
-                <a:spcPts val="0"/>
-              </a:spcBef>
-              <a:spcAft>
-                <a:spcPts val="0"/>
-              </a:spcAft>
-              <a:buClr>
-                <a:schemeClr val="dk2"/>
-              </a:buClr>
-              <a:buSzPts val="1400"/>
-              <a:buFont typeface="Montserrat Medium"/>
-              <a:buNone/>
-              <a:defRPr sz="1400" b="0" i="0" u="none" strike="noStrike" cap="none">
-                <a:solidFill>
-                  <a:schemeClr val="dk2"/>
-                </a:solidFill>
-                <a:latin typeface="Montserrat Medium"/>
-                <a:ea typeface="Montserrat Medium"/>
-                <a:cs typeface="Montserrat Medium"/>
-                <a:sym typeface="Montserrat Medium"/>
-              </a:defRPr>
-            </a:lvl3pPr>
-            <a:lvl4pPr marL="1828800" marR="0" lvl="3" indent="-317500" algn="ctr" rtl="0">
-              <a:lnSpc>
-                <a:spcPct val="100000"/>
-              </a:lnSpc>
-              <a:spcBef>
-                <a:spcPts val="0"/>
-              </a:spcBef>
-              <a:spcAft>
-                <a:spcPts val="0"/>
-              </a:spcAft>
-              <a:buClr>
-                <a:schemeClr val="dk2"/>
-              </a:buClr>
-              <a:buSzPts val="1400"/>
-              <a:buFont typeface="Montserrat Medium"/>
-              <a:buNone/>
-              <a:defRPr sz="1400" b="0" i="0" u="none" strike="noStrike" cap="none">
-                <a:solidFill>
-                  <a:schemeClr val="dk2"/>
-                </a:solidFill>
-                <a:latin typeface="Montserrat Medium"/>
-                <a:ea typeface="Montserrat Medium"/>
-                <a:cs typeface="Montserrat Medium"/>
-                <a:sym typeface="Montserrat Medium"/>
-              </a:defRPr>
-            </a:lvl4pPr>
-            <a:lvl5pPr marL="2286000" marR="0" lvl="4" indent="-317500" algn="ctr" rtl="0">
-              <a:lnSpc>
-                <a:spcPct val="100000"/>
-              </a:lnSpc>
-              <a:spcBef>
-                <a:spcPts val="0"/>
-              </a:spcBef>
-              <a:spcAft>
-                <a:spcPts val="0"/>
-              </a:spcAft>
-              <a:buClr>
-                <a:schemeClr val="dk2"/>
-              </a:buClr>
-              <a:buSzPts val="1400"/>
-              <a:buFont typeface="Montserrat Medium"/>
-              <a:buNone/>
-              <a:defRPr sz="1400" b="0" i="0" u="none" strike="noStrike" cap="none">
-                <a:solidFill>
-                  <a:schemeClr val="dk2"/>
-                </a:solidFill>
-                <a:latin typeface="Montserrat Medium"/>
-                <a:ea typeface="Montserrat Medium"/>
-                <a:cs typeface="Montserrat Medium"/>
-                <a:sym typeface="Montserrat Medium"/>
-              </a:defRPr>
-            </a:lvl5pPr>
-            <a:lvl6pPr marL="2743200" marR="0" lvl="5" indent="-317500" algn="ctr" rtl="0">
-              <a:lnSpc>
-                <a:spcPct val="100000"/>
-              </a:lnSpc>
-              <a:spcBef>
-                <a:spcPts val="0"/>
-              </a:spcBef>
-              <a:spcAft>
-                <a:spcPts val="0"/>
-              </a:spcAft>
-              <a:buClr>
-                <a:schemeClr val="dk2"/>
-              </a:buClr>
-              <a:buSzPts val="1400"/>
-              <a:buFont typeface="Montserrat Medium"/>
-              <a:buNone/>
-              <a:defRPr sz="1400" b="0" i="0" u="none" strike="noStrike" cap="none">
-                <a:solidFill>
-                  <a:schemeClr val="dk2"/>
-                </a:solidFill>
-                <a:latin typeface="Montserrat Medium"/>
-                <a:ea typeface="Montserrat Medium"/>
-                <a:cs typeface="Montserrat Medium"/>
-                <a:sym typeface="Montserrat Medium"/>
-              </a:defRPr>
-            </a:lvl6pPr>
-            <a:lvl7pPr marL="3200400" marR="0" lvl="6" indent="-317500" algn="ctr" rtl="0">
-              <a:lnSpc>
-                <a:spcPct val="100000"/>
-              </a:lnSpc>
-              <a:spcBef>
-                <a:spcPts val="0"/>
-              </a:spcBef>
-              <a:spcAft>
-                <a:spcPts val="0"/>
-              </a:spcAft>
-              <a:buClr>
-                <a:schemeClr val="dk2"/>
-              </a:buClr>
-              <a:buSzPts val="1400"/>
-              <a:buFont typeface="Montserrat Medium"/>
-              <a:buNone/>
-              <a:defRPr sz="1400" b="0" i="0" u="none" strike="noStrike" cap="none">
-                <a:solidFill>
-                  <a:schemeClr val="dk2"/>
-                </a:solidFill>
-                <a:latin typeface="Montserrat Medium"/>
-                <a:ea typeface="Montserrat Medium"/>
-                <a:cs typeface="Montserrat Medium"/>
-                <a:sym typeface="Montserrat Medium"/>
-              </a:defRPr>
-            </a:lvl7pPr>
-            <a:lvl8pPr marL="3657600" marR="0" lvl="7" indent="-317500" algn="ctr" rtl="0">
-              <a:lnSpc>
-                <a:spcPct val="100000"/>
-              </a:lnSpc>
-              <a:spcBef>
-                <a:spcPts val="0"/>
-              </a:spcBef>
-              <a:spcAft>
-                <a:spcPts val="0"/>
-              </a:spcAft>
-              <a:buClr>
-                <a:schemeClr val="dk2"/>
-              </a:buClr>
-              <a:buSzPts val="1400"/>
-              <a:buFont typeface="Montserrat Medium"/>
-              <a:buNone/>
-              <a:defRPr sz="1400" b="0" i="0" u="none" strike="noStrike" cap="none">
-                <a:solidFill>
-                  <a:schemeClr val="dk2"/>
-                </a:solidFill>
-                <a:latin typeface="Montserrat Medium"/>
-                <a:ea typeface="Montserrat Medium"/>
-                <a:cs typeface="Montserrat Medium"/>
-                <a:sym typeface="Montserrat Medium"/>
-              </a:defRPr>
-            </a:lvl8pPr>
-            <a:lvl9pPr marL="4114800" marR="0" lvl="8" indent="-317500" algn="ctr" rtl="0">
-              <a:lnSpc>
-                <a:spcPct val="100000"/>
-              </a:lnSpc>
-              <a:spcBef>
-                <a:spcPts val="0"/>
-              </a:spcBef>
-              <a:spcAft>
-                <a:spcPts val="0"/>
-              </a:spcAft>
-              <a:buClr>
-                <a:schemeClr val="dk2"/>
-              </a:buClr>
-              <a:buSzPts val="1400"/>
-              <a:buFont typeface="Montserrat Medium"/>
-              <a:buNone/>
-              <a:defRPr sz="1400" b="0" i="0" u="none" strike="noStrike" cap="none">
-                <a:solidFill>
-                  <a:schemeClr val="dk2"/>
-                </a:solidFill>
-                <a:latin typeface="Montserrat Medium"/>
-                <a:ea typeface="Montserrat Medium"/>
-                <a:cs typeface="Montserrat Medium"/>
-                <a:sym typeface="Montserrat Medium"/>
-              </a:defRPr>
-            </a:lvl9pPr>
-          </a:lstStyle>
-          <a:p>
-            <a:pPr marL="0" indent="0"/>
-            <a:r>
-              <a:rPr lang="es-ES" sz="1800" dirty="0"/>
-              <a:t>Diseño e instalación de una plataforma web de gestión documental basado en Python con API-REST, que contribuya a la búsqueda de información y registro de documentos escaneados para el bufete de abogados Cartagena</a:t>
-            </a:r>
-          </a:p>
-        </p:txBody>
-      </p:sp>
-    </p:spTree>
-  </p:cSld>
-  <p:clrMapOvr>
-    <a:masterClrMapping/>
-  </p:clrMapOvr>
-  <mc:AlternateContent xmlns:mc="http://schemas.openxmlformats.org/markup-compatibility/2006" xmlns:p14="http://schemas.microsoft.com/office/powerpoint/2010/main">
-    <mc:Choice Requires="p14">
-      <p:transition spd="slow">
-        <p:push/>
-      </p:transition>
-    </mc:Choice>
-    <mc:Fallback xmlns:ahyp="http://schemas.microsoft.com/office/drawing/2018/hyperlinkcolor" xmlns:p15="http://schemas.microsoft.com/office/powerpoint/2012/main" xmlns:com="http://schemas.openxmlformats.org/drawingml/2006/compatibility" xmlns:pvml="urn:schemas-microsoft-com:office:powerpoint" xmlns:v="urn:schemas-microsoft-com:vml" xmlns:o="urn:schemas-microsoft-com:office:office" xmlns:dgm="http://schemas.openxmlformats.org/drawingml/2006/diagram" xmlns:c="http://schemas.openxmlformats.org/drawingml/2006/chart" xmlns:mv="urn:schemas-microsoft-com:mac:vml" xmlns="">
-      <p:transition spd="slow">
-        <p:fade/>
-      </p:transition>
-    </mc:Fallback>
-  </mc:AlternateContent>
-  <p:timing>
-    <p:tnLst>
-      <p:par>
-        <p:cTn id="1" dur="indefinite" restart="never" nodeType="tmRoot">
-          <p:childTnLst>
-            <p:seq concurrent="1" nextAc="seek">
-              <p:cTn id="2" dur="indefinite" nodeType="mainSeq">
-                <p:childTnLst>
-                  <p:par>
-                    <p:cTn id="3" fill="hold">
-                      <p:stCondLst>
-                        <p:cond delay="indefinite"/>
-                        <p:cond evt="onBegin" delay="0">
-                          <p:tn val="2"/>
-                        </p:cond>
-                      </p:stCondLst>
-                      <p:childTnLst>
-                        <p:par>
-                          <p:cTn id="4" fill="hold">
-                            <p:stCondLst>
-                              <p:cond delay="0"/>
-                            </p:stCondLst>
-                            <p:childTnLst>
-                              <p:par>
-                                <p:cTn id="5" presetID="10" presetClass="entr" presetSubtype="0" fill="hold" nodeType="withEffect">
-                                  <p:stCondLst>
-                                    <p:cond delay="0"/>
-                                  </p:stCondLst>
-                                  <p:childTnLst>
-                                    <p:set>
-                                      <p:cBhvr>
-                                        <p:cTn id="6" dur="1" fill="hold">
-                                          <p:stCondLst>
-                                            <p:cond delay="0"/>
-                                          </p:stCondLst>
-                                        </p:cTn>
-                                        <p:tgtEl>
-                                          <p:spTgt spid="365"/>
-                                        </p:tgtEl>
-                                        <p:attrNameLst>
-                                          <p:attrName>style.visibility</p:attrName>
-                                        </p:attrNameLst>
-                                      </p:cBhvr>
-                                      <p:to>
-                                        <p:strVal val="visible"/>
-                                      </p:to>
-                                    </p:set>
-                                    <p:animEffect transition="in" filter="fade">
-                                      <p:cBhvr>
-                                        <p:cTn id="7" dur="1000"/>
-                                        <p:tgtEl>
-                                          <p:spTgt spid="365"/>
-                                        </p:tgtEl>
-                                      </p:cBhvr>
-                                    </p:animEffect>
-                                  </p:childTnLst>
-                                </p:cTn>
-                              </p:par>
-                            </p:childTnLst>
-                          </p:cTn>
-                        </p:par>
-                      </p:childTnLst>
-                    </p:cTn>
-                  </p:par>
-                </p:childTnLst>
-              </p:cTn>
-              <p:prevCondLst>
-                <p:cond evt="onPrev" delay="0">
-                  <p:tgtEl>
-                    <p:sldTgt/>
-                  </p:tgtEl>
-                </p:cond>
-              </p:prevCondLst>
-              <p:nextCondLst>
-                <p:cond evt="onNext" delay="0">
-                  <p:tgtEl>
-                    <p:sldTgt/>
-                  </p:tgtEl>
-                </p:cond>
-              </p:nextCondLst>
-            </p:seq>
-          </p:childTnLst>
-        </p:cTn>
-      </p:par>
-    </p:tnLst>
-  </p:timing>
-</p:sld>
-</file>
-
-<file path=ppt/slides/slide20.xml><?xml version="1.0" encoding="utf-8"?>
+<file path=ppt/slides/slide19.xml><?xml version="1.0" encoding="utf-8"?>
 <p:sld xmlns:a="http://schemas.openxmlformats.org/drawingml/2006/main" xmlns:r="http://schemas.openxmlformats.org/officeDocument/2006/relationships" xmlns:p="http://schemas.openxmlformats.org/presentationml/2006/main">
   <p:cSld>
     <p:spTree>
@@ -23607,7 +22552,7 @@
         <p:push/>
       </p:transition>
     </mc:Choice>
-    <mc:Fallback xmlns:ahyp="http://schemas.microsoft.com/office/drawing/2018/hyperlinkcolor" xmlns:p15="http://schemas.microsoft.com/office/powerpoint/2012/main" xmlns:com="http://schemas.openxmlformats.org/drawingml/2006/compatibility" xmlns:pvml="urn:schemas-microsoft-com:office:powerpoint" xmlns:v="urn:schemas-microsoft-com:vml" xmlns:o="urn:schemas-microsoft-com:office:office" xmlns:dgm="http://schemas.openxmlformats.org/drawingml/2006/diagram" xmlns:c="http://schemas.openxmlformats.org/drawingml/2006/chart" xmlns:mv="urn:schemas-microsoft-com:mac:vml" xmlns="">
+    <mc:Fallback xmlns="" xmlns:mv="urn:schemas-microsoft-com:mac:vml" xmlns:c="http://schemas.openxmlformats.org/drawingml/2006/chart" xmlns:dgm="http://schemas.openxmlformats.org/drawingml/2006/diagram" xmlns:o="urn:schemas-microsoft-com:office:office" xmlns:v="urn:schemas-microsoft-com:vml" xmlns:pvml="urn:schemas-microsoft-com:office:powerpoint" xmlns:com="http://schemas.openxmlformats.org/drawingml/2006/compatibility" xmlns:p15="http://schemas.microsoft.com/office/powerpoint/2012/main" xmlns:ahyp="http://schemas.microsoft.com/office/drawing/2018/hyperlinkcolor">
       <p:transition spd="slow">
         <p:fade/>
       </p:transition>
@@ -23702,7 +22647,466 @@
 </p:sld>
 </file>
 
-<file path=ppt/slides/slide21.xml><?xml version="1.0" encoding="utf-8"?>
+<file path=ppt/slides/slide2.xml><?xml version="1.0" encoding="utf-8"?>
+<p:sld xmlns:a="http://schemas.openxmlformats.org/drawingml/2006/main" xmlns:r="http://schemas.openxmlformats.org/officeDocument/2006/relationships" xmlns:p="http://schemas.openxmlformats.org/presentationml/2006/main">
+  <p:cSld>
+    <p:bg>
+      <p:bgPr>
+        <a:blipFill>
+          <a:blip r:embed="rId3">
+            <a:alphaModFix/>
+          </a:blip>
+          <a:stretch>
+            <a:fillRect/>
+          </a:stretch>
+        </a:blipFill>
+        <a:effectLst/>
+      </p:bgPr>
+    </p:bg>
+    <p:spTree>
+      <p:nvGrpSpPr>
+        <p:cNvPr id="1" name="Shape 426"/>
+        <p:cNvGrpSpPr/>
+        <p:nvPr/>
+      </p:nvGrpSpPr>
+      <p:grpSpPr>
+        <a:xfrm>
+          <a:off x="0" y="0"/>
+          <a:ext cx="0" cy="0"/>
+          <a:chOff x="0" y="0"/>
+          <a:chExt cx="0" cy="0"/>
+        </a:xfrm>
+      </p:grpSpPr>
+      <p:sp>
+        <p:nvSpPr>
+          <p:cNvPr id="427" name="Google Shape;427;p58"/>
+          <p:cNvSpPr txBox="1">
+            <a:spLocks noGrp="1"/>
+          </p:cNvSpPr>
+          <p:nvPr>
+            <p:ph type="title"/>
+          </p:nvPr>
+        </p:nvSpPr>
+        <p:spPr>
+          <a:xfrm>
+            <a:off x="837566" y="1270710"/>
+            <a:ext cx="4430400" cy="572700"/>
+          </a:xfrm>
+          <a:prstGeom prst="rect">
+            <a:avLst/>
+          </a:prstGeom>
+        </p:spPr>
+        <p:txBody>
+          <a:bodyPr spcFirstLastPara="1" wrap="square" lIns="91425" tIns="91425" rIns="91425" bIns="91425" anchor="t" anchorCtr="0">
+            <a:noAutofit/>
+          </a:bodyPr>
+          <a:lstStyle/>
+          <a:p>
+            <a:pPr marL="0" lvl="0" indent="0" algn="ctr" rtl="0">
+              <a:spcBef>
+                <a:spcPts val="0"/>
+              </a:spcBef>
+              <a:spcAft>
+                <a:spcPts val="0"/>
+              </a:spcAft>
+              <a:buNone/>
+            </a:pPr>
+            <a:r>
+              <a:rPr lang="en" sz="4400" b="1" dirty="0"/>
+              <a:t>TEMA</a:t>
+            </a:r>
+            <a:endParaRPr sz="4400" b="1" dirty="0"/>
+          </a:p>
+        </p:txBody>
+      </p:sp>
+      <p:sp>
+        <p:nvSpPr>
+          <p:cNvPr id="365" name="Google Shape;365;p53"/>
+          <p:cNvSpPr txBox="1">
+            <a:spLocks/>
+          </p:cNvSpPr>
+          <p:nvPr/>
+        </p:nvSpPr>
+        <p:spPr>
+          <a:xfrm>
+            <a:off x="597311" y="2181498"/>
+            <a:ext cx="5620607" cy="1815892"/>
+          </a:xfrm>
+          <a:prstGeom prst="rect">
+            <a:avLst/>
+          </a:prstGeom>
+          <a:noFill/>
+          <a:ln>
+            <a:noFill/>
+          </a:ln>
+        </p:spPr>
+        <p:txBody>
+          <a:bodyPr spcFirstLastPara="1" wrap="square" lIns="91425" tIns="91425" rIns="91425" bIns="91425" anchor="t" anchorCtr="0">
+            <a:noAutofit/>
+          </a:bodyPr>
+          <a:lstStyle>
+            <a:defPPr marR="0" lvl="0" algn="l" rtl="0">
+              <a:lnSpc>
+                <a:spcPct val="100000"/>
+              </a:lnSpc>
+              <a:spcBef>
+                <a:spcPts val="0"/>
+              </a:spcBef>
+              <a:spcAft>
+                <a:spcPts val="0"/>
+              </a:spcAft>
+            </a:defPPr>
+            <a:lvl1pPr marL="457200" marR="0" lvl="0" indent="-342900" algn="ctr" rtl="0">
+              <a:lnSpc>
+                <a:spcPct val="100000"/>
+              </a:lnSpc>
+              <a:spcBef>
+                <a:spcPts val="0"/>
+              </a:spcBef>
+              <a:spcAft>
+                <a:spcPts val="0"/>
+              </a:spcAft>
+              <a:buClr>
+                <a:schemeClr val="dk2"/>
+              </a:buClr>
+              <a:buSzPts val="1800"/>
+              <a:buFont typeface="Montserrat Medium"/>
+              <a:buNone/>
+              <a:defRPr sz="1500" b="0" i="0" u="none" strike="noStrike" cap="none">
+                <a:solidFill>
+                  <a:schemeClr val="dk2"/>
+                </a:solidFill>
+                <a:latin typeface="Montserrat Medium"/>
+                <a:ea typeface="Montserrat Medium"/>
+                <a:cs typeface="Montserrat Medium"/>
+                <a:sym typeface="Montserrat Medium"/>
+              </a:defRPr>
+            </a:lvl1pPr>
+            <a:lvl2pPr marL="914400" marR="0" lvl="1" indent="-317500" algn="ctr" rtl="0">
+              <a:lnSpc>
+                <a:spcPct val="100000"/>
+              </a:lnSpc>
+              <a:spcBef>
+                <a:spcPts val="0"/>
+              </a:spcBef>
+              <a:spcAft>
+                <a:spcPts val="0"/>
+              </a:spcAft>
+              <a:buClr>
+                <a:schemeClr val="dk2"/>
+              </a:buClr>
+              <a:buSzPts val="1400"/>
+              <a:buFont typeface="Montserrat Medium"/>
+              <a:buNone/>
+              <a:defRPr sz="1400" b="0" i="0" u="none" strike="noStrike" cap="none">
+                <a:solidFill>
+                  <a:schemeClr val="dk2"/>
+                </a:solidFill>
+                <a:latin typeface="Montserrat Medium"/>
+                <a:ea typeface="Montserrat Medium"/>
+                <a:cs typeface="Montserrat Medium"/>
+                <a:sym typeface="Montserrat Medium"/>
+              </a:defRPr>
+            </a:lvl2pPr>
+            <a:lvl3pPr marL="1371600" marR="0" lvl="2" indent="-317500" algn="ctr" rtl="0">
+              <a:lnSpc>
+                <a:spcPct val="100000"/>
+              </a:lnSpc>
+              <a:spcBef>
+                <a:spcPts val="0"/>
+              </a:spcBef>
+              <a:spcAft>
+                <a:spcPts val="0"/>
+              </a:spcAft>
+              <a:buClr>
+                <a:schemeClr val="dk2"/>
+              </a:buClr>
+              <a:buSzPts val="1400"/>
+              <a:buFont typeface="Montserrat Medium"/>
+              <a:buNone/>
+              <a:defRPr sz="1400" b="0" i="0" u="none" strike="noStrike" cap="none">
+                <a:solidFill>
+                  <a:schemeClr val="dk2"/>
+                </a:solidFill>
+                <a:latin typeface="Montserrat Medium"/>
+                <a:ea typeface="Montserrat Medium"/>
+                <a:cs typeface="Montserrat Medium"/>
+                <a:sym typeface="Montserrat Medium"/>
+              </a:defRPr>
+            </a:lvl3pPr>
+            <a:lvl4pPr marL="1828800" marR="0" lvl="3" indent="-317500" algn="ctr" rtl="0">
+              <a:lnSpc>
+                <a:spcPct val="100000"/>
+              </a:lnSpc>
+              <a:spcBef>
+                <a:spcPts val="0"/>
+              </a:spcBef>
+              <a:spcAft>
+                <a:spcPts val="0"/>
+              </a:spcAft>
+              <a:buClr>
+                <a:schemeClr val="dk2"/>
+              </a:buClr>
+              <a:buSzPts val="1400"/>
+              <a:buFont typeface="Montserrat Medium"/>
+              <a:buNone/>
+              <a:defRPr sz="1400" b="0" i="0" u="none" strike="noStrike" cap="none">
+                <a:solidFill>
+                  <a:schemeClr val="dk2"/>
+                </a:solidFill>
+                <a:latin typeface="Montserrat Medium"/>
+                <a:ea typeface="Montserrat Medium"/>
+                <a:cs typeface="Montserrat Medium"/>
+                <a:sym typeface="Montserrat Medium"/>
+              </a:defRPr>
+            </a:lvl4pPr>
+            <a:lvl5pPr marL="2286000" marR="0" lvl="4" indent="-317500" algn="ctr" rtl="0">
+              <a:lnSpc>
+                <a:spcPct val="100000"/>
+              </a:lnSpc>
+              <a:spcBef>
+                <a:spcPts val="0"/>
+              </a:spcBef>
+              <a:spcAft>
+                <a:spcPts val="0"/>
+              </a:spcAft>
+              <a:buClr>
+                <a:schemeClr val="dk2"/>
+              </a:buClr>
+              <a:buSzPts val="1400"/>
+              <a:buFont typeface="Montserrat Medium"/>
+              <a:buNone/>
+              <a:defRPr sz="1400" b="0" i="0" u="none" strike="noStrike" cap="none">
+                <a:solidFill>
+                  <a:schemeClr val="dk2"/>
+                </a:solidFill>
+                <a:latin typeface="Montserrat Medium"/>
+                <a:ea typeface="Montserrat Medium"/>
+                <a:cs typeface="Montserrat Medium"/>
+                <a:sym typeface="Montserrat Medium"/>
+              </a:defRPr>
+            </a:lvl5pPr>
+            <a:lvl6pPr marL="2743200" marR="0" lvl="5" indent="-317500" algn="ctr" rtl="0">
+              <a:lnSpc>
+                <a:spcPct val="100000"/>
+              </a:lnSpc>
+              <a:spcBef>
+                <a:spcPts val="0"/>
+              </a:spcBef>
+              <a:spcAft>
+                <a:spcPts val="0"/>
+              </a:spcAft>
+              <a:buClr>
+                <a:schemeClr val="dk2"/>
+              </a:buClr>
+              <a:buSzPts val="1400"/>
+              <a:buFont typeface="Montserrat Medium"/>
+              <a:buNone/>
+              <a:defRPr sz="1400" b="0" i="0" u="none" strike="noStrike" cap="none">
+                <a:solidFill>
+                  <a:schemeClr val="dk2"/>
+                </a:solidFill>
+                <a:latin typeface="Montserrat Medium"/>
+                <a:ea typeface="Montserrat Medium"/>
+                <a:cs typeface="Montserrat Medium"/>
+                <a:sym typeface="Montserrat Medium"/>
+              </a:defRPr>
+            </a:lvl6pPr>
+            <a:lvl7pPr marL="3200400" marR="0" lvl="6" indent="-317500" algn="ctr" rtl="0">
+              <a:lnSpc>
+                <a:spcPct val="100000"/>
+              </a:lnSpc>
+              <a:spcBef>
+                <a:spcPts val="0"/>
+              </a:spcBef>
+              <a:spcAft>
+                <a:spcPts val="0"/>
+              </a:spcAft>
+              <a:buClr>
+                <a:schemeClr val="dk2"/>
+              </a:buClr>
+              <a:buSzPts val="1400"/>
+              <a:buFont typeface="Montserrat Medium"/>
+              <a:buNone/>
+              <a:defRPr sz="1400" b="0" i="0" u="none" strike="noStrike" cap="none">
+                <a:solidFill>
+                  <a:schemeClr val="dk2"/>
+                </a:solidFill>
+                <a:latin typeface="Montserrat Medium"/>
+                <a:ea typeface="Montserrat Medium"/>
+                <a:cs typeface="Montserrat Medium"/>
+                <a:sym typeface="Montserrat Medium"/>
+              </a:defRPr>
+            </a:lvl7pPr>
+            <a:lvl8pPr marL="3657600" marR="0" lvl="7" indent="-317500" algn="ctr" rtl="0">
+              <a:lnSpc>
+                <a:spcPct val="100000"/>
+              </a:lnSpc>
+              <a:spcBef>
+                <a:spcPts val="0"/>
+              </a:spcBef>
+              <a:spcAft>
+                <a:spcPts val="0"/>
+              </a:spcAft>
+              <a:buClr>
+                <a:schemeClr val="dk2"/>
+              </a:buClr>
+              <a:buSzPts val="1400"/>
+              <a:buFont typeface="Montserrat Medium"/>
+              <a:buNone/>
+              <a:defRPr sz="1400" b="0" i="0" u="none" strike="noStrike" cap="none">
+                <a:solidFill>
+                  <a:schemeClr val="dk2"/>
+                </a:solidFill>
+                <a:latin typeface="Montserrat Medium"/>
+                <a:ea typeface="Montserrat Medium"/>
+                <a:cs typeface="Montserrat Medium"/>
+                <a:sym typeface="Montserrat Medium"/>
+              </a:defRPr>
+            </a:lvl8pPr>
+            <a:lvl9pPr marL="4114800" marR="0" lvl="8" indent="-317500" algn="ctr" rtl="0">
+              <a:lnSpc>
+                <a:spcPct val="100000"/>
+              </a:lnSpc>
+              <a:spcBef>
+                <a:spcPts val="0"/>
+              </a:spcBef>
+              <a:spcAft>
+                <a:spcPts val="0"/>
+              </a:spcAft>
+              <a:buClr>
+                <a:schemeClr val="dk2"/>
+              </a:buClr>
+              <a:buSzPts val="1400"/>
+              <a:buFont typeface="Montserrat Medium"/>
+              <a:buNone/>
+              <a:defRPr sz="1400" b="0" i="0" u="none" strike="noStrike" cap="none">
+                <a:solidFill>
+                  <a:schemeClr val="dk2"/>
+                </a:solidFill>
+                <a:latin typeface="Montserrat Medium"/>
+                <a:ea typeface="Montserrat Medium"/>
+                <a:cs typeface="Montserrat Medium"/>
+                <a:sym typeface="Montserrat Medium"/>
+              </a:defRPr>
+            </a:lvl9pPr>
+          </a:lstStyle>
+          <a:p>
+            <a:pPr marL="0" indent="0"/>
+            <a:r>
+              <a:rPr lang="es-ES" sz="1800" dirty="0"/>
+              <a:t>Diseño e instalación de una plataforma web de gestión documental basado en Python con API-REST, que contribuya a la búsqueda de información y registro de documentos escaneados para el bufete de abogados Cartagena</a:t>
+            </a:r>
+          </a:p>
+        </p:txBody>
+      </p:sp>
+    </p:spTree>
+  </p:cSld>
+  <p:clrMapOvr>
+    <a:masterClrMapping/>
+  </p:clrMapOvr>
+  <mc:AlternateContent xmlns:mc="http://schemas.openxmlformats.org/markup-compatibility/2006" xmlns:p14="http://schemas.microsoft.com/office/powerpoint/2010/main">
+    <mc:Choice Requires="p14">
+      <p:transition spd="slow">
+        <p:push/>
+      </p:transition>
+    </mc:Choice>
+    <mc:Fallback xmlns="" xmlns:mv="urn:schemas-microsoft-com:mac:vml" xmlns:c="http://schemas.openxmlformats.org/drawingml/2006/chart" xmlns:dgm="http://schemas.openxmlformats.org/drawingml/2006/diagram" xmlns:o="urn:schemas-microsoft-com:office:office" xmlns:v="urn:schemas-microsoft-com:vml" xmlns:pvml="urn:schemas-microsoft-com:office:powerpoint" xmlns:com="http://schemas.openxmlformats.org/drawingml/2006/compatibility" xmlns:p15="http://schemas.microsoft.com/office/powerpoint/2012/main" xmlns:ahyp="http://schemas.microsoft.com/office/drawing/2018/hyperlinkcolor">
+      <p:transition spd="slow">
+        <p:fade/>
+      </p:transition>
+    </mc:Fallback>
+  </mc:AlternateContent>
+  <p:timing>
+    <p:tnLst>
+      <p:par>
+        <p:cTn id="1" dur="indefinite" restart="never" nodeType="tmRoot">
+          <p:childTnLst>
+            <p:seq concurrent="1" nextAc="seek">
+              <p:cTn id="2" dur="indefinite" nodeType="mainSeq">
+                <p:childTnLst>
+                  <p:par>
+                    <p:cTn id="3" fill="hold">
+                      <p:stCondLst>
+                        <p:cond delay="indefinite"/>
+                        <p:cond evt="onBegin" delay="0">
+                          <p:tn val="2"/>
+                        </p:cond>
+                      </p:stCondLst>
+                      <p:childTnLst>
+                        <p:par>
+                          <p:cTn id="4" fill="hold">
+                            <p:stCondLst>
+                              <p:cond delay="0"/>
+                            </p:stCondLst>
+                            <p:childTnLst>
+                              <p:par>
+                                <p:cTn id="5" presetID="10" presetClass="entr" presetSubtype="0" fill="hold" nodeType="withEffect">
+                                  <p:stCondLst>
+                                    <p:cond delay="0"/>
+                                  </p:stCondLst>
+                                  <p:childTnLst>
+                                    <p:set>
+                                      <p:cBhvr>
+                                        <p:cTn id="6" dur="1" fill="hold">
+                                          <p:stCondLst>
+                                            <p:cond delay="0"/>
+                                          </p:stCondLst>
+                                        </p:cTn>
+                                        <p:tgtEl>
+                                          <p:spTgt spid="365"/>
+                                        </p:tgtEl>
+                                        <p:attrNameLst>
+                                          <p:attrName>style.visibility</p:attrName>
+                                        </p:attrNameLst>
+                                      </p:cBhvr>
+                                      <p:to>
+                                        <p:strVal val="visible"/>
+                                      </p:to>
+                                    </p:set>
+                                    <p:animEffect transition="in" filter="fade">
+                                      <p:cBhvr>
+                                        <p:cTn id="7" dur="1000"/>
+                                        <p:tgtEl>
+                                          <p:spTgt spid="365"/>
+                                        </p:tgtEl>
+                                      </p:cBhvr>
+                                    </p:animEffect>
+                                  </p:childTnLst>
+                                </p:cTn>
+                              </p:par>
+                            </p:childTnLst>
+                          </p:cTn>
+                        </p:par>
+                      </p:childTnLst>
+                    </p:cTn>
+                  </p:par>
+                </p:childTnLst>
+              </p:cTn>
+              <p:prevCondLst>
+                <p:cond evt="onPrev" delay="0">
+                  <p:tgtEl>
+                    <p:sldTgt/>
+                  </p:tgtEl>
+                </p:cond>
+              </p:prevCondLst>
+              <p:nextCondLst>
+                <p:cond evt="onNext" delay="0">
+                  <p:tgtEl>
+                    <p:sldTgt/>
+                  </p:tgtEl>
+                </p:cond>
+              </p:nextCondLst>
+            </p:seq>
+          </p:childTnLst>
+        </p:cTn>
+      </p:par>
+    </p:tnLst>
+  </p:timing>
+</p:sld>
+</file>
+
+<file path=ppt/slides/slide20.xml><?xml version="1.0" encoding="utf-8"?>
 <p:sld xmlns:a="http://schemas.openxmlformats.org/drawingml/2006/main" xmlns:r="http://schemas.openxmlformats.org/officeDocument/2006/relationships" xmlns:p="http://schemas.openxmlformats.org/presentationml/2006/main">
   <p:cSld>
     <p:bg>
@@ -24788,7 +24192,7 @@
         <p:push/>
       </p:transition>
     </mc:Choice>
-    <mc:Fallback xmlns:ahyp="http://schemas.microsoft.com/office/drawing/2018/hyperlinkcolor" xmlns:p15="http://schemas.microsoft.com/office/powerpoint/2012/main" xmlns:com="http://schemas.openxmlformats.org/drawingml/2006/compatibility" xmlns:pvml="urn:schemas-microsoft-com:office:powerpoint" xmlns:v="urn:schemas-microsoft-com:vml" xmlns:o="urn:schemas-microsoft-com:office:office" xmlns:dgm="http://schemas.openxmlformats.org/drawingml/2006/diagram" xmlns:c="http://schemas.openxmlformats.org/drawingml/2006/chart" xmlns:mv="urn:schemas-microsoft-com:mac:vml" xmlns="">
+    <mc:Fallback xmlns="" xmlns:mv="urn:schemas-microsoft-com:mac:vml" xmlns:c="http://schemas.openxmlformats.org/drawingml/2006/chart" xmlns:dgm="http://schemas.openxmlformats.org/drawingml/2006/diagram" xmlns:o="urn:schemas-microsoft-com:office:office" xmlns:v="urn:schemas-microsoft-com:vml" xmlns:pvml="urn:schemas-microsoft-com:office:powerpoint" xmlns:com="http://schemas.openxmlformats.org/drawingml/2006/compatibility" xmlns:p15="http://schemas.microsoft.com/office/powerpoint/2012/main" xmlns:ahyp="http://schemas.microsoft.com/office/drawing/2018/hyperlinkcolor">
       <p:transition spd="slow">
         <p:fade/>
       </p:transition>
@@ -24797,7 +24201,7 @@
 </p:sld>
 </file>
 
-<file path=ppt/slides/slide22.xml><?xml version="1.0" encoding="utf-8"?>
+<file path=ppt/slides/slide21.xml><?xml version="1.0" encoding="utf-8"?>
 <p:sld xmlns:a="http://schemas.openxmlformats.org/drawingml/2006/main" xmlns:r="http://schemas.openxmlformats.org/officeDocument/2006/relationships" xmlns:p="http://schemas.openxmlformats.org/presentationml/2006/main">
   <p:cSld>
     <p:spTree>
@@ -24902,7 +24306,7 @@
 </p:sld>
 </file>
 
-<file path=ppt/slides/slide23.xml><?xml version="1.0" encoding="utf-8"?>
+<file path=ppt/slides/slide22.xml><?xml version="1.0" encoding="utf-8"?>
 <p:sld xmlns:a="http://schemas.openxmlformats.org/drawingml/2006/main" xmlns:r="http://schemas.openxmlformats.org/officeDocument/2006/relationships" xmlns:p="http://schemas.openxmlformats.org/presentationml/2006/main">
   <p:cSld>
     <p:spTree>
@@ -25227,7 +24631,7 @@
 </p:sld>
 </file>
 
-<file path=ppt/slides/slide24.xml><?xml version="1.0" encoding="utf-8"?>
+<file path=ppt/slides/slide23.xml><?xml version="1.0" encoding="utf-8"?>
 <p:sld xmlns:a="http://schemas.openxmlformats.org/drawingml/2006/main" xmlns:r="http://schemas.openxmlformats.org/officeDocument/2006/relationships" xmlns:p="http://schemas.openxmlformats.org/presentationml/2006/main">
   <p:cSld>
     <p:spTree>
@@ -25506,7 +24910,7 @@
 </p:sld>
 </file>
 
-<file path=ppt/slides/slide25.xml><?xml version="1.0" encoding="utf-8"?>
+<file path=ppt/slides/slide24.xml><?xml version="1.0" encoding="utf-8"?>
 <p:sld xmlns:a="http://schemas.openxmlformats.org/drawingml/2006/main" xmlns:r="http://schemas.openxmlformats.org/officeDocument/2006/relationships" xmlns:p="http://schemas.openxmlformats.org/presentationml/2006/main">
   <p:cSld>
     <p:spTree>
@@ -25743,7 +25147,7 @@
 </p:sld>
 </file>
 
-<file path=ppt/slides/slide26.xml><?xml version="1.0" encoding="utf-8"?>
+<file path=ppt/slides/slide25.xml><?xml version="1.0" encoding="utf-8"?>
 <p:sld xmlns:a="http://schemas.openxmlformats.org/drawingml/2006/main" xmlns:r="http://schemas.openxmlformats.org/officeDocument/2006/relationships" xmlns:p="http://schemas.openxmlformats.org/presentationml/2006/main">
   <p:cSld>
     <p:spTree>
@@ -25980,7 +25384,7 @@
 </p:sld>
 </file>
 
-<file path=ppt/slides/slide27.xml><?xml version="1.0" encoding="utf-8"?>
+<file path=ppt/slides/slide26.xml><?xml version="1.0" encoding="utf-8"?>
 <p:sld xmlns:a="http://schemas.openxmlformats.org/drawingml/2006/main" xmlns:r="http://schemas.openxmlformats.org/officeDocument/2006/relationships" xmlns:p="http://schemas.openxmlformats.org/presentationml/2006/main">
   <p:cSld>
     <p:spTree>
@@ -26217,7 +25621,7 @@
 </p:sld>
 </file>
 
-<file path=ppt/slides/slide28.xml><?xml version="1.0" encoding="utf-8"?>
+<file path=ppt/slides/slide27.xml><?xml version="1.0" encoding="utf-8"?>
 <p:sld xmlns:a="http://schemas.openxmlformats.org/drawingml/2006/main" xmlns:r="http://schemas.openxmlformats.org/officeDocument/2006/relationships" xmlns:p="http://schemas.openxmlformats.org/presentationml/2006/main">
   <p:cSld>
     <p:spTree>
@@ -26454,7 +25858,7 @@
 </p:sld>
 </file>
 
-<file path=ppt/slides/slide29.xml><?xml version="1.0" encoding="utf-8"?>
+<file path=ppt/slides/slide28.xml><?xml version="1.0" encoding="utf-8"?>
 <p:sld xmlns:a="http://schemas.openxmlformats.org/drawingml/2006/main" xmlns:r="http://schemas.openxmlformats.org/officeDocument/2006/relationships" xmlns:p="http://schemas.openxmlformats.org/presentationml/2006/main">
   <p:cSld>
     <p:spTree>
@@ -26718,462 +26122,7 @@
 </p:sld>
 </file>
 
-<file path=ppt/slides/slide3.xml><?xml version="1.0" encoding="utf-8"?>
-<p:sld xmlns:a="http://schemas.openxmlformats.org/drawingml/2006/main" xmlns:r="http://schemas.openxmlformats.org/officeDocument/2006/relationships" xmlns:p="http://schemas.openxmlformats.org/presentationml/2006/main">
-  <p:cSld>
-    <p:bg>
-      <p:bgPr>
-        <a:blipFill>
-          <a:blip r:embed="rId3">
-            <a:alphaModFix/>
-          </a:blip>
-          <a:stretch>
-            <a:fillRect/>
-          </a:stretch>
-        </a:blipFill>
-        <a:effectLst/>
-      </p:bgPr>
-    </p:bg>
-    <p:spTree>
-      <p:nvGrpSpPr>
-        <p:cNvPr id="1" name="Shape 426"/>
-        <p:cNvGrpSpPr/>
-        <p:nvPr/>
-      </p:nvGrpSpPr>
-      <p:grpSpPr>
-        <a:xfrm>
-          <a:off x="0" y="0"/>
-          <a:ext cx="0" cy="0"/>
-          <a:chOff x="0" y="0"/>
-          <a:chExt cx="0" cy="0"/>
-        </a:xfrm>
-      </p:grpSpPr>
-      <p:sp>
-        <p:nvSpPr>
-          <p:cNvPr id="427" name="Google Shape;427;p58"/>
-          <p:cNvSpPr txBox="1">
-            <a:spLocks noGrp="1"/>
-          </p:cNvSpPr>
-          <p:nvPr>
-            <p:ph type="title"/>
-          </p:nvPr>
-        </p:nvSpPr>
-        <p:spPr>
-          <a:xfrm>
-            <a:off x="597311" y="859760"/>
-            <a:ext cx="5106034" cy="572700"/>
-          </a:xfrm>
-          <a:prstGeom prst="rect">
-            <a:avLst/>
-          </a:prstGeom>
-        </p:spPr>
-        <p:txBody>
-          <a:bodyPr spcFirstLastPara="1" wrap="square" lIns="91425" tIns="91425" rIns="91425" bIns="91425" anchor="t" anchorCtr="0">
-            <a:noAutofit/>
-          </a:bodyPr>
-          <a:lstStyle/>
-          <a:p>
-            <a:pPr marL="0" lvl="0" indent="0" algn="ctr" rtl="0">
-              <a:spcBef>
-                <a:spcPts val="0"/>
-              </a:spcBef>
-              <a:spcAft>
-                <a:spcPts val="0"/>
-              </a:spcAft>
-              <a:buNone/>
-            </a:pPr>
-            <a:r>
-              <a:rPr lang="en" sz="4400" b="1" dirty="0"/>
-              <a:t>INTRODUCCIÓN</a:t>
-            </a:r>
-            <a:endParaRPr sz="4400" b="1" dirty="0"/>
-          </a:p>
-        </p:txBody>
-      </p:sp>
-      <p:sp>
-        <p:nvSpPr>
-          <p:cNvPr id="365" name="Google Shape;365;p53"/>
-          <p:cNvSpPr txBox="1">
-            <a:spLocks/>
-          </p:cNvSpPr>
-          <p:nvPr/>
-        </p:nvSpPr>
-        <p:spPr>
-          <a:xfrm>
-            <a:off x="597311" y="2181498"/>
-            <a:ext cx="5106034" cy="1815892"/>
-          </a:xfrm>
-          <a:prstGeom prst="rect">
-            <a:avLst/>
-          </a:prstGeom>
-          <a:noFill/>
-          <a:ln>
-            <a:noFill/>
-          </a:ln>
-        </p:spPr>
-        <p:txBody>
-          <a:bodyPr spcFirstLastPara="1" wrap="square" lIns="91425" tIns="91425" rIns="91425" bIns="91425" anchor="t" anchorCtr="0">
-            <a:noAutofit/>
-          </a:bodyPr>
-          <a:lstStyle>
-            <a:defPPr marR="0" lvl="0" algn="l" rtl="0">
-              <a:lnSpc>
-                <a:spcPct val="100000"/>
-              </a:lnSpc>
-              <a:spcBef>
-                <a:spcPts val="0"/>
-              </a:spcBef>
-              <a:spcAft>
-                <a:spcPts val="0"/>
-              </a:spcAft>
-            </a:defPPr>
-            <a:lvl1pPr marL="457200" marR="0" lvl="0" indent="-342900" algn="ctr" rtl="0">
-              <a:lnSpc>
-                <a:spcPct val="100000"/>
-              </a:lnSpc>
-              <a:spcBef>
-                <a:spcPts val="0"/>
-              </a:spcBef>
-              <a:spcAft>
-                <a:spcPts val="0"/>
-              </a:spcAft>
-              <a:buClr>
-                <a:schemeClr val="dk2"/>
-              </a:buClr>
-              <a:buSzPts val="1800"/>
-              <a:buFont typeface="Montserrat Medium"/>
-              <a:buNone/>
-              <a:defRPr sz="1500" b="0" i="0" u="none" strike="noStrike" cap="none">
-                <a:solidFill>
-                  <a:schemeClr val="dk2"/>
-                </a:solidFill>
-                <a:latin typeface="Montserrat Medium"/>
-                <a:ea typeface="Montserrat Medium"/>
-                <a:cs typeface="Montserrat Medium"/>
-                <a:sym typeface="Montserrat Medium"/>
-              </a:defRPr>
-            </a:lvl1pPr>
-            <a:lvl2pPr marL="914400" marR="0" lvl="1" indent="-317500" algn="ctr" rtl="0">
-              <a:lnSpc>
-                <a:spcPct val="100000"/>
-              </a:lnSpc>
-              <a:spcBef>
-                <a:spcPts val="0"/>
-              </a:spcBef>
-              <a:spcAft>
-                <a:spcPts val="0"/>
-              </a:spcAft>
-              <a:buClr>
-                <a:schemeClr val="dk2"/>
-              </a:buClr>
-              <a:buSzPts val="1400"/>
-              <a:buFont typeface="Montserrat Medium"/>
-              <a:buNone/>
-              <a:defRPr sz="1400" b="0" i="0" u="none" strike="noStrike" cap="none">
-                <a:solidFill>
-                  <a:schemeClr val="dk2"/>
-                </a:solidFill>
-                <a:latin typeface="Montserrat Medium"/>
-                <a:ea typeface="Montserrat Medium"/>
-                <a:cs typeface="Montserrat Medium"/>
-                <a:sym typeface="Montserrat Medium"/>
-              </a:defRPr>
-            </a:lvl2pPr>
-            <a:lvl3pPr marL="1371600" marR="0" lvl="2" indent="-317500" algn="ctr" rtl="0">
-              <a:lnSpc>
-                <a:spcPct val="100000"/>
-              </a:lnSpc>
-              <a:spcBef>
-                <a:spcPts val="0"/>
-              </a:spcBef>
-              <a:spcAft>
-                <a:spcPts val="0"/>
-              </a:spcAft>
-              <a:buClr>
-                <a:schemeClr val="dk2"/>
-              </a:buClr>
-              <a:buSzPts val="1400"/>
-              <a:buFont typeface="Montserrat Medium"/>
-              <a:buNone/>
-              <a:defRPr sz="1400" b="0" i="0" u="none" strike="noStrike" cap="none">
-                <a:solidFill>
-                  <a:schemeClr val="dk2"/>
-                </a:solidFill>
-                <a:latin typeface="Montserrat Medium"/>
-                <a:ea typeface="Montserrat Medium"/>
-                <a:cs typeface="Montserrat Medium"/>
-                <a:sym typeface="Montserrat Medium"/>
-              </a:defRPr>
-            </a:lvl3pPr>
-            <a:lvl4pPr marL="1828800" marR="0" lvl="3" indent="-317500" algn="ctr" rtl="0">
-              <a:lnSpc>
-                <a:spcPct val="100000"/>
-              </a:lnSpc>
-              <a:spcBef>
-                <a:spcPts val="0"/>
-              </a:spcBef>
-              <a:spcAft>
-                <a:spcPts val="0"/>
-              </a:spcAft>
-              <a:buClr>
-                <a:schemeClr val="dk2"/>
-              </a:buClr>
-              <a:buSzPts val="1400"/>
-              <a:buFont typeface="Montserrat Medium"/>
-              <a:buNone/>
-              <a:defRPr sz="1400" b="0" i="0" u="none" strike="noStrike" cap="none">
-                <a:solidFill>
-                  <a:schemeClr val="dk2"/>
-                </a:solidFill>
-                <a:latin typeface="Montserrat Medium"/>
-                <a:ea typeface="Montserrat Medium"/>
-                <a:cs typeface="Montserrat Medium"/>
-                <a:sym typeface="Montserrat Medium"/>
-              </a:defRPr>
-            </a:lvl4pPr>
-            <a:lvl5pPr marL="2286000" marR="0" lvl="4" indent="-317500" algn="ctr" rtl="0">
-              <a:lnSpc>
-                <a:spcPct val="100000"/>
-              </a:lnSpc>
-              <a:spcBef>
-                <a:spcPts val="0"/>
-              </a:spcBef>
-              <a:spcAft>
-                <a:spcPts val="0"/>
-              </a:spcAft>
-              <a:buClr>
-                <a:schemeClr val="dk2"/>
-              </a:buClr>
-              <a:buSzPts val="1400"/>
-              <a:buFont typeface="Montserrat Medium"/>
-              <a:buNone/>
-              <a:defRPr sz="1400" b="0" i="0" u="none" strike="noStrike" cap="none">
-                <a:solidFill>
-                  <a:schemeClr val="dk2"/>
-                </a:solidFill>
-                <a:latin typeface="Montserrat Medium"/>
-                <a:ea typeface="Montserrat Medium"/>
-                <a:cs typeface="Montserrat Medium"/>
-                <a:sym typeface="Montserrat Medium"/>
-              </a:defRPr>
-            </a:lvl5pPr>
-            <a:lvl6pPr marL="2743200" marR="0" lvl="5" indent="-317500" algn="ctr" rtl="0">
-              <a:lnSpc>
-                <a:spcPct val="100000"/>
-              </a:lnSpc>
-              <a:spcBef>
-                <a:spcPts val="0"/>
-              </a:spcBef>
-              <a:spcAft>
-                <a:spcPts val="0"/>
-              </a:spcAft>
-              <a:buClr>
-                <a:schemeClr val="dk2"/>
-              </a:buClr>
-              <a:buSzPts val="1400"/>
-              <a:buFont typeface="Montserrat Medium"/>
-              <a:buNone/>
-              <a:defRPr sz="1400" b="0" i="0" u="none" strike="noStrike" cap="none">
-                <a:solidFill>
-                  <a:schemeClr val="dk2"/>
-                </a:solidFill>
-                <a:latin typeface="Montserrat Medium"/>
-                <a:ea typeface="Montserrat Medium"/>
-                <a:cs typeface="Montserrat Medium"/>
-                <a:sym typeface="Montserrat Medium"/>
-              </a:defRPr>
-            </a:lvl6pPr>
-            <a:lvl7pPr marL="3200400" marR="0" lvl="6" indent="-317500" algn="ctr" rtl="0">
-              <a:lnSpc>
-                <a:spcPct val="100000"/>
-              </a:lnSpc>
-              <a:spcBef>
-                <a:spcPts val="0"/>
-              </a:spcBef>
-              <a:spcAft>
-                <a:spcPts val="0"/>
-              </a:spcAft>
-              <a:buClr>
-                <a:schemeClr val="dk2"/>
-              </a:buClr>
-              <a:buSzPts val="1400"/>
-              <a:buFont typeface="Montserrat Medium"/>
-              <a:buNone/>
-              <a:defRPr sz="1400" b="0" i="0" u="none" strike="noStrike" cap="none">
-                <a:solidFill>
-                  <a:schemeClr val="dk2"/>
-                </a:solidFill>
-                <a:latin typeface="Montserrat Medium"/>
-                <a:ea typeface="Montserrat Medium"/>
-                <a:cs typeface="Montserrat Medium"/>
-                <a:sym typeface="Montserrat Medium"/>
-              </a:defRPr>
-            </a:lvl7pPr>
-            <a:lvl8pPr marL="3657600" marR="0" lvl="7" indent="-317500" algn="ctr" rtl="0">
-              <a:lnSpc>
-                <a:spcPct val="100000"/>
-              </a:lnSpc>
-              <a:spcBef>
-                <a:spcPts val="0"/>
-              </a:spcBef>
-              <a:spcAft>
-                <a:spcPts val="0"/>
-              </a:spcAft>
-              <a:buClr>
-                <a:schemeClr val="dk2"/>
-              </a:buClr>
-              <a:buSzPts val="1400"/>
-              <a:buFont typeface="Montserrat Medium"/>
-              <a:buNone/>
-              <a:defRPr sz="1400" b="0" i="0" u="none" strike="noStrike" cap="none">
-                <a:solidFill>
-                  <a:schemeClr val="dk2"/>
-                </a:solidFill>
-                <a:latin typeface="Montserrat Medium"/>
-                <a:ea typeface="Montserrat Medium"/>
-                <a:cs typeface="Montserrat Medium"/>
-                <a:sym typeface="Montserrat Medium"/>
-              </a:defRPr>
-            </a:lvl8pPr>
-            <a:lvl9pPr marL="4114800" marR="0" lvl="8" indent="-317500" algn="ctr" rtl="0">
-              <a:lnSpc>
-                <a:spcPct val="100000"/>
-              </a:lnSpc>
-              <a:spcBef>
-                <a:spcPts val="0"/>
-              </a:spcBef>
-              <a:spcAft>
-                <a:spcPts val="0"/>
-              </a:spcAft>
-              <a:buClr>
-                <a:schemeClr val="dk2"/>
-              </a:buClr>
-              <a:buSzPts val="1400"/>
-              <a:buFont typeface="Montserrat Medium"/>
-              <a:buNone/>
-              <a:defRPr sz="1400" b="0" i="0" u="none" strike="noStrike" cap="none">
-                <a:solidFill>
-                  <a:schemeClr val="dk2"/>
-                </a:solidFill>
-                <a:latin typeface="Montserrat Medium"/>
-                <a:ea typeface="Montserrat Medium"/>
-                <a:cs typeface="Montserrat Medium"/>
-                <a:sym typeface="Montserrat Medium"/>
-              </a:defRPr>
-            </a:lvl9pPr>
-          </a:lstStyle>
-          <a:p>
-            <a:pPr algn="just"/>
-            <a:r>
-              <a:rPr lang="es-SV" sz="1600" dirty="0"/>
-              <a:t>En el presente trabajo se aborda la gestión, la búsqueda y los registros de documentos escaneados del bufete de abogados Cartagena, como un panorama actual de la tecnología de la información, donde la gestión eficiente de documentos se ha convertido en un tema de gran importancia.</a:t>
-            </a:r>
-          </a:p>
-        </p:txBody>
-      </p:sp>
-    </p:spTree>
-    <p:extLst>
-      <p:ext uri="{BB962C8B-B14F-4D97-AF65-F5344CB8AC3E}">
-        <p14:creationId xmlns:p14="http://schemas.microsoft.com/office/powerpoint/2010/main" val="1716865091"/>
-      </p:ext>
-    </p:extLst>
-  </p:cSld>
-  <p:clrMapOvr>
-    <a:masterClrMapping/>
-  </p:clrMapOvr>
-  <p:transition spd="slow">
-    <p:push/>
-  </p:transition>
-  <p:timing>
-    <p:tnLst>
-      <p:par>
-        <p:cTn id="1" dur="indefinite" restart="never" nodeType="tmRoot">
-          <p:childTnLst>
-            <p:seq concurrent="1" nextAc="seek">
-              <p:cTn id="2" dur="indefinite" nodeType="mainSeq">
-                <p:childTnLst>
-                  <p:par>
-                    <p:cTn id="3" fill="hold">
-                      <p:stCondLst>
-                        <p:cond delay="indefinite"/>
-                        <p:cond evt="onBegin" delay="0">
-                          <p:tn val="2"/>
-                        </p:cond>
-                      </p:stCondLst>
-                      <p:childTnLst>
-                        <p:par>
-                          <p:cTn id="4" fill="hold">
-                            <p:stCondLst>
-                              <p:cond delay="0"/>
-                            </p:stCondLst>
-                            <p:childTnLst>
-                              <p:par>
-                                <p:cTn id="5" presetID="10" presetClass="entr" presetSubtype="0" fill="hold" nodeType="withEffect">
-                                  <p:stCondLst>
-                                    <p:cond delay="0"/>
-                                  </p:stCondLst>
-                                  <p:childTnLst>
-                                    <p:set>
-                                      <p:cBhvr>
-                                        <p:cTn id="6" dur="1" fill="hold">
-                                          <p:stCondLst>
-                                            <p:cond delay="0"/>
-                                          </p:stCondLst>
-                                        </p:cTn>
-                                        <p:tgtEl>
-                                          <p:spTgt spid="365"/>
-                                        </p:tgtEl>
-                                        <p:attrNameLst>
-                                          <p:attrName>style.visibility</p:attrName>
-                                        </p:attrNameLst>
-                                      </p:cBhvr>
-                                      <p:to>
-                                        <p:strVal val="visible"/>
-                                      </p:to>
-                                    </p:set>
-                                    <p:animEffect transition="in" filter="fade">
-                                      <p:cBhvr>
-                                        <p:cTn id="7" dur="1000"/>
-                                        <p:tgtEl>
-                                          <p:spTgt spid="365"/>
-                                        </p:tgtEl>
-                                      </p:cBhvr>
-                                    </p:animEffect>
-                                  </p:childTnLst>
-                                </p:cTn>
-                              </p:par>
-                            </p:childTnLst>
-                          </p:cTn>
-                        </p:par>
-                      </p:childTnLst>
-                    </p:cTn>
-                  </p:par>
-                </p:childTnLst>
-              </p:cTn>
-              <p:prevCondLst>
-                <p:cond evt="onPrev" delay="0">
-                  <p:tgtEl>
-                    <p:sldTgt/>
-                  </p:tgtEl>
-                </p:cond>
-              </p:prevCondLst>
-              <p:nextCondLst>
-                <p:cond evt="onNext" delay="0">
-                  <p:tgtEl>
-                    <p:sldTgt/>
-                  </p:tgtEl>
-                </p:cond>
-              </p:nextCondLst>
-            </p:seq>
-          </p:childTnLst>
-        </p:cTn>
-      </p:par>
-    </p:tnLst>
-  </p:timing>
-</p:sld>
-</file>
-
-<file path=ppt/slides/slide30.xml><?xml version="1.0" encoding="utf-8"?>
+<file path=ppt/slides/slide29.xml><?xml version="1.0" encoding="utf-8"?>
 <p:sld xmlns:a="http://schemas.openxmlformats.org/drawingml/2006/main" xmlns:r="http://schemas.openxmlformats.org/officeDocument/2006/relationships" xmlns:p="http://schemas.openxmlformats.org/presentationml/2006/main">
   <p:cSld>
     <p:spTree>
@@ -27304,7 +26253,462 @@
 </p:sld>
 </file>
 
-<file path=ppt/slides/slide31.xml><?xml version="1.0" encoding="utf-8"?>
+<file path=ppt/slides/slide3.xml><?xml version="1.0" encoding="utf-8"?>
+<p:sld xmlns:a="http://schemas.openxmlformats.org/drawingml/2006/main" xmlns:r="http://schemas.openxmlformats.org/officeDocument/2006/relationships" xmlns:p="http://schemas.openxmlformats.org/presentationml/2006/main">
+  <p:cSld>
+    <p:bg>
+      <p:bgPr>
+        <a:blipFill>
+          <a:blip r:embed="rId3">
+            <a:alphaModFix/>
+          </a:blip>
+          <a:stretch>
+            <a:fillRect/>
+          </a:stretch>
+        </a:blipFill>
+        <a:effectLst/>
+      </p:bgPr>
+    </p:bg>
+    <p:spTree>
+      <p:nvGrpSpPr>
+        <p:cNvPr id="1" name="Shape 426"/>
+        <p:cNvGrpSpPr/>
+        <p:nvPr/>
+      </p:nvGrpSpPr>
+      <p:grpSpPr>
+        <a:xfrm>
+          <a:off x="0" y="0"/>
+          <a:ext cx="0" cy="0"/>
+          <a:chOff x="0" y="0"/>
+          <a:chExt cx="0" cy="0"/>
+        </a:xfrm>
+      </p:grpSpPr>
+      <p:sp>
+        <p:nvSpPr>
+          <p:cNvPr id="427" name="Google Shape;427;p58"/>
+          <p:cNvSpPr txBox="1">
+            <a:spLocks noGrp="1"/>
+          </p:cNvSpPr>
+          <p:nvPr>
+            <p:ph type="title"/>
+          </p:nvPr>
+        </p:nvSpPr>
+        <p:spPr>
+          <a:xfrm>
+            <a:off x="597311" y="859760"/>
+            <a:ext cx="5106034" cy="572700"/>
+          </a:xfrm>
+          <a:prstGeom prst="rect">
+            <a:avLst/>
+          </a:prstGeom>
+        </p:spPr>
+        <p:txBody>
+          <a:bodyPr spcFirstLastPara="1" wrap="square" lIns="91425" tIns="91425" rIns="91425" bIns="91425" anchor="t" anchorCtr="0">
+            <a:noAutofit/>
+          </a:bodyPr>
+          <a:lstStyle/>
+          <a:p>
+            <a:pPr marL="0" lvl="0" indent="0" algn="ctr" rtl="0">
+              <a:spcBef>
+                <a:spcPts val="0"/>
+              </a:spcBef>
+              <a:spcAft>
+                <a:spcPts val="0"/>
+              </a:spcAft>
+              <a:buNone/>
+            </a:pPr>
+            <a:r>
+              <a:rPr lang="en" sz="4400" b="1" dirty="0"/>
+              <a:t>INTRODUCCIÓN</a:t>
+            </a:r>
+            <a:endParaRPr sz="4400" b="1" dirty="0"/>
+          </a:p>
+        </p:txBody>
+      </p:sp>
+      <p:sp>
+        <p:nvSpPr>
+          <p:cNvPr id="365" name="Google Shape;365;p53"/>
+          <p:cNvSpPr txBox="1">
+            <a:spLocks/>
+          </p:cNvSpPr>
+          <p:nvPr/>
+        </p:nvSpPr>
+        <p:spPr>
+          <a:xfrm>
+            <a:off x="597311" y="2181498"/>
+            <a:ext cx="5106034" cy="1815892"/>
+          </a:xfrm>
+          <a:prstGeom prst="rect">
+            <a:avLst/>
+          </a:prstGeom>
+          <a:noFill/>
+          <a:ln>
+            <a:noFill/>
+          </a:ln>
+        </p:spPr>
+        <p:txBody>
+          <a:bodyPr spcFirstLastPara="1" wrap="square" lIns="91425" tIns="91425" rIns="91425" bIns="91425" anchor="t" anchorCtr="0">
+            <a:noAutofit/>
+          </a:bodyPr>
+          <a:lstStyle>
+            <a:defPPr marR="0" lvl="0" algn="l" rtl="0">
+              <a:lnSpc>
+                <a:spcPct val="100000"/>
+              </a:lnSpc>
+              <a:spcBef>
+                <a:spcPts val="0"/>
+              </a:spcBef>
+              <a:spcAft>
+                <a:spcPts val="0"/>
+              </a:spcAft>
+            </a:defPPr>
+            <a:lvl1pPr marL="457200" marR="0" lvl="0" indent="-342900" algn="ctr" rtl="0">
+              <a:lnSpc>
+                <a:spcPct val="100000"/>
+              </a:lnSpc>
+              <a:spcBef>
+                <a:spcPts val="0"/>
+              </a:spcBef>
+              <a:spcAft>
+                <a:spcPts val="0"/>
+              </a:spcAft>
+              <a:buClr>
+                <a:schemeClr val="dk2"/>
+              </a:buClr>
+              <a:buSzPts val="1800"/>
+              <a:buFont typeface="Montserrat Medium"/>
+              <a:buNone/>
+              <a:defRPr sz="1500" b="0" i="0" u="none" strike="noStrike" cap="none">
+                <a:solidFill>
+                  <a:schemeClr val="dk2"/>
+                </a:solidFill>
+                <a:latin typeface="Montserrat Medium"/>
+                <a:ea typeface="Montserrat Medium"/>
+                <a:cs typeface="Montserrat Medium"/>
+                <a:sym typeface="Montserrat Medium"/>
+              </a:defRPr>
+            </a:lvl1pPr>
+            <a:lvl2pPr marL="914400" marR="0" lvl="1" indent="-317500" algn="ctr" rtl="0">
+              <a:lnSpc>
+                <a:spcPct val="100000"/>
+              </a:lnSpc>
+              <a:spcBef>
+                <a:spcPts val="0"/>
+              </a:spcBef>
+              <a:spcAft>
+                <a:spcPts val="0"/>
+              </a:spcAft>
+              <a:buClr>
+                <a:schemeClr val="dk2"/>
+              </a:buClr>
+              <a:buSzPts val="1400"/>
+              <a:buFont typeface="Montserrat Medium"/>
+              <a:buNone/>
+              <a:defRPr sz="1400" b="0" i="0" u="none" strike="noStrike" cap="none">
+                <a:solidFill>
+                  <a:schemeClr val="dk2"/>
+                </a:solidFill>
+                <a:latin typeface="Montserrat Medium"/>
+                <a:ea typeface="Montserrat Medium"/>
+                <a:cs typeface="Montserrat Medium"/>
+                <a:sym typeface="Montserrat Medium"/>
+              </a:defRPr>
+            </a:lvl2pPr>
+            <a:lvl3pPr marL="1371600" marR="0" lvl="2" indent="-317500" algn="ctr" rtl="0">
+              <a:lnSpc>
+                <a:spcPct val="100000"/>
+              </a:lnSpc>
+              <a:spcBef>
+                <a:spcPts val="0"/>
+              </a:spcBef>
+              <a:spcAft>
+                <a:spcPts val="0"/>
+              </a:spcAft>
+              <a:buClr>
+                <a:schemeClr val="dk2"/>
+              </a:buClr>
+              <a:buSzPts val="1400"/>
+              <a:buFont typeface="Montserrat Medium"/>
+              <a:buNone/>
+              <a:defRPr sz="1400" b="0" i="0" u="none" strike="noStrike" cap="none">
+                <a:solidFill>
+                  <a:schemeClr val="dk2"/>
+                </a:solidFill>
+                <a:latin typeface="Montserrat Medium"/>
+                <a:ea typeface="Montserrat Medium"/>
+                <a:cs typeface="Montserrat Medium"/>
+                <a:sym typeface="Montserrat Medium"/>
+              </a:defRPr>
+            </a:lvl3pPr>
+            <a:lvl4pPr marL="1828800" marR="0" lvl="3" indent="-317500" algn="ctr" rtl="0">
+              <a:lnSpc>
+                <a:spcPct val="100000"/>
+              </a:lnSpc>
+              <a:spcBef>
+                <a:spcPts val="0"/>
+              </a:spcBef>
+              <a:spcAft>
+                <a:spcPts val="0"/>
+              </a:spcAft>
+              <a:buClr>
+                <a:schemeClr val="dk2"/>
+              </a:buClr>
+              <a:buSzPts val="1400"/>
+              <a:buFont typeface="Montserrat Medium"/>
+              <a:buNone/>
+              <a:defRPr sz="1400" b="0" i="0" u="none" strike="noStrike" cap="none">
+                <a:solidFill>
+                  <a:schemeClr val="dk2"/>
+                </a:solidFill>
+                <a:latin typeface="Montserrat Medium"/>
+                <a:ea typeface="Montserrat Medium"/>
+                <a:cs typeface="Montserrat Medium"/>
+                <a:sym typeface="Montserrat Medium"/>
+              </a:defRPr>
+            </a:lvl4pPr>
+            <a:lvl5pPr marL="2286000" marR="0" lvl="4" indent="-317500" algn="ctr" rtl="0">
+              <a:lnSpc>
+                <a:spcPct val="100000"/>
+              </a:lnSpc>
+              <a:spcBef>
+                <a:spcPts val="0"/>
+              </a:spcBef>
+              <a:spcAft>
+                <a:spcPts val="0"/>
+              </a:spcAft>
+              <a:buClr>
+                <a:schemeClr val="dk2"/>
+              </a:buClr>
+              <a:buSzPts val="1400"/>
+              <a:buFont typeface="Montserrat Medium"/>
+              <a:buNone/>
+              <a:defRPr sz="1400" b="0" i="0" u="none" strike="noStrike" cap="none">
+                <a:solidFill>
+                  <a:schemeClr val="dk2"/>
+                </a:solidFill>
+                <a:latin typeface="Montserrat Medium"/>
+                <a:ea typeface="Montserrat Medium"/>
+                <a:cs typeface="Montserrat Medium"/>
+                <a:sym typeface="Montserrat Medium"/>
+              </a:defRPr>
+            </a:lvl5pPr>
+            <a:lvl6pPr marL="2743200" marR="0" lvl="5" indent="-317500" algn="ctr" rtl="0">
+              <a:lnSpc>
+                <a:spcPct val="100000"/>
+              </a:lnSpc>
+              <a:spcBef>
+                <a:spcPts val="0"/>
+              </a:spcBef>
+              <a:spcAft>
+                <a:spcPts val="0"/>
+              </a:spcAft>
+              <a:buClr>
+                <a:schemeClr val="dk2"/>
+              </a:buClr>
+              <a:buSzPts val="1400"/>
+              <a:buFont typeface="Montserrat Medium"/>
+              <a:buNone/>
+              <a:defRPr sz="1400" b="0" i="0" u="none" strike="noStrike" cap="none">
+                <a:solidFill>
+                  <a:schemeClr val="dk2"/>
+                </a:solidFill>
+                <a:latin typeface="Montserrat Medium"/>
+                <a:ea typeface="Montserrat Medium"/>
+                <a:cs typeface="Montserrat Medium"/>
+                <a:sym typeface="Montserrat Medium"/>
+              </a:defRPr>
+            </a:lvl6pPr>
+            <a:lvl7pPr marL="3200400" marR="0" lvl="6" indent="-317500" algn="ctr" rtl="0">
+              <a:lnSpc>
+                <a:spcPct val="100000"/>
+              </a:lnSpc>
+              <a:spcBef>
+                <a:spcPts val="0"/>
+              </a:spcBef>
+              <a:spcAft>
+                <a:spcPts val="0"/>
+              </a:spcAft>
+              <a:buClr>
+                <a:schemeClr val="dk2"/>
+              </a:buClr>
+              <a:buSzPts val="1400"/>
+              <a:buFont typeface="Montserrat Medium"/>
+              <a:buNone/>
+              <a:defRPr sz="1400" b="0" i="0" u="none" strike="noStrike" cap="none">
+                <a:solidFill>
+                  <a:schemeClr val="dk2"/>
+                </a:solidFill>
+                <a:latin typeface="Montserrat Medium"/>
+                <a:ea typeface="Montserrat Medium"/>
+                <a:cs typeface="Montserrat Medium"/>
+                <a:sym typeface="Montserrat Medium"/>
+              </a:defRPr>
+            </a:lvl7pPr>
+            <a:lvl8pPr marL="3657600" marR="0" lvl="7" indent="-317500" algn="ctr" rtl="0">
+              <a:lnSpc>
+                <a:spcPct val="100000"/>
+              </a:lnSpc>
+              <a:spcBef>
+                <a:spcPts val="0"/>
+              </a:spcBef>
+              <a:spcAft>
+                <a:spcPts val="0"/>
+              </a:spcAft>
+              <a:buClr>
+                <a:schemeClr val="dk2"/>
+              </a:buClr>
+              <a:buSzPts val="1400"/>
+              <a:buFont typeface="Montserrat Medium"/>
+              <a:buNone/>
+              <a:defRPr sz="1400" b="0" i="0" u="none" strike="noStrike" cap="none">
+                <a:solidFill>
+                  <a:schemeClr val="dk2"/>
+                </a:solidFill>
+                <a:latin typeface="Montserrat Medium"/>
+                <a:ea typeface="Montserrat Medium"/>
+                <a:cs typeface="Montserrat Medium"/>
+                <a:sym typeface="Montserrat Medium"/>
+              </a:defRPr>
+            </a:lvl8pPr>
+            <a:lvl9pPr marL="4114800" marR="0" lvl="8" indent="-317500" algn="ctr" rtl="0">
+              <a:lnSpc>
+                <a:spcPct val="100000"/>
+              </a:lnSpc>
+              <a:spcBef>
+                <a:spcPts val="0"/>
+              </a:spcBef>
+              <a:spcAft>
+                <a:spcPts val="0"/>
+              </a:spcAft>
+              <a:buClr>
+                <a:schemeClr val="dk2"/>
+              </a:buClr>
+              <a:buSzPts val="1400"/>
+              <a:buFont typeface="Montserrat Medium"/>
+              <a:buNone/>
+              <a:defRPr sz="1400" b="0" i="0" u="none" strike="noStrike" cap="none">
+                <a:solidFill>
+                  <a:schemeClr val="dk2"/>
+                </a:solidFill>
+                <a:latin typeface="Montserrat Medium"/>
+                <a:ea typeface="Montserrat Medium"/>
+                <a:cs typeface="Montserrat Medium"/>
+                <a:sym typeface="Montserrat Medium"/>
+              </a:defRPr>
+            </a:lvl9pPr>
+          </a:lstStyle>
+          <a:p>
+            <a:pPr algn="just"/>
+            <a:r>
+              <a:rPr lang="es-SV" sz="1600" dirty="0"/>
+              <a:t>En el presente trabajo se aborda la gestión, la búsqueda y los registros de documentos escaneados del bufete de abogados Cartagena, como un panorama actual de la tecnología de la información, donde la gestión eficiente de documentos se ha convertido en un tema de gran importancia.</a:t>
+            </a:r>
+          </a:p>
+        </p:txBody>
+      </p:sp>
+    </p:spTree>
+    <p:extLst>
+      <p:ext uri="{BB962C8B-B14F-4D97-AF65-F5344CB8AC3E}">
+        <p14:creationId xmlns:p14="http://schemas.microsoft.com/office/powerpoint/2010/main" val="1716865091"/>
+      </p:ext>
+    </p:extLst>
+  </p:cSld>
+  <p:clrMapOvr>
+    <a:masterClrMapping/>
+  </p:clrMapOvr>
+  <p:transition spd="slow">
+    <p:push/>
+  </p:transition>
+  <p:timing>
+    <p:tnLst>
+      <p:par>
+        <p:cTn id="1" dur="indefinite" restart="never" nodeType="tmRoot">
+          <p:childTnLst>
+            <p:seq concurrent="1" nextAc="seek">
+              <p:cTn id="2" dur="indefinite" nodeType="mainSeq">
+                <p:childTnLst>
+                  <p:par>
+                    <p:cTn id="3" fill="hold">
+                      <p:stCondLst>
+                        <p:cond delay="indefinite"/>
+                        <p:cond evt="onBegin" delay="0">
+                          <p:tn val="2"/>
+                        </p:cond>
+                      </p:stCondLst>
+                      <p:childTnLst>
+                        <p:par>
+                          <p:cTn id="4" fill="hold">
+                            <p:stCondLst>
+                              <p:cond delay="0"/>
+                            </p:stCondLst>
+                            <p:childTnLst>
+                              <p:par>
+                                <p:cTn id="5" presetID="10" presetClass="entr" presetSubtype="0" fill="hold" nodeType="withEffect">
+                                  <p:stCondLst>
+                                    <p:cond delay="0"/>
+                                  </p:stCondLst>
+                                  <p:childTnLst>
+                                    <p:set>
+                                      <p:cBhvr>
+                                        <p:cTn id="6" dur="1" fill="hold">
+                                          <p:stCondLst>
+                                            <p:cond delay="0"/>
+                                          </p:stCondLst>
+                                        </p:cTn>
+                                        <p:tgtEl>
+                                          <p:spTgt spid="365"/>
+                                        </p:tgtEl>
+                                        <p:attrNameLst>
+                                          <p:attrName>style.visibility</p:attrName>
+                                        </p:attrNameLst>
+                                      </p:cBhvr>
+                                      <p:to>
+                                        <p:strVal val="visible"/>
+                                      </p:to>
+                                    </p:set>
+                                    <p:animEffect transition="in" filter="fade">
+                                      <p:cBhvr>
+                                        <p:cTn id="7" dur="1000"/>
+                                        <p:tgtEl>
+                                          <p:spTgt spid="365"/>
+                                        </p:tgtEl>
+                                      </p:cBhvr>
+                                    </p:animEffect>
+                                  </p:childTnLst>
+                                </p:cTn>
+                              </p:par>
+                            </p:childTnLst>
+                          </p:cTn>
+                        </p:par>
+                      </p:childTnLst>
+                    </p:cTn>
+                  </p:par>
+                </p:childTnLst>
+              </p:cTn>
+              <p:prevCondLst>
+                <p:cond evt="onPrev" delay="0">
+                  <p:tgtEl>
+                    <p:sldTgt/>
+                  </p:tgtEl>
+                </p:cond>
+              </p:prevCondLst>
+              <p:nextCondLst>
+                <p:cond evt="onNext" delay="0">
+                  <p:tgtEl>
+                    <p:sldTgt/>
+                  </p:tgtEl>
+                </p:cond>
+              </p:nextCondLst>
+            </p:seq>
+          </p:childTnLst>
+        </p:cTn>
+      </p:par>
+    </p:tnLst>
+  </p:timing>
+</p:sld>
+</file>
+
+<file path=ppt/slides/slide30.xml><?xml version="1.0" encoding="utf-8"?>
 <p:sld xmlns:a="http://schemas.openxmlformats.org/drawingml/2006/main" xmlns:r="http://schemas.openxmlformats.org/officeDocument/2006/relationships" xmlns:p="http://schemas.openxmlformats.org/presentationml/2006/main">
   <p:cSld>
     <p:bg>
@@ -27387,7 +26791,7 @@
         <p:push/>
       </p:transition>
     </mc:Choice>
-    <mc:Fallback xmlns:ahyp="http://schemas.microsoft.com/office/drawing/2018/hyperlinkcolor" xmlns:p15="http://schemas.microsoft.com/office/powerpoint/2012/main" xmlns:com="http://schemas.openxmlformats.org/drawingml/2006/compatibility" xmlns:pvml="urn:schemas-microsoft-com:office:powerpoint" xmlns:v="urn:schemas-microsoft-com:vml" xmlns:o="urn:schemas-microsoft-com:office:office" xmlns:dgm="http://schemas.openxmlformats.org/drawingml/2006/diagram" xmlns:c="http://schemas.openxmlformats.org/drawingml/2006/chart" xmlns:mv="urn:schemas-microsoft-com:mac:vml" xmlns="">
+    <mc:Fallback xmlns="" xmlns:mv="urn:schemas-microsoft-com:mac:vml" xmlns:c="http://schemas.openxmlformats.org/drawingml/2006/chart" xmlns:dgm="http://schemas.openxmlformats.org/drawingml/2006/diagram" xmlns:o="urn:schemas-microsoft-com:office:office" xmlns:v="urn:schemas-microsoft-com:vml" xmlns:pvml="urn:schemas-microsoft-com:office:powerpoint" xmlns:com="http://schemas.openxmlformats.org/drawingml/2006/compatibility" xmlns:p15="http://schemas.microsoft.com/office/powerpoint/2012/main" xmlns:ahyp="http://schemas.microsoft.com/office/drawing/2018/hyperlinkcolor">
       <p:transition spd="slow">
         <p:fade/>
       </p:transition>
@@ -29717,7 +29121,7 @@
         <p:push/>
       </p:transition>
     </mc:Choice>
-    <mc:Fallback xmlns:ahyp="http://schemas.microsoft.com/office/drawing/2018/hyperlinkcolor" xmlns:p15="http://schemas.microsoft.com/office/powerpoint/2012/main" xmlns:com="http://schemas.openxmlformats.org/drawingml/2006/compatibility" xmlns:pvml="urn:schemas-microsoft-com:office:powerpoint" xmlns:v="urn:schemas-microsoft-com:vml" xmlns:o="urn:schemas-microsoft-com:office:office" xmlns:dgm="http://schemas.openxmlformats.org/drawingml/2006/diagram" xmlns:c="http://schemas.openxmlformats.org/drawingml/2006/chart" xmlns:mv="urn:schemas-microsoft-com:mac:vml" xmlns="">
+    <mc:Fallback xmlns="" xmlns:mv="urn:schemas-microsoft-com:mac:vml" xmlns:c="http://schemas.openxmlformats.org/drawingml/2006/chart" xmlns:dgm="http://schemas.openxmlformats.org/drawingml/2006/diagram" xmlns:o="urn:schemas-microsoft-com:office:office" xmlns:v="urn:schemas-microsoft-com:vml" xmlns:pvml="urn:schemas-microsoft-com:office:powerpoint" xmlns:com="http://schemas.openxmlformats.org/drawingml/2006/compatibility" xmlns:p15="http://schemas.microsoft.com/office/powerpoint/2012/main" xmlns:ahyp="http://schemas.microsoft.com/office/drawing/2018/hyperlinkcolor">
       <p:transition spd="slow">
         <p:fade/>
       </p:transition>
@@ -29871,7 +29275,7 @@
         <p:push/>
       </p:transition>
     </mc:Choice>
-    <mc:Fallback xmlns:ahyp="http://schemas.microsoft.com/office/drawing/2018/hyperlinkcolor" xmlns:p15="http://schemas.microsoft.com/office/powerpoint/2012/main" xmlns:com="http://schemas.openxmlformats.org/drawingml/2006/compatibility" xmlns:pvml="urn:schemas-microsoft-com:office:powerpoint" xmlns:v="urn:schemas-microsoft-com:vml" xmlns:o="urn:schemas-microsoft-com:office:office" xmlns:dgm="http://schemas.openxmlformats.org/drawingml/2006/diagram" xmlns:c="http://schemas.openxmlformats.org/drawingml/2006/chart" xmlns:mv="urn:schemas-microsoft-com:mac:vml" xmlns="">
+    <mc:Fallback xmlns="" xmlns:mv="urn:schemas-microsoft-com:mac:vml" xmlns:c="http://schemas.openxmlformats.org/drawingml/2006/chart" xmlns:dgm="http://schemas.openxmlformats.org/drawingml/2006/diagram" xmlns:o="urn:schemas-microsoft-com:office:office" xmlns:v="urn:schemas-microsoft-com:vml" xmlns:pvml="urn:schemas-microsoft-com:office:powerpoint" xmlns:com="http://schemas.openxmlformats.org/drawingml/2006/compatibility" xmlns:p15="http://schemas.microsoft.com/office/powerpoint/2012/main" xmlns:ahyp="http://schemas.microsoft.com/office/drawing/2018/hyperlinkcolor">
       <p:transition spd="slow">
         <p:fade/>
       </p:transition>
@@ -30113,7 +29517,7 @@
         <p:push/>
       </p:transition>
     </mc:Choice>
-    <mc:Fallback xmlns:ahyp="http://schemas.microsoft.com/office/drawing/2018/hyperlinkcolor" xmlns:p15="http://schemas.microsoft.com/office/powerpoint/2012/main" xmlns:com="http://schemas.openxmlformats.org/drawingml/2006/compatibility" xmlns:pvml="urn:schemas-microsoft-com:office:powerpoint" xmlns:v="urn:schemas-microsoft-com:vml" xmlns:o="urn:schemas-microsoft-com:office:office" xmlns:dgm="http://schemas.openxmlformats.org/drawingml/2006/diagram" xmlns:c="http://schemas.openxmlformats.org/drawingml/2006/chart" xmlns:mv="urn:schemas-microsoft-com:mac:vml" xmlns="">
+    <mc:Fallback xmlns="" xmlns:mv="urn:schemas-microsoft-com:mac:vml" xmlns:c="http://schemas.openxmlformats.org/drawingml/2006/chart" xmlns:dgm="http://schemas.openxmlformats.org/drawingml/2006/diagram" xmlns:o="urn:schemas-microsoft-com:office:office" xmlns:v="urn:schemas-microsoft-com:vml" xmlns:pvml="urn:schemas-microsoft-com:office:powerpoint" xmlns:com="http://schemas.openxmlformats.org/drawingml/2006/compatibility" xmlns:p15="http://schemas.microsoft.com/office/powerpoint/2012/main" xmlns:ahyp="http://schemas.microsoft.com/office/drawing/2018/hyperlinkcolor">
       <p:transition spd="slow">
         <p:fade/>
       </p:transition>
@@ -31272,7 +30676,7 @@
         </p:nvSpPr>
         <p:spPr>
           <a:xfrm>
-            <a:off x="5977027" y="927110"/>
+            <a:off x="6010093" y="1021992"/>
             <a:ext cx="2017184" cy="307777"/>
           </a:xfrm>
           <a:prstGeom prst="rect">
@@ -31303,8 +30707,8 @@
         </p:nvSpPr>
         <p:spPr>
           <a:xfrm>
-            <a:off x="6568454" y="1275009"/>
-            <a:ext cx="2017184" cy="738664"/>
+            <a:off x="6611785" y="1433301"/>
+            <a:ext cx="1670978" cy="738664"/>
           </a:xfrm>
           <a:prstGeom prst="rect">
             <a:avLst/>
@@ -31321,7 +30725,7 @@
               <a:rPr lang="es-SV" dirty="0">
                 <a:latin typeface="Montserrat Medium" panose="00000600000000000000" pitchFamily="2" charset="0"/>
               </a:rPr>
-              <a:t>Poco o nulo conocimiento de procesos externos</a:t>
+              <a:t>Poco o nulo conocimiento de los procesos </a:t>
             </a:r>
           </a:p>
         </p:txBody>
@@ -31685,8 +31089,8 @@
         </p:nvSpPr>
         <p:spPr>
           <a:xfrm>
-            <a:off x="794774" y="1805849"/>
-            <a:ext cx="5643551" cy="2447174"/>
+            <a:off x="1106148" y="1902512"/>
+            <a:ext cx="5103266" cy="2447174"/>
           </a:xfrm>
           <a:prstGeom prst="rect">
             <a:avLst/>
@@ -31698,12 +31102,12 @@
           </a:bodyPr>
           <a:lstStyle/>
           <a:p>
-            <a:pPr marL="0" lvl="0" indent="0"/>
+            <a:pPr marL="0" lvl="0" indent="0" algn="just"/>
             <a:r>
               <a:rPr lang="es-ES" sz="2000" dirty="0"/>
-              <a:t>¿Qué impacto tiene la utilización de una plataforma web que gestione documentos para optimizar el proceso de búsqueda de archivos en un bufete de abogados?</a:t>
+              <a:t>¿Qué impacto económico, ambiental e industrial tiene la utilización de una plataforma web que gestione documentos para optimizar el proceso de búsqueda de archivos en un bufete de abogados?</a:t>
             </a:r>
-            <a:endParaRPr sz="2000" dirty="0"/>
+            <a:endParaRPr sz="3200" dirty="0"/>
           </a:p>
         </p:txBody>
       </p:sp>
@@ -31785,7 +31189,7 @@
         <p:push/>
       </p:transition>
     </mc:Choice>
-    <mc:Fallback xmlns:ahyp="http://schemas.microsoft.com/office/drawing/2018/hyperlinkcolor" xmlns:p15="http://schemas.microsoft.com/office/powerpoint/2012/main" xmlns:com="http://schemas.openxmlformats.org/drawingml/2006/compatibility" xmlns:pvml="urn:schemas-microsoft-com:office:powerpoint" xmlns:v="urn:schemas-microsoft-com:vml" xmlns:o="urn:schemas-microsoft-com:office:office" xmlns:dgm="http://schemas.openxmlformats.org/drawingml/2006/diagram" xmlns:c="http://schemas.openxmlformats.org/drawingml/2006/chart" xmlns:mv="urn:schemas-microsoft-com:mac:vml" xmlns="">
+    <mc:Fallback xmlns="" xmlns:mv="urn:schemas-microsoft-com:mac:vml" xmlns:c="http://schemas.openxmlformats.org/drawingml/2006/chart" xmlns:dgm="http://schemas.openxmlformats.org/drawingml/2006/diagram" xmlns:o="urn:schemas-microsoft-com:office:office" xmlns:v="urn:schemas-microsoft-com:vml" xmlns:pvml="urn:schemas-microsoft-com:office:powerpoint" xmlns:com="http://schemas.openxmlformats.org/drawingml/2006/compatibility" xmlns:p15="http://schemas.microsoft.com/office/powerpoint/2012/main" xmlns:ahyp="http://schemas.microsoft.com/office/drawing/2018/hyperlinkcolor">
       <p:transition spd="slow">
         <p:fade/>
       </p:transition>
